--- a/Presentation/soaTrainingPresentation.pptx
+++ b/Presentation/soaTrainingPresentation.pptx
@@ -8,20 +8,21 @@
     <p:sldId id="256" r:id="rId2"/>
     <p:sldId id="279" r:id="rId3"/>
     <p:sldId id="280" r:id="rId4"/>
-    <p:sldId id="281" r:id="rId5"/>
-    <p:sldId id="282" r:id="rId6"/>
-    <p:sldId id="283" r:id="rId7"/>
-    <p:sldId id="284" r:id="rId8"/>
-    <p:sldId id="285" r:id="rId9"/>
-    <p:sldId id="286" r:id="rId10"/>
-    <p:sldId id="287" r:id="rId11"/>
-    <p:sldId id="288" r:id="rId12"/>
-    <p:sldId id="259" r:id="rId13"/>
-    <p:sldId id="276" r:id="rId14"/>
-    <p:sldId id="277" r:id="rId15"/>
-    <p:sldId id="261" r:id="rId16"/>
-    <p:sldId id="268" r:id="rId17"/>
-    <p:sldId id="272" r:id="rId18"/>
+    <p:sldId id="282" r:id="rId5"/>
+    <p:sldId id="283" r:id="rId6"/>
+    <p:sldId id="284" r:id="rId7"/>
+    <p:sldId id="285" r:id="rId8"/>
+    <p:sldId id="286" r:id="rId9"/>
+    <p:sldId id="287" r:id="rId10"/>
+    <p:sldId id="288" r:id="rId11"/>
+    <p:sldId id="281" r:id="rId12"/>
+    <p:sldId id="289" r:id="rId13"/>
+    <p:sldId id="259" r:id="rId14"/>
+    <p:sldId id="276" r:id="rId15"/>
+    <p:sldId id="277" r:id="rId16"/>
+    <p:sldId id="261" r:id="rId17"/>
+    <p:sldId id="268" r:id="rId18"/>
+    <p:sldId id="272" r:id="rId19"/>
   </p:sldIdLst>
   <p:sldSz cx="9144000" cy="6858000" type="screen4x3"/>
   <p:notesSz cx="6858000" cy="9144000"/>
@@ -128,7 +129,6 @@
             <p14:sldId id="256"/>
             <p14:sldId id="279"/>
             <p14:sldId id="280"/>
-            <p14:sldId id="281"/>
             <p14:sldId id="282"/>
             <p14:sldId id="283"/>
             <p14:sldId id="284"/>
@@ -136,6 +136,8 @@
             <p14:sldId id="286"/>
             <p14:sldId id="287"/>
             <p14:sldId id="288"/>
+            <p14:sldId id="281"/>
+            <p14:sldId id="289"/>
           </p14:sldIdLst>
         </p14:section>
         <p14:section name="Architecture" id="{2E54B0A4-7D42-4DA8-B359-3DA8DE410F7E}">
@@ -2606,7 +2608,7 @@
           <p:cNvPr id="2" name="Content Placeholder 1">
             <a:extLst>
               <a:ext uri="{FF2B5EF4-FFF2-40B4-BE49-F238E27FC236}">
-                <a16:creationId xmlns:a16="http://schemas.microsoft.com/office/drawing/2014/main" id="{0542E5A1-B286-C08A-948F-EAEE7AC71D38}"/>
+                <a16:creationId xmlns:a16="http://schemas.microsoft.com/office/drawing/2014/main" id="{5AE0E60C-7619-E86D-CDDE-CE9B020FAC54}"/>
               </a:ext>
             </a:extLst>
           </p:cNvPr>
@@ -2627,138 +2629,204 @@
               <a:buChar char="q"/>
             </a:pPr>
             <a:r>
-              <a:rPr lang="en-US" dirty="0"/>
-              <a:t>ORACLE SOA SCA</a:t>
+              <a:rPr lang="en-US" sz="1500" dirty="0"/>
+              <a:t>The following summarizes the 5 key elements of SCA shown above: </a:t>
             </a:r>
           </a:p>
           <a:p>
             <a:pPr marL="0" indent="0">
               <a:buNone/>
             </a:pPr>
-            <a:endParaRPr lang="en-US" sz="1100" dirty="0"/>
+            <a:endParaRPr lang="en-US" sz="1500" dirty="0"/>
           </a:p>
           <a:p>
             <a:pPr lvl="1">
-              <a:buFont typeface="Arial" panose="020B0604020202020204" pitchFamily="34" charset="0"/>
-              <a:buChar char="•"/>
+              <a:spcAft>
+                <a:spcPts val="1200"/>
+              </a:spcAft>
+              <a:buFont typeface="Wingdings" panose="05000000000000000000" pitchFamily="2" charset="2"/>
+              <a:buChar char="Ø"/>
             </a:pPr>
             <a:r>
-              <a:rPr lang="en-US" sz="1400" dirty="0">
+              <a:rPr lang="en-US" dirty="0">
+                <a:solidFill>
+                  <a:schemeClr val="accent3">
+                    <a:lumMod val="75000"/>
+                  </a:schemeClr>
+                </a:solidFill>
+              </a:rPr>
+              <a:t>Composite</a:t>
+            </a:r>
+            <a:r>
+              <a:rPr lang="en-US" dirty="0"/>
+              <a:t>: </a:t>
+            </a:r>
+            <a:r>
+              <a:rPr lang="en-US" dirty="0">
                 <a:solidFill>
                   <a:srgbClr val="161616"/>
                 </a:solidFill>
                 <a:latin typeface="inherit"/>
               </a:rPr>
-              <a:t>The entry point to the composite itself is the </a:t>
-            </a:r>
-            <a:r>
-              <a:rPr lang="en-US" sz="1400" dirty="0">
-                <a:solidFill>
-                  <a:srgbClr val="00B050"/>
+              <a:t>deployment unit </a:t>
+            </a:r>
+            <a:endParaRPr lang="en-US" dirty="0"/>
+          </a:p>
+          <a:p>
+            <a:pPr lvl="1">
+              <a:spcAft>
+                <a:spcPts val="1200"/>
+              </a:spcAft>
+              <a:buFont typeface="Wingdings" panose="05000000000000000000" pitchFamily="2" charset="2"/>
+              <a:buChar char="Ø"/>
+            </a:pPr>
+            <a:r>
+              <a:rPr lang="en-US" dirty="0">
+                <a:solidFill>
+                  <a:schemeClr val="accent3">
+                    <a:lumMod val="75000"/>
+                  </a:schemeClr>
+                </a:solidFill>
+              </a:rPr>
+              <a:t>Service</a:t>
+            </a:r>
+            <a:r>
+              <a:rPr lang="en-US" dirty="0"/>
+              <a:t>: </a:t>
+            </a:r>
+            <a:r>
+              <a:rPr lang="en-US" dirty="0">
+                <a:solidFill>
+                  <a:srgbClr val="161616"/>
                 </a:solidFill>
                 <a:latin typeface="inherit"/>
               </a:rPr>
-              <a:t>Service</a:t>
-            </a:r>
-            <a:r>
-              <a:rPr lang="en-US" sz="1400" dirty="0">
+              <a:t>entry-point into the composite. Services exposed by the component that are callable from outside the composite are called promoted services</a:t>
+            </a:r>
+          </a:p>
+          <a:p>
+            <a:pPr lvl="1">
+              <a:spcAft>
+                <a:spcPts val="1200"/>
+              </a:spcAft>
+              <a:buFont typeface="Wingdings" panose="05000000000000000000" pitchFamily="2" charset="2"/>
+              <a:buChar char="Ø"/>
+            </a:pPr>
+            <a:r>
+              <a:rPr lang="en-US" dirty="0">
+                <a:solidFill>
+                  <a:schemeClr val="accent3">
+                    <a:lumMod val="75000"/>
+                  </a:schemeClr>
+                </a:solidFill>
+              </a:rPr>
+              <a:t>Component</a:t>
+            </a:r>
+            <a:r>
+              <a:rPr lang="en-US" dirty="0">
                 <a:solidFill>
                   <a:srgbClr val="161616"/>
                 </a:solidFill>
                 <a:latin typeface="inherit"/>
               </a:rPr>
-              <a:t> which exposes a chain of one or more components (each with its own Service interface) that are bound/linked together as dependencies (known as </a:t>
-            </a:r>
-            <a:r>
-              <a:rPr lang="en-US" sz="1400" dirty="0">
-                <a:solidFill>
-                  <a:srgbClr val="00B050"/>
+              <a:t>: provides the logic to be used within the composite</a:t>
+            </a:r>
+          </a:p>
+          <a:p>
+            <a:pPr lvl="1">
+              <a:spcAft>
+                <a:spcPts val="1200"/>
+              </a:spcAft>
+              <a:buFont typeface="Wingdings" panose="05000000000000000000" pitchFamily="2" charset="2"/>
+              <a:buChar char="Ø"/>
+            </a:pPr>
+            <a:r>
+              <a:rPr lang="en-US" dirty="0">
+                <a:solidFill>
+                  <a:schemeClr val="accent3">
+                    <a:lumMod val="75000"/>
+                  </a:schemeClr>
+                </a:solidFill>
+              </a:rPr>
+              <a:t>Reference:</a:t>
+            </a:r>
+            <a:r>
+              <a:rPr lang="en-US" dirty="0"/>
+              <a:t> </a:t>
+            </a:r>
+            <a:r>
+              <a:rPr lang="en-US" dirty="0">
+                <a:solidFill>
+                  <a:srgbClr val="161616"/>
                 </a:solidFill>
                 <a:latin typeface="inherit"/>
               </a:rPr>
-              <a:t>References</a:t>
-            </a:r>
-            <a:r>
-              <a:rPr lang="en-US" sz="1400" dirty="0">
+              <a:t>refers to internal and external services. As per the SCA spec, references to external services are called “promoted references”</a:t>
+            </a:r>
+          </a:p>
+          <a:p>
+            <a:pPr lvl="1">
+              <a:spcAft>
+                <a:spcPts val="1200"/>
+              </a:spcAft>
+              <a:buFont typeface="Wingdings" panose="05000000000000000000" pitchFamily="2" charset="2"/>
+              <a:buChar char="Ø"/>
+            </a:pPr>
+            <a:r>
+              <a:rPr lang="en-US" dirty="0">
+                <a:solidFill>
+                  <a:schemeClr val="accent3">
+                    <a:lumMod val="75000"/>
+                  </a:schemeClr>
+                </a:solidFill>
+              </a:rPr>
+              <a:t>Wire:</a:t>
+            </a:r>
+            <a:r>
+              <a:rPr lang="en-US" dirty="0"/>
+              <a:t> </a:t>
+            </a:r>
+            <a:r>
+              <a:rPr lang="en-US" dirty="0">
                 <a:solidFill>
                   <a:srgbClr val="161616"/>
                 </a:solidFill>
                 <a:latin typeface="inherit"/>
               </a:rPr>
-              <a:t>) through </a:t>
-            </a:r>
-            <a:r>
-              <a:rPr lang="en-US" sz="1400" dirty="0">
-                <a:solidFill>
-                  <a:srgbClr val="00B050"/>
+              <a:t>connects services, components and references – no special semantic.</a:t>
+            </a:r>
+          </a:p>
+          <a:p>
+            <a:pPr lvl="1">
+              <a:spcAft>
+                <a:spcPts val="1200"/>
+              </a:spcAft>
+              <a:buFont typeface="Wingdings" panose="05000000000000000000" pitchFamily="2" charset="2"/>
+              <a:buChar char="Ø"/>
+            </a:pPr>
+            <a:r>
+              <a:rPr lang="en-US" dirty="0">
+                <a:solidFill>
+                  <a:schemeClr val="accent3">
+                    <a:lumMod val="75000"/>
+                  </a:schemeClr>
+                </a:solidFill>
+              </a:rPr>
+              <a:t>Properties:</a:t>
+            </a:r>
+            <a:r>
+              <a:rPr lang="en-US" dirty="0"/>
+              <a:t> </a:t>
+            </a:r>
+            <a:r>
+              <a:rPr lang="en-US" dirty="0">
+                <a:solidFill>
+                  <a:srgbClr val="161616"/>
                 </a:solidFill>
                 <a:latin typeface="inherit"/>
               </a:rPr>
-              <a:t>Wires</a:t>
-            </a:r>
-            <a:r>
-              <a:rPr lang="en-US" sz="1400" dirty="0">
-                <a:solidFill>
-                  <a:srgbClr val="161616"/>
-                </a:solidFill>
-                <a:latin typeface="inherit"/>
-              </a:rPr>
-              <a:t>. </a:t>
-            </a:r>
-          </a:p>
-          <a:p>
-            <a:pPr lvl="1">
-              <a:buFont typeface="Arial" panose="020B0604020202020204" pitchFamily="34" charset="0"/>
-              <a:buChar char="•"/>
-            </a:pPr>
-            <a:r>
-              <a:rPr lang="en-US" sz="1400" dirty="0">
-                <a:solidFill>
-                  <a:srgbClr val="161616"/>
-                </a:solidFill>
-                <a:latin typeface="inherit"/>
-              </a:rPr>
-              <a:t>The components can be local (such as a BPEL process or JCA adapter) or they can be remote using a protocol such as Web services. </a:t>
-            </a:r>
-          </a:p>
-          <a:p>
-            <a:pPr lvl="1">
-              <a:buFont typeface="Arial" panose="020B0604020202020204" pitchFamily="34" charset="0"/>
-              <a:buChar char="•"/>
-            </a:pPr>
-            <a:r>
-              <a:rPr lang="en-US" sz="1400" dirty="0">
-                <a:solidFill>
-                  <a:srgbClr val="161616"/>
-                </a:solidFill>
-                <a:latin typeface="inherit"/>
-              </a:rPr>
-              <a:t>Finally, the specification allows for each of the components to have properties for customization within a particular use or deployment (e.g. the directory to which a completed Purchase Order document should be written).</a:t>
-            </a:r>
-          </a:p>
-          <a:p>
-            <a:pPr lvl="1">
-              <a:buFont typeface="Arial" panose="020B0604020202020204" pitchFamily="34" charset="0"/>
-              <a:buChar char="•"/>
-            </a:pPr>
-            <a:endParaRPr lang="en-US" sz="1400" dirty="0">
-              <a:solidFill>
-                <a:srgbClr val="161616"/>
-              </a:solidFill>
-              <a:latin typeface="inherit"/>
-            </a:endParaRPr>
-          </a:p>
-          <a:p>
-            <a:pPr lvl="1">
-              <a:buFont typeface="Arial" panose="020B0604020202020204" pitchFamily="34" charset="0"/>
-              <a:buChar char="•"/>
-            </a:pPr>
-            <a:endParaRPr lang="en-US" sz="1400" dirty="0">
-              <a:solidFill>
-                <a:srgbClr val="161616"/>
-              </a:solidFill>
-              <a:latin typeface="inherit"/>
-            </a:endParaRPr>
+              <a:t>allow for customization of a component’s behavior in a particular deployment</a:t>
+            </a:r>
           </a:p>
         </p:txBody>
       </p:sp>
@@ -2767,7 +2835,7 @@
           <p:cNvPr id="3" name="Title 2">
             <a:extLst>
               <a:ext uri="{FF2B5EF4-FFF2-40B4-BE49-F238E27FC236}">
-                <a16:creationId xmlns:a16="http://schemas.microsoft.com/office/drawing/2014/main" id="{4C026758-6EB5-2BD2-2F2E-6132759AA3B5}"/>
+                <a16:creationId xmlns:a16="http://schemas.microsoft.com/office/drawing/2014/main" id="{1D51FB4E-40B1-A033-CDAB-47EF3F47B8A0}"/>
               </a:ext>
             </a:extLst>
           </p:cNvPr>
@@ -2816,70 +2884,10 @@
           </a:p>
         </p:txBody>
       </p:sp>
-      <p:pic>
-        <p:nvPicPr>
-          <p:cNvPr id="5" name="Picture 4">
-            <a:extLst>
-              <a:ext uri="{FF2B5EF4-FFF2-40B4-BE49-F238E27FC236}">
-                <a16:creationId xmlns:a16="http://schemas.microsoft.com/office/drawing/2014/main" id="{A0E7569D-F024-74C0-6C41-D880A6C2907A}"/>
-              </a:ext>
-            </a:extLst>
-          </p:cNvPr>
-          <p:cNvPicPr>
-            <a:picLocks noChangeAspect="1"/>
-          </p:cNvPicPr>
-          <p:nvPr/>
-        </p:nvPicPr>
-        <p:blipFill>
-          <a:blip r:embed="rId2"/>
-          <a:stretch>
-            <a:fillRect/>
-          </a:stretch>
-        </p:blipFill>
-        <p:spPr>
-          <a:xfrm>
-            <a:off x="625816" y="3672686"/>
-            <a:ext cx="3279134" cy="2422954"/>
-          </a:xfrm>
-          <a:prstGeom prst="rect">
-            <a:avLst/>
-          </a:prstGeom>
-        </p:spPr>
-      </p:pic>
-      <p:pic>
-        <p:nvPicPr>
-          <p:cNvPr id="7" name="Picture 6">
-            <a:extLst>
-              <a:ext uri="{FF2B5EF4-FFF2-40B4-BE49-F238E27FC236}">
-                <a16:creationId xmlns:a16="http://schemas.microsoft.com/office/drawing/2014/main" id="{B88A8CE2-46E4-C98C-A654-B6D4CAD56CF9}"/>
-              </a:ext>
-            </a:extLst>
-          </p:cNvPr>
-          <p:cNvPicPr>
-            <a:picLocks noChangeAspect="1"/>
-          </p:cNvPicPr>
-          <p:nvPr/>
-        </p:nvPicPr>
-        <p:blipFill>
-          <a:blip r:embed="rId3"/>
-          <a:stretch>
-            <a:fillRect/>
-          </a:stretch>
-        </p:blipFill>
-        <p:spPr>
-          <a:xfrm>
-            <a:off x="4073566" y="4013961"/>
-            <a:ext cx="4396487" cy="1740403"/>
-          </a:xfrm>
-          <a:prstGeom prst="rect">
-            <a:avLst/>
-          </a:prstGeom>
-        </p:spPr>
-      </p:pic>
     </p:spTree>
     <p:extLst>
       <p:ext uri="{BB962C8B-B14F-4D97-AF65-F5344CB8AC3E}">
-        <p14:creationId xmlns:p14="http://schemas.microsoft.com/office/powerpoint/2010/main" val="3505989978"/>
+        <p14:creationId xmlns:p14="http://schemas.microsoft.com/office/powerpoint/2010/main" val="2266756794"/>
       </p:ext>
     </p:extLst>
   </p:cSld>
@@ -2911,7 +2919,7 @@
           <p:cNvPr id="2" name="Content Placeholder 1">
             <a:extLst>
               <a:ext uri="{FF2B5EF4-FFF2-40B4-BE49-F238E27FC236}">
-                <a16:creationId xmlns:a16="http://schemas.microsoft.com/office/drawing/2014/main" id="{5AE0E60C-7619-E86D-CDDE-CE9B020FAC54}"/>
+                <a16:creationId xmlns:a16="http://schemas.microsoft.com/office/drawing/2014/main" id="{EBB35BBA-4A6A-DC4A-222E-5217FAF04C32}"/>
               </a:ext>
             </a:extLst>
           </p:cNvPr>
@@ -2922,207 +2930,19 @@
             <p:ph idx="1"/>
           </p:nvPr>
         </p:nvSpPr>
-        <p:spPr/>
+        <p:spPr>
+          <a:xfrm>
+            <a:off x="304800" y="922178"/>
+            <a:ext cx="8229600" cy="4906963"/>
+          </a:xfrm>
+        </p:spPr>
         <p:txBody>
           <a:bodyPr/>
           <a:lstStyle/>
           <a:p>
-            <a:pPr>
-              <a:buFont typeface="Wingdings" panose="05000000000000000000" pitchFamily="2" charset="2"/>
-              <a:buChar char="q"/>
-            </a:pPr>
-            <a:r>
-              <a:rPr lang="en-US" sz="1500" dirty="0"/>
-              <a:t>The following summarizes the 5 key elements of SCA shown above: </a:t>
-            </a:r>
-          </a:p>
-          <a:p>
-            <a:pPr lvl="1">
-              <a:spcAft>
-                <a:spcPts val="600"/>
-              </a:spcAft>
-              <a:buFont typeface="Wingdings" panose="05000000000000000000" pitchFamily="2" charset="2"/>
-              <a:buChar char="Ø"/>
-            </a:pPr>
-            <a:r>
-              <a:rPr lang="en-US" dirty="0">
-                <a:solidFill>
-                  <a:schemeClr val="accent3">
-                    <a:lumMod val="75000"/>
-                  </a:schemeClr>
-                </a:solidFill>
-              </a:rPr>
-              <a:t>Composite</a:t>
-            </a:r>
             <a:r>
               <a:rPr lang="en-US" dirty="0"/>
-              <a:t>: </a:t>
-            </a:r>
-            <a:r>
-              <a:rPr lang="en-US" dirty="0">
-                <a:solidFill>
-                  <a:srgbClr val="161616"/>
-                </a:solidFill>
-                <a:latin typeface="inherit"/>
-              </a:rPr>
-              <a:t>deployment unit </a:t>
-            </a:r>
-            <a:endParaRPr lang="en-US" dirty="0"/>
-          </a:p>
-          <a:p>
-            <a:pPr lvl="1">
-              <a:spcAft>
-                <a:spcPts val="600"/>
-              </a:spcAft>
-              <a:buFont typeface="Wingdings" panose="05000000000000000000" pitchFamily="2" charset="2"/>
-              <a:buChar char="Ø"/>
-            </a:pPr>
-            <a:r>
-              <a:rPr lang="en-US" dirty="0">
-                <a:solidFill>
-                  <a:schemeClr val="accent3">
-                    <a:lumMod val="75000"/>
-                  </a:schemeClr>
-                </a:solidFill>
-              </a:rPr>
-              <a:t>Service</a:t>
-            </a:r>
-            <a:r>
-              <a:rPr lang="en-US" dirty="0"/>
-              <a:t>: </a:t>
-            </a:r>
-            <a:r>
-              <a:rPr lang="en-US" dirty="0">
-                <a:solidFill>
-                  <a:srgbClr val="161616"/>
-                </a:solidFill>
-                <a:latin typeface="inherit"/>
-              </a:rPr>
-              <a:t>entry-point into the composite. Services exposed by the component that are callable from outside the composite are called promoted services</a:t>
-            </a:r>
-          </a:p>
-          <a:p>
-            <a:pPr lvl="1">
-              <a:spcAft>
-                <a:spcPts val="600"/>
-              </a:spcAft>
-              <a:buFont typeface="Wingdings" panose="05000000000000000000" pitchFamily="2" charset="2"/>
-              <a:buChar char="Ø"/>
-            </a:pPr>
-            <a:r>
-              <a:rPr lang="en-US" dirty="0">
-                <a:solidFill>
-                  <a:schemeClr val="accent3">
-                    <a:lumMod val="75000"/>
-                  </a:schemeClr>
-                </a:solidFill>
-              </a:rPr>
-              <a:t>Component</a:t>
-            </a:r>
-            <a:r>
-              <a:rPr lang="en-US" dirty="0">
-                <a:solidFill>
-                  <a:srgbClr val="161616"/>
-                </a:solidFill>
-                <a:latin typeface="inherit"/>
-              </a:rPr>
-              <a:t>: provides the logic to be used within the composite</a:t>
-            </a:r>
-          </a:p>
-          <a:p>
-            <a:pPr lvl="1">
-              <a:spcAft>
-                <a:spcPts val="600"/>
-              </a:spcAft>
-              <a:buFont typeface="Wingdings" panose="05000000000000000000" pitchFamily="2" charset="2"/>
-              <a:buChar char="Ø"/>
-            </a:pPr>
-            <a:r>
-              <a:rPr lang="en-US" dirty="0">
-                <a:solidFill>
-                  <a:schemeClr val="accent3">
-                    <a:lumMod val="75000"/>
-                  </a:schemeClr>
-                </a:solidFill>
-              </a:rPr>
-              <a:t>Reference:</a:t>
-            </a:r>
-            <a:r>
-              <a:rPr lang="en-US" dirty="0"/>
-              <a:t> </a:t>
-            </a:r>
-            <a:r>
-              <a:rPr lang="en-US" dirty="0">
-                <a:solidFill>
-                  <a:srgbClr val="161616"/>
-                </a:solidFill>
-                <a:latin typeface="inherit"/>
-              </a:rPr>
-              <a:t>refers to internal and external services. As per the SCA spec, references to external services are called “promoted references”</a:t>
-            </a:r>
-          </a:p>
-          <a:p>
-            <a:pPr lvl="1">
-              <a:spcAft>
-                <a:spcPts val="600"/>
-              </a:spcAft>
-              <a:buFont typeface="Wingdings" panose="05000000000000000000" pitchFamily="2" charset="2"/>
-              <a:buChar char="Ø"/>
-            </a:pPr>
-            <a:r>
-              <a:rPr lang="en-US" dirty="0">
-                <a:solidFill>
-                  <a:schemeClr val="accent3">
-                    <a:lumMod val="75000"/>
-                  </a:schemeClr>
-                </a:solidFill>
-              </a:rPr>
-              <a:t>Wire:</a:t>
-            </a:r>
-            <a:r>
-              <a:rPr lang="en-US" dirty="0"/>
-              <a:t> </a:t>
-            </a:r>
-            <a:r>
-              <a:rPr lang="en-US" dirty="0">
-                <a:solidFill>
-                  <a:srgbClr val="161616"/>
-                </a:solidFill>
-                <a:latin typeface="inherit"/>
-              </a:rPr>
-              <a:t>connects services, components and references – no special semantic.</a:t>
-            </a:r>
-          </a:p>
-          <a:p>
-            <a:pPr lvl="1">
-              <a:spcAft>
-                <a:spcPts val="600"/>
-              </a:spcAft>
-              <a:buFont typeface="Wingdings" panose="05000000000000000000" pitchFamily="2" charset="2"/>
-              <a:buChar char="Ø"/>
-            </a:pPr>
-            <a:r>
-              <a:rPr lang="en-US" dirty="0">
-                <a:solidFill>
-                  <a:schemeClr val="accent3">
-                    <a:lumMod val="75000"/>
-                  </a:schemeClr>
-                </a:solidFill>
-              </a:rPr>
-              <a:t>Properties:</a:t>
-            </a:r>
-            <a:r>
-              <a:rPr lang="en-US" dirty="0"/>
-              <a:t> </a:t>
-            </a:r>
-            <a:r>
-              <a:rPr lang="en-US" dirty="0">
-                <a:solidFill>
-                  <a:srgbClr val="161616"/>
-                </a:solidFill>
-                <a:latin typeface="inherit"/>
-              </a:rPr>
-              <a:t>allow for customization of a component’s behavior in a particular deployment</a:t>
+              <a:t>Some of Oracle SOA Components</a:t>
             </a:r>
           </a:p>
         </p:txBody>
@@ -3132,7 +2952,7 @@
           <p:cNvPr id="3" name="Title 2">
             <a:extLst>
               <a:ext uri="{FF2B5EF4-FFF2-40B4-BE49-F238E27FC236}">
-                <a16:creationId xmlns:a16="http://schemas.microsoft.com/office/drawing/2014/main" id="{1D51FB4E-40B1-A033-CDAB-47EF3F47B8A0}"/>
+                <a16:creationId xmlns:a16="http://schemas.microsoft.com/office/drawing/2014/main" id="{1EE94271-6AC1-62AE-3B8C-DBF5C6B5F87D}"/>
               </a:ext>
             </a:extLst>
           </p:cNvPr>
@@ -3181,10 +3001,328 @@
           </a:p>
         </p:txBody>
       </p:sp>
+      <p:sp>
+        <p:nvSpPr>
+          <p:cNvPr id="6" name="TextBox 5">
+            <a:extLst>
+              <a:ext uri="{FF2B5EF4-FFF2-40B4-BE49-F238E27FC236}">
+                <a16:creationId xmlns:a16="http://schemas.microsoft.com/office/drawing/2014/main" id="{609DE738-DC89-84AB-9C81-3760EFCE5BBD}"/>
+              </a:ext>
+            </a:extLst>
+          </p:cNvPr>
+          <p:cNvSpPr txBox="1"/>
+          <p:nvPr/>
+        </p:nvSpPr>
+        <p:spPr>
+          <a:xfrm>
+            <a:off x="445251" y="1397680"/>
+            <a:ext cx="7383780" cy="830997"/>
+          </a:xfrm>
+          <a:prstGeom prst="rect">
+            <a:avLst/>
+          </a:prstGeom>
+          <a:noFill/>
+        </p:spPr>
+        <p:txBody>
+          <a:bodyPr wrap="square">
+            <a:spAutoFit/>
+          </a:bodyPr>
+          <a:lstStyle/>
+          <a:p>
+            <a:pPr marL="285750" indent="-285750" algn="l">
+              <a:buFont typeface="Wingdings" panose="05000000000000000000" pitchFamily="2" charset="2"/>
+              <a:buChar char="q"/>
+            </a:pPr>
+            <a:r>
+              <a:rPr lang="en-US" b="1" i="0" dirty="0">
+                <a:solidFill>
+                  <a:srgbClr val="292929"/>
+                </a:solidFill>
+                <a:effectLst/>
+                <a:latin typeface="sohne"/>
+              </a:rPr>
+              <a:t>Service Infrastructure</a:t>
+            </a:r>
+          </a:p>
+          <a:p>
+            <a:pPr lvl="1"/>
+            <a:r>
+              <a:rPr lang="en-US" sz="1500" dirty="0">
+                <a:solidFill>
+                  <a:srgbClr val="333333"/>
+                </a:solidFill>
+                <a:latin typeface="AmazonEmber"/>
+              </a:rPr>
+              <a:t>Service Infra allows the linking of components via the internal message routing structure. Along with this, it allows the data flow.</a:t>
+            </a:r>
+          </a:p>
+        </p:txBody>
+      </p:sp>
+      <p:sp>
+        <p:nvSpPr>
+          <p:cNvPr id="10" name="TextBox 9">
+            <a:extLst>
+              <a:ext uri="{FF2B5EF4-FFF2-40B4-BE49-F238E27FC236}">
+                <a16:creationId xmlns:a16="http://schemas.microsoft.com/office/drawing/2014/main" id="{0D76DD70-7C17-8608-45E4-E528835BA7A5}"/>
+              </a:ext>
+            </a:extLst>
+          </p:cNvPr>
+          <p:cNvSpPr txBox="1"/>
+          <p:nvPr/>
+        </p:nvSpPr>
+        <p:spPr>
+          <a:xfrm>
+            <a:off x="445251" y="2339743"/>
+            <a:ext cx="6996197" cy="3370153"/>
+          </a:xfrm>
+          <a:prstGeom prst="rect">
+            <a:avLst/>
+          </a:prstGeom>
+          <a:noFill/>
+        </p:spPr>
+        <p:txBody>
+          <a:bodyPr wrap="square">
+            <a:spAutoFit/>
+          </a:bodyPr>
+          <a:lstStyle/>
+          <a:p>
+            <a:pPr marL="285750" indent="-285750" algn="l">
+              <a:buFont typeface="Wingdings" panose="05000000000000000000" pitchFamily="2" charset="2"/>
+              <a:buChar char="q"/>
+            </a:pPr>
+            <a:r>
+              <a:rPr lang="en-US" b="1" i="0" dirty="0">
+                <a:solidFill>
+                  <a:srgbClr val="292929"/>
+                </a:solidFill>
+                <a:effectLst/>
+                <a:latin typeface="sohne"/>
+              </a:rPr>
+              <a:t>Oracle Adapters:</a:t>
+            </a:r>
+          </a:p>
+          <a:p>
+            <a:pPr marL="742950" lvl="1" indent="-285750">
+              <a:buFont typeface="Arial" panose="020B0604020202020204" pitchFamily="34" charset="0"/>
+              <a:buChar char="•"/>
+            </a:pPr>
+            <a:r>
+              <a:rPr lang="en-US" sz="1500" dirty="0">
+                <a:solidFill>
+                  <a:srgbClr val="333333"/>
+                </a:solidFill>
+                <a:latin typeface="AmazonEmber"/>
+              </a:rPr>
+              <a:t>Services are often surfaced through adapters that take an existing piece of functionality and "adapt" it to the SOA </a:t>
+            </a:r>
+            <a:r>
+              <a:rPr lang="en-US" sz="1500" dirty="0" err="1">
+                <a:solidFill>
+                  <a:srgbClr val="333333"/>
+                </a:solidFill>
+                <a:latin typeface="AmazonEmber"/>
+              </a:rPr>
+              <a:t>world,The</a:t>
+            </a:r>
+            <a:r>
+              <a:rPr lang="en-US" sz="1500" dirty="0">
+                <a:solidFill>
+                  <a:srgbClr val="333333"/>
+                </a:solidFill>
+                <a:latin typeface="AmazonEmber"/>
+              </a:rPr>
+              <a:t> Oracle Adapters uses the JCA technology to establish a link between the Oracle SOA Suite and the external systems. </a:t>
+            </a:r>
+          </a:p>
+          <a:p>
+            <a:pPr marL="742950" lvl="1" indent="-285750">
+              <a:buFont typeface="Arial" panose="020B0604020202020204" pitchFamily="34" charset="0"/>
+              <a:buChar char="•"/>
+            </a:pPr>
+            <a:r>
+              <a:rPr lang="en-US" sz="1500" dirty="0">
+                <a:solidFill>
+                  <a:srgbClr val="333333"/>
+                </a:solidFill>
+                <a:latin typeface="AmazonEmber"/>
+              </a:rPr>
+              <a:t>Out of the box, the SOA Suite includes licenses for the following adapters: </a:t>
+            </a:r>
+          </a:p>
+          <a:p>
+            <a:pPr marL="1200150" lvl="2" indent="-285750">
+              <a:buFont typeface="Courier New" panose="02070309020205020404" pitchFamily="49" charset="0"/>
+              <a:buChar char="o"/>
+            </a:pPr>
+            <a:r>
+              <a:rPr lang="en-US" sz="1500" dirty="0">
+                <a:solidFill>
+                  <a:srgbClr val="333333"/>
+                </a:solidFill>
+                <a:latin typeface="AmazonEmber"/>
+              </a:rPr>
+              <a:t>File adapter </a:t>
+            </a:r>
+          </a:p>
+          <a:p>
+            <a:pPr marL="1200150" lvl="2" indent="-285750">
+              <a:buFont typeface="Courier New" panose="02070309020205020404" pitchFamily="49" charset="0"/>
+              <a:buChar char="o"/>
+            </a:pPr>
+            <a:r>
+              <a:rPr lang="en-US" sz="1500" dirty="0">
+                <a:solidFill>
+                  <a:srgbClr val="333333"/>
+                </a:solidFill>
+                <a:latin typeface="AmazonEmber"/>
+              </a:rPr>
+              <a:t>FTP adapter </a:t>
+            </a:r>
+          </a:p>
+          <a:p>
+            <a:pPr marL="1200150" lvl="2" indent="-285750">
+              <a:buFont typeface="Courier New" panose="02070309020205020404" pitchFamily="49" charset="0"/>
+              <a:buChar char="o"/>
+            </a:pPr>
+            <a:r>
+              <a:rPr lang="en-US" sz="1500" dirty="0">
+                <a:solidFill>
+                  <a:srgbClr val="333333"/>
+                </a:solidFill>
+                <a:latin typeface="AmazonEmber"/>
+              </a:rPr>
+              <a:t>Database adapter </a:t>
+            </a:r>
+          </a:p>
+          <a:p>
+            <a:pPr marL="1200150" lvl="2" indent="-285750">
+              <a:buFont typeface="Courier New" panose="02070309020205020404" pitchFamily="49" charset="0"/>
+              <a:buChar char="o"/>
+            </a:pPr>
+            <a:r>
+              <a:rPr lang="en-US" sz="1500" dirty="0">
+                <a:solidFill>
+                  <a:srgbClr val="333333"/>
+                </a:solidFill>
+                <a:latin typeface="AmazonEmber"/>
+              </a:rPr>
+              <a:t>JMS adapter </a:t>
+            </a:r>
+          </a:p>
+          <a:p>
+            <a:pPr marL="1200150" lvl="2" indent="-285750">
+              <a:buFont typeface="Courier New" panose="02070309020205020404" pitchFamily="49" charset="0"/>
+              <a:buChar char="o"/>
+            </a:pPr>
+            <a:r>
+              <a:rPr lang="en-US" sz="1500" dirty="0">
+                <a:solidFill>
+                  <a:srgbClr val="333333"/>
+                </a:solidFill>
+                <a:latin typeface="AmazonEmber"/>
+              </a:rPr>
+              <a:t>MQ adapter </a:t>
+            </a:r>
+          </a:p>
+          <a:p>
+            <a:pPr marL="1200150" lvl="2" indent="-285750">
+              <a:buFont typeface="Courier New" panose="02070309020205020404" pitchFamily="49" charset="0"/>
+              <a:buChar char="o"/>
+            </a:pPr>
+            <a:r>
+              <a:rPr lang="en-US" sz="1500" dirty="0">
+                <a:solidFill>
+                  <a:srgbClr val="333333"/>
+                </a:solidFill>
+                <a:latin typeface="AmazonEmber"/>
+              </a:rPr>
+              <a:t>AQ adapter </a:t>
+            </a:r>
+          </a:p>
+          <a:p>
+            <a:pPr marL="1200150" lvl="2" indent="-285750">
+              <a:buFont typeface="Courier New" panose="02070309020205020404" pitchFamily="49" charset="0"/>
+              <a:buChar char="o"/>
+            </a:pPr>
+            <a:r>
+              <a:rPr lang="en-US" sz="1500" dirty="0">
+                <a:solidFill>
+                  <a:srgbClr val="333333"/>
+                </a:solidFill>
+                <a:latin typeface="AmazonEmber"/>
+              </a:rPr>
+              <a:t>Socket adapter </a:t>
+            </a:r>
+          </a:p>
+          <a:p>
+            <a:pPr marL="1200150" lvl="2" indent="-285750">
+              <a:buFont typeface="Courier New" panose="02070309020205020404" pitchFamily="49" charset="0"/>
+              <a:buChar char="o"/>
+            </a:pPr>
+            <a:r>
+              <a:rPr lang="en-US" sz="1500" dirty="0">
+                <a:solidFill>
+                  <a:srgbClr val="333333"/>
+                </a:solidFill>
+                <a:latin typeface="AmazonEmber"/>
+              </a:rPr>
+              <a:t>BAM adapter</a:t>
+            </a:r>
+          </a:p>
+        </p:txBody>
+      </p:sp>
+      <p:pic>
+        <p:nvPicPr>
+          <p:cNvPr id="4" name="Picture 2" descr="Illustration showing the Service Infrastructure. It depicts the Service Infrastructure in a box, with the various components connecting to it. It shows it receiving messages from a SOAP binding component and the delivery API. It shows a composite application within the Service Infrastructure.">
+            <a:extLst>
+              <a:ext uri="{FF2B5EF4-FFF2-40B4-BE49-F238E27FC236}">
+                <a16:creationId xmlns:a16="http://schemas.microsoft.com/office/drawing/2014/main" id="{EFC16E13-A22E-9A79-C510-DDC59093DA30}"/>
+              </a:ext>
+            </a:extLst>
+          </p:cNvPr>
+          <p:cNvPicPr>
+            <a:picLocks noChangeAspect="1" noChangeArrowheads="1"/>
+          </p:cNvPicPr>
+          <p:nvPr/>
+        </p:nvPicPr>
+        <p:blipFill>
+          <a:blip r:embed="rId2">
+            <a:alphaModFix amt="85000"/>
+            <a:extLst>
+              <a:ext uri="{28A0092B-C50C-407E-A947-70E740481C1C}">
+                <a14:useLocalDpi xmlns:a14="http://schemas.microsoft.com/office/drawing/2010/main" val="0"/>
+              </a:ext>
+            </a:extLst>
+          </a:blip>
+          <a:srcRect/>
+          <a:stretch>
+            <a:fillRect/>
+          </a:stretch>
+        </p:blipFill>
+        <p:spPr bwMode="auto">
+          <a:xfrm>
+            <a:off x="3986968" y="4024819"/>
+            <a:ext cx="4852232" cy="2273259"/>
+          </a:xfrm>
+          <a:prstGeom prst="rect">
+            <a:avLst/>
+          </a:prstGeom>
+          <a:noFill/>
+          <a:extLst>
+            <a:ext uri="{909E8E84-426E-40DD-AFC4-6F175D3DCCD1}">
+              <a14:hiddenFill xmlns:a14="http://schemas.microsoft.com/office/drawing/2010/main">
+                <a:solidFill>
+                  <a:srgbClr val="FFFFFF"/>
+                </a:solidFill>
+              </a14:hiddenFill>
+            </a:ext>
+          </a:extLst>
+        </p:spPr>
+      </p:pic>
     </p:spTree>
     <p:extLst>
       <p:ext uri="{BB962C8B-B14F-4D97-AF65-F5344CB8AC3E}">
-        <p14:creationId xmlns:p14="http://schemas.microsoft.com/office/powerpoint/2010/main" val="2266756794"/>
+        <p14:creationId xmlns:p14="http://schemas.microsoft.com/office/powerpoint/2010/main" val="171805125"/>
       </p:ext>
     </p:extLst>
   </p:cSld>
@@ -3195,6 +3333,194 @@
 </file>
 
 <file path=ppt/slides/slide12.xml><?xml version="1.0" encoding="utf-8"?>
+<p:sld xmlns:a="http://schemas.openxmlformats.org/drawingml/2006/main" xmlns:r="http://schemas.openxmlformats.org/officeDocument/2006/relationships" xmlns:p="http://schemas.openxmlformats.org/presentationml/2006/main">
+  <p:cSld>
+    <p:spTree>
+      <p:nvGrpSpPr>
+        <p:cNvPr id="1" name=""/>
+        <p:cNvGrpSpPr/>
+        <p:nvPr/>
+      </p:nvGrpSpPr>
+      <p:grpSpPr>
+        <a:xfrm>
+          <a:off x="0" y="0"/>
+          <a:ext cx="0" cy="0"/>
+          <a:chOff x="0" y="0"/>
+          <a:chExt cx="0" cy="0"/>
+        </a:xfrm>
+      </p:grpSpPr>
+      <p:sp>
+        <p:nvSpPr>
+          <p:cNvPr id="3" name="Title 2">
+            <a:extLst>
+              <a:ext uri="{FF2B5EF4-FFF2-40B4-BE49-F238E27FC236}">
+                <a16:creationId xmlns:a16="http://schemas.microsoft.com/office/drawing/2014/main" id="{E2EFA5C5-F89D-9268-6ED9-EB9C8C67C850}"/>
+              </a:ext>
+            </a:extLst>
+          </p:cNvPr>
+          <p:cNvSpPr>
+            <a:spLocks noGrp="1"/>
+          </p:cNvSpPr>
+          <p:nvPr>
+            <p:ph type="title"/>
+          </p:nvPr>
+        </p:nvSpPr>
+        <p:spPr/>
+        <p:txBody>
+          <a:bodyPr/>
+          <a:lstStyle/>
+          <a:p>
+            <a:endParaRPr lang="en-US"/>
+          </a:p>
+        </p:txBody>
+      </p:sp>
+      <p:sp>
+        <p:nvSpPr>
+          <p:cNvPr id="4" name="Content Placeholder 3">
+            <a:extLst>
+              <a:ext uri="{FF2B5EF4-FFF2-40B4-BE49-F238E27FC236}">
+                <a16:creationId xmlns:a16="http://schemas.microsoft.com/office/drawing/2014/main" id="{46829F0D-5546-2AE7-E9FE-F17871C5AC2E}"/>
+              </a:ext>
+            </a:extLst>
+          </p:cNvPr>
+          <p:cNvSpPr txBox="1">
+            <a:spLocks noGrp="1"/>
+          </p:cNvSpPr>
+          <p:nvPr>
+            <p:ph idx="1"/>
+          </p:nvPr>
+        </p:nvSpPr>
+        <p:spPr>
+          <a:xfrm>
+            <a:off x="457200" y="1262743"/>
+            <a:ext cx="8229600" cy="2527615"/>
+          </a:xfrm>
+          <a:prstGeom prst="rect">
+            <a:avLst/>
+          </a:prstGeom>
+          <a:noFill/>
+        </p:spPr>
+        <p:txBody>
+          <a:bodyPr wrap="square">
+            <a:spAutoFit/>
+          </a:bodyPr>
+          <a:lstStyle/>
+          <a:p>
+            <a:pPr marL="285750" indent="-285750" algn="l">
+              <a:buFont typeface="Wingdings" panose="05000000000000000000" pitchFamily="2" charset="2"/>
+              <a:buChar char="q"/>
+            </a:pPr>
+            <a:r>
+              <a:rPr lang="en-US" b="1" i="0" dirty="0">
+                <a:solidFill>
+                  <a:srgbClr val="292929"/>
+                </a:solidFill>
+                <a:effectLst/>
+                <a:latin typeface="sohne"/>
+              </a:rPr>
+              <a:t>Oracle Mediator</a:t>
+            </a:r>
+          </a:p>
+          <a:p>
+            <a:pPr indent="342900" algn="l"/>
+            <a:r>
+              <a:rPr lang="en-US" sz="1500" b="1" dirty="0">
+                <a:solidFill>
+                  <a:srgbClr val="292929"/>
+                </a:solidFill>
+                <a:latin typeface="sohne"/>
+              </a:rPr>
+              <a:t> </a:t>
+            </a:r>
+            <a:r>
+              <a:rPr lang="en-US" sz="1500" dirty="0">
+                <a:solidFill>
+                  <a:srgbClr val="333333"/>
+                </a:solidFill>
+                <a:latin typeface="AmazonEmber"/>
+              </a:rPr>
+              <a:t>Analogous to a load balancer routing HTTP traffic, the Oracle Mediator routes data from service providers to external partners. In addition, it can subscribe to and publish business events.</a:t>
+            </a:r>
+          </a:p>
+          <a:p>
+            <a:pPr indent="342900" algn="l"/>
+            <a:endParaRPr lang="en-US" sz="1500" dirty="0">
+              <a:solidFill>
+                <a:srgbClr val="333333"/>
+              </a:solidFill>
+              <a:latin typeface="AmazonEmber"/>
+            </a:endParaRPr>
+          </a:p>
+          <a:p>
+            <a:pPr marL="285750" indent="-285750" algn="l">
+              <a:buFont typeface="Wingdings" panose="05000000000000000000" pitchFamily="2" charset="2"/>
+              <a:buChar char="q"/>
+            </a:pPr>
+            <a:r>
+              <a:rPr lang="en-US" b="1" i="0" dirty="0">
+                <a:solidFill>
+                  <a:srgbClr val="292929"/>
+                </a:solidFill>
+                <a:effectLst/>
+                <a:latin typeface="sohne"/>
+              </a:rPr>
+              <a:t>Oracle BPEL Process Manager</a:t>
+            </a:r>
+          </a:p>
+          <a:p>
+            <a:pPr lvl="1"/>
+            <a:r>
+              <a:rPr lang="en-US" sz="1500" dirty="0">
+                <a:solidFill>
+                  <a:srgbClr val="333333"/>
+                </a:solidFill>
+                <a:latin typeface="AmazonEmber"/>
+              </a:rPr>
+              <a:t>Oracle BPEL Process Manager provides the standard for assembling a set of discrete services into an end-to-end process flow, radically reducing the cost and complexity of process integration initiatives</a:t>
+            </a:r>
+            <a:r>
+              <a:rPr lang="en-US" b="0" i="0" dirty="0">
+                <a:solidFill>
+                  <a:srgbClr val="232323"/>
+                </a:solidFill>
+                <a:effectLst/>
+                <a:latin typeface="Verdana" panose="020B0604030504040204" pitchFamily="34" charset="0"/>
+              </a:rPr>
+              <a:t>.</a:t>
+            </a:r>
+            <a:endParaRPr lang="en-US" b="1" i="0" dirty="0">
+              <a:solidFill>
+                <a:srgbClr val="292929"/>
+              </a:solidFill>
+              <a:effectLst/>
+              <a:latin typeface="sohne"/>
+            </a:endParaRPr>
+          </a:p>
+          <a:p>
+            <a:pPr indent="342900" algn="l"/>
+            <a:endParaRPr lang="en-US" sz="1500" dirty="0">
+              <a:solidFill>
+                <a:srgbClr val="333333"/>
+              </a:solidFill>
+              <a:latin typeface="AmazonEmber"/>
+            </a:endParaRPr>
+          </a:p>
+        </p:txBody>
+      </p:sp>
+    </p:spTree>
+    <p:extLst>
+      <p:ext uri="{BB962C8B-B14F-4D97-AF65-F5344CB8AC3E}">
+        <p14:creationId xmlns:p14="http://schemas.microsoft.com/office/powerpoint/2010/main" val="2652110129"/>
+      </p:ext>
+    </p:extLst>
+  </p:cSld>
+  <p:clrMapOvr>
+    <a:masterClrMapping/>
+  </p:clrMapOvr>
+</p:sld>
+</file>
+
+<file path=ppt/slides/slide13.xml><?xml version="1.0" encoding="utf-8"?>
 <p:sld xmlns:a="http://schemas.openxmlformats.org/drawingml/2006/main" xmlns:r="http://schemas.openxmlformats.org/officeDocument/2006/relationships" xmlns:p="http://schemas.openxmlformats.org/presentationml/2006/main">
   <p:cSld>
     <p:spTree>
@@ -5347,7 +5673,7 @@
 </p:sld>
 </file>
 
-<file path=ppt/slides/slide13.xml><?xml version="1.0" encoding="utf-8"?>
+<file path=ppt/slides/slide14.xml><?xml version="1.0" encoding="utf-8"?>
 <p:sld xmlns:a="http://schemas.openxmlformats.org/drawingml/2006/main" xmlns:r="http://schemas.openxmlformats.org/officeDocument/2006/relationships" xmlns:p="http://schemas.openxmlformats.org/presentationml/2006/main">
   <p:cSld>
     <p:spTree>
@@ -6980,7 +7306,7 @@
 </p:sld>
 </file>
 
-<file path=ppt/slides/slide14.xml><?xml version="1.0" encoding="utf-8"?>
+<file path=ppt/slides/slide15.xml><?xml version="1.0" encoding="utf-8"?>
 <p:sld xmlns:a="http://schemas.openxmlformats.org/drawingml/2006/main" xmlns:r="http://schemas.openxmlformats.org/officeDocument/2006/relationships" xmlns:p="http://schemas.openxmlformats.org/presentationml/2006/main">
   <p:cSld>
     <p:spTree>
@@ -8107,7 +8433,7 @@
 </p:sld>
 </file>
 
-<file path=ppt/slides/slide15.xml><?xml version="1.0" encoding="utf-8"?>
+<file path=ppt/slides/slide16.xml><?xml version="1.0" encoding="utf-8"?>
 <p:sld xmlns:a="http://schemas.openxmlformats.org/drawingml/2006/main" xmlns:r="http://schemas.openxmlformats.org/officeDocument/2006/relationships" xmlns:p="http://schemas.openxmlformats.org/presentationml/2006/main">
   <p:cSld>
     <p:spTree>
@@ -8291,7 +8617,7 @@
 </p:sld>
 </file>
 
-<file path=ppt/slides/slide16.xml><?xml version="1.0" encoding="utf-8"?>
+<file path=ppt/slides/slide17.xml><?xml version="1.0" encoding="utf-8"?>
 <p:sld xmlns:a="http://schemas.openxmlformats.org/drawingml/2006/main" xmlns:r="http://schemas.openxmlformats.org/officeDocument/2006/relationships" xmlns:p="http://schemas.openxmlformats.org/presentationml/2006/main">
   <p:cSld>
     <p:spTree>
@@ -8396,7 +8722,7 @@
 </p:sld>
 </file>
 
-<file path=ppt/slides/slide17.xml><?xml version="1.0" encoding="utf-8"?>
+<file path=ppt/slides/slide18.xml><?xml version="1.0" encoding="utf-8"?>
 <p:sld xmlns:a="http://schemas.openxmlformats.org/drawingml/2006/main" xmlns:r="http://schemas.openxmlformats.org/officeDocument/2006/relationships" xmlns:p="http://schemas.openxmlformats.org/presentationml/2006/main">
   <p:cSld>
     <p:spTree>
@@ -10538,7 +10864,7 @@
           <p:cNvPr id="2" name="Content Placeholder 1">
             <a:extLst>
               <a:ext uri="{FF2B5EF4-FFF2-40B4-BE49-F238E27FC236}">
-                <a16:creationId xmlns:a16="http://schemas.microsoft.com/office/drawing/2014/main" id="{EBB35BBA-4A6A-DC4A-222E-5217FAF04C32}"/>
+                <a16:creationId xmlns:a16="http://schemas.microsoft.com/office/drawing/2014/main" id="{912418B3-0C5C-2AB6-0B26-75AE5D1C25F8}"/>
               </a:ext>
             </a:extLst>
           </p:cNvPr>
@@ -10551,18 +10877,183 @@
         </p:nvSpPr>
         <p:spPr>
           <a:xfrm>
-            <a:off x="304800" y="922178"/>
-            <a:ext cx="8229600" cy="4906963"/>
+            <a:off x="555223" y="1303025"/>
+            <a:ext cx="6065520" cy="2125975"/>
           </a:xfrm>
         </p:spPr>
         <p:txBody>
-          <a:bodyPr/>
+          <a:bodyPr>
+            <a:normAutofit fontScale="92500" lnSpcReduction="10000"/>
+          </a:bodyPr>
           <a:lstStyle/>
           <a:p>
-            <a:r>
-              <a:rPr lang="en-US" dirty="0"/>
-              <a:t>Some of Oracle SOA Components</a:t>
-            </a:r>
+            <a:pPr marL="231775" marR="0" lvl="1" indent="0" rtl="0">
+              <a:lnSpc>
+                <a:spcPct val="107000"/>
+              </a:lnSpc>
+              <a:spcBef>
+                <a:spcPts val="0"/>
+              </a:spcBef>
+              <a:spcAft>
+                <a:spcPts val="0"/>
+              </a:spcAft>
+              <a:buNone/>
+            </a:pPr>
+            <a:r>
+              <a:rPr lang="en-US" sz="1800" b="1" dirty="0">
+                <a:solidFill>
+                  <a:srgbClr val="292929"/>
+                </a:solidFill>
+                <a:latin typeface="sohne"/>
+              </a:rPr>
+              <a:t>Topics:	</a:t>
+            </a:r>
+          </a:p>
+          <a:p>
+            <a:pPr marL="231775" marR="0" lvl="1" indent="0" rtl="0">
+              <a:lnSpc>
+                <a:spcPct val="107000"/>
+              </a:lnSpc>
+              <a:spcBef>
+                <a:spcPts val="0"/>
+              </a:spcBef>
+              <a:spcAft>
+                <a:spcPts val="0"/>
+              </a:spcAft>
+              <a:buNone/>
+            </a:pPr>
+            <a:endParaRPr lang="en-US" sz="1800" b="1" dirty="0">
+              <a:solidFill>
+                <a:srgbClr val="292929"/>
+              </a:solidFill>
+              <a:latin typeface="sohne"/>
+            </a:endParaRPr>
+          </a:p>
+          <a:p>
+            <a:pPr marL="817554" lvl="2" indent="-285750">
+              <a:lnSpc>
+                <a:spcPct val="107000"/>
+              </a:lnSpc>
+              <a:spcBef>
+                <a:spcPts val="0"/>
+              </a:spcBef>
+              <a:buFont typeface="Courier New" panose="02070309020205020404" pitchFamily="49" charset="0"/>
+              <a:buChar char="o"/>
+            </a:pPr>
+            <a:r>
+              <a:rPr lang="en-US" sz="1800" b="1" dirty="0">
+                <a:solidFill>
+                  <a:srgbClr val="292929"/>
+                </a:solidFill>
+                <a:latin typeface="sohne"/>
+              </a:rPr>
+              <a:t>Overview of XML, XSD, Web-Services, SOAP, WSDL</a:t>
+            </a:r>
+          </a:p>
+          <a:p>
+            <a:pPr marL="817554" lvl="2" indent="-285750">
+              <a:lnSpc>
+                <a:spcPct val="107000"/>
+              </a:lnSpc>
+              <a:spcBef>
+                <a:spcPts val="0"/>
+              </a:spcBef>
+              <a:buFont typeface="Courier New" panose="02070309020205020404" pitchFamily="49" charset="0"/>
+              <a:buChar char="o"/>
+            </a:pPr>
+            <a:endParaRPr lang="en-US" sz="1800" b="1" dirty="0">
+              <a:solidFill>
+                <a:srgbClr val="292929"/>
+              </a:solidFill>
+              <a:latin typeface="sohne"/>
+            </a:endParaRPr>
+          </a:p>
+          <a:p>
+            <a:pPr marL="817554" lvl="2" indent="-288925">
+              <a:lnSpc>
+                <a:spcPct val="107000"/>
+              </a:lnSpc>
+              <a:spcBef>
+                <a:spcPts val="0"/>
+              </a:spcBef>
+              <a:buFont typeface="Courier New" panose="02070309020205020404" pitchFamily="49" charset="0"/>
+              <a:buChar char="o"/>
+            </a:pPr>
+            <a:r>
+              <a:rPr lang="en-US" sz="1800" b="1" dirty="0">
+                <a:solidFill>
+                  <a:srgbClr val="292929"/>
+                </a:solidFill>
+                <a:latin typeface="sohne"/>
+              </a:rPr>
+              <a:t>Web Services Sample Demonstration</a:t>
+            </a:r>
+          </a:p>
+          <a:p>
+            <a:pPr marL="817554" lvl="2" indent="-288925">
+              <a:lnSpc>
+                <a:spcPct val="107000"/>
+              </a:lnSpc>
+              <a:spcBef>
+                <a:spcPts val="0"/>
+              </a:spcBef>
+              <a:buFont typeface="Courier New" panose="02070309020205020404" pitchFamily="49" charset="0"/>
+              <a:buChar char="o"/>
+            </a:pPr>
+            <a:endParaRPr lang="en-US" sz="1800" b="1" dirty="0">
+              <a:solidFill>
+                <a:srgbClr val="292929"/>
+              </a:solidFill>
+              <a:latin typeface="sohne"/>
+            </a:endParaRPr>
+          </a:p>
+          <a:p>
+            <a:pPr marL="817554" lvl="2" indent="-288925">
+              <a:lnSpc>
+                <a:spcPct val="107000"/>
+              </a:lnSpc>
+              <a:spcBef>
+                <a:spcPts val="0"/>
+              </a:spcBef>
+              <a:spcAft>
+                <a:spcPts val="800"/>
+              </a:spcAft>
+              <a:buFont typeface="Courier New" panose="02070309020205020404" pitchFamily="49" charset="0"/>
+              <a:buChar char="o"/>
+            </a:pPr>
+            <a:r>
+              <a:rPr lang="en-US" sz="1800" b="1" dirty="0">
+                <a:solidFill>
+                  <a:srgbClr val="292929"/>
+                </a:solidFill>
+                <a:latin typeface="sohne"/>
+              </a:rPr>
+              <a:t>Understanding WSDL</a:t>
+            </a:r>
+          </a:p>
+          <a:p>
+            <a:pPr marL="817554" lvl="2" indent="-288925">
+              <a:lnSpc>
+                <a:spcPct val="107000"/>
+              </a:lnSpc>
+              <a:spcBef>
+                <a:spcPts val="0"/>
+              </a:spcBef>
+              <a:spcAft>
+                <a:spcPts val="800"/>
+              </a:spcAft>
+              <a:buFont typeface="Courier New" panose="02070309020205020404" pitchFamily="49" charset="0"/>
+              <a:buChar char="o"/>
+            </a:pPr>
+            <a:endParaRPr lang="en-US" sz="1800" b="1" dirty="0">
+              <a:solidFill>
+                <a:srgbClr val="292929"/>
+              </a:solidFill>
+              <a:latin typeface="sohne"/>
+            </a:endParaRPr>
+          </a:p>
+          <a:p>
+            <a:endParaRPr lang="en-US" dirty="0"/>
           </a:p>
         </p:txBody>
       </p:sp>
@@ -10571,7 +11062,7 @@
           <p:cNvPr id="3" name="Title 2">
             <a:extLst>
               <a:ext uri="{FF2B5EF4-FFF2-40B4-BE49-F238E27FC236}">
-                <a16:creationId xmlns:a16="http://schemas.microsoft.com/office/drawing/2014/main" id="{1EE94271-6AC1-62AE-3B8C-DBF5C6B5F87D}"/>
+                <a16:creationId xmlns:a16="http://schemas.microsoft.com/office/drawing/2014/main" id="{9A54B9A6-0CE3-DF04-CEBE-F39634C424D1}"/>
               </a:ext>
             </a:extLst>
           </p:cNvPr>
@@ -10588,318 +11079,44 @@
           <a:lstStyle/>
           <a:p>
             <a:r>
+              <a:rPr lang="en-US" b="1" dirty="0">
+                <a:solidFill>
+                  <a:schemeClr val="accent4">
+                    <a:lumMod val="75000"/>
+                  </a:schemeClr>
+                </a:solidFill>
+                <a:latin typeface="Segoe UI Semilight" panose="020B0402040204020203" pitchFamily="34" charset="0"/>
+                <a:cs typeface="Segoe UI Semilight" panose="020B0402040204020203" pitchFamily="34" charset="0"/>
+              </a:rPr>
+              <a:t>W</a:t>
+            </a:r>
+            <a:r>
               <a:rPr lang="en-US" dirty="0"/>
-              <a:t>SOA Introduction</a:t>
-            </a:r>
-          </a:p>
-        </p:txBody>
-      </p:sp>
-      <p:pic>
-        <p:nvPicPr>
-          <p:cNvPr id="2050" name="Picture 2" descr="Illustration showing the Service Infrastructure. It depicts the Service Infrastructure in a box, with the various components connecting to it. It shows it receiving messages from a SOAP binding component and the delivery API. It shows a composite application within the Service Infrastructure.">
-            <a:extLst>
-              <a:ext uri="{FF2B5EF4-FFF2-40B4-BE49-F238E27FC236}">
-                <a16:creationId xmlns:a16="http://schemas.microsoft.com/office/drawing/2014/main" id="{D05C213E-CD2D-D6E2-18DB-EF25C862BB8F}"/>
-              </a:ext>
-            </a:extLst>
-          </p:cNvPr>
-          <p:cNvPicPr>
-            <a:picLocks noChangeAspect="1" noChangeArrowheads="1"/>
-          </p:cNvPicPr>
-          <p:nvPr/>
-        </p:nvPicPr>
-        <p:blipFill>
-          <a:blip r:embed="rId2">
-            <a:alphaModFix amt="85000"/>
-            <a:extLst>
-              <a:ext uri="{28A0092B-C50C-407E-A947-70E740481C1C}">
-                <a14:useLocalDpi xmlns:a14="http://schemas.microsoft.com/office/drawing/2010/main" val="0"/>
-              </a:ext>
-            </a:extLst>
-          </a:blip>
-          <a:srcRect/>
-          <a:stretch>
-            <a:fillRect/>
-          </a:stretch>
-        </p:blipFill>
-        <p:spPr bwMode="auto">
-          <a:xfrm>
-            <a:off x="3902800" y="4010891"/>
-            <a:ext cx="5176259" cy="2425065"/>
-          </a:xfrm>
-          <a:prstGeom prst="rect">
-            <a:avLst/>
-          </a:prstGeom>
-          <a:noFill/>
-          <a:extLst>
-            <a:ext uri="{909E8E84-426E-40DD-AFC4-6F175D3DCCD1}">
-              <a14:hiddenFill xmlns:a14="http://schemas.microsoft.com/office/drawing/2010/main">
-                <a:solidFill>
-                  <a:srgbClr val="FFFFFF"/>
-                </a:solidFill>
-              </a14:hiddenFill>
-            </a:ext>
-          </a:extLst>
-        </p:spPr>
-      </p:pic>
-      <p:sp>
-        <p:nvSpPr>
-          <p:cNvPr id="6" name="TextBox 5">
-            <a:extLst>
-              <a:ext uri="{FF2B5EF4-FFF2-40B4-BE49-F238E27FC236}">
-                <a16:creationId xmlns:a16="http://schemas.microsoft.com/office/drawing/2014/main" id="{609DE738-DC89-84AB-9C81-3760EFCE5BBD}"/>
-              </a:ext>
-            </a:extLst>
-          </p:cNvPr>
-          <p:cNvSpPr txBox="1"/>
-          <p:nvPr/>
-        </p:nvSpPr>
-        <p:spPr>
-          <a:xfrm>
-            <a:off x="445251" y="1397680"/>
-            <a:ext cx="7383780" cy="830997"/>
-          </a:xfrm>
-          <a:prstGeom prst="rect">
-            <a:avLst/>
-          </a:prstGeom>
-          <a:noFill/>
-        </p:spPr>
-        <p:txBody>
-          <a:bodyPr wrap="square">
-            <a:spAutoFit/>
-          </a:bodyPr>
-          <a:lstStyle/>
-          <a:p>
-            <a:pPr marL="285750" indent="-285750" algn="l">
-              <a:buFont typeface="Wingdings" panose="05000000000000000000" pitchFamily="2" charset="2"/>
-              <a:buChar char="q"/>
-            </a:pPr>
-            <a:r>
-              <a:rPr lang="en-US" b="1" i="0" dirty="0">
-                <a:solidFill>
-                  <a:srgbClr val="292929"/>
-                </a:solidFill>
-                <a:effectLst/>
-                <a:latin typeface="sohne"/>
-              </a:rPr>
-              <a:t>Service Infrastructure</a:t>
-            </a:r>
-          </a:p>
-          <a:p>
-            <a:pPr lvl="1"/>
-            <a:r>
-              <a:rPr lang="en-US" sz="1500" dirty="0">
-                <a:solidFill>
-                  <a:srgbClr val="333333"/>
-                </a:solidFill>
-                <a:latin typeface="AmazonEmber"/>
-              </a:rPr>
-              <a:t>Service Infra allows the linking of components via the internal message routing structure. Along with this, it allows the data flow.</a:t>
-            </a:r>
-          </a:p>
-        </p:txBody>
-      </p:sp>
-      <p:sp>
-        <p:nvSpPr>
-          <p:cNvPr id="10" name="TextBox 9">
-            <a:extLst>
-              <a:ext uri="{FF2B5EF4-FFF2-40B4-BE49-F238E27FC236}">
-                <a16:creationId xmlns:a16="http://schemas.microsoft.com/office/drawing/2014/main" id="{0D76DD70-7C17-8608-45E4-E528835BA7A5}"/>
-              </a:ext>
-            </a:extLst>
-          </p:cNvPr>
-          <p:cNvSpPr txBox="1"/>
-          <p:nvPr/>
-        </p:nvSpPr>
-        <p:spPr>
-          <a:xfrm>
-            <a:off x="445251" y="2339743"/>
-            <a:ext cx="6996197" cy="830997"/>
-          </a:xfrm>
-          <a:prstGeom prst="rect">
-            <a:avLst/>
-          </a:prstGeom>
-          <a:noFill/>
-        </p:spPr>
-        <p:txBody>
-          <a:bodyPr wrap="square">
-            <a:spAutoFit/>
-          </a:bodyPr>
-          <a:lstStyle/>
-          <a:p>
-            <a:pPr marL="285750" indent="-285750" algn="l">
-              <a:buFont typeface="Wingdings" panose="05000000000000000000" pitchFamily="2" charset="2"/>
-              <a:buChar char="q"/>
-            </a:pPr>
-            <a:r>
-              <a:rPr lang="en-US" b="1" i="0" dirty="0">
-                <a:solidFill>
-                  <a:srgbClr val="292929"/>
-                </a:solidFill>
-                <a:effectLst/>
-                <a:latin typeface="sohne"/>
-              </a:rPr>
-              <a:t>Oracle Adapters:</a:t>
-            </a:r>
-          </a:p>
-          <a:p>
-            <a:pPr lvl="1"/>
-            <a:r>
-              <a:rPr lang="en-US" sz="1500" dirty="0">
-                <a:solidFill>
-                  <a:srgbClr val="333333"/>
-                </a:solidFill>
-                <a:latin typeface="AmazonEmber"/>
-              </a:rPr>
-              <a:t>The Oracle Adapters uses the JCA technology to establish a link between the Oracle SOA Suite and the external systems.</a:t>
-            </a:r>
-          </a:p>
-        </p:txBody>
-      </p:sp>
-      <p:sp>
-        <p:nvSpPr>
-          <p:cNvPr id="12" name="TextBox 11">
-            <a:extLst>
-              <a:ext uri="{FF2B5EF4-FFF2-40B4-BE49-F238E27FC236}">
-                <a16:creationId xmlns:a16="http://schemas.microsoft.com/office/drawing/2014/main" id="{5AD92F29-6B79-DEA3-792E-048B84EE9034}"/>
-              </a:ext>
-            </a:extLst>
-          </p:cNvPr>
-          <p:cNvSpPr txBox="1"/>
-          <p:nvPr/>
-        </p:nvSpPr>
-        <p:spPr>
-          <a:xfrm>
-            <a:off x="445251" y="3301624"/>
-            <a:ext cx="6165617" cy="1061829"/>
-          </a:xfrm>
-          <a:prstGeom prst="rect">
-            <a:avLst/>
-          </a:prstGeom>
-          <a:noFill/>
-        </p:spPr>
-        <p:txBody>
-          <a:bodyPr wrap="square">
-            <a:spAutoFit/>
-          </a:bodyPr>
-          <a:lstStyle/>
-          <a:p>
-            <a:pPr marL="285750" indent="-285750" algn="l">
-              <a:buFont typeface="Wingdings" panose="05000000000000000000" pitchFamily="2" charset="2"/>
-              <a:buChar char="q"/>
-            </a:pPr>
-            <a:r>
-              <a:rPr lang="en-US" b="1" i="0" dirty="0">
-                <a:solidFill>
-                  <a:srgbClr val="292929"/>
-                </a:solidFill>
-                <a:effectLst/>
-                <a:latin typeface="sohne"/>
-              </a:rPr>
-              <a:t>Oracle Mediator</a:t>
-            </a:r>
-          </a:p>
-          <a:p>
-            <a:pPr indent="342900" algn="l"/>
-            <a:r>
-              <a:rPr lang="en-US" sz="1500" b="1" dirty="0">
-                <a:solidFill>
-                  <a:srgbClr val="292929"/>
-                </a:solidFill>
-                <a:latin typeface="sohne"/>
+              <a:t>eb</a:t>
+            </a:r>
+            <a:r>
+              <a:rPr lang="en-US" b="1" dirty="0">
+                <a:solidFill>
+                  <a:schemeClr val="tx2">
+                    <a:lumMod val="50000"/>
+                  </a:schemeClr>
+                </a:solidFill>
+                <a:latin typeface="Segoe UI Semilight" panose="020B0402040204020203" pitchFamily="34" charset="0"/>
+                <a:cs typeface="Segoe UI Semilight" panose="020B0402040204020203" pitchFamily="34" charset="0"/>
               </a:rPr>
               <a:t> </a:t>
             </a:r>
             <a:r>
-              <a:rPr lang="en-US" sz="1500" dirty="0">
-                <a:solidFill>
-                  <a:srgbClr val="333333"/>
-                </a:solidFill>
-                <a:latin typeface="AmazonEmber"/>
-              </a:rPr>
-              <a:t>Analogous to a load balancer routing HTTP traffic, the Oracle Mediator routes data from service providers to external partners. In addition, it can subscribe to and publish business events.</a:t>
-            </a:r>
-          </a:p>
-        </p:txBody>
-      </p:sp>
-      <p:sp>
-        <p:nvSpPr>
-          <p:cNvPr id="14" name="TextBox 13">
-            <a:extLst>
-              <a:ext uri="{FF2B5EF4-FFF2-40B4-BE49-F238E27FC236}">
-                <a16:creationId xmlns:a16="http://schemas.microsoft.com/office/drawing/2014/main" id="{6EE3C4AF-7DB6-54B8-474D-8258066E702F}"/>
-              </a:ext>
-            </a:extLst>
-          </p:cNvPr>
-          <p:cNvSpPr txBox="1"/>
-          <p:nvPr/>
-        </p:nvSpPr>
-        <p:spPr>
-          <a:xfrm>
-            <a:off x="445251" y="4494338"/>
-            <a:ext cx="4572000" cy="1569660"/>
-          </a:xfrm>
-          <a:prstGeom prst="rect">
-            <a:avLst/>
-          </a:prstGeom>
-          <a:noFill/>
-        </p:spPr>
-        <p:txBody>
-          <a:bodyPr wrap="square">
-            <a:spAutoFit/>
-          </a:bodyPr>
-          <a:lstStyle/>
-          <a:p>
-            <a:pPr marL="285750" indent="-285750" algn="l">
-              <a:buFont typeface="Wingdings" panose="05000000000000000000" pitchFamily="2" charset="2"/>
-              <a:buChar char="q"/>
-            </a:pPr>
-            <a:r>
-              <a:rPr lang="en-US" b="1" i="0" dirty="0">
-                <a:solidFill>
-                  <a:srgbClr val="292929"/>
-                </a:solidFill>
-                <a:effectLst/>
-                <a:latin typeface="sohne"/>
-              </a:rPr>
-              <a:t>Oracle BPEL Process Manager</a:t>
-            </a:r>
-          </a:p>
-          <a:p>
-            <a:pPr lvl="1"/>
-            <a:r>
-              <a:rPr lang="en-US" sz="1500" dirty="0">
-                <a:solidFill>
-                  <a:srgbClr val="333333"/>
-                </a:solidFill>
-                <a:latin typeface="AmazonEmber"/>
-              </a:rPr>
-              <a:t>Oracle BPEL Process Manager provides the standard for assembling a set of discrete services into an end-to-end process flow, radically reducing the cost and complexity of process integration initiatives</a:t>
-            </a:r>
-            <a:r>
-              <a:rPr lang="en-US" b="0" i="0" dirty="0">
-                <a:solidFill>
-                  <a:srgbClr val="232323"/>
-                </a:solidFill>
-                <a:effectLst/>
-                <a:latin typeface="Verdana" panose="020B0604030504040204" pitchFamily="34" charset="0"/>
-              </a:rPr>
-              <a:t>.</a:t>
-            </a:r>
-            <a:endParaRPr lang="en-US" b="1" i="0" dirty="0">
-              <a:solidFill>
-                <a:srgbClr val="292929"/>
-              </a:solidFill>
-              <a:effectLst/>
-              <a:latin typeface="sohne"/>
-            </a:endParaRPr>
+              <a:rPr lang="en-US" dirty="0"/>
+              <a:t>Services Introduction </a:t>
+            </a:r>
           </a:p>
         </p:txBody>
       </p:sp>
     </p:spTree>
     <p:extLst>
       <p:ext uri="{BB962C8B-B14F-4D97-AF65-F5344CB8AC3E}">
-        <p14:creationId xmlns:p14="http://schemas.microsoft.com/office/powerpoint/2010/main" val="171805125"/>
+        <p14:creationId xmlns:p14="http://schemas.microsoft.com/office/powerpoint/2010/main" val="3838409942"/>
       </p:ext>
     </p:extLst>
   </p:cSld>
@@ -10931,7 +11148,7 @@
           <p:cNvPr id="2" name="Content Placeholder 1">
             <a:extLst>
               <a:ext uri="{FF2B5EF4-FFF2-40B4-BE49-F238E27FC236}">
-                <a16:creationId xmlns:a16="http://schemas.microsoft.com/office/drawing/2014/main" id="{912418B3-0C5C-2AB6-0B26-75AE5D1C25F8}"/>
+                <a16:creationId xmlns:a16="http://schemas.microsoft.com/office/drawing/2014/main" id="{B8601D58-6113-2824-61B1-928A5F206AFE}"/>
               </a:ext>
             </a:extLst>
           </p:cNvPr>
@@ -10944,182 +11161,203 @@
         </p:nvSpPr>
         <p:spPr>
           <a:xfrm>
-            <a:off x="555223" y="1303025"/>
-            <a:ext cx="6065520" cy="2125975"/>
+            <a:off x="365760" y="975518"/>
+            <a:ext cx="8229600" cy="4906963"/>
           </a:xfrm>
         </p:spPr>
         <p:txBody>
           <a:bodyPr>
-            <a:normAutofit fontScale="92500" lnSpcReduction="10000"/>
+            <a:normAutofit lnSpcReduction="10000"/>
           </a:bodyPr>
           <a:lstStyle/>
           <a:p>
-            <a:pPr marL="231775" marR="0" lvl="1" indent="0" rtl="0">
-              <a:lnSpc>
-                <a:spcPct val="107000"/>
-              </a:lnSpc>
-              <a:spcBef>
-                <a:spcPts val="0"/>
-              </a:spcBef>
-              <a:spcAft>
-                <a:spcPts val="0"/>
-              </a:spcAft>
-              <a:buNone/>
+            <a:r>
+              <a:rPr lang="en-US" sz="2000" b="1" dirty="0">
+                <a:solidFill>
+                  <a:srgbClr val="292929"/>
+                </a:solidFill>
+                <a:latin typeface="sohne"/>
+              </a:rPr>
+              <a:t>Overview of XML, XSD, Web-Services, WSDL , SOAP</a:t>
+            </a:r>
+          </a:p>
+          <a:p>
+            <a:endParaRPr lang="en-US" dirty="0"/>
+          </a:p>
+          <a:p>
+            <a:pPr lvl="1">
+              <a:buFont typeface="Wingdings" panose="05000000000000000000" pitchFamily="2" charset="2"/>
+              <a:buChar char="q"/>
             </a:pPr>
             <a:r>
-              <a:rPr lang="en-US" sz="1800" b="1" dirty="0">
-                <a:solidFill>
-                  <a:srgbClr val="292929"/>
-                </a:solidFill>
-                <a:latin typeface="sohne"/>
-              </a:rPr>
-              <a:t>Topics:	</a:t>
-            </a:r>
-          </a:p>
-          <a:p>
-            <a:pPr marL="231775" marR="0" lvl="1" indent="0" rtl="0">
-              <a:lnSpc>
-                <a:spcPct val="107000"/>
-              </a:lnSpc>
-              <a:spcBef>
-                <a:spcPts val="0"/>
-              </a:spcBef>
-              <a:spcAft>
-                <a:spcPts val="0"/>
-              </a:spcAft>
-              <a:buNone/>
+              <a:rPr lang="en-US" dirty="0"/>
+              <a:t>XML: </a:t>
+            </a:r>
+            <a:r>
+              <a:rPr lang="en-US" dirty="0" err="1"/>
+              <a:t>eXtensible</a:t>
+            </a:r>
+            <a:r>
+              <a:rPr lang="en-US" dirty="0"/>
+              <a:t> Markup Language</a:t>
+            </a:r>
+          </a:p>
+          <a:p>
+            <a:pPr lvl="2"/>
+            <a:r>
+              <a:rPr lang="en-US" dirty="0">
+                <a:solidFill>
+                  <a:schemeClr val="bg2">
+                    <a:lumMod val="50000"/>
+                  </a:schemeClr>
+                </a:solidFill>
+              </a:rPr>
+              <a:t>Use Tags to elements within a document</a:t>
+            </a:r>
+          </a:p>
+          <a:p>
+            <a:pPr lvl="2"/>
+            <a:r>
+              <a:rPr lang="en-US" sz="1800" dirty="0">
+                <a:solidFill>
+                  <a:schemeClr val="bg2">
+                    <a:lumMod val="50000"/>
+                  </a:schemeClr>
+                </a:solidFill>
+                <a:effectLst/>
+                <a:latin typeface="Calibri" panose="020F0502020204030204" pitchFamily="34" charset="0"/>
+              </a:rPr>
+              <a:t>Designed to store and transport data</a:t>
+            </a:r>
+            <a:endParaRPr lang="en-US" dirty="0">
+              <a:solidFill>
+                <a:schemeClr val="bg2">
+                  <a:lumMod val="50000"/>
+                </a:schemeClr>
+              </a:solidFill>
+            </a:endParaRPr>
+          </a:p>
+          <a:p>
+            <a:pPr lvl="1">
+              <a:buFont typeface="Wingdings" panose="05000000000000000000" pitchFamily="2" charset="2"/>
+              <a:buChar char="q"/>
             </a:pPr>
-            <a:endParaRPr lang="en-US" sz="1800" b="1" dirty="0">
-              <a:solidFill>
-                <a:srgbClr val="292929"/>
-              </a:solidFill>
-              <a:latin typeface="sohne"/>
-            </a:endParaRPr>
-          </a:p>
-          <a:p>
-            <a:pPr marL="817554" lvl="2" indent="-285750">
-              <a:lnSpc>
-                <a:spcPct val="107000"/>
-              </a:lnSpc>
-              <a:spcBef>
-                <a:spcPts val="0"/>
-              </a:spcBef>
-              <a:buFont typeface="Courier New" panose="02070309020205020404" pitchFamily="49" charset="0"/>
-              <a:buChar char="o"/>
+            <a:endParaRPr lang="en-US" dirty="0"/>
+          </a:p>
+          <a:p>
+            <a:pPr lvl="1">
+              <a:buFont typeface="Wingdings" panose="05000000000000000000" pitchFamily="2" charset="2"/>
+              <a:buChar char="q"/>
             </a:pPr>
             <a:r>
-              <a:rPr lang="en-US" sz="1800" b="1" dirty="0">
-                <a:solidFill>
-                  <a:srgbClr val="292929"/>
-                </a:solidFill>
-                <a:latin typeface="sohne"/>
-              </a:rPr>
-              <a:t>Overview of XML, XSD, Web-Services, SOAP, WSDL</a:t>
-            </a:r>
-          </a:p>
-          <a:p>
-            <a:pPr marL="817554" lvl="2" indent="-285750">
-              <a:lnSpc>
-                <a:spcPct val="107000"/>
-              </a:lnSpc>
-              <a:spcBef>
-                <a:spcPts val="0"/>
-              </a:spcBef>
-              <a:buFont typeface="Courier New" panose="02070309020205020404" pitchFamily="49" charset="0"/>
-              <a:buChar char="o"/>
+              <a:rPr lang="en-US" dirty="0"/>
+              <a:t>XSD: XML Schema Definition </a:t>
+            </a:r>
+          </a:p>
+          <a:p>
+            <a:pPr lvl="2"/>
+            <a:r>
+              <a:rPr lang="en-US" dirty="0">
+                <a:solidFill>
+                  <a:schemeClr val="bg2">
+                    <a:lumMod val="50000"/>
+                  </a:schemeClr>
+                </a:solidFill>
+              </a:rPr>
+              <a:t>Several Standard to form XML file and validate:</a:t>
+            </a:r>
+          </a:p>
+          <a:p>
+            <a:pPr lvl="3"/>
+            <a:r>
+              <a:rPr lang="en-US" dirty="0">
+                <a:solidFill>
+                  <a:schemeClr val="bg2">
+                    <a:lumMod val="50000"/>
+                  </a:schemeClr>
+                </a:solidFill>
+              </a:rPr>
+              <a:t>XSD </a:t>
+            </a:r>
+          </a:p>
+          <a:p>
+            <a:pPr lvl="3"/>
+            <a:r>
+              <a:rPr lang="en-US" dirty="0">
+                <a:solidFill>
+                  <a:schemeClr val="bg2">
+                    <a:lumMod val="50000"/>
+                  </a:schemeClr>
+                </a:solidFill>
+              </a:rPr>
+              <a:t>DTD</a:t>
+            </a:r>
+          </a:p>
+          <a:p>
+            <a:pPr lvl="3"/>
+            <a:r>
+              <a:rPr lang="en-US" dirty="0">
+                <a:solidFill>
+                  <a:schemeClr val="bg2">
+                    <a:lumMod val="50000"/>
+                  </a:schemeClr>
+                </a:solidFill>
+              </a:rPr>
+              <a:t>…</a:t>
+            </a:r>
+            <a:endParaRPr lang="en-US" dirty="0"/>
+          </a:p>
+          <a:p>
+            <a:pPr algn="l"/>
+            <a:r>
+              <a:rPr lang="en-US" b="0" i="0" dirty="0">
+                <a:solidFill>
+                  <a:srgbClr val="FFFFFF"/>
+                </a:solidFill>
+                <a:effectLst/>
+                <a:latin typeface="walsheim"/>
+              </a:rPr>
+              <a:t>Web Services</a:t>
+            </a:r>
+          </a:p>
+          <a:p>
+            <a:pPr marL="574675" indent="-234950" algn="l">
+              <a:buFont typeface="Wingdings" panose="05000000000000000000" pitchFamily="2" charset="2"/>
+              <a:buChar char="q"/>
             </a:pPr>
-            <a:endParaRPr lang="en-US" sz="1800" b="1" dirty="0">
-              <a:solidFill>
-                <a:srgbClr val="292929"/>
-              </a:solidFill>
-              <a:latin typeface="sohne"/>
-            </a:endParaRPr>
-          </a:p>
-          <a:p>
-            <a:pPr marL="817554" lvl="2" indent="-288925">
-              <a:lnSpc>
-                <a:spcPct val="107000"/>
-              </a:lnSpc>
-              <a:spcBef>
-                <a:spcPts val="0"/>
-              </a:spcBef>
-              <a:buFont typeface="Courier New" panose="02070309020205020404" pitchFamily="49" charset="0"/>
-              <a:buChar char="o"/>
+            <a:r>
+              <a:rPr lang="en-US" sz="1500" dirty="0"/>
+              <a:t>Web Services </a:t>
+            </a:r>
+          </a:p>
+          <a:p>
+            <a:pPr marL="925506" lvl="1" indent="-285750">
+              <a:buFont typeface="Arial" panose="020B0604020202020204" pitchFamily="34" charset="0"/>
+              <a:buChar char="•"/>
             </a:pPr>
             <a:r>
-              <a:rPr lang="en-US" sz="1800" b="1" dirty="0">
-                <a:solidFill>
-                  <a:srgbClr val="292929"/>
-                </a:solidFill>
-                <a:latin typeface="sohne"/>
-              </a:rPr>
-              <a:t>Web Services Sample Demonstration</a:t>
-            </a:r>
-          </a:p>
-          <a:p>
-            <a:pPr marL="817554" lvl="2" indent="-288925">
-              <a:lnSpc>
-                <a:spcPct val="107000"/>
-              </a:lnSpc>
-              <a:spcBef>
-                <a:spcPts val="0"/>
-              </a:spcBef>
-              <a:buFont typeface="Courier New" panose="02070309020205020404" pitchFamily="49" charset="0"/>
-              <a:buChar char="o"/>
+              <a:rPr lang="en-US" dirty="0">
+                <a:solidFill>
+                  <a:schemeClr val="bg2">
+                    <a:lumMod val="50000"/>
+                  </a:schemeClr>
+                </a:solidFill>
+              </a:rPr>
+              <a:t>The latest distributed technology and, as we will see, the most suitable technology for the realization of SOA. They have become the commonly used technology for interoperability and the integration of applications and information systems. Web Services provide the technological foundation for achieving interoperability between applications using different software platforms, operating systems, and programming.</a:t>
+            </a:r>
+          </a:p>
+          <a:p>
+            <a:pPr lvl="1">
+              <a:buFont typeface="Wingdings" panose="05000000000000000000" pitchFamily="2" charset="2"/>
+              <a:buChar char="q"/>
             </a:pPr>
-            <a:endParaRPr lang="en-US" sz="1800" b="1" dirty="0">
-              <a:solidFill>
-                <a:srgbClr val="292929"/>
-              </a:solidFill>
-              <a:latin typeface="sohne"/>
-            </a:endParaRPr>
-          </a:p>
-          <a:p>
-            <a:pPr marL="817554" lvl="2" indent="-288925">
-              <a:lnSpc>
-                <a:spcPct val="107000"/>
-              </a:lnSpc>
-              <a:spcBef>
-                <a:spcPts val="0"/>
-              </a:spcBef>
-              <a:spcAft>
-                <a:spcPts val="800"/>
-              </a:spcAft>
-              <a:buFont typeface="Courier New" panose="02070309020205020404" pitchFamily="49" charset="0"/>
-              <a:buChar char="o"/>
+            <a:endParaRPr lang="en-US" dirty="0"/>
+          </a:p>
+          <a:p>
+            <a:pPr lvl="1">
+              <a:buFont typeface="Wingdings" panose="05000000000000000000" pitchFamily="2" charset="2"/>
+              <a:buChar char="q"/>
             </a:pPr>
-            <a:r>
-              <a:rPr lang="en-US" sz="1800" b="1" dirty="0">
-                <a:solidFill>
-                  <a:srgbClr val="292929"/>
-                </a:solidFill>
-                <a:latin typeface="sohne"/>
-              </a:rPr>
-              <a:t>Understanding WSDL</a:t>
-            </a:r>
-          </a:p>
-          <a:p>
-            <a:pPr marL="817554" lvl="2" indent="-288925">
-              <a:lnSpc>
-                <a:spcPct val="107000"/>
-              </a:lnSpc>
-              <a:spcBef>
-                <a:spcPts val="0"/>
-              </a:spcBef>
-              <a:spcAft>
-                <a:spcPts val="800"/>
-              </a:spcAft>
-              <a:buFont typeface="Courier New" panose="02070309020205020404" pitchFamily="49" charset="0"/>
-              <a:buChar char="o"/>
-            </a:pPr>
-            <a:endParaRPr lang="en-US" sz="1800" b="1" dirty="0">
-              <a:solidFill>
-                <a:srgbClr val="292929"/>
-              </a:solidFill>
-              <a:latin typeface="sohne"/>
-            </a:endParaRPr>
-          </a:p>
-          <a:p>
             <a:endParaRPr lang="en-US" dirty="0"/>
           </a:p>
         </p:txBody>
@@ -11129,7 +11367,7 @@
           <p:cNvPr id="3" name="Title 2">
             <a:extLst>
               <a:ext uri="{FF2B5EF4-FFF2-40B4-BE49-F238E27FC236}">
-                <a16:creationId xmlns:a16="http://schemas.microsoft.com/office/drawing/2014/main" id="{9A54B9A6-0CE3-DF04-CEBE-F39634C424D1}"/>
+                <a16:creationId xmlns:a16="http://schemas.microsoft.com/office/drawing/2014/main" id="{265C0078-30AC-AD5E-A251-94230D599BE2}"/>
               </a:ext>
             </a:extLst>
           </p:cNvPr>
@@ -11183,7 +11421,7 @@
     </p:spTree>
     <p:extLst>
       <p:ext uri="{BB962C8B-B14F-4D97-AF65-F5344CB8AC3E}">
-        <p14:creationId xmlns:p14="http://schemas.microsoft.com/office/powerpoint/2010/main" val="3838409942"/>
+        <p14:creationId xmlns:p14="http://schemas.microsoft.com/office/powerpoint/2010/main" val="2253637421"/>
       </p:ext>
     </p:extLst>
   </p:cSld>
@@ -11215,296 +11453,6 @@
           <p:cNvPr id="2" name="Content Placeholder 1">
             <a:extLst>
               <a:ext uri="{FF2B5EF4-FFF2-40B4-BE49-F238E27FC236}">
-                <a16:creationId xmlns:a16="http://schemas.microsoft.com/office/drawing/2014/main" id="{B8601D58-6113-2824-61B1-928A5F206AFE}"/>
-              </a:ext>
-            </a:extLst>
-          </p:cNvPr>
-          <p:cNvSpPr>
-            <a:spLocks noGrp="1"/>
-          </p:cNvSpPr>
-          <p:nvPr>
-            <p:ph idx="1"/>
-          </p:nvPr>
-        </p:nvSpPr>
-        <p:spPr>
-          <a:xfrm>
-            <a:off x="365760" y="975518"/>
-            <a:ext cx="8229600" cy="4906963"/>
-          </a:xfrm>
-        </p:spPr>
-        <p:txBody>
-          <a:bodyPr/>
-          <a:lstStyle/>
-          <a:p>
-            <a:r>
-              <a:rPr lang="en-US" sz="2000" b="1" dirty="0">
-                <a:solidFill>
-                  <a:srgbClr val="292929"/>
-                </a:solidFill>
-                <a:latin typeface="sohne"/>
-              </a:rPr>
-              <a:t>Overview of XML, XSD, Web-Services, WSDL , SOAP</a:t>
-            </a:r>
-          </a:p>
-          <a:p>
-            <a:endParaRPr lang="en-US" dirty="0"/>
-          </a:p>
-          <a:p>
-            <a:pPr lvl="1">
-              <a:buFont typeface="Wingdings" panose="05000000000000000000" pitchFamily="2" charset="2"/>
-              <a:buChar char="q"/>
-            </a:pPr>
-            <a:r>
-              <a:rPr lang="en-US" dirty="0"/>
-              <a:t>XML: </a:t>
-            </a:r>
-            <a:r>
-              <a:rPr lang="en-US" dirty="0" err="1"/>
-              <a:t>eXtensible</a:t>
-            </a:r>
-            <a:r>
-              <a:rPr lang="en-US" dirty="0"/>
-              <a:t> Markup Language</a:t>
-            </a:r>
-          </a:p>
-          <a:p>
-            <a:pPr lvl="2"/>
-            <a:r>
-              <a:rPr lang="en-US" dirty="0">
-                <a:solidFill>
-                  <a:schemeClr val="bg2">
-                    <a:lumMod val="50000"/>
-                  </a:schemeClr>
-                </a:solidFill>
-              </a:rPr>
-              <a:t>Use Tags to elements within a document</a:t>
-            </a:r>
-          </a:p>
-          <a:p>
-            <a:pPr lvl="2"/>
-            <a:r>
-              <a:rPr lang="en-US" sz="1800" dirty="0">
-                <a:solidFill>
-                  <a:schemeClr val="bg2">
-                    <a:lumMod val="50000"/>
-                  </a:schemeClr>
-                </a:solidFill>
-                <a:effectLst/>
-                <a:latin typeface="Calibri" panose="020F0502020204030204" pitchFamily="34" charset="0"/>
-              </a:rPr>
-              <a:t>Designed to store and transport data</a:t>
-            </a:r>
-            <a:endParaRPr lang="en-US" dirty="0">
-              <a:solidFill>
-                <a:schemeClr val="bg2">
-                  <a:lumMod val="50000"/>
-                </a:schemeClr>
-              </a:solidFill>
-            </a:endParaRPr>
-          </a:p>
-          <a:p>
-            <a:pPr lvl="1">
-              <a:buFont typeface="Wingdings" panose="05000000000000000000" pitchFamily="2" charset="2"/>
-              <a:buChar char="q"/>
-            </a:pPr>
-            <a:endParaRPr lang="en-US" dirty="0"/>
-          </a:p>
-          <a:p>
-            <a:pPr lvl="1">
-              <a:buFont typeface="Wingdings" panose="05000000000000000000" pitchFamily="2" charset="2"/>
-              <a:buChar char="q"/>
-            </a:pPr>
-            <a:r>
-              <a:rPr lang="en-US" dirty="0"/>
-              <a:t>XSD: XML Schema Definition </a:t>
-            </a:r>
-          </a:p>
-          <a:p>
-            <a:pPr lvl="2"/>
-            <a:r>
-              <a:rPr lang="en-US" dirty="0">
-                <a:solidFill>
-                  <a:schemeClr val="bg2">
-                    <a:lumMod val="50000"/>
-                  </a:schemeClr>
-                </a:solidFill>
-              </a:rPr>
-              <a:t>Several Standard to form XML file and validate:</a:t>
-            </a:r>
-          </a:p>
-          <a:p>
-            <a:pPr lvl="3"/>
-            <a:r>
-              <a:rPr lang="en-US" dirty="0">
-                <a:solidFill>
-                  <a:schemeClr val="bg2">
-                    <a:lumMod val="50000"/>
-                  </a:schemeClr>
-                </a:solidFill>
-              </a:rPr>
-              <a:t>XSD </a:t>
-            </a:r>
-          </a:p>
-          <a:p>
-            <a:pPr lvl="3"/>
-            <a:r>
-              <a:rPr lang="en-US" dirty="0">
-                <a:solidFill>
-                  <a:schemeClr val="bg2">
-                    <a:lumMod val="50000"/>
-                  </a:schemeClr>
-                </a:solidFill>
-              </a:rPr>
-              <a:t>DTD</a:t>
-            </a:r>
-          </a:p>
-          <a:p>
-            <a:pPr lvl="3"/>
-            <a:r>
-              <a:rPr lang="en-US" dirty="0">
-                <a:solidFill>
-                  <a:schemeClr val="bg2">
-                    <a:lumMod val="50000"/>
-                  </a:schemeClr>
-                </a:solidFill>
-              </a:rPr>
-              <a:t>…</a:t>
-            </a:r>
-          </a:p>
-          <a:p>
-            <a:pPr lvl="3"/>
-            <a:endParaRPr lang="en-US" dirty="0">
-              <a:solidFill>
-                <a:schemeClr val="bg2">
-                  <a:lumMod val="50000"/>
-                </a:schemeClr>
-              </a:solidFill>
-            </a:endParaRPr>
-          </a:p>
-          <a:p>
-            <a:pPr lvl="3"/>
-            <a:endParaRPr lang="en-US" dirty="0">
-              <a:solidFill>
-                <a:schemeClr val="bg2">
-                  <a:lumMod val="50000"/>
-                </a:schemeClr>
-              </a:solidFill>
-            </a:endParaRPr>
-          </a:p>
-          <a:p>
-            <a:pPr lvl="1">
-              <a:buFont typeface="Wingdings" panose="05000000000000000000" pitchFamily="2" charset="2"/>
-              <a:buChar char="q"/>
-            </a:pPr>
-            <a:endParaRPr lang="en-US" dirty="0"/>
-          </a:p>
-          <a:p>
-            <a:pPr lvl="1">
-              <a:buFont typeface="Wingdings" panose="05000000000000000000" pitchFamily="2" charset="2"/>
-              <a:buChar char="q"/>
-            </a:pPr>
-            <a:endParaRPr lang="en-US" dirty="0"/>
-          </a:p>
-          <a:p>
-            <a:pPr lvl="1">
-              <a:buFont typeface="Wingdings" panose="05000000000000000000" pitchFamily="2" charset="2"/>
-              <a:buChar char="q"/>
-            </a:pPr>
-            <a:endParaRPr lang="en-US" dirty="0"/>
-          </a:p>
-        </p:txBody>
-      </p:sp>
-      <p:sp>
-        <p:nvSpPr>
-          <p:cNvPr id="3" name="Title 2">
-            <a:extLst>
-              <a:ext uri="{FF2B5EF4-FFF2-40B4-BE49-F238E27FC236}">
-                <a16:creationId xmlns:a16="http://schemas.microsoft.com/office/drawing/2014/main" id="{265C0078-30AC-AD5E-A251-94230D599BE2}"/>
-              </a:ext>
-            </a:extLst>
-          </p:cNvPr>
-          <p:cNvSpPr>
-            <a:spLocks noGrp="1"/>
-          </p:cNvSpPr>
-          <p:nvPr>
-            <p:ph type="title"/>
-          </p:nvPr>
-        </p:nvSpPr>
-        <p:spPr/>
-        <p:txBody>
-          <a:bodyPr/>
-          <a:lstStyle/>
-          <a:p>
-            <a:r>
-              <a:rPr lang="en-US" b="1" dirty="0">
-                <a:solidFill>
-                  <a:schemeClr val="accent4">
-                    <a:lumMod val="75000"/>
-                  </a:schemeClr>
-                </a:solidFill>
-                <a:latin typeface="Segoe UI Semilight" panose="020B0402040204020203" pitchFamily="34" charset="0"/>
-                <a:cs typeface="Segoe UI Semilight" panose="020B0402040204020203" pitchFamily="34" charset="0"/>
-              </a:rPr>
-              <a:t>W</a:t>
-            </a:r>
-            <a:r>
-              <a:rPr lang="en-US" dirty="0"/>
-              <a:t>eb</a:t>
-            </a:r>
-            <a:r>
-              <a:rPr lang="en-US" b="1" dirty="0">
-                <a:solidFill>
-                  <a:schemeClr val="tx2">
-                    <a:lumMod val="50000"/>
-                  </a:schemeClr>
-                </a:solidFill>
-                <a:latin typeface="Segoe UI Semilight" panose="020B0402040204020203" pitchFamily="34" charset="0"/>
-                <a:cs typeface="Segoe UI Semilight" panose="020B0402040204020203" pitchFamily="34" charset="0"/>
-              </a:rPr>
-              <a:t> </a:t>
-            </a:r>
-            <a:r>
-              <a:rPr lang="en-US" dirty="0"/>
-              <a:t>Services Introduction </a:t>
-            </a:r>
-          </a:p>
-        </p:txBody>
-      </p:sp>
-    </p:spTree>
-    <p:extLst>
-      <p:ext uri="{BB962C8B-B14F-4D97-AF65-F5344CB8AC3E}">
-        <p14:creationId xmlns:p14="http://schemas.microsoft.com/office/powerpoint/2010/main" val="2253637421"/>
-      </p:ext>
-    </p:extLst>
-  </p:cSld>
-  <p:clrMapOvr>
-    <a:masterClrMapping/>
-  </p:clrMapOvr>
-</p:sld>
-</file>
-
-<file path=ppt/slides/slide7.xml><?xml version="1.0" encoding="utf-8"?>
-<p:sld xmlns:a="http://schemas.openxmlformats.org/drawingml/2006/main" xmlns:r="http://schemas.openxmlformats.org/officeDocument/2006/relationships" xmlns:p="http://schemas.openxmlformats.org/presentationml/2006/main">
-  <p:cSld>
-    <p:spTree>
-      <p:nvGrpSpPr>
-        <p:cNvPr id="1" name=""/>
-        <p:cNvGrpSpPr/>
-        <p:nvPr/>
-      </p:nvGrpSpPr>
-      <p:grpSpPr>
-        <a:xfrm>
-          <a:off x="0" y="0"/>
-          <a:ext cx="0" cy="0"/>
-          <a:chOff x="0" y="0"/>
-          <a:chExt cx="0" cy="0"/>
-        </a:xfrm>
-      </p:grpSpPr>
-      <p:sp>
-        <p:nvSpPr>
-          <p:cNvPr id="2" name="Content Placeholder 1">
-            <a:extLst>
-              <a:ext uri="{FF2B5EF4-FFF2-40B4-BE49-F238E27FC236}">
                 <a16:creationId xmlns:a16="http://schemas.microsoft.com/office/drawing/2014/main" id="{2FA372DF-C909-2DAB-2A80-36D38A0F2F06}"/>
               </a:ext>
             </a:extLst>
@@ -11717,7 +11665,7 @@
 </p:sld>
 </file>
 
-<file path=ppt/slides/slide8.xml><?xml version="1.0" encoding="utf-8"?>
+<file path=ppt/slides/slide7.xml><?xml version="1.0" encoding="utf-8"?>
 <p:sld xmlns:a="http://schemas.openxmlformats.org/drawingml/2006/main" xmlns:r="http://schemas.openxmlformats.org/officeDocument/2006/relationships" xmlns:p="http://schemas.openxmlformats.org/presentationml/2006/main">
   <p:cSld>
     <p:spTree>
@@ -12075,6 +12023,300 @@
 </p:sld>
 </file>
 
+<file path=ppt/slides/slide8.xml><?xml version="1.0" encoding="utf-8"?>
+<p:sld xmlns:a="http://schemas.openxmlformats.org/drawingml/2006/main" xmlns:r="http://schemas.openxmlformats.org/officeDocument/2006/relationships" xmlns:p="http://schemas.openxmlformats.org/presentationml/2006/main">
+  <p:cSld>
+    <p:spTree>
+      <p:nvGrpSpPr>
+        <p:cNvPr id="1" name=""/>
+        <p:cNvGrpSpPr/>
+        <p:nvPr/>
+      </p:nvGrpSpPr>
+      <p:grpSpPr>
+        <a:xfrm>
+          <a:off x="0" y="0"/>
+          <a:ext cx="0" cy="0"/>
+          <a:chOff x="0" y="0"/>
+          <a:chExt cx="0" cy="0"/>
+        </a:xfrm>
+      </p:grpSpPr>
+      <p:sp>
+        <p:nvSpPr>
+          <p:cNvPr id="2" name="Content Placeholder 1">
+            <a:extLst>
+              <a:ext uri="{FF2B5EF4-FFF2-40B4-BE49-F238E27FC236}">
+                <a16:creationId xmlns:a16="http://schemas.microsoft.com/office/drawing/2014/main" id="{2CBA001D-BED3-B093-7D85-9099C53FC997}"/>
+              </a:ext>
+            </a:extLst>
+          </p:cNvPr>
+          <p:cNvSpPr>
+            <a:spLocks noGrp="1"/>
+          </p:cNvSpPr>
+          <p:nvPr>
+            <p:ph idx="1"/>
+          </p:nvPr>
+        </p:nvSpPr>
+        <p:spPr/>
+        <p:txBody>
+          <a:bodyPr/>
+          <a:lstStyle/>
+          <a:p>
+            <a:pPr algn="l" fontAlgn="base">
+              <a:buFont typeface="Wingdings" panose="05000000000000000000" pitchFamily="2" charset="2"/>
+              <a:buChar char="q"/>
+            </a:pPr>
+            <a:r>
+              <a:rPr lang="en-US" sz="1500" dirty="0"/>
+              <a:t>The bindings for the component can be defined in both the service and the reference:</a:t>
+            </a:r>
+          </a:p>
+          <a:p>
+            <a:pPr lvl="1" fontAlgn="base">
+              <a:buFont typeface="Arial" panose="020B0604020202020204" pitchFamily="34" charset="0"/>
+              <a:buChar char="•"/>
+            </a:pPr>
+            <a:r>
+              <a:rPr lang="en-US" b="0" i="0" dirty="0">
+                <a:solidFill>
+                  <a:schemeClr val="accent3">
+                    <a:lumMod val="75000"/>
+                  </a:schemeClr>
+                </a:solidFill>
+                <a:effectLst/>
+                <a:latin typeface="inherit"/>
+              </a:rPr>
+              <a:t>Component services </a:t>
+            </a:r>
+            <a:r>
+              <a:rPr lang="en-US" b="0" i="0" dirty="0">
+                <a:solidFill>
+                  <a:srgbClr val="161616"/>
+                </a:solidFill>
+                <a:effectLst/>
+                <a:latin typeface="inherit"/>
+              </a:rPr>
+              <a:t>use bindings to describe the access mechanism that other internal components have to use to call the component.</a:t>
+            </a:r>
+          </a:p>
+          <a:p>
+            <a:pPr lvl="1" fontAlgn="base">
+              <a:buFont typeface="Arial" panose="020B0604020202020204" pitchFamily="34" charset="0"/>
+              <a:buChar char="•"/>
+            </a:pPr>
+            <a:r>
+              <a:rPr lang="en-US" b="0" i="0" dirty="0">
+                <a:solidFill>
+                  <a:schemeClr val="accent3">
+                    <a:lumMod val="75000"/>
+                  </a:schemeClr>
+                </a:solidFill>
+                <a:effectLst/>
+                <a:latin typeface="inherit"/>
+              </a:rPr>
+              <a:t>Component references </a:t>
+            </a:r>
+            <a:r>
+              <a:rPr lang="en-US" b="0" i="0" dirty="0">
+                <a:solidFill>
+                  <a:srgbClr val="161616"/>
+                </a:solidFill>
+                <a:effectLst/>
+                <a:latin typeface="inherit"/>
+              </a:rPr>
+              <a:t>use bindings to describe the access mechanism that is used to call other components.</a:t>
+            </a:r>
+          </a:p>
+          <a:p>
+            <a:pPr lvl="1" fontAlgn="base">
+              <a:buFont typeface="Arial" panose="020B0604020202020204" pitchFamily="34" charset="0"/>
+              <a:buChar char="•"/>
+            </a:pPr>
+            <a:endParaRPr lang="en-US" b="0" i="0" dirty="0">
+              <a:solidFill>
+                <a:srgbClr val="161616"/>
+              </a:solidFill>
+              <a:effectLst/>
+              <a:latin typeface="inherit"/>
+            </a:endParaRPr>
+          </a:p>
+          <a:p>
+            <a:pPr fontAlgn="base">
+              <a:buFont typeface="Wingdings" panose="05000000000000000000" pitchFamily="2" charset="2"/>
+              <a:buChar char="q"/>
+            </a:pPr>
+            <a:r>
+              <a:rPr lang="en-US" sz="1500" dirty="0"/>
+              <a:t>Component services and references are internal and are used only for component-to-component communication. </a:t>
+            </a:r>
+          </a:p>
+          <a:p>
+            <a:pPr fontAlgn="base">
+              <a:buFont typeface="Wingdings" panose="05000000000000000000" pitchFamily="2" charset="2"/>
+              <a:buChar char="q"/>
+            </a:pPr>
+            <a:endParaRPr lang="en-US" sz="1500" dirty="0"/>
+          </a:p>
+          <a:p>
+            <a:pPr fontAlgn="base">
+              <a:buFont typeface="Wingdings" panose="05000000000000000000" pitchFamily="2" charset="2"/>
+              <a:buChar char="q"/>
+            </a:pPr>
+            <a:r>
+              <a:rPr lang="en-US" sz="1500" dirty="0"/>
+              <a:t>To create an external interface, the component must be deployed inside a composite.</a:t>
+            </a:r>
+          </a:p>
+          <a:p>
+            <a:pPr lvl="1" fontAlgn="base">
+              <a:buFont typeface="Wingdings" panose="05000000000000000000" pitchFamily="2" charset="2"/>
+              <a:buChar char="q"/>
+            </a:pPr>
+            <a:endParaRPr lang="en-US" dirty="0"/>
+          </a:p>
+          <a:p>
+            <a:pPr>
+              <a:buFont typeface="Wingdings" panose="05000000000000000000" pitchFamily="2" charset="2"/>
+              <a:buChar char="q"/>
+            </a:pPr>
+            <a:r>
+              <a:rPr lang="en-US" sz="1500" dirty="0"/>
+              <a:t> A very simple composite has one external service and one external reference:</a:t>
+            </a:r>
+          </a:p>
+          <a:p>
+            <a:pPr lvl="1" fontAlgn="base">
+              <a:buFont typeface="Arial" panose="020B0604020202020204" pitchFamily="34" charset="0"/>
+              <a:buChar char="•"/>
+            </a:pPr>
+            <a:r>
+              <a:rPr lang="en-US" dirty="0">
+                <a:solidFill>
+                  <a:schemeClr val="accent3">
+                    <a:lumMod val="75000"/>
+                  </a:schemeClr>
+                </a:solidFill>
+                <a:latin typeface="inherit"/>
+              </a:rPr>
+              <a:t>Composite services </a:t>
+            </a:r>
+            <a:r>
+              <a:rPr lang="en-US" dirty="0">
+                <a:solidFill>
+                  <a:srgbClr val="161616"/>
+                </a:solidFill>
+                <a:latin typeface="inherit"/>
+              </a:rPr>
+              <a:t>use bindings to describe the access mechanism that external clients must use to call the service</a:t>
+            </a:r>
+          </a:p>
+          <a:p>
+            <a:pPr lvl="1" fontAlgn="base">
+              <a:buFont typeface="Arial" panose="020B0604020202020204" pitchFamily="34" charset="0"/>
+              <a:buChar char="•"/>
+            </a:pPr>
+            <a:r>
+              <a:rPr lang="en-US" dirty="0">
+                <a:solidFill>
+                  <a:schemeClr val="accent3">
+                    <a:lumMod val="75000"/>
+                  </a:schemeClr>
+                </a:solidFill>
+                <a:latin typeface="inherit"/>
+              </a:rPr>
+              <a:t>Composite references </a:t>
+            </a:r>
+            <a:r>
+              <a:rPr lang="en-US" b="0" i="0" dirty="0">
+                <a:solidFill>
+                  <a:srgbClr val="161616"/>
+                </a:solidFill>
+                <a:effectLst/>
+                <a:latin typeface="inherit"/>
+              </a:rPr>
+              <a:t>use bindings to describe the access mechanism that is used to call another service.</a:t>
+            </a:r>
+          </a:p>
+          <a:p>
+            <a:pPr lvl="1" fontAlgn="base">
+              <a:buFont typeface="Arial" panose="020B0604020202020204" pitchFamily="34" charset="0"/>
+              <a:buChar char="•"/>
+            </a:pPr>
+            <a:endParaRPr lang="en-US" dirty="0">
+              <a:solidFill>
+                <a:srgbClr val="161616"/>
+              </a:solidFill>
+              <a:latin typeface="inherit"/>
+            </a:endParaRPr>
+          </a:p>
+        </p:txBody>
+      </p:sp>
+      <p:sp>
+        <p:nvSpPr>
+          <p:cNvPr id="3" name="Title 2">
+            <a:extLst>
+              <a:ext uri="{FF2B5EF4-FFF2-40B4-BE49-F238E27FC236}">
+                <a16:creationId xmlns:a16="http://schemas.microsoft.com/office/drawing/2014/main" id="{DD51C760-2776-4058-9496-1221ACDDC3B2}"/>
+              </a:ext>
+            </a:extLst>
+          </p:cNvPr>
+          <p:cNvSpPr>
+            <a:spLocks noGrp="1"/>
+          </p:cNvSpPr>
+          <p:nvPr>
+            <p:ph type="title"/>
+          </p:nvPr>
+        </p:nvSpPr>
+        <p:spPr/>
+        <p:txBody>
+          <a:bodyPr/>
+          <a:lstStyle/>
+          <a:p>
+            <a:r>
+              <a:rPr lang="en-US" b="1" dirty="0">
+                <a:solidFill>
+                  <a:srgbClr val="92D050"/>
+                </a:solidFill>
+                <a:latin typeface="Segoe UI Semilight" panose="020B0402040204020203" pitchFamily="34" charset="0"/>
+                <a:cs typeface="Segoe UI Semilight" panose="020B0402040204020203" pitchFamily="34" charset="0"/>
+              </a:rPr>
+              <a:t>S</a:t>
+            </a:r>
+            <a:r>
+              <a:rPr lang="en-US" dirty="0"/>
+              <a:t>ervice</a:t>
+            </a:r>
+            <a:r>
+              <a:rPr lang="en-US" b="1" dirty="0">
+                <a:solidFill>
+                  <a:schemeClr val="tx2">
+                    <a:lumMod val="50000"/>
+                  </a:schemeClr>
+                </a:solidFill>
+                <a:latin typeface="Segoe UI Semilight" panose="020B0402040204020203" pitchFamily="34" charset="0"/>
+                <a:cs typeface="Segoe UI Semilight" panose="020B0402040204020203" pitchFamily="34" charset="0"/>
+              </a:rPr>
+              <a:t> </a:t>
+            </a:r>
+            <a:r>
+              <a:rPr lang="en-US" dirty="0"/>
+              <a:t>Component Architecture (SCA)</a:t>
+            </a:r>
+          </a:p>
+        </p:txBody>
+      </p:sp>
+    </p:spTree>
+    <p:extLst>
+      <p:ext uri="{BB962C8B-B14F-4D97-AF65-F5344CB8AC3E}">
+        <p14:creationId xmlns:p14="http://schemas.microsoft.com/office/powerpoint/2010/main" val="878810253"/>
+      </p:ext>
+    </p:extLst>
+  </p:cSld>
+  <p:clrMapOvr>
+    <a:masterClrMapping/>
+  </p:clrMapOvr>
+</p:sld>
+</file>
+
 <file path=ppt/slides/slide9.xml><?xml version="1.0" encoding="utf-8"?>
 <p:sld xmlns:a="http://schemas.openxmlformats.org/drawingml/2006/main" xmlns:r="http://schemas.openxmlformats.org/officeDocument/2006/relationships" xmlns:p="http://schemas.openxmlformats.org/presentationml/2006/main">
   <p:cSld>
@@ -12097,7 +12339,7 @@
           <p:cNvPr id="2" name="Content Placeholder 1">
             <a:extLst>
               <a:ext uri="{FF2B5EF4-FFF2-40B4-BE49-F238E27FC236}">
-                <a16:creationId xmlns:a16="http://schemas.microsoft.com/office/drawing/2014/main" id="{2CBA001D-BED3-B093-7D85-9099C53FC997}"/>
+                <a16:creationId xmlns:a16="http://schemas.microsoft.com/office/drawing/2014/main" id="{0542E5A1-B286-C08A-948F-EAEE7AC71D38}"/>
               </a:ext>
             </a:extLst>
           </p:cNvPr>
@@ -12113,193 +12355,144 @@
           <a:bodyPr/>
           <a:lstStyle/>
           <a:p>
-            <a:pPr algn="l" fontAlgn="base">
-              <a:buFont typeface="Wingdings" panose="05000000000000000000" pitchFamily="2" charset="2"/>
-              <a:buChar char="q"/>
-            </a:pPr>
-            <a:r>
-              <a:rPr lang="en-US" sz="1500" dirty="0"/>
-              <a:t>The bindings for the component can be defined in both the service and the reference:</a:t>
-            </a:r>
-          </a:p>
-          <a:p>
-            <a:pPr lvl="1" fontAlgn="base">
-              <a:buFont typeface="Arial" panose="020B0604020202020204" pitchFamily="34" charset="0"/>
-              <a:buChar char="•"/>
-            </a:pPr>
-            <a:r>
-              <a:rPr lang="en-US" b="0" i="0" dirty="0">
-                <a:solidFill>
-                  <a:schemeClr val="accent3">
-                    <a:lumMod val="75000"/>
-                  </a:schemeClr>
-                </a:solidFill>
-                <a:effectLst/>
-                <a:latin typeface="inherit"/>
-              </a:rPr>
-              <a:t>Component services </a:t>
-            </a:r>
-            <a:r>
-              <a:rPr lang="en-US" b="0" i="0" dirty="0">
-                <a:solidFill>
-                  <a:srgbClr val="161616"/>
-                </a:solidFill>
-                <a:effectLst/>
-                <a:latin typeface="inherit"/>
-              </a:rPr>
-              <a:t>use bindings to describe the access mechanism that other internal components have to use to call the component.</a:t>
-            </a:r>
-          </a:p>
-          <a:p>
-            <a:pPr lvl="1" fontAlgn="base">
-              <a:buFont typeface="Arial" panose="020B0604020202020204" pitchFamily="34" charset="0"/>
-              <a:buChar char="•"/>
-            </a:pPr>
-            <a:r>
-              <a:rPr lang="en-US" b="0" i="0" dirty="0">
-                <a:solidFill>
-                  <a:schemeClr val="accent3">
-                    <a:lumMod val="75000"/>
-                  </a:schemeClr>
-                </a:solidFill>
-                <a:effectLst/>
-                <a:latin typeface="inherit"/>
-              </a:rPr>
-              <a:t>Component references </a:t>
-            </a:r>
-            <a:r>
-              <a:rPr lang="en-US" b="0" i="0" dirty="0">
-                <a:solidFill>
-                  <a:srgbClr val="161616"/>
-                </a:solidFill>
-                <a:effectLst/>
-                <a:latin typeface="inherit"/>
-              </a:rPr>
-              <a:t>use bindings to describe the access mechanism that is used to call other components.</a:t>
-            </a:r>
-          </a:p>
-          <a:p>
-            <a:pPr lvl="1" fontAlgn="base">
-              <a:buFont typeface="Arial" panose="020B0604020202020204" pitchFamily="34" charset="0"/>
-              <a:buChar char="•"/>
-            </a:pPr>
-            <a:endParaRPr lang="en-US" b="0" i="0" dirty="0">
-              <a:solidFill>
-                <a:srgbClr val="161616"/>
-              </a:solidFill>
-              <a:effectLst/>
-              <a:latin typeface="inherit"/>
-            </a:endParaRPr>
-          </a:p>
-          <a:p>
-            <a:pPr fontAlgn="base">
-              <a:buFont typeface="Wingdings" panose="05000000000000000000" pitchFamily="2" charset="2"/>
-              <a:buChar char="q"/>
-            </a:pPr>
-            <a:r>
-              <a:rPr lang="en-US" sz="1500" dirty="0"/>
-              <a:t>Component services and references are internal and are used only for component-to-component communication. </a:t>
-            </a:r>
-          </a:p>
-          <a:p>
-            <a:pPr fontAlgn="base">
-              <a:buFont typeface="Wingdings" panose="05000000000000000000" pitchFamily="2" charset="2"/>
-              <a:buChar char="q"/>
-            </a:pPr>
-            <a:endParaRPr lang="en-US" sz="1500" dirty="0"/>
-          </a:p>
-          <a:p>
-            <a:pPr fontAlgn="base">
-              <a:buFont typeface="Wingdings" panose="05000000000000000000" pitchFamily="2" charset="2"/>
-              <a:buChar char="q"/>
-            </a:pPr>
-            <a:r>
-              <a:rPr lang="en-US" sz="1500" dirty="0"/>
-              <a:t>To create an external interface, the component must be deployed inside a composite.</a:t>
-            </a:r>
-          </a:p>
-          <a:p>
-            <a:pPr lvl="1" fontAlgn="base">
-              <a:buFont typeface="Wingdings" panose="05000000000000000000" pitchFamily="2" charset="2"/>
-              <a:buChar char="q"/>
-            </a:pPr>
-            <a:endParaRPr lang="en-US" dirty="0"/>
-          </a:p>
-          <a:p>
             <a:pPr>
               <a:buFont typeface="Wingdings" panose="05000000000000000000" pitchFamily="2" charset="2"/>
               <a:buChar char="q"/>
             </a:pPr>
             <a:r>
-              <a:rPr lang="en-US" sz="1500" dirty="0"/>
-              <a:t> A very simple composite has one external service and one external reference:</a:t>
-            </a:r>
-          </a:p>
-          <a:p>
-            <a:pPr lvl="1" fontAlgn="base">
+              <a:rPr lang="en-US" dirty="0"/>
+              <a:t>ORACLE SOA SCA</a:t>
+            </a:r>
+          </a:p>
+          <a:p>
+            <a:pPr marL="0" indent="0">
+              <a:buNone/>
+            </a:pPr>
+            <a:endParaRPr lang="en-US" sz="1100" dirty="0"/>
+          </a:p>
+          <a:p>
+            <a:pPr lvl="1">
               <a:buFont typeface="Arial" panose="020B0604020202020204" pitchFamily="34" charset="0"/>
               <a:buChar char="•"/>
             </a:pPr>
             <a:r>
-              <a:rPr lang="en-US" dirty="0">
-                <a:solidFill>
-                  <a:schemeClr val="accent3">
-                    <a:lumMod val="75000"/>
-                  </a:schemeClr>
+              <a:rPr lang="en-US" sz="1400" dirty="0">
+                <a:solidFill>
+                  <a:srgbClr val="161616"/>
                 </a:solidFill>
                 <a:latin typeface="inherit"/>
               </a:rPr>
-              <a:t>Composite services </a:t>
-            </a:r>
-            <a:r>
-              <a:rPr lang="en-US" dirty="0">
+              <a:t>The entry point to the composite itself is the </a:t>
+            </a:r>
+            <a:r>
+              <a:rPr lang="en-US" sz="1400" dirty="0">
+                <a:solidFill>
+                  <a:srgbClr val="00B050"/>
+                </a:solidFill>
+                <a:latin typeface="inherit"/>
+              </a:rPr>
+              <a:t>Service</a:t>
+            </a:r>
+            <a:r>
+              <a:rPr lang="en-US" sz="1400" dirty="0">
                 <a:solidFill>
                   <a:srgbClr val="161616"/>
                 </a:solidFill>
                 <a:latin typeface="inherit"/>
               </a:rPr>
-              <a:t>use bindings to describe the access mechanism that external clients must use to call the service</a:t>
-            </a:r>
-          </a:p>
-          <a:p>
-            <a:pPr lvl="1" fontAlgn="base">
+              <a:t> which exposes a chain of one or more components (each with its own Service interface) that are bound/linked together as dependencies (known as </a:t>
+            </a:r>
+            <a:r>
+              <a:rPr lang="en-US" sz="1400" dirty="0">
+                <a:solidFill>
+                  <a:srgbClr val="00B050"/>
+                </a:solidFill>
+                <a:latin typeface="inherit"/>
+              </a:rPr>
+              <a:t>References</a:t>
+            </a:r>
+            <a:r>
+              <a:rPr lang="en-US" sz="1400" dirty="0">
+                <a:solidFill>
+                  <a:srgbClr val="161616"/>
+                </a:solidFill>
+                <a:latin typeface="inherit"/>
+              </a:rPr>
+              <a:t>) through </a:t>
+            </a:r>
+            <a:r>
+              <a:rPr lang="en-US" sz="1400" dirty="0">
+                <a:solidFill>
+                  <a:srgbClr val="00B050"/>
+                </a:solidFill>
+                <a:latin typeface="inherit"/>
+              </a:rPr>
+              <a:t>Wires</a:t>
+            </a:r>
+            <a:r>
+              <a:rPr lang="en-US" sz="1400" dirty="0">
+                <a:solidFill>
+                  <a:srgbClr val="161616"/>
+                </a:solidFill>
+                <a:latin typeface="inherit"/>
+              </a:rPr>
+              <a:t>. </a:t>
+            </a:r>
+          </a:p>
+          <a:p>
+            <a:pPr lvl="1">
               <a:buFont typeface="Arial" panose="020B0604020202020204" pitchFamily="34" charset="0"/>
               <a:buChar char="•"/>
             </a:pPr>
             <a:r>
-              <a:rPr lang="en-US" dirty="0">
-                <a:solidFill>
-                  <a:schemeClr val="accent3">
-                    <a:lumMod val="75000"/>
-                  </a:schemeClr>
+              <a:rPr lang="en-US" sz="1400" dirty="0">
+                <a:solidFill>
+                  <a:srgbClr val="161616"/>
                 </a:solidFill>
                 <a:latin typeface="inherit"/>
               </a:rPr>
-              <a:t>Composite references </a:t>
-            </a:r>
-            <a:r>
-              <a:rPr lang="en-US" b="0" i="0" dirty="0">
-                <a:solidFill>
-                  <a:srgbClr val="161616"/>
-                </a:solidFill>
-                <a:effectLst/>
-                <a:latin typeface="inherit"/>
-              </a:rPr>
-              <a:t>use bindings to describe the access mechanism that is used to call another service.</a:t>
-            </a:r>
-          </a:p>
-          <a:p>
-            <a:pPr lvl="1" fontAlgn="base">
+              <a:t>The components can be local (such as a BPEL process or JCA adapter) or they can be remote using a protocol such as Web services. </a:t>
+            </a:r>
+          </a:p>
+          <a:p>
+            <a:pPr lvl="1">
               <a:buFont typeface="Arial" panose="020B0604020202020204" pitchFamily="34" charset="0"/>
               <a:buChar char="•"/>
             </a:pPr>
-            <a:endParaRPr lang="en-US" dirty="0">
+            <a:r>
+              <a:rPr lang="en-US" sz="1400" dirty="0">
+                <a:solidFill>
+                  <a:srgbClr val="161616"/>
+                </a:solidFill>
+                <a:latin typeface="inherit"/>
+              </a:rPr>
+              <a:t>Finally, the specification allows for each of the components to have properties for customization within a particular use or deployment (e.g. the directory to which a completed Purchase Order document should be written).</a:t>
+            </a:r>
+          </a:p>
+          <a:p>
+            <a:pPr lvl="1">
+              <a:buFont typeface="Arial" panose="020B0604020202020204" pitchFamily="34" charset="0"/>
+              <a:buChar char="•"/>
+            </a:pPr>
+            <a:endParaRPr lang="en-US" sz="1400" dirty="0">
               <a:solidFill>
                 <a:srgbClr val="161616"/>
               </a:solidFill>
               <a:latin typeface="inherit"/>
             </a:endParaRPr>
           </a:p>
+          <a:p>
+            <a:pPr lvl="1">
+              <a:buFont typeface="Arial" panose="020B0604020202020204" pitchFamily="34" charset="0"/>
+              <a:buChar char="•"/>
+            </a:pPr>
+            <a:endParaRPr lang="en-US" sz="1400" dirty="0">
+              <a:solidFill>
+                <a:srgbClr val="161616"/>
+              </a:solidFill>
+              <a:latin typeface="inherit"/>
+            </a:endParaRPr>
+          </a:p>
         </p:txBody>
       </p:sp>
       <p:sp>
@@ -12307,7 +12500,7 @@
           <p:cNvPr id="3" name="Title 2">
             <a:extLst>
               <a:ext uri="{FF2B5EF4-FFF2-40B4-BE49-F238E27FC236}">
-                <a16:creationId xmlns:a16="http://schemas.microsoft.com/office/drawing/2014/main" id="{DD51C760-2776-4058-9496-1221ACDDC3B2}"/>
+                <a16:creationId xmlns:a16="http://schemas.microsoft.com/office/drawing/2014/main" id="{4C026758-6EB5-2BD2-2F2E-6132759AA3B5}"/>
               </a:ext>
             </a:extLst>
           </p:cNvPr>
@@ -12356,10 +12549,70 @@
           </a:p>
         </p:txBody>
       </p:sp>
+      <p:pic>
+        <p:nvPicPr>
+          <p:cNvPr id="5" name="Picture 4">
+            <a:extLst>
+              <a:ext uri="{FF2B5EF4-FFF2-40B4-BE49-F238E27FC236}">
+                <a16:creationId xmlns:a16="http://schemas.microsoft.com/office/drawing/2014/main" id="{A0E7569D-F024-74C0-6C41-D880A6C2907A}"/>
+              </a:ext>
+            </a:extLst>
+          </p:cNvPr>
+          <p:cNvPicPr>
+            <a:picLocks noChangeAspect="1"/>
+          </p:cNvPicPr>
+          <p:nvPr/>
+        </p:nvPicPr>
+        <p:blipFill>
+          <a:blip r:embed="rId2"/>
+          <a:stretch>
+            <a:fillRect/>
+          </a:stretch>
+        </p:blipFill>
+        <p:spPr>
+          <a:xfrm>
+            <a:off x="625816" y="3672686"/>
+            <a:ext cx="3279134" cy="2422954"/>
+          </a:xfrm>
+          <a:prstGeom prst="rect">
+            <a:avLst/>
+          </a:prstGeom>
+        </p:spPr>
+      </p:pic>
+      <p:pic>
+        <p:nvPicPr>
+          <p:cNvPr id="7" name="Picture 6">
+            <a:extLst>
+              <a:ext uri="{FF2B5EF4-FFF2-40B4-BE49-F238E27FC236}">
+                <a16:creationId xmlns:a16="http://schemas.microsoft.com/office/drawing/2014/main" id="{B88A8CE2-46E4-C98C-A654-B6D4CAD56CF9}"/>
+              </a:ext>
+            </a:extLst>
+          </p:cNvPr>
+          <p:cNvPicPr>
+            <a:picLocks noChangeAspect="1"/>
+          </p:cNvPicPr>
+          <p:nvPr/>
+        </p:nvPicPr>
+        <p:blipFill>
+          <a:blip r:embed="rId3"/>
+          <a:stretch>
+            <a:fillRect/>
+          </a:stretch>
+        </p:blipFill>
+        <p:spPr>
+          <a:xfrm>
+            <a:off x="4073566" y="4013961"/>
+            <a:ext cx="4396487" cy="1740403"/>
+          </a:xfrm>
+          <a:prstGeom prst="rect">
+            <a:avLst/>
+          </a:prstGeom>
+        </p:spPr>
+      </p:pic>
     </p:spTree>
     <p:extLst>
       <p:ext uri="{BB962C8B-B14F-4D97-AF65-F5344CB8AC3E}">
-        <p14:creationId xmlns:p14="http://schemas.microsoft.com/office/powerpoint/2010/main" val="878810253"/>
+        <p14:creationId xmlns:p14="http://schemas.microsoft.com/office/powerpoint/2010/main" val="3505989978"/>
       </p:ext>
     </p:extLst>
   </p:cSld>

--- a/Presentation/soaTrainingPresentation.pptx
+++ b/Presentation/soaTrainingPresentation.pptx
@@ -16,13 +16,15 @@
     <p:sldId id="287" r:id="rId10"/>
     <p:sldId id="288" r:id="rId11"/>
     <p:sldId id="281" r:id="rId12"/>
-    <p:sldId id="289" r:id="rId13"/>
-    <p:sldId id="259" r:id="rId14"/>
-    <p:sldId id="276" r:id="rId15"/>
-    <p:sldId id="277" r:id="rId16"/>
-    <p:sldId id="261" r:id="rId17"/>
-    <p:sldId id="268" r:id="rId18"/>
-    <p:sldId id="272" r:id="rId19"/>
+    <p:sldId id="290" r:id="rId13"/>
+    <p:sldId id="289" r:id="rId14"/>
+    <p:sldId id="291" r:id="rId15"/>
+    <p:sldId id="259" r:id="rId16"/>
+    <p:sldId id="276" r:id="rId17"/>
+    <p:sldId id="277" r:id="rId18"/>
+    <p:sldId id="261" r:id="rId19"/>
+    <p:sldId id="268" r:id="rId20"/>
+    <p:sldId id="272" r:id="rId21"/>
   </p:sldIdLst>
   <p:sldSz cx="9144000" cy="6858000" type="screen4x3"/>
   <p:notesSz cx="6858000" cy="9144000"/>
@@ -137,7 +139,9 @@
             <p14:sldId id="287"/>
             <p14:sldId id="288"/>
             <p14:sldId id="281"/>
+            <p14:sldId id="290"/>
             <p14:sldId id="289"/>
+            <p14:sldId id="291"/>
           </p14:sldIdLst>
         </p14:section>
         <p14:section name="Architecture" id="{2E54B0A4-7D42-4DA8-B359-3DA8DE410F7E}">
@@ -3016,7 +3020,7 @@
         <p:spPr>
           <a:xfrm>
             <a:off x="445251" y="1397680"/>
-            <a:ext cx="7383780" cy="830997"/>
+            <a:ext cx="7383780" cy="5032147"/>
           </a:xfrm>
           <a:prstGeom prst="rect">
             <a:avLst/>
@@ -3056,267 +3060,195 @@
               <a:t>Service Infra allows the linking of components via the internal message routing structure. Along with this, it allows the data flow.</a:t>
             </a:r>
           </a:p>
+          <a:p>
+            <a:pPr lvl="1"/>
+            <a:endParaRPr lang="en-US" sz="1500" dirty="0">
+              <a:solidFill>
+                <a:srgbClr val="333333"/>
+              </a:solidFill>
+              <a:latin typeface="AmazonEmber"/>
+            </a:endParaRPr>
+          </a:p>
+          <a:p>
+            <a:pPr lvl="1"/>
+            <a:endParaRPr lang="en-US" sz="1500" dirty="0">
+              <a:solidFill>
+                <a:srgbClr val="333333"/>
+              </a:solidFill>
+              <a:latin typeface="AmazonEmber"/>
+            </a:endParaRPr>
+          </a:p>
+          <a:p>
+            <a:pPr marL="285750" lvl="1" indent="-285750">
+              <a:buFont typeface="Wingdings" panose="05000000000000000000" pitchFamily="2" charset="2"/>
+              <a:buChar char="q"/>
+            </a:pPr>
+            <a:r>
+              <a:rPr lang="en-US" b="1" dirty="0">
+                <a:solidFill>
+                  <a:srgbClr val="292929"/>
+                </a:solidFill>
+                <a:latin typeface="sohne"/>
+              </a:rPr>
+              <a:t>Services</a:t>
+            </a:r>
+          </a:p>
+          <a:p>
+            <a:pPr marL="457200" lvl="2"/>
+            <a:r>
+              <a:rPr lang="en-US" sz="1500" dirty="0">
+                <a:solidFill>
+                  <a:srgbClr val="333333"/>
+                </a:solidFill>
+                <a:latin typeface="AmazonEmber"/>
+              </a:rPr>
+              <a:t>The most basic unit of service-oriented architecture is the service. This may be provided directly by a web service-enabled piece of code or it may be exposed by encapsulating an existing resource. </a:t>
+            </a:r>
+          </a:p>
+          <a:p>
+            <a:pPr marL="457200" lvl="2"/>
+            <a:endParaRPr lang="en-US" sz="1500" dirty="0">
+              <a:solidFill>
+                <a:srgbClr val="333333"/>
+              </a:solidFill>
+              <a:latin typeface="AmazonEmber"/>
+            </a:endParaRPr>
+          </a:p>
+          <a:p>
+            <a:pPr marL="457200" lvl="2"/>
+            <a:endParaRPr lang="en-US" sz="1500" dirty="0">
+              <a:solidFill>
+                <a:srgbClr val="333333"/>
+              </a:solidFill>
+              <a:latin typeface="AmazonEmber"/>
+            </a:endParaRPr>
+          </a:p>
+          <a:p>
+            <a:pPr marL="457200" lvl="2"/>
+            <a:endParaRPr lang="en-US" sz="1500" dirty="0">
+              <a:solidFill>
+                <a:srgbClr val="333333"/>
+              </a:solidFill>
+              <a:latin typeface="AmazonEmber"/>
+            </a:endParaRPr>
+          </a:p>
+          <a:p>
+            <a:pPr marL="457200" lvl="2"/>
+            <a:endParaRPr lang="en-US" sz="1500" dirty="0">
+              <a:solidFill>
+                <a:srgbClr val="333333"/>
+              </a:solidFill>
+              <a:latin typeface="AmazonEmber"/>
+            </a:endParaRPr>
+          </a:p>
+          <a:p>
+            <a:pPr marL="801688" lvl="2" indent="-227013">
+              <a:buFont typeface="Wingdings" panose="05000000000000000000" pitchFamily="2" charset="2"/>
+              <a:buChar char="ü"/>
+            </a:pPr>
+            <a:r>
+              <a:rPr lang="en-US" sz="1500" dirty="0">
+                <a:solidFill>
+                  <a:srgbClr val="333333"/>
+                </a:solidFill>
+                <a:latin typeface="AmazonEmber"/>
+              </a:rPr>
+              <a:t>The only way to access a service is through its defined interface.</a:t>
+            </a:r>
+          </a:p>
+          <a:p>
+            <a:pPr marL="801688" lvl="2" indent="-227013">
+              <a:buFont typeface="Wingdings" panose="05000000000000000000" pitchFamily="2" charset="2"/>
+              <a:buChar char="ü"/>
+            </a:pPr>
+            <a:r>
+              <a:rPr lang="en-US" sz="1500" dirty="0">
+                <a:solidFill>
+                  <a:srgbClr val="333333"/>
+                </a:solidFill>
+                <a:latin typeface="AmazonEmber"/>
+              </a:rPr>
+              <a:t>A wrapper or part of service</a:t>
+            </a:r>
+          </a:p>
+          <a:p>
+            <a:pPr marL="801688" lvl="2" indent="-227013">
+              <a:buFont typeface="Wingdings" panose="05000000000000000000" pitchFamily="2" charset="2"/>
+              <a:buChar char="ü"/>
+            </a:pPr>
+            <a:r>
+              <a:rPr lang="en-US" sz="1500" dirty="0">
+                <a:solidFill>
+                  <a:srgbClr val="333333"/>
+                </a:solidFill>
+                <a:latin typeface="AmazonEmber"/>
+              </a:rPr>
+              <a:t>Specific interface specified in WSDL file.</a:t>
+            </a:r>
+          </a:p>
+          <a:p>
+            <a:pPr marL="1317625" lvl="3" indent="-285750">
+              <a:buFont typeface="Courier New" panose="02070309020205020404" pitchFamily="49" charset="0"/>
+              <a:buChar char="o"/>
+            </a:pPr>
+            <a:r>
+              <a:rPr lang="en-US" sz="1500" dirty="0">
+                <a:solidFill>
+                  <a:srgbClr val="333333"/>
+                </a:solidFill>
+                <a:latin typeface="AmazonEmber"/>
+              </a:rPr>
+              <a:t>A WSDL file specifies the operations supported by the service. Each operation describes the expected format of the input message and if a message is returned it also describes the format of that message</a:t>
+            </a:r>
+          </a:p>
+          <a:p>
+            <a:pPr marL="457200" lvl="2"/>
+            <a:endParaRPr lang="en-US" sz="1500" dirty="0">
+              <a:solidFill>
+                <a:srgbClr val="333333"/>
+              </a:solidFill>
+              <a:latin typeface="AmazonEmber"/>
+            </a:endParaRPr>
+          </a:p>
+          <a:p>
+            <a:pPr marL="457200" lvl="2"/>
+            <a:endParaRPr lang="en-US" sz="1500" dirty="0">
+              <a:solidFill>
+                <a:srgbClr val="333333"/>
+              </a:solidFill>
+              <a:latin typeface="AmazonEmber"/>
+            </a:endParaRPr>
+          </a:p>
         </p:txBody>
       </p:sp>
-      <p:sp>
-        <p:nvSpPr>
-          <p:cNvPr id="10" name="TextBox 9">
+      <p:pic>
+        <p:nvPicPr>
+          <p:cNvPr id="7" name="Picture 6">
             <a:extLst>
               <a:ext uri="{FF2B5EF4-FFF2-40B4-BE49-F238E27FC236}">
-                <a16:creationId xmlns:a16="http://schemas.microsoft.com/office/drawing/2014/main" id="{0D76DD70-7C17-8608-45E4-E528835BA7A5}"/>
+                <a16:creationId xmlns:a16="http://schemas.microsoft.com/office/drawing/2014/main" id="{A75168F7-CB9A-0026-7DD1-D4F966294107}"/>
               </a:ext>
             </a:extLst>
           </p:cNvPr>
-          <p:cNvSpPr txBox="1"/>
+          <p:cNvPicPr>
+            <a:picLocks noChangeAspect="1"/>
+          </p:cNvPicPr>
           <p:nvPr/>
-        </p:nvSpPr>
+        </p:nvPicPr>
+        <p:blipFill>
+          <a:blip r:embed="rId2"/>
+          <a:stretch>
+            <a:fillRect/>
+          </a:stretch>
+        </p:blipFill>
         <p:spPr>
           <a:xfrm>
-            <a:off x="445251" y="2339743"/>
-            <a:ext cx="6996197" cy="3370153"/>
+            <a:off x="6664584" y="3550920"/>
+            <a:ext cx="1011421" cy="1005575"/>
           </a:xfrm>
           <a:prstGeom prst="rect">
             <a:avLst/>
           </a:prstGeom>
-          <a:noFill/>
-        </p:spPr>
-        <p:txBody>
-          <a:bodyPr wrap="square">
-            <a:spAutoFit/>
-          </a:bodyPr>
-          <a:lstStyle/>
-          <a:p>
-            <a:pPr marL="285750" indent="-285750" algn="l">
-              <a:buFont typeface="Wingdings" panose="05000000000000000000" pitchFamily="2" charset="2"/>
-              <a:buChar char="q"/>
-            </a:pPr>
-            <a:r>
-              <a:rPr lang="en-US" b="1" i="0" dirty="0">
-                <a:solidFill>
-                  <a:srgbClr val="292929"/>
-                </a:solidFill>
-                <a:effectLst/>
-                <a:latin typeface="sohne"/>
-              </a:rPr>
-              <a:t>Oracle Adapters:</a:t>
-            </a:r>
-          </a:p>
-          <a:p>
-            <a:pPr marL="742950" lvl="1" indent="-285750">
-              <a:buFont typeface="Arial" panose="020B0604020202020204" pitchFamily="34" charset="0"/>
-              <a:buChar char="•"/>
-            </a:pPr>
-            <a:r>
-              <a:rPr lang="en-US" sz="1500" dirty="0">
-                <a:solidFill>
-                  <a:srgbClr val="333333"/>
-                </a:solidFill>
-                <a:latin typeface="AmazonEmber"/>
-              </a:rPr>
-              <a:t>Services are often surfaced through adapters that take an existing piece of functionality and "adapt" it to the SOA </a:t>
-            </a:r>
-            <a:r>
-              <a:rPr lang="en-US" sz="1500" dirty="0" err="1">
-                <a:solidFill>
-                  <a:srgbClr val="333333"/>
-                </a:solidFill>
-                <a:latin typeface="AmazonEmber"/>
-              </a:rPr>
-              <a:t>world,The</a:t>
-            </a:r>
-            <a:r>
-              <a:rPr lang="en-US" sz="1500" dirty="0">
-                <a:solidFill>
-                  <a:srgbClr val="333333"/>
-                </a:solidFill>
-                <a:latin typeface="AmazonEmber"/>
-              </a:rPr>
-              <a:t> Oracle Adapters uses the JCA technology to establish a link between the Oracle SOA Suite and the external systems. </a:t>
-            </a:r>
-          </a:p>
-          <a:p>
-            <a:pPr marL="742950" lvl="1" indent="-285750">
-              <a:buFont typeface="Arial" panose="020B0604020202020204" pitchFamily="34" charset="0"/>
-              <a:buChar char="•"/>
-            </a:pPr>
-            <a:r>
-              <a:rPr lang="en-US" sz="1500" dirty="0">
-                <a:solidFill>
-                  <a:srgbClr val="333333"/>
-                </a:solidFill>
-                <a:latin typeface="AmazonEmber"/>
-              </a:rPr>
-              <a:t>Out of the box, the SOA Suite includes licenses for the following adapters: </a:t>
-            </a:r>
-          </a:p>
-          <a:p>
-            <a:pPr marL="1200150" lvl="2" indent="-285750">
-              <a:buFont typeface="Courier New" panose="02070309020205020404" pitchFamily="49" charset="0"/>
-              <a:buChar char="o"/>
-            </a:pPr>
-            <a:r>
-              <a:rPr lang="en-US" sz="1500" dirty="0">
-                <a:solidFill>
-                  <a:srgbClr val="333333"/>
-                </a:solidFill>
-                <a:latin typeface="AmazonEmber"/>
-              </a:rPr>
-              <a:t>File adapter </a:t>
-            </a:r>
-          </a:p>
-          <a:p>
-            <a:pPr marL="1200150" lvl="2" indent="-285750">
-              <a:buFont typeface="Courier New" panose="02070309020205020404" pitchFamily="49" charset="0"/>
-              <a:buChar char="o"/>
-            </a:pPr>
-            <a:r>
-              <a:rPr lang="en-US" sz="1500" dirty="0">
-                <a:solidFill>
-                  <a:srgbClr val="333333"/>
-                </a:solidFill>
-                <a:latin typeface="AmazonEmber"/>
-              </a:rPr>
-              <a:t>FTP adapter </a:t>
-            </a:r>
-          </a:p>
-          <a:p>
-            <a:pPr marL="1200150" lvl="2" indent="-285750">
-              <a:buFont typeface="Courier New" panose="02070309020205020404" pitchFamily="49" charset="0"/>
-              <a:buChar char="o"/>
-            </a:pPr>
-            <a:r>
-              <a:rPr lang="en-US" sz="1500" dirty="0">
-                <a:solidFill>
-                  <a:srgbClr val="333333"/>
-                </a:solidFill>
-                <a:latin typeface="AmazonEmber"/>
-              </a:rPr>
-              <a:t>Database adapter </a:t>
-            </a:r>
-          </a:p>
-          <a:p>
-            <a:pPr marL="1200150" lvl="2" indent="-285750">
-              <a:buFont typeface="Courier New" panose="02070309020205020404" pitchFamily="49" charset="0"/>
-              <a:buChar char="o"/>
-            </a:pPr>
-            <a:r>
-              <a:rPr lang="en-US" sz="1500" dirty="0">
-                <a:solidFill>
-                  <a:srgbClr val="333333"/>
-                </a:solidFill>
-                <a:latin typeface="AmazonEmber"/>
-              </a:rPr>
-              <a:t>JMS adapter </a:t>
-            </a:r>
-          </a:p>
-          <a:p>
-            <a:pPr marL="1200150" lvl="2" indent="-285750">
-              <a:buFont typeface="Courier New" panose="02070309020205020404" pitchFamily="49" charset="0"/>
-              <a:buChar char="o"/>
-            </a:pPr>
-            <a:r>
-              <a:rPr lang="en-US" sz="1500" dirty="0">
-                <a:solidFill>
-                  <a:srgbClr val="333333"/>
-                </a:solidFill>
-                <a:latin typeface="AmazonEmber"/>
-              </a:rPr>
-              <a:t>MQ adapter </a:t>
-            </a:r>
-          </a:p>
-          <a:p>
-            <a:pPr marL="1200150" lvl="2" indent="-285750">
-              <a:buFont typeface="Courier New" panose="02070309020205020404" pitchFamily="49" charset="0"/>
-              <a:buChar char="o"/>
-            </a:pPr>
-            <a:r>
-              <a:rPr lang="en-US" sz="1500" dirty="0">
-                <a:solidFill>
-                  <a:srgbClr val="333333"/>
-                </a:solidFill>
-                <a:latin typeface="AmazonEmber"/>
-              </a:rPr>
-              <a:t>AQ adapter </a:t>
-            </a:r>
-          </a:p>
-          <a:p>
-            <a:pPr marL="1200150" lvl="2" indent="-285750">
-              <a:buFont typeface="Courier New" panose="02070309020205020404" pitchFamily="49" charset="0"/>
-              <a:buChar char="o"/>
-            </a:pPr>
-            <a:r>
-              <a:rPr lang="en-US" sz="1500" dirty="0">
-                <a:solidFill>
-                  <a:srgbClr val="333333"/>
-                </a:solidFill>
-                <a:latin typeface="AmazonEmber"/>
-              </a:rPr>
-              <a:t>Socket adapter </a:t>
-            </a:r>
-          </a:p>
-          <a:p>
-            <a:pPr marL="1200150" lvl="2" indent="-285750">
-              <a:buFont typeface="Courier New" panose="02070309020205020404" pitchFamily="49" charset="0"/>
-              <a:buChar char="o"/>
-            </a:pPr>
-            <a:r>
-              <a:rPr lang="en-US" sz="1500" dirty="0">
-                <a:solidFill>
-                  <a:srgbClr val="333333"/>
-                </a:solidFill>
-                <a:latin typeface="AmazonEmber"/>
-              </a:rPr>
-              <a:t>BAM adapter</a:t>
-            </a:r>
-          </a:p>
-        </p:txBody>
-      </p:sp>
-      <p:pic>
-        <p:nvPicPr>
-          <p:cNvPr id="4" name="Picture 2" descr="Illustration showing the Service Infrastructure. It depicts the Service Infrastructure in a box, with the various components connecting to it. It shows it receiving messages from a SOAP binding component and the delivery API. It shows a composite application within the Service Infrastructure.">
-            <a:extLst>
-              <a:ext uri="{FF2B5EF4-FFF2-40B4-BE49-F238E27FC236}">
-                <a16:creationId xmlns:a16="http://schemas.microsoft.com/office/drawing/2014/main" id="{EFC16E13-A22E-9A79-C510-DDC59093DA30}"/>
-              </a:ext>
-            </a:extLst>
-          </p:cNvPr>
-          <p:cNvPicPr>
-            <a:picLocks noChangeAspect="1" noChangeArrowheads="1"/>
-          </p:cNvPicPr>
-          <p:nvPr/>
-        </p:nvPicPr>
-        <p:blipFill>
-          <a:blip r:embed="rId2">
-            <a:alphaModFix amt="85000"/>
-            <a:extLst>
-              <a:ext uri="{28A0092B-C50C-407E-A947-70E740481C1C}">
-                <a14:useLocalDpi xmlns:a14="http://schemas.microsoft.com/office/drawing/2010/main" val="0"/>
-              </a:ext>
-            </a:extLst>
-          </a:blip>
-          <a:srcRect/>
-          <a:stretch>
-            <a:fillRect/>
-          </a:stretch>
-        </p:blipFill>
-        <p:spPr bwMode="auto">
-          <a:xfrm>
-            <a:off x="3986968" y="4024819"/>
-            <a:ext cx="4852232" cy="2273259"/>
-          </a:xfrm>
-          <a:prstGeom prst="rect">
-            <a:avLst/>
-          </a:prstGeom>
-          <a:noFill/>
-          <a:extLst>
-            <a:ext uri="{909E8E84-426E-40DD-AFC4-6F175D3DCCD1}">
-              <a14:hiddenFill xmlns:a14="http://schemas.microsoft.com/office/drawing/2010/main">
-                <a:solidFill>
-                  <a:srgbClr val="FFFFFF"/>
-                </a:solidFill>
-              </a14:hiddenFill>
-            </a:ext>
-          </a:extLst>
         </p:spPr>
       </p:pic>
     </p:spTree>
@@ -3354,7 +3286,7 @@
           <p:cNvPr id="3" name="Title 2">
             <a:extLst>
               <a:ext uri="{FF2B5EF4-FFF2-40B4-BE49-F238E27FC236}">
-                <a16:creationId xmlns:a16="http://schemas.microsoft.com/office/drawing/2014/main" id="{E2EFA5C5-F89D-9268-6ED9-EB9C8C67C850}"/>
+                <a16:creationId xmlns:a16="http://schemas.microsoft.com/office/drawing/2014/main" id="{433502B6-9A5C-86C0-DD46-9C243A2E17B9}"/>
               </a:ext>
             </a:extLst>
           </p:cNvPr>
@@ -3370,7 +3302,385 @@
           <a:bodyPr/>
           <a:lstStyle/>
           <a:p>
-            <a:endParaRPr lang="en-US"/>
+            <a:r>
+              <a:rPr lang="en-US" b="1" dirty="0">
+                <a:solidFill>
+                  <a:srgbClr val="92D050"/>
+                </a:solidFill>
+                <a:latin typeface="Segoe UI Semilight" panose="020B0402040204020203" pitchFamily="34" charset="0"/>
+                <a:cs typeface="Segoe UI Semilight" panose="020B0402040204020203" pitchFamily="34" charset="0"/>
+              </a:rPr>
+              <a:t>S</a:t>
+            </a:r>
+            <a:r>
+              <a:rPr lang="en-US" dirty="0"/>
+              <a:t>ervice</a:t>
+            </a:r>
+            <a:r>
+              <a:rPr lang="en-US" b="1" dirty="0">
+                <a:solidFill>
+                  <a:schemeClr val="tx2">
+                    <a:lumMod val="50000"/>
+                  </a:schemeClr>
+                </a:solidFill>
+                <a:latin typeface="Segoe UI Semilight" panose="020B0402040204020203" pitchFamily="34" charset="0"/>
+                <a:cs typeface="Segoe UI Semilight" panose="020B0402040204020203" pitchFamily="34" charset="0"/>
+              </a:rPr>
+              <a:t> </a:t>
+            </a:r>
+            <a:r>
+              <a:rPr lang="en-US" dirty="0"/>
+              <a:t>Component Architecture (SCA)</a:t>
+            </a:r>
+          </a:p>
+        </p:txBody>
+      </p:sp>
+      <p:sp>
+        <p:nvSpPr>
+          <p:cNvPr id="4" name="Content Placeholder 3">
+            <a:extLst>
+              <a:ext uri="{FF2B5EF4-FFF2-40B4-BE49-F238E27FC236}">
+                <a16:creationId xmlns:a16="http://schemas.microsoft.com/office/drawing/2014/main" id="{CB3317A3-8626-D78F-823E-C9370C239545}"/>
+              </a:ext>
+            </a:extLst>
+          </p:cNvPr>
+          <p:cNvSpPr txBox="1">
+            <a:spLocks noGrp="1"/>
+          </p:cNvSpPr>
+          <p:nvPr>
+            <p:ph idx="1"/>
+          </p:nvPr>
+        </p:nvSpPr>
+        <p:spPr>
+          <a:xfrm>
+            <a:off x="343988" y="1193074"/>
+            <a:ext cx="8229600" cy="3612527"/>
+          </a:xfrm>
+          <a:prstGeom prst="rect">
+            <a:avLst/>
+          </a:prstGeom>
+          <a:noFill/>
+        </p:spPr>
+        <p:txBody>
+          <a:bodyPr wrap="square">
+            <a:spAutoFit/>
+          </a:bodyPr>
+          <a:lstStyle/>
+          <a:p>
+            <a:pPr marL="285750" indent="-285750" algn="l">
+              <a:buFont typeface="Wingdings" panose="05000000000000000000" pitchFamily="2" charset="2"/>
+              <a:buChar char="q"/>
+            </a:pPr>
+            <a:r>
+              <a:rPr lang="en-US" b="1" i="0" dirty="0">
+                <a:solidFill>
+                  <a:srgbClr val="292929"/>
+                </a:solidFill>
+                <a:effectLst/>
+                <a:latin typeface="sohne"/>
+              </a:rPr>
+              <a:t>Oracle Adapters:</a:t>
+            </a:r>
+          </a:p>
+          <a:p>
+            <a:pPr marL="742950" lvl="1" indent="-285750">
+              <a:buFont typeface="Arial" panose="020B0604020202020204" pitchFamily="34" charset="0"/>
+              <a:buChar char="•"/>
+            </a:pPr>
+            <a:r>
+              <a:rPr lang="en-US" sz="1500" dirty="0">
+                <a:solidFill>
+                  <a:srgbClr val="333333"/>
+                </a:solidFill>
+                <a:latin typeface="AmazonEmber"/>
+              </a:rPr>
+              <a:t>Services are often surfaced through adapters that take an existing piece of functionality and "adapt" it to the SOA world</a:t>
+            </a:r>
+            <a:r>
+              <a:rPr lang="en-US" dirty="0">
+                <a:solidFill>
+                  <a:srgbClr val="333333"/>
+                </a:solidFill>
+                <a:latin typeface="AmazonEmber"/>
+              </a:rPr>
+              <a:t>,</a:t>
+            </a:r>
+            <a:r>
+              <a:rPr lang="en-US" sz="1500" dirty="0">
+                <a:solidFill>
+                  <a:srgbClr val="333333"/>
+                </a:solidFill>
+                <a:latin typeface="AmazonEmber"/>
+              </a:rPr>
+              <a:t> the Oracle Adapters uses the JCA technology to establish a link between the Oracle SOA Suite and the external systems. </a:t>
+            </a:r>
+          </a:p>
+          <a:p>
+            <a:pPr marL="742950" lvl="1" indent="-285750">
+              <a:buFont typeface="Arial" panose="020B0604020202020204" pitchFamily="34" charset="0"/>
+              <a:buChar char="•"/>
+            </a:pPr>
+            <a:r>
+              <a:rPr lang="en-US" sz="1500" dirty="0">
+                <a:solidFill>
+                  <a:srgbClr val="333333"/>
+                </a:solidFill>
+                <a:latin typeface="AmazonEmber"/>
+              </a:rPr>
+              <a:t>Out-of-the-box adapters:</a:t>
+            </a:r>
+          </a:p>
+          <a:p>
+            <a:pPr marL="1200150" lvl="2" indent="-285750">
+              <a:buFont typeface="Courier New" panose="02070309020205020404" pitchFamily="49" charset="0"/>
+              <a:buChar char="o"/>
+            </a:pPr>
+            <a:r>
+              <a:rPr lang="en-US" sz="1500" dirty="0">
+                <a:solidFill>
+                  <a:srgbClr val="333333"/>
+                </a:solidFill>
+                <a:latin typeface="AmazonEmber"/>
+              </a:rPr>
+              <a:t>File adapter </a:t>
+            </a:r>
+          </a:p>
+          <a:p>
+            <a:pPr marL="1200150" lvl="2" indent="-285750">
+              <a:buFont typeface="Courier New" panose="02070309020205020404" pitchFamily="49" charset="0"/>
+              <a:buChar char="o"/>
+            </a:pPr>
+            <a:r>
+              <a:rPr lang="en-US" sz="1500" dirty="0">
+                <a:solidFill>
+                  <a:srgbClr val="333333"/>
+                </a:solidFill>
+                <a:latin typeface="AmazonEmber"/>
+              </a:rPr>
+              <a:t>FTP adapter </a:t>
+            </a:r>
+          </a:p>
+          <a:p>
+            <a:pPr marL="1200150" lvl="2" indent="-285750">
+              <a:buFont typeface="Courier New" panose="02070309020205020404" pitchFamily="49" charset="0"/>
+              <a:buChar char="o"/>
+            </a:pPr>
+            <a:r>
+              <a:rPr lang="en-US" sz="1500" dirty="0">
+                <a:solidFill>
+                  <a:srgbClr val="333333"/>
+                </a:solidFill>
+                <a:latin typeface="AmazonEmber"/>
+              </a:rPr>
+              <a:t>Database adapter </a:t>
+            </a:r>
+          </a:p>
+          <a:p>
+            <a:pPr marL="1200150" lvl="2" indent="-285750">
+              <a:buFont typeface="Courier New" panose="02070309020205020404" pitchFamily="49" charset="0"/>
+              <a:buChar char="o"/>
+            </a:pPr>
+            <a:r>
+              <a:rPr lang="en-US" sz="1500" dirty="0">
+                <a:solidFill>
+                  <a:srgbClr val="333333"/>
+                </a:solidFill>
+                <a:latin typeface="AmazonEmber"/>
+              </a:rPr>
+              <a:t>JMS adapter </a:t>
+            </a:r>
+          </a:p>
+          <a:p>
+            <a:pPr marL="1200150" lvl="2" indent="-285750">
+              <a:buFont typeface="Courier New" panose="02070309020205020404" pitchFamily="49" charset="0"/>
+              <a:buChar char="o"/>
+            </a:pPr>
+            <a:r>
+              <a:rPr lang="en-US" sz="1500" dirty="0">
+                <a:solidFill>
+                  <a:srgbClr val="333333"/>
+                </a:solidFill>
+                <a:latin typeface="AmazonEmber"/>
+              </a:rPr>
+              <a:t>MQ adapter </a:t>
+            </a:r>
+          </a:p>
+          <a:p>
+            <a:pPr marL="1200150" lvl="2" indent="-285750">
+              <a:buFont typeface="Courier New" panose="02070309020205020404" pitchFamily="49" charset="0"/>
+              <a:buChar char="o"/>
+            </a:pPr>
+            <a:r>
+              <a:rPr lang="en-US" sz="1500" dirty="0">
+                <a:solidFill>
+                  <a:srgbClr val="333333"/>
+                </a:solidFill>
+                <a:latin typeface="AmazonEmber"/>
+              </a:rPr>
+              <a:t>AQ adapter </a:t>
+            </a:r>
+          </a:p>
+          <a:p>
+            <a:pPr marL="1200150" lvl="2" indent="-285750">
+              <a:buFont typeface="Courier New" panose="02070309020205020404" pitchFamily="49" charset="0"/>
+              <a:buChar char="o"/>
+            </a:pPr>
+            <a:r>
+              <a:rPr lang="en-US" sz="1500" dirty="0">
+                <a:solidFill>
+                  <a:srgbClr val="333333"/>
+                </a:solidFill>
+                <a:latin typeface="AmazonEmber"/>
+              </a:rPr>
+              <a:t>Socket adapter </a:t>
+            </a:r>
+          </a:p>
+          <a:p>
+            <a:pPr marL="1200150" lvl="2" indent="-285750">
+              <a:buFont typeface="Courier New" panose="02070309020205020404" pitchFamily="49" charset="0"/>
+              <a:buChar char="o"/>
+            </a:pPr>
+            <a:r>
+              <a:rPr lang="en-US" sz="1500" dirty="0">
+                <a:solidFill>
+                  <a:srgbClr val="333333"/>
+                </a:solidFill>
+                <a:latin typeface="AmazonEmber"/>
+              </a:rPr>
+              <a:t>BAM adapter</a:t>
+            </a:r>
+          </a:p>
+        </p:txBody>
+      </p:sp>
+      <p:pic>
+        <p:nvPicPr>
+          <p:cNvPr id="5" name="Picture 2" descr="Illustration showing the Service Infrastructure. It depicts the Service Infrastructure in a box, with the various components connecting to it. It shows it receiving messages from a SOAP binding component and the delivery API. It shows a composite application within the Service Infrastructure.">
+            <a:extLst>
+              <a:ext uri="{FF2B5EF4-FFF2-40B4-BE49-F238E27FC236}">
+                <a16:creationId xmlns:a16="http://schemas.microsoft.com/office/drawing/2014/main" id="{848831A3-145F-4EB9-CC15-687F005F6CE6}"/>
+              </a:ext>
+            </a:extLst>
+          </p:cNvPr>
+          <p:cNvPicPr>
+            <a:picLocks noChangeAspect="1" noChangeArrowheads="1"/>
+          </p:cNvPicPr>
+          <p:nvPr/>
+        </p:nvPicPr>
+        <p:blipFill>
+          <a:blip r:embed="rId2">
+            <a:alphaModFix amt="85000"/>
+            <a:extLst>
+              <a:ext uri="{28A0092B-C50C-407E-A947-70E740481C1C}">
+                <a14:useLocalDpi xmlns:a14="http://schemas.microsoft.com/office/drawing/2010/main" val="0"/>
+              </a:ext>
+            </a:extLst>
+          </a:blip>
+          <a:srcRect/>
+          <a:stretch>
+            <a:fillRect/>
+          </a:stretch>
+        </p:blipFill>
+        <p:spPr bwMode="auto">
+          <a:xfrm>
+            <a:off x="3986968" y="4024819"/>
+            <a:ext cx="4852232" cy="2273259"/>
+          </a:xfrm>
+          <a:prstGeom prst="rect">
+            <a:avLst/>
+          </a:prstGeom>
+          <a:noFill/>
+          <a:extLst>
+            <a:ext uri="{909E8E84-426E-40DD-AFC4-6F175D3DCCD1}">
+              <a14:hiddenFill xmlns:a14="http://schemas.microsoft.com/office/drawing/2010/main">
+                <a:solidFill>
+                  <a:srgbClr val="FFFFFF"/>
+                </a:solidFill>
+              </a14:hiddenFill>
+            </a:ext>
+          </a:extLst>
+        </p:spPr>
+      </p:pic>
+    </p:spTree>
+    <p:extLst>
+      <p:ext uri="{BB962C8B-B14F-4D97-AF65-F5344CB8AC3E}">
+        <p14:creationId xmlns:p14="http://schemas.microsoft.com/office/powerpoint/2010/main" val="1829011998"/>
+      </p:ext>
+    </p:extLst>
+  </p:cSld>
+  <p:clrMapOvr>
+    <a:masterClrMapping/>
+  </p:clrMapOvr>
+</p:sld>
+</file>
+
+<file path=ppt/slides/slide13.xml><?xml version="1.0" encoding="utf-8"?>
+<p:sld xmlns:a="http://schemas.openxmlformats.org/drawingml/2006/main" xmlns:r="http://schemas.openxmlformats.org/officeDocument/2006/relationships" xmlns:p="http://schemas.openxmlformats.org/presentationml/2006/main">
+  <p:cSld>
+    <p:spTree>
+      <p:nvGrpSpPr>
+        <p:cNvPr id="1" name=""/>
+        <p:cNvGrpSpPr/>
+        <p:nvPr/>
+      </p:nvGrpSpPr>
+      <p:grpSpPr>
+        <a:xfrm>
+          <a:off x="0" y="0"/>
+          <a:ext cx="0" cy="0"/>
+          <a:chOff x="0" y="0"/>
+          <a:chExt cx="0" cy="0"/>
+        </a:xfrm>
+      </p:grpSpPr>
+      <p:sp>
+        <p:nvSpPr>
+          <p:cNvPr id="3" name="Title 2">
+            <a:extLst>
+              <a:ext uri="{FF2B5EF4-FFF2-40B4-BE49-F238E27FC236}">
+                <a16:creationId xmlns:a16="http://schemas.microsoft.com/office/drawing/2014/main" id="{E2EFA5C5-F89D-9268-6ED9-EB9C8C67C850}"/>
+              </a:ext>
+            </a:extLst>
+          </p:cNvPr>
+          <p:cNvSpPr>
+            <a:spLocks noGrp="1"/>
+          </p:cNvSpPr>
+          <p:nvPr>
+            <p:ph type="title"/>
+          </p:nvPr>
+        </p:nvSpPr>
+        <p:spPr/>
+        <p:txBody>
+          <a:bodyPr/>
+          <a:lstStyle/>
+          <a:p>
+            <a:r>
+              <a:rPr lang="en-US" b="1" dirty="0">
+                <a:solidFill>
+                  <a:srgbClr val="92D050"/>
+                </a:solidFill>
+                <a:latin typeface="Segoe UI Semilight" panose="020B0402040204020203" pitchFamily="34" charset="0"/>
+                <a:cs typeface="Segoe UI Semilight" panose="020B0402040204020203" pitchFamily="34" charset="0"/>
+              </a:rPr>
+              <a:t>S</a:t>
+            </a:r>
+            <a:r>
+              <a:rPr lang="en-US" dirty="0"/>
+              <a:t>ervice</a:t>
+            </a:r>
+            <a:r>
+              <a:rPr lang="en-US" b="1" dirty="0">
+                <a:solidFill>
+                  <a:schemeClr val="tx2">
+                    <a:lumMod val="50000"/>
+                  </a:schemeClr>
+                </a:solidFill>
+                <a:latin typeface="Segoe UI Semilight" panose="020B0402040204020203" pitchFamily="34" charset="0"/>
+                <a:cs typeface="Segoe UI Semilight" panose="020B0402040204020203" pitchFamily="34" charset="0"/>
+              </a:rPr>
+              <a:t> </a:t>
+            </a:r>
+            <a:r>
+              <a:rPr lang="en-US" dirty="0"/>
+              <a:t>Component Architecture (SCA)</a:t>
+            </a:r>
           </a:p>
         </p:txBody>
       </p:sp>
@@ -3393,7 +3703,7 @@
         <p:spPr>
           <a:xfrm>
             <a:off x="457200" y="1262743"/>
-            <a:ext cx="8229600" cy="2527615"/>
+            <a:ext cx="8229600" cy="2989280"/>
           </a:xfrm>
           <a:prstGeom prst="rect">
             <a:avLst/>
@@ -3439,8 +3749,23 @@
                 </a:solidFill>
                 <a:latin typeface="AmazonEmber"/>
               </a:rPr>
-              <a:t>Analogous to a load balancer routing HTTP traffic, the Oracle Mediator routes data from service providers to external partners. In addition, it can subscribe to and publish business events.</a:t>
-            </a:r>
+              <a:t>Analogous to a load balancer routing HTTP traffic, the Oracle Mediator routes data from service providers to external partners. In addition, it can subscribe to and publish business events. Used for filtering, transforming, adapting, and routing messages. </a:t>
+            </a:r>
+            <a:r>
+              <a:rPr lang="en-US" sz="1500">
+                <a:solidFill>
+                  <a:srgbClr val="333333"/>
+                </a:solidFill>
+                <a:latin typeface="AmazonEmber"/>
+              </a:rPr>
+              <a:t>(page 163 12c)</a:t>
+            </a:r>
+            <a:endParaRPr lang="en-US" sz="1500" dirty="0">
+              <a:solidFill>
+                <a:srgbClr val="333333"/>
+              </a:solidFill>
+              <a:latin typeface="AmazonEmber"/>
+            </a:endParaRPr>
           </a:p>
           <a:p>
             <a:pPr indent="342900" algn="l"/>
@@ -3486,18 +3811,17 @@
                 <a:effectLst/>
                 <a:latin typeface="Verdana" panose="020B0604030504040204" pitchFamily="34" charset="0"/>
               </a:rPr>
-              <a:t>.</a:t>
-            </a:r>
-            <a:endParaRPr lang="en-US" b="1" i="0" dirty="0">
-              <a:solidFill>
-                <a:srgbClr val="292929"/>
-              </a:solidFill>
-              <a:effectLst/>
-              <a:latin typeface="sohne"/>
-            </a:endParaRPr>
-          </a:p>
-          <a:p>
-            <a:pPr indent="342900" algn="l"/>
+              <a:t>. </a:t>
+            </a:r>
+            <a:r>
+              <a:rPr lang="en-US" dirty="0">
+                <a:solidFill>
+                  <a:srgbClr val="333333"/>
+                </a:solidFill>
+                <a:latin typeface="AmazonEmber"/>
+              </a:rPr>
+              <a:t>Orchestrating service calls, manipulating XML messages, performing flow logic with if-then-else and for-loops, handling exceptions as well as performing parallel processing are the sweet spot for this component.</a:t>
+            </a:r>
             <a:endParaRPr lang="en-US" sz="1500" dirty="0">
               <a:solidFill>
                 <a:srgbClr val="333333"/>
@@ -3520,7 +3844,236 @@
 </p:sld>
 </file>
 
-<file path=ppt/slides/slide13.xml><?xml version="1.0" encoding="utf-8"?>
+<file path=ppt/slides/slide14.xml><?xml version="1.0" encoding="utf-8"?>
+<p:sld xmlns:a="http://schemas.openxmlformats.org/drawingml/2006/main" xmlns:r="http://schemas.openxmlformats.org/officeDocument/2006/relationships" xmlns:p="http://schemas.openxmlformats.org/presentationml/2006/main">
+  <p:cSld>
+    <p:spTree>
+      <p:nvGrpSpPr>
+        <p:cNvPr id="1" name=""/>
+        <p:cNvGrpSpPr/>
+        <p:nvPr/>
+      </p:nvGrpSpPr>
+      <p:grpSpPr>
+        <a:xfrm>
+          <a:off x="0" y="0"/>
+          <a:ext cx="0" cy="0"/>
+          <a:chOff x="0" y="0"/>
+          <a:chExt cx="0" cy="0"/>
+        </a:xfrm>
+      </p:grpSpPr>
+      <p:sp>
+        <p:nvSpPr>
+          <p:cNvPr id="2" name="Content Placeholder 1">
+            <a:extLst>
+              <a:ext uri="{FF2B5EF4-FFF2-40B4-BE49-F238E27FC236}">
+                <a16:creationId xmlns:a16="http://schemas.microsoft.com/office/drawing/2014/main" id="{EFD47CFD-5690-17DD-E7DF-FF9AF66DAA97}"/>
+              </a:ext>
+            </a:extLst>
+          </p:cNvPr>
+          <p:cNvSpPr>
+            <a:spLocks noGrp="1"/>
+          </p:cNvSpPr>
+          <p:nvPr>
+            <p:ph idx="1"/>
+          </p:nvPr>
+        </p:nvSpPr>
+        <p:spPr>
+          <a:xfrm>
+            <a:off x="396240" y="905696"/>
+            <a:ext cx="8229600" cy="4906963"/>
+          </a:xfrm>
+        </p:spPr>
+        <p:txBody>
+          <a:bodyPr/>
+          <a:lstStyle/>
+          <a:p>
+            <a:r>
+              <a:rPr lang="en-US" dirty="0"/>
+              <a:t>Fusion Middleware infrastructure</a:t>
+            </a:r>
+          </a:p>
+          <a:p>
+            <a:pPr marL="342891" lvl="1" indent="0">
+              <a:buNone/>
+            </a:pPr>
+            <a:r>
+              <a:rPr lang="en-US" dirty="0">
+                <a:solidFill>
+                  <a:schemeClr val="accent4">
+                    <a:lumMod val="75000"/>
+                  </a:schemeClr>
+                </a:solidFill>
+                <a:latin typeface="AmazonEmber"/>
+              </a:rPr>
+              <a:t>— </a:t>
+            </a:r>
+            <a:r>
+              <a:rPr lang="en-US" dirty="0">
+                <a:solidFill>
+                  <a:schemeClr val="accent4">
+                    <a:lumMod val="75000"/>
+                  </a:schemeClr>
+                </a:solidFill>
+              </a:rPr>
+              <a:t> </a:t>
+            </a:r>
+            <a:r>
+              <a:rPr lang="en-US" dirty="0">
+                <a:solidFill>
+                  <a:schemeClr val="accent4">
+                    <a:lumMod val="75000"/>
+                  </a:schemeClr>
+                </a:solidFill>
+                <a:latin typeface="AmazonEmber"/>
+              </a:rPr>
+              <a:t>SOA Suite 12c runs inside WebLogic Server 12c</a:t>
+            </a:r>
+          </a:p>
+          <a:p>
+            <a:pPr marL="342891" lvl="1" indent="0">
+              <a:buNone/>
+            </a:pPr>
+            <a:r>
+              <a:rPr lang="en-US" dirty="0">
+                <a:solidFill>
+                  <a:schemeClr val="accent4">
+                    <a:lumMod val="75000"/>
+                  </a:schemeClr>
+                </a:solidFill>
+                <a:latin typeface="AmazonEmber"/>
+              </a:rPr>
+              <a:t>—  The SCA and Service Bus engines live inside the Java EE container. </a:t>
+            </a:r>
+          </a:p>
+          <a:p>
+            <a:pPr marL="342891" lvl="1" indent="0">
+              <a:buNone/>
+            </a:pPr>
+            <a:r>
+              <a:rPr lang="en-US" dirty="0">
+                <a:solidFill>
+                  <a:schemeClr val="accent4">
+                    <a:lumMod val="75000"/>
+                  </a:schemeClr>
+                </a:solidFill>
+                <a:latin typeface="AmazonEmber"/>
+              </a:rPr>
+              <a:t>—  The underlying run-time infrastructure of Fusion Middleware 12c the WebLogic Server platform, managed through its Administration Console.</a:t>
+            </a:r>
+          </a:p>
+        </p:txBody>
+      </p:sp>
+      <p:sp>
+        <p:nvSpPr>
+          <p:cNvPr id="3" name="Title 2">
+            <a:extLst>
+              <a:ext uri="{FF2B5EF4-FFF2-40B4-BE49-F238E27FC236}">
+                <a16:creationId xmlns:a16="http://schemas.microsoft.com/office/drawing/2014/main" id="{7A5264F8-F55A-D95E-FE18-4841AB026695}"/>
+              </a:ext>
+            </a:extLst>
+          </p:cNvPr>
+          <p:cNvSpPr>
+            <a:spLocks noGrp="1"/>
+          </p:cNvSpPr>
+          <p:nvPr>
+            <p:ph type="title"/>
+          </p:nvPr>
+        </p:nvSpPr>
+        <p:spPr/>
+        <p:txBody>
+          <a:bodyPr/>
+          <a:lstStyle/>
+          <a:p>
+            <a:r>
+              <a:rPr lang="en-US" b="1" dirty="0">
+                <a:solidFill>
+                  <a:schemeClr val="accent6">
+                    <a:lumMod val="75000"/>
+                  </a:schemeClr>
+                </a:solidFill>
+                <a:latin typeface="Segoe UI Semilight" panose="020B0402040204020203" pitchFamily="34" charset="0"/>
+                <a:cs typeface="Segoe UI Semilight" panose="020B0402040204020203" pitchFamily="34" charset="0"/>
+              </a:rPr>
+              <a:t>S</a:t>
+            </a:r>
+            <a:r>
+              <a:rPr lang="en-US" dirty="0"/>
+              <a:t>OA</a:t>
+            </a:r>
+            <a:r>
+              <a:rPr lang="en-US" b="1" dirty="0">
+                <a:solidFill>
+                  <a:schemeClr val="tx2">
+                    <a:lumMod val="50000"/>
+                  </a:schemeClr>
+                </a:solidFill>
+                <a:latin typeface="Segoe UI Semilight" panose="020B0402040204020203" pitchFamily="34" charset="0"/>
+                <a:cs typeface="Segoe UI Semilight" panose="020B0402040204020203" pitchFamily="34" charset="0"/>
+              </a:rPr>
+              <a:t> </a:t>
+            </a:r>
+            <a:r>
+              <a:rPr lang="en-US" dirty="0"/>
+              <a:t>Installation</a:t>
+            </a:r>
+          </a:p>
+        </p:txBody>
+      </p:sp>
+      <p:pic>
+        <p:nvPicPr>
+          <p:cNvPr id="5" name="Picture 4">
+            <a:extLst>
+              <a:ext uri="{FF2B5EF4-FFF2-40B4-BE49-F238E27FC236}">
+                <a16:creationId xmlns:a16="http://schemas.microsoft.com/office/drawing/2014/main" id="{A3FB3B5E-E30C-FD1C-0ACA-58C45EF9CA83}"/>
+              </a:ext>
+            </a:extLst>
+          </p:cNvPr>
+          <p:cNvPicPr>
+            <a:picLocks noChangeAspect="1"/>
+          </p:cNvPicPr>
+          <p:nvPr/>
+        </p:nvPicPr>
+        <p:blipFill>
+          <a:blip r:embed="rId2">
+            <a:clrChange>
+              <a:clrFrom>
+                <a:srgbClr val="FFFFFF"/>
+              </a:clrFrom>
+              <a:clrTo>
+                <a:srgbClr val="FFFFFF">
+                  <a:alpha val="0"/>
+                </a:srgbClr>
+              </a:clrTo>
+            </a:clrChange>
+          </a:blip>
+          <a:stretch>
+            <a:fillRect/>
+          </a:stretch>
+        </p:blipFill>
+        <p:spPr>
+          <a:xfrm>
+            <a:off x="1386062" y="2229396"/>
+            <a:ext cx="6371875" cy="4261890"/>
+          </a:xfrm>
+          <a:prstGeom prst="rect">
+            <a:avLst/>
+          </a:prstGeom>
+        </p:spPr>
+      </p:pic>
+    </p:spTree>
+    <p:extLst>
+      <p:ext uri="{BB962C8B-B14F-4D97-AF65-F5344CB8AC3E}">
+        <p14:creationId xmlns:p14="http://schemas.microsoft.com/office/powerpoint/2010/main" val="2604573527"/>
+      </p:ext>
+    </p:extLst>
+  </p:cSld>
+  <p:clrMapOvr>
+    <a:masterClrMapping/>
+  </p:clrMapOvr>
+</p:sld>
+</file>
+
+<file path=ppt/slides/slide15.xml><?xml version="1.0" encoding="utf-8"?>
 <p:sld xmlns:a="http://schemas.openxmlformats.org/drawingml/2006/main" xmlns:r="http://schemas.openxmlformats.org/officeDocument/2006/relationships" xmlns:p="http://schemas.openxmlformats.org/presentationml/2006/main">
   <p:cSld>
     <p:spTree>
@@ -5673,7 +6226,7 @@
 </p:sld>
 </file>
 
-<file path=ppt/slides/slide14.xml><?xml version="1.0" encoding="utf-8"?>
+<file path=ppt/slides/slide16.xml><?xml version="1.0" encoding="utf-8"?>
 <p:sld xmlns:a="http://schemas.openxmlformats.org/drawingml/2006/main" xmlns:r="http://schemas.openxmlformats.org/officeDocument/2006/relationships" xmlns:p="http://schemas.openxmlformats.org/presentationml/2006/main">
   <p:cSld>
     <p:spTree>
@@ -7306,7 +7859,7 @@
 </p:sld>
 </file>
 
-<file path=ppt/slides/slide15.xml><?xml version="1.0" encoding="utf-8"?>
+<file path=ppt/slides/slide17.xml><?xml version="1.0" encoding="utf-8"?>
 <p:sld xmlns:a="http://schemas.openxmlformats.org/drawingml/2006/main" xmlns:r="http://schemas.openxmlformats.org/officeDocument/2006/relationships" xmlns:p="http://schemas.openxmlformats.org/presentationml/2006/main">
   <p:cSld>
     <p:spTree>
@@ -8433,7 +8986,7 @@
 </p:sld>
 </file>
 
-<file path=ppt/slides/slide16.xml><?xml version="1.0" encoding="utf-8"?>
+<file path=ppt/slides/slide18.xml><?xml version="1.0" encoding="utf-8"?>
 <p:sld xmlns:a="http://schemas.openxmlformats.org/drawingml/2006/main" xmlns:r="http://schemas.openxmlformats.org/officeDocument/2006/relationships" xmlns:p="http://schemas.openxmlformats.org/presentationml/2006/main">
   <p:cSld>
     <p:spTree>
@@ -8617,7 +9170,7 @@
 </p:sld>
 </file>
 
-<file path=ppt/slides/slide17.xml><?xml version="1.0" encoding="utf-8"?>
+<file path=ppt/slides/slide19.xml><?xml version="1.0" encoding="utf-8"?>
 <p:sld xmlns:a="http://schemas.openxmlformats.org/drawingml/2006/main" xmlns:r="http://schemas.openxmlformats.org/officeDocument/2006/relationships" xmlns:p="http://schemas.openxmlformats.org/presentationml/2006/main">
   <p:cSld>
     <p:spTree>
@@ -8713,246 +9266,6 @@
     <p:extLst>
       <p:ext uri="{BB962C8B-B14F-4D97-AF65-F5344CB8AC3E}">
         <p14:creationId xmlns:p14="http://schemas.microsoft.com/office/powerpoint/2010/main" val="3319649091"/>
-      </p:ext>
-    </p:extLst>
-  </p:cSld>
-  <p:clrMapOvr>
-    <a:masterClrMapping/>
-  </p:clrMapOvr>
-</p:sld>
-</file>
-
-<file path=ppt/slides/slide18.xml><?xml version="1.0" encoding="utf-8"?>
-<p:sld xmlns:a="http://schemas.openxmlformats.org/drawingml/2006/main" xmlns:r="http://schemas.openxmlformats.org/officeDocument/2006/relationships" xmlns:p="http://schemas.openxmlformats.org/presentationml/2006/main">
-  <p:cSld>
-    <p:spTree>
-      <p:nvGrpSpPr>
-        <p:cNvPr id="1" name=""/>
-        <p:cNvGrpSpPr/>
-        <p:nvPr/>
-      </p:nvGrpSpPr>
-      <p:grpSpPr>
-        <a:xfrm>
-          <a:off x="0" y="0"/>
-          <a:ext cx="0" cy="0"/>
-          <a:chOff x="0" y="0"/>
-          <a:chExt cx="0" cy="0"/>
-        </a:xfrm>
-      </p:grpSpPr>
-      <p:sp>
-        <p:nvSpPr>
-          <p:cNvPr id="3" name="Title 2">
-            <a:extLst>
-              <a:ext uri="{FF2B5EF4-FFF2-40B4-BE49-F238E27FC236}">
-                <a16:creationId xmlns:a16="http://schemas.microsoft.com/office/drawing/2014/main" id="{070E7F4B-57AD-4205-8AD9-2C870BC3DB8C}"/>
-              </a:ext>
-            </a:extLst>
-          </p:cNvPr>
-          <p:cNvSpPr>
-            <a:spLocks noGrp="1"/>
-          </p:cNvSpPr>
-          <p:nvPr>
-            <p:ph type="title"/>
-          </p:nvPr>
-        </p:nvSpPr>
-        <p:spPr/>
-        <p:txBody>
-          <a:bodyPr/>
-          <a:lstStyle/>
-          <a:p>
-            <a:r>
-              <a:rPr lang="en-US" dirty="0"/>
-              <a:t>ELK Components</a:t>
-            </a:r>
-          </a:p>
-        </p:txBody>
-      </p:sp>
-      <p:pic>
-        <p:nvPicPr>
-          <p:cNvPr id="4098" name="Picture 2">
-            <a:extLst>
-              <a:ext uri="{FF2B5EF4-FFF2-40B4-BE49-F238E27FC236}">
-                <a16:creationId xmlns:a16="http://schemas.microsoft.com/office/drawing/2014/main" id="{680C7B69-5FD2-4DCE-8373-58505EDCFE46}"/>
-              </a:ext>
-            </a:extLst>
-          </p:cNvPr>
-          <p:cNvPicPr>
-            <a:picLocks noChangeAspect="1" noChangeArrowheads="1"/>
-          </p:cNvPicPr>
-          <p:nvPr/>
-        </p:nvPicPr>
-        <p:blipFill>
-          <a:blip r:embed="rId2">
-            <a:extLst>
-              <a:ext uri="{28A0092B-C50C-407E-A947-70E740481C1C}">
-                <a14:useLocalDpi xmlns:a14="http://schemas.microsoft.com/office/drawing/2010/main" val="0"/>
-              </a:ext>
-            </a:extLst>
-          </a:blip>
-          <a:srcRect/>
-          <a:stretch>
-            <a:fillRect/>
-          </a:stretch>
-        </p:blipFill>
-        <p:spPr bwMode="auto">
-          <a:xfrm>
-            <a:off x="819150" y="1762125"/>
-            <a:ext cx="7505700" cy="3333750"/>
-          </a:xfrm>
-          <a:prstGeom prst="rect">
-            <a:avLst/>
-          </a:prstGeom>
-          <a:noFill/>
-          <a:extLst>
-            <a:ext uri="{909E8E84-426E-40DD-AFC4-6F175D3DCCD1}">
-              <a14:hiddenFill xmlns:a14="http://schemas.microsoft.com/office/drawing/2010/main">
-                <a:solidFill>
-                  <a:srgbClr val="FFFFFF"/>
-                </a:solidFill>
-              </a14:hiddenFill>
-            </a:ext>
-          </a:extLst>
-        </p:spPr>
-      </p:pic>
-      <p:sp>
-        <p:nvSpPr>
-          <p:cNvPr id="4" name="AutoShape 4" descr="Healthcare Dashboard Examples - Klipfolio">
-            <a:extLst>
-              <a:ext uri="{FF2B5EF4-FFF2-40B4-BE49-F238E27FC236}">
-                <a16:creationId xmlns:a16="http://schemas.microsoft.com/office/drawing/2014/main" id="{1E20DBBF-D5A0-4238-8475-7CAD446C6359}"/>
-              </a:ext>
-            </a:extLst>
-          </p:cNvPr>
-          <p:cNvSpPr>
-            <a:spLocks noChangeAspect="1" noChangeArrowheads="1"/>
-          </p:cNvSpPr>
-          <p:nvPr/>
-        </p:nvSpPr>
-        <p:spPr bwMode="auto">
-          <a:xfrm>
-            <a:off x="4419600" y="3276600"/>
-            <a:ext cx="304800" cy="304800"/>
-          </a:xfrm>
-          <a:prstGeom prst="rect">
-            <a:avLst/>
-          </a:prstGeom>
-          <a:noFill/>
-          <a:extLst>
-            <a:ext uri="{909E8E84-426E-40DD-AFC4-6F175D3DCCD1}">
-              <a14:hiddenFill xmlns:a14="http://schemas.microsoft.com/office/drawing/2010/main">
-                <a:solidFill>
-                  <a:srgbClr val="FFFFFF"/>
-                </a:solidFill>
-              </a14:hiddenFill>
-            </a:ext>
-          </a:extLst>
-        </p:spPr>
-        <p:txBody>
-          <a:bodyPr vert="horz" wrap="square" lIns="91440" tIns="45720" rIns="91440" bIns="45720" numCol="1" anchor="t" anchorCtr="0" compatLnSpc="1">
-            <a:prstTxWarp prst="textNoShape">
-              <a:avLst/>
-            </a:prstTxWarp>
-          </a:bodyPr>
-          <a:lstStyle/>
-          <a:p>
-            <a:endParaRPr lang="en-US"/>
-          </a:p>
-        </p:txBody>
-      </p:sp>
-      <p:sp>
-        <p:nvSpPr>
-          <p:cNvPr id="5" name="AutoShape 6">
-            <a:extLst>
-              <a:ext uri="{FF2B5EF4-FFF2-40B4-BE49-F238E27FC236}">
-                <a16:creationId xmlns:a16="http://schemas.microsoft.com/office/drawing/2014/main" id="{30113333-388C-40E1-B6CB-22D2B7C4AF59}"/>
-              </a:ext>
-            </a:extLst>
-          </p:cNvPr>
-          <p:cNvSpPr>
-            <a:spLocks noChangeAspect="1" noChangeArrowheads="1"/>
-          </p:cNvSpPr>
-          <p:nvPr/>
-        </p:nvSpPr>
-        <p:spPr bwMode="auto">
-          <a:xfrm>
-            <a:off x="4572000" y="3429000"/>
-            <a:ext cx="304800" cy="304800"/>
-          </a:xfrm>
-          <a:prstGeom prst="rect">
-            <a:avLst/>
-          </a:prstGeom>
-          <a:noFill/>
-          <a:extLst>
-            <a:ext uri="{909E8E84-426E-40DD-AFC4-6F175D3DCCD1}">
-              <a14:hiddenFill xmlns:a14="http://schemas.microsoft.com/office/drawing/2010/main">
-                <a:solidFill>
-                  <a:srgbClr val="FFFFFF"/>
-                </a:solidFill>
-              </a14:hiddenFill>
-            </a:ext>
-          </a:extLst>
-        </p:spPr>
-        <p:txBody>
-          <a:bodyPr vert="horz" wrap="square" lIns="91440" tIns="45720" rIns="91440" bIns="45720" numCol="1" anchor="t" anchorCtr="0" compatLnSpc="1">
-            <a:prstTxWarp prst="textNoShape">
-              <a:avLst/>
-            </a:prstTxWarp>
-          </a:bodyPr>
-          <a:lstStyle/>
-          <a:p>
-            <a:endParaRPr lang="en-US"/>
-          </a:p>
-        </p:txBody>
-      </p:sp>
-      <p:sp>
-        <p:nvSpPr>
-          <p:cNvPr id="6" name="AutoShape 8" descr="Reporting and data visualization in Kibana | by Veronika Rovnik | Towards  Data Science">
-            <a:extLst>
-              <a:ext uri="{FF2B5EF4-FFF2-40B4-BE49-F238E27FC236}">
-                <a16:creationId xmlns:a16="http://schemas.microsoft.com/office/drawing/2014/main" id="{29D2EBEB-C5F8-4897-82D6-D79B6758830F}"/>
-              </a:ext>
-            </a:extLst>
-          </p:cNvPr>
-          <p:cNvSpPr>
-            <a:spLocks noChangeAspect="1" noChangeArrowheads="1"/>
-          </p:cNvSpPr>
-          <p:nvPr/>
-        </p:nvSpPr>
-        <p:spPr bwMode="auto">
-          <a:xfrm>
-            <a:off x="4724400" y="3581400"/>
-            <a:ext cx="304800" cy="304800"/>
-          </a:xfrm>
-          <a:prstGeom prst="rect">
-            <a:avLst/>
-          </a:prstGeom>
-          <a:noFill/>
-          <a:extLst>
-            <a:ext uri="{909E8E84-426E-40DD-AFC4-6F175D3DCCD1}">
-              <a14:hiddenFill xmlns:a14="http://schemas.microsoft.com/office/drawing/2010/main">
-                <a:solidFill>
-                  <a:srgbClr val="FFFFFF"/>
-                </a:solidFill>
-              </a14:hiddenFill>
-            </a:ext>
-          </a:extLst>
-        </p:spPr>
-        <p:txBody>
-          <a:bodyPr vert="horz" wrap="square" lIns="91440" tIns="45720" rIns="91440" bIns="45720" numCol="1" anchor="t" anchorCtr="0" compatLnSpc="1">
-            <a:prstTxWarp prst="textNoShape">
-              <a:avLst/>
-            </a:prstTxWarp>
-          </a:bodyPr>
-          <a:lstStyle/>
-          <a:p>
-            <a:endParaRPr lang="en-US"/>
-          </a:p>
-        </p:txBody>
-      </p:sp>
-    </p:spTree>
-    <p:extLst>
-      <p:ext uri="{BB962C8B-B14F-4D97-AF65-F5344CB8AC3E}">
-        <p14:creationId xmlns:p14="http://schemas.microsoft.com/office/powerpoint/2010/main" val="1557465196"/>
       </p:ext>
     </p:extLst>
   </p:cSld>
@@ -9027,7 +9340,7 @@
           <p:nvPr>
             <p:extLst>
               <p:ext uri="{D42A27DB-BD31-4B8C-83A1-F6EECF244321}">
-                <p14:modId xmlns:p14="http://schemas.microsoft.com/office/powerpoint/2010/main" val="834405517"/>
+                <p14:modId xmlns:p14="http://schemas.microsoft.com/office/powerpoint/2010/main" val="2663384754"/>
               </p:ext>
             </p:extLst>
           </p:nvPr>
@@ -9913,7 +10226,7 @@
                           <a:latin typeface="Segoe UI Semilight" panose="020B0402040204020203" pitchFamily="34" charset="0"/>
                           <a:cs typeface="Segoe UI Semilight" panose="020B0402040204020203" pitchFamily="34" charset="0"/>
                         </a:rPr>
-                        <a:t>~1h</a:t>
+                        <a:t>~2h</a:t>
                       </a:r>
                       <a:endParaRPr lang="en-US" dirty="0"/>
                     </a:p>
@@ -10411,7 +10724,7 @@
                           <a:latin typeface="Segoe UI Semilight" panose="020B0402040204020203" pitchFamily="34" charset="0"/>
                           <a:cs typeface="Segoe UI Semilight" panose="020B0402040204020203" pitchFamily="34" charset="0"/>
                         </a:rPr>
-                        <a:t>~2h</a:t>
+                        <a:t>~1h</a:t>
                       </a:r>
                       <a:endParaRPr lang="en-US" dirty="0"/>
                     </a:p>
@@ -10442,6 +10755,246 @@
     <p:extLst>
       <p:ext uri="{BB962C8B-B14F-4D97-AF65-F5344CB8AC3E}">
         <p14:creationId xmlns:p14="http://schemas.microsoft.com/office/powerpoint/2010/main" val="69165638"/>
+      </p:ext>
+    </p:extLst>
+  </p:cSld>
+  <p:clrMapOvr>
+    <a:masterClrMapping/>
+  </p:clrMapOvr>
+</p:sld>
+</file>
+
+<file path=ppt/slides/slide20.xml><?xml version="1.0" encoding="utf-8"?>
+<p:sld xmlns:a="http://schemas.openxmlformats.org/drawingml/2006/main" xmlns:r="http://schemas.openxmlformats.org/officeDocument/2006/relationships" xmlns:p="http://schemas.openxmlformats.org/presentationml/2006/main">
+  <p:cSld>
+    <p:spTree>
+      <p:nvGrpSpPr>
+        <p:cNvPr id="1" name=""/>
+        <p:cNvGrpSpPr/>
+        <p:nvPr/>
+      </p:nvGrpSpPr>
+      <p:grpSpPr>
+        <a:xfrm>
+          <a:off x="0" y="0"/>
+          <a:ext cx="0" cy="0"/>
+          <a:chOff x="0" y="0"/>
+          <a:chExt cx="0" cy="0"/>
+        </a:xfrm>
+      </p:grpSpPr>
+      <p:sp>
+        <p:nvSpPr>
+          <p:cNvPr id="3" name="Title 2">
+            <a:extLst>
+              <a:ext uri="{FF2B5EF4-FFF2-40B4-BE49-F238E27FC236}">
+                <a16:creationId xmlns:a16="http://schemas.microsoft.com/office/drawing/2014/main" id="{070E7F4B-57AD-4205-8AD9-2C870BC3DB8C}"/>
+              </a:ext>
+            </a:extLst>
+          </p:cNvPr>
+          <p:cNvSpPr>
+            <a:spLocks noGrp="1"/>
+          </p:cNvSpPr>
+          <p:nvPr>
+            <p:ph type="title"/>
+          </p:nvPr>
+        </p:nvSpPr>
+        <p:spPr/>
+        <p:txBody>
+          <a:bodyPr/>
+          <a:lstStyle/>
+          <a:p>
+            <a:r>
+              <a:rPr lang="en-US" dirty="0"/>
+              <a:t>ELK Components</a:t>
+            </a:r>
+          </a:p>
+        </p:txBody>
+      </p:sp>
+      <p:pic>
+        <p:nvPicPr>
+          <p:cNvPr id="4098" name="Picture 2">
+            <a:extLst>
+              <a:ext uri="{FF2B5EF4-FFF2-40B4-BE49-F238E27FC236}">
+                <a16:creationId xmlns:a16="http://schemas.microsoft.com/office/drawing/2014/main" id="{680C7B69-5FD2-4DCE-8373-58505EDCFE46}"/>
+              </a:ext>
+            </a:extLst>
+          </p:cNvPr>
+          <p:cNvPicPr>
+            <a:picLocks noChangeAspect="1" noChangeArrowheads="1"/>
+          </p:cNvPicPr>
+          <p:nvPr/>
+        </p:nvPicPr>
+        <p:blipFill>
+          <a:blip r:embed="rId2">
+            <a:extLst>
+              <a:ext uri="{28A0092B-C50C-407E-A947-70E740481C1C}">
+                <a14:useLocalDpi xmlns:a14="http://schemas.microsoft.com/office/drawing/2010/main" val="0"/>
+              </a:ext>
+            </a:extLst>
+          </a:blip>
+          <a:srcRect/>
+          <a:stretch>
+            <a:fillRect/>
+          </a:stretch>
+        </p:blipFill>
+        <p:spPr bwMode="auto">
+          <a:xfrm>
+            <a:off x="819150" y="1762125"/>
+            <a:ext cx="7505700" cy="3333750"/>
+          </a:xfrm>
+          <a:prstGeom prst="rect">
+            <a:avLst/>
+          </a:prstGeom>
+          <a:noFill/>
+          <a:extLst>
+            <a:ext uri="{909E8E84-426E-40DD-AFC4-6F175D3DCCD1}">
+              <a14:hiddenFill xmlns:a14="http://schemas.microsoft.com/office/drawing/2010/main">
+                <a:solidFill>
+                  <a:srgbClr val="FFFFFF"/>
+                </a:solidFill>
+              </a14:hiddenFill>
+            </a:ext>
+          </a:extLst>
+        </p:spPr>
+      </p:pic>
+      <p:sp>
+        <p:nvSpPr>
+          <p:cNvPr id="4" name="AutoShape 4" descr="Healthcare Dashboard Examples - Klipfolio">
+            <a:extLst>
+              <a:ext uri="{FF2B5EF4-FFF2-40B4-BE49-F238E27FC236}">
+                <a16:creationId xmlns:a16="http://schemas.microsoft.com/office/drawing/2014/main" id="{1E20DBBF-D5A0-4238-8475-7CAD446C6359}"/>
+              </a:ext>
+            </a:extLst>
+          </p:cNvPr>
+          <p:cNvSpPr>
+            <a:spLocks noChangeAspect="1" noChangeArrowheads="1"/>
+          </p:cNvSpPr>
+          <p:nvPr/>
+        </p:nvSpPr>
+        <p:spPr bwMode="auto">
+          <a:xfrm>
+            <a:off x="4419600" y="3276600"/>
+            <a:ext cx="304800" cy="304800"/>
+          </a:xfrm>
+          <a:prstGeom prst="rect">
+            <a:avLst/>
+          </a:prstGeom>
+          <a:noFill/>
+          <a:extLst>
+            <a:ext uri="{909E8E84-426E-40DD-AFC4-6F175D3DCCD1}">
+              <a14:hiddenFill xmlns:a14="http://schemas.microsoft.com/office/drawing/2010/main">
+                <a:solidFill>
+                  <a:srgbClr val="FFFFFF"/>
+                </a:solidFill>
+              </a14:hiddenFill>
+            </a:ext>
+          </a:extLst>
+        </p:spPr>
+        <p:txBody>
+          <a:bodyPr vert="horz" wrap="square" lIns="91440" tIns="45720" rIns="91440" bIns="45720" numCol="1" anchor="t" anchorCtr="0" compatLnSpc="1">
+            <a:prstTxWarp prst="textNoShape">
+              <a:avLst/>
+            </a:prstTxWarp>
+          </a:bodyPr>
+          <a:lstStyle/>
+          <a:p>
+            <a:endParaRPr lang="en-US"/>
+          </a:p>
+        </p:txBody>
+      </p:sp>
+      <p:sp>
+        <p:nvSpPr>
+          <p:cNvPr id="5" name="AutoShape 6">
+            <a:extLst>
+              <a:ext uri="{FF2B5EF4-FFF2-40B4-BE49-F238E27FC236}">
+                <a16:creationId xmlns:a16="http://schemas.microsoft.com/office/drawing/2014/main" id="{30113333-388C-40E1-B6CB-22D2B7C4AF59}"/>
+              </a:ext>
+            </a:extLst>
+          </p:cNvPr>
+          <p:cNvSpPr>
+            <a:spLocks noChangeAspect="1" noChangeArrowheads="1"/>
+          </p:cNvSpPr>
+          <p:nvPr/>
+        </p:nvSpPr>
+        <p:spPr bwMode="auto">
+          <a:xfrm>
+            <a:off x="4572000" y="3429000"/>
+            <a:ext cx="304800" cy="304800"/>
+          </a:xfrm>
+          <a:prstGeom prst="rect">
+            <a:avLst/>
+          </a:prstGeom>
+          <a:noFill/>
+          <a:extLst>
+            <a:ext uri="{909E8E84-426E-40DD-AFC4-6F175D3DCCD1}">
+              <a14:hiddenFill xmlns:a14="http://schemas.microsoft.com/office/drawing/2010/main">
+                <a:solidFill>
+                  <a:srgbClr val="FFFFFF"/>
+                </a:solidFill>
+              </a14:hiddenFill>
+            </a:ext>
+          </a:extLst>
+        </p:spPr>
+        <p:txBody>
+          <a:bodyPr vert="horz" wrap="square" lIns="91440" tIns="45720" rIns="91440" bIns="45720" numCol="1" anchor="t" anchorCtr="0" compatLnSpc="1">
+            <a:prstTxWarp prst="textNoShape">
+              <a:avLst/>
+            </a:prstTxWarp>
+          </a:bodyPr>
+          <a:lstStyle/>
+          <a:p>
+            <a:endParaRPr lang="en-US"/>
+          </a:p>
+        </p:txBody>
+      </p:sp>
+      <p:sp>
+        <p:nvSpPr>
+          <p:cNvPr id="6" name="AutoShape 8" descr="Reporting and data visualization in Kibana | by Veronika Rovnik | Towards  Data Science">
+            <a:extLst>
+              <a:ext uri="{FF2B5EF4-FFF2-40B4-BE49-F238E27FC236}">
+                <a16:creationId xmlns:a16="http://schemas.microsoft.com/office/drawing/2014/main" id="{29D2EBEB-C5F8-4897-82D6-D79B6758830F}"/>
+              </a:ext>
+            </a:extLst>
+          </p:cNvPr>
+          <p:cNvSpPr>
+            <a:spLocks noChangeAspect="1" noChangeArrowheads="1"/>
+          </p:cNvSpPr>
+          <p:nvPr/>
+        </p:nvSpPr>
+        <p:spPr bwMode="auto">
+          <a:xfrm>
+            <a:off x="4724400" y="3581400"/>
+            <a:ext cx="304800" cy="304800"/>
+          </a:xfrm>
+          <a:prstGeom prst="rect">
+            <a:avLst/>
+          </a:prstGeom>
+          <a:noFill/>
+          <a:extLst>
+            <a:ext uri="{909E8E84-426E-40DD-AFC4-6F175D3DCCD1}">
+              <a14:hiddenFill xmlns:a14="http://schemas.microsoft.com/office/drawing/2010/main">
+                <a:solidFill>
+                  <a:srgbClr val="FFFFFF"/>
+                </a:solidFill>
+              </a14:hiddenFill>
+            </a:ext>
+          </a:extLst>
+        </p:spPr>
+        <p:txBody>
+          <a:bodyPr vert="horz" wrap="square" lIns="91440" tIns="45720" rIns="91440" bIns="45720" numCol="1" anchor="t" anchorCtr="0" compatLnSpc="1">
+            <a:prstTxWarp prst="textNoShape">
+              <a:avLst/>
+            </a:prstTxWarp>
+          </a:bodyPr>
+          <a:lstStyle/>
+          <a:p>
+            <a:endParaRPr lang="en-US"/>
+          </a:p>
+        </p:txBody>
+      </p:sp>
+    </p:spTree>
+    <p:extLst>
+      <p:ext uri="{BB962C8B-B14F-4D97-AF65-F5344CB8AC3E}">
+        <p14:creationId xmlns:p14="http://schemas.microsoft.com/office/powerpoint/2010/main" val="1557465196"/>
       </p:ext>
     </p:extLst>
   </p:cSld>

--- a/Presentation/soaTrainingPresentation.pptx
+++ b/Presentation/soaTrainingPresentation.pptx
@@ -19,12 +19,15 @@
     <p:sldId id="290" r:id="rId13"/>
     <p:sldId id="289" r:id="rId14"/>
     <p:sldId id="291" r:id="rId15"/>
-    <p:sldId id="259" r:id="rId16"/>
-    <p:sldId id="276" r:id="rId17"/>
-    <p:sldId id="277" r:id="rId18"/>
-    <p:sldId id="261" r:id="rId19"/>
-    <p:sldId id="268" r:id="rId20"/>
-    <p:sldId id="272" r:id="rId21"/>
+    <p:sldId id="292" r:id="rId16"/>
+    <p:sldId id="293" r:id="rId17"/>
+    <p:sldId id="294" r:id="rId18"/>
+    <p:sldId id="259" r:id="rId19"/>
+    <p:sldId id="276" r:id="rId20"/>
+    <p:sldId id="277" r:id="rId21"/>
+    <p:sldId id="261" r:id="rId22"/>
+    <p:sldId id="268" r:id="rId23"/>
+    <p:sldId id="272" r:id="rId24"/>
   </p:sldIdLst>
   <p:sldSz cx="9144000" cy="6858000" type="screen4x3"/>
   <p:notesSz cx="6858000" cy="9144000"/>
@@ -142,6 +145,9 @@
             <p14:sldId id="290"/>
             <p14:sldId id="289"/>
             <p14:sldId id="291"/>
+            <p14:sldId id="292"/>
+            <p14:sldId id="293"/>
+            <p14:sldId id="294"/>
           </p14:sldIdLst>
         </p14:section>
         <p14:section name="Architecture" id="{2E54B0A4-7D42-4DA8-B359-3DA8DE410F7E}">
@@ -3749,23 +3755,8 @@
                 </a:solidFill>
                 <a:latin typeface="AmazonEmber"/>
               </a:rPr>
-              <a:t>Analogous to a load balancer routing HTTP traffic, the Oracle Mediator routes data from service providers to external partners. In addition, it can subscribe to and publish business events. Used for filtering, transforming, adapting, and routing messages. </a:t>
-            </a:r>
-            <a:r>
-              <a:rPr lang="en-US" sz="1500">
-                <a:solidFill>
-                  <a:srgbClr val="333333"/>
-                </a:solidFill>
-                <a:latin typeface="AmazonEmber"/>
-              </a:rPr>
-              <a:t>(page 163 12c)</a:t>
-            </a:r>
-            <a:endParaRPr lang="en-US" sz="1500" dirty="0">
-              <a:solidFill>
-                <a:srgbClr val="333333"/>
-              </a:solidFill>
-              <a:latin typeface="AmazonEmber"/>
-            </a:endParaRPr>
+              <a:t>Analogous to a load balancer routing HTTP traffic, the Oracle Mediator routes data from service providers to external partners. In addition, it can subscribe to and publish business events. Used for filtering, transforming, adapting, and routing messages. (page 163 12c)</a:t>
+            </a:r>
           </a:p>
           <a:p>
             <a:pPr indent="342900" algn="l"/>
@@ -4092,6 +4083,537 @@
       </p:grpSpPr>
       <p:sp>
         <p:nvSpPr>
+          <p:cNvPr id="2" name="Content Placeholder 1">
+            <a:extLst>
+              <a:ext uri="{FF2B5EF4-FFF2-40B4-BE49-F238E27FC236}">
+                <a16:creationId xmlns:a16="http://schemas.microsoft.com/office/drawing/2014/main" id="{A429EF99-2465-2679-D63A-689CDD520B1A}"/>
+              </a:ext>
+            </a:extLst>
+          </p:cNvPr>
+          <p:cNvSpPr>
+            <a:spLocks noGrp="1"/>
+          </p:cNvSpPr>
+          <p:nvPr>
+            <p:ph idx="1"/>
+          </p:nvPr>
+        </p:nvSpPr>
+        <p:spPr>
+          <a:xfrm>
+            <a:off x="457200" y="1219205"/>
+            <a:ext cx="8229600" cy="2209795"/>
+          </a:xfrm>
+        </p:spPr>
+        <p:txBody>
+          <a:bodyPr>
+            <a:noAutofit/>
+          </a:bodyPr>
+          <a:lstStyle/>
+          <a:p>
+            <a:pPr>
+              <a:lnSpc>
+                <a:spcPct val="150000"/>
+              </a:lnSpc>
+              <a:buFont typeface="Wingdings" panose="05000000000000000000" pitchFamily="2" charset="2"/>
+              <a:buChar char="§"/>
+            </a:pPr>
+            <a:r>
+              <a:rPr lang="en-US" sz="1800" dirty="0">
+                <a:solidFill>
+                  <a:schemeClr val="bg2">
+                    <a:lumMod val="50000"/>
+                  </a:schemeClr>
+                </a:solidFill>
+                <a:latin typeface="+mn-lt"/>
+              </a:rPr>
+              <a:t>The SOA Suite is built on top of a Java Enterprise Edition (Java EE) infrastructure</a:t>
+            </a:r>
+          </a:p>
+          <a:p>
+            <a:pPr>
+              <a:lnSpc>
+                <a:spcPct val="150000"/>
+              </a:lnSpc>
+              <a:buFont typeface="Wingdings" panose="05000000000000000000" pitchFamily="2" charset="2"/>
+              <a:buChar char="§"/>
+            </a:pPr>
+            <a:r>
+              <a:rPr lang="en-US" sz="1800" dirty="0">
+                <a:solidFill>
+                  <a:schemeClr val="bg2">
+                    <a:lumMod val="50000"/>
+                  </a:schemeClr>
+                </a:solidFill>
+                <a:latin typeface="+mn-lt"/>
+              </a:rPr>
+              <a:t>Although SOA Suite is certified with several different Java EE servers, including IBM WebSphere, it will most commonly be used with the Oracle WebLogic server.</a:t>
+            </a:r>
+          </a:p>
+          <a:p>
+            <a:pPr>
+              <a:lnSpc>
+                <a:spcPct val="150000"/>
+              </a:lnSpc>
+              <a:buFont typeface="Wingdings" panose="05000000000000000000" pitchFamily="2" charset="2"/>
+              <a:buChar char="§"/>
+            </a:pPr>
+            <a:r>
+              <a:rPr lang="en-US" sz="1800" dirty="0">
+                <a:solidFill>
+                  <a:schemeClr val="bg2">
+                    <a:lumMod val="50000"/>
+                  </a:schemeClr>
+                </a:solidFill>
+                <a:latin typeface="+mn-lt"/>
+              </a:rPr>
+              <a:t>The Oracle WebLogic Server (WLS) will probably always be the first available Java EE platform for SOA Suite</a:t>
+            </a:r>
+          </a:p>
+        </p:txBody>
+      </p:sp>
+      <p:sp>
+        <p:nvSpPr>
+          <p:cNvPr id="3" name="Title 2">
+            <a:extLst>
+              <a:ext uri="{FF2B5EF4-FFF2-40B4-BE49-F238E27FC236}">
+                <a16:creationId xmlns:a16="http://schemas.microsoft.com/office/drawing/2014/main" id="{4E9EF78A-A7E1-B955-C207-52FD46596BFE}"/>
+              </a:ext>
+            </a:extLst>
+          </p:cNvPr>
+          <p:cNvSpPr>
+            <a:spLocks noGrp="1"/>
+          </p:cNvSpPr>
+          <p:nvPr>
+            <p:ph type="title"/>
+          </p:nvPr>
+        </p:nvSpPr>
+        <p:spPr/>
+        <p:txBody>
+          <a:bodyPr/>
+          <a:lstStyle/>
+          <a:p>
+            <a:r>
+              <a:rPr lang="en-US" b="1" dirty="0">
+                <a:solidFill>
+                  <a:schemeClr val="accent6">
+                    <a:lumMod val="75000"/>
+                  </a:schemeClr>
+                </a:solidFill>
+                <a:latin typeface="Segoe UI Semilight" panose="020B0402040204020203" pitchFamily="34" charset="0"/>
+                <a:cs typeface="Segoe UI Semilight" panose="020B0402040204020203" pitchFamily="34" charset="0"/>
+              </a:rPr>
+              <a:t>S</a:t>
+            </a:r>
+            <a:r>
+              <a:rPr lang="en-US" dirty="0"/>
+              <a:t>OA</a:t>
+            </a:r>
+            <a:r>
+              <a:rPr lang="en-US" b="1" dirty="0">
+                <a:solidFill>
+                  <a:schemeClr val="tx2">
+                    <a:lumMod val="50000"/>
+                  </a:schemeClr>
+                </a:solidFill>
+                <a:latin typeface="Segoe UI Semilight" panose="020B0402040204020203" pitchFamily="34" charset="0"/>
+                <a:cs typeface="Segoe UI Semilight" panose="020B0402040204020203" pitchFamily="34" charset="0"/>
+              </a:rPr>
+              <a:t> </a:t>
+            </a:r>
+            <a:r>
+              <a:rPr lang="en-US" dirty="0"/>
+              <a:t>Installation</a:t>
+            </a:r>
+          </a:p>
+        </p:txBody>
+      </p:sp>
+      <p:pic>
+        <p:nvPicPr>
+          <p:cNvPr id="5" name="Picture 4">
+            <a:extLst>
+              <a:ext uri="{FF2B5EF4-FFF2-40B4-BE49-F238E27FC236}">
+                <a16:creationId xmlns:a16="http://schemas.microsoft.com/office/drawing/2014/main" id="{946E46BB-8621-E694-2689-6F22CE5B14C6}"/>
+              </a:ext>
+            </a:extLst>
+          </p:cNvPr>
+          <p:cNvPicPr>
+            <a:picLocks noChangeAspect="1"/>
+          </p:cNvPicPr>
+          <p:nvPr/>
+        </p:nvPicPr>
+        <p:blipFill>
+          <a:blip r:embed="rId2"/>
+          <a:stretch>
+            <a:fillRect/>
+          </a:stretch>
+        </p:blipFill>
+        <p:spPr>
+          <a:xfrm>
+            <a:off x="6579966" y="3859306"/>
+            <a:ext cx="1829055" cy="2514951"/>
+          </a:xfrm>
+          <a:prstGeom prst="rect">
+            <a:avLst/>
+          </a:prstGeom>
+        </p:spPr>
+      </p:pic>
+      <p:sp>
+        <p:nvSpPr>
+          <p:cNvPr id="7" name="TextBox 6">
+            <a:extLst>
+              <a:ext uri="{FF2B5EF4-FFF2-40B4-BE49-F238E27FC236}">
+                <a16:creationId xmlns:a16="http://schemas.microsoft.com/office/drawing/2014/main" id="{0C968BC3-310A-B465-3E52-22CC33162C24}"/>
+              </a:ext>
+            </a:extLst>
+          </p:cNvPr>
+          <p:cNvSpPr txBox="1"/>
+          <p:nvPr/>
+        </p:nvSpPr>
+        <p:spPr>
+          <a:xfrm>
+            <a:off x="457200" y="3640677"/>
+            <a:ext cx="5764307" cy="1477328"/>
+          </a:xfrm>
+          <a:prstGeom prst="rect">
+            <a:avLst/>
+          </a:prstGeom>
+          <a:noFill/>
+        </p:spPr>
+        <p:txBody>
+          <a:bodyPr wrap="square">
+            <a:spAutoFit/>
+          </a:bodyPr>
+          <a:lstStyle/>
+          <a:p>
+            <a:pPr marL="287338" indent="-287338">
+              <a:buFont typeface="Wingdings" panose="05000000000000000000" pitchFamily="2" charset="2"/>
+              <a:buChar char="§"/>
+            </a:pPr>
+            <a:r>
+              <a:rPr lang="en-US" sz="1800" dirty="0">
+                <a:solidFill>
+                  <a:schemeClr val="bg2">
+                    <a:lumMod val="50000"/>
+                  </a:schemeClr>
+                </a:solidFill>
+                <a:latin typeface="+mn-lt"/>
+              </a:rPr>
+              <a:t>In addition to a Java EE application server, the SOA Suite also requires a database.</a:t>
+            </a:r>
+          </a:p>
+          <a:p>
+            <a:endParaRPr lang="en-US" sz="1800" dirty="0">
+              <a:solidFill>
+                <a:schemeClr val="bg2">
+                  <a:lumMod val="50000"/>
+                </a:schemeClr>
+              </a:solidFill>
+              <a:latin typeface="+mn-lt"/>
+            </a:endParaRPr>
+          </a:p>
+          <a:p>
+            <a:pPr marL="287338" indent="-287338">
+              <a:buFont typeface="Wingdings" panose="05000000000000000000" pitchFamily="2" charset="2"/>
+              <a:buChar char="§"/>
+            </a:pPr>
+            <a:r>
+              <a:rPr lang="en-US" sz="1800" dirty="0">
+                <a:solidFill>
+                  <a:schemeClr val="bg2">
+                    <a:lumMod val="50000"/>
+                  </a:schemeClr>
+                </a:solidFill>
+                <a:latin typeface="+mn-lt"/>
+              </a:rPr>
+              <a:t>The database is used to maintain configuration information and also records of runtime interactions.</a:t>
+            </a:r>
+          </a:p>
+        </p:txBody>
+      </p:sp>
+    </p:spTree>
+    <p:extLst>
+      <p:ext uri="{BB962C8B-B14F-4D97-AF65-F5344CB8AC3E}">
+        <p14:creationId xmlns:p14="http://schemas.microsoft.com/office/powerpoint/2010/main" val="228830428"/>
+      </p:ext>
+    </p:extLst>
+  </p:cSld>
+  <p:clrMapOvr>
+    <a:masterClrMapping/>
+  </p:clrMapOvr>
+</p:sld>
+</file>
+
+<file path=ppt/slides/slide16.xml><?xml version="1.0" encoding="utf-8"?>
+<p:sld xmlns:a="http://schemas.openxmlformats.org/drawingml/2006/main" xmlns:r="http://schemas.openxmlformats.org/officeDocument/2006/relationships" xmlns:p="http://schemas.openxmlformats.org/presentationml/2006/main">
+  <p:cSld>
+    <p:spTree>
+      <p:nvGrpSpPr>
+        <p:cNvPr id="1" name=""/>
+        <p:cNvGrpSpPr/>
+        <p:nvPr/>
+      </p:nvGrpSpPr>
+      <p:grpSpPr>
+        <a:xfrm>
+          <a:off x="0" y="0"/>
+          <a:ext cx="0" cy="0"/>
+          <a:chOff x="0" y="0"/>
+          <a:chExt cx="0" cy="0"/>
+        </a:xfrm>
+      </p:grpSpPr>
+      <p:sp>
+        <p:nvSpPr>
+          <p:cNvPr id="2" name="Content Placeholder 1">
+            <a:extLst>
+              <a:ext uri="{FF2B5EF4-FFF2-40B4-BE49-F238E27FC236}">
+                <a16:creationId xmlns:a16="http://schemas.microsoft.com/office/drawing/2014/main" id="{C3954C5F-17A2-8506-66BD-B80DB9043A8B}"/>
+              </a:ext>
+            </a:extLst>
+          </p:cNvPr>
+          <p:cNvSpPr>
+            <a:spLocks noGrp="1"/>
+          </p:cNvSpPr>
+          <p:nvPr>
+            <p:ph idx="1"/>
+          </p:nvPr>
+        </p:nvSpPr>
+        <p:spPr/>
+        <p:txBody>
+          <a:bodyPr/>
+          <a:lstStyle/>
+          <a:p>
+            <a:r>
+              <a:rPr lang="en-US" dirty="0"/>
+              <a:t>So Let’s Install</a:t>
+            </a:r>
+          </a:p>
+          <a:p>
+            <a:pPr marL="0" indent="0">
+              <a:buNone/>
+            </a:pPr>
+            <a:endParaRPr lang="en-US" dirty="0"/>
+          </a:p>
+          <a:p>
+            <a:pPr lvl="1">
+              <a:lnSpc>
+                <a:spcPct val="200000"/>
+              </a:lnSpc>
+            </a:pPr>
+            <a:r>
+              <a:rPr lang="en-US" dirty="0"/>
+              <a:t>Installing DB (on server and using </a:t>
+            </a:r>
+            <a:r>
+              <a:rPr lang="en-US" dirty="0" err="1"/>
+              <a:t>podman</a:t>
+            </a:r>
+            <a:r>
+              <a:rPr lang="en-US" dirty="0"/>
+              <a:t> image)</a:t>
+            </a:r>
+          </a:p>
+          <a:p>
+            <a:pPr lvl="1">
+              <a:lnSpc>
+                <a:spcPct val="200000"/>
+              </a:lnSpc>
+            </a:pPr>
+            <a:r>
+              <a:rPr lang="en-US" dirty="0"/>
+              <a:t>Installing Oracle </a:t>
+            </a:r>
+            <a:r>
+              <a:rPr lang="en-US" dirty="0" err="1"/>
+              <a:t>Fussion</a:t>
+            </a:r>
+            <a:r>
+              <a:rPr lang="en-US" dirty="0"/>
+              <a:t> Middleware (FMW)</a:t>
+            </a:r>
+          </a:p>
+          <a:p>
+            <a:pPr lvl="1">
+              <a:lnSpc>
+                <a:spcPct val="200000"/>
+              </a:lnSpc>
+            </a:pPr>
+            <a:r>
+              <a:rPr lang="en-US" dirty="0"/>
+              <a:t>Installing Oracle SOA Suite</a:t>
+            </a:r>
+          </a:p>
+          <a:p>
+            <a:pPr lvl="1"/>
+            <a:endParaRPr lang="en-US" dirty="0"/>
+          </a:p>
+        </p:txBody>
+      </p:sp>
+      <p:sp>
+        <p:nvSpPr>
+          <p:cNvPr id="3" name="Title 2">
+            <a:extLst>
+              <a:ext uri="{FF2B5EF4-FFF2-40B4-BE49-F238E27FC236}">
+                <a16:creationId xmlns:a16="http://schemas.microsoft.com/office/drawing/2014/main" id="{0D16D143-C65C-2A3F-9827-5CE6906DCECF}"/>
+              </a:ext>
+            </a:extLst>
+          </p:cNvPr>
+          <p:cNvSpPr>
+            <a:spLocks noGrp="1"/>
+          </p:cNvSpPr>
+          <p:nvPr>
+            <p:ph type="title"/>
+          </p:nvPr>
+        </p:nvSpPr>
+        <p:spPr/>
+        <p:txBody>
+          <a:bodyPr/>
+          <a:lstStyle/>
+          <a:p>
+            <a:r>
+              <a:rPr lang="en-US" b="1" dirty="0">
+                <a:solidFill>
+                  <a:schemeClr val="accent6">
+                    <a:lumMod val="75000"/>
+                  </a:schemeClr>
+                </a:solidFill>
+                <a:latin typeface="Segoe UI Semilight" panose="020B0402040204020203" pitchFamily="34" charset="0"/>
+                <a:cs typeface="Segoe UI Semilight" panose="020B0402040204020203" pitchFamily="34" charset="0"/>
+              </a:rPr>
+              <a:t>S</a:t>
+            </a:r>
+            <a:r>
+              <a:rPr lang="en-US" dirty="0"/>
+              <a:t>OA</a:t>
+            </a:r>
+            <a:r>
+              <a:rPr lang="en-US" b="1" dirty="0">
+                <a:solidFill>
+                  <a:schemeClr val="tx2">
+                    <a:lumMod val="50000"/>
+                  </a:schemeClr>
+                </a:solidFill>
+                <a:latin typeface="Segoe UI Semilight" panose="020B0402040204020203" pitchFamily="34" charset="0"/>
+                <a:cs typeface="Segoe UI Semilight" panose="020B0402040204020203" pitchFamily="34" charset="0"/>
+              </a:rPr>
+              <a:t> </a:t>
+            </a:r>
+            <a:r>
+              <a:rPr lang="en-US" dirty="0"/>
+              <a:t>Installation</a:t>
+            </a:r>
+          </a:p>
+        </p:txBody>
+      </p:sp>
+    </p:spTree>
+    <p:extLst>
+      <p:ext uri="{BB962C8B-B14F-4D97-AF65-F5344CB8AC3E}">
+        <p14:creationId xmlns:p14="http://schemas.microsoft.com/office/powerpoint/2010/main" val="1552758894"/>
+      </p:ext>
+    </p:extLst>
+  </p:cSld>
+  <p:clrMapOvr>
+    <a:masterClrMapping/>
+  </p:clrMapOvr>
+</p:sld>
+</file>
+
+<file path=ppt/slides/slide17.xml><?xml version="1.0" encoding="utf-8"?>
+<p:sld xmlns:a="http://schemas.openxmlformats.org/drawingml/2006/main" xmlns:r="http://schemas.openxmlformats.org/officeDocument/2006/relationships" xmlns:p="http://schemas.openxmlformats.org/presentationml/2006/main">
+  <p:cSld>
+    <p:spTree>
+      <p:nvGrpSpPr>
+        <p:cNvPr id="1" name=""/>
+        <p:cNvGrpSpPr/>
+        <p:nvPr/>
+      </p:nvGrpSpPr>
+      <p:grpSpPr>
+        <a:xfrm>
+          <a:off x="0" y="0"/>
+          <a:ext cx="0" cy="0"/>
+          <a:chOff x="0" y="0"/>
+          <a:chExt cx="0" cy="0"/>
+        </a:xfrm>
+      </p:grpSpPr>
+      <p:sp>
+        <p:nvSpPr>
+          <p:cNvPr id="2" name="Content Placeholder 1">
+            <a:extLst>
+              <a:ext uri="{FF2B5EF4-FFF2-40B4-BE49-F238E27FC236}">
+                <a16:creationId xmlns:a16="http://schemas.microsoft.com/office/drawing/2014/main" id="{927144B9-DB58-7BE2-3737-25E5EEF2290F}"/>
+              </a:ext>
+            </a:extLst>
+          </p:cNvPr>
+          <p:cNvSpPr>
+            <a:spLocks noGrp="1"/>
+          </p:cNvSpPr>
+          <p:nvPr>
+            <p:ph idx="1"/>
+          </p:nvPr>
+        </p:nvSpPr>
+        <p:spPr/>
+        <p:txBody>
+          <a:bodyPr/>
+          <a:lstStyle/>
+          <a:p>
+            <a:endParaRPr lang="en-US"/>
+          </a:p>
+        </p:txBody>
+      </p:sp>
+      <p:sp>
+        <p:nvSpPr>
+          <p:cNvPr id="3" name="Title 2">
+            <a:extLst>
+              <a:ext uri="{FF2B5EF4-FFF2-40B4-BE49-F238E27FC236}">
+                <a16:creationId xmlns:a16="http://schemas.microsoft.com/office/drawing/2014/main" id="{2C71EE65-5AB5-3A37-205B-C7AA7104C748}"/>
+              </a:ext>
+            </a:extLst>
+          </p:cNvPr>
+          <p:cNvSpPr>
+            <a:spLocks noGrp="1"/>
+          </p:cNvSpPr>
+          <p:nvPr>
+            <p:ph type="title"/>
+          </p:nvPr>
+        </p:nvSpPr>
+        <p:spPr/>
+        <p:txBody>
+          <a:bodyPr/>
+          <a:lstStyle/>
+          <a:p>
+            <a:endParaRPr lang="en-US"/>
+          </a:p>
+        </p:txBody>
+      </p:sp>
+    </p:spTree>
+    <p:extLst>
+      <p:ext uri="{BB962C8B-B14F-4D97-AF65-F5344CB8AC3E}">
+        <p14:creationId xmlns:p14="http://schemas.microsoft.com/office/powerpoint/2010/main" val="3250706191"/>
+      </p:ext>
+    </p:extLst>
+  </p:cSld>
+  <p:clrMapOvr>
+    <a:masterClrMapping/>
+  </p:clrMapOvr>
+</p:sld>
+</file>
+
+<file path=ppt/slides/slide18.xml><?xml version="1.0" encoding="utf-8"?>
+<p:sld xmlns:a="http://schemas.openxmlformats.org/drawingml/2006/main" xmlns:r="http://schemas.openxmlformats.org/officeDocument/2006/relationships" xmlns:p="http://schemas.openxmlformats.org/presentationml/2006/main">
+  <p:cSld>
+    <p:spTree>
+      <p:nvGrpSpPr>
+        <p:cNvPr id="1" name=""/>
+        <p:cNvGrpSpPr/>
+        <p:nvPr/>
+      </p:nvGrpSpPr>
+      <p:grpSpPr>
+        <a:xfrm>
+          <a:off x="0" y="0"/>
+          <a:ext cx="0" cy="0"/>
+          <a:chOff x="0" y="0"/>
+          <a:chExt cx="0" cy="0"/>
+        </a:xfrm>
+      </p:grpSpPr>
+      <p:sp>
+        <p:nvSpPr>
           <p:cNvPr id="3" name="Title 2">
             <a:extLst>
               <a:ext uri="{FF2B5EF4-FFF2-40B4-BE49-F238E27FC236}">
@@ -6226,7 +6748,7 @@
 </p:sld>
 </file>
 
-<file path=ppt/slides/slide16.xml><?xml version="1.0" encoding="utf-8"?>
+<file path=ppt/slides/slide19.xml><?xml version="1.0" encoding="utf-8"?>
 <p:sld xmlns:a="http://schemas.openxmlformats.org/drawingml/2006/main" xmlns:r="http://schemas.openxmlformats.org/officeDocument/2006/relationships" xmlns:p="http://schemas.openxmlformats.org/presentationml/2006/main">
   <p:cSld>
     <p:spTree>
@@ -7850,1422 +8372,6 @@
     <p:extLst>
       <p:ext uri="{BB962C8B-B14F-4D97-AF65-F5344CB8AC3E}">
         <p14:creationId xmlns:p14="http://schemas.microsoft.com/office/powerpoint/2010/main" val="3696181477"/>
-      </p:ext>
-    </p:extLst>
-  </p:cSld>
-  <p:clrMapOvr>
-    <a:masterClrMapping/>
-  </p:clrMapOvr>
-</p:sld>
-</file>
-
-<file path=ppt/slides/slide17.xml><?xml version="1.0" encoding="utf-8"?>
-<p:sld xmlns:a="http://schemas.openxmlformats.org/drawingml/2006/main" xmlns:r="http://schemas.openxmlformats.org/officeDocument/2006/relationships" xmlns:p="http://schemas.openxmlformats.org/presentationml/2006/main">
-  <p:cSld>
-    <p:spTree>
-      <p:nvGrpSpPr>
-        <p:cNvPr id="1" name=""/>
-        <p:cNvGrpSpPr/>
-        <p:nvPr/>
-      </p:nvGrpSpPr>
-      <p:grpSpPr>
-        <a:xfrm>
-          <a:off x="0" y="0"/>
-          <a:ext cx="0" cy="0"/>
-          <a:chOff x="0" y="0"/>
-          <a:chExt cx="0" cy="0"/>
-        </a:xfrm>
-      </p:grpSpPr>
-      <p:sp>
-        <p:nvSpPr>
-          <p:cNvPr id="3" name="Title 2">
-            <a:extLst>
-              <a:ext uri="{FF2B5EF4-FFF2-40B4-BE49-F238E27FC236}">
-                <a16:creationId xmlns:a16="http://schemas.microsoft.com/office/drawing/2014/main" id="{E17A61D2-23EC-14E5-F120-D4C3B830B0C3}"/>
-              </a:ext>
-            </a:extLst>
-          </p:cNvPr>
-          <p:cNvSpPr>
-            <a:spLocks noGrp="1"/>
-          </p:cNvSpPr>
-          <p:nvPr>
-            <p:ph type="title"/>
-          </p:nvPr>
-        </p:nvSpPr>
-        <p:spPr/>
-        <p:txBody>
-          <a:bodyPr/>
-          <a:lstStyle/>
-          <a:p>
-            <a:r>
-              <a:rPr lang="en-US" dirty="0"/>
-              <a:t>Services on Servers</a:t>
-            </a:r>
-          </a:p>
-        </p:txBody>
-      </p:sp>
-      <p:graphicFrame>
-        <p:nvGraphicFramePr>
-          <p:cNvPr id="6" name="Table 6">
-            <a:extLst>
-              <a:ext uri="{FF2B5EF4-FFF2-40B4-BE49-F238E27FC236}">
-                <a16:creationId xmlns:a16="http://schemas.microsoft.com/office/drawing/2014/main" id="{440198EE-1486-605C-0706-EFB255F7917E}"/>
-              </a:ext>
-            </a:extLst>
-          </p:cNvPr>
-          <p:cNvGraphicFramePr>
-            <a:graphicFrameLocks noGrp="1"/>
-          </p:cNvGraphicFramePr>
-          <p:nvPr>
-            <p:extLst>
-              <p:ext uri="{D42A27DB-BD31-4B8C-83A1-F6EECF244321}">
-                <p14:modId xmlns:p14="http://schemas.microsoft.com/office/powerpoint/2010/main" val="1089649564"/>
-              </p:ext>
-            </p:extLst>
-          </p:nvPr>
-        </p:nvGraphicFramePr>
-        <p:xfrm>
-          <a:off x="301925" y="1293483"/>
-          <a:ext cx="4166557" cy="4861309"/>
-        </p:xfrm>
-        <a:graphic>
-          <a:graphicData uri="http://schemas.openxmlformats.org/drawingml/2006/table">
-            <a:tbl>
-              <a:tblPr firstRow="1" bandRow="1">
-                <a:tableStyleId>{F5AB1C69-6EDB-4FF4-983F-18BD219EF322}</a:tableStyleId>
-              </a:tblPr>
-              <a:tblGrid>
-                <a:gridCol w="1310521">
-                  <a:extLst>
-                    <a:ext uri="{9D8B030D-6E8A-4147-A177-3AD203B41FA5}">
-                      <a16:colId xmlns:a16="http://schemas.microsoft.com/office/drawing/2014/main" val="2196979327"/>
-                    </a:ext>
-                  </a:extLst>
-                </a:gridCol>
-                <a:gridCol w="1303282">
-                  <a:extLst>
-                    <a:ext uri="{9D8B030D-6E8A-4147-A177-3AD203B41FA5}">
-                      <a16:colId xmlns:a16="http://schemas.microsoft.com/office/drawing/2014/main" val="1120687911"/>
-                    </a:ext>
-                  </a:extLst>
-                </a:gridCol>
-                <a:gridCol w="1552754">
-                  <a:extLst>
-                    <a:ext uri="{9D8B030D-6E8A-4147-A177-3AD203B41FA5}">
-                      <a16:colId xmlns:a16="http://schemas.microsoft.com/office/drawing/2014/main" val="3514264166"/>
-                    </a:ext>
-                  </a:extLst>
-                </a:gridCol>
-              </a:tblGrid>
-              <a:tr h="380749">
-                <a:tc>
-                  <a:txBody>
-                    <a:bodyPr/>
-                    <a:lstStyle/>
-                    <a:p>
-                      <a:pPr algn="l"/>
-                      <a:r>
-                        <a:rPr lang="en-US" dirty="0"/>
-                        <a:t>Server</a:t>
-                      </a:r>
-                    </a:p>
-                  </a:txBody>
-                  <a:tcPr/>
-                </a:tc>
-                <a:tc>
-                  <a:txBody>
-                    <a:bodyPr/>
-                    <a:lstStyle/>
-                    <a:p>
-                      <a:pPr algn="l"/>
-                      <a:r>
-                        <a:rPr lang="en-US" dirty="0"/>
-                        <a:t>OS</a:t>
-                      </a:r>
-                    </a:p>
-                  </a:txBody>
-                  <a:tcPr/>
-                </a:tc>
-                <a:tc>
-                  <a:txBody>
-                    <a:bodyPr/>
-                    <a:lstStyle/>
-                    <a:p>
-                      <a:pPr algn="l"/>
-                      <a:r>
-                        <a:rPr lang="en-US" dirty="0"/>
-                        <a:t>Services</a:t>
-                      </a:r>
-                    </a:p>
-                  </a:txBody>
-                  <a:tcPr/>
-                </a:tc>
-                <a:extLst>
-                  <a:ext uri="{0D108BD9-81ED-4DB2-BD59-A6C34878D82A}">
-                    <a16:rowId xmlns:a16="http://schemas.microsoft.com/office/drawing/2014/main" val="400721943"/>
-                  </a:ext>
-                </a:extLst>
-              </a:tr>
-              <a:tr h="1322097">
-                <a:tc>
-                  <a:txBody>
-                    <a:bodyPr/>
-                    <a:lstStyle/>
-                    <a:p>
-                      <a:pPr algn="l"/>
-                      <a:r>
-                        <a:rPr lang="en-US" dirty="0"/>
-                        <a:t>10.19.10.161</a:t>
-                      </a:r>
-                    </a:p>
-                  </a:txBody>
-                  <a:tcPr/>
-                </a:tc>
-                <a:tc>
-                  <a:txBody>
-                    <a:bodyPr/>
-                    <a:lstStyle/>
-                    <a:p>
-                      <a:pPr algn="l"/>
-                      <a:r>
-                        <a:rPr lang="en-US" dirty="0"/>
-                        <a:t>Oracle LS 7.9</a:t>
-                      </a:r>
-                    </a:p>
-                  </a:txBody>
-                  <a:tcPr/>
-                </a:tc>
-                <a:tc>
-                  <a:txBody>
-                    <a:bodyPr/>
-                    <a:lstStyle/>
-                    <a:p>
-                      <a:pPr algn="l"/>
-                      <a:r>
-                        <a:rPr lang="en-US" dirty="0" err="1"/>
-                        <a:t>Podman</a:t>
-                      </a:r>
-                      <a:endParaRPr lang="en-US" dirty="0"/>
-                    </a:p>
-                    <a:p>
-                      <a:pPr algn="l"/>
-                      <a:r>
-                        <a:rPr lang="en-US" dirty="0"/>
-                        <a:t>Oracle DB</a:t>
-                      </a:r>
-                    </a:p>
-                    <a:p>
-                      <a:pPr algn="l"/>
-                      <a:r>
-                        <a:rPr lang="en-US" dirty="0" err="1"/>
-                        <a:t>Weblogic</a:t>
-                      </a:r>
-                      <a:r>
-                        <a:rPr lang="en-US" dirty="0"/>
-                        <a:t> FMW</a:t>
-                      </a:r>
-                    </a:p>
-                    <a:p>
-                      <a:pPr algn="l"/>
-                      <a:r>
-                        <a:rPr lang="en-US" dirty="0" err="1"/>
-                        <a:t>Weblogic</a:t>
-                      </a:r>
-                      <a:r>
-                        <a:rPr lang="en-US" dirty="0"/>
-                        <a:t> SOA</a:t>
-                      </a:r>
-                    </a:p>
-                    <a:p>
-                      <a:pPr algn="l"/>
-                      <a:r>
-                        <a:rPr lang="en-US" dirty="0" err="1"/>
-                        <a:t>Mysql</a:t>
-                      </a:r>
-                      <a:r>
-                        <a:rPr lang="en-US" dirty="0"/>
-                        <a:t> DB</a:t>
-                      </a:r>
-                    </a:p>
-                    <a:p>
-                      <a:pPr algn="l"/>
-                      <a:r>
-                        <a:rPr lang="en-US" dirty="0"/>
-                        <a:t>Zabbix Agent</a:t>
-                      </a:r>
-                    </a:p>
-                  </a:txBody>
-                  <a:tcPr/>
-                </a:tc>
-                <a:extLst>
-                  <a:ext uri="{0D108BD9-81ED-4DB2-BD59-A6C34878D82A}">
-                    <a16:rowId xmlns:a16="http://schemas.microsoft.com/office/drawing/2014/main" val="3562830188"/>
-                  </a:ext>
-                </a:extLst>
-              </a:tr>
-              <a:tr h="911791">
-                <a:tc>
-                  <a:txBody>
-                    <a:bodyPr/>
-                    <a:lstStyle/>
-                    <a:p>
-                      <a:pPr algn="l"/>
-                      <a:r>
-                        <a:rPr lang="en-US" dirty="0"/>
-                        <a:t>10.19.10.162</a:t>
-                      </a:r>
-                    </a:p>
-                  </a:txBody>
-                  <a:tcPr/>
-                </a:tc>
-                <a:tc>
-                  <a:txBody>
-                    <a:bodyPr/>
-                    <a:lstStyle/>
-                    <a:p>
-                      <a:pPr algn="l"/>
-                      <a:r>
-                        <a:rPr lang="en-US" dirty="0"/>
-                        <a:t>RHEL Server 7.9</a:t>
-                      </a:r>
-                    </a:p>
-                  </a:txBody>
-                  <a:tcPr/>
-                </a:tc>
-                <a:tc>
-                  <a:txBody>
-                    <a:bodyPr/>
-                    <a:lstStyle/>
-                    <a:p>
-                      <a:pPr algn="l"/>
-                      <a:r>
-                        <a:rPr lang="en-US" dirty="0" err="1"/>
-                        <a:t>Podman</a:t>
-                      </a:r>
-                      <a:endParaRPr lang="en-US" dirty="0"/>
-                    </a:p>
-                    <a:p>
-                      <a:pPr algn="l"/>
-                      <a:r>
-                        <a:rPr lang="en-US" dirty="0" err="1"/>
-                        <a:t>Weblogic</a:t>
-                      </a:r>
-                      <a:r>
-                        <a:rPr lang="en-US" dirty="0"/>
-                        <a:t> FMW</a:t>
-                      </a:r>
-                    </a:p>
-                    <a:p>
-                      <a:pPr algn="l"/>
-                      <a:r>
-                        <a:rPr lang="en-US" dirty="0" err="1"/>
-                        <a:t>Weblogic</a:t>
-                      </a:r>
-                      <a:r>
-                        <a:rPr lang="en-US" dirty="0"/>
-                        <a:t> SOA</a:t>
-                      </a:r>
-                    </a:p>
-                    <a:p>
-                      <a:pPr marL="0" marR="0" lvl="0" indent="0" algn="l" defTabSz="685783" rtl="1" eaLnBrk="1" fontAlgn="auto" latinLnBrk="0" hangingPunct="1">
-                        <a:lnSpc>
-                          <a:spcPct val="100000"/>
-                        </a:lnSpc>
-                        <a:spcBef>
-                          <a:spcPts val="0"/>
-                        </a:spcBef>
-                        <a:spcAft>
-                          <a:spcPts val="0"/>
-                        </a:spcAft>
-                        <a:buClrTx/>
-                        <a:buSzTx/>
-                        <a:buFontTx/>
-                        <a:buNone/>
-                        <a:tabLst/>
-                        <a:defRPr/>
-                      </a:pPr>
-                      <a:r>
-                        <a:rPr lang="en-US" dirty="0"/>
-                        <a:t>Zabbix Agent</a:t>
-                      </a:r>
-                    </a:p>
-                  </a:txBody>
-                  <a:tcPr/>
-                </a:tc>
-                <a:extLst>
-                  <a:ext uri="{0D108BD9-81ED-4DB2-BD59-A6C34878D82A}">
-                    <a16:rowId xmlns:a16="http://schemas.microsoft.com/office/drawing/2014/main" val="3815992576"/>
-                  </a:ext>
-                </a:extLst>
-              </a:tr>
-              <a:tr h="911791">
-                <a:tc>
-                  <a:txBody>
-                    <a:bodyPr/>
-                    <a:lstStyle/>
-                    <a:p>
-                      <a:pPr algn="l"/>
-                      <a:r>
-                        <a:rPr lang="en-US" dirty="0"/>
-                        <a:t>10.19.10.163</a:t>
-                      </a:r>
-                    </a:p>
-                  </a:txBody>
-                  <a:tcPr/>
-                </a:tc>
-                <a:tc>
-                  <a:txBody>
-                    <a:bodyPr/>
-                    <a:lstStyle/>
-                    <a:p>
-                      <a:pPr marL="0" marR="0" lvl="0" indent="0" algn="l" defTabSz="685783" rtl="1" eaLnBrk="1" fontAlgn="auto" latinLnBrk="0" hangingPunct="1">
-                        <a:lnSpc>
-                          <a:spcPct val="100000"/>
-                        </a:lnSpc>
-                        <a:spcBef>
-                          <a:spcPts val="0"/>
-                        </a:spcBef>
-                        <a:spcAft>
-                          <a:spcPts val="0"/>
-                        </a:spcAft>
-                        <a:buClrTx/>
-                        <a:buSzTx/>
-                        <a:buFontTx/>
-                        <a:buNone/>
-                        <a:tabLst/>
-                        <a:defRPr/>
-                      </a:pPr>
-                      <a:r>
-                        <a:rPr lang="en-US" dirty="0"/>
-                        <a:t>RHEL Server 7.9</a:t>
-                      </a:r>
-                    </a:p>
-                  </a:txBody>
-                  <a:tcPr/>
-                </a:tc>
-                <a:tc>
-                  <a:txBody>
-                    <a:bodyPr/>
-                    <a:lstStyle/>
-                    <a:p>
-                      <a:pPr algn="l"/>
-                      <a:r>
-                        <a:rPr lang="en-US" dirty="0" err="1"/>
-                        <a:t>Podman</a:t>
-                      </a:r>
-                      <a:endParaRPr lang="en-US" dirty="0"/>
-                    </a:p>
-                    <a:p>
-                      <a:pPr algn="l"/>
-                      <a:r>
-                        <a:rPr lang="en-US" dirty="0" err="1"/>
-                        <a:t>Weblogic</a:t>
-                      </a:r>
-                      <a:r>
-                        <a:rPr lang="en-US" dirty="0"/>
-                        <a:t> FMW</a:t>
-                      </a:r>
-                    </a:p>
-                    <a:p>
-                      <a:pPr algn="l"/>
-                      <a:r>
-                        <a:rPr lang="en-US" dirty="0" err="1"/>
-                        <a:t>Weblogic</a:t>
-                      </a:r>
-                      <a:r>
-                        <a:rPr lang="en-US" dirty="0"/>
-                        <a:t> SOA</a:t>
-                      </a:r>
-                    </a:p>
-                    <a:p>
-                      <a:pPr marL="0" marR="0" lvl="0" indent="0" algn="l" defTabSz="685783" rtl="1" eaLnBrk="1" fontAlgn="auto" latinLnBrk="0" hangingPunct="1">
-                        <a:lnSpc>
-                          <a:spcPct val="100000"/>
-                        </a:lnSpc>
-                        <a:spcBef>
-                          <a:spcPts val="0"/>
-                        </a:spcBef>
-                        <a:spcAft>
-                          <a:spcPts val="0"/>
-                        </a:spcAft>
-                        <a:buClrTx/>
-                        <a:buSzTx/>
-                        <a:buFontTx/>
-                        <a:buNone/>
-                        <a:tabLst/>
-                        <a:defRPr/>
-                      </a:pPr>
-                      <a:r>
-                        <a:rPr lang="en-US" dirty="0"/>
-                        <a:t>Zabbix Agent</a:t>
-                      </a:r>
-                    </a:p>
-                  </a:txBody>
-                  <a:tcPr/>
-                </a:tc>
-                <a:extLst>
-                  <a:ext uri="{0D108BD9-81ED-4DB2-BD59-A6C34878D82A}">
-                    <a16:rowId xmlns:a16="http://schemas.microsoft.com/office/drawing/2014/main" val="634926294"/>
-                  </a:ext>
-                </a:extLst>
-              </a:tr>
-              <a:tr h="1322097">
-                <a:tc>
-                  <a:txBody>
-                    <a:bodyPr/>
-                    <a:lstStyle/>
-                    <a:p>
-                      <a:pPr algn="l"/>
-                      <a:r>
-                        <a:rPr lang="en-US" dirty="0"/>
-                        <a:t>10.19.10.164</a:t>
-                      </a:r>
-                    </a:p>
-                  </a:txBody>
-                  <a:tcPr/>
-                </a:tc>
-                <a:tc>
-                  <a:txBody>
-                    <a:bodyPr/>
-                    <a:lstStyle/>
-                    <a:p>
-                      <a:pPr marL="0" marR="0" lvl="0" indent="0" algn="l" defTabSz="685783" rtl="1" eaLnBrk="1" fontAlgn="auto" latinLnBrk="0" hangingPunct="1">
-                        <a:lnSpc>
-                          <a:spcPct val="100000"/>
-                        </a:lnSpc>
-                        <a:spcBef>
-                          <a:spcPts val="0"/>
-                        </a:spcBef>
-                        <a:spcAft>
-                          <a:spcPts val="0"/>
-                        </a:spcAft>
-                        <a:buClrTx/>
-                        <a:buSzTx/>
-                        <a:buFontTx/>
-                        <a:buNone/>
-                        <a:tabLst/>
-                        <a:defRPr/>
-                      </a:pPr>
-                      <a:r>
-                        <a:rPr lang="en-US" dirty="0"/>
-                        <a:t>RHEL Server 7.9</a:t>
-                      </a:r>
-                    </a:p>
-                    <a:p>
-                      <a:pPr marL="0" marR="0" lvl="0" indent="0" algn="l" defTabSz="685783" rtl="1" eaLnBrk="1" fontAlgn="auto" latinLnBrk="0" hangingPunct="1">
-                        <a:lnSpc>
-                          <a:spcPct val="100000"/>
-                        </a:lnSpc>
-                        <a:spcBef>
-                          <a:spcPts val="0"/>
-                        </a:spcBef>
-                        <a:spcAft>
-                          <a:spcPts val="0"/>
-                        </a:spcAft>
-                        <a:buClrTx/>
-                        <a:buSzTx/>
-                        <a:buFontTx/>
-                        <a:buNone/>
-                        <a:tabLst/>
-                        <a:defRPr/>
-                      </a:pPr>
-                      <a:endParaRPr lang="en-US" dirty="0"/>
-                    </a:p>
-                  </a:txBody>
-                  <a:tcPr/>
-                </a:tc>
-                <a:tc>
-                  <a:txBody>
-                    <a:bodyPr/>
-                    <a:lstStyle/>
-                    <a:p>
-                      <a:pPr algn="l"/>
-                      <a:r>
-                        <a:rPr lang="en-US" dirty="0" err="1"/>
-                        <a:t>Podman</a:t>
-                      </a:r>
-                      <a:endParaRPr lang="en-US" dirty="0"/>
-                    </a:p>
-                    <a:p>
-                      <a:pPr algn="l"/>
-                      <a:r>
-                        <a:rPr lang="en-US" dirty="0" err="1"/>
-                        <a:t>Weblogic</a:t>
-                      </a:r>
-                      <a:r>
-                        <a:rPr lang="en-US" dirty="0"/>
-                        <a:t> FMW</a:t>
-                      </a:r>
-                    </a:p>
-                    <a:p>
-                      <a:pPr algn="l"/>
-                      <a:r>
-                        <a:rPr lang="en-US" dirty="0" err="1"/>
-                        <a:t>Weblogic</a:t>
-                      </a:r>
-                      <a:r>
-                        <a:rPr lang="en-US" dirty="0"/>
-                        <a:t> SOA</a:t>
-                      </a:r>
-                    </a:p>
-                    <a:p>
-                      <a:pPr marL="0" marR="0" lvl="0" indent="0" algn="l" defTabSz="685783" rtl="1" eaLnBrk="1" fontAlgn="auto" latinLnBrk="0" hangingPunct="1">
-                        <a:lnSpc>
-                          <a:spcPct val="100000"/>
-                        </a:lnSpc>
-                        <a:spcBef>
-                          <a:spcPts val="0"/>
-                        </a:spcBef>
-                        <a:spcAft>
-                          <a:spcPts val="0"/>
-                        </a:spcAft>
-                        <a:buClrTx/>
-                        <a:buSzTx/>
-                        <a:buFontTx/>
-                        <a:buNone/>
-                        <a:tabLst/>
-                        <a:defRPr/>
-                      </a:pPr>
-                      <a:r>
-                        <a:rPr lang="en-US" dirty="0"/>
-                        <a:t>Zabbix Agent</a:t>
-                      </a:r>
-                    </a:p>
-                    <a:p>
-                      <a:pPr marL="0" marR="0" lvl="0" indent="0" algn="l" defTabSz="685783" rtl="1" eaLnBrk="1" fontAlgn="auto" latinLnBrk="0" hangingPunct="1">
-                        <a:lnSpc>
-                          <a:spcPct val="100000"/>
-                        </a:lnSpc>
-                        <a:spcBef>
-                          <a:spcPts val="0"/>
-                        </a:spcBef>
-                        <a:spcAft>
-                          <a:spcPts val="0"/>
-                        </a:spcAft>
-                        <a:buClrTx/>
-                        <a:buSzTx/>
-                        <a:buFontTx/>
-                        <a:buNone/>
-                        <a:tabLst/>
-                        <a:defRPr/>
-                      </a:pPr>
-                      <a:r>
-                        <a:rPr lang="en-US" dirty="0"/>
-                        <a:t>WSO2 </a:t>
-                      </a:r>
-                      <a:r>
-                        <a:rPr lang="en-US" dirty="0" err="1"/>
-                        <a:t>Api</a:t>
-                      </a:r>
-                      <a:r>
-                        <a:rPr lang="en-US" dirty="0"/>
-                        <a:t> Manager</a:t>
-                      </a:r>
-                    </a:p>
-                    <a:p>
-                      <a:pPr marL="0" marR="0" lvl="0" indent="0" algn="l" defTabSz="685783" rtl="1" eaLnBrk="1" fontAlgn="auto" latinLnBrk="0" hangingPunct="1">
-                        <a:lnSpc>
-                          <a:spcPct val="100000"/>
-                        </a:lnSpc>
-                        <a:spcBef>
-                          <a:spcPts val="0"/>
-                        </a:spcBef>
-                        <a:spcAft>
-                          <a:spcPts val="0"/>
-                        </a:spcAft>
-                        <a:buClrTx/>
-                        <a:buSzTx/>
-                        <a:buFontTx/>
-                        <a:buNone/>
-                        <a:tabLst/>
-                        <a:defRPr/>
-                      </a:pPr>
-                      <a:r>
-                        <a:rPr lang="en-US" dirty="0" err="1"/>
-                        <a:t>Mysql</a:t>
-                      </a:r>
-                      <a:r>
-                        <a:rPr lang="en-US" dirty="0"/>
-                        <a:t> DB</a:t>
-                      </a:r>
-                    </a:p>
-                  </a:txBody>
-                  <a:tcPr/>
-                </a:tc>
-                <a:extLst>
-                  <a:ext uri="{0D108BD9-81ED-4DB2-BD59-A6C34878D82A}">
-                    <a16:rowId xmlns:a16="http://schemas.microsoft.com/office/drawing/2014/main" val="603594416"/>
-                  </a:ext>
-                </a:extLst>
-              </a:tr>
-            </a:tbl>
-          </a:graphicData>
-        </a:graphic>
-      </p:graphicFrame>
-      <p:graphicFrame>
-        <p:nvGraphicFramePr>
-          <p:cNvPr id="7" name="Table 6">
-            <a:extLst>
-              <a:ext uri="{FF2B5EF4-FFF2-40B4-BE49-F238E27FC236}">
-                <a16:creationId xmlns:a16="http://schemas.microsoft.com/office/drawing/2014/main" id="{FCB313C8-DF1C-3E09-57CA-2EF3C9C32E76}"/>
-              </a:ext>
-            </a:extLst>
-          </p:cNvPr>
-          <p:cNvGraphicFramePr>
-            <a:graphicFrameLocks noGrp="1"/>
-          </p:cNvGraphicFramePr>
-          <p:nvPr>
-            <p:extLst>
-              <p:ext uri="{D42A27DB-BD31-4B8C-83A1-F6EECF244321}">
-                <p14:modId xmlns:p14="http://schemas.microsoft.com/office/powerpoint/2010/main" val="4034923705"/>
-              </p:ext>
-            </p:extLst>
-          </p:nvPr>
-        </p:nvGraphicFramePr>
-        <p:xfrm>
-          <a:off x="4658264" y="1293486"/>
-          <a:ext cx="4166557" cy="4861306"/>
-        </p:xfrm>
-        <a:graphic>
-          <a:graphicData uri="http://schemas.openxmlformats.org/drawingml/2006/table">
-            <a:tbl>
-              <a:tblPr firstRow="1" bandRow="1">
-                <a:tableStyleId>{F5AB1C69-6EDB-4FF4-983F-18BD219EF322}</a:tableStyleId>
-              </a:tblPr>
-              <a:tblGrid>
-                <a:gridCol w="1310521">
-                  <a:extLst>
-                    <a:ext uri="{9D8B030D-6E8A-4147-A177-3AD203B41FA5}">
-                      <a16:colId xmlns:a16="http://schemas.microsoft.com/office/drawing/2014/main" val="2196979327"/>
-                    </a:ext>
-                  </a:extLst>
-                </a:gridCol>
-                <a:gridCol w="1303282">
-                  <a:extLst>
-                    <a:ext uri="{9D8B030D-6E8A-4147-A177-3AD203B41FA5}">
-                      <a16:colId xmlns:a16="http://schemas.microsoft.com/office/drawing/2014/main" val="1120687911"/>
-                    </a:ext>
-                  </a:extLst>
-                </a:gridCol>
-                <a:gridCol w="1552754">
-                  <a:extLst>
-                    <a:ext uri="{9D8B030D-6E8A-4147-A177-3AD203B41FA5}">
-                      <a16:colId xmlns:a16="http://schemas.microsoft.com/office/drawing/2014/main" val="3514264166"/>
-                    </a:ext>
-                  </a:extLst>
-                </a:gridCol>
-              </a:tblGrid>
-              <a:tr h="307822">
-                <a:tc>
-                  <a:txBody>
-                    <a:bodyPr/>
-                    <a:lstStyle/>
-                    <a:p>
-                      <a:pPr algn="l"/>
-                      <a:r>
-                        <a:rPr lang="en-US" dirty="0"/>
-                        <a:t>Server</a:t>
-                      </a:r>
-                    </a:p>
-                  </a:txBody>
-                  <a:tcPr/>
-                </a:tc>
-                <a:tc>
-                  <a:txBody>
-                    <a:bodyPr/>
-                    <a:lstStyle/>
-                    <a:p>
-                      <a:pPr algn="l"/>
-                      <a:r>
-                        <a:rPr lang="en-US" dirty="0"/>
-                        <a:t>OS</a:t>
-                      </a:r>
-                    </a:p>
-                  </a:txBody>
-                  <a:tcPr/>
-                </a:tc>
-                <a:tc>
-                  <a:txBody>
-                    <a:bodyPr/>
-                    <a:lstStyle/>
-                    <a:p>
-                      <a:pPr algn="l"/>
-                      <a:r>
-                        <a:rPr lang="en-US" dirty="0"/>
-                        <a:t>Services</a:t>
-                      </a:r>
-                    </a:p>
-                  </a:txBody>
-                  <a:tcPr/>
-                </a:tc>
-                <a:extLst>
-                  <a:ext uri="{0D108BD9-81ED-4DB2-BD59-A6C34878D82A}">
-                    <a16:rowId xmlns:a16="http://schemas.microsoft.com/office/drawing/2014/main" val="400721943"/>
-                  </a:ext>
-                </a:extLst>
-              </a:tr>
-              <a:tr h="1373358">
-                <a:tc>
-                  <a:txBody>
-                    <a:bodyPr/>
-                    <a:lstStyle/>
-                    <a:p>
-                      <a:pPr algn="l"/>
-                      <a:r>
-                        <a:rPr lang="en-US" dirty="0"/>
-                        <a:t>10.19.10.165</a:t>
-                      </a:r>
-                    </a:p>
-                  </a:txBody>
-                  <a:tcPr/>
-                </a:tc>
-                <a:tc>
-                  <a:txBody>
-                    <a:bodyPr/>
-                    <a:lstStyle/>
-                    <a:p>
-                      <a:pPr algn="l"/>
-                      <a:r>
-                        <a:rPr lang="en-US" dirty="0"/>
-                        <a:t>RHEL Server 7.9</a:t>
-                      </a:r>
-                    </a:p>
-                  </a:txBody>
-                  <a:tcPr/>
-                </a:tc>
-                <a:tc>
-                  <a:txBody>
-                    <a:bodyPr/>
-                    <a:lstStyle/>
-                    <a:p>
-                      <a:pPr algn="l"/>
-                      <a:r>
-                        <a:rPr lang="en-US" dirty="0"/>
-                        <a:t>WSO API Manager</a:t>
-                      </a:r>
-                    </a:p>
-                    <a:p>
-                      <a:pPr algn="l"/>
-                      <a:r>
-                        <a:rPr lang="en-US" dirty="0"/>
-                        <a:t>WSO Micro Int.</a:t>
-                      </a:r>
-                    </a:p>
-                    <a:p>
-                      <a:pPr algn="l"/>
-                      <a:r>
-                        <a:rPr lang="en-US" dirty="0" err="1"/>
-                        <a:t>Mysql</a:t>
-                      </a:r>
-                      <a:r>
-                        <a:rPr lang="en-US" dirty="0"/>
-                        <a:t>-DB</a:t>
-                      </a:r>
-                    </a:p>
-                    <a:p>
-                      <a:pPr algn="l"/>
-                      <a:r>
-                        <a:rPr lang="en-US" dirty="0" err="1"/>
-                        <a:t>Podman</a:t>
-                      </a:r>
-                      <a:endParaRPr lang="en-US" dirty="0"/>
-                    </a:p>
-                    <a:p>
-                      <a:pPr algn="l"/>
-                      <a:r>
-                        <a:rPr lang="en-US" dirty="0" err="1"/>
-                        <a:t>Filebeat</a:t>
-                      </a:r>
-                      <a:endParaRPr lang="en-US" dirty="0"/>
-                    </a:p>
-                    <a:p>
-                      <a:pPr algn="l"/>
-                      <a:r>
-                        <a:rPr lang="en-US" dirty="0"/>
-                        <a:t>Zabbix Agent</a:t>
-                      </a:r>
-                    </a:p>
-                  </a:txBody>
-                  <a:tcPr/>
-                </a:tc>
-                <a:extLst>
-                  <a:ext uri="{0D108BD9-81ED-4DB2-BD59-A6C34878D82A}">
-                    <a16:rowId xmlns:a16="http://schemas.microsoft.com/office/drawing/2014/main" val="3562830188"/>
-                  </a:ext>
-                </a:extLst>
-              </a:tr>
-              <a:tr h="1160251">
-                <a:tc>
-                  <a:txBody>
-                    <a:bodyPr/>
-                    <a:lstStyle/>
-                    <a:p>
-                      <a:pPr algn="l"/>
-                      <a:r>
-                        <a:rPr lang="en-US" dirty="0"/>
-                        <a:t>10.19.10.166</a:t>
-                      </a:r>
-                    </a:p>
-                  </a:txBody>
-                  <a:tcPr/>
-                </a:tc>
-                <a:tc>
-                  <a:txBody>
-                    <a:bodyPr/>
-                    <a:lstStyle/>
-                    <a:p>
-                      <a:pPr algn="l"/>
-                      <a:r>
-                        <a:rPr lang="en-US" dirty="0"/>
-                        <a:t>RHEL Server 7.9</a:t>
-                      </a:r>
-                    </a:p>
-                  </a:txBody>
-                  <a:tcPr/>
-                </a:tc>
-                <a:tc>
-                  <a:txBody>
-                    <a:bodyPr/>
-                    <a:lstStyle/>
-                    <a:p>
-                      <a:pPr algn="l"/>
-                      <a:r>
-                        <a:rPr lang="en-US" dirty="0"/>
-                        <a:t>WSO API Manager</a:t>
-                      </a:r>
-                    </a:p>
-                    <a:p>
-                      <a:pPr algn="l"/>
-                      <a:r>
-                        <a:rPr lang="en-US" dirty="0" err="1"/>
-                        <a:t>Mysql</a:t>
-                      </a:r>
-                      <a:r>
-                        <a:rPr lang="en-US" dirty="0"/>
-                        <a:t>-DB</a:t>
-                      </a:r>
-                    </a:p>
-                    <a:p>
-                      <a:pPr algn="l"/>
-                      <a:r>
-                        <a:rPr lang="en-US" dirty="0" err="1"/>
-                        <a:t>Podman</a:t>
-                      </a:r>
-                      <a:endParaRPr lang="en-US" dirty="0"/>
-                    </a:p>
-                    <a:p>
-                      <a:pPr algn="l"/>
-                      <a:r>
-                        <a:rPr lang="en-US" dirty="0" err="1"/>
-                        <a:t>Filebeat</a:t>
-                      </a:r>
-                      <a:endParaRPr lang="en-US" dirty="0"/>
-                    </a:p>
-                    <a:p>
-                      <a:pPr algn="l"/>
-                      <a:r>
-                        <a:rPr lang="en-US" dirty="0"/>
-                        <a:t>Zabbix Agent</a:t>
-                      </a:r>
-                    </a:p>
-                  </a:txBody>
-                  <a:tcPr/>
-                </a:tc>
-                <a:extLst>
-                  <a:ext uri="{0D108BD9-81ED-4DB2-BD59-A6C34878D82A}">
-                    <a16:rowId xmlns:a16="http://schemas.microsoft.com/office/drawing/2014/main" val="3815992576"/>
-                  </a:ext>
-                </a:extLst>
-              </a:tr>
-              <a:tr h="1373358">
-                <a:tc>
-                  <a:txBody>
-                    <a:bodyPr/>
-                    <a:lstStyle/>
-                    <a:p>
-                      <a:pPr algn="l"/>
-                      <a:r>
-                        <a:rPr lang="en-US" dirty="0"/>
-                        <a:t>10.19.10.167</a:t>
-                      </a:r>
-                    </a:p>
-                  </a:txBody>
-                  <a:tcPr/>
-                </a:tc>
-                <a:tc>
-                  <a:txBody>
-                    <a:bodyPr/>
-                    <a:lstStyle/>
-                    <a:p>
-                      <a:pPr marL="0" marR="0" lvl="0" indent="0" algn="l" defTabSz="685783" rtl="1" eaLnBrk="1" fontAlgn="auto" latinLnBrk="0" hangingPunct="1">
-                        <a:lnSpc>
-                          <a:spcPct val="100000"/>
-                        </a:lnSpc>
-                        <a:spcBef>
-                          <a:spcPts val="0"/>
-                        </a:spcBef>
-                        <a:spcAft>
-                          <a:spcPts val="0"/>
-                        </a:spcAft>
-                        <a:buClrTx/>
-                        <a:buSzTx/>
-                        <a:buFontTx/>
-                        <a:buNone/>
-                        <a:tabLst/>
-                        <a:defRPr/>
-                      </a:pPr>
-                      <a:r>
-                        <a:rPr lang="en-US" dirty="0"/>
-                        <a:t>RHEL Server 7.9</a:t>
-                      </a:r>
-                    </a:p>
-                  </a:txBody>
-                  <a:tcPr/>
-                </a:tc>
-                <a:tc>
-                  <a:txBody>
-                    <a:bodyPr/>
-                    <a:lstStyle/>
-                    <a:p>
-                      <a:pPr algn="l"/>
-                      <a:r>
-                        <a:rPr lang="en-US" dirty="0"/>
-                        <a:t>Zabbix Server</a:t>
-                      </a:r>
-                    </a:p>
-                    <a:p>
-                      <a:pPr algn="l"/>
-                      <a:r>
-                        <a:rPr lang="en-US" dirty="0"/>
-                        <a:t>Zabbix Agent</a:t>
-                      </a:r>
-                    </a:p>
-                    <a:p>
-                      <a:pPr algn="l"/>
-                      <a:r>
-                        <a:rPr lang="en-US" dirty="0"/>
-                        <a:t>Elasticsearch </a:t>
-                      </a:r>
-                    </a:p>
-                    <a:p>
-                      <a:pPr algn="l"/>
-                      <a:r>
-                        <a:rPr lang="en-US" dirty="0"/>
-                        <a:t>Kibana</a:t>
-                      </a:r>
-                    </a:p>
-                    <a:p>
-                      <a:pPr algn="l"/>
-                      <a:r>
-                        <a:rPr lang="en-US" dirty="0"/>
-                        <a:t>Logstash</a:t>
-                      </a:r>
-                    </a:p>
-                    <a:p>
-                      <a:pPr algn="l"/>
-                      <a:r>
-                        <a:rPr lang="en-US" dirty="0"/>
-                        <a:t>Zabbix Agent</a:t>
-                      </a:r>
-                    </a:p>
-                  </a:txBody>
-                  <a:tcPr/>
-                </a:tc>
-                <a:extLst>
-                  <a:ext uri="{0D108BD9-81ED-4DB2-BD59-A6C34878D82A}">
-                    <a16:rowId xmlns:a16="http://schemas.microsoft.com/office/drawing/2014/main" val="634926294"/>
-                  </a:ext>
-                </a:extLst>
-              </a:tr>
-              <a:tr h="646517">
-                <a:tc>
-                  <a:txBody>
-                    <a:bodyPr/>
-                    <a:lstStyle/>
-                    <a:p>
-                      <a:pPr algn="l"/>
-                      <a:r>
-                        <a:rPr lang="en-US" dirty="0"/>
-                        <a:t>10.19.10.168-9</a:t>
-                      </a:r>
-                    </a:p>
-                  </a:txBody>
-                  <a:tcPr/>
-                </a:tc>
-                <a:tc>
-                  <a:txBody>
-                    <a:bodyPr/>
-                    <a:lstStyle/>
-                    <a:p>
-                      <a:pPr marL="0" marR="0" lvl="0" indent="0" algn="l" defTabSz="685783" rtl="1" eaLnBrk="1" fontAlgn="auto" latinLnBrk="0" hangingPunct="1">
-                        <a:lnSpc>
-                          <a:spcPct val="100000"/>
-                        </a:lnSpc>
-                        <a:spcBef>
-                          <a:spcPts val="0"/>
-                        </a:spcBef>
-                        <a:spcAft>
-                          <a:spcPts val="0"/>
-                        </a:spcAft>
-                        <a:buClrTx/>
-                        <a:buSzTx/>
-                        <a:buFontTx/>
-                        <a:buNone/>
-                        <a:tabLst/>
-                        <a:defRPr/>
-                      </a:pPr>
-                      <a:r>
-                        <a:rPr lang="en-US" dirty="0"/>
-                        <a:t>RHEL Server 7.9</a:t>
-                      </a:r>
-                    </a:p>
-                    <a:p>
-                      <a:pPr marL="0" marR="0" lvl="0" indent="0" algn="l" defTabSz="685783" rtl="1" eaLnBrk="1" fontAlgn="auto" latinLnBrk="0" hangingPunct="1">
-                        <a:lnSpc>
-                          <a:spcPct val="100000"/>
-                        </a:lnSpc>
-                        <a:spcBef>
-                          <a:spcPts val="0"/>
-                        </a:spcBef>
-                        <a:spcAft>
-                          <a:spcPts val="0"/>
-                        </a:spcAft>
-                        <a:buClrTx/>
-                        <a:buSzTx/>
-                        <a:buFontTx/>
-                        <a:buNone/>
-                        <a:tabLst/>
-                        <a:defRPr/>
-                      </a:pPr>
-                      <a:endParaRPr lang="en-US" dirty="0"/>
-                    </a:p>
-                  </a:txBody>
-                  <a:tcPr/>
-                </a:tc>
-                <a:tc>
-                  <a:txBody>
-                    <a:bodyPr/>
-                    <a:lstStyle/>
-                    <a:p>
-                      <a:pPr algn="l"/>
-                      <a:r>
-                        <a:rPr lang="en-US" dirty="0"/>
-                        <a:t>Nginx</a:t>
-                      </a:r>
-                    </a:p>
-                    <a:p>
-                      <a:pPr algn="l"/>
-                      <a:r>
-                        <a:rPr lang="en-US" dirty="0"/>
-                        <a:t>Zabbix Agent</a:t>
-                      </a:r>
-                    </a:p>
-                  </a:txBody>
-                  <a:tcPr/>
-                </a:tc>
-                <a:extLst>
-                  <a:ext uri="{0D108BD9-81ED-4DB2-BD59-A6C34878D82A}">
-                    <a16:rowId xmlns:a16="http://schemas.microsoft.com/office/drawing/2014/main" val="603594416"/>
-                  </a:ext>
-                </a:extLst>
-              </a:tr>
-            </a:tbl>
-          </a:graphicData>
-        </a:graphic>
-      </p:graphicFrame>
-    </p:spTree>
-    <p:extLst>
-      <p:ext uri="{BB962C8B-B14F-4D97-AF65-F5344CB8AC3E}">
-        <p14:creationId xmlns:p14="http://schemas.microsoft.com/office/powerpoint/2010/main" val="351875332"/>
-      </p:ext>
-    </p:extLst>
-  </p:cSld>
-  <p:clrMapOvr>
-    <a:masterClrMapping/>
-  </p:clrMapOvr>
-</p:sld>
-</file>
-
-<file path=ppt/slides/slide18.xml><?xml version="1.0" encoding="utf-8"?>
-<p:sld xmlns:a="http://schemas.openxmlformats.org/drawingml/2006/main" xmlns:r="http://schemas.openxmlformats.org/officeDocument/2006/relationships" xmlns:p="http://schemas.openxmlformats.org/presentationml/2006/main">
-  <p:cSld>
-    <p:spTree>
-      <p:nvGrpSpPr>
-        <p:cNvPr id="1" name=""/>
-        <p:cNvGrpSpPr/>
-        <p:nvPr/>
-      </p:nvGrpSpPr>
-      <p:grpSpPr>
-        <a:xfrm>
-          <a:off x="0" y="0"/>
-          <a:ext cx="0" cy="0"/>
-          <a:chOff x="0" y="0"/>
-          <a:chExt cx="0" cy="0"/>
-        </a:xfrm>
-      </p:grpSpPr>
-      <p:sp>
-        <p:nvSpPr>
-          <p:cNvPr id="2" name="Content Placeholder 1">
-            <a:extLst>
-              <a:ext uri="{FF2B5EF4-FFF2-40B4-BE49-F238E27FC236}">
-                <a16:creationId xmlns:a16="http://schemas.microsoft.com/office/drawing/2014/main" id="{9687DE78-B330-4148-8CD3-5AB8336464A4}"/>
-              </a:ext>
-            </a:extLst>
-          </p:cNvPr>
-          <p:cNvSpPr>
-            <a:spLocks noGrp="1"/>
-          </p:cNvSpPr>
-          <p:nvPr>
-            <p:ph idx="1"/>
-          </p:nvPr>
-        </p:nvSpPr>
-        <p:spPr/>
-        <p:txBody>
-          <a:bodyPr>
-            <a:normAutofit/>
-          </a:bodyPr>
-          <a:lstStyle/>
-          <a:p>
-            <a:r>
-              <a:rPr lang="en-US" sz="1800" dirty="0"/>
-              <a:t>Supports publishing SOAP, REST, JSON and XML style services as APIs</a:t>
-            </a:r>
-          </a:p>
-          <a:p>
-            <a:r>
-              <a:rPr lang="en-US" sz="1800" dirty="0"/>
-              <a:t>Publish APIs to a selected set of gateways in a multi-gateway environment</a:t>
-            </a:r>
-          </a:p>
-          <a:p>
-            <a:r>
-              <a:rPr lang="en-US" sz="1800" dirty="0"/>
-              <a:t>Manage API visibility to restrict access to specific partners or customers</a:t>
-            </a:r>
-          </a:p>
-          <a:p>
-            <a:r>
-              <a:rPr lang="en-US" sz="1800" dirty="0"/>
-              <a:t>Manage API lifecycle: create, publish, block, deprecate and retire</a:t>
-            </a:r>
-          </a:p>
-          <a:p>
-            <a:r>
-              <a:rPr lang="en-US" sz="1800" dirty="0"/>
-              <a:t>Manage API versions</a:t>
-            </a:r>
-          </a:p>
-          <a:p>
-            <a:r>
-              <a:rPr lang="en-US" sz="1800" dirty="0"/>
-              <a:t>Apply security policies to API: Authentication &amp; Authorization</a:t>
-            </a:r>
-          </a:p>
-          <a:p>
-            <a:r>
-              <a:rPr lang="en-US" sz="1800" dirty="0"/>
-              <a:t>Graphical experience: browse and search</a:t>
-            </a:r>
-          </a:p>
-          <a:p>
-            <a:r>
-              <a:rPr lang="en-US" sz="1800" dirty="0"/>
-              <a:t>Enforces rate limiting and throttling policies</a:t>
-            </a:r>
-          </a:p>
-          <a:p>
-            <a:r>
-              <a:rPr lang="en-US" sz="1800" dirty="0"/>
-              <a:t>Horizontally scalable with easy cluster deployment</a:t>
-            </a:r>
-          </a:p>
-          <a:p>
-            <a:r>
-              <a:rPr lang="en-US" sz="1800" dirty="0"/>
-              <a:t>REST API with and extensible security mechanism: OAuth 2.0 by default</a:t>
-            </a:r>
-          </a:p>
-          <a:p>
-            <a:r>
-              <a:rPr lang="en-US" sz="1800" dirty="0"/>
-              <a:t>Integrates into enterprise identity systems including LDAP</a:t>
-            </a:r>
-          </a:p>
-          <a:p>
-            <a:r>
-              <a:rPr lang="en-US" sz="1800" dirty="0"/>
-              <a:t>Pluggable into third party systems and billing systems</a:t>
-            </a:r>
-          </a:p>
-        </p:txBody>
-      </p:sp>
-      <p:sp>
-        <p:nvSpPr>
-          <p:cNvPr id="3" name="Title 2">
-            <a:extLst>
-              <a:ext uri="{FF2B5EF4-FFF2-40B4-BE49-F238E27FC236}">
-                <a16:creationId xmlns:a16="http://schemas.microsoft.com/office/drawing/2014/main" id="{DCC85F54-BDE7-4244-9C50-0D297A9250AE}"/>
-              </a:ext>
-            </a:extLst>
-          </p:cNvPr>
-          <p:cNvSpPr>
-            <a:spLocks noGrp="1"/>
-          </p:cNvSpPr>
-          <p:nvPr>
-            <p:ph type="title"/>
-          </p:nvPr>
-        </p:nvSpPr>
-        <p:spPr/>
-        <p:txBody>
-          <a:bodyPr/>
-          <a:lstStyle/>
-          <a:p>
-            <a:r>
-              <a:rPr lang="en-US" dirty="0"/>
-              <a:t>API Manager Key Features - WSO2 </a:t>
-            </a:r>
-          </a:p>
-        </p:txBody>
-      </p:sp>
-      <p:pic>
-        <p:nvPicPr>
-          <p:cNvPr id="4" name="Picture 3">
-            <a:extLst>
-              <a:ext uri="{FF2B5EF4-FFF2-40B4-BE49-F238E27FC236}">
-                <a16:creationId xmlns:a16="http://schemas.microsoft.com/office/drawing/2014/main" id="{86BB9F49-3303-4EB2-9F90-40046DDC176F}"/>
-              </a:ext>
-            </a:extLst>
-          </p:cNvPr>
-          <p:cNvPicPr>
-            <a:picLocks noChangeAspect="1"/>
-          </p:cNvPicPr>
-          <p:nvPr/>
-        </p:nvPicPr>
-        <p:blipFill>
-          <a:blip r:embed="rId2"/>
-          <a:stretch>
-            <a:fillRect/>
-          </a:stretch>
-        </p:blipFill>
-        <p:spPr>
-          <a:xfrm>
-            <a:off x="7039007" y="5575675"/>
-            <a:ext cx="1368393" cy="729145"/>
-          </a:xfrm>
-          <a:prstGeom prst="rect">
-            <a:avLst/>
-          </a:prstGeom>
-        </p:spPr>
-      </p:pic>
-    </p:spTree>
-    <p:extLst>
-      <p:ext uri="{BB962C8B-B14F-4D97-AF65-F5344CB8AC3E}">
-        <p14:creationId xmlns:p14="http://schemas.microsoft.com/office/powerpoint/2010/main" val="2658747875"/>
-      </p:ext>
-    </p:extLst>
-  </p:cSld>
-  <p:clrMapOvr>
-    <a:masterClrMapping/>
-  </p:clrMapOvr>
-</p:sld>
-</file>
-
-<file path=ppt/slides/slide19.xml><?xml version="1.0" encoding="utf-8"?>
-<p:sld xmlns:a="http://schemas.openxmlformats.org/drawingml/2006/main" xmlns:r="http://schemas.openxmlformats.org/officeDocument/2006/relationships" xmlns:p="http://schemas.openxmlformats.org/presentationml/2006/main">
-  <p:cSld>
-    <p:spTree>
-      <p:nvGrpSpPr>
-        <p:cNvPr id="1" name=""/>
-        <p:cNvGrpSpPr/>
-        <p:nvPr/>
-      </p:nvGrpSpPr>
-      <p:grpSpPr>
-        <a:xfrm>
-          <a:off x="0" y="0"/>
-          <a:ext cx="0" cy="0"/>
-          <a:chOff x="0" y="0"/>
-          <a:chExt cx="0" cy="0"/>
-        </a:xfrm>
-      </p:grpSpPr>
-      <p:sp>
-        <p:nvSpPr>
-          <p:cNvPr id="3" name="Title 2">
-            <a:extLst>
-              <a:ext uri="{FF2B5EF4-FFF2-40B4-BE49-F238E27FC236}">
-                <a16:creationId xmlns:a16="http://schemas.microsoft.com/office/drawing/2014/main" id="{08583B25-F3F3-4DFE-B8FE-BE825F9FB7A3}"/>
-              </a:ext>
-            </a:extLst>
-          </p:cNvPr>
-          <p:cNvSpPr>
-            <a:spLocks noGrp="1"/>
-          </p:cNvSpPr>
-          <p:nvPr>
-            <p:ph type="title"/>
-          </p:nvPr>
-        </p:nvSpPr>
-        <p:spPr/>
-        <p:txBody>
-          <a:bodyPr/>
-          <a:lstStyle/>
-          <a:p>
-            <a:r>
-              <a:rPr lang="en-US" dirty="0"/>
-              <a:t>WSO2 Architecture</a:t>
-            </a:r>
-          </a:p>
-        </p:txBody>
-      </p:sp>
-      <p:pic>
-        <p:nvPicPr>
-          <p:cNvPr id="8194" name="Picture 2" descr="Deployment Patterns - API Manager 2.1.0 - WSO2 Documentation">
-            <a:extLst>
-              <a:ext uri="{FF2B5EF4-FFF2-40B4-BE49-F238E27FC236}">
-                <a16:creationId xmlns:a16="http://schemas.microsoft.com/office/drawing/2014/main" id="{5B7BACB0-57ED-48F3-8C25-4D42AB85512A}"/>
-              </a:ext>
-            </a:extLst>
-          </p:cNvPr>
-          <p:cNvPicPr>
-            <a:picLocks noChangeAspect="1" noChangeArrowheads="1"/>
-          </p:cNvPicPr>
-          <p:nvPr/>
-        </p:nvPicPr>
-        <p:blipFill>
-          <a:blip r:embed="rId2">
-            <a:extLst>
-              <a:ext uri="{28A0092B-C50C-407E-A947-70E740481C1C}">
-                <a14:useLocalDpi xmlns:a14="http://schemas.microsoft.com/office/drawing/2010/main" val="0"/>
-              </a:ext>
-            </a:extLst>
-          </a:blip>
-          <a:srcRect/>
-          <a:stretch>
-            <a:fillRect/>
-          </a:stretch>
-        </p:blipFill>
-        <p:spPr bwMode="auto">
-          <a:xfrm>
-            <a:off x="1046692" y="849318"/>
-            <a:ext cx="6153150" cy="5276850"/>
-          </a:xfrm>
-          <a:prstGeom prst="rect">
-            <a:avLst/>
-          </a:prstGeom>
-          <a:noFill/>
-          <a:extLst>
-            <a:ext uri="{909E8E84-426E-40DD-AFC4-6F175D3DCCD1}">
-              <a14:hiddenFill xmlns:a14="http://schemas.microsoft.com/office/drawing/2010/main">
-                <a:solidFill>
-                  <a:srgbClr val="FFFFFF"/>
-                </a:solidFill>
-              </a14:hiddenFill>
-            </a:ext>
-          </a:extLst>
-        </p:spPr>
-      </p:pic>
-    </p:spTree>
-    <p:extLst>
-      <p:ext uri="{BB962C8B-B14F-4D97-AF65-F5344CB8AC3E}">
-        <p14:creationId xmlns:p14="http://schemas.microsoft.com/office/powerpoint/2010/main" val="3319649091"/>
       </p:ext>
     </p:extLst>
   </p:cSld>
@@ -10786,6 +9892,1422 @@
           <p:cNvPr id="3" name="Title 2">
             <a:extLst>
               <a:ext uri="{FF2B5EF4-FFF2-40B4-BE49-F238E27FC236}">
+                <a16:creationId xmlns:a16="http://schemas.microsoft.com/office/drawing/2014/main" id="{E17A61D2-23EC-14E5-F120-D4C3B830B0C3}"/>
+              </a:ext>
+            </a:extLst>
+          </p:cNvPr>
+          <p:cNvSpPr>
+            <a:spLocks noGrp="1"/>
+          </p:cNvSpPr>
+          <p:nvPr>
+            <p:ph type="title"/>
+          </p:nvPr>
+        </p:nvSpPr>
+        <p:spPr/>
+        <p:txBody>
+          <a:bodyPr/>
+          <a:lstStyle/>
+          <a:p>
+            <a:r>
+              <a:rPr lang="en-US" dirty="0"/>
+              <a:t>Services on Servers</a:t>
+            </a:r>
+          </a:p>
+        </p:txBody>
+      </p:sp>
+      <p:graphicFrame>
+        <p:nvGraphicFramePr>
+          <p:cNvPr id="6" name="Table 6">
+            <a:extLst>
+              <a:ext uri="{FF2B5EF4-FFF2-40B4-BE49-F238E27FC236}">
+                <a16:creationId xmlns:a16="http://schemas.microsoft.com/office/drawing/2014/main" id="{440198EE-1486-605C-0706-EFB255F7917E}"/>
+              </a:ext>
+            </a:extLst>
+          </p:cNvPr>
+          <p:cNvGraphicFramePr>
+            <a:graphicFrameLocks noGrp="1"/>
+          </p:cNvGraphicFramePr>
+          <p:nvPr>
+            <p:extLst>
+              <p:ext uri="{D42A27DB-BD31-4B8C-83A1-F6EECF244321}">
+                <p14:modId xmlns:p14="http://schemas.microsoft.com/office/powerpoint/2010/main" val="1089649564"/>
+              </p:ext>
+            </p:extLst>
+          </p:nvPr>
+        </p:nvGraphicFramePr>
+        <p:xfrm>
+          <a:off x="301925" y="1293483"/>
+          <a:ext cx="4166557" cy="4861309"/>
+        </p:xfrm>
+        <a:graphic>
+          <a:graphicData uri="http://schemas.openxmlformats.org/drawingml/2006/table">
+            <a:tbl>
+              <a:tblPr firstRow="1" bandRow="1">
+                <a:tableStyleId>{F5AB1C69-6EDB-4FF4-983F-18BD219EF322}</a:tableStyleId>
+              </a:tblPr>
+              <a:tblGrid>
+                <a:gridCol w="1310521">
+                  <a:extLst>
+                    <a:ext uri="{9D8B030D-6E8A-4147-A177-3AD203B41FA5}">
+                      <a16:colId xmlns:a16="http://schemas.microsoft.com/office/drawing/2014/main" val="2196979327"/>
+                    </a:ext>
+                  </a:extLst>
+                </a:gridCol>
+                <a:gridCol w="1303282">
+                  <a:extLst>
+                    <a:ext uri="{9D8B030D-6E8A-4147-A177-3AD203B41FA5}">
+                      <a16:colId xmlns:a16="http://schemas.microsoft.com/office/drawing/2014/main" val="1120687911"/>
+                    </a:ext>
+                  </a:extLst>
+                </a:gridCol>
+                <a:gridCol w="1552754">
+                  <a:extLst>
+                    <a:ext uri="{9D8B030D-6E8A-4147-A177-3AD203B41FA5}">
+                      <a16:colId xmlns:a16="http://schemas.microsoft.com/office/drawing/2014/main" val="3514264166"/>
+                    </a:ext>
+                  </a:extLst>
+                </a:gridCol>
+              </a:tblGrid>
+              <a:tr h="380749">
+                <a:tc>
+                  <a:txBody>
+                    <a:bodyPr/>
+                    <a:lstStyle/>
+                    <a:p>
+                      <a:pPr algn="l"/>
+                      <a:r>
+                        <a:rPr lang="en-US" dirty="0"/>
+                        <a:t>Server</a:t>
+                      </a:r>
+                    </a:p>
+                  </a:txBody>
+                  <a:tcPr/>
+                </a:tc>
+                <a:tc>
+                  <a:txBody>
+                    <a:bodyPr/>
+                    <a:lstStyle/>
+                    <a:p>
+                      <a:pPr algn="l"/>
+                      <a:r>
+                        <a:rPr lang="en-US" dirty="0"/>
+                        <a:t>OS</a:t>
+                      </a:r>
+                    </a:p>
+                  </a:txBody>
+                  <a:tcPr/>
+                </a:tc>
+                <a:tc>
+                  <a:txBody>
+                    <a:bodyPr/>
+                    <a:lstStyle/>
+                    <a:p>
+                      <a:pPr algn="l"/>
+                      <a:r>
+                        <a:rPr lang="en-US" dirty="0"/>
+                        <a:t>Services</a:t>
+                      </a:r>
+                    </a:p>
+                  </a:txBody>
+                  <a:tcPr/>
+                </a:tc>
+                <a:extLst>
+                  <a:ext uri="{0D108BD9-81ED-4DB2-BD59-A6C34878D82A}">
+                    <a16:rowId xmlns:a16="http://schemas.microsoft.com/office/drawing/2014/main" val="400721943"/>
+                  </a:ext>
+                </a:extLst>
+              </a:tr>
+              <a:tr h="1322097">
+                <a:tc>
+                  <a:txBody>
+                    <a:bodyPr/>
+                    <a:lstStyle/>
+                    <a:p>
+                      <a:pPr algn="l"/>
+                      <a:r>
+                        <a:rPr lang="en-US" dirty="0"/>
+                        <a:t>10.19.10.161</a:t>
+                      </a:r>
+                    </a:p>
+                  </a:txBody>
+                  <a:tcPr/>
+                </a:tc>
+                <a:tc>
+                  <a:txBody>
+                    <a:bodyPr/>
+                    <a:lstStyle/>
+                    <a:p>
+                      <a:pPr algn="l"/>
+                      <a:r>
+                        <a:rPr lang="en-US" dirty="0"/>
+                        <a:t>Oracle LS 7.9</a:t>
+                      </a:r>
+                    </a:p>
+                  </a:txBody>
+                  <a:tcPr/>
+                </a:tc>
+                <a:tc>
+                  <a:txBody>
+                    <a:bodyPr/>
+                    <a:lstStyle/>
+                    <a:p>
+                      <a:pPr algn="l"/>
+                      <a:r>
+                        <a:rPr lang="en-US" dirty="0" err="1"/>
+                        <a:t>Podman</a:t>
+                      </a:r>
+                      <a:endParaRPr lang="en-US" dirty="0"/>
+                    </a:p>
+                    <a:p>
+                      <a:pPr algn="l"/>
+                      <a:r>
+                        <a:rPr lang="en-US" dirty="0"/>
+                        <a:t>Oracle DB</a:t>
+                      </a:r>
+                    </a:p>
+                    <a:p>
+                      <a:pPr algn="l"/>
+                      <a:r>
+                        <a:rPr lang="en-US" dirty="0" err="1"/>
+                        <a:t>Weblogic</a:t>
+                      </a:r>
+                      <a:r>
+                        <a:rPr lang="en-US" dirty="0"/>
+                        <a:t> FMW</a:t>
+                      </a:r>
+                    </a:p>
+                    <a:p>
+                      <a:pPr algn="l"/>
+                      <a:r>
+                        <a:rPr lang="en-US" dirty="0" err="1"/>
+                        <a:t>Weblogic</a:t>
+                      </a:r>
+                      <a:r>
+                        <a:rPr lang="en-US" dirty="0"/>
+                        <a:t> SOA</a:t>
+                      </a:r>
+                    </a:p>
+                    <a:p>
+                      <a:pPr algn="l"/>
+                      <a:r>
+                        <a:rPr lang="en-US" dirty="0" err="1"/>
+                        <a:t>Mysql</a:t>
+                      </a:r>
+                      <a:r>
+                        <a:rPr lang="en-US" dirty="0"/>
+                        <a:t> DB</a:t>
+                      </a:r>
+                    </a:p>
+                    <a:p>
+                      <a:pPr algn="l"/>
+                      <a:r>
+                        <a:rPr lang="en-US" dirty="0"/>
+                        <a:t>Zabbix Agent</a:t>
+                      </a:r>
+                    </a:p>
+                  </a:txBody>
+                  <a:tcPr/>
+                </a:tc>
+                <a:extLst>
+                  <a:ext uri="{0D108BD9-81ED-4DB2-BD59-A6C34878D82A}">
+                    <a16:rowId xmlns:a16="http://schemas.microsoft.com/office/drawing/2014/main" val="3562830188"/>
+                  </a:ext>
+                </a:extLst>
+              </a:tr>
+              <a:tr h="911791">
+                <a:tc>
+                  <a:txBody>
+                    <a:bodyPr/>
+                    <a:lstStyle/>
+                    <a:p>
+                      <a:pPr algn="l"/>
+                      <a:r>
+                        <a:rPr lang="en-US" dirty="0"/>
+                        <a:t>10.19.10.162</a:t>
+                      </a:r>
+                    </a:p>
+                  </a:txBody>
+                  <a:tcPr/>
+                </a:tc>
+                <a:tc>
+                  <a:txBody>
+                    <a:bodyPr/>
+                    <a:lstStyle/>
+                    <a:p>
+                      <a:pPr algn="l"/>
+                      <a:r>
+                        <a:rPr lang="en-US" dirty="0"/>
+                        <a:t>RHEL Server 7.9</a:t>
+                      </a:r>
+                    </a:p>
+                  </a:txBody>
+                  <a:tcPr/>
+                </a:tc>
+                <a:tc>
+                  <a:txBody>
+                    <a:bodyPr/>
+                    <a:lstStyle/>
+                    <a:p>
+                      <a:pPr algn="l"/>
+                      <a:r>
+                        <a:rPr lang="en-US" dirty="0" err="1"/>
+                        <a:t>Podman</a:t>
+                      </a:r>
+                      <a:endParaRPr lang="en-US" dirty="0"/>
+                    </a:p>
+                    <a:p>
+                      <a:pPr algn="l"/>
+                      <a:r>
+                        <a:rPr lang="en-US" dirty="0" err="1"/>
+                        <a:t>Weblogic</a:t>
+                      </a:r>
+                      <a:r>
+                        <a:rPr lang="en-US" dirty="0"/>
+                        <a:t> FMW</a:t>
+                      </a:r>
+                    </a:p>
+                    <a:p>
+                      <a:pPr algn="l"/>
+                      <a:r>
+                        <a:rPr lang="en-US" dirty="0" err="1"/>
+                        <a:t>Weblogic</a:t>
+                      </a:r>
+                      <a:r>
+                        <a:rPr lang="en-US" dirty="0"/>
+                        <a:t> SOA</a:t>
+                      </a:r>
+                    </a:p>
+                    <a:p>
+                      <a:pPr marL="0" marR="0" lvl="0" indent="0" algn="l" defTabSz="685783" rtl="1" eaLnBrk="1" fontAlgn="auto" latinLnBrk="0" hangingPunct="1">
+                        <a:lnSpc>
+                          <a:spcPct val="100000"/>
+                        </a:lnSpc>
+                        <a:spcBef>
+                          <a:spcPts val="0"/>
+                        </a:spcBef>
+                        <a:spcAft>
+                          <a:spcPts val="0"/>
+                        </a:spcAft>
+                        <a:buClrTx/>
+                        <a:buSzTx/>
+                        <a:buFontTx/>
+                        <a:buNone/>
+                        <a:tabLst/>
+                        <a:defRPr/>
+                      </a:pPr>
+                      <a:r>
+                        <a:rPr lang="en-US" dirty="0"/>
+                        <a:t>Zabbix Agent</a:t>
+                      </a:r>
+                    </a:p>
+                  </a:txBody>
+                  <a:tcPr/>
+                </a:tc>
+                <a:extLst>
+                  <a:ext uri="{0D108BD9-81ED-4DB2-BD59-A6C34878D82A}">
+                    <a16:rowId xmlns:a16="http://schemas.microsoft.com/office/drawing/2014/main" val="3815992576"/>
+                  </a:ext>
+                </a:extLst>
+              </a:tr>
+              <a:tr h="911791">
+                <a:tc>
+                  <a:txBody>
+                    <a:bodyPr/>
+                    <a:lstStyle/>
+                    <a:p>
+                      <a:pPr algn="l"/>
+                      <a:r>
+                        <a:rPr lang="en-US" dirty="0"/>
+                        <a:t>10.19.10.163</a:t>
+                      </a:r>
+                    </a:p>
+                  </a:txBody>
+                  <a:tcPr/>
+                </a:tc>
+                <a:tc>
+                  <a:txBody>
+                    <a:bodyPr/>
+                    <a:lstStyle/>
+                    <a:p>
+                      <a:pPr marL="0" marR="0" lvl="0" indent="0" algn="l" defTabSz="685783" rtl="1" eaLnBrk="1" fontAlgn="auto" latinLnBrk="0" hangingPunct="1">
+                        <a:lnSpc>
+                          <a:spcPct val="100000"/>
+                        </a:lnSpc>
+                        <a:spcBef>
+                          <a:spcPts val="0"/>
+                        </a:spcBef>
+                        <a:spcAft>
+                          <a:spcPts val="0"/>
+                        </a:spcAft>
+                        <a:buClrTx/>
+                        <a:buSzTx/>
+                        <a:buFontTx/>
+                        <a:buNone/>
+                        <a:tabLst/>
+                        <a:defRPr/>
+                      </a:pPr>
+                      <a:r>
+                        <a:rPr lang="en-US" dirty="0"/>
+                        <a:t>RHEL Server 7.9</a:t>
+                      </a:r>
+                    </a:p>
+                  </a:txBody>
+                  <a:tcPr/>
+                </a:tc>
+                <a:tc>
+                  <a:txBody>
+                    <a:bodyPr/>
+                    <a:lstStyle/>
+                    <a:p>
+                      <a:pPr algn="l"/>
+                      <a:r>
+                        <a:rPr lang="en-US" dirty="0" err="1"/>
+                        <a:t>Podman</a:t>
+                      </a:r>
+                      <a:endParaRPr lang="en-US" dirty="0"/>
+                    </a:p>
+                    <a:p>
+                      <a:pPr algn="l"/>
+                      <a:r>
+                        <a:rPr lang="en-US" dirty="0" err="1"/>
+                        <a:t>Weblogic</a:t>
+                      </a:r>
+                      <a:r>
+                        <a:rPr lang="en-US" dirty="0"/>
+                        <a:t> FMW</a:t>
+                      </a:r>
+                    </a:p>
+                    <a:p>
+                      <a:pPr algn="l"/>
+                      <a:r>
+                        <a:rPr lang="en-US" dirty="0" err="1"/>
+                        <a:t>Weblogic</a:t>
+                      </a:r>
+                      <a:r>
+                        <a:rPr lang="en-US" dirty="0"/>
+                        <a:t> SOA</a:t>
+                      </a:r>
+                    </a:p>
+                    <a:p>
+                      <a:pPr marL="0" marR="0" lvl="0" indent="0" algn="l" defTabSz="685783" rtl="1" eaLnBrk="1" fontAlgn="auto" latinLnBrk="0" hangingPunct="1">
+                        <a:lnSpc>
+                          <a:spcPct val="100000"/>
+                        </a:lnSpc>
+                        <a:spcBef>
+                          <a:spcPts val="0"/>
+                        </a:spcBef>
+                        <a:spcAft>
+                          <a:spcPts val="0"/>
+                        </a:spcAft>
+                        <a:buClrTx/>
+                        <a:buSzTx/>
+                        <a:buFontTx/>
+                        <a:buNone/>
+                        <a:tabLst/>
+                        <a:defRPr/>
+                      </a:pPr>
+                      <a:r>
+                        <a:rPr lang="en-US" dirty="0"/>
+                        <a:t>Zabbix Agent</a:t>
+                      </a:r>
+                    </a:p>
+                  </a:txBody>
+                  <a:tcPr/>
+                </a:tc>
+                <a:extLst>
+                  <a:ext uri="{0D108BD9-81ED-4DB2-BD59-A6C34878D82A}">
+                    <a16:rowId xmlns:a16="http://schemas.microsoft.com/office/drawing/2014/main" val="634926294"/>
+                  </a:ext>
+                </a:extLst>
+              </a:tr>
+              <a:tr h="1322097">
+                <a:tc>
+                  <a:txBody>
+                    <a:bodyPr/>
+                    <a:lstStyle/>
+                    <a:p>
+                      <a:pPr algn="l"/>
+                      <a:r>
+                        <a:rPr lang="en-US" dirty="0"/>
+                        <a:t>10.19.10.164</a:t>
+                      </a:r>
+                    </a:p>
+                  </a:txBody>
+                  <a:tcPr/>
+                </a:tc>
+                <a:tc>
+                  <a:txBody>
+                    <a:bodyPr/>
+                    <a:lstStyle/>
+                    <a:p>
+                      <a:pPr marL="0" marR="0" lvl="0" indent="0" algn="l" defTabSz="685783" rtl="1" eaLnBrk="1" fontAlgn="auto" latinLnBrk="0" hangingPunct="1">
+                        <a:lnSpc>
+                          <a:spcPct val="100000"/>
+                        </a:lnSpc>
+                        <a:spcBef>
+                          <a:spcPts val="0"/>
+                        </a:spcBef>
+                        <a:spcAft>
+                          <a:spcPts val="0"/>
+                        </a:spcAft>
+                        <a:buClrTx/>
+                        <a:buSzTx/>
+                        <a:buFontTx/>
+                        <a:buNone/>
+                        <a:tabLst/>
+                        <a:defRPr/>
+                      </a:pPr>
+                      <a:r>
+                        <a:rPr lang="en-US" dirty="0"/>
+                        <a:t>RHEL Server 7.9</a:t>
+                      </a:r>
+                    </a:p>
+                    <a:p>
+                      <a:pPr marL="0" marR="0" lvl="0" indent="0" algn="l" defTabSz="685783" rtl="1" eaLnBrk="1" fontAlgn="auto" latinLnBrk="0" hangingPunct="1">
+                        <a:lnSpc>
+                          <a:spcPct val="100000"/>
+                        </a:lnSpc>
+                        <a:spcBef>
+                          <a:spcPts val="0"/>
+                        </a:spcBef>
+                        <a:spcAft>
+                          <a:spcPts val="0"/>
+                        </a:spcAft>
+                        <a:buClrTx/>
+                        <a:buSzTx/>
+                        <a:buFontTx/>
+                        <a:buNone/>
+                        <a:tabLst/>
+                        <a:defRPr/>
+                      </a:pPr>
+                      <a:endParaRPr lang="en-US" dirty="0"/>
+                    </a:p>
+                  </a:txBody>
+                  <a:tcPr/>
+                </a:tc>
+                <a:tc>
+                  <a:txBody>
+                    <a:bodyPr/>
+                    <a:lstStyle/>
+                    <a:p>
+                      <a:pPr algn="l"/>
+                      <a:r>
+                        <a:rPr lang="en-US" dirty="0" err="1"/>
+                        <a:t>Podman</a:t>
+                      </a:r>
+                      <a:endParaRPr lang="en-US" dirty="0"/>
+                    </a:p>
+                    <a:p>
+                      <a:pPr algn="l"/>
+                      <a:r>
+                        <a:rPr lang="en-US" dirty="0" err="1"/>
+                        <a:t>Weblogic</a:t>
+                      </a:r>
+                      <a:r>
+                        <a:rPr lang="en-US" dirty="0"/>
+                        <a:t> FMW</a:t>
+                      </a:r>
+                    </a:p>
+                    <a:p>
+                      <a:pPr algn="l"/>
+                      <a:r>
+                        <a:rPr lang="en-US" dirty="0" err="1"/>
+                        <a:t>Weblogic</a:t>
+                      </a:r>
+                      <a:r>
+                        <a:rPr lang="en-US" dirty="0"/>
+                        <a:t> SOA</a:t>
+                      </a:r>
+                    </a:p>
+                    <a:p>
+                      <a:pPr marL="0" marR="0" lvl="0" indent="0" algn="l" defTabSz="685783" rtl="1" eaLnBrk="1" fontAlgn="auto" latinLnBrk="0" hangingPunct="1">
+                        <a:lnSpc>
+                          <a:spcPct val="100000"/>
+                        </a:lnSpc>
+                        <a:spcBef>
+                          <a:spcPts val="0"/>
+                        </a:spcBef>
+                        <a:spcAft>
+                          <a:spcPts val="0"/>
+                        </a:spcAft>
+                        <a:buClrTx/>
+                        <a:buSzTx/>
+                        <a:buFontTx/>
+                        <a:buNone/>
+                        <a:tabLst/>
+                        <a:defRPr/>
+                      </a:pPr>
+                      <a:r>
+                        <a:rPr lang="en-US" dirty="0"/>
+                        <a:t>Zabbix Agent</a:t>
+                      </a:r>
+                    </a:p>
+                    <a:p>
+                      <a:pPr marL="0" marR="0" lvl="0" indent="0" algn="l" defTabSz="685783" rtl="1" eaLnBrk="1" fontAlgn="auto" latinLnBrk="0" hangingPunct="1">
+                        <a:lnSpc>
+                          <a:spcPct val="100000"/>
+                        </a:lnSpc>
+                        <a:spcBef>
+                          <a:spcPts val="0"/>
+                        </a:spcBef>
+                        <a:spcAft>
+                          <a:spcPts val="0"/>
+                        </a:spcAft>
+                        <a:buClrTx/>
+                        <a:buSzTx/>
+                        <a:buFontTx/>
+                        <a:buNone/>
+                        <a:tabLst/>
+                        <a:defRPr/>
+                      </a:pPr>
+                      <a:r>
+                        <a:rPr lang="en-US" dirty="0"/>
+                        <a:t>WSO2 </a:t>
+                      </a:r>
+                      <a:r>
+                        <a:rPr lang="en-US" dirty="0" err="1"/>
+                        <a:t>Api</a:t>
+                      </a:r>
+                      <a:r>
+                        <a:rPr lang="en-US" dirty="0"/>
+                        <a:t> Manager</a:t>
+                      </a:r>
+                    </a:p>
+                    <a:p>
+                      <a:pPr marL="0" marR="0" lvl="0" indent="0" algn="l" defTabSz="685783" rtl="1" eaLnBrk="1" fontAlgn="auto" latinLnBrk="0" hangingPunct="1">
+                        <a:lnSpc>
+                          <a:spcPct val="100000"/>
+                        </a:lnSpc>
+                        <a:spcBef>
+                          <a:spcPts val="0"/>
+                        </a:spcBef>
+                        <a:spcAft>
+                          <a:spcPts val="0"/>
+                        </a:spcAft>
+                        <a:buClrTx/>
+                        <a:buSzTx/>
+                        <a:buFontTx/>
+                        <a:buNone/>
+                        <a:tabLst/>
+                        <a:defRPr/>
+                      </a:pPr>
+                      <a:r>
+                        <a:rPr lang="en-US" dirty="0" err="1"/>
+                        <a:t>Mysql</a:t>
+                      </a:r>
+                      <a:r>
+                        <a:rPr lang="en-US" dirty="0"/>
+                        <a:t> DB</a:t>
+                      </a:r>
+                    </a:p>
+                  </a:txBody>
+                  <a:tcPr/>
+                </a:tc>
+                <a:extLst>
+                  <a:ext uri="{0D108BD9-81ED-4DB2-BD59-A6C34878D82A}">
+                    <a16:rowId xmlns:a16="http://schemas.microsoft.com/office/drawing/2014/main" val="603594416"/>
+                  </a:ext>
+                </a:extLst>
+              </a:tr>
+            </a:tbl>
+          </a:graphicData>
+        </a:graphic>
+      </p:graphicFrame>
+      <p:graphicFrame>
+        <p:nvGraphicFramePr>
+          <p:cNvPr id="7" name="Table 6">
+            <a:extLst>
+              <a:ext uri="{FF2B5EF4-FFF2-40B4-BE49-F238E27FC236}">
+                <a16:creationId xmlns:a16="http://schemas.microsoft.com/office/drawing/2014/main" id="{FCB313C8-DF1C-3E09-57CA-2EF3C9C32E76}"/>
+              </a:ext>
+            </a:extLst>
+          </p:cNvPr>
+          <p:cNvGraphicFramePr>
+            <a:graphicFrameLocks noGrp="1"/>
+          </p:cNvGraphicFramePr>
+          <p:nvPr>
+            <p:extLst>
+              <p:ext uri="{D42A27DB-BD31-4B8C-83A1-F6EECF244321}">
+                <p14:modId xmlns:p14="http://schemas.microsoft.com/office/powerpoint/2010/main" val="4034923705"/>
+              </p:ext>
+            </p:extLst>
+          </p:nvPr>
+        </p:nvGraphicFramePr>
+        <p:xfrm>
+          <a:off x="4658264" y="1293486"/>
+          <a:ext cx="4166557" cy="4861306"/>
+        </p:xfrm>
+        <a:graphic>
+          <a:graphicData uri="http://schemas.openxmlformats.org/drawingml/2006/table">
+            <a:tbl>
+              <a:tblPr firstRow="1" bandRow="1">
+                <a:tableStyleId>{F5AB1C69-6EDB-4FF4-983F-18BD219EF322}</a:tableStyleId>
+              </a:tblPr>
+              <a:tblGrid>
+                <a:gridCol w="1310521">
+                  <a:extLst>
+                    <a:ext uri="{9D8B030D-6E8A-4147-A177-3AD203B41FA5}">
+                      <a16:colId xmlns:a16="http://schemas.microsoft.com/office/drawing/2014/main" val="2196979327"/>
+                    </a:ext>
+                  </a:extLst>
+                </a:gridCol>
+                <a:gridCol w="1303282">
+                  <a:extLst>
+                    <a:ext uri="{9D8B030D-6E8A-4147-A177-3AD203B41FA5}">
+                      <a16:colId xmlns:a16="http://schemas.microsoft.com/office/drawing/2014/main" val="1120687911"/>
+                    </a:ext>
+                  </a:extLst>
+                </a:gridCol>
+                <a:gridCol w="1552754">
+                  <a:extLst>
+                    <a:ext uri="{9D8B030D-6E8A-4147-A177-3AD203B41FA5}">
+                      <a16:colId xmlns:a16="http://schemas.microsoft.com/office/drawing/2014/main" val="3514264166"/>
+                    </a:ext>
+                  </a:extLst>
+                </a:gridCol>
+              </a:tblGrid>
+              <a:tr h="307822">
+                <a:tc>
+                  <a:txBody>
+                    <a:bodyPr/>
+                    <a:lstStyle/>
+                    <a:p>
+                      <a:pPr algn="l"/>
+                      <a:r>
+                        <a:rPr lang="en-US" dirty="0"/>
+                        <a:t>Server</a:t>
+                      </a:r>
+                    </a:p>
+                  </a:txBody>
+                  <a:tcPr/>
+                </a:tc>
+                <a:tc>
+                  <a:txBody>
+                    <a:bodyPr/>
+                    <a:lstStyle/>
+                    <a:p>
+                      <a:pPr algn="l"/>
+                      <a:r>
+                        <a:rPr lang="en-US" dirty="0"/>
+                        <a:t>OS</a:t>
+                      </a:r>
+                    </a:p>
+                  </a:txBody>
+                  <a:tcPr/>
+                </a:tc>
+                <a:tc>
+                  <a:txBody>
+                    <a:bodyPr/>
+                    <a:lstStyle/>
+                    <a:p>
+                      <a:pPr algn="l"/>
+                      <a:r>
+                        <a:rPr lang="en-US" dirty="0"/>
+                        <a:t>Services</a:t>
+                      </a:r>
+                    </a:p>
+                  </a:txBody>
+                  <a:tcPr/>
+                </a:tc>
+                <a:extLst>
+                  <a:ext uri="{0D108BD9-81ED-4DB2-BD59-A6C34878D82A}">
+                    <a16:rowId xmlns:a16="http://schemas.microsoft.com/office/drawing/2014/main" val="400721943"/>
+                  </a:ext>
+                </a:extLst>
+              </a:tr>
+              <a:tr h="1373358">
+                <a:tc>
+                  <a:txBody>
+                    <a:bodyPr/>
+                    <a:lstStyle/>
+                    <a:p>
+                      <a:pPr algn="l"/>
+                      <a:r>
+                        <a:rPr lang="en-US" dirty="0"/>
+                        <a:t>10.19.10.165</a:t>
+                      </a:r>
+                    </a:p>
+                  </a:txBody>
+                  <a:tcPr/>
+                </a:tc>
+                <a:tc>
+                  <a:txBody>
+                    <a:bodyPr/>
+                    <a:lstStyle/>
+                    <a:p>
+                      <a:pPr algn="l"/>
+                      <a:r>
+                        <a:rPr lang="en-US" dirty="0"/>
+                        <a:t>RHEL Server 7.9</a:t>
+                      </a:r>
+                    </a:p>
+                  </a:txBody>
+                  <a:tcPr/>
+                </a:tc>
+                <a:tc>
+                  <a:txBody>
+                    <a:bodyPr/>
+                    <a:lstStyle/>
+                    <a:p>
+                      <a:pPr algn="l"/>
+                      <a:r>
+                        <a:rPr lang="en-US" dirty="0"/>
+                        <a:t>WSO API Manager</a:t>
+                      </a:r>
+                    </a:p>
+                    <a:p>
+                      <a:pPr algn="l"/>
+                      <a:r>
+                        <a:rPr lang="en-US" dirty="0"/>
+                        <a:t>WSO Micro Int.</a:t>
+                      </a:r>
+                    </a:p>
+                    <a:p>
+                      <a:pPr algn="l"/>
+                      <a:r>
+                        <a:rPr lang="en-US" dirty="0" err="1"/>
+                        <a:t>Mysql</a:t>
+                      </a:r>
+                      <a:r>
+                        <a:rPr lang="en-US" dirty="0"/>
+                        <a:t>-DB</a:t>
+                      </a:r>
+                    </a:p>
+                    <a:p>
+                      <a:pPr algn="l"/>
+                      <a:r>
+                        <a:rPr lang="en-US" dirty="0" err="1"/>
+                        <a:t>Podman</a:t>
+                      </a:r>
+                      <a:endParaRPr lang="en-US" dirty="0"/>
+                    </a:p>
+                    <a:p>
+                      <a:pPr algn="l"/>
+                      <a:r>
+                        <a:rPr lang="en-US" dirty="0" err="1"/>
+                        <a:t>Filebeat</a:t>
+                      </a:r>
+                      <a:endParaRPr lang="en-US" dirty="0"/>
+                    </a:p>
+                    <a:p>
+                      <a:pPr algn="l"/>
+                      <a:r>
+                        <a:rPr lang="en-US" dirty="0"/>
+                        <a:t>Zabbix Agent</a:t>
+                      </a:r>
+                    </a:p>
+                  </a:txBody>
+                  <a:tcPr/>
+                </a:tc>
+                <a:extLst>
+                  <a:ext uri="{0D108BD9-81ED-4DB2-BD59-A6C34878D82A}">
+                    <a16:rowId xmlns:a16="http://schemas.microsoft.com/office/drawing/2014/main" val="3562830188"/>
+                  </a:ext>
+                </a:extLst>
+              </a:tr>
+              <a:tr h="1160251">
+                <a:tc>
+                  <a:txBody>
+                    <a:bodyPr/>
+                    <a:lstStyle/>
+                    <a:p>
+                      <a:pPr algn="l"/>
+                      <a:r>
+                        <a:rPr lang="en-US" dirty="0"/>
+                        <a:t>10.19.10.166</a:t>
+                      </a:r>
+                    </a:p>
+                  </a:txBody>
+                  <a:tcPr/>
+                </a:tc>
+                <a:tc>
+                  <a:txBody>
+                    <a:bodyPr/>
+                    <a:lstStyle/>
+                    <a:p>
+                      <a:pPr algn="l"/>
+                      <a:r>
+                        <a:rPr lang="en-US" dirty="0"/>
+                        <a:t>RHEL Server 7.9</a:t>
+                      </a:r>
+                    </a:p>
+                  </a:txBody>
+                  <a:tcPr/>
+                </a:tc>
+                <a:tc>
+                  <a:txBody>
+                    <a:bodyPr/>
+                    <a:lstStyle/>
+                    <a:p>
+                      <a:pPr algn="l"/>
+                      <a:r>
+                        <a:rPr lang="en-US" dirty="0"/>
+                        <a:t>WSO API Manager</a:t>
+                      </a:r>
+                    </a:p>
+                    <a:p>
+                      <a:pPr algn="l"/>
+                      <a:r>
+                        <a:rPr lang="en-US" dirty="0" err="1"/>
+                        <a:t>Mysql</a:t>
+                      </a:r>
+                      <a:r>
+                        <a:rPr lang="en-US" dirty="0"/>
+                        <a:t>-DB</a:t>
+                      </a:r>
+                    </a:p>
+                    <a:p>
+                      <a:pPr algn="l"/>
+                      <a:r>
+                        <a:rPr lang="en-US" dirty="0" err="1"/>
+                        <a:t>Podman</a:t>
+                      </a:r>
+                      <a:endParaRPr lang="en-US" dirty="0"/>
+                    </a:p>
+                    <a:p>
+                      <a:pPr algn="l"/>
+                      <a:r>
+                        <a:rPr lang="en-US" dirty="0" err="1"/>
+                        <a:t>Filebeat</a:t>
+                      </a:r>
+                      <a:endParaRPr lang="en-US" dirty="0"/>
+                    </a:p>
+                    <a:p>
+                      <a:pPr algn="l"/>
+                      <a:r>
+                        <a:rPr lang="en-US" dirty="0"/>
+                        <a:t>Zabbix Agent</a:t>
+                      </a:r>
+                    </a:p>
+                  </a:txBody>
+                  <a:tcPr/>
+                </a:tc>
+                <a:extLst>
+                  <a:ext uri="{0D108BD9-81ED-4DB2-BD59-A6C34878D82A}">
+                    <a16:rowId xmlns:a16="http://schemas.microsoft.com/office/drawing/2014/main" val="3815992576"/>
+                  </a:ext>
+                </a:extLst>
+              </a:tr>
+              <a:tr h="1373358">
+                <a:tc>
+                  <a:txBody>
+                    <a:bodyPr/>
+                    <a:lstStyle/>
+                    <a:p>
+                      <a:pPr algn="l"/>
+                      <a:r>
+                        <a:rPr lang="en-US" dirty="0"/>
+                        <a:t>10.19.10.167</a:t>
+                      </a:r>
+                    </a:p>
+                  </a:txBody>
+                  <a:tcPr/>
+                </a:tc>
+                <a:tc>
+                  <a:txBody>
+                    <a:bodyPr/>
+                    <a:lstStyle/>
+                    <a:p>
+                      <a:pPr marL="0" marR="0" lvl="0" indent="0" algn="l" defTabSz="685783" rtl="1" eaLnBrk="1" fontAlgn="auto" latinLnBrk="0" hangingPunct="1">
+                        <a:lnSpc>
+                          <a:spcPct val="100000"/>
+                        </a:lnSpc>
+                        <a:spcBef>
+                          <a:spcPts val="0"/>
+                        </a:spcBef>
+                        <a:spcAft>
+                          <a:spcPts val="0"/>
+                        </a:spcAft>
+                        <a:buClrTx/>
+                        <a:buSzTx/>
+                        <a:buFontTx/>
+                        <a:buNone/>
+                        <a:tabLst/>
+                        <a:defRPr/>
+                      </a:pPr>
+                      <a:r>
+                        <a:rPr lang="en-US" dirty="0"/>
+                        <a:t>RHEL Server 7.9</a:t>
+                      </a:r>
+                    </a:p>
+                  </a:txBody>
+                  <a:tcPr/>
+                </a:tc>
+                <a:tc>
+                  <a:txBody>
+                    <a:bodyPr/>
+                    <a:lstStyle/>
+                    <a:p>
+                      <a:pPr algn="l"/>
+                      <a:r>
+                        <a:rPr lang="en-US" dirty="0"/>
+                        <a:t>Zabbix Server</a:t>
+                      </a:r>
+                    </a:p>
+                    <a:p>
+                      <a:pPr algn="l"/>
+                      <a:r>
+                        <a:rPr lang="en-US" dirty="0"/>
+                        <a:t>Zabbix Agent</a:t>
+                      </a:r>
+                    </a:p>
+                    <a:p>
+                      <a:pPr algn="l"/>
+                      <a:r>
+                        <a:rPr lang="en-US" dirty="0"/>
+                        <a:t>Elasticsearch </a:t>
+                      </a:r>
+                    </a:p>
+                    <a:p>
+                      <a:pPr algn="l"/>
+                      <a:r>
+                        <a:rPr lang="en-US" dirty="0"/>
+                        <a:t>Kibana</a:t>
+                      </a:r>
+                    </a:p>
+                    <a:p>
+                      <a:pPr algn="l"/>
+                      <a:r>
+                        <a:rPr lang="en-US" dirty="0"/>
+                        <a:t>Logstash</a:t>
+                      </a:r>
+                    </a:p>
+                    <a:p>
+                      <a:pPr algn="l"/>
+                      <a:r>
+                        <a:rPr lang="en-US" dirty="0"/>
+                        <a:t>Zabbix Agent</a:t>
+                      </a:r>
+                    </a:p>
+                  </a:txBody>
+                  <a:tcPr/>
+                </a:tc>
+                <a:extLst>
+                  <a:ext uri="{0D108BD9-81ED-4DB2-BD59-A6C34878D82A}">
+                    <a16:rowId xmlns:a16="http://schemas.microsoft.com/office/drawing/2014/main" val="634926294"/>
+                  </a:ext>
+                </a:extLst>
+              </a:tr>
+              <a:tr h="646517">
+                <a:tc>
+                  <a:txBody>
+                    <a:bodyPr/>
+                    <a:lstStyle/>
+                    <a:p>
+                      <a:pPr algn="l"/>
+                      <a:r>
+                        <a:rPr lang="en-US" dirty="0"/>
+                        <a:t>10.19.10.168-9</a:t>
+                      </a:r>
+                    </a:p>
+                  </a:txBody>
+                  <a:tcPr/>
+                </a:tc>
+                <a:tc>
+                  <a:txBody>
+                    <a:bodyPr/>
+                    <a:lstStyle/>
+                    <a:p>
+                      <a:pPr marL="0" marR="0" lvl="0" indent="0" algn="l" defTabSz="685783" rtl="1" eaLnBrk="1" fontAlgn="auto" latinLnBrk="0" hangingPunct="1">
+                        <a:lnSpc>
+                          <a:spcPct val="100000"/>
+                        </a:lnSpc>
+                        <a:spcBef>
+                          <a:spcPts val="0"/>
+                        </a:spcBef>
+                        <a:spcAft>
+                          <a:spcPts val="0"/>
+                        </a:spcAft>
+                        <a:buClrTx/>
+                        <a:buSzTx/>
+                        <a:buFontTx/>
+                        <a:buNone/>
+                        <a:tabLst/>
+                        <a:defRPr/>
+                      </a:pPr>
+                      <a:r>
+                        <a:rPr lang="en-US" dirty="0"/>
+                        <a:t>RHEL Server 7.9</a:t>
+                      </a:r>
+                    </a:p>
+                    <a:p>
+                      <a:pPr marL="0" marR="0" lvl="0" indent="0" algn="l" defTabSz="685783" rtl="1" eaLnBrk="1" fontAlgn="auto" latinLnBrk="0" hangingPunct="1">
+                        <a:lnSpc>
+                          <a:spcPct val="100000"/>
+                        </a:lnSpc>
+                        <a:spcBef>
+                          <a:spcPts val="0"/>
+                        </a:spcBef>
+                        <a:spcAft>
+                          <a:spcPts val="0"/>
+                        </a:spcAft>
+                        <a:buClrTx/>
+                        <a:buSzTx/>
+                        <a:buFontTx/>
+                        <a:buNone/>
+                        <a:tabLst/>
+                        <a:defRPr/>
+                      </a:pPr>
+                      <a:endParaRPr lang="en-US" dirty="0"/>
+                    </a:p>
+                  </a:txBody>
+                  <a:tcPr/>
+                </a:tc>
+                <a:tc>
+                  <a:txBody>
+                    <a:bodyPr/>
+                    <a:lstStyle/>
+                    <a:p>
+                      <a:pPr algn="l"/>
+                      <a:r>
+                        <a:rPr lang="en-US" dirty="0"/>
+                        <a:t>Nginx</a:t>
+                      </a:r>
+                    </a:p>
+                    <a:p>
+                      <a:pPr algn="l"/>
+                      <a:r>
+                        <a:rPr lang="en-US" dirty="0"/>
+                        <a:t>Zabbix Agent</a:t>
+                      </a:r>
+                    </a:p>
+                  </a:txBody>
+                  <a:tcPr/>
+                </a:tc>
+                <a:extLst>
+                  <a:ext uri="{0D108BD9-81ED-4DB2-BD59-A6C34878D82A}">
+                    <a16:rowId xmlns:a16="http://schemas.microsoft.com/office/drawing/2014/main" val="603594416"/>
+                  </a:ext>
+                </a:extLst>
+              </a:tr>
+            </a:tbl>
+          </a:graphicData>
+        </a:graphic>
+      </p:graphicFrame>
+    </p:spTree>
+    <p:extLst>
+      <p:ext uri="{BB962C8B-B14F-4D97-AF65-F5344CB8AC3E}">
+        <p14:creationId xmlns:p14="http://schemas.microsoft.com/office/powerpoint/2010/main" val="351875332"/>
+      </p:ext>
+    </p:extLst>
+  </p:cSld>
+  <p:clrMapOvr>
+    <a:masterClrMapping/>
+  </p:clrMapOvr>
+</p:sld>
+</file>
+
+<file path=ppt/slides/slide21.xml><?xml version="1.0" encoding="utf-8"?>
+<p:sld xmlns:a="http://schemas.openxmlformats.org/drawingml/2006/main" xmlns:r="http://schemas.openxmlformats.org/officeDocument/2006/relationships" xmlns:p="http://schemas.openxmlformats.org/presentationml/2006/main">
+  <p:cSld>
+    <p:spTree>
+      <p:nvGrpSpPr>
+        <p:cNvPr id="1" name=""/>
+        <p:cNvGrpSpPr/>
+        <p:nvPr/>
+      </p:nvGrpSpPr>
+      <p:grpSpPr>
+        <a:xfrm>
+          <a:off x="0" y="0"/>
+          <a:ext cx="0" cy="0"/>
+          <a:chOff x="0" y="0"/>
+          <a:chExt cx="0" cy="0"/>
+        </a:xfrm>
+      </p:grpSpPr>
+      <p:sp>
+        <p:nvSpPr>
+          <p:cNvPr id="2" name="Content Placeholder 1">
+            <a:extLst>
+              <a:ext uri="{FF2B5EF4-FFF2-40B4-BE49-F238E27FC236}">
+                <a16:creationId xmlns:a16="http://schemas.microsoft.com/office/drawing/2014/main" id="{9687DE78-B330-4148-8CD3-5AB8336464A4}"/>
+              </a:ext>
+            </a:extLst>
+          </p:cNvPr>
+          <p:cNvSpPr>
+            <a:spLocks noGrp="1"/>
+          </p:cNvSpPr>
+          <p:nvPr>
+            <p:ph idx="1"/>
+          </p:nvPr>
+        </p:nvSpPr>
+        <p:spPr/>
+        <p:txBody>
+          <a:bodyPr>
+            <a:normAutofit/>
+          </a:bodyPr>
+          <a:lstStyle/>
+          <a:p>
+            <a:r>
+              <a:rPr lang="en-US" sz="1800" dirty="0"/>
+              <a:t>Supports publishing SOAP, REST, JSON and XML style services as APIs</a:t>
+            </a:r>
+          </a:p>
+          <a:p>
+            <a:r>
+              <a:rPr lang="en-US" sz="1800" dirty="0"/>
+              <a:t>Publish APIs to a selected set of gateways in a multi-gateway environment</a:t>
+            </a:r>
+          </a:p>
+          <a:p>
+            <a:r>
+              <a:rPr lang="en-US" sz="1800" dirty="0"/>
+              <a:t>Manage API visibility to restrict access to specific partners or customers</a:t>
+            </a:r>
+          </a:p>
+          <a:p>
+            <a:r>
+              <a:rPr lang="en-US" sz="1800" dirty="0"/>
+              <a:t>Manage API lifecycle: create, publish, block, deprecate and retire</a:t>
+            </a:r>
+          </a:p>
+          <a:p>
+            <a:r>
+              <a:rPr lang="en-US" sz="1800" dirty="0"/>
+              <a:t>Manage API versions</a:t>
+            </a:r>
+          </a:p>
+          <a:p>
+            <a:r>
+              <a:rPr lang="en-US" sz="1800" dirty="0"/>
+              <a:t>Apply security policies to API: Authentication &amp; Authorization</a:t>
+            </a:r>
+          </a:p>
+          <a:p>
+            <a:r>
+              <a:rPr lang="en-US" sz="1800" dirty="0"/>
+              <a:t>Graphical experience: browse and search</a:t>
+            </a:r>
+          </a:p>
+          <a:p>
+            <a:r>
+              <a:rPr lang="en-US" sz="1800" dirty="0"/>
+              <a:t>Enforces rate limiting and throttling policies</a:t>
+            </a:r>
+          </a:p>
+          <a:p>
+            <a:r>
+              <a:rPr lang="en-US" sz="1800" dirty="0"/>
+              <a:t>Horizontally scalable with easy cluster deployment</a:t>
+            </a:r>
+          </a:p>
+          <a:p>
+            <a:r>
+              <a:rPr lang="en-US" sz="1800" dirty="0"/>
+              <a:t>REST API with and extensible security mechanism: OAuth 2.0 by default</a:t>
+            </a:r>
+          </a:p>
+          <a:p>
+            <a:r>
+              <a:rPr lang="en-US" sz="1800" dirty="0"/>
+              <a:t>Integrates into enterprise identity systems including LDAP</a:t>
+            </a:r>
+          </a:p>
+          <a:p>
+            <a:r>
+              <a:rPr lang="en-US" sz="1800" dirty="0"/>
+              <a:t>Pluggable into third party systems and billing systems</a:t>
+            </a:r>
+          </a:p>
+        </p:txBody>
+      </p:sp>
+      <p:sp>
+        <p:nvSpPr>
+          <p:cNvPr id="3" name="Title 2">
+            <a:extLst>
+              <a:ext uri="{FF2B5EF4-FFF2-40B4-BE49-F238E27FC236}">
+                <a16:creationId xmlns:a16="http://schemas.microsoft.com/office/drawing/2014/main" id="{DCC85F54-BDE7-4244-9C50-0D297A9250AE}"/>
+              </a:ext>
+            </a:extLst>
+          </p:cNvPr>
+          <p:cNvSpPr>
+            <a:spLocks noGrp="1"/>
+          </p:cNvSpPr>
+          <p:nvPr>
+            <p:ph type="title"/>
+          </p:nvPr>
+        </p:nvSpPr>
+        <p:spPr/>
+        <p:txBody>
+          <a:bodyPr/>
+          <a:lstStyle/>
+          <a:p>
+            <a:r>
+              <a:rPr lang="en-US" dirty="0"/>
+              <a:t>API Manager Key Features - WSO2 </a:t>
+            </a:r>
+          </a:p>
+        </p:txBody>
+      </p:sp>
+      <p:pic>
+        <p:nvPicPr>
+          <p:cNvPr id="4" name="Picture 3">
+            <a:extLst>
+              <a:ext uri="{FF2B5EF4-FFF2-40B4-BE49-F238E27FC236}">
+                <a16:creationId xmlns:a16="http://schemas.microsoft.com/office/drawing/2014/main" id="{86BB9F49-3303-4EB2-9F90-40046DDC176F}"/>
+              </a:ext>
+            </a:extLst>
+          </p:cNvPr>
+          <p:cNvPicPr>
+            <a:picLocks noChangeAspect="1"/>
+          </p:cNvPicPr>
+          <p:nvPr/>
+        </p:nvPicPr>
+        <p:blipFill>
+          <a:blip r:embed="rId2"/>
+          <a:stretch>
+            <a:fillRect/>
+          </a:stretch>
+        </p:blipFill>
+        <p:spPr>
+          <a:xfrm>
+            <a:off x="7039007" y="5575675"/>
+            <a:ext cx="1368393" cy="729145"/>
+          </a:xfrm>
+          <a:prstGeom prst="rect">
+            <a:avLst/>
+          </a:prstGeom>
+        </p:spPr>
+      </p:pic>
+    </p:spTree>
+    <p:extLst>
+      <p:ext uri="{BB962C8B-B14F-4D97-AF65-F5344CB8AC3E}">
+        <p14:creationId xmlns:p14="http://schemas.microsoft.com/office/powerpoint/2010/main" val="2658747875"/>
+      </p:ext>
+    </p:extLst>
+  </p:cSld>
+  <p:clrMapOvr>
+    <a:masterClrMapping/>
+  </p:clrMapOvr>
+</p:sld>
+</file>
+
+<file path=ppt/slides/slide22.xml><?xml version="1.0" encoding="utf-8"?>
+<p:sld xmlns:a="http://schemas.openxmlformats.org/drawingml/2006/main" xmlns:r="http://schemas.openxmlformats.org/officeDocument/2006/relationships" xmlns:p="http://schemas.openxmlformats.org/presentationml/2006/main">
+  <p:cSld>
+    <p:spTree>
+      <p:nvGrpSpPr>
+        <p:cNvPr id="1" name=""/>
+        <p:cNvGrpSpPr/>
+        <p:nvPr/>
+      </p:nvGrpSpPr>
+      <p:grpSpPr>
+        <a:xfrm>
+          <a:off x="0" y="0"/>
+          <a:ext cx="0" cy="0"/>
+          <a:chOff x="0" y="0"/>
+          <a:chExt cx="0" cy="0"/>
+        </a:xfrm>
+      </p:grpSpPr>
+      <p:sp>
+        <p:nvSpPr>
+          <p:cNvPr id="3" name="Title 2">
+            <a:extLst>
+              <a:ext uri="{FF2B5EF4-FFF2-40B4-BE49-F238E27FC236}">
+                <a16:creationId xmlns:a16="http://schemas.microsoft.com/office/drawing/2014/main" id="{08583B25-F3F3-4DFE-B8FE-BE825F9FB7A3}"/>
+              </a:ext>
+            </a:extLst>
+          </p:cNvPr>
+          <p:cNvSpPr>
+            <a:spLocks noGrp="1"/>
+          </p:cNvSpPr>
+          <p:nvPr>
+            <p:ph type="title"/>
+          </p:nvPr>
+        </p:nvSpPr>
+        <p:spPr/>
+        <p:txBody>
+          <a:bodyPr/>
+          <a:lstStyle/>
+          <a:p>
+            <a:r>
+              <a:rPr lang="en-US" dirty="0"/>
+              <a:t>WSO2 Architecture</a:t>
+            </a:r>
+          </a:p>
+        </p:txBody>
+      </p:sp>
+      <p:pic>
+        <p:nvPicPr>
+          <p:cNvPr id="8194" name="Picture 2" descr="Deployment Patterns - API Manager 2.1.0 - WSO2 Documentation">
+            <a:extLst>
+              <a:ext uri="{FF2B5EF4-FFF2-40B4-BE49-F238E27FC236}">
+                <a16:creationId xmlns:a16="http://schemas.microsoft.com/office/drawing/2014/main" id="{5B7BACB0-57ED-48F3-8C25-4D42AB85512A}"/>
+              </a:ext>
+            </a:extLst>
+          </p:cNvPr>
+          <p:cNvPicPr>
+            <a:picLocks noChangeAspect="1" noChangeArrowheads="1"/>
+          </p:cNvPicPr>
+          <p:nvPr/>
+        </p:nvPicPr>
+        <p:blipFill>
+          <a:blip r:embed="rId2">
+            <a:extLst>
+              <a:ext uri="{28A0092B-C50C-407E-A947-70E740481C1C}">
+                <a14:useLocalDpi xmlns:a14="http://schemas.microsoft.com/office/drawing/2010/main" val="0"/>
+              </a:ext>
+            </a:extLst>
+          </a:blip>
+          <a:srcRect/>
+          <a:stretch>
+            <a:fillRect/>
+          </a:stretch>
+        </p:blipFill>
+        <p:spPr bwMode="auto">
+          <a:xfrm>
+            <a:off x="1046692" y="849318"/>
+            <a:ext cx="6153150" cy="5276850"/>
+          </a:xfrm>
+          <a:prstGeom prst="rect">
+            <a:avLst/>
+          </a:prstGeom>
+          <a:noFill/>
+          <a:extLst>
+            <a:ext uri="{909E8E84-426E-40DD-AFC4-6F175D3DCCD1}">
+              <a14:hiddenFill xmlns:a14="http://schemas.microsoft.com/office/drawing/2010/main">
+                <a:solidFill>
+                  <a:srgbClr val="FFFFFF"/>
+                </a:solidFill>
+              </a14:hiddenFill>
+            </a:ext>
+          </a:extLst>
+        </p:spPr>
+      </p:pic>
+    </p:spTree>
+    <p:extLst>
+      <p:ext uri="{BB962C8B-B14F-4D97-AF65-F5344CB8AC3E}">
+        <p14:creationId xmlns:p14="http://schemas.microsoft.com/office/powerpoint/2010/main" val="3319649091"/>
+      </p:ext>
+    </p:extLst>
+  </p:cSld>
+  <p:clrMapOvr>
+    <a:masterClrMapping/>
+  </p:clrMapOvr>
+</p:sld>
+</file>
+
+<file path=ppt/slides/slide23.xml><?xml version="1.0" encoding="utf-8"?>
+<p:sld xmlns:a="http://schemas.openxmlformats.org/drawingml/2006/main" xmlns:r="http://schemas.openxmlformats.org/officeDocument/2006/relationships" xmlns:p="http://schemas.openxmlformats.org/presentationml/2006/main">
+  <p:cSld>
+    <p:spTree>
+      <p:nvGrpSpPr>
+        <p:cNvPr id="1" name=""/>
+        <p:cNvGrpSpPr/>
+        <p:nvPr/>
+      </p:nvGrpSpPr>
+      <p:grpSpPr>
+        <a:xfrm>
+          <a:off x="0" y="0"/>
+          <a:ext cx="0" cy="0"/>
+          <a:chOff x="0" y="0"/>
+          <a:chExt cx="0" cy="0"/>
+        </a:xfrm>
+      </p:grpSpPr>
+      <p:sp>
+        <p:nvSpPr>
+          <p:cNvPr id="3" name="Title 2">
+            <a:extLst>
+              <a:ext uri="{FF2B5EF4-FFF2-40B4-BE49-F238E27FC236}">
                 <a16:creationId xmlns:a16="http://schemas.microsoft.com/office/drawing/2014/main" id="{070E7F4B-57AD-4205-8AD9-2C870BC3DB8C}"/>
               </a:ext>
             </a:extLst>

--- a/Presentation/soaTrainingPresentation.pptx
+++ b/Presentation/soaTrainingPresentation.pptx
@@ -21,13 +21,16 @@
     <p:sldId id="291" r:id="rId15"/>
     <p:sldId id="292" r:id="rId16"/>
     <p:sldId id="293" r:id="rId17"/>
-    <p:sldId id="294" r:id="rId18"/>
-    <p:sldId id="259" r:id="rId19"/>
-    <p:sldId id="276" r:id="rId20"/>
-    <p:sldId id="277" r:id="rId21"/>
-    <p:sldId id="261" r:id="rId22"/>
-    <p:sldId id="268" r:id="rId23"/>
-    <p:sldId id="272" r:id="rId24"/>
+    <p:sldId id="296" r:id="rId18"/>
+    <p:sldId id="295" r:id="rId19"/>
+    <p:sldId id="294" r:id="rId20"/>
+    <p:sldId id="297" r:id="rId21"/>
+    <p:sldId id="259" r:id="rId22"/>
+    <p:sldId id="276" r:id="rId23"/>
+    <p:sldId id="277" r:id="rId24"/>
+    <p:sldId id="261" r:id="rId25"/>
+    <p:sldId id="268" r:id="rId26"/>
+    <p:sldId id="272" r:id="rId27"/>
   </p:sldIdLst>
   <p:sldSz cx="9144000" cy="6858000" type="screen4x3"/>
   <p:notesSz cx="6858000" cy="9144000"/>
@@ -147,7 +150,10 @@
             <p14:sldId id="291"/>
             <p14:sldId id="292"/>
             <p14:sldId id="293"/>
+            <p14:sldId id="296"/>
+            <p14:sldId id="295"/>
             <p14:sldId id="294"/>
+            <p14:sldId id="297"/>
           </p14:sldIdLst>
         </p14:section>
         <p14:section name="Architecture" id="{2E54B0A4-7D42-4DA8-B359-3DA8DE410F7E}">
@@ -4441,6 +4447,30 @@
             </a:r>
           </a:p>
           <a:p>
+            <a:pPr lvl="1">
+              <a:lnSpc>
+                <a:spcPct val="200000"/>
+              </a:lnSpc>
+            </a:pPr>
+            <a:endParaRPr lang="en-US" dirty="0"/>
+          </a:p>
+          <a:p>
+            <a:pPr lvl="1">
+              <a:lnSpc>
+                <a:spcPct val="200000"/>
+              </a:lnSpc>
+            </a:pPr>
+            <a:endParaRPr lang="en-US" dirty="0"/>
+          </a:p>
+          <a:p>
+            <a:pPr lvl="1">
+              <a:lnSpc>
+                <a:spcPct val="200000"/>
+              </a:lnSpc>
+            </a:pPr>
+            <a:endParaRPr lang="en-US" dirty="0"/>
+          </a:p>
+          <a:p>
             <a:pPr lvl="1"/>
             <a:endParaRPr lang="en-US" dirty="0"/>
           </a:p>
@@ -4534,35 +4564,10 @@
       </p:grpSpPr>
       <p:sp>
         <p:nvSpPr>
-          <p:cNvPr id="2" name="Content Placeholder 1">
-            <a:extLst>
-              <a:ext uri="{FF2B5EF4-FFF2-40B4-BE49-F238E27FC236}">
-                <a16:creationId xmlns:a16="http://schemas.microsoft.com/office/drawing/2014/main" id="{927144B9-DB58-7BE2-3737-25E5EEF2290F}"/>
-              </a:ext>
-            </a:extLst>
-          </p:cNvPr>
-          <p:cNvSpPr>
-            <a:spLocks noGrp="1"/>
-          </p:cNvSpPr>
-          <p:nvPr>
-            <p:ph idx="1"/>
-          </p:nvPr>
-        </p:nvSpPr>
-        <p:spPr/>
-        <p:txBody>
-          <a:bodyPr/>
-          <a:lstStyle/>
-          <a:p>
-            <a:endParaRPr lang="en-US"/>
-          </a:p>
-        </p:txBody>
-      </p:sp>
-      <p:sp>
-        <p:nvSpPr>
           <p:cNvPr id="3" name="Title 2">
             <a:extLst>
               <a:ext uri="{FF2B5EF4-FFF2-40B4-BE49-F238E27FC236}">
-                <a16:creationId xmlns:a16="http://schemas.microsoft.com/office/drawing/2014/main" id="{2C71EE65-5AB5-3A37-205B-C7AA7104C748}"/>
+                <a16:creationId xmlns:a16="http://schemas.microsoft.com/office/drawing/2014/main" id="{D00018BE-2687-FB25-11FB-9E9B0F4FD28B}"/>
               </a:ext>
             </a:extLst>
           </p:cNvPr>
@@ -4578,14 +4583,369 @@
           <a:bodyPr/>
           <a:lstStyle/>
           <a:p>
-            <a:endParaRPr lang="en-US"/>
+            <a:endParaRPr lang="en-US" dirty="0"/>
           </a:p>
         </p:txBody>
       </p:sp>
+      <p:sp>
+        <p:nvSpPr>
+          <p:cNvPr id="7" name="Rectangle 6">
+            <a:extLst>
+              <a:ext uri="{FF2B5EF4-FFF2-40B4-BE49-F238E27FC236}">
+                <a16:creationId xmlns:a16="http://schemas.microsoft.com/office/drawing/2014/main" id="{920C3022-65AC-FEF6-1292-5B8C44FD235E}"/>
+              </a:ext>
+            </a:extLst>
+          </p:cNvPr>
+          <p:cNvSpPr/>
+          <p:nvPr/>
+        </p:nvSpPr>
+        <p:spPr>
+          <a:xfrm>
+            <a:off x="3070371" y="1012606"/>
+            <a:ext cx="1895912" cy="646331"/>
+          </a:xfrm>
+          <a:prstGeom prst="rect">
+            <a:avLst/>
+          </a:prstGeom>
+          <a:solidFill>
+            <a:srgbClr val="1C7DAE"/>
+          </a:solidFill>
+          <a:effectLst>
+            <a:outerShdw blurRad="254000" dist="127000" dir="2700000" algn="ctr" rotWithShape="0">
+              <a:schemeClr val="bg1">
+                <a:lumMod val="50000"/>
+              </a:schemeClr>
+            </a:outerShdw>
+          </a:effectLst>
+        </p:spPr>
+        <p:txBody>
+          <a:bodyPr wrap="square" rtlCol="0" anchor="ctr">
+            <a:spAutoFit/>
+          </a:bodyPr>
+          <a:lstStyle/>
+          <a:p>
+            <a:pPr algn="justLow"/>
+            <a:r>
+              <a:rPr lang="en-US" dirty="0"/>
+              <a:t>Create New SOA Environment</a:t>
+            </a:r>
+          </a:p>
+        </p:txBody>
+      </p:sp>
+      <p:sp>
+        <p:nvSpPr>
+          <p:cNvPr id="8" name="Rectangle 7">
+            <a:extLst>
+              <a:ext uri="{FF2B5EF4-FFF2-40B4-BE49-F238E27FC236}">
+                <a16:creationId xmlns:a16="http://schemas.microsoft.com/office/drawing/2014/main" id="{432BF704-4CDB-29F1-157D-E2CF047AAF08}"/>
+              </a:ext>
+            </a:extLst>
+          </p:cNvPr>
+          <p:cNvSpPr/>
+          <p:nvPr/>
+        </p:nvSpPr>
+        <p:spPr>
+          <a:xfrm>
+            <a:off x="3070371" y="2206144"/>
+            <a:ext cx="1895912" cy="646331"/>
+          </a:xfrm>
+          <a:prstGeom prst="rect">
+            <a:avLst/>
+          </a:prstGeom>
+          <a:solidFill>
+            <a:srgbClr val="1C7DAE"/>
+          </a:solidFill>
+          <a:effectLst>
+            <a:outerShdw blurRad="254000" dist="127000" dir="2700000" algn="ctr" rotWithShape="0">
+              <a:schemeClr val="bg1">
+                <a:lumMod val="50000"/>
+              </a:schemeClr>
+            </a:outerShdw>
+          </a:effectLst>
+        </p:spPr>
+        <p:txBody>
+          <a:bodyPr wrap="square" rtlCol="0" anchor="ctr">
+            <a:spAutoFit/>
+          </a:bodyPr>
+          <a:lstStyle/>
+          <a:p>
+            <a:pPr algn="justLow"/>
+            <a:r>
+              <a:rPr lang="en-US" dirty="0"/>
+              <a:t>Create Repository</a:t>
+            </a:r>
+          </a:p>
+          <a:p>
+            <a:pPr algn="justLow"/>
+            <a:r>
+              <a:rPr lang="en-US" dirty="0">
+                <a:solidFill>
+                  <a:schemeClr val="bg1"/>
+                </a:solidFill>
+              </a:rPr>
+              <a:t>Using RCU</a:t>
+            </a:r>
+          </a:p>
+        </p:txBody>
+      </p:sp>
+      <p:cxnSp>
+        <p:nvCxnSpPr>
+          <p:cNvPr id="10" name="Straight Arrow Connector 9">
+            <a:extLst>
+              <a:ext uri="{FF2B5EF4-FFF2-40B4-BE49-F238E27FC236}">
+                <a16:creationId xmlns:a16="http://schemas.microsoft.com/office/drawing/2014/main" id="{01221177-78CC-8F76-E019-D4D6DD6A196B}"/>
+              </a:ext>
+            </a:extLst>
+          </p:cNvPr>
+          <p:cNvCxnSpPr>
+            <a:cxnSpLocks/>
+            <a:stCxn id="7" idx="2"/>
+            <a:endCxn id="8" idx="0"/>
+          </p:cNvCxnSpPr>
+          <p:nvPr/>
+        </p:nvCxnSpPr>
+        <p:spPr>
+          <a:xfrm>
+            <a:off x="4018327" y="1658937"/>
+            <a:ext cx="0" cy="547207"/>
+          </a:xfrm>
+          <a:prstGeom prst="straightConnector1">
+            <a:avLst/>
+          </a:prstGeom>
+          <a:ln>
+            <a:tailEnd type="triangle"/>
+          </a:ln>
+        </p:spPr>
+        <p:style>
+          <a:lnRef idx="1">
+            <a:schemeClr val="accent1"/>
+          </a:lnRef>
+          <a:fillRef idx="0">
+            <a:schemeClr val="accent1"/>
+          </a:fillRef>
+          <a:effectRef idx="0">
+            <a:schemeClr val="accent1"/>
+          </a:effectRef>
+          <a:fontRef idx="minor">
+            <a:schemeClr val="tx1"/>
+          </a:fontRef>
+        </p:style>
+      </p:cxnSp>
+      <p:sp>
+        <p:nvSpPr>
+          <p:cNvPr id="12" name="Rectangle 11">
+            <a:extLst>
+              <a:ext uri="{FF2B5EF4-FFF2-40B4-BE49-F238E27FC236}">
+                <a16:creationId xmlns:a16="http://schemas.microsoft.com/office/drawing/2014/main" id="{966D3B26-D781-3C30-E76D-7ED93E5F58F3}"/>
+              </a:ext>
+            </a:extLst>
+          </p:cNvPr>
+          <p:cNvSpPr/>
+          <p:nvPr/>
+        </p:nvSpPr>
+        <p:spPr>
+          <a:xfrm>
+            <a:off x="3070371" y="3264555"/>
+            <a:ext cx="1895912" cy="646331"/>
+          </a:xfrm>
+          <a:prstGeom prst="rect">
+            <a:avLst/>
+          </a:prstGeom>
+          <a:solidFill>
+            <a:srgbClr val="1C7DAE"/>
+          </a:solidFill>
+          <a:effectLst>
+            <a:outerShdw blurRad="254000" dist="127000" dir="2700000" algn="ctr" rotWithShape="0">
+              <a:schemeClr val="bg1">
+                <a:lumMod val="50000"/>
+              </a:schemeClr>
+            </a:outerShdw>
+          </a:effectLst>
+        </p:spPr>
+        <p:txBody>
+          <a:bodyPr wrap="square" rtlCol="0" anchor="ctr">
+            <a:spAutoFit/>
+          </a:bodyPr>
+          <a:lstStyle/>
+          <a:p>
+            <a:pPr algn="justLow"/>
+            <a:r>
+              <a:rPr lang="en-US" dirty="0"/>
+              <a:t>Create Domain</a:t>
+            </a:r>
+          </a:p>
+          <a:p>
+            <a:pPr algn="justLow"/>
+            <a:r>
+              <a:rPr lang="en-US" dirty="0">
+                <a:solidFill>
+                  <a:schemeClr val="bg1"/>
+                </a:solidFill>
+              </a:rPr>
+              <a:t>Using </a:t>
+            </a:r>
+            <a:r>
+              <a:rPr lang="en-US" dirty="0" err="1">
+                <a:solidFill>
+                  <a:schemeClr val="bg1"/>
+                </a:solidFill>
+              </a:rPr>
+              <a:t>config.sh</a:t>
+            </a:r>
+            <a:endParaRPr lang="en-US" dirty="0">
+              <a:solidFill>
+                <a:schemeClr val="bg1"/>
+              </a:solidFill>
+            </a:endParaRPr>
+          </a:p>
+        </p:txBody>
+      </p:sp>
+      <p:cxnSp>
+        <p:nvCxnSpPr>
+          <p:cNvPr id="14" name="Straight Arrow Connector 13">
+            <a:extLst>
+              <a:ext uri="{FF2B5EF4-FFF2-40B4-BE49-F238E27FC236}">
+                <a16:creationId xmlns:a16="http://schemas.microsoft.com/office/drawing/2014/main" id="{DA8DC210-724C-A761-27C6-8542F391388D}"/>
+              </a:ext>
+            </a:extLst>
+          </p:cNvPr>
+          <p:cNvCxnSpPr>
+            <a:cxnSpLocks/>
+            <a:stCxn id="8" idx="2"/>
+            <a:endCxn id="12" idx="0"/>
+          </p:cNvCxnSpPr>
+          <p:nvPr/>
+        </p:nvCxnSpPr>
+        <p:spPr>
+          <a:xfrm>
+            <a:off x="4018327" y="2852475"/>
+            <a:ext cx="0" cy="412080"/>
+          </a:xfrm>
+          <a:prstGeom prst="straightConnector1">
+            <a:avLst/>
+          </a:prstGeom>
+          <a:ln>
+            <a:tailEnd type="triangle"/>
+          </a:ln>
+        </p:spPr>
+        <p:style>
+          <a:lnRef idx="1">
+            <a:schemeClr val="accent1"/>
+          </a:lnRef>
+          <a:fillRef idx="0">
+            <a:schemeClr val="accent1"/>
+          </a:fillRef>
+          <a:effectRef idx="0">
+            <a:schemeClr val="accent1"/>
+          </a:effectRef>
+          <a:fontRef idx="minor">
+            <a:schemeClr val="tx1"/>
+          </a:fontRef>
+        </p:style>
+      </p:cxnSp>
+      <p:sp>
+        <p:nvSpPr>
+          <p:cNvPr id="16" name="Rectangle 15">
+            <a:extLst>
+              <a:ext uri="{FF2B5EF4-FFF2-40B4-BE49-F238E27FC236}">
+                <a16:creationId xmlns:a16="http://schemas.microsoft.com/office/drawing/2014/main" id="{02097089-E8A7-15FC-9BEE-5D05E8B2B398}"/>
+              </a:ext>
+            </a:extLst>
+          </p:cNvPr>
+          <p:cNvSpPr/>
+          <p:nvPr/>
+        </p:nvSpPr>
+        <p:spPr>
+          <a:xfrm>
+            <a:off x="3070371" y="4461465"/>
+            <a:ext cx="1895912" cy="369332"/>
+          </a:xfrm>
+          <a:prstGeom prst="rect">
+            <a:avLst/>
+          </a:prstGeom>
+          <a:solidFill>
+            <a:srgbClr val="1C7DAE"/>
+          </a:solidFill>
+          <a:effectLst>
+            <a:outerShdw blurRad="254000" dist="127000" dir="2700000" algn="ctr" rotWithShape="0">
+              <a:schemeClr val="bg1">
+                <a:lumMod val="50000"/>
+              </a:schemeClr>
+            </a:outerShdw>
+          </a:effectLst>
+        </p:spPr>
+        <p:txBody>
+          <a:bodyPr wrap="square" rtlCol="0" anchor="ctr">
+            <a:spAutoFit/>
+          </a:bodyPr>
+          <a:lstStyle/>
+          <a:p>
+            <a:pPr algn="justLow"/>
+            <a:r>
+              <a:rPr lang="en-US" dirty="0" err="1">
+                <a:solidFill>
+                  <a:schemeClr val="bg1"/>
+                </a:solidFill>
+              </a:rPr>
+              <a:t>Runnning</a:t>
+            </a:r>
+            <a:r>
+              <a:rPr lang="en-US" dirty="0">
+                <a:solidFill>
+                  <a:schemeClr val="bg1"/>
+                </a:solidFill>
+              </a:rPr>
+              <a:t> Domain</a:t>
+            </a:r>
+          </a:p>
+        </p:txBody>
+      </p:sp>
+      <p:cxnSp>
+        <p:nvCxnSpPr>
+          <p:cNvPr id="18" name="Straight Arrow Connector 17">
+            <a:extLst>
+              <a:ext uri="{FF2B5EF4-FFF2-40B4-BE49-F238E27FC236}">
+                <a16:creationId xmlns:a16="http://schemas.microsoft.com/office/drawing/2014/main" id="{AC9587F4-C8E5-B899-DBE7-8D13B689AC0C}"/>
+              </a:ext>
+            </a:extLst>
+          </p:cNvPr>
+          <p:cNvCxnSpPr>
+            <a:stCxn id="12" idx="2"/>
+            <a:endCxn id="16" idx="0"/>
+          </p:cNvCxnSpPr>
+          <p:nvPr/>
+        </p:nvCxnSpPr>
+        <p:spPr>
+          <a:xfrm>
+            <a:off x="4018327" y="3910886"/>
+            <a:ext cx="0" cy="550579"/>
+          </a:xfrm>
+          <a:prstGeom prst="straightConnector1">
+            <a:avLst/>
+          </a:prstGeom>
+          <a:ln>
+            <a:tailEnd type="triangle"/>
+          </a:ln>
+        </p:spPr>
+        <p:style>
+          <a:lnRef idx="1">
+            <a:schemeClr val="accent1"/>
+          </a:lnRef>
+          <a:fillRef idx="0">
+            <a:schemeClr val="accent1"/>
+          </a:fillRef>
+          <a:effectRef idx="0">
+            <a:schemeClr val="accent1"/>
+          </a:effectRef>
+          <a:fontRef idx="minor">
+            <a:schemeClr val="tx1"/>
+          </a:fontRef>
+        </p:style>
+      </p:cxnSp>
     </p:spTree>
     <p:extLst>
       <p:ext uri="{BB962C8B-B14F-4D97-AF65-F5344CB8AC3E}">
-        <p14:creationId xmlns:p14="http://schemas.microsoft.com/office/powerpoint/2010/main" val="3250706191"/>
+        <p14:creationId xmlns:p14="http://schemas.microsoft.com/office/powerpoint/2010/main" val="2584096468"/>
       </p:ext>
     </p:extLst>
   </p:cSld>
@@ -4614,10 +4974,211 @@
       </p:grpSpPr>
       <p:sp>
         <p:nvSpPr>
+          <p:cNvPr id="2" name="Content Placeholder 1">
+            <a:extLst>
+              <a:ext uri="{FF2B5EF4-FFF2-40B4-BE49-F238E27FC236}">
+                <a16:creationId xmlns:a16="http://schemas.microsoft.com/office/drawing/2014/main" id="{93AD9ABE-1784-CA7F-BC04-7127D1289910}"/>
+              </a:ext>
+            </a:extLst>
+          </p:cNvPr>
+          <p:cNvSpPr>
+            <a:spLocks noGrp="1"/>
+          </p:cNvSpPr>
+          <p:nvPr>
+            <p:ph idx="1"/>
+          </p:nvPr>
+        </p:nvSpPr>
+        <p:spPr/>
+        <p:txBody>
+          <a:bodyPr/>
+          <a:lstStyle/>
+          <a:p>
+            <a:r>
+              <a:rPr lang="en-US" dirty="0"/>
+              <a:t>To Run SOA</a:t>
+            </a:r>
+          </a:p>
+          <a:p>
+            <a:pPr marL="342891" lvl="1" indent="0">
+              <a:buNone/>
+            </a:pPr>
+            <a:r>
+              <a:rPr lang="en-US" dirty="0"/>
+              <a:t>1. Create Repository (For SOA Configuration)</a:t>
+            </a:r>
+          </a:p>
+          <a:p>
+            <a:pPr lvl="2"/>
+            <a:r>
+              <a:rPr lang="en-US" dirty="0"/>
+              <a:t>Use </a:t>
+            </a:r>
+            <a:r>
+              <a:rPr lang="en-US" dirty="0" err="1"/>
+              <a:t>rcu</a:t>
+            </a:r>
+            <a:r>
+              <a:rPr lang="en-US" dirty="0"/>
+              <a:t> utility available under : will create a repository on provided DB(mostly oracle DB used)</a:t>
+            </a:r>
+          </a:p>
+          <a:p>
+            <a:pPr lvl="3"/>
+            <a:r>
+              <a:rPr lang="en-US" dirty="0"/>
+              <a:t>$WLS_HOME/</a:t>
+            </a:r>
+            <a:r>
+              <a:rPr lang="en-US" dirty="0" err="1"/>
+              <a:t>oracle_common</a:t>
+            </a:r>
+            <a:r>
+              <a:rPr lang="en-US" dirty="0"/>
+              <a:t>/bin/</a:t>
+            </a:r>
+            <a:r>
+              <a:rPr lang="en-US" dirty="0" err="1"/>
+              <a:t>rcu</a:t>
+            </a:r>
+            <a:endParaRPr lang="en-US" dirty="0"/>
+          </a:p>
+          <a:p>
+            <a:pPr lvl="4"/>
+            <a:r>
+              <a:rPr lang="en-US" dirty="0"/>
+              <a:t>Requires a database software to create needed repositories</a:t>
+            </a:r>
+          </a:p>
+          <a:p>
+            <a:pPr marL="693738" lvl="4" indent="-342900">
+              <a:buAutoNum type="arabicPeriod" startAt="2"/>
+            </a:pPr>
+            <a:r>
+              <a:rPr lang="en-US" dirty="0"/>
+              <a:t>Create Domain:</a:t>
+            </a:r>
+          </a:p>
+          <a:p>
+            <a:pPr marL="693738" lvl="4" indent="-342900"/>
+            <a:r>
+              <a:rPr lang="en-US" dirty="0"/>
+              <a:t>Using tool:</a:t>
+            </a:r>
+          </a:p>
+          <a:p>
+            <a:pPr marL="693738" lvl="4" indent="-342900"/>
+            <a:r>
+              <a:rPr lang="en-US" dirty="0"/>
+              <a:t> $WLS_HOME/</a:t>
+            </a:r>
+            <a:r>
+              <a:rPr lang="en-US" dirty="0" err="1"/>
+              <a:t>oracle_common</a:t>
+            </a:r>
+            <a:r>
+              <a:rPr lang="en-US" dirty="0"/>
+              <a:t>/common/bin/</a:t>
+            </a:r>
+            <a:r>
+              <a:rPr lang="en-US" dirty="0" err="1"/>
+              <a:t>config.sh</a:t>
+            </a:r>
+            <a:endParaRPr lang="en-US" dirty="0"/>
+          </a:p>
+          <a:p>
+            <a:pPr marL="693738" lvl="4" indent="-342900"/>
+            <a:endParaRPr lang="en-US" dirty="0"/>
+          </a:p>
+          <a:p>
+            <a:pPr marL="693738" lvl="4" indent="-342900"/>
+            <a:endParaRPr lang="en-US" dirty="0"/>
+          </a:p>
+          <a:p>
+            <a:pPr marL="350838" lvl="4" indent="0">
+              <a:buNone/>
+            </a:pPr>
+            <a:r>
+              <a:rPr lang="en-US" dirty="0"/>
+              <a:t>3. Check for Created Database Repositories</a:t>
+            </a:r>
+          </a:p>
+          <a:p>
+            <a:pPr marL="350838" lvl="4" indent="0">
+              <a:buNone/>
+            </a:pPr>
+            <a:r>
+              <a:rPr lang="en-US" dirty="0"/>
+              <a:t>	a. using oracle shell user:</a:t>
+            </a:r>
+          </a:p>
+          <a:p>
+            <a:pPr marL="350838" lvl="4" indent="0">
+              <a:buNone/>
+            </a:pPr>
+            <a:r>
+              <a:rPr lang="en-US" dirty="0"/>
+              <a:t>		</a:t>
+            </a:r>
+            <a:r>
+              <a:rPr lang="en-US" dirty="0" err="1"/>
+              <a:t>oracle_user_home</a:t>
+            </a:r>
+            <a:r>
+              <a:rPr lang="en-US" dirty="0"/>
+              <a:t>$ </a:t>
+            </a:r>
+            <a:r>
+              <a:rPr lang="en-US" dirty="0" err="1"/>
+              <a:t>sqlplus</a:t>
+            </a:r>
+            <a:r>
+              <a:rPr lang="en-US" dirty="0"/>
+              <a:t> / as </a:t>
+            </a:r>
+            <a:r>
+              <a:rPr lang="en-US" dirty="0" err="1"/>
+              <a:t>sysdba</a:t>
+            </a:r>
+            <a:r>
+              <a:rPr lang="en-US" dirty="0"/>
+              <a:t> </a:t>
+            </a:r>
+          </a:p>
+          <a:p>
+            <a:pPr marL="350838" lvl="4" indent="0">
+              <a:buNone/>
+            </a:pPr>
+            <a:r>
+              <a:rPr lang="en-US" dirty="0"/>
+              <a:t>	b. using oracle toad :</a:t>
+            </a:r>
+          </a:p>
+          <a:p>
+            <a:pPr marL="350838" lvl="4" indent="0">
+              <a:buNone/>
+            </a:pPr>
+            <a:r>
+              <a:rPr lang="en-US" dirty="0"/>
+              <a:t>		new session </a:t>
+            </a:r>
+          </a:p>
+          <a:p>
+            <a:pPr marL="350838" lvl="4" indent="0">
+              <a:buNone/>
+            </a:pPr>
+            <a:r>
+              <a:rPr lang="en-US" dirty="0"/>
+              <a:t>		make connection to database running on 10.19.10.161:1501</a:t>
+            </a:r>
+          </a:p>
+        </p:txBody>
+      </p:sp>
+      <p:sp>
+        <p:nvSpPr>
           <p:cNvPr id="3" name="Title 2">
             <a:extLst>
               <a:ext uri="{FF2B5EF4-FFF2-40B4-BE49-F238E27FC236}">
-                <a16:creationId xmlns:a16="http://schemas.microsoft.com/office/drawing/2014/main" id="{76563C6E-2FEA-4CD4-8C6B-68DE9E62A687}"/>
+                <a16:creationId xmlns:a16="http://schemas.microsoft.com/office/drawing/2014/main" id="{CA830A35-4A10-DF2D-389F-B26D7EB2AD06}"/>
               </a:ext>
             </a:extLst>
           </p:cNvPr>
@@ -4633,2112 +5194,14 @@
           <a:bodyPr/>
           <a:lstStyle/>
           <a:p>
-            <a:r>
-              <a:rPr lang="en-US" dirty="0"/>
-              <a:t>High Level Design </a:t>
-            </a:r>
-          </a:p>
-        </p:txBody>
-      </p:sp>
-      <p:sp>
-        <p:nvSpPr>
-          <p:cNvPr id="5" name="Rectangle 4">
-            <a:extLst>
-              <a:ext uri="{FF2B5EF4-FFF2-40B4-BE49-F238E27FC236}">
-                <a16:creationId xmlns:a16="http://schemas.microsoft.com/office/drawing/2014/main" id="{8FB83E20-80B3-4265-952F-141C1B2753AE}"/>
-              </a:ext>
-            </a:extLst>
-          </p:cNvPr>
-          <p:cNvSpPr/>
-          <p:nvPr/>
-        </p:nvSpPr>
-        <p:spPr>
-          <a:xfrm>
-            <a:off x="4277135" y="1432798"/>
-            <a:ext cx="1608667" cy="365760"/>
-          </a:xfrm>
-          <a:prstGeom prst="rect">
-            <a:avLst/>
-          </a:prstGeom>
-          <a:solidFill>
-            <a:schemeClr val="accent2"/>
-          </a:solidFill>
-          <a:ln>
-            <a:solidFill>
-              <a:schemeClr val="bg1"/>
-            </a:solidFill>
-          </a:ln>
-        </p:spPr>
-        <p:style>
-          <a:lnRef idx="0">
-            <a:scrgbClr r="0" g="0" b="0"/>
-          </a:lnRef>
-          <a:fillRef idx="0">
-            <a:scrgbClr r="0" g="0" b="0"/>
-          </a:fillRef>
-          <a:effectRef idx="0">
-            <a:scrgbClr r="0" g="0" b="0"/>
-          </a:effectRef>
-          <a:fontRef idx="minor">
-            <a:schemeClr val="lt1"/>
-          </a:fontRef>
-        </p:style>
-        <p:txBody>
-          <a:bodyPr wrap="square" rtlCol="0" anchor="ctr">
-            <a:noAutofit/>
-          </a:bodyPr>
-          <a:lstStyle/>
-          <a:p>
-            <a:pPr algn="ctr"/>
-            <a:r>
-              <a:rPr lang="en-US" sz="1400" dirty="0">
-                <a:solidFill>
-                  <a:schemeClr val="bg1"/>
-                </a:solidFill>
-              </a:rPr>
-              <a:t>API Manager</a:t>
-            </a:r>
-          </a:p>
-        </p:txBody>
-      </p:sp>
-      <p:sp>
-        <p:nvSpPr>
-          <p:cNvPr id="9" name="Rectangle 8">
-            <a:extLst>
-              <a:ext uri="{FF2B5EF4-FFF2-40B4-BE49-F238E27FC236}">
-                <a16:creationId xmlns:a16="http://schemas.microsoft.com/office/drawing/2014/main" id="{02BEAFA8-3A57-49AE-B604-107B61D6E6DD}"/>
-              </a:ext>
-            </a:extLst>
-          </p:cNvPr>
-          <p:cNvSpPr/>
-          <p:nvPr/>
-        </p:nvSpPr>
-        <p:spPr>
-          <a:xfrm>
-            <a:off x="6629401" y="3306307"/>
-            <a:ext cx="855136" cy="430599"/>
-          </a:xfrm>
-          <a:prstGeom prst="rect">
-            <a:avLst/>
-          </a:prstGeom>
-          <a:solidFill>
-            <a:schemeClr val="accent5"/>
-          </a:solidFill>
-          <a:ln>
-            <a:noFill/>
-          </a:ln>
-        </p:spPr>
-        <p:style>
-          <a:lnRef idx="0">
-            <a:scrgbClr r="0" g="0" b="0"/>
-          </a:lnRef>
-          <a:fillRef idx="0">
-            <a:scrgbClr r="0" g="0" b="0"/>
-          </a:fillRef>
-          <a:effectRef idx="0">
-            <a:scrgbClr r="0" g="0" b="0"/>
-          </a:effectRef>
-          <a:fontRef idx="minor">
-            <a:schemeClr val="lt1"/>
-          </a:fontRef>
-        </p:style>
-        <p:txBody>
-          <a:bodyPr wrap="square" rtlCol="0" anchor="ctr">
-            <a:noAutofit/>
-          </a:bodyPr>
-          <a:lstStyle/>
-          <a:p>
-            <a:pPr algn="ctr"/>
-            <a:r>
-              <a:rPr lang="en-US" sz="1400" dirty="0">
-                <a:solidFill>
-                  <a:schemeClr val="bg1"/>
-                </a:solidFill>
-              </a:rPr>
-              <a:t>GW 2</a:t>
-            </a:r>
-          </a:p>
-        </p:txBody>
-      </p:sp>
-      <p:sp>
-        <p:nvSpPr>
-          <p:cNvPr id="10" name="Rectangle 9">
-            <a:extLst>
-              <a:ext uri="{FF2B5EF4-FFF2-40B4-BE49-F238E27FC236}">
-                <a16:creationId xmlns:a16="http://schemas.microsoft.com/office/drawing/2014/main" id="{C08424FE-6765-4927-B89B-4CF42BF7A50F}"/>
-              </a:ext>
-            </a:extLst>
-          </p:cNvPr>
-          <p:cNvSpPr/>
-          <p:nvPr/>
-        </p:nvSpPr>
-        <p:spPr>
-          <a:xfrm>
-            <a:off x="6629401" y="2730574"/>
-            <a:ext cx="855136" cy="430599"/>
-          </a:xfrm>
-          <a:prstGeom prst="rect">
-            <a:avLst/>
-          </a:prstGeom>
-          <a:solidFill>
-            <a:schemeClr val="accent5"/>
-          </a:solidFill>
-          <a:ln>
-            <a:noFill/>
-          </a:ln>
-        </p:spPr>
-        <p:style>
-          <a:lnRef idx="0">
-            <a:scrgbClr r="0" g="0" b="0"/>
-          </a:lnRef>
-          <a:fillRef idx="0">
-            <a:scrgbClr r="0" g="0" b="0"/>
-          </a:fillRef>
-          <a:effectRef idx="0">
-            <a:scrgbClr r="0" g="0" b="0"/>
-          </a:effectRef>
-          <a:fontRef idx="minor">
-            <a:schemeClr val="lt1"/>
-          </a:fontRef>
-        </p:style>
-        <p:txBody>
-          <a:bodyPr wrap="square" rtlCol="0" anchor="ctr">
-            <a:noAutofit/>
-          </a:bodyPr>
-          <a:lstStyle/>
-          <a:p>
-            <a:pPr algn="ctr"/>
-            <a:r>
-              <a:rPr lang="en-US" sz="1400" dirty="0">
-                <a:solidFill>
-                  <a:schemeClr val="bg1"/>
-                </a:solidFill>
-              </a:rPr>
-              <a:t>GW 1</a:t>
-            </a:r>
-          </a:p>
-        </p:txBody>
-      </p:sp>
-      <p:sp>
-        <p:nvSpPr>
-          <p:cNvPr id="11" name="Rectangle 10">
-            <a:extLst>
-              <a:ext uri="{FF2B5EF4-FFF2-40B4-BE49-F238E27FC236}">
-                <a16:creationId xmlns:a16="http://schemas.microsoft.com/office/drawing/2014/main" id="{547D58F8-AA5A-4834-A6D2-A29EA3C52814}"/>
-              </a:ext>
-            </a:extLst>
-          </p:cNvPr>
-          <p:cNvSpPr/>
-          <p:nvPr/>
-        </p:nvSpPr>
-        <p:spPr>
-          <a:xfrm>
-            <a:off x="2291919" y="2155136"/>
-            <a:ext cx="1396999" cy="486215"/>
-          </a:xfrm>
-          <a:prstGeom prst="rect">
-            <a:avLst/>
-          </a:prstGeom>
-          <a:solidFill>
-            <a:schemeClr val="accent2"/>
-          </a:solidFill>
-          <a:ln>
-            <a:solidFill>
-              <a:schemeClr val="bg1"/>
-            </a:solidFill>
-          </a:ln>
-        </p:spPr>
-        <p:style>
-          <a:lnRef idx="0">
-            <a:scrgbClr r="0" g="0" b="0"/>
-          </a:lnRef>
-          <a:fillRef idx="0">
-            <a:scrgbClr r="0" g="0" b="0"/>
-          </a:fillRef>
-          <a:effectRef idx="0">
-            <a:scrgbClr r="0" g="0" b="0"/>
-          </a:effectRef>
-          <a:fontRef idx="minor">
-            <a:schemeClr val="lt1"/>
-          </a:fontRef>
-        </p:style>
-        <p:txBody>
-          <a:bodyPr wrap="square" rtlCol="0" anchor="ctr">
-            <a:noAutofit/>
-          </a:bodyPr>
-          <a:lstStyle/>
-          <a:p>
-            <a:pPr algn="ctr"/>
-            <a:r>
-              <a:rPr lang="en-US" sz="1200" dirty="0">
-                <a:solidFill>
-                  <a:schemeClr val="bg1"/>
-                </a:solidFill>
-              </a:rPr>
-              <a:t>Enterprise Service Integration</a:t>
-            </a:r>
-          </a:p>
-        </p:txBody>
-      </p:sp>
-      <p:sp>
-        <p:nvSpPr>
-          <p:cNvPr id="13" name="Flowchart: Magnetic Disk 12">
-            <a:extLst>
-              <a:ext uri="{FF2B5EF4-FFF2-40B4-BE49-F238E27FC236}">
-                <a16:creationId xmlns:a16="http://schemas.microsoft.com/office/drawing/2014/main" id="{313A3C40-AB5B-4D5B-A76F-3A833E1C5858}"/>
-              </a:ext>
-            </a:extLst>
-          </p:cNvPr>
-          <p:cNvSpPr/>
-          <p:nvPr/>
-        </p:nvSpPr>
-        <p:spPr>
-          <a:xfrm>
-            <a:off x="645370" y="4207819"/>
-            <a:ext cx="258785" cy="392675"/>
-          </a:xfrm>
-          <a:prstGeom prst="flowChartMagneticDisk">
-            <a:avLst/>
-          </a:prstGeom>
-          <a:solidFill>
-            <a:schemeClr val="accent3"/>
-          </a:solidFill>
-          <a:ln>
-            <a:solidFill>
-              <a:schemeClr val="bg1">
-                <a:lumMod val="95000"/>
-              </a:schemeClr>
-            </a:solidFill>
-          </a:ln>
-        </p:spPr>
-        <p:style>
-          <a:lnRef idx="0">
-            <a:scrgbClr r="0" g="0" b="0"/>
-          </a:lnRef>
-          <a:fillRef idx="0">
-            <a:scrgbClr r="0" g="0" b="0"/>
-          </a:fillRef>
-          <a:effectRef idx="0">
-            <a:scrgbClr r="0" g="0" b="0"/>
-          </a:effectRef>
-          <a:fontRef idx="minor">
-            <a:schemeClr val="lt1"/>
-          </a:fontRef>
-        </p:style>
-        <p:txBody>
-          <a:bodyPr wrap="square" rtlCol="0" anchor="ctr">
-            <a:noAutofit/>
-          </a:bodyPr>
-          <a:lstStyle/>
-          <a:p>
-            <a:pPr algn="ctr"/>
-            <a:endParaRPr lang="en-US" sz="1000" dirty="0">
-              <a:solidFill>
-                <a:schemeClr val="bg1"/>
-              </a:solidFill>
-            </a:endParaRPr>
-          </a:p>
-        </p:txBody>
-      </p:sp>
-      <p:sp>
-        <p:nvSpPr>
-          <p:cNvPr id="14" name="Flowchart: Magnetic Disk 13">
-            <a:extLst>
-              <a:ext uri="{FF2B5EF4-FFF2-40B4-BE49-F238E27FC236}">
-                <a16:creationId xmlns:a16="http://schemas.microsoft.com/office/drawing/2014/main" id="{2240017F-A3C4-48C5-840C-F1C6E1187B9A}"/>
-              </a:ext>
-            </a:extLst>
-          </p:cNvPr>
-          <p:cNvSpPr/>
-          <p:nvPr/>
-        </p:nvSpPr>
-        <p:spPr>
-          <a:xfrm>
-            <a:off x="941466" y="4207819"/>
-            <a:ext cx="258785" cy="392675"/>
-          </a:xfrm>
-          <a:prstGeom prst="flowChartMagneticDisk">
-            <a:avLst/>
-          </a:prstGeom>
-          <a:solidFill>
-            <a:schemeClr val="accent3"/>
-          </a:solidFill>
-          <a:ln>
-            <a:solidFill>
-              <a:schemeClr val="bg1">
-                <a:lumMod val="95000"/>
-              </a:schemeClr>
-            </a:solidFill>
-          </a:ln>
-        </p:spPr>
-        <p:style>
-          <a:lnRef idx="0">
-            <a:scrgbClr r="0" g="0" b="0"/>
-          </a:lnRef>
-          <a:fillRef idx="0">
-            <a:scrgbClr r="0" g="0" b="0"/>
-          </a:fillRef>
-          <a:effectRef idx="0">
-            <a:scrgbClr r="0" g="0" b="0"/>
-          </a:effectRef>
-          <a:fontRef idx="minor">
-            <a:schemeClr val="lt1"/>
-          </a:fontRef>
-        </p:style>
-        <p:txBody>
-          <a:bodyPr wrap="square" rtlCol="0" anchor="ctr">
-            <a:noAutofit/>
-          </a:bodyPr>
-          <a:lstStyle/>
-          <a:p>
-            <a:pPr algn="ctr"/>
-            <a:endParaRPr lang="en-US" sz="1000" dirty="0">
-              <a:solidFill>
-                <a:schemeClr val="bg1"/>
-              </a:solidFill>
-            </a:endParaRPr>
-          </a:p>
-        </p:txBody>
-      </p:sp>
-      <p:sp>
-        <p:nvSpPr>
-          <p:cNvPr id="15" name="Flowchart: Magnetic Disk 14">
-            <a:extLst>
-              <a:ext uri="{FF2B5EF4-FFF2-40B4-BE49-F238E27FC236}">
-                <a16:creationId xmlns:a16="http://schemas.microsoft.com/office/drawing/2014/main" id="{436FEC6A-DA21-47A2-8735-7DCFAAAE8B77}"/>
-              </a:ext>
-            </a:extLst>
-          </p:cNvPr>
-          <p:cNvSpPr/>
-          <p:nvPr/>
-        </p:nvSpPr>
-        <p:spPr>
-          <a:xfrm>
-            <a:off x="793537" y="4322647"/>
-            <a:ext cx="258785" cy="392675"/>
-          </a:xfrm>
-          <a:prstGeom prst="flowChartMagneticDisk">
-            <a:avLst/>
-          </a:prstGeom>
-          <a:solidFill>
-            <a:schemeClr val="accent3"/>
-          </a:solidFill>
-          <a:ln>
-            <a:solidFill>
-              <a:schemeClr val="bg1">
-                <a:lumMod val="95000"/>
-              </a:schemeClr>
-            </a:solidFill>
-          </a:ln>
-        </p:spPr>
-        <p:style>
-          <a:lnRef idx="0">
-            <a:scrgbClr r="0" g="0" b="0"/>
-          </a:lnRef>
-          <a:fillRef idx="0">
-            <a:scrgbClr r="0" g="0" b="0"/>
-          </a:fillRef>
-          <a:effectRef idx="0">
-            <a:scrgbClr r="0" g="0" b="0"/>
-          </a:effectRef>
-          <a:fontRef idx="minor">
-            <a:schemeClr val="lt1"/>
-          </a:fontRef>
-        </p:style>
-        <p:txBody>
-          <a:bodyPr wrap="square" rtlCol="0" anchor="ctr">
-            <a:noAutofit/>
-          </a:bodyPr>
-          <a:lstStyle/>
-          <a:p>
-            <a:pPr algn="ctr"/>
-            <a:endParaRPr lang="en-US" sz="1000" dirty="0">
-              <a:solidFill>
-                <a:schemeClr val="bg1"/>
-              </a:solidFill>
-            </a:endParaRPr>
-          </a:p>
-        </p:txBody>
-      </p:sp>
-      <p:sp>
-        <p:nvSpPr>
-          <p:cNvPr id="19" name="TextBox 18">
-            <a:extLst>
-              <a:ext uri="{FF2B5EF4-FFF2-40B4-BE49-F238E27FC236}">
-                <a16:creationId xmlns:a16="http://schemas.microsoft.com/office/drawing/2014/main" id="{C576D82D-AAB1-4158-AB5F-FBB8A82C092C}"/>
-              </a:ext>
-            </a:extLst>
-          </p:cNvPr>
-          <p:cNvSpPr txBox="1"/>
-          <p:nvPr/>
-        </p:nvSpPr>
-        <p:spPr>
-          <a:xfrm>
-            <a:off x="522592" y="4691650"/>
-            <a:ext cx="766492" cy="276999"/>
-          </a:xfrm>
-          <a:prstGeom prst="rect">
-            <a:avLst/>
-          </a:prstGeom>
-          <a:noFill/>
-        </p:spPr>
-        <p:txBody>
-          <a:bodyPr wrap="none" rtlCol="0">
-            <a:spAutoFit/>
-          </a:bodyPr>
-          <a:lstStyle/>
-          <a:p>
-            <a:r>
-              <a:rPr lang="en-US" sz="1200" dirty="0"/>
-              <a:t>Database</a:t>
-            </a:r>
-          </a:p>
-        </p:txBody>
-      </p:sp>
-      <p:pic>
-        <p:nvPicPr>
-          <p:cNvPr id="1026" name="Picture 2" descr="Iot Icon Png #64565 - Free Icons Library">
-            <a:extLst>
-              <a:ext uri="{FF2B5EF4-FFF2-40B4-BE49-F238E27FC236}">
-                <a16:creationId xmlns:a16="http://schemas.microsoft.com/office/drawing/2014/main" id="{FE8AB76A-9E8D-4C35-84B0-E580CFA36C17}"/>
-              </a:ext>
-            </a:extLst>
-          </p:cNvPr>
-          <p:cNvPicPr>
-            <a:picLocks noChangeAspect="1" noChangeArrowheads="1"/>
-          </p:cNvPicPr>
-          <p:nvPr/>
-        </p:nvPicPr>
-        <p:blipFill>
-          <a:blip r:embed="rId2">
-            <a:extLst>
-              <a:ext uri="{28A0092B-C50C-407E-A947-70E740481C1C}">
-                <a14:useLocalDpi xmlns:a14="http://schemas.microsoft.com/office/drawing/2010/main" val="0"/>
-              </a:ext>
-            </a:extLst>
-          </a:blip>
-          <a:srcRect/>
-          <a:stretch>
-            <a:fillRect/>
-          </a:stretch>
-        </p:blipFill>
-        <p:spPr bwMode="auto">
-          <a:xfrm>
-            <a:off x="8565624" y="2706189"/>
-            <a:ext cx="402891" cy="339879"/>
-          </a:xfrm>
-          <a:prstGeom prst="rect">
-            <a:avLst/>
-          </a:prstGeom>
-          <a:noFill/>
-          <a:extLst>
-            <a:ext uri="{909E8E84-426E-40DD-AFC4-6F175D3DCCD1}">
-              <a14:hiddenFill xmlns:a14="http://schemas.microsoft.com/office/drawing/2010/main">
-                <a:solidFill>
-                  <a:srgbClr val="FFFFFF"/>
-                </a:solidFill>
-              </a14:hiddenFill>
-            </a:ext>
-          </a:extLst>
-        </p:spPr>
-      </p:pic>
-      <p:pic>
-        <p:nvPicPr>
-          <p:cNvPr id="1036" name="Picture 12" descr="Application, custom, feature, program icon - Download on Iconfinder">
-            <a:extLst>
-              <a:ext uri="{FF2B5EF4-FFF2-40B4-BE49-F238E27FC236}">
-                <a16:creationId xmlns:a16="http://schemas.microsoft.com/office/drawing/2014/main" id="{7D2CB1CB-7382-4909-89FF-DFE6CF5DD958}"/>
-              </a:ext>
-            </a:extLst>
-          </p:cNvPr>
-          <p:cNvPicPr>
-            <a:picLocks noChangeAspect="1" noChangeArrowheads="1"/>
-          </p:cNvPicPr>
-          <p:nvPr/>
-        </p:nvPicPr>
-        <p:blipFill>
-          <a:blip r:embed="rId3">
-            <a:extLst>
-              <a:ext uri="{28A0092B-C50C-407E-A947-70E740481C1C}">
-                <a14:useLocalDpi xmlns:a14="http://schemas.microsoft.com/office/drawing/2010/main" val="0"/>
-              </a:ext>
-            </a:extLst>
-          </a:blip>
-          <a:srcRect/>
-          <a:stretch>
-            <a:fillRect/>
-          </a:stretch>
-        </p:blipFill>
-        <p:spPr bwMode="auto">
-          <a:xfrm>
-            <a:off x="8511315" y="3332994"/>
-            <a:ext cx="457200" cy="457200"/>
-          </a:xfrm>
-          <a:prstGeom prst="rect">
-            <a:avLst/>
-          </a:prstGeom>
-          <a:noFill/>
-          <a:extLst>
-            <a:ext uri="{909E8E84-426E-40DD-AFC4-6F175D3DCCD1}">
-              <a14:hiddenFill xmlns:a14="http://schemas.microsoft.com/office/drawing/2010/main">
-                <a:solidFill>
-                  <a:srgbClr val="FFFFFF"/>
-                </a:solidFill>
-              </a14:hiddenFill>
-            </a:ext>
-          </a:extLst>
-        </p:spPr>
-      </p:pic>
-      <p:pic>
-        <p:nvPicPr>
-          <p:cNvPr id="1040" name="Picture 16">
-            <a:extLst>
-              <a:ext uri="{FF2B5EF4-FFF2-40B4-BE49-F238E27FC236}">
-                <a16:creationId xmlns:a16="http://schemas.microsoft.com/office/drawing/2014/main" id="{5D71F208-4571-4A09-9AA0-F0EB08A0964B}"/>
-              </a:ext>
-            </a:extLst>
-          </p:cNvPr>
-          <p:cNvPicPr>
-            <a:picLocks noChangeAspect="1" noChangeArrowheads="1"/>
-          </p:cNvPicPr>
-          <p:nvPr/>
-        </p:nvPicPr>
-        <p:blipFill>
-          <a:blip r:embed="rId4">
-            <a:extLst>
-              <a:ext uri="{28A0092B-C50C-407E-A947-70E740481C1C}">
-                <a14:useLocalDpi xmlns:a14="http://schemas.microsoft.com/office/drawing/2010/main" val="0"/>
-              </a:ext>
-            </a:extLst>
-          </a:blip>
-          <a:srcRect/>
-          <a:stretch>
-            <a:fillRect/>
-          </a:stretch>
-        </p:blipFill>
-        <p:spPr bwMode="auto">
-          <a:xfrm>
-            <a:off x="8502745" y="4094161"/>
-            <a:ext cx="457200" cy="330382"/>
-          </a:xfrm>
-          <a:prstGeom prst="rect">
-            <a:avLst/>
-          </a:prstGeom>
-          <a:noFill/>
-          <a:extLst>
-            <a:ext uri="{909E8E84-426E-40DD-AFC4-6F175D3DCCD1}">
-              <a14:hiddenFill xmlns:a14="http://schemas.microsoft.com/office/drawing/2010/main">
-                <a:solidFill>
-                  <a:srgbClr val="FFFFFF"/>
-                </a:solidFill>
-              </a14:hiddenFill>
-            </a:ext>
-          </a:extLst>
-        </p:spPr>
-      </p:pic>
-      <p:cxnSp>
-        <p:nvCxnSpPr>
-          <p:cNvPr id="22" name="Straight Connector 21">
-            <a:extLst>
-              <a:ext uri="{FF2B5EF4-FFF2-40B4-BE49-F238E27FC236}">
-                <a16:creationId xmlns:a16="http://schemas.microsoft.com/office/drawing/2014/main" id="{1C51AB52-1749-442A-AE2A-04147B880AFF}"/>
-              </a:ext>
-            </a:extLst>
-          </p:cNvPr>
-          <p:cNvCxnSpPr>
-            <a:cxnSpLocks/>
-          </p:cNvCxnSpPr>
-          <p:nvPr/>
-        </p:nvCxnSpPr>
-        <p:spPr>
-          <a:xfrm>
-            <a:off x="8183587" y="1305227"/>
-            <a:ext cx="42249" cy="4817534"/>
-          </a:xfrm>
-          <a:prstGeom prst="line">
-            <a:avLst/>
-          </a:prstGeom>
-        </p:spPr>
-        <p:style>
-          <a:lnRef idx="1">
-            <a:schemeClr val="accent1"/>
-          </a:lnRef>
-          <a:fillRef idx="0">
-            <a:schemeClr val="accent1"/>
-          </a:fillRef>
-          <a:effectRef idx="0">
-            <a:schemeClr val="accent1"/>
-          </a:effectRef>
-          <a:fontRef idx="minor">
-            <a:schemeClr val="tx1"/>
-          </a:fontRef>
-        </p:style>
-      </p:cxnSp>
-      <p:pic>
-        <p:nvPicPr>
-          <p:cNvPr id="29" name="Graphic 28" descr="Cloud outline">
-            <a:extLst>
-              <a:ext uri="{FF2B5EF4-FFF2-40B4-BE49-F238E27FC236}">
-                <a16:creationId xmlns:a16="http://schemas.microsoft.com/office/drawing/2014/main" id="{3EFBABA6-D105-447A-9AB0-7A4B85DF8E89}"/>
-              </a:ext>
-            </a:extLst>
-          </p:cNvPr>
-          <p:cNvPicPr>
-            <a:picLocks noChangeAspect="1"/>
-          </p:cNvPicPr>
-          <p:nvPr/>
-        </p:nvPicPr>
-        <p:blipFill>
-          <a:blip r:embed="rId5">
-            <a:extLst>
-              <a:ext uri="{28A0092B-C50C-407E-A947-70E740481C1C}">
-                <a14:useLocalDpi xmlns:a14="http://schemas.microsoft.com/office/drawing/2010/main" val="0"/>
-              </a:ext>
-              <a:ext uri="{96DAC541-7B7A-43D3-8B79-37D633B846F1}">
-                <asvg:svgBlip xmlns:asvg="http://schemas.microsoft.com/office/drawing/2016/SVG/main" r:embed="rId6"/>
-              </a:ext>
-            </a:extLst>
-          </a:blip>
-          <a:stretch>
-            <a:fillRect/>
-          </a:stretch>
-        </p:blipFill>
-        <p:spPr>
-          <a:xfrm>
-            <a:off x="337831" y="2235835"/>
-            <a:ext cx="1243921" cy="1122542"/>
-          </a:xfrm>
-          <a:prstGeom prst="rect">
-            <a:avLst/>
-          </a:prstGeom>
-        </p:spPr>
-      </p:pic>
-      <p:sp>
-        <p:nvSpPr>
-          <p:cNvPr id="40" name="TextBox 39">
-            <a:extLst>
-              <a:ext uri="{FF2B5EF4-FFF2-40B4-BE49-F238E27FC236}">
-                <a16:creationId xmlns:a16="http://schemas.microsoft.com/office/drawing/2014/main" id="{DF9C0BA5-CDF4-46FD-8538-7D27B1C3B52A}"/>
-              </a:ext>
-            </a:extLst>
-          </p:cNvPr>
-          <p:cNvSpPr txBox="1"/>
-          <p:nvPr/>
-        </p:nvSpPr>
-        <p:spPr>
-          <a:xfrm>
-            <a:off x="414862" y="2650942"/>
-            <a:ext cx="1022432" cy="400110"/>
-          </a:xfrm>
-          <a:prstGeom prst="rect">
-            <a:avLst/>
-          </a:prstGeom>
-          <a:noFill/>
-        </p:spPr>
-        <p:txBody>
-          <a:bodyPr wrap="square" rtlCol="0">
-            <a:spAutoFit/>
-          </a:bodyPr>
-          <a:lstStyle/>
-          <a:p>
-            <a:pPr algn="ctr"/>
-            <a:r>
-              <a:rPr lang="en-US" sz="1000" dirty="0"/>
-              <a:t>Cloud Applications</a:t>
-            </a:r>
-          </a:p>
-        </p:txBody>
-      </p:sp>
-      <p:sp>
-        <p:nvSpPr>
-          <p:cNvPr id="32" name="Rectangle 31">
-            <a:extLst>
-              <a:ext uri="{FF2B5EF4-FFF2-40B4-BE49-F238E27FC236}">
-                <a16:creationId xmlns:a16="http://schemas.microsoft.com/office/drawing/2014/main" id="{17D40773-9E8E-4ED4-A036-9443F1052021}"/>
-              </a:ext>
-            </a:extLst>
-          </p:cNvPr>
-          <p:cNvSpPr/>
-          <p:nvPr/>
-        </p:nvSpPr>
-        <p:spPr>
-          <a:xfrm>
-            <a:off x="492442" y="3437704"/>
-            <a:ext cx="898048" cy="558609"/>
-          </a:xfrm>
-          <a:prstGeom prst="rect">
-            <a:avLst/>
-          </a:prstGeom>
-          <a:solidFill>
-            <a:schemeClr val="accent3"/>
-          </a:solidFill>
-          <a:ln>
-            <a:noFill/>
-          </a:ln>
-        </p:spPr>
-        <p:style>
-          <a:lnRef idx="0">
-            <a:scrgbClr r="0" g="0" b="0"/>
-          </a:lnRef>
-          <a:fillRef idx="0">
-            <a:scrgbClr r="0" g="0" b="0"/>
-          </a:fillRef>
-          <a:effectRef idx="0">
-            <a:scrgbClr r="0" g="0" b="0"/>
-          </a:effectRef>
-          <a:fontRef idx="minor">
-            <a:schemeClr val="lt1"/>
-          </a:fontRef>
-        </p:style>
-        <p:txBody>
-          <a:bodyPr wrap="square" rtlCol="0" anchor="ctr">
-            <a:noAutofit/>
-          </a:bodyPr>
-          <a:lstStyle/>
-          <a:p>
-            <a:pPr algn="ctr"/>
-            <a:r>
-              <a:rPr lang="en-US" sz="1000" dirty="0">
-                <a:solidFill>
-                  <a:schemeClr val="bg1"/>
-                </a:solidFill>
-              </a:rPr>
-              <a:t>On Premise Applications</a:t>
-            </a:r>
-          </a:p>
-        </p:txBody>
-      </p:sp>
-      <p:cxnSp>
-        <p:nvCxnSpPr>
-          <p:cNvPr id="34" name="Straight Connector 33">
-            <a:extLst>
-              <a:ext uri="{FF2B5EF4-FFF2-40B4-BE49-F238E27FC236}">
-                <a16:creationId xmlns:a16="http://schemas.microsoft.com/office/drawing/2014/main" id="{F2C6CBEF-DE05-420F-9072-9660A5C84579}"/>
-              </a:ext>
-            </a:extLst>
-          </p:cNvPr>
-          <p:cNvCxnSpPr>
-            <a:cxnSpLocks/>
-          </p:cNvCxnSpPr>
-          <p:nvPr/>
-        </p:nvCxnSpPr>
-        <p:spPr>
-          <a:xfrm>
-            <a:off x="6110481" y="1305227"/>
-            <a:ext cx="0" cy="4817534"/>
-          </a:xfrm>
-          <a:prstGeom prst="line">
-            <a:avLst/>
-          </a:prstGeom>
-        </p:spPr>
-        <p:style>
-          <a:lnRef idx="1">
-            <a:schemeClr val="accent1"/>
-          </a:lnRef>
-          <a:fillRef idx="0">
-            <a:schemeClr val="accent1"/>
-          </a:fillRef>
-          <a:effectRef idx="0">
-            <a:schemeClr val="accent1"/>
-          </a:effectRef>
-          <a:fontRef idx="minor">
-            <a:schemeClr val="tx1"/>
-          </a:fontRef>
-        </p:style>
-      </p:cxnSp>
-      <p:cxnSp>
-        <p:nvCxnSpPr>
-          <p:cNvPr id="44" name="Straight Connector 43">
-            <a:extLst>
-              <a:ext uri="{FF2B5EF4-FFF2-40B4-BE49-F238E27FC236}">
-                <a16:creationId xmlns:a16="http://schemas.microsoft.com/office/drawing/2014/main" id="{3C40A1BC-2BDF-4841-9D56-DC6850A39D07}"/>
-              </a:ext>
-            </a:extLst>
-          </p:cNvPr>
-          <p:cNvCxnSpPr>
-            <a:cxnSpLocks/>
-          </p:cNvCxnSpPr>
-          <p:nvPr/>
-        </p:nvCxnSpPr>
-        <p:spPr>
-          <a:xfrm>
-            <a:off x="4037374" y="1305227"/>
-            <a:ext cx="0" cy="4817534"/>
-          </a:xfrm>
-          <a:prstGeom prst="line">
-            <a:avLst/>
-          </a:prstGeom>
-        </p:spPr>
-        <p:style>
-          <a:lnRef idx="1">
-            <a:schemeClr val="accent1"/>
-          </a:lnRef>
-          <a:fillRef idx="0">
-            <a:schemeClr val="accent1"/>
-          </a:fillRef>
-          <a:effectRef idx="0">
-            <a:schemeClr val="accent1"/>
-          </a:effectRef>
-          <a:fontRef idx="minor">
-            <a:schemeClr val="tx1"/>
-          </a:fontRef>
-        </p:style>
-      </p:cxnSp>
-      <p:cxnSp>
-        <p:nvCxnSpPr>
-          <p:cNvPr id="45" name="Straight Connector 44">
-            <a:extLst>
-              <a:ext uri="{FF2B5EF4-FFF2-40B4-BE49-F238E27FC236}">
-                <a16:creationId xmlns:a16="http://schemas.microsoft.com/office/drawing/2014/main" id="{7BC29F1F-B6D3-4202-A3A1-87A2238BAD27}"/>
-              </a:ext>
-            </a:extLst>
-          </p:cNvPr>
-          <p:cNvCxnSpPr>
-            <a:cxnSpLocks/>
-          </p:cNvCxnSpPr>
-          <p:nvPr/>
-        </p:nvCxnSpPr>
-        <p:spPr>
-          <a:xfrm>
-            <a:off x="1964267" y="1305227"/>
-            <a:ext cx="0" cy="4817534"/>
-          </a:xfrm>
-          <a:prstGeom prst="line">
-            <a:avLst/>
-          </a:prstGeom>
-        </p:spPr>
-        <p:style>
-          <a:lnRef idx="1">
-            <a:schemeClr val="accent1"/>
-          </a:lnRef>
-          <a:fillRef idx="0">
-            <a:schemeClr val="accent1"/>
-          </a:fillRef>
-          <a:effectRef idx="0">
-            <a:schemeClr val="accent1"/>
-          </a:effectRef>
-          <a:fontRef idx="minor">
-            <a:schemeClr val="tx1"/>
-          </a:fontRef>
-        </p:style>
-      </p:cxnSp>
-      <p:sp>
-        <p:nvSpPr>
-          <p:cNvPr id="38" name="TextBox 37">
-            <a:extLst>
-              <a:ext uri="{FF2B5EF4-FFF2-40B4-BE49-F238E27FC236}">
-                <a16:creationId xmlns:a16="http://schemas.microsoft.com/office/drawing/2014/main" id="{854474C7-C985-48F7-9B57-C29E6E147E5E}"/>
-              </a:ext>
-            </a:extLst>
-          </p:cNvPr>
-          <p:cNvSpPr txBox="1"/>
-          <p:nvPr/>
-        </p:nvSpPr>
-        <p:spPr>
-          <a:xfrm>
-            <a:off x="150243" y="950353"/>
-            <a:ext cx="1645920" cy="276999"/>
-          </a:xfrm>
-          <a:prstGeom prst="rect">
-            <a:avLst/>
-          </a:prstGeom>
-          <a:noFill/>
-        </p:spPr>
-        <p:txBody>
-          <a:bodyPr wrap="none" rtlCol="0">
-            <a:spAutoFit/>
-          </a:bodyPr>
-          <a:lstStyle/>
-          <a:p>
-            <a:pPr algn="ctr"/>
-            <a:r>
-              <a:rPr lang="en-US" sz="1200" dirty="0"/>
-              <a:t>Enterprise Applications</a:t>
-            </a:r>
-          </a:p>
-        </p:txBody>
-      </p:sp>
-      <p:sp>
-        <p:nvSpPr>
-          <p:cNvPr id="49" name="TextBox 48">
-            <a:extLst>
-              <a:ext uri="{FF2B5EF4-FFF2-40B4-BE49-F238E27FC236}">
-                <a16:creationId xmlns:a16="http://schemas.microsoft.com/office/drawing/2014/main" id="{D3D8B159-E8E5-490B-8B42-A9ABD86AE52E}"/>
-              </a:ext>
-            </a:extLst>
-          </p:cNvPr>
-          <p:cNvSpPr txBox="1"/>
-          <p:nvPr/>
-        </p:nvSpPr>
-        <p:spPr>
-          <a:xfrm>
-            <a:off x="2407820" y="950353"/>
-            <a:ext cx="1238288" cy="276999"/>
-          </a:xfrm>
-          <a:prstGeom prst="rect">
-            <a:avLst/>
-          </a:prstGeom>
-          <a:noFill/>
-        </p:spPr>
-        <p:txBody>
-          <a:bodyPr wrap="none" rtlCol="0">
-            <a:spAutoFit/>
-          </a:bodyPr>
-          <a:lstStyle/>
-          <a:p>
-            <a:pPr algn="ctr"/>
-            <a:r>
-              <a:rPr lang="en-US" sz="1200" dirty="0"/>
-              <a:t>Integration Layer</a:t>
-            </a:r>
-          </a:p>
-        </p:txBody>
-      </p:sp>
-      <p:sp>
-        <p:nvSpPr>
-          <p:cNvPr id="50" name="TextBox 49">
-            <a:extLst>
-              <a:ext uri="{FF2B5EF4-FFF2-40B4-BE49-F238E27FC236}">
-                <a16:creationId xmlns:a16="http://schemas.microsoft.com/office/drawing/2014/main" id="{0C18E82E-B7AC-4F2B-9262-F3EB44E9D491}"/>
-              </a:ext>
-            </a:extLst>
-          </p:cNvPr>
-          <p:cNvSpPr txBox="1"/>
-          <p:nvPr/>
-        </p:nvSpPr>
-        <p:spPr>
-          <a:xfrm>
-            <a:off x="4258508" y="950353"/>
-            <a:ext cx="1645920" cy="276999"/>
-          </a:xfrm>
-          <a:prstGeom prst="rect">
-            <a:avLst/>
-          </a:prstGeom>
-          <a:noFill/>
-        </p:spPr>
-        <p:txBody>
-          <a:bodyPr wrap="none" rtlCol="0">
-            <a:spAutoFit/>
-          </a:bodyPr>
-          <a:lstStyle/>
-          <a:p>
-            <a:pPr algn="ctr"/>
-            <a:r>
-              <a:rPr lang="en-US" sz="1200" dirty="0"/>
-              <a:t>API Management Layer</a:t>
-            </a:r>
-          </a:p>
-        </p:txBody>
-      </p:sp>
-      <p:sp>
-        <p:nvSpPr>
-          <p:cNvPr id="51" name="TextBox 50">
-            <a:extLst>
-              <a:ext uri="{FF2B5EF4-FFF2-40B4-BE49-F238E27FC236}">
-                <a16:creationId xmlns:a16="http://schemas.microsoft.com/office/drawing/2014/main" id="{75F87D3D-30F9-442E-A65C-A18611DC3A67}"/>
-              </a:ext>
-            </a:extLst>
-          </p:cNvPr>
-          <p:cNvSpPr txBox="1"/>
-          <p:nvPr/>
-        </p:nvSpPr>
-        <p:spPr>
-          <a:xfrm>
-            <a:off x="6571606" y="950353"/>
-            <a:ext cx="1131593" cy="276999"/>
-          </a:xfrm>
-          <a:prstGeom prst="rect">
-            <a:avLst/>
-          </a:prstGeom>
-          <a:noFill/>
-        </p:spPr>
-        <p:txBody>
-          <a:bodyPr wrap="none" rtlCol="0">
-            <a:spAutoFit/>
-          </a:bodyPr>
-          <a:lstStyle/>
-          <a:p>
-            <a:pPr algn="ctr"/>
-            <a:r>
-              <a:rPr lang="en-US" sz="1200" dirty="0"/>
-              <a:t>Gateway/EDGE</a:t>
-            </a:r>
-          </a:p>
-        </p:txBody>
-      </p:sp>
-      <p:sp>
-        <p:nvSpPr>
-          <p:cNvPr id="39" name="TextBox 38">
-            <a:extLst>
-              <a:ext uri="{FF2B5EF4-FFF2-40B4-BE49-F238E27FC236}">
-                <a16:creationId xmlns:a16="http://schemas.microsoft.com/office/drawing/2014/main" id="{B61664B8-75AA-4F9A-95C1-5F0222BCE6A4}"/>
-              </a:ext>
-            </a:extLst>
-          </p:cNvPr>
-          <p:cNvSpPr txBox="1"/>
-          <p:nvPr/>
-        </p:nvSpPr>
-        <p:spPr>
-          <a:xfrm>
-            <a:off x="4200144" y="1798615"/>
-            <a:ext cx="1762649" cy="1115514"/>
-          </a:xfrm>
-          <a:prstGeom prst="rect">
-            <a:avLst/>
-          </a:prstGeom>
-          <a:noFill/>
-        </p:spPr>
-        <p:txBody>
-          <a:bodyPr wrap="none" rtlCol="0">
-            <a:noAutofit/>
-          </a:bodyPr>
-          <a:lstStyle/>
-          <a:p>
-            <a:pPr marL="171450" indent="-171450">
-              <a:buFont typeface="Arial" panose="020B0604020202020204" pitchFamily="34" charset="0"/>
-              <a:buChar char="•"/>
-            </a:pPr>
-            <a:r>
-              <a:rPr lang="en-US" sz="1000" dirty="0">
-                <a:solidFill>
-                  <a:schemeClr val="accent3">
-                    <a:lumMod val="50000"/>
-                  </a:schemeClr>
-                </a:solidFill>
-              </a:rPr>
-              <a:t>Micro Orchestration</a:t>
-            </a:r>
-          </a:p>
-          <a:p>
-            <a:pPr marL="171450" indent="-171450">
-              <a:buFont typeface="Arial" panose="020B0604020202020204" pitchFamily="34" charset="0"/>
-              <a:buChar char="•"/>
-            </a:pPr>
-            <a:r>
-              <a:rPr lang="en-US" sz="1000" dirty="0">
-                <a:solidFill>
-                  <a:schemeClr val="accent3">
-                    <a:lumMod val="50000"/>
-                  </a:schemeClr>
-                </a:solidFill>
-              </a:rPr>
-              <a:t>Throttling</a:t>
-            </a:r>
-          </a:p>
-          <a:p>
-            <a:pPr marL="171450" indent="-171450">
-              <a:buFont typeface="Arial" panose="020B0604020202020204" pitchFamily="34" charset="0"/>
-              <a:buChar char="•"/>
-            </a:pPr>
-            <a:r>
-              <a:rPr lang="en-US" sz="1000" dirty="0">
-                <a:solidFill>
-                  <a:schemeClr val="accent3">
-                    <a:lumMod val="50000"/>
-                  </a:schemeClr>
-                </a:solidFill>
-              </a:rPr>
-              <a:t>Traffic Management</a:t>
-            </a:r>
-          </a:p>
-          <a:p>
-            <a:pPr marL="171450" indent="-171450">
-              <a:buFont typeface="Arial" panose="020B0604020202020204" pitchFamily="34" charset="0"/>
-              <a:buChar char="•"/>
-            </a:pPr>
-            <a:r>
-              <a:rPr lang="en-US" sz="1000" dirty="0">
-                <a:solidFill>
-                  <a:schemeClr val="accent3">
-                    <a:lumMod val="50000"/>
-                  </a:schemeClr>
-                </a:solidFill>
-              </a:rPr>
-              <a:t>Mediation</a:t>
-            </a:r>
-          </a:p>
-          <a:p>
-            <a:pPr marL="171450" indent="-171450">
-              <a:buFont typeface="Arial" panose="020B0604020202020204" pitchFamily="34" charset="0"/>
-              <a:buChar char="•"/>
-            </a:pPr>
-            <a:r>
-              <a:rPr lang="en-US" sz="1000" dirty="0">
-                <a:solidFill>
-                  <a:schemeClr val="accent3">
-                    <a:lumMod val="50000"/>
-                  </a:schemeClr>
-                </a:solidFill>
-              </a:rPr>
-              <a:t>Authentication</a:t>
-            </a:r>
-          </a:p>
-          <a:p>
-            <a:pPr marL="171450" indent="-171450">
-              <a:buFont typeface="Arial" panose="020B0604020202020204" pitchFamily="34" charset="0"/>
-              <a:buChar char="•"/>
-            </a:pPr>
-            <a:r>
-              <a:rPr lang="en-US" sz="1000" dirty="0">
-                <a:solidFill>
-                  <a:schemeClr val="accent3">
-                    <a:lumMod val="50000"/>
-                  </a:schemeClr>
-                </a:solidFill>
-              </a:rPr>
-              <a:t>Authorization</a:t>
-            </a:r>
-          </a:p>
-          <a:p>
-            <a:pPr marL="171450" indent="-171450">
-              <a:buFont typeface="Arial" panose="020B0604020202020204" pitchFamily="34" charset="0"/>
-              <a:buChar char="•"/>
-            </a:pPr>
-            <a:r>
-              <a:rPr lang="en-US" sz="1000" dirty="0">
-                <a:solidFill>
-                  <a:schemeClr val="accent3">
-                    <a:lumMod val="50000"/>
-                  </a:schemeClr>
-                </a:solidFill>
-              </a:rPr>
-              <a:t>Service Metadata</a:t>
-            </a:r>
-          </a:p>
-          <a:p>
-            <a:pPr marL="171450" indent="-171450">
-              <a:buFont typeface="Arial" panose="020B0604020202020204" pitchFamily="34" charset="0"/>
-              <a:buChar char="•"/>
-            </a:pPr>
-            <a:endParaRPr lang="en-US" sz="1000" dirty="0">
-              <a:solidFill>
-                <a:schemeClr val="accent3">
-                  <a:lumMod val="50000"/>
-                </a:schemeClr>
-              </a:solidFill>
-            </a:endParaRPr>
-          </a:p>
-        </p:txBody>
-      </p:sp>
-      <p:sp>
-        <p:nvSpPr>
-          <p:cNvPr id="62" name="Rectangle 61">
-            <a:extLst>
-              <a:ext uri="{FF2B5EF4-FFF2-40B4-BE49-F238E27FC236}">
-                <a16:creationId xmlns:a16="http://schemas.microsoft.com/office/drawing/2014/main" id="{40D51FA9-A17F-4864-841B-4677BB5C315E}"/>
-              </a:ext>
-            </a:extLst>
-          </p:cNvPr>
-          <p:cNvSpPr/>
-          <p:nvPr/>
-        </p:nvSpPr>
-        <p:spPr>
-          <a:xfrm>
-            <a:off x="4277135" y="3554026"/>
-            <a:ext cx="1608667" cy="365760"/>
-          </a:xfrm>
-          <a:prstGeom prst="rect">
-            <a:avLst/>
-          </a:prstGeom>
-          <a:solidFill>
-            <a:schemeClr val="accent2"/>
-          </a:solidFill>
-          <a:ln>
-            <a:solidFill>
-              <a:schemeClr val="bg1"/>
-            </a:solidFill>
-          </a:ln>
-        </p:spPr>
-        <p:style>
-          <a:lnRef idx="0">
-            <a:scrgbClr r="0" g="0" b="0"/>
-          </a:lnRef>
-          <a:fillRef idx="0">
-            <a:scrgbClr r="0" g="0" b="0"/>
-          </a:fillRef>
-          <a:effectRef idx="0">
-            <a:scrgbClr r="0" g="0" b="0"/>
-          </a:effectRef>
-          <a:fontRef idx="minor">
-            <a:schemeClr val="lt1"/>
-          </a:fontRef>
-        </p:style>
-        <p:txBody>
-          <a:bodyPr wrap="square" rtlCol="0" anchor="ctr">
-            <a:noAutofit/>
-          </a:bodyPr>
-          <a:lstStyle/>
-          <a:p>
-            <a:pPr algn="ctr"/>
-            <a:r>
-              <a:rPr lang="en-US" sz="1400" dirty="0">
-                <a:solidFill>
-                  <a:schemeClr val="bg1"/>
-                </a:solidFill>
-              </a:rPr>
-              <a:t>Analytics Services</a:t>
-            </a:r>
-          </a:p>
-        </p:txBody>
-      </p:sp>
-      <p:sp>
-        <p:nvSpPr>
-          <p:cNvPr id="63" name="TextBox 62">
-            <a:extLst>
-              <a:ext uri="{FF2B5EF4-FFF2-40B4-BE49-F238E27FC236}">
-                <a16:creationId xmlns:a16="http://schemas.microsoft.com/office/drawing/2014/main" id="{5E2BEE51-FE9A-4E97-B13F-9D531CE3B009}"/>
-              </a:ext>
-            </a:extLst>
-          </p:cNvPr>
-          <p:cNvSpPr txBox="1"/>
-          <p:nvPr/>
-        </p:nvSpPr>
-        <p:spPr>
-          <a:xfrm>
-            <a:off x="4200143" y="4034299"/>
-            <a:ext cx="1762649" cy="569730"/>
-          </a:xfrm>
-          <a:prstGeom prst="rect">
-            <a:avLst/>
-          </a:prstGeom>
-          <a:noFill/>
-        </p:spPr>
-        <p:txBody>
-          <a:bodyPr wrap="none" rtlCol="0">
-            <a:noAutofit/>
-          </a:bodyPr>
-          <a:lstStyle/>
-          <a:p>
-            <a:pPr marL="171450" indent="-171450">
-              <a:buFont typeface="Arial" panose="020B0604020202020204" pitchFamily="34" charset="0"/>
-              <a:buChar char="•"/>
-            </a:pPr>
-            <a:r>
-              <a:rPr lang="en-US" sz="1000" dirty="0">
-                <a:solidFill>
-                  <a:schemeClr val="accent3">
-                    <a:lumMod val="50000"/>
-                  </a:schemeClr>
-                </a:solidFill>
-              </a:rPr>
-              <a:t>Real Time Monitoring</a:t>
-            </a:r>
-          </a:p>
-          <a:p>
-            <a:pPr marL="171450" indent="-171450">
-              <a:buFont typeface="Arial" panose="020B0604020202020204" pitchFamily="34" charset="0"/>
-              <a:buChar char="•"/>
-            </a:pPr>
-            <a:r>
-              <a:rPr lang="en-US" sz="1000" dirty="0">
-                <a:solidFill>
-                  <a:schemeClr val="accent3">
-                    <a:lumMod val="50000"/>
-                  </a:schemeClr>
-                </a:solidFill>
-              </a:rPr>
-              <a:t>Historic Traffic Analytics</a:t>
-            </a:r>
-          </a:p>
-          <a:p>
-            <a:pPr marL="171450" indent="-171450">
-              <a:buFont typeface="Arial" panose="020B0604020202020204" pitchFamily="34" charset="0"/>
-              <a:buChar char="•"/>
-            </a:pPr>
-            <a:r>
-              <a:rPr lang="en-US" sz="1000" dirty="0">
-                <a:solidFill>
-                  <a:schemeClr val="accent3">
-                    <a:lumMod val="50000"/>
-                  </a:schemeClr>
-                </a:solidFill>
-              </a:rPr>
-              <a:t>Deep Log Observability</a:t>
-            </a:r>
-          </a:p>
-        </p:txBody>
-      </p:sp>
-      <p:sp>
-        <p:nvSpPr>
-          <p:cNvPr id="65" name="TextBox 64">
-            <a:extLst>
-              <a:ext uri="{FF2B5EF4-FFF2-40B4-BE49-F238E27FC236}">
-                <a16:creationId xmlns:a16="http://schemas.microsoft.com/office/drawing/2014/main" id="{8805FD69-48A8-4373-BD2E-60E90084D8B1}"/>
-              </a:ext>
-            </a:extLst>
-          </p:cNvPr>
-          <p:cNvSpPr txBox="1"/>
-          <p:nvPr/>
-        </p:nvSpPr>
-        <p:spPr>
-          <a:xfrm>
-            <a:off x="6298408" y="4504164"/>
-            <a:ext cx="1762649" cy="1001998"/>
-          </a:xfrm>
-          <a:prstGeom prst="rect">
-            <a:avLst/>
-          </a:prstGeom>
-          <a:noFill/>
-        </p:spPr>
-        <p:txBody>
-          <a:bodyPr wrap="none" rtlCol="0">
-            <a:noAutofit/>
-          </a:bodyPr>
-          <a:lstStyle/>
-          <a:p>
-            <a:pPr marL="171450" indent="-171450">
-              <a:buFont typeface="Arial" panose="020B0604020202020204" pitchFamily="34" charset="0"/>
-              <a:buChar char="•"/>
-            </a:pPr>
-            <a:r>
-              <a:rPr lang="en-US" sz="1000" dirty="0">
-                <a:solidFill>
-                  <a:schemeClr val="accent3">
-                    <a:lumMod val="50000"/>
-                  </a:schemeClr>
-                </a:solidFill>
-              </a:rPr>
-              <a:t>High Availability</a:t>
-            </a:r>
-          </a:p>
-          <a:p>
-            <a:pPr marL="171450" indent="-171450">
-              <a:buFont typeface="Arial" panose="020B0604020202020204" pitchFamily="34" charset="0"/>
-              <a:buChar char="•"/>
-            </a:pPr>
-            <a:r>
-              <a:rPr lang="en-US" sz="1000" dirty="0">
-                <a:solidFill>
-                  <a:schemeClr val="accent3">
-                    <a:lumMod val="50000"/>
-                  </a:schemeClr>
-                </a:solidFill>
-              </a:rPr>
-              <a:t>Load Balancing</a:t>
-            </a:r>
-          </a:p>
-          <a:p>
-            <a:pPr marL="171450" indent="-171450">
-              <a:buFont typeface="Arial" panose="020B0604020202020204" pitchFamily="34" charset="0"/>
-              <a:buChar char="•"/>
-            </a:pPr>
-            <a:r>
-              <a:rPr lang="en-US" sz="1000" dirty="0">
-                <a:solidFill>
-                  <a:schemeClr val="accent3">
-                    <a:lumMod val="50000"/>
-                  </a:schemeClr>
-                </a:solidFill>
-              </a:rPr>
-              <a:t>Reverse Proxy</a:t>
-            </a:r>
-          </a:p>
-          <a:p>
-            <a:pPr marL="171450" indent="-171450">
-              <a:buFont typeface="Arial" panose="020B0604020202020204" pitchFamily="34" charset="0"/>
-              <a:buChar char="•"/>
-            </a:pPr>
-            <a:r>
-              <a:rPr lang="en-US" sz="1000" dirty="0">
-                <a:solidFill>
-                  <a:schemeClr val="accent3">
-                    <a:lumMod val="50000"/>
-                  </a:schemeClr>
-                </a:solidFill>
-              </a:rPr>
-              <a:t>Access Management</a:t>
-            </a:r>
-          </a:p>
-          <a:p>
-            <a:pPr marL="171450" indent="-171450">
-              <a:buFont typeface="Arial" panose="020B0604020202020204" pitchFamily="34" charset="0"/>
-              <a:buChar char="•"/>
-            </a:pPr>
-            <a:r>
-              <a:rPr lang="en-US" sz="1000" dirty="0">
-                <a:solidFill>
-                  <a:schemeClr val="accent3">
-                    <a:lumMod val="50000"/>
-                  </a:schemeClr>
-                </a:solidFill>
-              </a:rPr>
-              <a:t>Performance Acceleration</a:t>
-            </a:r>
-          </a:p>
-          <a:p>
-            <a:pPr marL="171450" indent="-171450">
-              <a:buFont typeface="Arial" panose="020B0604020202020204" pitchFamily="34" charset="0"/>
-              <a:buChar char="•"/>
-            </a:pPr>
-            <a:r>
-              <a:rPr lang="en-US" sz="1000" dirty="0">
-                <a:solidFill>
-                  <a:schemeClr val="accent3">
-                    <a:lumMod val="50000"/>
-                  </a:schemeClr>
-                </a:solidFill>
-              </a:rPr>
-              <a:t>Location Specific Delivery</a:t>
-            </a:r>
-          </a:p>
-        </p:txBody>
-      </p:sp>
-      <p:sp>
-        <p:nvSpPr>
-          <p:cNvPr id="66" name="TextBox 65">
-            <a:extLst>
-              <a:ext uri="{FF2B5EF4-FFF2-40B4-BE49-F238E27FC236}">
-                <a16:creationId xmlns:a16="http://schemas.microsoft.com/office/drawing/2014/main" id="{6BC46586-BD8C-493C-B5AC-650A16CB2D99}"/>
-              </a:ext>
-            </a:extLst>
-          </p:cNvPr>
-          <p:cNvSpPr txBox="1"/>
-          <p:nvPr/>
-        </p:nvSpPr>
-        <p:spPr>
-          <a:xfrm>
-            <a:off x="2109094" y="2658981"/>
-            <a:ext cx="1762649" cy="854236"/>
-          </a:xfrm>
-          <a:prstGeom prst="rect">
-            <a:avLst/>
-          </a:prstGeom>
-          <a:noFill/>
-        </p:spPr>
-        <p:txBody>
-          <a:bodyPr wrap="none" rtlCol="0">
-            <a:noAutofit/>
-          </a:bodyPr>
-          <a:lstStyle/>
-          <a:p>
-            <a:pPr marL="171450" indent="-171450">
-              <a:buFont typeface="Arial" panose="020B0604020202020204" pitchFamily="34" charset="0"/>
-              <a:buChar char="•"/>
-            </a:pPr>
-            <a:r>
-              <a:rPr lang="en-US" sz="1000" dirty="0">
-                <a:solidFill>
-                  <a:schemeClr val="accent3">
-                    <a:lumMod val="50000"/>
-                  </a:schemeClr>
-                </a:solidFill>
-              </a:rPr>
-              <a:t>Service Orchestration</a:t>
-            </a:r>
-          </a:p>
-          <a:p>
-            <a:pPr marL="171450" indent="-171450">
-              <a:buFont typeface="Arial" panose="020B0604020202020204" pitchFamily="34" charset="0"/>
-              <a:buChar char="•"/>
-            </a:pPr>
-            <a:r>
-              <a:rPr lang="en-US" sz="1000" dirty="0">
-                <a:solidFill>
-                  <a:schemeClr val="accent3">
-                    <a:lumMod val="50000"/>
-                  </a:schemeClr>
-                </a:solidFill>
-              </a:rPr>
-              <a:t>Message Queuing</a:t>
-            </a:r>
-          </a:p>
-          <a:p>
-            <a:pPr marL="171450" indent="-171450">
-              <a:buFont typeface="Arial" panose="020B0604020202020204" pitchFamily="34" charset="0"/>
-              <a:buChar char="•"/>
-            </a:pPr>
-            <a:r>
-              <a:rPr lang="en-US" sz="900" dirty="0">
-                <a:solidFill>
-                  <a:schemeClr val="accent3">
-                    <a:lumMod val="50000"/>
-                  </a:schemeClr>
-                </a:solidFill>
-              </a:rPr>
-              <a:t>Business Process Orchestration</a:t>
-            </a:r>
-          </a:p>
-          <a:p>
-            <a:pPr marL="171450" indent="-171450">
-              <a:buFont typeface="Arial" panose="020B0604020202020204" pitchFamily="34" charset="0"/>
-              <a:buChar char="•"/>
-            </a:pPr>
-            <a:r>
-              <a:rPr lang="en-US" sz="1000" dirty="0">
-                <a:solidFill>
-                  <a:schemeClr val="accent3">
-                    <a:lumMod val="50000"/>
-                  </a:schemeClr>
-                </a:solidFill>
-              </a:rPr>
-              <a:t>Microservice Applications</a:t>
-            </a:r>
-          </a:p>
-          <a:p>
-            <a:pPr marL="171450" indent="-171450">
-              <a:buFont typeface="Arial" panose="020B0604020202020204" pitchFamily="34" charset="0"/>
-              <a:buChar char="•"/>
-            </a:pPr>
-            <a:r>
-              <a:rPr lang="en-US" sz="1000" dirty="0">
-                <a:solidFill>
-                  <a:schemeClr val="accent3">
-                    <a:lumMod val="50000"/>
-                  </a:schemeClr>
-                </a:solidFill>
-              </a:rPr>
-              <a:t>Database Connectivity</a:t>
-            </a:r>
-          </a:p>
-          <a:p>
-            <a:pPr marL="171450" indent="-171450">
-              <a:buFont typeface="Arial" panose="020B0604020202020204" pitchFamily="34" charset="0"/>
-              <a:buChar char="•"/>
-            </a:pPr>
-            <a:endParaRPr lang="en-US" sz="900" dirty="0">
-              <a:solidFill>
-                <a:schemeClr val="accent3">
-                  <a:lumMod val="50000"/>
-                </a:schemeClr>
-              </a:solidFill>
-            </a:endParaRPr>
-          </a:p>
-        </p:txBody>
-      </p:sp>
-      <p:sp>
-        <p:nvSpPr>
-          <p:cNvPr id="68" name="Rectangle 67">
-            <a:extLst>
-              <a:ext uri="{FF2B5EF4-FFF2-40B4-BE49-F238E27FC236}">
-                <a16:creationId xmlns:a16="http://schemas.microsoft.com/office/drawing/2014/main" id="{65A78A72-BA3A-4296-89DB-605E008A1E29}"/>
-              </a:ext>
-            </a:extLst>
-          </p:cNvPr>
-          <p:cNvSpPr/>
-          <p:nvPr/>
-        </p:nvSpPr>
-        <p:spPr>
-          <a:xfrm>
-            <a:off x="2291919" y="3815319"/>
-            <a:ext cx="1396999" cy="486215"/>
-          </a:xfrm>
-          <a:prstGeom prst="rect">
-            <a:avLst/>
-          </a:prstGeom>
-          <a:solidFill>
-            <a:schemeClr val="accent2"/>
-          </a:solidFill>
-          <a:ln>
-            <a:solidFill>
-              <a:schemeClr val="bg1"/>
-            </a:solidFill>
-          </a:ln>
-        </p:spPr>
-        <p:style>
-          <a:lnRef idx="0">
-            <a:scrgbClr r="0" g="0" b="0"/>
-          </a:lnRef>
-          <a:fillRef idx="0">
-            <a:scrgbClr r="0" g="0" b="0"/>
-          </a:fillRef>
-          <a:effectRef idx="0">
-            <a:scrgbClr r="0" g="0" b="0"/>
-          </a:effectRef>
-          <a:fontRef idx="minor">
-            <a:schemeClr val="lt1"/>
-          </a:fontRef>
-        </p:style>
-        <p:txBody>
-          <a:bodyPr wrap="square" rtlCol="0" anchor="ctr">
-            <a:noAutofit/>
-          </a:bodyPr>
-          <a:lstStyle/>
-          <a:p>
-            <a:pPr algn="ctr"/>
-            <a:r>
-              <a:rPr lang="en-US" sz="1200" dirty="0">
-                <a:solidFill>
-                  <a:schemeClr val="bg1"/>
-                </a:solidFill>
-              </a:rPr>
-              <a:t>Data Repository</a:t>
-            </a:r>
-          </a:p>
-        </p:txBody>
-      </p:sp>
-      <p:sp>
-        <p:nvSpPr>
-          <p:cNvPr id="69" name="TextBox 68">
-            <a:extLst>
-              <a:ext uri="{FF2B5EF4-FFF2-40B4-BE49-F238E27FC236}">
-                <a16:creationId xmlns:a16="http://schemas.microsoft.com/office/drawing/2014/main" id="{DCEE9687-3184-4233-867F-BC9161CB8FC0}"/>
-              </a:ext>
-            </a:extLst>
-          </p:cNvPr>
-          <p:cNvSpPr txBox="1"/>
-          <p:nvPr/>
-        </p:nvSpPr>
-        <p:spPr>
-          <a:xfrm>
-            <a:off x="2109094" y="4319164"/>
-            <a:ext cx="1762649" cy="854236"/>
-          </a:xfrm>
-          <a:prstGeom prst="rect">
-            <a:avLst/>
-          </a:prstGeom>
-          <a:noFill/>
-        </p:spPr>
-        <p:txBody>
-          <a:bodyPr wrap="none" rtlCol="0">
-            <a:noAutofit/>
-          </a:bodyPr>
-          <a:lstStyle/>
-          <a:p>
-            <a:pPr marL="171450" indent="-171450">
-              <a:buFont typeface="Arial" panose="020B0604020202020204" pitchFamily="34" charset="0"/>
-              <a:buChar char="•"/>
-            </a:pPr>
-            <a:r>
-              <a:rPr lang="en-US" sz="1000" dirty="0">
-                <a:solidFill>
-                  <a:schemeClr val="accent3">
-                    <a:lumMod val="50000"/>
-                  </a:schemeClr>
-                </a:solidFill>
-              </a:rPr>
-              <a:t>Local Data Storage</a:t>
-            </a:r>
-          </a:p>
-          <a:p>
-            <a:pPr marL="171450" indent="-171450">
-              <a:buFont typeface="Arial" panose="020B0604020202020204" pitchFamily="34" charset="0"/>
-              <a:buChar char="•"/>
-            </a:pPr>
-            <a:r>
-              <a:rPr lang="en-US" sz="1000" dirty="0">
-                <a:solidFill>
-                  <a:schemeClr val="accent3">
-                    <a:lumMod val="50000"/>
-                  </a:schemeClr>
-                </a:solidFill>
-              </a:rPr>
-              <a:t>Caching Mechanisms</a:t>
-            </a:r>
-          </a:p>
-          <a:p>
-            <a:pPr marL="171450" indent="-171450">
-              <a:buFont typeface="Arial" panose="020B0604020202020204" pitchFamily="34" charset="0"/>
-              <a:buChar char="•"/>
-            </a:pPr>
-            <a:r>
-              <a:rPr lang="en-US" sz="1000" dirty="0">
-                <a:solidFill>
-                  <a:schemeClr val="accent3">
-                    <a:lumMod val="50000"/>
-                  </a:schemeClr>
-                </a:solidFill>
-              </a:rPr>
-              <a:t>In-Memory Store</a:t>
-            </a:r>
-          </a:p>
-          <a:p>
-            <a:pPr marL="171450" indent="-171450">
-              <a:buFont typeface="Arial" panose="020B0604020202020204" pitchFamily="34" charset="0"/>
-              <a:buChar char="•"/>
-            </a:pPr>
-            <a:r>
-              <a:rPr lang="en-US" sz="1000" dirty="0">
-                <a:solidFill>
-                  <a:schemeClr val="accent3">
-                    <a:lumMod val="50000"/>
-                  </a:schemeClr>
-                </a:solidFill>
-              </a:rPr>
-              <a:t>Master Data Correlations</a:t>
-            </a:r>
-          </a:p>
-          <a:p>
-            <a:pPr marL="171450" indent="-171450">
-              <a:buFont typeface="Arial" panose="020B0604020202020204" pitchFamily="34" charset="0"/>
-              <a:buChar char="•"/>
-            </a:pPr>
-            <a:r>
-              <a:rPr lang="en-US" sz="1000" dirty="0">
-                <a:solidFill>
-                  <a:schemeClr val="accent3">
-                    <a:lumMod val="50000"/>
-                  </a:schemeClr>
-                </a:solidFill>
-              </a:rPr>
-              <a:t>Application Specific Data Store</a:t>
-            </a:r>
-            <a:endParaRPr lang="en-US" sz="900" dirty="0">
-              <a:solidFill>
-                <a:schemeClr val="accent3">
-                  <a:lumMod val="50000"/>
-                </a:schemeClr>
-              </a:solidFill>
-            </a:endParaRPr>
-          </a:p>
-        </p:txBody>
-      </p:sp>
-      <p:sp>
-        <p:nvSpPr>
-          <p:cNvPr id="70" name="TextBox 69">
-            <a:extLst>
-              <a:ext uri="{FF2B5EF4-FFF2-40B4-BE49-F238E27FC236}">
-                <a16:creationId xmlns:a16="http://schemas.microsoft.com/office/drawing/2014/main" id="{E2D43F80-E18A-4119-B991-540E1C592497}"/>
-              </a:ext>
-            </a:extLst>
-          </p:cNvPr>
-          <p:cNvSpPr txBox="1"/>
-          <p:nvPr/>
-        </p:nvSpPr>
-        <p:spPr>
-          <a:xfrm>
-            <a:off x="8236561" y="950353"/>
-            <a:ext cx="907439" cy="276999"/>
-          </a:xfrm>
-          <a:prstGeom prst="rect">
-            <a:avLst/>
-          </a:prstGeom>
-          <a:noFill/>
-        </p:spPr>
-        <p:txBody>
-          <a:bodyPr wrap="square" rtlCol="0">
-            <a:spAutoFit/>
-          </a:bodyPr>
-          <a:lstStyle/>
-          <a:p>
-            <a:pPr algn="ctr"/>
-            <a:r>
-              <a:rPr lang="en-US" sz="1200" dirty="0"/>
-              <a:t>Consumers</a:t>
-            </a:r>
-          </a:p>
-        </p:txBody>
-      </p:sp>
-      <p:sp>
-        <p:nvSpPr>
-          <p:cNvPr id="71" name="Arrow: Left-Right 70">
-            <a:extLst>
-              <a:ext uri="{FF2B5EF4-FFF2-40B4-BE49-F238E27FC236}">
-                <a16:creationId xmlns:a16="http://schemas.microsoft.com/office/drawing/2014/main" id="{B3B50061-1EA4-4A95-99E8-ECEC27844E7F}"/>
-              </a:ext>
-            </a:extLst>
-          </p:cNvPr>
-          <p:cNvSpPr/>
-          <p:nvPr/>
-        </p:nvSpPr>
-        <p:spPr>
-          <a:xfrm>
-            <a:off x="1767499" y="3443549"/>
-            <a:ext cx="417040" cy="236574"/>
-          </a:xfrm>
-          <a:prstGeom prst="leftRightArrow">
-            <a:avLst/>
-          </a:prstGeom>
-          <a:solidFill>
-            <a:schemeClr val="dk1"/>
-          </a:solidFill>
-          <a:ln>
-            <a:noFill/>
-          </a:ln>
-        </p:spPr>
-        <p:style>
-          <a:lnRef idx="0">
-            <a:scrgbClr r="0" g="0" b="0"/>
-          </a:lnRef>
-          <a:fillRef idx="0">
-            <a:scrgbClr r="0" g="0" b="0"/>
-          </a:fillRef>
-          <a:effectRef idx="0">
-            <a:scrgbClr r="0" g="0" b="0"/>
-          </a:effectRef>
-          <a:fontRef idx="minor">
-            <a:schemeClr val="lt1"/>
-          </a:fontRef>
-        </p:style>
-        <p:txBody>
-          <a:bodyPr wrap="square" rtlCol="0" anchor="ctr">
-            <a:spAutoFit/>
-          </a:bodyPr>
-          <a:lstStyle/>
-          <a:p>
-            <a:pPr algn="justLow"/>
-            <a:endParaRPr lang="en-US" dirty="0">
-              <a:solidFill>
-                <a:schemeClr val="bg1"/>
-              </a:solidFill>
-            </a:endParaRPr>
-          </a:p>
-        </p:txBody>
-      </p:sp>
-      <p:sp>
-        <p:nvSpPr>
-          <p:cNvPr id="72" name="Arrow: Left-Right 71">
-            <a:extLst>
-              <a:ext uri="{FF2B5EF4-FFF2-40B4-BE49-F238E27FC236}">
-                <a16:creationId xmlns:a16="http://schemas.microsoft.com/office/drawing/2014/main" id="{D7AD0C2E-09F0-45A9-BBDC-13AF042E40C4}"/>
-              </a:ext>
-            </a:extLst>
-          </p:cNvPr>
-          <p:cNvSpPr/>
-          <p:nvPr/>
-        </p:nvSpPr>
-        <p:spPr>
-          <a:xfrm>
-            <a:off x="8001037" y="3409869"/>
-            <a:ext cx="417040" cy="236574"/>
-          </a:xfrm>
-          <a:prstGeom prst="leftRightArrow">
-            <a:avLst/>
-          </a:prstGeom>
-          <a:solidFill>
-            <a:schemeClr val="dk1"/>
-          </a:solidFill>
-          <a:ln>
-            <a:noFill/>
-          </a:ln>
-        </p:spPr>
-        <p:style>
-          <a:lnRef idx="0">
-            <a:scrgbClr r="0" g="0" b="0"/>
-          </a:lnRef>
-          <a:fillRef idx="0">
-            <a:scrgbClr r="0" g="0" b="0"/>
-          </a:fillRef>
-          <a:effectRef idx="0">
-            <a:scrgbClr r="0" g="0" b="0"/>
-          </a:effectRef>
-          <a:fontRef idx="minor">
-            <a:schemeClr val="lt1"/>
-          </a:fontRef>
-        </p:style>
-        <p:txBody>
-          <a:bodyPr wrap="square" rtlCol="0" anchor="ctr">
-            <a:spAutoFit/>
-          </a:bodyPr>
-          <a:lstStyle/>
-          <a:p>
-            <a:pPr algn="justLow"/>
-            <a:endParaRPr lang="en-US" dirty="0">
-              <a:solidFill>
-                <a:schemeClr val="bg1"/>
-              </a:solidFill>
-            </a:endParaRPr>
-          </a:p>
-        </p:txBody>
-      </p:sp>
-      <p:pic>
-        <p:nvPicPr>
-          <p:cNvPr id="42" name="Picture 41">
-            <a:extLst>
-              <a:ext uri="{FF2B5EF4-FFF2-40B4-BE49-F238E27FC236}">
-                <a16:creationId xmlns:a16="http://schemas.microsoft.com/office/drawing/2014/main" id="{8FEC25B9-50FD-4D44-99D2-82033143B604}"/>
-              </a:ext>
-            </a:extLst>
-          </p:cNvPr>
-          <p:cNvPicPr>
-            <a:picLocks noChangeAspect="1"/>
-          </p:cNvPicPr>
-          <p:nvPr/>
-        </p:nvPicPr>
-        <p:blipFill>
-          <a:blip r:embed="rId7"/>
-          <a:stretch>
-            <a:fillRect/>
-          </a:stretch>
-        </p:blipFill>
-        <p:spPr>
-          <a:xfrm>
-            <a:off x="4258508" y="4842666"/>
-            <a:ext cx="914400" cy="487236"/>
-          </a:xfrm>
-          <a:prstGeom prst="rect">
-            <a:avLst/>
-          </a:prstGeom>
-        </p:spPr>
-      </p:pic>
-      <p:pic>
-        <p:nvPicPr>
-          <p:cNvPr id="43" name="Picture 16" descr="Nginx Logo SVG Vector (3.63 KB) Download Free - CDNLOGO">
-            <a:extLst>
-              <a:ext uri="{FF2B5EF4-FFF2-40B4-BE49-F238E27FC236}">
-                <a16:creationId xmlns:a16="http://schemas.microsoft.com/office/drawing/2014/main" id="{766D2AAB-9EB5-4D79-B34F-4C39707AE869}"/>
-              </a:ext>
-            </a:extLst>
-          </p:cNvPr>
-          <p:cNvPicPr>
-            <a:picLocks noChangeAspect="1" noChangeArrowheads="1"/>
-          </p:cNvPicPr>
-          <p:nvPr/>
-        </p:nvPicPr>
-        <p:blipFill>
-          <a:blip r:embed="rId8">
-            <a:extLst>
-              <a:ext uri="{28A0092B-C50C-407E-A947-70E740481C1C}">
-                <a14:useLocalDpi xmlns:a14="http://schemas.microsoft.com/office/drawing/2010/main" val="0"/>
-              </a:ext>
-            </a:extLst>
-          </a:blip>
-          <a:srcRect/>
-          <a:stretch>
-            <a:fillRect/>
-          </a:stretch>
-        </p:blipFill>
-        <p:spPr bwMode="auto">
-          <a:xfrm>
-            <a:off x="6831243" y="5655630"/>
-            <a:ext cx="614649" cy="479135"/>
-          </a:xfrm>
-          <a:prstGeom prst="rect">
-            <a:avLst/>
-          </a:prstGeom>
-          <a:noFill/>
-          <a:extLst>
-            <a:ext uri="{909E8E84-426E-40DD-AFC4-6F175D3DCCD1}">
-              <a14:hiddenFill xmlns:a14="http://schemas.microsoft.com/office/drawing/2010/main">
-                <a:solidFill>
-                  <a:srgbClr val="FFFFFF"/>
-                </a:solidFill>
-              </a14:hiddenFill>
-            </a:ext>
-          </a:extLst>
-        </p:spPr>
-      </p:pic>
-      <p:pic>
-        <p:nvPicPr>
-          <p:cNvPr id="46" name="Picture 2" descr="Elk Stack Logo PNG Image | Transparent PNG Free Download on SeekPNG">
-            <a:extLst>
-              <a:ext uri="{FF2B5EF4-FFF2-40B4-BE49-F238E27FC236}">
-                <a16:creationId xmlns:a16="http://schemas.microsoft.com/office/drawing/2014/main" id="{2C5266CA-4F78-480E-80E9-D36DA9E2BA08}"/>
-              </a:ext>
-            </a:extLst>
-          </p:cNvPr>
-          <p:cNvPicPr>
-            <a:picLocks noChangeAspect="1" noChangeArrowheads="1"/>
-          </p:cNvPicPr>
-          <p:nvPr/>
-        </p:nvPicPr>
-        <p:blipFill>
-          <a:blip r:embed="rId9">
-            <a:extLst>
-              <a:ext uri="{28A0092B-C50C-407E-A947-70E740481C1C}">
-                <a14:useLocalDpi xmlns:a14="http://schemas.microsoft.com/office/drawing/2010/main" val="0"/>
-              </a:ext>
-            </a:extLst>
-          </a:blip>
-          <a:srcRect/>
-          <a:stretch>
-            <a:fillRect/>
-          </a:stretch>
-        </p:blipFill>
-        <p:spPr bwMode="auto">
-          <a:xfrm>
-            <a:off x="5113496" y="5329902"/>
-            <a:ext cx="657197" cy="264483"/>
-          </a:xfrm>
-          <a:prstGeom prst="rect">
-            <a:avLst/>
-          </a:prstGeom>
-          <a:noFill/>
-          <a:extLst>
-            <a:ext uri="{909E8E84-426E-40DD-AFC4-6F175D3DCCD1}">
-              <a14:hiddenFill xmlns:a14="http://schemas.microsoft.com/office/drawing/2010/main">
-                <a:solidFill>
-                  <a:srgbClr val="FFFFFF"/>
-                </a:solidFill>
-              </a14:hiddenFill>
-            </a:ext>
-          </a:extLst>
-        </p:spPr>
-      </p:pic>
-      <p:pic>
-        <p:nvPicPr>
-          <p:cNvPr id="41" name="Picture 40">
-            <a:extLst>
-              <a:ext uri="{FF2B5EF4-FFF2-40B4-BE49-F238E27FC236}">
-                <a16:creationId xmlns:a16="http://schemas.microsoft.com/office/drawing/2014/main" id="{BC9054DA-6F5E-4A6D-B209-3F60EA97E136}"/>
-              </a:ext>
-            </a:extLst>
-          </p:cNvPr>
-          <p:cNvPicPr>
-            <a:picLocks noChangeAspect="1"/>
-          </p:cNvPicPr>
-          <p:nvPr/>
-        </p:nvPicPr>
-        <p:blipFill>
-          <a:blip r:embed="rId10"/>
-          <a:stretch>
-            <a:fillRect/>
-          </a:stretch>
-        </p:blipFill>
-        <p:spPr>
-          <a:xfrm>
-            <a:off x="2102811" y="5245173"/>
-            <a:ext cx="1142234" cy="380744"/>
-          </a:xfrm>
-          <a:prstGeom prst="rect">
-            <a:avLst/>
-          </a:prstGeom>
-        </p:spPr>
-      </p:pic>
-      <p:sp>
-        <p:nvSpPr>
-          <p:cNvPr id="2" name="Rectangle 1">
-            <a:extLst>
-              <a:ext uri="{FF2B5EF4-FFF2-40B4-BE49-F238E27FC236}">
-                <a16:creationId xmlns:a16="http://schemas.microsoft.com/office/drawing/2014/main" id="{B2659ED7-396B-417D-BD4C-D7B065E6DDFE}"/>
-              </a:ext>
-            </a:extLst>
-          </p:cNvPr>
-          <p:cNvSpPr/>
-          <p:nvPr/>
-        </p:nvSpPr>
-        <p:spPr>
-          <a:xfrm>
-            <a:off x="4200144" y="1305227"/>
-            <a:ext cx="1762649" cy="1842718"/>
-          </a:xfrm>
-          <a:prstGeom prst="rect">
-            <a:avLst/>
-          </a:prstGeom>
-          <a:noFill/>
-        </p:spPr>
-        <p:style>
-          <a:lnRef idx="2">
-            <a:schemeClr val="accent6"/>
-          </a:lnRef>
-          <a:fillRef idx="1">
-            <a:schemeClr val="lt1"/>
-          </a:fillRef>
-          <a:effectRef idx="0">
-            <a:schemeClr val="accent6"/>
-          </a:effectRef>
-          <a:fontRef idx="minor">
-            <a:schemeClr val="dk1"/>
-          </a:fontRef>
-        </p:style>
-        <p:txBody>
-          <a:bodyPr wrap="square" rtlCol="0" anchor="ctr">
-            <a:spAutoFit/>
-          </a:bodyPr>
-          <a:lstStyle/>
-          <a:p>
-            <a:pPr algn="justLow"/>
-            <a:endParaRPr lang="en-US" dirty="0">
-              <a:solidFill>
-                <a:schemeClr val="bg1"/>
-              </a:solidFill>
-            </a:endParaRPr>
+            <a:endParaRPr lang="en-US" dirty="0"/>
           </a:p>
         </p:txBody>
       </p:sp>
     </p:spTree>
     <p:extLst>
       <p:ext uri="{BB962C8B-B14F-4D97-AF65-F5344CB8AC3E}">
-        <p14:creationId xmlns:p14="http://schemas.microsoft.com/office/powerpoint/2010/main" val="3246785978"/>
+        <p14:creationId xmlns:p14="http://schemas.microsoft.com/office/powerpoint/2010/main" val="3643621602"/>
       </p:ext>
     </p:extLst>
   </p:cSld>
@@ -6765,118 +5228,28 @@
           <a:chExt cx="0" cy="0"/>
         </a:xfrm>
       </p:grpSpPr>
-      <p:cxnSp>
-        <p:nvCxnSpPr>
-          <p:cNvPr id="88" name="Straight Arrow Connector 87">
-            <a:extLst>
-              <a:ext uri="{FF2B5EF4-FFF2-40B4-BE49-F238E27FC236}">
-                <a16:creationId xmlns:a16="http://schemas.microsoft.com/office/drawing/2014/main" id="{6022D458-9AAE-EE88-C7B2-01C322AC3049}"/>
-              </a:ext>
-            </a:extLst>
-          </p:cNvPr>
-          <p:cNvCxnSpPr>
-            <a:cxnSpLocks/>
-            <a:stCxn id="83" idx="4"/>
-            <a:endCxn id="8" idx="0"/>
-          </p:cNvCxnSpPr>
-          <p:nvPr/>
-        </p:nvCxnSpPr>
-        <p:spPr>
-          <a:xfrm>
-            <a:off x="5460864" y="3122859"/>
-            <a:ext cx="1" cy="1266811"/>
-          </a:xfrm>
-          <a:prstGeom prst="straightConnector1">
-            <a:avLst/>
-          </a:prstGeom>
-          <a:ln>
-            <a:tailEnd type="triangle"/>
-          </a:ln>
-        </p:spPr>
-        <p:style>
-          <a:lnRef idx="1">
-            <a:schemeClr val="accent4"/>
-          </a:lnRef>
-          <a:fillRef idx="0">
-            <a:schemeClr val="accent4"/>
-          </a:fillRef>
-          <a:effectRef idx="0">
-            <a:schemeClr val="accent4"/>
-          </a:effectRef>
-          <a:fontRef idx="minor">
-            <a:schemeClr val="tx1"/>
-          </a:fontRef>
-        </p:style>
-      </p:cxnSp>
       <p:sp>
         <p:nvSpPr>
-          <p:cNvPr id="7" name="Rectangle 6">
-            <a:extLst>
-              <a:ext uri="{FF2B5EF4-FFF2-40B4-BE49-F238E27FC236}">
-                <a16:creationId xmlns:a16="http://schemas.microsoft.com/office/drawing/2014/main" id="{F68167F2-5A50-4495-B7CE-7FE5B3646960}"/>
-              </a:ext>
-            </a:extLst>
-          </p:cNvPr>
-          <p:cNvSpPr/>
-          <p:nvPr/>
+          <p:cNvPr id="2" name="Content Placeholder 1">
+            <a:extLst>
+              <a:ext uri="{FF2B5EF4-FFF2-40B4-BE49-F238E27FC236}">
+                <a16:creationId xmlns:a16="http://schemas.microsoft.com/office/drawing/2014/main" id="{927144B9-DB58-7BE2-3737-25E5EEF2290F}"/>
+              </a:ext>
+            </a:extLst>
+          </p:cNvPr>
+          <p:cNvSpPr>
+            <a:spLocks noGrp="1"/>
+          </p:cNvSpPr>
+          <p:nvPr>
+            <p:ph idx="1"/>
+          </p:nvPr>
         </p:nvSpPr>
-        <p:spPr>
-          <a:xfrm>
-            <a:off x="4865987" y="3540003"/>
-            <a:ext cx="1189755" cy="625302"/>
-          </a:xfrm>
-          <a:prstGeom prst="rect">
-            <a:avLst/>
-          </a:prstGeom>
-          <a:solidFill>
-            <a:srgbClr val="FFC000"/>
-          </a:solidFill>
-          <a:ln>
-            <a:noFill/>
-          </a:ln>
-        </p:spPr>
-        <p:style>
-          <a:lnRef idx="0">
-            <a:scrgbClr r="0" g="0" b="0"/>
-          </a:lnRef>
-          <a:fillRef idx="0">
-            <a:scrgbClr r="0" g="0" b="0"/>
-          </a:fillRef>
-          <a:effectRef idx="0">
-            <a:scrgbClr r="0" g="0" b="0"/>
-          </a:effectRef>
-          <a:fontRef idx="minor">
-            <a:schemeClr val="lt1"/>
-          </a:fontRef>
-        </p:style>
+        <p:spPr/>
         <p:txBody>
-          <a:bodyPr wrap="square" rtlCol="0" anchor="ctr">
-            <a:noAutofit/>
-          </a:bodyPr>
+          <a:bodyPr/>
           <a:lstStyle/>
           <a:p>
-            <a:pPr algn="ctr"/>
-            <a:r>
-              <a:rPr lang="en-US" sz="1400" b="1" dirty="0">
-                <a:solidFill>
-                  <a:schemeClr val="tx1"/>
-                </a:solidFill>
-                <a:latin typeface="Sitka Display" pitchFamily="2" charset="0"/>
-              </a:rPr>
-              <a:t>WSO2 N1</a:t>
-            </a:r>
-          </a:p>
-          <a:p>
-            <a:pPr algn="ctr"/>
-            <a:r>
-              <a:rPr lang="en-US" sz="1400" b="1" dirty="0">
-                <a:solidFill>
-                  <a:schemeClr val="tx1"/>
-                </a:solidFill>
-                <a:latin typeface="Sitka Display" pitchFamily="2" charset="0"/>
-              </a:rPr>
-              <a:t>10.19.10.165</a:t>
-            </a:r>
+            <a:endParaRPr lang="en-US"/>
           </a:p>
         </p:txBody>
       </p:sp>
@@ -6885,7 +5258,7 @@
           <p:cNvPr id="3" name="Title 2">
             <a:extLst>
               <a:ext uri="{FF2B5EF4-FFF2-40B4-BE49-F238E27FC236}">
-                <a16:creationId xmlns:a16="http://schemas.microsoft.com/office/drawing/2014/main" id="{8F4D80B0-6448-4597-B3BD-A3A2D9BDD306}"/>
+                <a16:creationId xmlns:a16="http://schemas.microsoft.com/office/drawing/2014/main" id="{2C71EE65-5AB5-3A37-205B-C7AA7104C748}"/>
               </a:ext>
             </a:extLst>
           </p:cNvPr>
@@ -6898,1480 +5271,17 @@
         </p:nvSpPr>
         <p:spPr/>
         <p:txBody>
-          <a:bodyPr>
-            <a:noAutofit/>
-          </a:bodyPr>
+          <a:bodyPr/>
           <a:lstStyle/>
           <a:p>
-            <a:r>
-              <a:rPr lang="en-US" sz="1400" dirty="0"/>
-              <a:t>Low Level Design</a:t>
-            </a:r>
-          </a:p>
-        </p:txBody>
-      </p:sp>
-      <p:sp>
-        <p:nvSpPr>
-          <p:cNvPr id="4" name="Rectangle 3">
-            <a:extLst>
-              <a:ext uri="{FF2B5EF4-FFF2-40B4-BE49-F238E27FC236}">
-                <a16:creationId xmlns:a16="http://schemas.microsoft.com/office/drawing/2014/main" id="{CE97925F-2709-4F62-AACB-DEFA51AF02D1}"/>
-              </a:ext>
-            </a:extLst>
-          </p:cNvPr>
-          <p:cNvSpPr/>
-          <p:nvPr/>
-        </p:nvSpPr>
-        <p:spPr>
-          <a:xfrm>
-            <a:off x="2351193" y="3347328"/>
-            <a:ext cx="1481659" cy="547041"/>
-          </a:xfrm>
-          <a:prstGeom prst="rect">
-            <a:avLst/>
-          </a:prstGeom>
-          <a:solidFill>
-            <a:schemeClr val="accent3">
-              <a:lumMod val="75000"/>
-            </a:schemeClr>
-          </a:solidFill>
-          <a:ln>
-            <a:noFill/>
-          </a:ln>
-        </p:spPr>
-        <p:style>
-          <a:lnRef idx="0">
-            <a:scrgbClr r="0" g="0" b="0"/>
-          </a:lnRef>
-          <a:fillRef idx="0">
-            <a:scrgbClr r="0" g="0" b="0"/>
-          </a:fillRef>
-          <a:effectRef idx="0">
-            <a:scrgbClr r="0" g="0" b="0"/>
-          </a:effectRef>
-          <a:fontRef idx="minor">
-            <a:schemeClr val="lt1"/>
-          </a:fontRef>
-        </p:style>
-        <p:txBody>
-          <a:bodyPr wrap="square" rtlCol="0" anchor="ctr">
-            <a:noAutofit/>
-          </a:bodyPr>
-          <a:lstStyle/>
-          <a:p>
-            <a:pPr algn="ctr"/>
-            <a:r>
-              <a:rPr lang="en-US" sz="1400" dirty="0">
-                <a:solidFill>
-                  <a:schemeClr val="bg1"/>
-                </a:solidFill>
-                <a:latin typeface="Sitka Display" pitchFamily="2" charset="0"/>
-              </a:rPr>
-              <a:t>SOA Worker N1</a:t>
-            </a:r>
-          </a:p>
-          <a:p>
-            <a:pPr algn="ctr"/>
-            <a:r>
-              <a:rPr lang="en-US" sz="1400" b="1" dirty="0">
-                <a:solidFill>
-                  <a:schemeClr val="bg1"/>
-                </a:solidFill>
-                <a:latin typeface="Sitka Display" pitchFamily="2" charset="0"/>
-              </a:rPr>
-              <a:t>10.19.10.162</a:t>
-            </a:r>
-          </a:p>
-        </p:txBody>
-      </p:sp>
-      <p:sp>
-        <p:nvSpPr>
-          <p:cNvPr id="8" name="Rectangle 7">
-            <a:extLst>
-              <a:ext uri="{FF2B5EF4-FFF2-40B4-BE49-F238E27FC236}">
-                <a16:creationId xmlns:a16="http://schemas.microsoft.com/office/drawing/2014/main" id="{CD94A444-352E-42C9-8BC6-4ACBE4A6BE2B}"/>
-              </a:ext>
-            </a:extLst>
-          </p:cNvPr>
-          <p:cNvSpPr/>
-          <p:nvPr/>
-        </p:nvSpPr>
-        <p:spPr>
-          <a:xfrm>
-            <a:off x="4865987" y="4389670"/>
-            <a:ext cx="1189755" cy="661735"/>
-          </a:xfrm>
-          <a:prstGeom prst="rect">
-            <a:avLst/>
-          </a:prstGeom>
-          <a:solidFill>
-            <a:srgbClr val="FFC000"/>
-          </a:solidFill>
-          <a:ln>
-            <a:noFill/>
-          </a:ln>
-        </p:spPr>
-        <p:style>
-          <a:lnRef idx="0">
-            <a:scrgbClr r="0" g="0" b="0"/>
-          </a:lnRef>
-          <a:fillRef idx="0">
-            <a:scrgbClr r="0" g="0" b="0"/>
-          </a:fillRef>
-          <a:effectRef idx="0">
-            <a:scrgbClr r="0" g="0" b="0"/>
-          </a:effectRef>
-          <a:fontRef idx="minor">
-            <a:schemeClr val="lt1"/>
-          </a:fontRef>
-        </p:style>
-        <p:txBody>
-          <a:bodyPr wrap="square" rtlCol="0" anchor="ctr">
-            <a:noAutofit/>
-          </a:bodyPr>
-          <a:lstStyle/>
-          <a:p>
-            <a:pPr algn="ctr"/>
-            <a:r>
-              <a:rPr lang="en-US" sz="1400" b="1" dirty="0">
-                <a:solidFill>
-                  <a:schemeClr val="tx1"/>
-                </a:solidFill>
-                <a:latin typeface="Sitka Display" pitchFamily="2" charset="0"/>
-              </a:rPr>
-              <a:t>WSO2 N2</a:t>
-            </a:r>
-          </a:p>
-          <a:p>
-            <a:pPr algn="ctr"/>
-            <a:r>
-              <a:rPr lang="en-US" sz="1400" b="1" dirty="0">
-                <a:solidFill>
-                  <a:schemeClr val="tx1"/>
-                </a:solidFill>
-                <a:latin typeface="Sitka Display" pitchFamily="2" charset="0"/>
-              </a:rPr>
-              <a:t>10.19.10.166</a:t>
-            </a:r>
-          </a:p>
-        </p:txBody>
-      </p:sp>
-      <p:sp>
-        <p:nvSpPr>
-          <p:cNvPr id="9" name="Rectangle 8">
-            <a:extLst>
-              <a:ext uri="{FF2B5EF4-FFF2-40B4-BE49-F238E27FC236}">
-                <a16:creationId xmlns:a16="http://schemas.microsoft.com/office/drawing/2014/main" id="{62332E74-A311-4F5B-89E9-53E180616708}"/>
-              </a:ext>
-            </a:extLst>
-          </p:cNvPr>
-          <p:cNvSpPr/>
-          <p:nvPr/>
-        </p:nvSpPr>
-        <p:spPr>
-          <a:xfrm>
-            <a:off x="6736307" y="3541082"/>
-            <a:ext cx="1189755" cy="624223"/>
-          </a:xfrm>
-          <a:prstGeom prst="rect">
-            <a:avLst/>
-          </a:prstGeom>
-          <a:solidFill>
-            <a:srgbClr val="00B050"/>
-          </a:solidFill>
-          <a:ln>
-            <a:noFill/>
-          </a:ln>
-        </p:spPr>
-        <p:style>
-          <a:lnRef idx="0">
-            <a:scrgbClr r="0" g="0" b="0"/>
-          </a:lnRef>
-          <a:fillRef idx="0">
-            <a:scrgbClr r="0" g="0" b="0"/>
-          </a:fillRef>
-          <a:effectRef idx="0">
-            <a:scrgbClr r="0" g="0" b="0"/>
-          </a:effectRef>
-          <a:fontRef idx="minor">
-            <a:schemeClr val="lt1"/>
-          </a:fontRef>
-        </p:style>
-        <p:txBody>
-          <a:bodyPr wrap="square" rtlCol="0" anchor="ctr">
-            <a:noAutofit/>
-          </a:bodyPr>
-          <a:lstStyle/>
-          <a:p>
-            <a:pPr algn="ctr"/>
-            <a:r>
-              <a:rPr lang="en-US" sz="1400" dirty="0">
-                <a:solidFill>
-                  <a:schemeClr val="bg1"/>
-                </a:solidFill>
-                <a:latin typeface="Sitka Display" pitchFamily="2" charset="0"/>
-              </a:rPr>
-              <a:t>Nginx Edge1</a:t>
-            </a:r>
-          </a:p>
-          <a:p>
-            <a:pPr algn="ctr"/>
-            <a:r>
-              <a:rPr lang="en-US" sz="1400" dirty="0">
-                <a:solidFill>
-                  <a:schemeClr val="bg1"/>
-                </a:solidFill>
-                <a:latin typeface="Sitka Display" pitchFamily="2" charset="0"/>
-              </a:rPr>
-              <a:t>10.19.10.168</a:t>
-            </a:r>
-          </a:p>
-        </p:txBody>
-      </p:sp>
-      <p:sp>
-        <p:nvSpPr>
-          <p:cNvPr id="12" name="Rectangle 11">
-            <a:extLst>
-              <a:ext uri="{FF2B5EF4-FFF2-40B4-BE49-F238E27FC236}">
-                <a16:creationId xmlns:a16="http://schemas.microsoft.com/office/drawing/2014/main" id="{B945FF15-014C-49AE-ACD8-1CE0FADD406A}"/>
-              </a:ext>
-            </a:extLst>
-          </p:cNvPr>
-          <p:cNvSpPr/>
-          <p:nvPr/>
-        </p:nvSpPr>
-        <p:spPr>
-          <a:xfrm>
-            <a:off x="2437868" y="1435472"/>
-            <a:ext cx="922868" cy="482599"/>
-          </a:xfrm>
-          <a:prstGeom prst="rect">
-            <a:avLst/>
-          </a:prstGeom>
-          <a:solidFill>
-            <a:schemeClr val="accent5">
-              <a:lumMod val="40000"/>
-              <a:lumOff val="60000"/>
-            </a:schemeClr>
-          </a:solidFill>
-          <a:ln>
-            <a:solidFill>
-              <a:schemeClr val="bg1"/>
-            </a:solidFill>
-          </a:ln>
-        </p:spPr>
-        <p:style>
-          <a:lnRef idx="0">
-            <a:scrgbClr r="0" g="0" b="0"/>
-          </a:lnRef>
-          <a:fillRef idx="0">
-            <a:scrgbClr r="0" g="0" b="0"/>
-          </a:fillRef>
-          <a:effectRef idx="0">
-            <a:scrgbClr r="0" g="0" b="0"/>
-          </a:effectRef>
-          <a:fontRef idx="minor">
-            <a:schemeClr val="lt1"/>
-          </a:fontRef>
-        </p:style>
-        <p:txBody>
-          <a:bodyPr wrap="square" rtlCol="0" anchor="ctr">
-            <a:noAutofit/>
-          </a:bodyPr>
-          <a:lstStyle/>
-          <a:p>
-            <a:pPr algn="ctr"/>
-            <a:endParaRPr lang="en-US" sz="1400" dirty="0">
-              <a:solidFill>
-                <a:schemeClr val="bg1"/>
-              </a:solidFill>
-            </a:endParaRPr>
-          </a:p>
-        </p:txBody>
-      </p:sp>
-      <p:sp>
-        <p:nvSpPr>
-          <p:cNvPr id="13" name="Rectangle 12">
-            <a:extLst>
-              <a:ext uri="{FF2B5EF4-FFF2-40B4-BE49-F238E27FC236}">
-                <a16:creationId xmlns:a16="http://schemas.microsoft.com/office/drawing/2014/main" id="{A62B7CF2-88EB-47BC-95A8-A3E74F9ADA82}"/>
-              </a:ext>
-            </a:extLst>
-          </p:cNvPr>
-          <p:cNvSpPr/>
-          <p:nvPr/>
-        </p:nvSpPr>
-        <p:spPr>
-          <a:xfrm>
-            <a:off x="2564868" y="1545588"/>
-            <a:ext cx="922868" cy="482599"/>
-          </a:xfrm>
-          <a:prstGeom prst="rect">
-            <a:avLst/>
-          </a:prstGeom>
-          <a:solidFill>
-            <a:schemeClr val="accent5">
-              <a:lumMod val="40000"/>
-              <a:lumOff val="60000"/>
-            </a:schemeClr>
-          </a:solidFill>
-          <a:ln>
-            <a:solidFill>
-              <a:schemeClr val="bg1"/>
-            </a:solidFill>
-          </a:ln>
-        </p:spPr>
-        <p:style>
-          <a:lnRef idx="0">
-            <a:scrgbClr r="0" g="0" b="0"/>
-          </a:lnRef>
-          <a:fillRef idx="0">
-            <a:scrgbClr r="0" g="0" b="0"/>
-          </a:fillRef>
-          <a:effectRef idx="0">
-            <a:scrgbClr r="0" g="0" b="0"/>
-          </a:effectRef>
-          <a:fontRef idx="minor">
-            <a:schemeClr val="lt1"/>
-          </a:fontRef>
-        </p:style>
-        <p:txBody>
-          <a:bodyPr wrap="square" rtlCol="0" anchor="ctr">
-            <a:noAutofit/>
-          </a:bodyPr>
-          <a:lstStyle/>
-          <a:p>
-            <a:pPr algn="ctr"/>
-            <a:endParaRPr lang="en-US" sz="1400" dirty="0">
-              <a:solidFill>
-                <a:schemeClr val="bg1"/>
-              </a:solidFill>
-            </a:endParaRPr>
-          </a:p>
-        </p:txBody>
-      </p:sp>
-      <p:sp>
-        <p:nvSpPr>
-          <p:cNvPr id="14" name="Rectangle 13">
-            <a:extLst>
-              <a:ext uri="{FF2B5EF4-FFF2-40B4-BE49-F238E27FC236}">
-                <a16:creationId xmlns:a16="http://schemas.microsoft.com/office/drawing/2014/main" id="{0370DE52-F771-4ADD-8965-B2DA404257F4}"/>
-              </a:ext>
-            </a:extLst>
-          </p:cNvPr>
-          <p:cNvSpPr/>
-          <p:nvPr/>
-        </p:nvSpPr>
-        <p:spPr>
-          <a:xfrm>
-            <a:off x="2691868" y="1681056"/>
-            <a:ext cx="922868" cy="482599"/>
-          </a:xfrm>
-          <a:prstGeom prst="rect">
-            <a:avLst/>
-          </a:prstGeom>
-          <a:solidFill>
-            <a:schemeClr val="accent5">
-              <a:lumMod val="40000"/>
-              <a:lumOff val="60000"/>
-            </a:schemeClr>
-          </a:solidFill>
-          <a:ln>
-            <a:solidFill>
-              <a:schemeClr val="bg1"/>
-            </a:solidFill>
-          </a:ln>
-        </p:spPr>
-        <p:style>
-          <a:lnRef idx="0">
-            <a:scrgbClr r="0" g="0" b="0"/>
-          </a:lnRef>
-          <a:fillRef idx="0">
-            <a:scrgbClr r="0" g="0" b="0"/>
-          </a:fillRef>
-          <a:effectRef idx="0">
-            <a:scrgbClr r="0" g="0" b="0"/>
-          </a:effectRef>
-          <a:fontRef idx="minor">
-            <a:schemeClr val="lt1"/>
-          </a:fontRef>
-        </p:style>
-        <p:txBody>
-          <a:bodyPr wrap="square" rtlCol="0" anchor="ctr">
-            <a:noAutofit/>
-          </a:bodyPr>
-          <a:lstStyle/>
-          <a:p>
-            <a:pPr algn="ctr"/>
-            <a:r>
-              <a:rPr lang="en-US" sz="1400" dirty="0">
-                <a:solidFill>
-                  <a:schemeClr val="bg1"/>
-                </a:solidFill>
-              </a:rPr>
-              <a:t>Internal APIs</a:t>
-            </a:r>
-          </a:p>
-        </p:txBody>
-      </p:sp>
-      <p:sp>
-        <p:nvSpPr>
-          <p:cNvPr id="15" name="Rectangle 14">
-            <a:extLst>
-              <a:ext uri="{FF2B5EF4-FFF2-40B4-BE49-F238E27FC236}">
-                <a16:creationId xmlns:a16="http://schemas.microsoft.com/office/drawing/2014/main" id="{E9E02E87-7F69-419D-AA20-364E0D49B415}"/>
-              </a:ext>
-            </a:extLst>
-          </p:cNvPr>
-          <p:cNvSpPr/>
-          <p:nvPr/>
-        </p:nvSpPr>
-        <p:spPr>
-          <a:xfrm>
-            <a:off x="3879806" y="3479151"/>
-            <a:ext cx="287868" cy="1691960"/>
-          </a:xfrm>
-          <a:prstGeom prst="rect">
-            <a:avLst/>
-          </a:prstGeom>
-          <a:solidFill>
-            <a:schemeClr val="accent3"/>
-          </a:solidFill>
-          <a:ln>
-            <a:noFill/>
-          </a:ln>
-        </p:spPr>
-        <p:style>
-          <a:lnRef idx="0">
-            <a:scrgbClr r="0" g="0" b="0"/>
-          </a:lnRef>
-          <a:fillRef idx="0">
-            <a:scrgbClr r="0" g="0" b="0"/>
-          </a:fillRef>
-          <a:effectRef idx="0">
-            <a:scrgbClr r="0" g="0" b="0"/>
-          </a:effectRef>
-          <a:fontRef idx="minor">
-            <a:schemeClr val="lt1"/>
-          </a:fontRef>
-        </p:style>
-        <p:txBody>
-          <a:bodyPr vert="vert270" wrap="square" rtlCol="0" anchor="ctr">
-            <a:noAutofit/>
-          </a:bodyPr>
-          <a:lstStyle/>
-          <a:p>
-            <a:pPr algn="ctr"/>
-            <a:r>
-              <a:rPr lang="en-US" sz="1400" dirty="0">
-                <a:solidFill>
-                  <a:schemeClr val="bg1"/>
-                </a:solidFill>
-                <a:latin typeface="Sitka Display" pitchFamily="2" charset="0"/>
-              </a:rPr>
-              <a:t>SOA Cluster</a:t>
-            </a:r>
-          </a:p>
-        </p:txBody>
-      </p:sp>
-      <p:cxnSp>
-        <p:nvCxnSpPr>
-          <p:cNvPr id="19" name="Straight Connector 18">
-            <a:extLst>
-              <a:ext uri="{FF2B5EF4-FFF2-40B4-BE49-F238E27FC236}">
-                <a16:creationId xmlns:a16="http://schemas.microsoft.com/office/drawing/2014/main" id="{D827ACD7-D971-48C9-BAA7-DA287119BB1F}"/>
-              </a:ext>
-            </a:extLst>
-          </p:cNvPr>
-          <p:cNvCxnSpPr>
-            <a:cxnSpLocks/>
-            <a:stCxn id="7" idx="1"/>
-            <a:endCxn id="15" idx="3"/>
-          </p:cNvCxnSpPr>
-          <p:nvPr/>
-        </p:nvCxnSpPr>
-        <p:spPr>
-          <a:xfrm flipH="1">
-            <a:off x="4167674" y="3852654"/>
-            <a:ext cx="698313" cy="472477"/>
-          </a:xfrm>
-          <a:prstGeom prst="line">
-            <a:avLst/>
-          </a:prstGeom>
-          <a:ln>
-            <a:solidFill>
-              <a:schemeClr val="tx1">
-                <a:lumMod val="65000"/>
-                <a:lumOff val="35000"/>
-              </a:schemeClr>
-            </a:solidFill>
-          </a:ln>
-        </p:spPr>
-        <p:style>
-          <a:lnRef idx="1">
-            <a:schemeClr val="accent1"/>
-          </a:lnRef>
-          <a:fillRef idx="0">
-            <a:schemeClr val="accent1"/>
-          </a:fillRef>
-          <a:effectRef idx="0">
-            <a:schemeClr val="accent1"/>
-          </a:effectRef>
-          <a:fontRef idx="minor">
-            <a:schemeClr val="tx1"/>
-          </a:fontRef>
-        </p:style>
-      </p:cxnSp>
-      <p:cxnSp>
-        <p:nvCxnSpPr>
-          <p:cNvPr id="21" name="Straight Connector 20">
-            <a:extLst>
-              <a:ext uri="{FF2B5EF4-FFF2-40B4-BE49-F238E27FC236}">
-                <a16:creationId xmlns:a16="http://schemas.microsoft.com/office/drawing/2014/main" id="{5850FE7F-84F6-4C76-9F24-555FE62E6085}"/>
-              </a:ext>
-            </a:extLst>
-          </p:cNvPr>
-          <p:cNvCxnSpPr>
-            <a:cxnSpLocks/>
-            <a:stCxn id="8" idx="1"/>
-            <a:endCxn id="15" idx="3"/>
-          </p:cNvCxnSpPr>
-          <p:nvPr/>
-        </p:nvCxnSpPr>
-        <p:spPr>
-          <a:xfrm flipH="1" flipV="1">
-            <a:off x="4167674" y="4325131"/>
-            <a:ext cx="698313" cy="395407"/>
-          </a:xfrm>
-          <a:prstGeom prst="line">
-            <a:avLst/>
-          </a:prstGeom>
-          <a:ln>
-            <a:solidFill>
-              <a:schemeClr val="tx1">
-                <a:lumMod val="65000"/>
-                <a:lumOff val="35000"/>
-              </a:schemeClr>
-            </a:solidFill>
-          </a:ln>
-        </p:spPr>
-        <p:style>
-          <a:lnRef idx="1">
-            <a:schemeClr val="accent1"/>
-          </a:lnRef>
-          <a:fillRef idx="0">
-            <a:schemeClr val="accent1"/>
-          </a:fillRef>
-          <a:effectRef idx="0">
-            <a:schemeClr val="accent1"/>
-          </a:effectRef>
-          <a:fontRef idx="minor">
-            <a:schemeClr val="tx1"/>
-          </a:fontRef>
-        </p:style>
-      </p:cxnSp>
-      <p:cxnSp>
-        <p:nvCxnSpPr>
-          <p:cNvPr id="23" name="Straight Connector 22">
-            <a:extLst>
-              <a:ext uri="{FF2B5EF4-FFF2-40B4-BE49-F238E27FC236}">
-                <a16:creationId xmlns:a16="http://schemas.microsoft.com/office/drawing/2014/main" id="{88E4B9FE-00FA-4597-A8E4-F00C7E28FDF0}"/>
-              </a:ext>
-            </a:extLst>
-          </p:cNvPr>
-          <p:cNvCxnSpPr>
-            <a:cxnSpLocks/>
-            <a:stCxn id="7" idx="1"/>
-            <a:endCxn id="14" idx="3"/>
-          </p:cNvCxnSpPr>
-          <p:nvPr/>
-        </p:nvCxnSpPr>
-        <p:spPr>
-          <a:xfrm flipH="1" flipV="1">
-            <a:off x="3614736" y="1922356"/>
-            <a:ext cx="1251251" cy="1930298"/>
-          </a:xfrm>
-          <a:prstGeom prst="line">
-            <a:avLst/>
-          </a:prstGeom>
-          <a:ln>
-            <a:solidFill>
-              <a:schemeClr val="tx1">
-                <a:lumMod val="65000"/>
-                <a:lumOff val="35000"/>
-              </a:schemeClr>
-            </a:solidFill>
-          </a:ln>
-        </p:spPr>
-        <p:style>
-          <a:lnRef idx="1">
-            <a:schemeClr val="accent1"/>
-          </a:lnRef>
-          <a:fillRef idx="0">
-            <a:schemeClr val="accent1"/>
-          </a:fillRef>
-          <a:effectRef idx="0">
-            <a:schemeClr val="accent1"/>
-          </a:effectRef>
-          <a:fontRef idx="minor">
-            <a:schemeClr val="tx1"/>
-          </a:fontRef>
-        </p:style>
-      </p:cxnSp>
-      <p:cxnSp>
-        <p:nvCxnSpPr>
-          <p:cNvPr id="25" name="Straight Connector 24">
-            <a:extLst>
-              <a:ext uri="{FF2B5EF4-FFF2-40B4-BE49-F238E27FC236}">
-                <a16:creationId xmlns:a16="http://schemas.microsoft.com/office/drawing/2014/main" id="{51A196CE-98E3-499F-B3ED-BC9684FC3F2B}"/>
-              </a:ext>
-            </a:extLst>
-          </p:cNvPr>
-          <p:cNvCxnSpPr>
-            <a:cxnSpLocks/>
-            <a:stCxn id="8" idx="1"/>
-            <a:endCxn id="14" idx="3"/>
-          </p:cNvCxnSpPr>
-          <p:nvPr/>
-        </p:nvCxnSpPr>
-        <p:spPr>
-          <a:xfrm flipH="1" flipV="1">
-            <a:off x="3614736" y="1922356"/>
-            <a:ext cx="1251251" cy="2798182"/>
-          </a:xfrm>
-          <a:prstGeom prst="line">
-            <a:avLst/>
-          </a:prstGeom>
-          <a:ln>
-            <a:solidFill>
-              <a:schemeClr val="tx1">
-                <a:lumMod val="65000"/>
-                <a:lumOff val="35000"/>
-              </a:schemeClr>
-            </a:solidFill>
-          </a:ln>
-        </p:spPr>
-        <p:style>
-          <a:lnRef idx="1">
-            <a:schemeClr val="accent1"/>
-          </a:lnRef>
-          <a:fillRef idx="0">
-            <a:schemeClr val="accent1"/>
-          </a:fillRef>
-          <a:effectRef idx="0">
-            <a:schemeClr val="accent1"/>
-          </a:effectRef>
-          <a:fontRef idx="minor">
-            <a:schemeClr val="tx1"/>
-          </a:fontRef>
-        </p:style>
-      </p:cxnSp>
-      <p:cxnSp>
-        <p:nvCxnSpPr>
-          <p:cNvPr id="27" name="Straight Connector 26">
-            <a:extLst>
-              <a:ext uri="{FF2B5EF4-FFF2-40B4-BE49-F238E27FC236}">
-                <a16:creationId xmlns:a16="http://schemas.microsoft.com/office/drawing/2014/main" id="{6E559552-6705-4279-92A8-F5D7B2E14A71}"/>
-              </a:ext>
-            </a:extLst>
-          </p:cNvPr>
-          <p:cNvCxnSpPr>
-            <a:cxnSpLocks/>
-            <a:stCxn id="9" idx="1"/>
-            <a:endCxn id="8" idx="3"/>
-          </p:cNvCxnSpPr>
-          <p:nvPr/>
-        </p:nvCxnSpPr>
-        <p:spPr>
-          <a:xfrm flipH="1">
-            <a:off x="6055742" y="3853194"/>
-            <a:ext cx="680565" cy="867344"/>
-          </a:xfrm>
-          <a:prstGeom prst="line">
-            <a:avLst/>
-          </a:prstGeom>
-        </p:spPr>
-        <p:style>
-          <a:lnRef idx="1">
-            <a:schemeClr val="dk1"/>
-          </a:lnRef>
-          <a:fillRef idx="0">
-            <a:schemeClr val="dk1"/>
-          </a:fillRef>
-          <a:effectRef idx="0">
-            <a:schemeClr val="dk1"/>
-          </a:effectRef>
-          <a:fontRef idx="minor">
-            <a:schemeClr val="tx1"/>
-          </a:fontRef>
-        </p:style>
-      </p:cxnSp>
-      <p:cxnSp>
-        <p:nvCxnSpPr>
-          <p:cNvPr id="29" name="Straight Connector 28">
-            <a:extLst>
-              <a:ext uri="{FF2B5EF4-FFF2-40B4-BE49-F238E27FC236}">
-                <a16:creationId xmlns:a16="http://schemas.microsoft.com/office/drawing/2014/main" id="{9063C0B9-45C6-49E8-A3B0-D26CB1A59053}"/>
-              </a:ext>
-            </a:extLst>
-          </p:cNvPr>
-          <p:cNvCxnSpPr>
-            <a:cxnSpLocks/>
-            <a:stCxn id="107" idx="1"/>
-            <a:endCxn id="7" idx="3"/>
-          </p:cNvCxnSpPr>
-          <p:nvPr/>
-        </p:nvCxnSpPr>
-        <p:spPr>
-          <a:xfrm flipH="1" flipV="1">
-            <a:off x="6055742" y="3852654"/>
-            <a:ext cx="698313" cy="849128"/>
-          </a:xfrm>
-          <a:prstGeom prst="line">
-            <a:avLst/>
-          </a:prstGeom>
-        </p:spPr>
-        <p:style>
-          <a:lnRef idx="1">
-            <a:schemeClr val="dk1"/>
-          </a:lnRef>
-          <a:fillRef idx="0">
-            <a:schemeClr val="dk1"/>
-          </a:fillRef>
-          <a:effectRef idx="0">
-            <a:schemeClr val="dk1"/>
-          </a:effectRef>
-          <a:fontRef idx="minor">
-            <a:schemeClr val="tx1"/>
-          </a:fontRef>
-        </p:style>
-      </p:cxnSp>
-      <p:cxnSp>
-        <p:nvCxnSpPr>
-          <p:cNvPr id="33" name="Straight Connector 32">
-            <a:extLst>
-              <a:ext uri="{FF2B5EF4-FFF2-40B4-BE49-F238E27FC236}">
-                <a16:creationId xmlns:a16="http://schemas.microsoft.com/office/drawing/2014/main" id="{C34561E6-4A19-4923-A08F-B1E8F2608EFA}"/>
-              </a:ext>
-            </a:extLst>
-          </p:cNvPr>
-          <p:cNvCxnSpPr>
-            <a:cxnSpLocks/>
-            <a:stCxn id="9" idx="1"/>
-            <a:endCxn id="7" idx="3"/>
-          </p:cNvCxnSpPr>
-          <p:nvPr/>
-        </p:nvCxnSpPr>
-        <p:spPr>
-          <a:xfrm flipH="1" flipV="1">
-            <a:off x="6055742" y="3852654"/>
-            <a:ext cx="680565" cy="540"/>
-          </a:xfrm>
-          <a:prstGeom prst="line">
-            <a:avLst/>
-          </a:prstGeom>
-        </p:spPr>
-        <p:style>
-          <a:lnRef idx="1">
-            <a:schemeClr val="dk1"/>
-          </a:lnRef>
-          <a:fillRef idx="0">
-            <a:schemeClr val="dk1"/>
-          </a:fillRef>
-          <a:effectRef idx="0">
-            <a:schemeClr val="dk1"/>
-          </a:effectRef>
-          <a:fontRef idx="minor">
-            <a:schemeClr val="tx1"/>
-          </a:fontRef>
-        </p:style>
-      </p:cxnSp>
-      <p:cxnSp>
-        <p:nvCxnSpPr>
-          <p:cNvPr id="37" name="Straight Connector 36">
-            <a:extLst>
-              <a:ext uri="{FF2B5EF4-FFF2-40B4-BE49-F238E27FC236}">
-                <a16:creationId xmlns:a16="http://schemas.microsoft.com/office/drawing/2014/main" id="{27E32E24-C821-4FED-AB0E-02CA89156516}"/>
-              </a:ext>
-            </a:extLst>
-          </p:cNvPr>
-          <p:cNvCxnSpPr>
-            <a:cxnSpLocks/>
-            <a:stCxn id="107" idx="1"/>
-            <a:endCxn id="8" idx="3"/>
-          </p:cNvCxnSpPr>
-          <p:nvPr/>
-        </p:nvCxnSpPr>
-        <p:spPr>
-          <a:xfrm flipH="1">
-            <a:off x="6055742" y="4701782"/>
-            <a:ext cx="698313" cy="18756"/>
-          </a:xfrm>
-          <a:prstGeom prst="line">
-            <a:avLst/>
-          </a:prstGeom>
-        </p:spPr>
-        <p:style>
-          <a:lnRef idx="1">
-            <a:schemeClr val="dk1"/>
-          </a:lnRef>
-          <a:fillRef idx="0">
-            <a:schemeClr val="dk1"/>
-          </a:fillRef>
-          <a:effectRef idx="0">
-            <a:schemeClr val="dk1"/>
-          </a:effectRef>
-          <a:fontRef idx="minor">
-            <a:schemeClr val="tx1"/>
-          </a:fontRef>
-        </p:style>
-      </p:cxnSp>
-      <p:cxnSp>
-        <p:nvCxnSpPr>
-          <p:cNvPr id="39" name="Straight Connector 38">
-            <a:extLst>
-              <a:ext uri="{FF2B5EF4-FFF2-40B4-BE49-F238E27FC236}">
-                <a16:creationId xmlns:a16="http://schemas.microsoft.com/office/drawing/2014/main" id="{C9BDF3C7-3B1F-466E-9D85-4484BFB5AFD9}"/>
-              </a:ext>
-            </a:extLst>
-          </p:cNvPr>
-          <p:cNvCxnSpPr/>
-          <p:nvPr/>
-        </p:nvCxnSpPr>
-        <p:spPr>
-          <a:xfrm>
-            <a:off x="3832862" y="5051405"/>
-            <a:ext cx="0" cy="321733"/>
-          </a:xfrm>
-          <a:prstGeom prst="line">
-            <a:avLst/>
-          </a:prstGeom>
-          <a:ln>
-            <a:solidFill>
-              <a:schemeClr val="bg1"/>
-            </a:solidFill>
-            <a:prstDash val="dash"/>
-          </a:ln>
-        </p:spPr>
-        <p:style>
-          <a:lnRef idx="1">
-            <a:schemeClr val="accent1"/>
-          </a:lnRef>
-          <a:fillRef idx="0">
-            <a:schemeClr val="accent1"/>
-          </a:fillRef>
-          <a:effectRef idx="0">
-            <a:schemeClr val="accent1"/>
-          </a:effectRef>
-          <a:fontRef idx="minor">
-            <a:schemeClr val="tx1"/>
-          </a:fontRef>
-        </p:style>
-      </p:cxnSp>
-      <p:sp>
-        <p:nvSpPr>
-          <p:cNvPr id="31" name="Rectangle: Rounded Corners 30">
-            <a:extLst>
-              <a:ext uri="{FF2B5EF4-FFF2-40B4-BE49-F238E27FC236}">
-                <a16:creationId xmlns:a16="http://schemas.microsoft.com/office/drawing/2014/main" id="{D8C19573-BCE2-F1F4-4578-23562794C392}"/>
-              </a:ext>
-            </a:extLst>
-          </p:cNvPr>
-          <p:cNvSpPr/>
-          <p:nvPr/>
-        </p:nvSpPr>
-        <p:spPr>
-          <a:xfrm>
-            <a:off x="622863" y="3101831"/>
-            <a:ext cx="1361245" cy="1621306"/>
-          </a:xfrm>
-          <a:prstGeom prst="roundRect">
-            <a:avLst>
-              <a:gd name="adj" fmla="val 4626"/>
-            </a:avLst>
-          </a:prstGeom>
-          <a:solidFill>
-            <a:srgbClr val="FF5353"/>
-          </a:solidFill>
-          <a:ln>
-            <a:noFill/>
-          </a:ln>
-        </p:spPr>
-        <p:style>
-          <a:lnRef idx="0">
-            <a:scrgbClr r="0" g="0" b="0"/>
-          </a:lnRef>
-          <a:fillRef idx="0">
-            <a:scrgbClr r="0" g="0" b="0"/>
-          </a:fillRef>
-          <a:effectRef idx="0">
-            <a:scrgbClr r="0" g="0" b="0"/>
-          </a:effectRef>
-          <a:fontRef idx="minor">
-            <a:schemeClr val="lt1"/>
-          </a:fontRef>
-        </p:style>
-        <p:txBody>
-          <a:bodyPr wrap="square" rtlCol="0" anchor="ctr">
-            <a:noAutofit/>
-          </a:bodyPr>
-          <a:lstStyle/>
-          <a:p>
-            <a:pPr algn="ctr"/>
-            <a:r>
-              <a:rPr lang="en-US" sz="1400" dirty="0">
-                <a:solidFill>
-                  <a:schemeClr val="bg1"/>
-                </a:solidFill>
-                <a:latin typeface="Sitka Display" pitchFamily="2" charset="0"/>
-              </a:rPr>
-              <a:t>Repository Server </a:t>
-            </a:r>
-          </a:p>
-          <a:p>
-            <a:pPr algn="ctr"/>
-            <a:r>
-              <a:rPr lang="en-US" sz="1400" b="1" dirty="0">
-                <a:solidFill>
-                  <a:schemeClr val="bg1"/>
-                </a:solidFill>
-                <a:latin typeface="Sitka Display" pitchFamily="2" charset="0"/>
-              </a:rPr>
-              <a:t>10.19.10.161</a:t>
-            </a:r>
-          </a:p>
-          <a:p>
-            <a:pPr algn="ctr"/>
-            <a:r>
-              <a:rPr lang="en-US" sz="1400" dirty="0">
-                <a:solidFill>
-                  <a:schemeClr val="bg1"/>
-                </a:solidFill>
-                <a:latin typeface="Sitka Display" pitchFamily="2" charset="0"/>
-              </a:rPr>
-              <a:t>2 Instances of </a:t>
-            </a:r>
-          </a:p>
-          <a:p>
-            <a:pPr algn="ctr"/>
-            <a:r>
-              <a:rPr lang="en-US" sz="1400" dirty="0">
-                <a:solidFill>
-                  <a:schemeClr val="bg1"/>
-                </a:solidFill>
-                <a:latin typeface="Sitka Display" pitchFamily="2" charset="0"/>
-              </a:rPr>
-              <a:t>Oracle Database Running on Pod</a:t>
-            </a:r>
-          </a:p>
-        </p:txBody>
-      </p:sp>
-      <p:sp>
-        <p:nvSpPr>
-          <p:cNvPr id="32" name="Rectangle 31">
-            <a:extLst>
-              <a:ext uri="{FF2B5EF4-FFF2-40B4-BE49-F238E27FC236}">
-                <a16:creationId xmlns:a16="http://schemas.microsoft.com/office/drawing/2014/main" id="{94EB4188-1A9D-4ED3-E134-7D1D82D908AC}"/>
-              </a:ext>
-            </a:extLst>
-          </p:cNvPr>
-          <p:cNvSpPr/>
-          <p:nvPr/>
-        </p:nvSpPr>
-        <p:spPr>
-          <a:xfrm>
-            <a:off x="2351194" y="2488874"/>
-            <a:ext cx="1481668" cy="725314"/>
-          </a:xfrm>
-          <a:prstGeom prst="rect">
-            <a:avLst/>
-          </a:prstGeom>
-          <a:solidFill>
-            <a:schemeClr val="tx1">
-              <a:lumMod val="75000"/>
-              <a:lumOff val="25000"/>
-            </a:schemeClr>
-          </a:solidFill>
-          <a:ln>
-            <a:noFill/>
-          </a:ln>
-        </p:spPr>
-        <p:style>
-          <a:lnRef idx="0">
-            <a:scrgbClr r="0" g="0" b="0"/>
-          </a:lnRef>
-          <a:fillRef idx="0">
-            <a:scrgbClr r="0" g="0" b="0"/>
-          </a:fillRef>
-          <a:effectRef idx="0">
-            <a:scrgbClr r="0" g="0" b="0"/>
-          </a:effectRef>
-          <a:fontRef idx="minor">
-            <a:schemeClr val="lt1"/>
-          </a:fontRef>
-        </p:style>
-        <p:txBody>
-          <a:bodyPr wrap="square" rtlCol="0" anchor="ctr">
-            <a:noAutofit/>
-          </a:bodyPr>
-          <a:lstStyle/>
-          <a:p>
-            <a:pPr algn="ctr"/>
-            <a:r>
-              <a:rPr lang="en-US" sz="1400" dirty="0" err="1">
-                <a:solidFill>
-                  <a:schemeClr val="bg1"/>
-                </a:solidFill>
-                <a:latin typeface="Sitka Display" pitchFamily="2" charset="0"/>
-              </a:rPr>
-              <a:t>Weblogic</a:t>
-            </a:r>
-            <a:r>
-              <a:rPr lang="en-US" sz="1400" dirty="0">
-                <a:solidFill>
-                  <a:schemeClr val="bg1"/>
-                </a:solidFill>
-                <a:latin typeface="Sitka Display" pitchFamily="2" charset="0"/>
-              </a:rPr>
-              <a:t> </a:t>
-            </a:r>
-          </a:p>
-          <a:p>
-            <a:pPr algn="ctr"/>
-            <a:r>
-              <a:rPr lang="en-US" sz="1400" dirty="0">
-                <a:solidFill>
-                  <a:schemeClr val="bg1"/>
-                </a:solidFill>
-                <a:latin typeface="Sitka Display" pitchFamily="2" charset="0"/>
-              </a:rPr>
-              <a:t>Admin Server</a:t>
-            </a:r>
-          </a:p>
-          <a:p>
-            <a:pPr algn="ctr"/>
-            <a:r>
-              <a:rPr lang="en-US" sz="1400" b="1" dirty="0">
-                <a:solidFill>
-                  <a:schemeClr val="bg1"/>
-                </a:solidFill>
-                <a:latin typeface="Sitka Display" pitchFamily="2" charset="0"/>
-              </a:rPr>
-              <a:t>(10.19.10.161)</a:t>
-            </a:r>
-          </a:p>
-        </p:txBody>
-      </p:sp>
-      <p:sp>
-        <p:nvSpPr>
-          <p:cNvPr id="42" name="Rectangle 41">
-            <a:extLst>
-              <a:ext uri="{FF2B5EF4-FFF2-40B4-BE49-F238E27FC236}">
-                <a16:creationId xmlns:a16="http://schemas.microsoft.com/office/drawing/2014/main" id="{A0841E5A-B34C-6854-8C74-34C7D149A528}"/>
-              </a:ext>
-            </a:extLst>
-          </p:cNvPr>
-          <p:cNvSpPr/>
-          <p:nvPr/>
-        </p:nvSpPr>
-        <p:spPr>
-          <a:xfrm>
-            <a:off x="2351192" y="4042956"/>
-            <a:ext cx="1481659" cy="547041"/>
-          </a:xfrm>
-          <a:prstGeom prst="rect">
-            <a:avLst/>
-          </a:prstGeom>
-          <a:solidFill>
-            <a:schemeClr val="accent3">
-              <a:lumMod val="75000"/>
-            </a:schemeClr>
-          </a:solidFill>
-          <a:ln>
-            <a:noFill/>
-          </a:ln>
-        </p:spPr>
-        <p:style>
-          <a:lnRef idx="0">
-            <a:scrgbClr r="0" g="0" b="0"/>
-          </a:lnRef>
-          <a:fillRef idx="0">
-            <a:scrgbClr r="0" g="0" b="0"/>
-          </a:fillRef>
-          <a:effectRef idx="0">
-            <a:scrgbClr r="0" g="0" b="0"/>
-          </a:effectRef>
-          <a:fontRef idx="minor">
-            <a:schemeClr val="lt1"/>
-          </a:fontRef>
-        </p:style>
-        <p:txBody>
-          <a:bodyPr wrap="square" rtlCol="0" anchor="ctr">
-            <a:noAutofit/>
-          </a:bodyPr>
-          <a:lstStyle/>
-          <a:p>
-            <a:pPr algn="ctr"/>
-            <a:r>
-              <a:rPr lang="en-US" sz="1400" dirty="0">
-                <a:solidFill>
-                  <a:schemeClr val="bg1"/>
-                </a:solidFill>
-                <a:latin typeface="Sitka Display" pitchFamily="2" charset="0"/>
-              </a:rPr>
-              <a:t>SOA Worker N2</a:t>
-            </a:r>
-          </a:p>
-          <a:p>
-            <a:pPr algn="ctr"/>
-            <a:r>
-              <a:rPr lang="en-US" sz="1400" b="1" dirty="0">
-                <a:solidFill>
-                  <a:schemeClr val="bg1"/>
-                </a:solidFill>
-                <a:latin typeface="Sitka Display" pitchFamily="2" charset="0"/>
-              </a:rPr>
-              <a:t>10.19.10.163</a:t>
-            </a:r>
-          </a:p>
-        </p:txBody>
-      </p:sp>
-      <p:sp>
-        <p:nvSpPr>
-          <p:cNvPr id="47" name="Rectangle 46">
-            <a:extLst>
-              <a:ext uri="{FF2B5EF4-FFF2-40B4-BE49-F238E27FC236}">
-                <a16:creationId xmlns:a16="http://schemas.microsoft.com/office/drawing/2014/main" id="{AB8FD1EC-00B2-44EE-72AA-0823974F097B}"/>
-              </a:ext>
-            </a:extLst>
-          </p:cNvPr>
-          <p:cNvSpPr/>
-          <p:nvPr/>
-        </p:nvSpPr>
-        <p:spPr>
-          <a:xfrm>
-            <a:off x="2351192" y="4720537"/>
-            <a:ext cx="1481659" cy="547041"/>
-          </a:xfrm>
-          <a:prstGeom prst="rect">
-            <a:avLst/>
-          </a:prstGeom>
-          <a:solidFill>
-            <a:schemeClr val="accent3">
-              <a:lumMod val="75000"/>
-            </a:schemeClr>
-          </a:solidFill>
-          <a:ln>
-            <a:noFill/>
-          </a:ln>
-        </p:spPr>
-        <p:style>
-          <a:lnRef idx="0">
-            <a:scrgbClr r="0" g="0" b="0"/>
-          </a:lnRef>
-          <a:fillRef idx="0">
-            <a:scrgbClr r="0" g="0" b="0"/>
-          </a:fillRef>
-          <a:effectRef idx="0">
-            <a:scrgbClr r="0" g="0" b="0"/>
-          </a:effectRef>
-          <a:fontRef idx="minor">
-            <a:schemeClr val="lt1"/>
-          </a:fontRef>
-        </p:style>
-        <p:txBody>
-          <a:bodyPr wrap="square" rtlCol="0" anchor="ctr">
-            <a:noAutofit/>
-          </a:bodyPr>
-          <a:lstStyle/>
-          <a:p>
-            <a:pPr algn="ctr"/>
-            <a:r>
-              <a:rPr lang="en-US" sz="1400" dirty="0">
-                <a:solidFill>
-                  <a:schemeClr val="bg1"/>
-                </a:solidFill>
-                <a:latin typeface="Sitka Display" pitchFamily="2" charset="0"/>
-              </a:rPr>
-              <a:t>SOA Worker N3</a:t>
-            </a:r>
-          </a:p>
-          <a:p>
-            <a:pPr algn="ctr"/>
-            <a:r>
-              <a:rPr lang="en-US" sz="1400" b="1" dirty="0">
-                <a:solidFill>
-                  <a:schemeClr val="bg1"/>
-                </a:solidFill>
-                <a:latin typeface="Sitka Display" pitchFamily="2" charset="0"/>
-              </a:rPr>
-              <a:t>10.19.10.164</a:t>
-            </a:r>
-          </a:p>
-        </p:txBody>
-      </p:sp>
-      <p:sp>
-        <p:nvSpPr>
-          <p:cNvPr id="83" name="Oval 82">
-            <a:extLst>
-              <a:ext uri="{FF2B5EF4-FFF2-40B4-BE49-F238E27FC236}">
-                <a16:creationId xmlns:a16="http://schemas.microsoft.com/office/drawing/2014/main" id="{38B28792-41A4-5407-ABF1-22EA9B51E619}"/>
-              </a:ext>
-            </a:extLst>
-          </p:cNvPr>
-          <p:cNvSpPr/>
-          <p:nvPr/>
-        </p:nvSpPr>
-        <p:spPr>
-          <a:xfrm>
-            <a:off x="4613917" y="2516950"/>
-            <a:ext cx="1693894" cy="605909"/>
-          </a:xfrm>
-          <a:prstGeom prst="ellipse">
-            <a:avLst/>
-          </a:prstGeom>
-          <a:solidFill>
-            <a:schemeClr val="accent3">
-              <a:lumMod val="60000"/>
-              <a:lumOff val="40000"/>
-            </a:schemeClr>
-          </a:solidFill>
-          <a:effectLst>
-            <a:outerShdw blurRad="254000" dist="127000" dir="2700000" algn="ctr" rotWithShape="0">
-              <a:schemeClr val="bg1">
-                <a:lumMod val="50000"/>
-              </a:schemeClr>
-            </a:outerShdw>
-          </a:effectLst>
-        </p:spPr>
-        <p:txBody>
-          <a:bodyPr wrap="square" rtlCol="0" anchor="ctr">
-            <a:spAutoFit/>
-          </a:bodyPr>
-          <a:lstStyle/>
-          <a:p>
-            <a:pPr algn="ctr"/>
-            <a:r>
-              <a:rPr lang="en-US" sz="1100" dirty="0">
-                <a:latin typeface="Sitka Display" pitchFamily="2" charset="0"/>
-              </a:rPr>
-              <a:t>WSO2 </a:t>
-            </a:r>
-            <a:r>
-              <a:rPr lang="en-US" sz="1100" dirty="0" err="1">
-                <a:latin typeface="Sitka Display" pitchFamily="2" charset="0"/>
-              </a:rPr>
-              <a:t>MySql</a:t>
-            </a:r>
-            <a:r>
-              <a:rPr lang="en-US" sz="1100" dirty="0">
-                <a:latin typeface="Sitka Display" pitchFamily="2" charset="0"/>
-              </a:rPr>
-              <a:t> DB Pod(10.19.10.165)</a:t>
-            </a:r>
-          </a:p>
-        </p:txBody>
-      </p:sp>
-      <p:cxnSp>
-        <p:nvCxnSpPr>
-          <p:cNvPr id="85" name="Straight Arrow Connector 84">
-            <a:extLst>
-              <a:ext uri="{FF2B5EF4-FFF2-40B4-BE49-F238E27FC236}">
-                <a16:creationId xmlns:a16="http://schemas.microsoft.com/office/drawing/2014/main" id="{7E71E739-60EB-4E6C-2FC6-2778A16DA277}"/>
-              </a:ext>
-            </a:extLst>
-          </p:cNvPr>
-          <p:cNvCxnSpPr>
-            <a:cxnSpLocks/>
-            <a:stCxn id="83" idx="4"/>
-            <a:endCxn id="7" idx="0"/>
-          </p:cNvCxnSpPr>
-          <p:nvPr/>
-        </p:nvCxnSpPr>
-        <p:spPr>
-          <a:xfrm>
-            <a:off x="5460864" y="3122859"/>
-            <a:ext cx="1" cy="417144"/>
-          </a:xfrm>
-          <a:prstGeom prst="straightConnector1">
-            <a:avLst/>
-          </a:prstGeom>
-          <a:ln>
-            <a:tailEnd type="triangle"/>
-          </a:ln>
-        </p:spPr>
-        <p:style>
-          <a:lnRef idx="1">
-            <a:schemeClr val="accent4"/>
-          </a:lnRef>
-          <a:fillRef idx="0">
-            <a:schemeClr val="accent4"/>
-          </a:fillRef>
-          <a:effectRef idx="0">
-            <a:schemeClr val="accent4"/>
-          </a:effectRef>
-          <a:fontRef idx="minor">
-            <a:schemeClr val="tx1"/>
-          </a:fontRef>
-        </p:style>
-      </p:cxnSp>
-      <p:sp>
-        <p:nvSpPr>
-          <p:cNvPr id="107" name="Rectangle 106">
-            <a:extLst>
-              <a:ext uri="{FF2B5EF4-FFF2-40B4-BE49-F238E27FC236}">
-                <a16:creationId xmlns:a16="http://schemas.microsoft.com/office/drawing/2014/main" id="{C0C198E5-9FDE-1B8B-98A3-0E1EFD99B163}"/>
-              </a:ext>
-            </a:extLst>
-          </p:cNvPr>
-          <p:cNvSpPr/>
-          <p:nvPr/>
-        </p:nvSpPr>
-        <p:spPr>
-          <a:xfrm>
-            <a:off x="6754055" y="4389670"/>
-            <a:ext cx="1189755" cy="624223"/>
-          </a:xfrm>
-          <a:prstGeom prst="rect">
-            <a:avLst/>
-          </a:prstGeom>
-          <a:solidFill>
-            <a:srgbClr val="00B050"/>
-          </a:solidFill>
-          <a:ln>
-            <a:noFill/>
-          </a:ln>
-        </p:spPr>
-        <p:style>
-          <a:lnRef idx="0">
-            <a:scrgbClr r="0" g="0" b="0"/>
-          </a:lnRef>
-          <a:fillRef idx="0">
-            <a:scrgbClr r="0" g="0" b="0"/>
-          </a:fillRef>
-          <a:effectRef idx="0">
-            <a:scrgbClr r="0" g="0" b="0"/>
-          </a:effectRef>
-          <a:fontRef idx="minor">
-            <a:schemeClr val="lt1"/>
-          </a:fontRef>
-        </p:style>
-        <p:txBody>
-          <a:bodyPr wrap="square" rtlCol="0" anchor="ctr">
-            <a:noAutofit/>
-          </a:bodyPr>
-          <a:lstStyle/>
-          <a:p>
-            <a:pPr algn="ctr"/>
-            <a:r>
-              <a:rPr lang="en-US" sz="1400" dirty="0">
-                <a:solidFill>
-                  <a:schemeClr val="bg1"/>
-                </a:solidFill>
-                <a:latin typeface="Sitka Display" pitchFamily="2" charset="0"/>
-              </a:rPr>
-              <a:t>Nginx Edge2</a:t>
-            </a:r>
-          </a:p>
-          <a:p>
-            <a:pPr algn="ctr"/>
-            <a:r>
-              <a:rPr lang="en-US" sz="1400" dirty="0">
-                <a:solidFill>
-                  <a:schemeClr val="bg1"/>
-                </a:solidFill>
-                <a:latin typeface="Sitka Display" pitchFamily="2" charset="0"/>
-              </a:rPr>
-              <a:t>10.19.10.169</a:t>
-            </a:r>
-          </a:p>
-        </p:txBody>
-      </p:sp>
-      <p:sp>
-        <p:nvSpPr>
-          <p:cNvPr id="113" name="TextBox 112">
-            <a:extLst>
-              <a:ext uri="{FF2B5EF4-FFF2-40B4-BE49-F238E27FC236}">
-                <a16:creationId xmlns:a16="http://schemas.microsoft.com/office/drawing/2014/main" id="{2A00ACD5-E196-2F69-FA20-46B0790C3112}"/>
-              </a:ext>
-            </a:extLst>
-          </p:cNvPr>
-          <p:cNvSpPr txBox="1"/>
-          <p:nvPr/>
-        </p:nvSpPr>
-        <p:spPr>
-          <a:xfrm>
-            <a:off x="291645" y="916550"/>
-            <a:ext cx="3749616" cy="369332"/>
-          </a:xfrm>
-          <a:prstGeom prst="rect">
-            <a:avLst/>
-          </a:prstGeom>
-          <a:noFill/>
-        </p:spPr>
-        <p:txBody>
-          <a:bodyPr wrap="none" rtlCol="0">
-            <a:spAutoFit/>
-          </a:bodyPr>
-          <a:lstStyle/>
-          <a:p>
-            <a:r>
-              <a:rPr lang="en-US" dirty="0"/>
-              <a:t>All Servers’ Operating System: RHEL 7.</a:t>
-            </a:r>
-          </a:p>
-        </p:txBody>
-      </p:sp>
-      <p:sp>
-        <p:nvSpPr>
-          <p:cNvPr id="116" name="Arrow: Left-Right 115">
-            <a:extLst>
-              <a:ext uri="{FF2B5EF4-FFF2-40B4-BE49-F238E27FC236}">
-                <a16:creationId xmlns:a16="http://schemas.microsoft.com/office/drawing/2014/main" id="{A7002A7A-5229-439F-66D4-19538AAA5BED}"/>
-              </a:ext>
-            </a:extLst>
-          </p:cNvPr>
-          <p:cNvSpPr/>
-          <p:nvPr/>
-        </p:nvSpPr>
-        <p:spPr>
-          <a:xfrm>
-            <a:off x="2001844" y="3909550"/>
-            <a:ext cx="302393" cy="190302"/>
-          </a:xfrm>
-          <a:prstGeom prst="leftRightArrow">
-            <a:avLst/>
-          </a:prstGeom>
-          <a:solidFill>
-            <a:schemeClr val="tx2"/>
-          </a:solidFill>
-          <a:effectLst>
-            <a:outerShdw blurRad="254000" dist="127000" dir="2700000" algn="ctr" rotWithShape="0">
-              <a:schemeClr val="bg1">
-                <a:lumMod val="50000"/>
-              </a:schemeClr>
-            </a:outerShdw>
-          </a:effectLst>
-        </p:spPr>
-        <p:txBody>
-          <a:bodyPr wrap="square" rtlCol="0" anchor="ctr">
-            <a:spAutoFit/>
-          </a:bodyPr>
-          <a:lstStyle/>
-          <a:p>
-            <a:pPr algn="justLow"/>
-            <a:endParaRPr lang="en-US" dirty="0">
-              <a:solidFill>
-                <a:schemeClr val="bg1"/>
-              </a:solidFill>
-            </a:endParaRPr>
+            <a:endParaRPr lang="en-US"/>
           </a:p>
         </p:txBody>
       </p:sp>
     </p:spTree>
     <p:extLst>
       <p:ext uri="{BB962C8B-B14F-4D97-AF65-F5344CB8AC3E}">
-        <p14:creationId xmlns:p14="http://schemas.microsoft.com/office/powerpoint/2010/main" val="3696181477"/>
+        <p14:creationId xmlns:p14="http://schemas.microsoft.com/office/powerpoint/2010/main" val="3250706191"/>
       </p:ext>
     </p:extLst>
   </p:cSld>
@@ -9889,6 +6799,3872 @@
       </p:grpSpPr>
       <p:sp>
         <p:nvSpPr>
+          <p:cNvPr id="2" name="Content Placeholder 1">
+            <a:extLst>
+              <a:ext uri="{FF2B5EF4-FFF2-40B4-BE49-F238E27FC236}">
+                <a16:creationId xmlns:a16="http://schemas.microsoft.com/office/drawing/2014/main" id="{4D6D52A8-BD16-00E9-ADB5-F81489E7A796}"/>
+              </a:ext>
+            </a:extLst>
+          </p:cNvPr>
+          <p:cNvSpPr>
+            <a:spLocks noGrp="1"/>
+          </p:cNvSpPr>
+          <p:nvPr>
+            <p:ph idx="1"/>
+          </p:nvPr>
+        </p:nvSpPr>
+        <p:spPr/>
+        <p:txBody>
+          <a:bodyPr/>
+          <a:lstStyle/>
+          <a:p>
+            <a:endParaRPr lang="en-US"/>
+          </a:p>
+        </p:txBody>
+      </p:sp>
+      <p:sp>
+        <p:nvSpPr>
+          <p:cNvPr id="3" name="Title 2">
+            <a:extLst>
+              <a:ext uri="{FF2B5EF4-FFF2-40B4-BE49-F238E27FC236}">
+                <a16:creationId xmlns:a16="http://schemas.microsoft.com/office/drawing/2014/main" id="{2C1CAD41-D95E-385F-6375-F5FF47E4731D}"/>
+              </a:ext>
+            </a:extLst>
+          </p:cNvPr>
+          <p:cNvSpPr>
+            <a:spLocks noGrp="1"/>
+          </p:cNvSpPr>
+          <p:nvPr>
+            <p:ph type="title"/>
+          </p:nvPr>
+        </p:nvSpPr>
+        <p:spPr/>
+        <p:txBody>
+          <a:bodyPr/>
+          <a:lstStyle/>
+          <a:p>
+            <a:endParaRPr lang="en-US"/>
+          </a:p>
+        </p:txBody>
+      </p:sp>
+    </p:spTree>
+    <p:extLst>
+      <p:ext uri="{BB962C8B-B14F-4D97-AF65-F5344CB8AC3E}">
+        <p14:creationId xmlns:p14="http://schemas.microsoft.com/office/powerpoint/2010/main" val="1829756069"/>
+      </p:ext>
+    </p:extLst>
+  </p:cSld>
+  <p:clrMapOvr>
+    <a:masterClrMapping/>
+  </p:clrMapOvr>
+</p:sld>
+</file>
+
+<file path=ppt/slides/slide21.xml><?xml version="1.0" encoding="utf-8"?>
+<p:sld xmlns:a="http://schemas.openxmlformats.org/drawingml/2006/main" xmlns:r="http://schemas.openxmlformats.org/officeDocument/2006/relationships" xmlns:p="http://schemas.openxmlformats.org/presentationml/2006/main">
+  <p:cSld>
+    <p:spTree>
+      <p:nvGrpSpPr>
+        <p:cNvPr id="1" name=""/>
+        <p:cNvGrpSpPr/>
+        <p:nvPr/>
+      </p:nvGrpSpPr>
+      <p:grpSpPr>
+        <a:xfrm>
+          <a:off x="0" y="0"/>
+          <a:ext cx="0" cy="0"/>
+          <a:chOff x="0" y="0"/>
+          <a:chExt cx="0" cy="0"/>
+        </a:xfrm>
+      </p:grpSpPr>
+      <p:sp>
+        <p:nvSpPr>
+          <p:cNvPr id="3" name="Title 2">
+            <a:extLst>
+              <a:ext uri="{FF2B5EF4-FFF2-40B4-BE49-F238E27FC236}">
+                <a16:creationId xmlns:a16="http://schemas.microsoft.com/office/drawing/2014/main" id="{76563C6E-2FEA-4CD4-8C6B-68DE9E62A687}"/>
+              </a:ext>
+            </a:extLst>
+          </p:cNvPr>
+          <p:cNvSpPr>
+            <a:spLocks noGrp="1"/>
+          </p:cNvSpPr>
+          <p:nvPr>
+            <p:ph type="title"/>
+          </p:nvPr>
+        </p:nvSpPr>
+        <p:spPr/>
+        <p:txBody>
+          <a:bodyPr/>
+          <a:lstStyle/>
+          <a:p>
+            <a:r>
+              <a:rPr lang="en-US" dirty="0"/>
+              <a:t>High Level Design </a:t>
+            </a:r>
+          </a:p>
+        </p:txBody>
+      </p:sp>
+      <p:sp>
+        <p:nvSpPr>
+          <p:cNvPr id="5" name="Rectangle 4">
+            <a:extLst>
+              <a:ext uri="{FF2B5EF4-FFF2-40B4-BE49-F238E27FC236}">
+                <a16:creationId xmlns:a16="http://schemas.microsoft.com/office/drawing/2014/main" id="{8FB83E20-80B3-4265-952F-141C1B2753AE}"/>
+              </a:ext>
+            </a:extLst>
+          </p:cNvPr>
+          <p:cNvSpPr/>
+          <p:nvPr/>
+        </p:nvSpPr>
+        <p:spPr>
+          <a:xfrm>
+            <a:off x="4277135" y="1432798"/>
+            <a:ext cx="1608667" cy="365760"/>
+          </a:xfrm>
+          <a:prstGeom prst="rect">
+            <a:avLst/>
+          </a:prstGeom>
+          <a:solidFill>
+            <a:schemeClr val="accent2"/>
+          </a:solidFill>
+          <a:ln>
+            <a:solidFill>
+              <a:schemeClr val="bg1"/>
+            </a:solidFill>
+          </a:ln>
+        </p:spPr>
+        <p:style>
+          <a:lnRef idx="0">
+            <a:scrgbClr r="0" g="0" b="0"/>
+          </a:lnRef>
+          <a:fillRef idx="0">
+            <a:scrgbClr r="0" g="0" b="0"/>
+          </a:fillRef>
+          <a:effectRef idx="0">
+            <a:scrgbClr r="0" g="0" b="0"/>
+          </a:effectRef>
+          <a:fontRef idx="minor">
+            <a:schemeClr val="lt1"/>
+          </a:fontRef>
+        </p:style>
+        <p:txBody>
+          <a:bodyPr wrap="square" rtlCol="0" anchor="ctr">
+            <a:noAutofit/>
+          </a:bodyPr>
+          <a:lstStyle/>
+          <a:p>
+            <a:pPr algn="ctr"/>
+            <a:r>
+              <a:rPr lang="en-US" sz="1400" dirty="0">
+                <a:solidFill>
+                  <a:schemeClr val="bg1"/>
+                </a:solidFill>
+              </a:rPr>
+              <a:t>API Manager</a:t>
+            </a:r>
+          </a:p>
+        </p:txBody>
+      </p:sp>
+      <p:sp>
+        <p:nvSpPr>
+          <p:cNvPr id="9" name="Rectangle 8">
+            <a:extLst>
+              <a:ext uri="{FF2B5EF4-FFF2-40B4-BE49-F238E27FC236}">
+                <a16:creationId xmlns:a16="http://schemas.microsoft.com/office/drawing/2014/main" id="{02BEAFA8-3A57-49AE-B604-107B61D6E6DD}"/>
+              </a:ext>
+            </a:extLst>
+          </p:cNvPr>
+          <p:cNvSpPr/>
+          <p:nvPr/>
+        </p:nvSpPr>
+        <p:spPr>
+          <a:xfrm>
+            <a:off x="6629401" y="3306307"/>
+            <a:ext cx="855136" cy="430599"/>
+          </a:xfrm>
+          <a:prstGeom prst="rect">
+            <a:avLst/>
+          </a:prstGeom>
+          <a:solidFill>
+            <a:schemeClr val="accent5"/>
+          </a:solidFill>
+          <a:ln>
+            <a:noFill/>
+          </a:ln>
+        </p:spPr>
+        <p:style>
+          <a:lnRef idx="0">
+            <a:scrgbClr r="0" g="0" b="0"/>
+          </a:lnRef>
+          <a:fillRef idx="0">
+            <a:scrgbClr r="0" g="0" b="0"/>
+          </a:fillRef>
+          <a:effectRef idx="0">
+            <a:scrgbClr r="0" g="0" b="0"/>
+          </a:effectRef>
+          <a:fontRef idx="minor">
+            <a:schemeClr val="lt1"/>
+          </a:fontRef>
+        </p:style>
+        <p:txBody>
+          <a:bodyPr wrap="square" rtlCol="0" anchor="ctr">
+            <a:noAutofit/>
+          </a:bodyPr>
+          <a:lstStyle/>
+          <a:p>
+            <a:pPr algn="ctr"/>
+            <a:r>
+              <a:rPr lang="en-US" sz="1400" dirty="0">
+                <a:solidFill>
+                  <a:schemeClr val="bg1"/>
+                </a:solidFill>
+              </a:rPr>
+              <a:t>GW 2</a:t>
+            </a:r>
+          </a:p>
+        </p:txBody>
+      </p:sp>
+      <p:sp>
+        <p:nvSpPr>
+          <p:cNvPr id="10" name="Rectangle 9">
+            <a:extLst>
+              <a:ext uri="{FF2B5EF4-FFF2-40B4-BE49-F238E27FC236}">
+                <a16:creationId xmlns:a16="http://schemas.microsoft.com/office/drawing/2014/main" id="{C08424FE-6765-4927-B89B-4CF42BF7A50F}"/>
+              </a:ext>
+            </a:extLst>
+          </p:cNvPr>
+          <p:cNvSpPr/>
+          <p:nvPr/>
+        </p:nvSpPr>
+        <p:spPr>
+          <a:xfrm>
+            <a:off x="6629401" y="2730574"/>
+            <a:ext cx="855136" cy="430599"/>
+          </a:xfrm>
+          <a:prstGeom prst="rect">
+            <a:avLst/>
+          </a:prstGeom>
+          <a:solidFill>
+            <a:schemeClr val="accent5"/>
+          </a:solidFill>
+          <a:ln>
+            <a:noFill/>
+          </a:ln>
+        </p:spPr>
+        <p:style>
+          <a:lnRef idx="0">
+            <a:scrgbClr r="0" g="0" b="0"/>
+          </a:lnRef>
+          <a:fillRef idx="0">
+            <a:scrgbClr r="0" g="0" b="0"/>
+          </a:fillRef>
+          <a:effectRef idx="0">
+            <a:scrgbClr r="0" g="0" b="0"/>
+          </a:effectRef>
+          <a:fontRef idx="minor">
+            <a:schemeClr val="lt1"/>
+          </a:fontRef>
+        </p:style>
+        <p:txBody>
+          <a:bodyPr wrap="square" rtlCol="0" anchor="ctr">
+            <a:noAutofit/>
+          </a:bodyPr>
+          <a:lstStyle/>
+          <a:p>
+            <a:pPr algn="ctr"/>
+            <a:r>
+              <a:rPr lang="en-US" sz="1400" dirty="0">
+                <a:solidFill>
+                  <a:schemeClr val="bg1"/>
+                </a:solidFill>
+              </a:rPr>
+              <a:t>GW 1</a:t>
+            </a:r>
+          </a:p>
+        </p:txBody>
+      </p:sp>
+      <p:sp>
+        <p:nvSpPr>
+          <p:cNvPr id="11" name="Rectangle 10">
+            <a:extLst>
+              <a:ext uri="{FF2B5EF4-FFF2-40B4-BE49-F238E27FC236}">
+                <a16:creationId xmlns:a16="http://schemas.microsoft.com/office/drawing/2014/main" id="{547D58F8-AA5A-4834-A6D2-A29EA3C52814}"/>
+              </a:ext>
+            </a:extLst>
+          </p:cNvPr>
+          <p:cNvSpPr/>
+          <p:nvPr/>
+        </p:nvSpPr>
+        <p:spPr>
+          <a:xfrm>
+            <a:off x="2291919" y="2155136"/>
+            <a:ext cx="1396999" cy="486215"/>
+          </a:xfrm>
+          <a:prstGeom prst="rect">
+            <a:avLst/>
+          </a:prstGeom>
+          <a:solidFill>
+            <a:schemeClr val="accent2"/>
+          </a:solidFill>
+          <a:ln>
+            <a:solidFill>
+              <a:schemeClr val="bg1"/>
+            </a:solidFill>
+          </a:ln>
+        </p:spPr>
+        <p:style>
+          <a:lnRef idx="0">
+            <a:scrgbClr r="0" g="0" b="0"/>
+          </a:lnRef>
+          <a:fillRef idx="0">
+            <a:scrgbClr r="0" g="0" b="0"/>
+          </a:fillRef>
+          <a:effectRef idx="0">
+            <a:scrgbClr r="0" g="0" b="0"/>
+          </a:effectRef>
+          <a:fontRef idx="minor">
+            <a:schemeClr val="lt1"/>
+          </a:fontRef>
+        </p:style>
+        <p:txBody>
+          <a:bodyPr wrap="square" rtlCol="0" anchor="ctr">
+            <a:noAutofit/>
+          </a:bodyPr>
+          <a:lstStyle/>
+          <a:p>
+            <a:pPr algn="ctr"/>
+            <a:r>
+              <a:rPr lang="en-US" sz="1200" dirty="0">
+                <a:solidFill>
+                  <a:schemeClr val="bg1"/>
+                </a:solidFill>
+              </a:rPr>
+              <a:t>Enterprise Service Integration</a:t>
+            </a:r>
+          </a:p>
+        </p:txBody>
+      </p:sp>
+      <p:sp>
+        <p:nvSpPr>
+          <p:cNvPr id="13" name="Flowchart: Magnetic Disk 12">
+            <a:extLst>
+              <a:ext uri="{FF2B5EF4-FFF2-40B4-BE49-F238E27FC236}">
+                <a16:creationId xmlns:a16="http://schemas.microsoft.com/office/drawing/2014/main" id="{313A3C40-AB5B-4D5B-A76F-3A833E1C5858}"/>
+              </a:ext>
+            </a:extLst>
+          </p:cNvPr>
+          <p:cNvSpPr/>
+          <p:nvPr/>
+        </p:nvSpPr>
+        <p:spPr>
+          <a:xfrm>
+            <a:off x="645370" y="4207819"/>
+            <a:ext cx="258785" cy="392675"/>
+          </a:xfrm>
+          <a:prstGeom prst="flowChartMagneticDisk">
+            <a:avLst/>
+          </a:prstGeom>
+          <a:solidFill>
+            <a:schemeClr val="accent3"/>
+          </a:solidFill>
+          <a:ln>
+            <a:solidFill>
+              <a:schemeClr val="bg1">
+                <a:lumMod val="95000"/>
+              </a:schemeClr>
+            </a:solidFill>
+          </a:ln>
+        </p:spPr>
+        <p:style>
+          <a:lnRef idx="0">
+            <a:scrgbClr r="0" g="0" b="0"/>
+          </a:lnRef>
+          <a:fillRef idx="0">
+            <a:scrgbClr r="0" g="0" b="0"/>
+          </a:fillRef>
+          <a:effectRef idx="0">
+            <a:scrgbClr r="0" g="0" b="0"/>
+          </a:effectRef>
+          <a:fontRef idx="minor">
+            <a:schemeClr val="lt1"/>
+          </a:fontRef>
+        </p:style>
+        <p:txBody>
+          <a:bodyPr wrap="square" rtlCol="0" anchor="ctr">
+            <a:noAutofit/>
+          </a:bodyPr>
+          <a:lstStyle/>
+          <a:p>
+            <a:pPr algn="ctr"/>
+            <a:endParaRPr lang="en-US" sz="1000" dirty="0">
+              <a:solidFill>
+                <a:schemeClr val="bg1"/>
+              </a:solidFill>
+            </a:endParaRPr>
+          </a:p>
+        </p:txBody>
+      </p:sp>
+      <p:sp>
+        <p:nvSpPr>
+          <p:cNvPr id="14" name="Flowchart: Magnetic Disk 13">
+            <a:extLst>
+              <a:ext uri="{FF2B5EF4-FFF2-40B4-BE49-F238E27FC236}">
+                <a16:creationId xmlns:a16="http://schemas.microsoft.com/office/drawing/2014/main" id="{2240017F-A3C4-48C5-840C-F1C6E1187B9A}"/>
+              </a:ext>
+            </a:extLst>
+          </p:cNvPr>
+          <p:cNvSpPr/>
+          <p:nvPr/>
+        </p:nvSpPr>
+        <p:spPr>
+          <a:xfrm>
+            <a:off x="941466" y="4207819"/>
+            <a:ext cx="258785" cy="392675"/>
+          </a:xfrm>
+          <a:prstGeom prst="flowChartMagneticDisk">
+            <a:avLst/>
+          </a:prstGeom>
+          <a:solidFill>
+            <a:schemeClr val="accent3"/>
+          </a:solidFill>
+          <a:ln>
+            <a:solidFill>
+              <a:schemeClr val="bg1">
+                <a:lumMod val="95000"/>
+              </a:schemeClr>
+            </a:solidFill>
+          </a:ln>
+        </p:spPr>
+        <p:style>
+          <a:lnRef idx="0">
+            <a:scrgbClr r="0" g="0" b="0"/>
+          </a:lnRef>
+          <a:fillRef idx="0">
+            <a:scrgbClr r="0" g="0" b="0"/>
+          </a:fillRef>
+          <a:effectRef idx="0">
+            <a:scrgbClr r="0" g="0" b="0"/>
+          </a:effectRef>
+          <a:fontRef idx="minor">
+            <a:schemeClr val="lt1"/>
+          </a:fontRef>
+        </p:style>
+        <p:txBody>
+          <a:bodyPr wrap="square" rtlCol="0" anchor="ctr">
+            <a:noAutofit/>
+          </a:bodyPr>
+          <a:lstStyle/>
+          <a:p>
+            <a:pPr algn="ctr"/>
+            <a:endParaRPr lang="en-US" sz="1000" dirty="0">
+              <a:solidFill>
+                <a:schemeClr val="bg1"/>
+              </a:solidFill>
+            </a:endParaRPr>
+          </a:p>
+        </p:txBody>
+      </p:sp>
+      <p:sp>
+        <p:nvSpPr>
+          <p:cNvPr id="15" name="Flowchart: Magnetic Disk 14">
+            <a:extLst>
+              <a:ext uri="{FF2B5EF4-FFF2-40B4-BE49-F238E27FC236}">
+                <a16:creationId xmlns:a16="http://schemas.microsoft.com/office/drawing/2014/main" id="{436FEC6A-DA21-47A2-8735-7DCFAAAE8B77}"/>
+              </a:ext>
+            </a:extLst>
+          </p:cNvPr>
+          <p:cNvSpPr/>
+          <p:nvPr/>
+        </p:nvSpPr>
+        <p:spPr>
+          <a:xfrm>
+            <a:off x="793537" y="4322647"/>
+            <a:ext cx="258785" cy="392675"/>
+          </a:xfrm>
+          <a:prstGeom prst="flowChartMagneticDisk">
+            <a:avLst/>
+          </a:prstGeom>
+          <a:solidFill>
+            <a:schemeClr val="accent3"/>
+          </a:solidFill>
+          <a:ln>
+            <a:solidFill>
+              <a:schemeClr val="bg1">
+                <a:lumMod val="95000"/>
+              </a:schemeClr>
+            </a:solidFill>
+          </a:ln>
+        </p:spPr>
+        <p:style>
+          <a:lnRef idx="0">
+            <a:scrgbClr r="0" g="0" b="0"/>
+          </a:lnRef>
+          <a:fillRef idx="0">
+            <a:scrgbClr r="0" g="0" b="0"/>
+          </a:fillRef>
+          <a:effectRef idx="0">
+            <a:scrgbClr r="0" g="0" b="0"/>
+          </a:effectRef>
+          <a:fontRef idx="minor">
+            <a:schemeClr val="lt1"/>
+          </a:fontRef>
+        </p:style>
+        <p:txBody>
+          <a:bodyPr wrap="square" rtlCol="0" anchor="ctr">
+            <a:noAutofit/>
+          </a:bodyPr>
+          <a:lstStyle/>
+          <a:p>
+            <a:pPr algn="ctr"/>
+            <a:endParaRPr lang="en-US" sz="1000" dirty="0">
+              <a:solidFill>
+                <a:schemeClr val="bg1"/>
+              </a:solidFill>
+            </a:endParaRPr>
+          </a:p>
+        </p:txBody>
+      </p:sp>
+      <p:sp>
+        <p:nvSpPr>
+          <p:cNvPr id="19" name="TextBox 18">
+            <a:extLst>
+              <a:ext uri="{FF2B5EF4-FFF2-40B4-BE49-F238E27FC236}">
+                <a16:creationId xmlns:a16="http://schemas.microsoft.com/office/drawing/2014/main" id="{C576D82D-AAB1-4158-AB5F-FBB8A82C092C}"/>
+              </a:ext>
+            </a:extLst>
+          </p:cNvPr>
+          <p:cNvSpPr txBox="1"/>
+          <p:nvPr/>
+        </p:nvSpPr>
+        <p:spPr>
+          <a:xfrm>
+            <a:off x="522592" y="4691650"/>
+            <a:ext cx="766492" cy="276999"/>
+          </a:xfrm>
+          <a:prstGeom prst="rect">
+            <a:avLst/>
+          </a:prstGeom>
+          <a:noFill/>
+        </p:spPr>
+        <p:txBody>
+          <a:bodyPr wrap="none" rtlCol="0">
+            <a:spAutoFit/>
+          </a:bodyPr>
+          <a:lstStyle/>
+          <a:p>
+            <a:r>
+              <a:rPr lang="en-US" sz="1200" dirty="0"/>
+              <a:t>Database</a:t>
+            </a:r>
+          </a:p>
+        </p:txBody>
+      </p:sp>
+      <p:pic>
+        <p:nvPicPr>
+          <p:cNvPr id="1026" name="Picture 2" descr="Iot Icon Png #64565 - Free Icons Library">
+            <a:extLst>
+              <a:ext uri="{FF2B5EF4-FFF2-40B4-BE49-F238E27FC236}">
+                <a16:creationId xmlns:a16="http://schemas.microsoft.com/office/drawing/2014/main" id="{FE8AB76A-9E8D-4C35-84B0-E580CFA36C17}"/>
+              </a:ext>
+            </a:extLst>
+          </p:cNvPr>
+          <p:cNvPicPr>
+            <a:picLocks noChangeAspect="1" noChangeArrowheads="1"/>
+          </p:cNvPicPr>
+          <p:nvPr/>
+        </p:nvPicPr>
+        <p:blipFill>
+          <a:blip r:embed="rId2">
+            <a:extLst>
+              <a:ext uri="{28A0092B-C50C-407E-A947-70E740481C1C}">
+                <a14:useLocalDpi xmlns:a14="http://schemas.microsoft.com/office/drawing/2010/main" val="0"/>
+              </a:ext>
+            </a:extLst>
+          </a:blip>
+          <a:srcRect/>
+          <a:stretch>
+            <a:fillRect/>
+          </a:stretch>
+        </p:blipFill>
+        <p:spPr bwMode="auto">
+          <a:xfrm>
+            <a:off x="8565624" y="2706189"/>
+            <a:ext cx="402891" cy="339879"/>
+          </a:xfrm>
+          <a:prstGeom prst="rect">
+            <a:avLst/>
+          </a:prstGeom>
+          <a:noFill/>
+          <a:extLst>
+            <a:ext uri="{909E8E84-426E-40DD-AFC4-6F175D3DCCD1}">
+              <a14:hiddenFill xmlns:a14="http://schemas.microsoft.com/office/drawing/2010/main">
+                <a:solidFill>
+                  <a:srgbClr val="FFFFFF"/>
+                </a:solidFill>
+              </a14:hiddenFill>
+            </a:ext>
+          </a:extLst>
+        </p:spPr>
+      </p:pic>
+      <p:pic>
+        <p:nvPicPr>
+          <p:cNvPr id="1036" name="Picture 12" descr="Application, custom, feature, program icon - Download on Iconfinder">
+            <a:extLst>
+              <a:ext uri="{FF2B5EF4-FFF2-40B4-BE49-F238E27FC236}">
+                <a16:creationId xmlns:a16="http://schemas.microsoft.com/office/drawing/2014/main" id="{7D2CB1CB-7382-4909-89FF-DFE6CF5DD958}"/>
+              </a:ext>
+            </a:extLst>
+          </p:cNvPr>
+          <p:cNvPicPr>
+            <a:picLocks noChangeAspect="1" noChangeArrowheads="1"/>
+          </p:cNvPicPr>
+          <p:nvPr/>
+        </p:nvPicPr>
+        <p:blipFill>
+          <a:blip r:embed="rId3">
+            <a:extLst>
+              <a:ext uri="{28A0092B-C50C-407E-A947-70E740481C1C}">
+                <a14:useLocalDpi xmlns:a14="http://schemas.microsoft.com/office/drawing/2010/main" val="0"/>
+              </a:ext>
+            </a:extLst>
+          </a:blip>
+          <a:srcRect/>
+          <a:stretch>
+            <a:fillRect/>
+          </a:stretch>
+        </p:blipFill>
+        <p:spPr bwMode="auto">
+          <a:xfrm>
+            <a:off x="8511315" y="3332994"/>
+            <a:ext cx="457200" cy="457200"/>
+          </a:xfrm>
+          <a:prstGeom prst="rect">
+            <a:avLst/>
+          </a:prstGeom>
+          <a:noFill/>
+          <a:extLst>
+            <a:ext uri="{909E8E84-426E-40DD-AFC4-6F175D3DCCD1}">
+              <a14:hiddenFill xmlns:a14="http://schemas.microsoft.com/office/drawing/2010/main">
+                <a:solidFill>
+                  <a:srgbClr val="FFFFFF"/>
+                </a:solidFill>
+              </a14:hiddenFill>
+            </a:ext>
+          </a:extLst>
+        </p:spPr>
+      </p:pic>
+      <p:pic>
+        <p:nvPicPr>
+          <p:cNvPr id="1040" name="Picture 16">
+            <a:extLst>
+              <a:ext uri="{FF2B5EF4-FFF2-40B4-BE49-F238E27FC236}">
+                <a16:creationId xmlns:a16="http://schemas.microsoft.com/office/drawing/2014/main" id="{5D71F208-4571-4A09-9AA0-F0EB08A0964B}"/>
+              </a:ext>
+            </a:extLst>
+          </p:cNvPr>
+          <p:cNvPicPr>
+            <a:picLocks noChangeAspect="1" noChangeArrowheads="1"/>
+          </p:cNvPicPr>
+          <p:nvPr/>
+        </p:nvPicPr>
+        <p:blipFill>
+          <a:blip r:embed="rId4">
+            <a:extLst>
+              <a:ext uri="{28A0092B-C50C-407E-A947-70E740481C1C}">
+                <a14:useLocalDpi xmlns:a14="http://schemas.microsoft.com/office/drawing/2010/main" val="0"/>
+              </a:ext>
+            </a:extLst>
+          </a:blip>
+          <a:srcRect/>
+          <a:stretch>
+            <a:fillRect/>
+          </a:stretch>
+        </p:blipFill>
+        <p:spPr bwMode="auto">
+          <a:xfrm>
+            <a:off x="8502745" y="4094161"/>
+            <a:ext cx="457200" cy="330382"/>
+          </a:xfrm>
+          <a:prstGeom prst="rect">
+            <a:avLst/>
+          </a:prstGeom>
+          <a:noFill/>
+          <a:extLst>
+            <a:ext uri="{909E8E84-426E-40DD-AFC4-6F175D3DCCD1}">
+              <a14:hiddenFill xmlns:a14="http://schemas.microsoft.com/office/drawing/2010/main">
+                <a:solidFill>
+                  <a:srgbClr val="FFFFFF"/>
+                </a:solidFill>
+              </a14:hiddenFill>
+            </a:ext>
+          </a:extLst>
+        </p:spPr>
+      </p:pic>
+      <p:cxnSp>
+        <p:nvCxnSpPr>
+          <p:cNvPr id="22" name="Straight Connector 21">
+            <a:extLst>
+              <a:ext uri="{FF2B5EF4-FFF2-40B4-BE49-F238E27FC236}">
+                <a16:creationId xmlns:a16="http://schemas.microsoft.com/office/drawing/2014/main" id="{1C51AB52-1749-442A-AE2A-04147B880AFF}"/>
+              </a:ext>
+            </a:extLst>
+          </p:cNvPr>
+          <p:cNvCxnSpPr>
+            <a:cxnSpLocks/>
+          </p:cNvCxnSpPr>
+          <p:nvPr/>
+        </p:nvCxnSpPr>
+        <p:spPr>
+          <a:xfrm>
+            <a:off x="8183587" y="1305227"/>
+            <a:ext cx="42249" cy="4817534"/>
+          </a:xfrm>
+          <a:prstGeom prst="line">
+            <a:avLst/>
+          </a:prstGeom>
+        </p:spPr>
+        <p:style>
+          <a:lnRef idx="1">
+            <a:schemeClr val="accent1"/>
+          </a:lnRef>
+          <a:fillRef idx="0">
+            <a:schemeClr val="accent1"/>
+          </a:fillRef>
+          <a:effectRef idx="0">
+            <a:schemeClr val="accent1"/>
+          </a:effectRef>
+          <a:fontRef idx="minor">
+            <a:schemeClr val="tx1"/>
+          </a:fontRef>
+        </p:style>
+      </p:cxnSp>
+      <p:pic>
+        <p:nvPicPr>
+          <p:cNvPr id="29" name="Graphic 28" descr="Cloud outline">
+            <a:extLst>
+              <a:ext uri="{FF2B5EF4-FFF2-40B4-BE49-F238E27FC236}">
+                <a16:creationId xmlns:a16="http://schemas.microsoft.com/office/drawing/2014/main" id="{3EFBABA6-D105-447A-9AB0-7A4B85DF8E89}"/>
+              </a:ext>
+            </a:extLst>
+          </p:cNvPr>
+          <p:cNvPicPr>
+            <a:picLocks noChangeAspect="1"/>
+          </p:cNvPicPr>
+          <p:nvPr/>
+        </p:nvPicPr>
+        <p:blipFill>
+          <a:blip r:embed="rId5">
+            <a:extLst>
+              <a:ext uri="{28A0092B-C50C-407E-A947-70E740481C1C}">
+                <a14:useLocalDpi xmlns:a14="http://schemas.microsoft.com/office/drawing/2010/main" val="0"/>
+              </a:ext>
+              <a:ext uri="{96DAC541-7B7A-43D3-8B79-37D633B846F1}">
+                <asvg:svgBlip xmlns:asvg="http://schemas.microsoft.com/office/drawing/2016/SVG/main" r:embed="rId6"/>
+              </a:ext>
+            </a:extLst>
+          </a:blip>
+          <a:stretch>
+            <a:fillRect/>
+          </a:stretch>
+        </p:blipFill>
+        <p:spPr>
+          <a:xfrm>
+            <a:off x="337831" y="2235835"/>
+            <a:ext cx="1243921" cy="1122542"/>
+          </a:xfrm>
+          <a:prstGeom prst="rect">
+            <a:avLst/>
+          </a:prstGeom>
+        </p:spPr>
+      </p:pic>
+      <p:sp>
+        <p:nvSpPr>
+          <p:cNvPr id="40" name="TextBox 39">
+            <a:extLst>
+              <a:ext uri="{FF2B5EF4-FFF2-40B4-BE49-F238E27FC236}">
+                <a16:creationId xmlns:a16="http://schemas.microsoft.com/office/drawing/2014/main" id="{DF9C0BA5-CDF4-46FD-8538-7D27B1C3B52A}"/>
+              </a:ext>
+            </a:extLst>
+          </p:cNvPr>
+          <p:cNvSpPr txBox="1"/>
+          <p:nvPr/>
+        </p:nvSpPr>
+        <p:spPr>
+          <a:xfrm>
+            <a:off x="414862" y="2650942"/>
+            <a:ext cx="1022432" cy="400110"/>
+          </a:xfrm>
+          <a:prstGeom prst="rect">
+            <a:avLst/>
+          </a:prstGeom>
+          <a:noFill/>
+        </p:spPr>
+        <p:txBody>
+          <a:bodyPr wrap="square" rtlCol="0">
+            <a:spAutoFit/>
+          </a:bodyPr>
+          <a:lstStyle/>
+          <a:p>
+            <a:pPr algn="ctr"/>
+            <a:r>
+              <a:rPr lang="en-US" sz="1000" dirty="0"/>
+              <a:t>Cloud Applications</a:t>
+            </a:r>
+          </a:p>
+        </p:txBody>
+      </p:sp>
+      <p:sp>
+        <p:nvSpPr>
+          <p:cNvPr id="32" name="Rectangle 31">
+            <a:extLst>
+              <a:ext uri="{FF2B5EF4-FFF2-40B4-BE49-F238E27FC236}">
+                <a16:creationId xmlns:a16="http://schemas.microsoft.com/office/drawing/2014/main" id="{17D40773-9E8E-4ED4-A036-9443F1052021}"/>
+              </a:ext>
+            </a:extLst>
+          </p:cNvPr>
+          <p:cNvSpPr/>
+          <p:nvPr/>
+        </p:nvSpPr>
+        <p:spPr>
+          <a:xfrm>
+            <a:off x="492442" y="3437704"/>
+            <a:ext cx="898048" cy="558609"/>
+          </a:xfrm>
+          <a:prstGeom prst="rect">
+            <a:avLst/>
+          </a:prstGeom>
+          <a:solidFill>
+            <a:schemeClr val="accent3"/>
+          </a:solidFill>
+          <a:ln>
+            <a:noFill/>
+          </a:ln>
+        </p:spPr>
+        <p:style>
+          <a:lnRef idx="0">
+            <a:scrgbClr r="0" g="0" b="0"/>
+          </a:lnRef>
+          <a:fillRef idx="0">
+            <a:scrgbClr r="0" g="0" b="0"/>
+          </a:fillRef>
+          <a:effectRef idx="0">
+            <a:scrgbClr r="0" g="0" b="0"/>
+          </a:effectRef>
+          <a:fontRef idx="minor">
+            <a:schemeClr val="lt1"/>
+          </a:fontRef>
+        </p:style>
+        <p:txBody>
+          <a:bodyPr wrap="square" rtlCol="0" anchor="ctr">
+            <a:noAutofit/>
+          </a:bodyPr>
+          <a:lstStyle/>
+          <a:p>
+            <a:pPr algn="ctr"/>
+            <a:r>
+              <a:rPr lang="en-US" sz="1000" dirty="0">
+                <a:solidFill>
+                  <a:schemeClr val="bg1"/>
+                </a:solidFill>
+              </a:rPr>
+              <a:t>On Premise Applications</a:t>
+            </a:r>
+          </a:p>
+        </p:txBody>
+      </p:sp>
+      <p:cxnSp>
+        <p:nvCxnSpPr>
+          <p:cNvPr id="34" name="Straight Connector 33">
+            <a:extLst>
+              <a:ext uri="{FF2B5EF4-FFF2-40B4-BE49-F238E27FC236}">
+                <a16:creationId xmlns:a16="http://schemas.microsoft.com/office/drawing/2014/main" id="{F2C6CBEF-DE05-420F-9072-9660A5C84579}"/>
+              </a:ext>
+            </a:extLst>
+          </p:cNvPr>
+          <p:cNvCxnSpPr>
+            <a:cxnSpLocks/>
+          </p:cNvCxnSpPr>
+          <p:nvPr/>
+        </p:nvCxnSpPr>
+        <p:spPr>
+          <a:xfrm>
+            <a:off x="6110481" y="1305227"/>
+            <a:ext cx="0" cy="4817534"/>
+          </a:xfrm>
+          <a:prstGeom prst="line">
+            <a:avLst/>
+          </a:prstGeom>
+        </p:spPr>
+        <p:style>
+          <a:lnRef idx="1">
+            <a:schemeClr val="accent1"/>
+          </a:lnRef>
+          <a:fillRef idx="0">
+            <a:schemeClr val="accent1"/>
+          </a:fillRef>
+          <a:effectRef idx="0">
+            <a:schemeClr val="accent1"/>
+          </a:effectRef>
+          <a:fontRef idx="minor">
+            <a:schemeClr val="tx1"/>
+          </a:fontRef>
+        </p:style>
+      </p:cxnSp>
+      <p:cxnSp>
+        <p:nvCxnSpPr>
+          <p:cNvPr id="44" name="Straight Connector 43">
+            <a:extLst>
+              <a:ext uri="{FF2B5EF4-FFF2-40B4-BE49-F238E27FC236}">
+                <a16:creationId xmlns:a16="http://schemas.microsoft.com/office/drawing/2014/main" id="{3C40A1BC-2BDF-4841-9D56-DC6850A39D07}"/>
+              </a:ext>
+            </a:extLst>
+          </p:cNvPr>
+          <p:cNvCxnSpPr>
+            <a:cxnSpLocks/>
+          </p:cNvCxnSpPr>
+          <p:nvPr/>
+        </p:nvCxnSpPr>
+        <p:spPr>
+          <a:xfrm>
+            <a:off x="4037374" y="1305227"/>
+            <a:ext cx="0" cy="4817534"/>
+          </a:xfrm>
+          <a:prstGeom prst="line">
+            <a:avLst/>
+          </a:prstGeom>
+        </p:spPr>
+        <p:style>
+          <a:lnRef idx="1">
+            <a:schemeClr val="accent1"/>
+          </a:lnRef>
+          <a:fillRef idx="0">
+            <a:schemeClr val="accent1"/>
+          </a:fillRef>
+          <a:effectRef idx="0">
+            <a:schemeClr val="accent1"/>
+          </a:effectRef>
+          <a:fontRef idx="minor">
+            <a:schemeClr val="tx1"/>
+          </a:fontRef>
+        </p:style>
+      </p:cxnSp>
+      <p:cxnSp>
+        <p:nvCxnSpPr>
+          <p:cNvPr id="45" name="Straight Connector 44">
+            <a:extLst>
+              <a:ext uri="{FF2B5EF4-FFF2-40B4-BE49-F238E27FC236}">
+                <a16:creationId xmlns:a16="http://schemas.microsoft.com/office/drawing/2014/main" id="{7BC29F1F-B6D3-4202-A3A1-87A2238BAD27}"/>
+              </a:ext>
+            </a:extLst>
+          </p:cNvPr>
+          <p:cNvCxnSpPr>
+            <a:cxnSpLocks/>
+          </p:cNvCxnSpPr>
+          <p:nvPr/>
+        </p:nvCxnSpPr>
+        <p:spPr>
+          <a:xfrm>
+            <a:off x="1964267" y="1305227"/>
+            <a:ext cx="0" cy="4817534"/>
+          </a:xfrm>
+          <a:prstGeom prst="line">
+            <a:avLst/>
+          </a:prstGeom>
+        </p:spPr>
+        <p:style>
+          <a:lnRef idx="1">
+            <a:schemeClr val="accent1"/>
+          </a:lnRef>
+          <a:fillRef idx="0">
+            <a:schemeClr val="accent1"/>
+          </a:fillRef>
+          <a:effectRef idx="0">
+            <a:schemeClr val="accent1"/>
+          </a:effectRef>
+          <a:fontRef idx="minor">
+            <a:schemeClr val="tx1"/>
+          </a:fontRef>
+        </p:style>
+      </p:cxnSp>
+      <p:sp>
+        <p:nvSpPr>
+          <p:cNvPr id="38" name="TextBox 37">
+            <a:extLst>
+              <a:ext uri="{FF2B5EF4-FFF2-40B4-BE49-F238E27FC236}">
+                <a16:creationId xmlns:a16="http://schemas.microsoft.com/office/drawing/2014/main" id="{854474C7-C985-48F7-9B57-C29E6E147E5E}"/>
+              </a:ext>
+            </a:extLst>
+          </p:cNvPr>
+          <p:cNvSpPr txBox="1"/>
+          <p:nvPr/>
+        </p:nvSpPr>
+        <p:spPr>
+          <a:xfrm>
+            <a:off x="150243" y="950353"/>
+            <a:ext cx="1645920" cy="276999"/>
+          </a:xfrm>
+          <a:prstGeom prst="rect">
+            <a:avLst/>
+          </a:prstGeom>
+          <a:noFill/>
+        </p:spPr>
+        <p:txBody>
+          <a:bodyPr wrap="none" rtlCol="0">
+            <a:spAutoFit/>
+          </a:bodyPr>
+          <a:lstStyle/>
+          <a:p>
+            <a:pPr algn="ctr"/>
+            <a:r>
+              <a:rPr lang="en-US" sz="1200" dirty="0"/>
+              <a:t>Enterprise Applications</a:t>
+            </a:r>
+          </a:p>
+        </p:txBody>
+      </p:sp>
+      <p:sp>
+        <p:nvSpPr>
+          <p:cNvPr id="49" name="TextBox 48">
+            <a:extLst>
+              <a:ext uri="{FF2B5EF4-FFF2-40B4-BE49-F238E27FC236}">
+                <a16:creationId xmlns:a16="http://schemas.microsoft.com/office/drawing/2014/main" id="{D3D8B159-E8E5-490B-8B42-A9ABD86AE52E}"/>
+              </a:ext>
+            </a:extLst>
+          </p:cNvPr>
+          <p:cNvSpPr txBox="1"/>
+          <p:nvPr/>
+        </p:nvSpPr>
+        <p:spPr>
+          <a:xfrm>
+            <a:off x="2407820" y="950353"/>
+            <a:ext cx="1238288" cy="276999"/>
+          </a:xfrm>
+          <a:prstGeom prst="rect">
+            <a:avLst/>
+          </a:prstGeom>
+          <a:noFill/>
+        </p:spPr>
+        <p:txBody>
+          <a:bodyPr wrap="none" rtlCol="0">
+            <a:spAutoFit/>
+          </a:bodyPr>
+          <a:lstStyle/>
+          <a:p>
+            <a:pPr algn="ctr"/>
+            <a:r>
+              <a:rPr lang="en-US" sz="1200" dirty="0"/>
+              <a:t>Integration Layer</a:t>
+            </a:r>
+          </a:p>
+        </p:txBody>
+      </p:sp>
+      <p:sp>
+        <p:nvSpPr>
+          <p:cNvPr id="50" name="TextBox 49">
+            <a:extLst>
+              <a:ext uri="{FF2B5EF4-FFF2-40B4-BE49-F238E27FC236}">
+                <a16:creationId xmlns:a16="http://schemas.microsoft.com/office/drawing/2014/main" id="{0C18E82E-B7AC-4F2B-9262-F3EB44E9D491}"/>
+              </a:ext>
+            </a:extLst>
+          </p:cNvPr>
+          <p:cNvSpPr txBox="1"/>
+          <p:nvPr/>
+        </p:nvSpPr>
+        <p:spPr>
+          <a:xfrm>
+            <a:off x="4258508" y="950353"/>
+            <a:ext cx="1645920" cy="276999"/>
+          </a:xfrm>
+          <a:prstGeom prst="rect">
+            <a:avLst/>
+          </a:prstGeom>
+          <a:noFill/>
+        </p:spPr>
+        <p:txBody>
+          <a:bodyPr wrap="none" rtlCol="0">
+            <a:spAutoFit/>
+          </a:bodyPr>
+          <a:lstStyle/>
+          <a:p>
+            <a:pPr algn="ctr"/>
+            <a:r>
+              <a:rPr lang="en-US" sz="1200" dirty="0"/>
+              <a:t>API Management Layer</a:t>
+            </a:r>
+          </a:p>
+        </p:txBody>
+      </p:sp>
+      <p:sp>
+        <p:nvSpPr>
+          <p:cNvPr id="51" name="TextBox 50">
+            <a:extLst>
+              <a:ext uri="{FF2B5EF4-FFF2-40B4-BE49-F238E27FC236}">
+                <a16:creationId xmlns:a16="http://schemas.microsoft.com/office/drawing/2014/main" id="{75F87D3D-30F9-442E-A65C-A18611DC3A67}"/>
+              </a:ext>
+            </a:extLst>
+          </p:cNvPr>
+          <p:cNvSpPr txBox="1"/>
+          <p:nvPr/>
+        </p:nvSpPr>
+        <p:spPr>
+          <a:xfrm>
+            <a:off x="6571606" y="950353"/>
+            <a:ext cx="1131593" cy="276999"/>
+          </a:xfrm>
+          <a:prstGeom prst="rect">
+            <a:avLst/>
+          </a:prstGeom>
+          <a:noFill/>
+        </p:spPr>
+        <p:txBody>
+          <a:bodyPr wrap="none" rtlCol="0">
+            <a:spAutoFit/>
+          </a:bodyPr>
+          <a:lstStyle/>
+          <a:p>
+            <a:pPr algn="ctr"/>
+            <a:r>
+              <a:rPr lang="en-US" sz="1200" dirty="0"/>
+              <a:t>Gateway/EDGE</a:t>
+            </a:r>
+          </a:p>
+        </p:txBody>
+      </p:sp>
+      <p:sp>
+        <p:nvSpPr>
+          <p:cNvPr id="39" name="TextBox 38">
+            <a:extLst>
+              <a:ext uri="{FF2B5EF4-FFF2-40B4-BE49-F238E27FC236}">
+                <a16:creationId xmlns:a16="http://schemas.microsoft.com/office/drawing/2014/main" id="{B61664B8-75AA-4F9A-95C1-5F0222BCE6A4}"/>
+              </a:ext>
+            </a:extLst>
+          </p:cNvPr>
+          <p:cNvSpPr txBox="1"/>
+          <p:nvPr/>
+        </p:nvSpPr>
+        <p:spPr>
+          <a:xfrm>
+            <a:off x="4200144" y="1798615"/>
+            <a:ext cx="1762649" cy="1115514"/>
+          </a:xfrm>
+          <a:prstGeom prst="rect">
+            <a:avLst/>
+          </a:prstGeom>
+          <a:noFill/>
+        </p:spPr>
+        <p:txBody>
+          <a:bodyPr wrap="none" rtlCol="0">
+            <a:noAutofit/>
+          </a:bodyPr>
+          <a:lstStyle/>
+          <a:p>
+            <a:pPr marL="171450" indent="-171450">
+              <a:buFont typeface="Arial" panose="020B0604020202020204" pitchFamily="34" charset="0"/>
+              <a:buChar char="•"/>
+            </a:pPr>
+            <a:r>
+              <a:rPr lang="en-US" sz="1000" dirty="0">
+                <a:solidFill>
+                  <a:schemeClr val="accent3">
+                    <a:lumMod val="50000"/>
+                  </a:schemeClr>
+                </a:solidFill>
+              </a:rPr>
+              <a:t>Micro Orchestration</a:t>
+            </a:r>
+          </a:p>
+          <a:p>
+            <a:pPr marL="171450" indent="-171450">
+              <a:buFont typeface="Arial" panose="020B0604020202020204" pitchFamily="34" charset="0"/>
+              <a:buChar char="•"/>
+            </a:pPr>
+            <a:r>
+              <a:rPr lang="en-US" sz="1000" dirty="0">
+                <a:solidFill>
+                  <a:schemeClr val="accent3">
+                    <a:lumMod val="50000"/>
+                  </a:schemeClr>
+                </a:solidFill>
+              </a:rPr>
+              <a:t>Throttling</a:t>
+            </a:r>
+          </a:p>
+          <a:p>
+            <a:pPr marL="171450" indent="-171450">
+              <a:buFont typeface="Arial" panose="020B0604020202020204" pitchFamily="34" charset="0"/>
+              <a:buChar char="•"/>
+            </a:pPr>
+            <a:r>
+              <a:rPr lang="en-US" sz="1000" dirty="0">
+                <a:solidFill>
+                  <a:schemeClr val="accent3">
+                    <a:lumMod val="50000"/>
+                  </a:schemeClr>
+                </a:solidFill>
+              </a:rPr>
+              <a:t>Traffic Management</a:t>
+            </a:r>
+          </a:p>
+          <a:p>
+            <a:pPr marL="171450" indent="-171450">
+              <a:buFont typeface="Arial" panose="020B0604020202020204" pitchFamily="34" charset="0"/>
+              <a:buChar char="•"/>
+            </a:pPr>
+            <a:r>
+              <a:rPr lang="en-US" sz="1000" dirty="0">
+                <a:solidFill>
+                  <a:schemeClr val="accent3">
+                    <a:lumMod val="50000"/>
+                  </a:schemeClr>
+                </a:solidFill>
+              </a:rPr>
+              <a:t>Mediation</a:t>
+            </a:r>
+          </a:p>
+          <a:p>
+            <a:pPr marL="171450" indent="-171450">
+              <a:buFont typeface="Arial" panose="020B0604020202020204" pitchFamily="34" charset="0"/>
+              <a:buChar char="•"/>
+            </a:pPr>
+            <a:r>
+              <a:rPr lang="en-US" sz="1000" dirty="0">
+                <a:solidFill>
+                  <a:schemeClr val="accent3">
+                    <a:lumMod val="50000"/>
+                  </a:schemeClr>
+                </a:solidFill>
+              </a:rPr>
+              <a:t>Authentication</a:t>
+            </a:r>
+          </a:p>
+          <a:p>
+            <a:pPr marL="171450" indent="-171450">
+              <a:buFont typeface="Arial" panose="020B0604020202020204" pitchFamily="34" charset="0"/>
+              <a:buChar char="•"/>
+            </a:pPr>
+            <a:r>
+              <a:rPr lang="en-US" sz="1000" dirty="0">
+                <a:solidFill>
+                  <a:schemeClr val="accent3">
+                    <a:lumMod val="50000"/>
+                  </a:schemeClr>
+                </a:solidFill>
+              </a:rPr>
+              <a:t>Authorization</a:t>
+            </a:r>
+          </a:p>
+          <a:p>
+            <a:pPr marL="171450" indent="-171450">
+              <a:buFont typeface="Arial" panose="020B0604020202020204" pitchFamily="34" charset="0"/>
+              <a:buChar char="•"/>
+            </a:pPr>
+            <a:r>
+              <a:rPr lang="en-US" sz="1000" dirty="0">
+                <a:solidFill>
+                  <a:schemeClr val="accent3">
+                    <a:lumMod val="50000"/>
+                  </a:schemeClr>
+                </a:solidFill>
+              </a:rPr>
+              <a:t>Service Metadata</a:t>
+            </a:r>
+          </a:p>
+          <a:p>
+            <a:pPr marL="171450" indent="-171450">
+              <a:buFont typeface="Arial" panose="020B0604020202020204" pitchFamily="34" charset="0"/>
+              <a:buChar char="•"/>
+            </a:pPr>
+            <a:endParaRPr lang="en-US" sz="1000" dirty="0">
+              <a:solidFill>
+                <a:schemeClr val="accent3">
+                  <a:lumMod val="50000"/>
+                </a:schemeClr>
+              </a:solidFill>
+            </a:endParaRPr>
+          </a:p>
+        </p:txBody>
+      </p:sp>
+      <p:sp>
+        <p:nvSpPr>
+          <p:cNvPr id="62" name="Rectangle 61">
+            <a:extLst>
+              <a:ext uri="{FF2B5EF4-FFF2-40B4-BE49-F238E27FC236}">
+                <a16:creationId xmlns:a16="http://schemas.microsoft.com/office/drawing/2014/main" id="{40D51FA9-A17F-4864-841B-4677BB5C315E}"/>
+              </a:ext>
+            </a:extLst>
+          </p:cNvPr>
+          <p:cNvSpPr/>
+          <p:nvPr/>
+        </p:nvSpPr>
+        <p:spPr>
+          <a:xfrm>
+            <a:off x="4277135" y="3554026"/>
+            <a:ext cx="1608667" cy="365760"/>
+          </a:xfrm>
+          <a:prstGeom prst="rect">
+            <a:avLst/>
+          </a:prstGeom>
+          <a:solidFill>
+            <a:schemeClr val="accent2"/>
+          </a:solidFill>
+          <a:ln>
+            <a:solidFill>
+              <a:schemeClr val="bg1"/>
+            </a:solidFill>
+          </a:ln>
+        </p:spPr>
+        <p:style>
+          <a:lnRef idx="0">
+            <a:scrgbClr r="0" g="0" b="0"/>
+          </a:lnRef>
+          <a:fillRef idx="0">
+            <a:scrgbClr r="0" g="0" b="0"/>
+          </a:fillRef>
+          <a:effectRef idx="0">
+            <a:scrgbClr r="0" g="0" b="0"/>
+          </a:effectRef>
+          <a:fontRef idx="minor">
+            <a:schemeClr val="lt1"/>
+          </a:fontRef>
+        </p:style>
+        <p:txBody>
+          <a:bodyPr wrap="square" rtlCol="0" anchor="ctr">
+            <a:noAutofit/>
+          </a:bodyPr>
+          <a:lstStyle/>
+          <a:p>
+            <a:pPr algn="ctr"/>
+            <a:r>
+              <a:rPr lang="en-US" sz="1400" dirty="0">
+                <a:solidFill>
+                  <a:schemeClr val="bg1"/>
+                </a:solidFill>
+              </a:rPr>
+              <a:t>Analytics Services</a:t>
+            </a:r>
+          </a:p>
+        </p:txBody>
+      </p:sp>
+      <p:sp>
+        <p:nvSpPr>
+          <p:cNvPr id="63" name="TextBox 62">
+            <a:extLst>
+              <a:ext uri="{FF2B5EF4-FFF2-40B4-BE49-F238E27FC236}">
+                <a16:creationId xmlns:a16="http://schemas.microsoft.com/office/drawing/2014/main" id="{5E2BEE51-FE9A-4E97-B13F-9D531CE3B009}"/>
+              </a:ext>
+            </a:extLst>
+          </p:cNvPr>
+          <p:cNvSpPr txBox="1"/>
+          <p:nvPr/>
+        </p:nvSpPr>
+        <p:spPr>
+          <a:xfrm>
+            <a:off x="4200143" y="4034299"/>
+            <a:ext cx="1762649" cy="569730"/>
+          </a:xfrm>
+          <a:prstGeom prst="rect">
+            <a:avLst/>
+          </a:prstGeom>
+          <a:noFill/>
+        </p:spPr>
+        <p:txBody>
+          <a:bodyPr wrap="none" rtlCol="0">
+            <a:noAutofit/>
+          </a:bodyPr>
+          <a:lstStyle/>
+          <a:p>
+            <a:pPr marL="171450" indent="-171450">
+              <a:buFont typeface="Arial" panose="020B0604020202020204" pitchFamily="34" charset="0"/>
+              <a:buChar char="•"/>
+            </a:pPr>
+            <a:r>
+              <a:rPr lang="en-US" sz="1000" dirty="0">
+                <a:solidFill>
+                  <a:schemeClr val="accent3">
+                    <a:lumMod val="50000"/>
+                  </a:schemeClr>
+                </a:solidFill>
+              </a:rPr>
+              <a:t>Real Time Monitoring</a:t>
+            </a:r>
+          </a:p>
+          <a:p>
+            <a:pPr marL="171450" indent="-171450">
+              <a:buFont typeface="Arial" panose="020B0604020202020204" pitchFamily="34" charset="0"/>
+              <a:buChar char="•"/>
+            </a:pPr>
+            <a:r>
+              <a:rPr lang="en-US" sz="1000" dirty="0">
+                <a:solidFill>
+                  <a:schemeClr val="accent3">
+                    <a:lumMod val="50000"/>
+                  </a:schemeClr>
+                </a:solidFill>
+              </a:rPr>
+              <a:t>Historic Traffic Analytics</a:t>
+            </a:r>
+          </a:p>
+          <a:p>
+            <a:pPr marL="171450" indent="-171450">
+              <a:buFont typeface="Arial" panose="020B0604020202020204" pitchFamily="34" charset="0"/>
+              <a:buChar char="•"/>
+            </a:pPr>
+            <a:r>
+              <a:rPr lang="en-US" sz="1000" dirty="0">
+                <a:solidFill>
+                  <a:schemeClr val="accent3">
+                    <a:lumMod val="50000"/>
+                  </a:schemeClr>
+                </a:solidFill>
+              </a:rPr>
+              <a:t>Deep Log Observability</a:t>
+            </a:r>
+          </a:p>
+        </p:txBody>
+      </p:sp>
+      <p:sp>
+        <p:nvSpPr>
+          <p:cNvPr id="65" name="TextBox 64">
+            <a:extLst>
+              <a:ext uri="{FF2B5EF4-FFF2-40B4-BE49-F238E27FC236}">
+                <a16:creationId xmlns:a16="http://schemas.microsoft.com/office/drawing/2014/main" id="{8805FD69-48A8-4373-BD2E-60E90084D8B1}"/>
+              </a:ext>
+            </a:extLst>
+          </p:cNvPr>
+          <p:cNvSpPr txBox="1"/>
+          <p:nvPr/>
+        </p:nvSpPr>
+        <p:spPr>
+          <a:xfrm>
+            <a:off x="6298408" y="4504164"/>
+            <a:ext cx="1762649" cy="1001998"/>
+          </a:xfrm>
+          <a:prstGeom prst="rect">
+            <a:avLst/>
+          </a:prstGeom>
+          <a:noFill/>
+        </p:spPr>
+        <p:txBody>
+          <a:bodyPr wrap="none" rtlCol="0">
+            <a:noAutofit/>
+          </a:bodyPr>
+          <a:lstStyle/>
+          <a:p>
+            <a:pPr marL="171450" indent="-171450">
+              <a:buFont typeface="Arial" panose="020B0604020202020204" pitchFamily="34" charset="0"/>
+              <a:buChar char="•"/>
+            </a:pPr>
+            <a:r>
+              <a:rPr lang="en-US" sz="1000" dirty="0">
+                <a:solidFill>
+                  <a:schemeClr val="accent3">
+                    <a:lumMod val="50000"/>
+                  </a:schemeClr>
+                </a:solidFill>
+              </a:rPr>
+              <a:t>High Availability</a:t>
+            </a:r>
+          </a:p>
+          <a:p>
+            <a:pPr marL="171450" indent="-171450">
+              <a:buFont typeface="Arial" panose="020B0604020202020204" pitchFamily="34" charset="0"/>
+              <a:buChar char="•"/>
+            </a:pPr>
+            <a:r>
+              <a:rPr lang="en-US" sz="1000" dirty="0">
+                <a:solidFill>
+                  <a:schemeClr val="accent3">
+                    <a:lumMod val="50000"/>
+                  </a:schemeClr>
+                </a:solidFill>
+              </a:rPr>
+              <a:t>Load Balancing</a:t>
+            </a:r>
+          </a:p>
+          <a:p>
+            <a:pPr marL="171450" indent="-171450">
+              <a:buFont typeface="Arial" panose="020B0604020202020204" pitchFamily="34" charset="0"/>
+              <a:buChar char="•"/>
+            </a:pPr>
+            <a:r>
+              <a:rPr lang="en-US" sz="1000" dirty="0">
+                <a:solidFill>
+                  <a:schemeClr val="accent3">
+                    <a:lumMod val="50000"/>
+                  </a:schemeClr>
+                </a:solidFill>
+              </a:rPr>
+              <a:t>Reverse Proxy</a:t>
+            </a:r>
+          </a:p>
+          <a:p>
+            <a:pPr marL="171450" indent="-171450">
+              <a:buFont typeface="Arial" panose="020B0604020202020204" pitchFamily="34" charset="0"/>
+              <a:buChar char="•"/>
+            </a:pPr>
+            <a:r>
+              <a:rPr lang="en-US" sz="1000" dirty="0">
+                <a:solidFill>
+                  <a:schemeClr val="accent3">
+                    <a:lumMod val="50000"/>
+                  </a:schemeClr>
+                </a:solidFill>
+              </a:rPr>
+              <a:t>Access Management</a:t>
+            </a:r>
+          </a:p>
+          <a:p>
+            <a:pPr marL="171450" indent="-171450">
+              <a:buFont typeface="Arial" panose="020B0604020202020204" pitchFamily="34" charset="0"/>
+              <a:buChar char="•"/>
+            </a:pPr>
+            <a:r>
+              <a:rPr lang="en-US" sz="1000" dirty="0">
+                <a:solidFill>
+                  <a:schemeClr val="accent3">
+                    <a:lumMod val="50000"/>
+                  </a:schemeClr>
+                </a:solidFill>
+              </a:rPr>
+              <a:t>Performance Acceleration</a:t>
+            </a:r>
+          </a:p>
+          <a:p>
+            <a:pPr marL="171450" indent="-171450">
+              <a:buFont typeface="Arial" panose="020B0604020202020204" pitchFamily="34" charset="0"/>
+              <a:buChar char="•"/>
+            </a:pPr>
+            <a:r>
+              <a:rPr lang="en-US" sz="1000" dirty="0">
+                <a:solidFill>
+                  <a:schemeClr val="accent3">
+                    <a:lumMod val="50000"/>
+                  </a:schemeClr>
+                </a:solidFill>
+              </a:rPr>
+              <a:t>Location Specific Delivery</a:t>
+            </a:r>
+          </a:p>
+        </p:txBody>
+      </p:sp>
+      <p:sp>
+        <p:nvSpPr>
+          <p:cNvPr id="66" name="TextBox 65">
+            <a:extLst>
+              <a:ext uri="{FF2B5EF4-FFF2-40B4-BE49-F238E27FC236}">
+                <a16:creationId xmlns:a16="http://schemas.microsoft.com/office/drawing/2014/main" id="{6BC46586-BD8C-493C-B5AC-650A16CB2D99}"/>
+              </a:ext>
+            </a:extLst>
+          </p:cNvPr>
+          <p:cNvSpPr txBox="1"/>
+          <p:nvPr/>
+        </p:nvSpPr>
+        <p:spPr>
+          <a:xfrm>
+            <a:off x="2109094" y="2658981"/>
+            <a:ext cx="1762649" cy="854236"/>
+          </a:xfrm>
+          <a:prstGeom prst="rect">
+            <a:avLst/>
+          </a:prstGeom>
+          <a:noFill/>
+        </p:spPr>
+        <p:txBody>
+          <a:bodyPr wrap="none" rtlCol="0">
+            <a:noAutofit/>
+          </a:bodyPr>
+          <a:lstStyle/>
+          <a:p>
+            <a:pPr marL="171450" indent="-171450">
+              <a:buFont typeface="Arial" panose="020B0604020202020204" pitchFamily="34" charset="0"/>
+              <a:buChar char="•"/>
+            </a:pPr>
+            <a:r>
+              <a:rPr lang="en-US" sz="1000" dirty="0">
+                <a:solidFill>
+                  <a:schemeClr val="accent3">
+                    <a:lumMod val="50000"/>
+                  </a:schemeClr>
+                </a:solidFill>
+              </a:rPr>
+              <a:t>Service Orchestration</a:t>
+            </a:r>
+          </a:p>
+          <a:p>
+            <a:pPr marL="171450" indent="-171450">
+              <a:buFont typeface="Arial" panose="020B0604020202020204" pitchFamily="34" charset="0"/>
+              <a:buChar char="•"/>
+            </a:pPr>
+            <a:r>
+              <a:rPr lang="en-US" sz="1000" dirty="0">
+                <a:solidFill>
+                  <a:schemeClr val="accent3">
+                    <a:lumMod val="50000"/>
+                  </a:schemeClr>
+                </a:solidFill>
+              </a:rPr>
+              <a:t>Message Queuing</a:t>
+            </a:r>
+          </a:p>
+          <a:p>
+            <a:pPr marL="171450" indent="-171450">
+              <a:buFont typeface="Arial" panose="020B0604020202020204" pitchFamily="34" charset="0"/>
+              <a:buChar char="•"/>
+            </a:pPr>
+            <a:r>
+              <a:rPr lang="en-US" sz="900" dirty="0">
+                <a:solidFill>
+                  <a:schemeClr val="accent3">
+                    <a:lumMod val="50000"/>
+                  </a:schemeClr>
+                </a:solidFill>
+              </a:rPr>
+              <a:t>Business Process Orchestration</a:t>
+            </a:r>
+          </a:p>
+          <a:p>
+            <a:pPr marL="171450" indent="-171450">
+              <a:buFont typeface="Arial" panose="020B0604020202020204" pitchFamily="34" charset="0"/>
+              <a:buChar char="•"/>
+            </a:pPr>
+            <a:r>
+              <a:rPr lang="en-US" sz="1000" dirty="0">
+                <a:solidFill>
+                  <a:schemeClr val="accent3">
+                    <a:lumMod val="50000"/>
+                  </a:schemeClr>
+                </a:solidFill>
+              </a:rPr>
+              <a:t>Microservice Applications</a:t>
+            </a:r>
+          </a:p>
+          <a:p>
+            <a:pPr marL="171450" indent="-171450">
+              <a:buFont typeface="Arial" panose="020B0604020202020204" pitchFamily="34" charset="0"/>
+              <a:buChar char="•"/>
+            </a:pPr>
+            <a:r>
+              <a:rPr lang="en-US" sz="1000" dirty="0">
+                <a:solidFill>
+                  <a:schemeClr val="accent3">
+                    <a:lumMod val="50000"/>
+                  </a:schemeClr>
+                </a:solidFill>
+              </a:rPr>
+              <a:t>Database Connectivity</a:t>
+            </a:r>
+          </a:p>
+          <a:p>
+            <a:pPr marL="171450" indent="-171450">
+              <a:buFont typeface="Arial" panose="020B0604020202020204" pitchFamily="34" charset="0"/>
+              <a:buChar char="•"/>
+            </a:pPr>
+            <a:endParaRPr lang="en-US" sz="900" dirty="0">
+              <a:solidFill>
+                <a:schemeClr val="accent3">
+                  <a:lumMod val="50000"/>
+                </a:schemeClr>
+              </a:solidFill>
+            </a:endParaRPr>
+          </a:p>
+        </p:txBody>
+      </p:sp>
+      <p:sp>
+        <p:nvSpPr>
+          <p:cNvPr id="68" name="Rectangle 67">
+            <a:extLst>
+              <a:ext uri="{FF2B5EF4-FFF2-40B4-BE49-F238E27FC236}">
+                <a16:creationId xmlns:a16="http://schemas.microsoft.com/office/drawing/2014/main" id="{65A78A72-BA3A-4296-89DB-605E008A1E29}"/>
+              </a:ext>
+            </a:extLst>
+          </p:cNvPr>
+          <p:cNvSpPr/>
+          <p:nvPr/>
+        </p:nvSpPr>
+        <p:spPr>
+          <a:xfrm>
+            <a:off x="2291919" y="3815319"/>
+            <a:ext cx="1396999" cy="486215"/>
+          </a:xfrm>
+          <a:prstGeom prst="rect">
+            <a:avLst/>
+          </a:prstGeom>
+          <a:solidFill>
+            <a:schemeClr val="accent2"/>
+          </a:solidFill>
+          <a:ln>
+            <a:solidFill>
+              <a:schemeClr val="bg1"/>
+            </a:solidFill>
+          </a:ln>
+        </p:spPr>
+        <p:style>
+          <a:lnRef idx="0">
+            <a:scrgbClr r="0" g="0" b="0"/>
+          </a:lnRef>
+          <a:fillRef idx="0">
+            <a:scrgbClr r="0" g="0" b="0"/>
+          </a:fillRef>
+          <a:effectRef idx="0">
+            <a:scrgbClr r="0" g="0" b="0"/>
+          </a:effectRef>
+          <a:fontRef idx="minor">
+            <a:schemeClr val="lt1"/>
+          </a:fontRef>
+        </p:style>
+        <p:txBody>
+          <a:bodyPr wrap="square" rtlCol="0" anchor="ctr">
+            <a:noAutofit/>
+          </a:bodyPr>
+          <a:lstStyle/>
+          <a:p>
+            <a:pPr algn="ctr"/>
+            <a:r>
+              <a:rPr lang="en-US" sz="1200" dirty="0">
+                <a:solidFill>
+                  <a:schemeClr val="bg1"/>
+                </a:solidFill>
+              </a:rPr>
+              <a:t>Data Repository</a:t>
+            </a:r>
+          </a:p>
+        </p:txBody>
+      </p:sp>
+      <p:sp>
+        <p:nvSpPr>
+          <p:cNvPr id="69" name="TextBox 68">
+            <a:extLst>
+              <a:ext uri="{FF2B5EF4-FFF2-40B4-BE49-F238E27FC236}">
+                <a16:creationId xmlns:a16="http://schemas.microsoft.com/office/drawing/2014/main" id="{DCEE9687-3184-4233-867F-BC9161CB8FC0}"/>
+              </a:ext>
+            </a:extLst>
+          </p:cNvPr>
+          <p:cNvSpPr txBox="1"/>
+          <p:nvPr/>
+        </p:nvSpPr>
+        <p:spPr>
+          <a:xfrm>
+            <a:off x="2109094" y="4319164"/>
+            <a:ext cx="1762649" cy="854236"/>
+          </a:xfrm>
+          <a:prstGeom prst="rect">
+            <a:avLst/>
+          </a:prstGeom>
+          <a:noFill/>
+        </p:spPr>
+        <p:txBody>
+          <a:bodyPr wrap="none" rtlCol="0">
+            <a:noAutofit/>
+          </a:bodyPr>
+          <a:lstStyle/>
+          <a:p>
+            <a:pPr marL="171450" indent="-171450">
+              <a:buFont typeface="Arial" panose="020B0604020202020204" pitchFamily="34" charset="0"/>
+              <a:buChar char="•"/>
+            </a:pPr>
+            <a:r>
+              <a:rPr lang="en-US" sz="1000" dirty="0">
+                <a:solidFill>
+                  <a:schemeClr val="accent3">
+                    <a:lumMod val="50000"/>
+                  </a:schemeClr>
+                </a:solidFill>
+              </a:rPr>
+              <a:t>Local Data Storage</a:t>
+            </a:r>
+          </a:p>
+          <a:p>
+            <a:pPr marL="171450" indent="-171450">
+              <a:buFont typeface="Arial" panose="020B0604020202020204" pitchFamily="34" charset="0"/>
+              <a:buChar char="•"/>
+            </a:pPr>
+            <a:r>
+              <a:rPr lang="en-US" sz="1000" dirty="0">
+                <a:solidFill>
+                  <a:schemeClr val="accent3">
+                    <a:lumMod val="50000"/>
+                  </a:schemeClr>
+                </a:solidFill>
+              </a:rPr>
+              <a:t>Caching Mechanisms</a:t>
+            </a:r>
+          </a:p>
+          <a:p>
+            <a:pPr marL="171450" indent="-171450">
+              <a:buFont typeface="Arial" panose="020B0604020202020204" pitchFamily="34" charset="0"/>
+              <a:buChar char="•"/>
+            </a:pPr>
+            <a:r>
+              <a:rPr lang="en-US" sz="1000" dirty="0">
+                <a:solidFill>
+                  <a:schemeClr val="accent3">
+                    <a:lumMod val="50000"/>
+                  </a:schemeClr>
+                </a:solidFill>
+              </a:rPr>
+              <a:t>In-Memory Store</a:t>
+            </a:r>
+          </a:p>
+          <a:p>
+            <a:pPr marL="171450" indent="-171450">
+              <a:buFont typeface="Arial" panose="020B0604020202020204" pitchFamily="34" charset="0"/>
+              <a:buChar char="•"/>
+            </a:pPr>
+            <a:r>
+              <a:rPr lang="en-US" sz="1000" dirty="0">
+                <a:solidFill>
+                  <a:schemeClr val="accent3">
+                    <a:lumMod val="50000"/>
+                  </a:schemeClr>
+                </a:solidFill>
+              </a:rPr>
+              <a:t>Master Data Correlations</a:t>
+            </a:r>
+          </a:p>
+          <a:p>
+            <a:pPr marL="171450" indent="-171450">
+              <a:buFont typeface="Arial" panose="020B0604020202020204" pitchFamily="34" charset="0"/>
+              <a:buChar char="•"/>
+            </a:pPr>
+            <a:r>
+              <a:rPr lang="en-US" sz="1000" dirty="0">
+                <a:solidFill>
+                  <a:schemeClr val="accent3">
+                    <a:lumMod val="50000"/>
+                  </a:schemeClr>
+                </a:solidFill>
+              </a:rPr>
+              <a:t>Application Specific Data Store</a:t>
+            </a:r>
+            <a:endParaRPr lang="en-US" sz="900" dirty="0">
+              <a:solidFill>
+                <a:schemeClr val="accent3">
+                  <a:lumMod val="50000"/>
+                </a:schemeClr>
+              </a:solidFill>
+            </a:endParaRPr>
+          </a:p>
+        </p:txBody>
+      </p:sp>
+      <p:sp>
+        <p:nvSpPr>
+          <p:cNvPr id="70" name="TextBox 69">
+            <a:extLst>
+              <a:ext uri="{FF2B5EF4-FFF2-40B4-BE49-F238E27FC236}">
+                <a16:creationId xmlns:a16="http://schemas.microsoft.com/office/drawing/2014/main" id="{E2D43F80-E18A-4119-B991-540E1C592497}"/>
+              </a:ext>
+            </a:extLst>
+          </p:cNvPr>
+          <p:cNvSpPr txBox="1"/>
+          <p:nvPr/>
+        </p:nvSpPr>
+        <p:spPr>
+          <a:xfrm>
+            <a:off x="8236561" y="950353"/>
+            <a:ext cx="907439" cy="276999"/>
+          </a:xfrm>
+          <a:prstGeom prst="rect">
+            <a:avLst/>
+          </a:prstGeom>
+          <a:noFill/>
+        </p:spPr>
+        <p:txBody>
+          <a:bodyPr wrap="square" rtlCol="0">
+            <a:spAutoFit/>
+          </a:bodyPr>
+          <a:lstStyle/>
+          <a:p>
+            <a:pPr algn="ctr"/>
+            <a:r>
+              <a:rPr lang="en-US" sz="1200" dirty="0"/>
+              <a:t>Consumers</a:t>
+            </a:r>
+          </a:p>
+        </p:txBody>
+      </p:sp>
+      <p:sp>
+        <p:nvSpPr>
+          <p:cNvPr id="71" name="Arrow: Left-Right 70">
+            <a:extLst>
+              <a:ext uri="{FF2B5EF4-FFF2-40B4-BE49-F238E27FC236}">
+                <a16:creationId xmlns:a16="http://schemas.microsoft.com/office/drawing/2014/main" id="{B3B50061-1EA4-4A95-99E8-ECEC27844E7F}"/>
+              </a:ext>
+            </a:extLst>
+          </p:cNvPr>
+          <p:cNvSpPr/>
+          <p:nvPr/>
+        </p:nvSpPr>
+        <p:spPr>
+          <a:xfrm>
+            <a:off x="1767499" y="3443549"/>
+            <a:ext cx="417040" cy="236574"/>
+          </a:xfrm>
+          <a:prstGeom prst="leftRightArrow">
+            <a:avLst/>
+          </a:prstGeom>
+          <a:solidFill>
+            <a:schemeClr val="dk1"/>
+          </a:solidFill>
+          <a:ln>
+            <a:noFill/>
+          </a:ln>
+        </p:spPr>
+        <p:style>
+          <a:lnRef idx="0">
+            <a:scrgbClr r="0" g="0" b="0"/>
+          </a:lnRef>
+          <a:fillRef idx="0">
+            <a:scrgbClr r="0" g="0" b="0"/>
+          </a:fillRef>
+          <a:effectRef idx="0">
+            <a:scrgbClr r="0" g="0" b="0"/>
+          </a:effectRef>
+          <a:fontRef idx="minor">
+            <a:schemeClr val="lt1"/>
+          </a:fontRef>
+        </p:style>
+        <p:txBody>
+          <a:bodyPr wrap="square" rtlCol="0" anchor="ctr">
+            <a:spAutoFit/>
+          </a:bodyPr>
+          <a:lstStyle/>
+          <a:p>
+            <a:pPr algn="justLow"/>
+            <a:endParaRPr lang="en-US" dirty="0">
+              <a:solidFill>
+                <a:schemeClr val="bg1"/>
+              </a:solidFill>
+            </a:endParaRPr>
+          </a:p>
+        </p:txBody>
+      </p:sp>
+      <p:sp>
+        <p:nvSpPr>
+          <p:cNvPr id="72" name="Arrow: Left-Right 71">
+            <a:extLst>
+              <a:ext uri="{FF2B5EF4-FFF2-40B4-BE49-F238E27FC236}">
+                <a16:creationId xmlns:a16="http://schemas.microsoft.com/office/drawing/2014/main" id="{D7AD0C2E-09F0-45A9-BBDC-13AF042E40C4}"/>
+              </a:ext>
+            </a:extLst>
+          </p:cNvPr>
+          <p:cNvSpPr/>
+          <p:nvPr/>
+        </p:nvSpPr>
+        <p:spPr>
+          <a:xfrm>
+            <a:off x="8001037" y="3409869"/>
+            <a:ext cx="417040" cy="236574"/>
+          </a:xfrm>
+          <a:prstGeom prst="leftRightArrow">
+            <a:avLst/>
+          </a:prstGeom>
+          <a:solidFill>
+            <a:schemeClr val="dk1"/>
+          </a:solidFill>
+          <a:ln>
+            <a:noFill/>
+          </a:ln>
+        </p:spPr>
+        <p:style>
+          <a:lnRef idx="0">
+            <a:scrgbClr r="0" g="0" b="0"/>
+          </a:lnRef>
+          <a:fillRef idx="0">
+            <a:scrgbClr r="0" g="0" b="0"/>
+          </a:fillRef>
+          <a:effectRef idx="0">
+            <a:scrgbClr r="0" g="0" b="0"/>
+          </a:effectRef>
+          <a:fontRef idx="minor">
+            <a:schemeClr val="lt1"/>
+          </a:fontRef>
+        </p:style>
+        <p:txBody>
+          <a:bodyPr wrap="square" rtlCol="0" anchor="ctr">
+            <a:spAutoFit/>
+          </a:bodyPr>
+          <a:lstStyle/>
+          <a:p>
+            <a:pPr algn="justLow"/>
+            <a:endParaRPr lang="en-US" dirty="0">
+              <a:solidFill>
+                <a:schemeClr val="bg1"/>
+              </a:solidFill>
+            </a:endParaRPr>
+          </a:p>
+        </p:txBody>
+      </p:sp>
+      <p:pic>
+        <p:nvPicPr>
+          <p:cNvPr id="42" name="Picture 41">
+            <a:extLst>
+              <a:ext uri="{FF2B5EF4-FFF2-40B4-BE49-F238E27FC236}">
+                <a16:creationId xmlns:a16="http://schemas.microsoft.com/office/drawing/2014/main" id="{8FEC25B9-50FD-4D44-99D2-82033143B604}"/>
+              </a:ext>
+            </a:extLst>
+          </p:cNvPr>
+          <p:cNvPicPr>
+            <a:picLocks noChangeAspect="1"/>
+          </p:cNvPicPr>
+          <p:nvPr/>
+        </p:nvPicPr>
+        <p:blipFill>
+          <a:blip r:embed="rId7"/>
+          <a:stretch>
+            <a:fillRect/>
+          </a:stretch>
+        </p:blipFill>
+        <p:spPr>
+          <a:xfrm>
+            <a:off x="4258508" y="4842666"/>
+            <a:ext cx="914400" cy="487236"/>
+          </a:xfrm>
+          <a:prstGeom prst="rect">
+            <a:avLst/>
+          </a:prstGeom>
+        </p:spPr>
+      </p:pic>
+      <p:pic>
+        <p:nvPicPr>
+          <p:cNvPr id="43" name="Picture 16" descr="Nginx Logo SVG Vector (3.63 KB) Download Free - CDNLOGO">
+            <a:extLst>
+              <a:ext uri="{FF2B5EF4-FFF2-40B4-BE49-F238E27FC236}">
+                <a16:creationId xmlns:a16="http://schemas.microsoft.com/office/drawing/2014/main" id="{766D2AAB-9EB5-4D79-B34F-4C39707AE869}"/>
+              </a:ext>
+            </a:extLst>
+          </p:cNvPr>
+          <p:cNvPicPr>
+            <a:picLocks noChangeAspect="1" noChangeArrowheads="1"/>
+          </p:cNvPicPr>
+          <p:nvPr/>
+        </p:nvPicPr>
+        <p:blipFill>
+          <a:blip r:embed="rId8">
+            <a:extLst>
+              <a:ext uri="{28A0092B-C50C-407E-A947-70E740481C1C}">
+                <a14:useLocalDpi xmlns:a14="http://schemas.microsoft.com/office/drawing/2010/main" val="0"/>
+              </a:ext>
+            </a:extLst>
+          </a:blip>
+          <a:srcRect/>
+          <a:stretch>
+            <a:fillRect/>
+          </a:stretch>
+        </p:blipFill>
+        <p:spPr bwMode="auto">
+          <a:xfrm>
+            <a:off x="6831243" y="5655630"/>
+            <a:ext cx="614649" cy="479135"/>
+          </a:xfrm>
+          <a:prstGeom prst="rect">
+            <a:avLst/>
+          </a:prstGeom>
+          <a:noFill/>
+          <a:extLst>
+            <a:ext uri="{909E8E84-426E-40DD-AFC4-6F175D3DCCD1}">
+              <a14:hiddenFill xmlns:a14="http://schemas.microsoft.com/office/drawing/2010/main">
+                <a:solidFill>
+                  <a:srgbClr val="FFFFFF"/>
+                </a:solidFill>
+              </a14:hiddenFill>
+            </a:ext>
+          </a:extLst>
+        </p:spPr>
+      </p:pic>
+      <p:pic>
+        <p:nvPicPr>
+          <p:cNvPr id="46" name="Picture 2" descr="Elk Stack Logo PNG Image | Transparent PNG Free Download on SeekPNG">
+            <a:extLst>
+              <a:ext uri="{FF2B5EF4-FFF2-40B4-BE49-F238E27FC236}">
+                <a16:creationId xmlns:a16="http://schemas.microsoft.com/office/drawing/2014/main" id="{2C5266CA-4F78-480E-80E9-D36DA9E2BA08}"/>
+              </a:ext>
+            </a:extLst>
+          </p:cNvPr>
+          <p:cNvPicPr>
+            <a:picLocks noChangeAspect="1" noChangeArrowheads="1"/>
+          </p:cNvPicPr>
+          <p:nvPr/>
+        </p:nvPicPr>
+        <p:blipFill>
+          <a:blip r:embed="rId9">
+            <a:extLst>
+              <a:ext uri="{28A0092B-C50C-407E-A947-70E740481C1C}">
+                <a14:useLocalDpi xmlns:a14="http://schemas.microsoft.com/office/drawing/2010/main" val="0"/>
+              </a:ext>
+            </a:extLst>
+          </a:blip>
+          <a:srcRect/>
+          <a:stretch>
+            <a:fillRect/>
+          </a:stretch>
+        </p:blipFill>
+        <p:spPr bwMode="auto">
+          <a:xfrm>
+            <a:off x="5113496" y="5329902"/>
+            <a:ext cx="657197" cy="264483"/>
+          </a:xfrm>
+          <a:prstGeom prst="rect">
+            <a:avLst/>
+          </a:prstGeom>
+          <a:noFill/>
+          <a:extLst>
+            <a:ext uri="{909E8E84-426E-40DD-AFC4-6F175D3DCCD1}">
+              <a14:hiddenFill xmlns:a14="http://schemas.microsoft.com/office/drawing/2010/main">
+                <a:solidFill>
+                  <a:srgbClr val="FFFFFF"/>
+                </a:solidFill>
+              </a14:hiddenFill>
+            </a:ext>
+          </a:extLst>
+        </p:spPr>
+      </p:pic>
+      <p:pic>
+        <p:nvPicPr>
+          <p:cNvPr id="41" name="Picture 40">
+            <a:extLst>
+              <a:ext uri="{FF2B5EF4-FFF2-40B4-BE49-F238E27FC236}">
+                <a16:creationId xmlns:a16="http://schemas.microsoft.com/office/drawing/2014/main" id="{BC9054DA-6F5E-4A6D-B209-3F60EA97E136}"/>
+              </a:ext>
+            </a:extLst>
+          </p:cNvPr>
+          <p:cNvPicPr>
+            <a:picLocks noChangeAspect="1"/>
+          </p:cNvPicPr>
+          <p:nvPr/>
+        </p:nvPicPr>
+        <p:blipFill>
+          <a:blip r:embed="rId10"/>
+          <a:stretch>
+            <a:fillRect/>
+          </a:stretch>
+        </p:blipFill>
+        <p:spPr>
+          <a:xfrm>
+            <a:off x="2102811" y="5245173"/>
+            <a:ext cx="1142234" cy="380744"/>
+          </a:xfrm>
+          <a:prstGeom prst="rect">
+            <a:avLst/>
+          </a:prstGeom>
+        </p:spPr>
+      </p:pic>
+      <p:sp>
+        <p:nvSpPr>
+          <p:cNvPr id="2" name="Rectangle 1">
+            <a:extLst>
+              <a:ext uri="{FF2B5EF4-FFF2-40B4-BE49-F238E27FC236}">
+                <a16:creationId xmlns:a16="http://schemas.microsoft.com/office/drawing/2014/main" id="{B2659ED7-396B-417D-BD4C-D7B065E6DDFE}"/>
+              </a:ext>
+            </a:extLst>
+          </p:cNvPr>
+          <p:cNvSpPr/>
+          <p:nvPr/>
+        </p:nvSpPr>
+        <p:spPr>
+          <a:xfrm>
+            <a:off x="4200144" y="1305227"/>
+            <a:ext cx="1762649" cy="1842718"/>
+          </a:xfrm>
+          <a:prstGeom prst="rect">
+            <a:avLst/>
+          </a:prstGeom>
+          <a:noFill/>
+        </p:spPr>
+        <p:style>
+          <a:lnRef idx="2">
+            <a:schemeClr val="accent6"/>
+          </a:lnRef>
+          <a:fillRef idx="1">
+            <a:schemeClr val="lt1"/>
+          </a:fillRef>
+          <a:effectRef idx="0">
+            <a:schemeClr val="accent6"/>
+          </a:effectRef>
+          <a:fontRef idx="minor">
+            <a:schemeClr val="dk1"/>
+          </a:fontRef>
+        </p:style>
+        <p:txBody>
+          <a:bodyPr wrap="square" rtlCol="0" anchor="ctr">
+            <a:spAutoFit/>
+          </a:bodyPr>
+          <a:lstStyle/>
+          <a:p>
+            <a:pPr algn="justLow"/>
+            <a:endParaRPr lang="en-US" dirty="0">
+              <a:solidFill>
+                <a:schemeClr val="bg1"/>
+              </a:solidFill>
+            </a:endParaRPr>
+          </a:p>
+        </p:txBody>
+      </p:sp>
+    </p:spTree>
+    <p:extLst>
+      <p:ext uri="{BB962C8B-B14F-4D97-AF65-F5344CB8AC3E}">
+        <p14:creationId xmlns:p14="http://schemas.microsoft.com/office/powerpoint/2010/main" val="3246785978"/>
+      </p:ext>
+    </p:extLst>
+  </p:cSld>
+  <p:clrMapOvr>
+    <a:masterClrMapping/>
+  </p:clrMapOvr>
+</p:sld>
+</file>
+
+<file path=ppt/slides/slide22.xml><?xml version="1.0" encoding="utf-8"?>
+<p:sld xmlns:a="http://schemas.openxmlformats.org/drawingml/2006/main" xmlns:r="http://schemas.openxmlformats.org/officeDocument/2006/relationships" xmlns:p="http://schemas.openxmlformats.org/presentationml/2006/main">
+  <p:cSld>
+    <p:spTree>
+      <p:nvGrpSpPr>
+        <p:cNvPr id="1" name=""/>
+        <p:cNvGrpSpPr/>
+        <p:nvPr/>
+      </p:nvGrpSpPr>
+      <p:grpSpPr>
+        <a:xfrm>
+          <a:off x="0" y="0"/>
+          <a:ext cx="0" cy="0"/>
+          <a:chOff x="0" y="0"/>
+          <a:chExt cx="0" cy="0"/>
+        </a:xfrm>
+      </p:grpSpPr>
+      <p:cxnSp>
+        <p:nvCxnSpPr>
+          <p:cNvPr id="88" name="Straight Arrow Connector 87">
+            <a:extLst>
+              <a:ext uri="{FF2B5EF4-FFF2-40B4-BE49-F238E27FC236}">
+                <a16:creationId xmlns:a16="http://schemas.microsoft.com/office/drawing/2014/main" id="{6022D458-9AAE-EE88-C7B2-01C322AC3049}"/>
+              </a:ext>
+            </a:extLst>
+          </p:cNvPr>
+          <p:cNvCxnSpPr>
+            <a:cxnSpLocks/>
+            <a:stCxn id="83" idx="4"/>
+            <a:endCxn id="8" idx="0"/>
+          </p:cNvCxnSpPr>
+          <p:nvPr/>
+        </p:nvCxnSpPr>
+        <p:spPr>
+          <a:xfrm>
+            <a:off x="5460864" y="3122859"/>
+            <a:ext cx="1" cy="1266811"/>
+          </a:xfrm>
+          <a:prstGeom prst="straightConnector1">
+            <a:avLst/>
+          </a:prstGeom>
+          <a:ln>
+            <a:tailEnd type="triangle"/>
+          </a:ln>
+        </p:spPr>
+        <p:style>
+          <a:lnRef idx="1">
+            <a:schemeClr val="accent4"/>
+          </a:lnRef>
+          <a:fillRef idx="0">
+            <a:schemeClr val="accent4"/>
+          </a:fillRef>
+          <a:effectRef idx="0">
+            <a:schemeClr val="accent4"/>
+          </a:effectRef>
+          <a:fontRef idx="minor">
+            <a:schemeClr val="tx1"/>
+          </a:fontRef>
+        </p:style>
+      </p:cxnSp>
+      <p:sp>
+        <p:nvSpPr>
+          <p:cNvPr id="7" name="Rectangle 6">
+            <a:extLst>
+              <a:ext uri="{FF2B5EF4-FFF2-40B4-BE49-F238E27FC236}">
+                <a16:creationId xmlns:a16="http://schemas.microsoft.com/office/drawing/2014/main" id="{F68167F2-5A50-4495-B7CE-7FE5B3646960}"/>
+              </a:ext>
+            </a:extLst>
+          </p:cNvPr>
+          <p:cNvSpPr/>
+          <p:nvPr/>
+        </p:nvSpPr>
+        <p:spPr>
+          <a:xfrm>
+            <a:off x="4865987" y="3540003"/>
+            <a:ext cx="1189755" cy="625302"/>
+          </a:xfrm>
+          <a:prstGeom prst="rect">
+            <a:avLst/>
+          </a:prstGeom>
+          <a:solidFill>
+            <a:srgbClr val="FFC000"/>
+          </a:solidFill>
+          <a:ln>
+            <a:noFill/>
+          </a:ln>
+        </p:spPr>
+        <p:style>
+          <a:lnRef idx="0">
+            <a:scrgbClr r="0" g="0" b="0"/>
+          </a:lnRef>
+          <a:fillRef idx="0">
+            <a:scrgbClr r="0" g="0" b="0"/>
+          </a:fillRef>
+          <a:effectRef idx="0">
+            <a:scrgbClr r="0" g="0" b="0"/>
+          </a:effectRef>
+          <a:fontRef idx="minor">
+            <a:schemeClr val="lt1"/>
+          </a:fontRef>
+        </p:style>
+        <p:txBody>
+          <a:bodyPr wrap="square" rtlCol="0" anchor="ctr">
+            <a:noAutofit/>
+          </a:bodyPr>
+          <a:lstStyle/>
+          <a:p>
+            <a:pPr algn="ctr"/>
+            <a:r>
+              <a:rPr lang="en-US" sz="1400" b="1" dirty="0">
+                <a:solidFill>
+                  <a:schemeClr val="tx1"/>
+                </a:solidFill>
+                <a:latin typeface="Sitka Display" pitchFamily="2" charset="0"/>
+              </a:rPr>
+              <a:t>WSO2 N1</a:t>
+            </a:r>
+          </a:p>
+          <a:p>
+            <a:pPr algn="ctr"/>
+            <a:r>
+              <a:rPr lang="en-US" sz="1400" b="1" dirty="0">
+                <a:solidFill>
+                  <a:schemeClr val="tx1"/>
+                </a:solidFill>
+                <a:latin typeface="Sitka Display" pitchFamily="2" charset="0"/>
+              </a:rPr>
+              <a:t>10.19.10.165</a:t>
+            </a:r>
+          </a:p>
+        </p:txBody>
+      </p:sp>
+      <p:sp>
+        <p:nvSpPr>
+          <p:cNvPr id="3" name="Title 2">
+            <a:extLst>
+              <a:ext uri="{FF2B5EF4-FFF2-40B4-BE49-F238E27FC236}">
+                <a16:creationId xmlns:a16="http://schemas.microsoft.com/office/drawing/2014/main" id="{8F4D80B0-6448-4597-B3BD-A3A2D9BDD306}"/>
+              </a:ext>
+            </a:extLst>
+          </p:cNvPr>
+          <p:cNvSpPr>
+            <a:spLocks noGrp="1"/>
+          </p:cNvSpPr>
+          <p:nvPr>
+            <p:ph type="title"/>
+          </p:nvPr>
+        </p:nvSpPr>
+        <p:spPr/>
+        <p:txBody>
+          <a:bodyPr>
+            <a:noAutofit/>
+          </a:bodyPr>
+          <a:lstStyle/>
+          <a:p>
+            <a:r>
+              <a:rPr lang="en-US" sz="1400" dirty="0"/>
+              <a:t>Low Level Design</a:t>
+            </a:r>
+          </a:p>
+        </p:txBody>
+      </p:sp>
+      <p:sp>
+        <p:nvSpPr>
+          <p:cNvPr id="4" name="Rectangle 3">
+            <a:extLst>
+              <a:ext uri="{FF2B5EF4-FFF2-40B4-BE49-F238E27FC236}">
+                <a16:creationId xmlns:a16="http://schemas.microsoft.com/office/drawing/2014/main" id="{CE97925F-2709-4F62-AACB-DEFA51AF02D1}"/>
+              </a:ext>
+            </a:extLst>
+          </p:cNvPr>
+          <p:cNvSpPr/>
+          <p:nvPr/>
+        </p:nvSpPr>
+        <p:spPr>
+          <a:xfrm>
+            <a:off x="2351193" y="3347328"/>
+            <a:ext cx="1481659" cy="547041"/>
+          </a:xfrm>
+          <a:prstGeom prst="rect">
+            <a:avLst/>
+          </a:prstGeom>
+          <a:solidFill>
+            <a:schemeClr val="accent3">
+              <a:lumMod val="75000"/>
+            </a:schemeClr>
+          </a:solidFill>
+          <a:ln>
+            <a:noFill/>
+          </a:ln>
+        </p:spPr>
+        <p:style>
+          <a:lnRef idx="0">
+            <a:scrgbClr r="0" g="0" b="0"/>
+          </a:lnRef>
+          <a:fillRef idx="0">
+            <a:scrgbClr r="0" g="0" b="0"/>
+          </a:fillRef>
+          <a:effectRef idx="0">
+            <a:scrgbClr r="0" g="0" b="0"/>
+          </a:effectRef>
+          <a:fontRef idx="minor">
+            <a:schemeClr val="lt1"/>
+          </a:fontRef>
+        </p:style>
+        <p:txBody>
+          <a:bodyPr wrap="square" rtlCol="0" anchor="ctr">
+            <a:noAutofit/>
+          </a:bodyPr>
+          <a:lstStyle/>
+          <a:p>
+            <a:pPr algn="ctr"/>
+            <a:r>
+              <a:rPr lang="en-US" sz="1400" dirty="0">
+                <a:solidFill>
+                  <a:schemeClr val="bg1"/>
+                </a:solidFill>
+                <a:latin typeface="Sitka Display" pitchFamily="2" charset="0"/>
+              </a:rPr>
+              <a:t>SOA Worker N1</a:t>
+            </a:r>
+          </a:p>
+          <a:p>
+            <a:pPr algn="ctr"/>
+            <a:r>
+              <a:rPr lang="en-US" sz="1400" b="1" dirty="0">
+                <a:solidFill>
+                  <a:schemeClr val="bg1"/>
+                </a:solidFill>
+                <a:latin typeface="Sitka Display" pitchFamily="2" charset="0"/>
+              </a:rPr>
+              <a:t>10.19.10.162</a:t>
+            </a:r>
+          </a:p>
+        </p:txBody>
+      </p:sp>
+      <p:sp>
+        <p:nvSpPr>
+          <p:cNvPr id="8" name="Rectangle 7">
+            <a:extLst>
+              <a:ext uri="{FF2B5EF4-FFF2-40B4-BE49-F238E27FC236}">
+                <a16:creationId xmlns:a16="http://schemas.microsoft.com/office/drawing/2014/main" id="{CD94A444-352E-42C9-8BC6-4ACBE4A6BE2B}"/>
+              </a:ext>
+            </a:extLst>
+          </p:cNvPr>
+          <p:cNvSpPr/>
+          <p:nvPr/>
+        </p:nvSpPr>
+        <p:spPr>
+          <a:xfrm>
+            <a:off x="4865987" y="4389670"/>
+            <a:ext cx="1189755" cy="661735"/>
+          </a:xfrm>
+          <a:prstGeom prst="rect">
+            <a:avLst/>
+          </a:prstGeom>
+          <a:solidFill>
+            <a:srgbClr val="FFC000"/>
+          </a:solidFill>
+          <a:ln>
+            <a:noFill/>
+          </a:ln>
+        </p:spPr>
+        <p:style>
+          <a:lnRef idx="0">
+            <a:scrgbClr r="0" g="0" b="0"/>
+          </a:lnRef>
+          <a:fillRef idx="0">
+            <a:scrgbClr r="0" g="0" b="0"/>
+          </a:fillRef>
+          <a:effectRef idx="0">
+            <a:scrgbClr r="0" g="0" b="0"/>
+          </a:effectRef>
+          <a:fontRef idx="minor">
+            <a:schemeClr val="lt1"/>
+          </a:fontRef>
+        </p:style>
+        <p:txBody>
+          <a:bodyPr wrap="square" rtlCol="0" anchor="ctr">
+            <a:noAutofit/>
+          </a:bodyPr>
+          <a:lstStyle/>
+          <a:p>
+            <a:pPr algn="ctr"/>
+            <a:r>
+              <a:rPr lang="en-US" sz="1400" b="1" dirty="0">
+                <a:solidFill>
+                  <a:schemeClr val="tx1"/>
+                </a:solidFill>
+                <a:latin typeface="Sitka Display" pitchFamily="2" charset="0"/>
+              </a:rPr>
+              <a:t>WSO2 N2</a:t>
+            </a:r>
+          </a:p>
+          <a:p>
+            <a:pPr algn="ctr"/>
+            <a:r>
+              <a:rPr lang="en-US" sz="1400" b="1" dirty="0">
+                <a:solidFill>
+                  <a:schemeClr val="tx1"/>
+                </a:solidFill>
+                <a:latin typeface="Sitka Display" pitchFamily="2" charset="0"/>
+              </a:rPr>
+              <a:t>10.19.10.166</a:t>
+            </a:r>
+          </a:p>
+        </p:txBody>
+      </p:sp>
+      <p:sp>
+        <p:nvSpPr>
+          <p:cNvPr id="9" name="Rectangle 8">
+            <a:extLst>
+              <a:ext uri="{FF2B5EF4-FFF2-40B4-BE49-F238E27FC236}">
+                <a16:creationId xmlns:a16="http://schemas.microsoft.com/office/drawing/2014/main" id="{62332E74-A311-4F5B-89E9-53E180616708}"/>
+              </a:ext>
+            </a:extLst>
+          </p:cNvPr>
+          <p:cNvSpPr/>
+          <p:nvPr/>
+        </p:nvSpPr>
+        <p:spPr>
+          <a:xfrm>
+            <a:off x="6736307" y="3541082"/>
+            <a:ext cx="1189755" cy="624223"/>
+          </a:xfrm>
+          <a:prstGeom prst="rect">
+            <a:avLst/>
+          </a:prstGeom>
+          <a:solidFill>
+            <a:srgbClr val="00B050"/>
+          </a:solidFill>
+          <a:ln>
+            <a:noFill/>
+          </a:ln>
+        </p:spPr>
+        <p:style>
+          <a:lnRef idx="0">
+            <a:scrgbClr r="0" g="0" b="0"/>
+          </a:lnRef>
+          <a:fillRef idx="0">
+            <a:scrgbClr r="0" g="0" b="0"/>
+          </a:fillRef>
+          <a:effectRef idx="0">
+            <a:scrgbClr r="0" g="0" b="0"/>
+          </a:effectRef>
+          <a:fontRef idx="minor">
+            <a:schemeClr val="lt1"/>
+          </a:fontRef>
+        </p:style>
+        <p:txBody>
+          <a:bodyPr wrap="square" rtlCol="0" anchor="ctr">
+            <a:noAutofit/>
+          </a:bodyPr>
+          <a:lstStyle/>
+          <a:p>
+            <a:pPr algn="ctr"/>
+            <a:r>
+              <a:rPr lang="en-US" sz="1400" dirty="0">
+                <a:solidFill>
+                  <a:schemeClr val="bg1"/>
+                </a:solidFill>
+                <a:latin typeface="Sitka Display" pitchFamily="2" charset="0"/>
+              </a:rPr>
+              <a:t>Nginx Edge1</a:t>
+            </a:r>
+          </a:p>
+          <a:p>
+            <a:pPr algn="ctr"/>
+            <a:r>
+              <a:rPr lang="en-US" sz="1400" dirty="0">
+                <a:solidFill>
+                  <a:schemeClr val="bg1"/>
+                </a:solidFill>
+                <a:latin typeface="Sitka Display" pitchFamily="2" charset="0"/>
+              </a:rPr>
+              <a:t>10.19.10.168</a:t>
+            </a:r>
+          </a:p>
+        </p:txBody>
+      </p:sp>
+      <p:sp>
+        <p:nvSpPr>
+          <p:cNvPr id="12" name="Rectangle 11">
+            <a:extLst>
+              <a:ext uri="{FF2B5EF4-FFF2-40B4-BE49-F238E27FC236}">
+                <a16:creationId xmlns:a16="http://schemas.microsoft.com/office/drawing/2014/main" id="{B945FF15-014C-49AE-ACD8-1CE0FADD406A}"/>
+              </a:ext>
+            </a:extLst>
+          </p:cNvPr>
+          <p:cNvSpPr/>
+          <p:nvPr/>
+        </p:nvSpPr>
+        <p:spPr>
+          <a:xfrm>
+            <a:off x="2437868" y="1435472"/>
+            <a:ext cx="922868" cy="482599"/>
+          </a:xfrm>
+          <a:prstGeom prst="rect">
+            <a:avLst/>
+          </a:prstGeom>
+          <a:solidFill>
+            <a:schemeClr val="accent5">
+              <a:lumMod val="40000"/>
+              <a:lumOff val="60000"/>
+            </a:schemeClr>
+          </a:solidFill>
+          <a:ln>
+            <a:solidFill>
+              <a:schemeClr val="bg1"/>
+            </a:solidFill>
+          </a:ln>
+        </p:spPr>
+        <p:style>
+          <a:lnRef idx="0">
+            <a:scrgbClr r="0" g="0" b="0"/>
+          </a:lnRef>
+          <a:fillRef idx="0">
+            <a:scrgbClr r="0" g="0" b="0"/>
+          </a:fillRef>
+          <a:effectRef idx="0">
+            <a:scrgbClr r="0" g="0" b="0"/>
+          </a:effectRef>
+          <a:fontRef idx="minor">
+            <a:schemeClr val="lt1"/>
+          </a:fontRef>
+        </p:style>
+        <p:txBody>
+          <a:bodyPr wrap="square" rtlCol="0" anchor="ctr">
+            <a:noAutofit/>
+          </a:bodyPr>
+          <a:lstStyle/>
+          <a:p>
+            <a:pPr algn="ctr"/>
+            <a:endParaRPr lang="en-US" sz="1400" dirty="0">
+              <a:solidFill>
+                <a:schemeClr val="bg1"/>
+              </a:solidFill>
+            </a:endParaRPr>
+          </a:p>
+        </p:txBody>
+      </p:sp>
+      <p:sp>
+        <p:nvSpPr>
+          <p:cNvPr id="13" name="Rectangle 12">
+            <a:extLst>
+              <a:ext uri="{FF2B5EF4-FFF2-40B4-BE49-F238E27FC236}">
+                <a16:creationId xmlns:a16="http://schemas.microsoft.com/office/drawing/2014/main" id="{A62B7CF2-88EB-47BC-95A8-A3E74F9ADA82}"/>
+              </a:ext>
+            </a:extLst>
+          </p:cNvPr>
+          <p:cNvSpPr/>
+          <p:nvPr/>
+        </p:nvSpPr>
+        <p:spPr>
+          <a:xfrm>
+            <a:off x="2564868" y="1545588"/>
+            <a:ext cx="922868" cy="482599"/>
+          </a:xfrm>
+          <a:prstGeom prst="rect">
+            <a:avLst/>
+          </a:prstGeom>
+          <a:solidFill>
+            <a:schemeClr val="accent5">
+              <a:lumMod val="40000"/>
+              <a:lumOff val="60000"/>
+            </a:schemeClr>
+          </a:solidFill>
+          <a:ln>
+            <a:solidFill>
+              <a:schemeClr val="bg1"/>
+            </a:solidFill>
+          </a:ln>
+        </p:spPr>
+        <p:style>
+          <a:lnRef idx="0">
+            <a:scrgbClr r="0" g="0" b="0"/>
+          </a:lnRef>
+          <a:fillRef idx="0">
+            <a:scrgbClr r="0" g="0" b="0"/>
+          </a:fillRef>
+          <a:effectRef idx="0">
+            <a:scrgbClr r="0" g="0" b="0"/>
+          </a:effectRef>
+          <a:fontRef idx="minor">
+            <a:schemeClr val="lt1"/>
+          </a:fontRef>
+        </p:style>
+        <p:txBody>
+          <a:bodyPr wrap="square" rtlCol="0" anchor="ctr">
+            <a:noAutofit/>
+          </a:bodyPr>
+          <a:lstStyle/>
+          <a:p>
+            <a:pPr algn="ctr"/>
+            <a:endParaRPr lang="en-US" sz="1400" dirty="0">
+              <a:solidFill>
+                <a:schemeClr val="bg1"/>
+              </a:solidFill>
+            </a:endParaRPr>
+          </a:p>
+        </p:txBody>
+      </p:sp>
+      <p:sp>
+        <p:nvSpPr>
+          <p:cNvPr id="14" name="Rectangle 13">
+            <a:extLst>
+              <a:ext uri="{FF2B5EF4-FFF2-40B4-BE49-F238E27FC236}">
+                <a16:creationId xmlns:a16="http://schemas.microsoft.com/office/drawing/2014/main" id="{0370DE52-F771-4ADD-8965-B2DA404257F4}"/>
+              </a:ext>
+            </a:extLst>
+          </p:cNvPr>
+          <p:cNvSpPr/>
+          <p:nvPr/>
+        </p:nvSpPr>
+        <p:spPr>
+          <a:xfrm>
+            <a:off x="2691868" y="1681056"/>
+            <a:ext cx="922868" cy="482599"/>
+          </a:xfrm>
+          <a:prstGeom prst="rect">
+            <a:avLst/>
+          </a:prstGeom>
+          <a:solidFill>
+            <a:schemeClr val="accent5">
+              <a:lumMod val="40000"/>
+              <a:lumOff val="60000"/>
+            </a:schemeClr>
+          </a:solidFill>
+          <a:ln>
+            <a:solidFill>
+              <a:schemeClr val="bg1"/>
+            </a:solidFill>
+          </a:ln>
+        </p:spPr>
+        <p:style>
+          <a:lnRef idx="0">
+            <a:scrgbClr r="0" g="0" b="0"/>
+          </a:lnRef>
+          <a:fillRef idx="0">
+            <a:scrgbClr r="0" g="0" b="0"/>
+          </a:fillRef>
+          <a:effectRef idx="0">
+            <a:scrgbClr r="0" g="0" b="0"/>
+          </a:effectRef>
+          <a:fontRef idx="minor">
+            <a:schemeClr val="lt1"/>
+          </a:fontRef>
+        </p:style>
+        <p:txBody>
+          <a:bodyPr wrap="square" rtlCol="0" anchor="ctr">
+            <a:noAutofit/>
+          </a:bodyPr>
+          <a:lstStyle/>
+          <a:p>
+            <a:pPr algn="ctr"/>
+            <a:r>
+              <a:rPr lang="en-US" sz="1400" dirty="0">
+                <a:solidFill>
+                  <a:schemeClr val="bg1"/>
+                </a:solidFill>
+              </a:rPr>
+              <a:t>Internal APIs</a:t>
+            </a:r>
+          </a:p>
+        </p:txBody>
+      </p:sp>
+      <p:sp>
+        <p:nvSpPr>
+          <p:cNvPr id="15" name="Rectangle 14">
+            <a:extLst>
+              <a:ext uri="{FF2B5EF4-FFF2-40B4-BE49-F238E27FC236}">
+                <a16:creationId xmlns:a16="http://schemas.microsoft.com/office/drawing/2014/main" id="{E9E02E87-7F69-419D-AA20-364E0D49B415}"/>
+              </a:ext>
+            </a:extLst>
+          </p:cNvPr>
+          <p:cNvSpPr/>
+          <p:nvPr/>
+        </p:nvSpPr>
+        <p:spPr>
+          <a:xfrm>
+            <a:off x="3879806" y="3479151"/>
+            <a:ext cx="287868" cy="1691960"/>
+          </a:xfrm>
+          <a:prstGeom prst="rect">
+            <a:avLst/>
+          </a:prstGeom>
+          <a:solidFill>
+            <a:schemeClr val="accent3"/>
+          </a:solidFill>
+          <a:ln>
+            <a:noFill/>
+          </a:ln>
+        </p:spPr>
+        <p:style>
+          <a:lnRef idx="0">
+            <a:scrgbClr r="0" g="0" b="0"/>
+          </a:lnRef>
+          <a:fillRef idx="0">
+            <a:scrgbClr r="0" g="0" b="0"/>
+          </a:fillRef>
+          <a:effectRef idx="0">
+            <a:scrgbClr r="0" g="0" b="0"/>
+          </a:effectRef>
+          <a:fontRef idx="minor">
+            <a:schemeClr val="lt1"/>
+          </a:fontRef>
+        </p:style>
+        <p:txBody>
+          <a:bodyPr vert="vert270" wrap="square" rtlCol="0" anchor="ctr">
+            <a:noAutofit/>
+          </a:bodyPr>
+          <a:lstStyle/>
+          <a:p>
+            <a:pPr algn="ctr"/>
+            <a:r>
+              <a:rPr lang="en-US" sz="1400" dirty="0">
+                <a:solidFill>
+                  <a:schemeClr val="bg1"/>
+                </a:solidFill>
+                <a:latin typeface="Sitka Display" pitchFamily="2" charset="0"/>
+              </a:rPr>
+              <a:t>SOA Cluster</a:t>
+            </a:r>
+          </a:p>
+        </p:txBody>
+      </p:sp>
+      <p:cxnSp>
+        <p:nvCxnSpPr>
+          <p:cNvPr id="19" name="Straight Connector 18">
+            <a:extLst>
+              <a:ext uri="{FF2B5EF4-FFF2-40B4-BE49-F238E27FC236}">
+                <a16:creationId xmlns:a16="http://schemas.microsoft.com/office/drawing/2014/main" id="{D827ACD7-D971-48C9-BAA7-DA287119BB1F}"/>
+              </a:ext>
+            </a:extLst>
+          </p:cNvPr>
+          <p:cNvCxnSpPr>
+            <a:cxnSpLocks/>
+            <a:stCxn id="7" idx="1"/>
+            <a:endCxn id="15" idx="3"/>
+          </p:cNvCxnSpPr>
+          <p:nvPr/>
+        </p:nvCxnSpPr>
+        <p:spPr>
+          <a:xfrm flipH="1">
+            <a:off x="4167674" y="3852654"/>
+            <a:ext cx="698313" cy="472477"/>
+          </a:xfrm>
+          <a:prstGeom prst="line">
+            <a:avLst/>
+          </a:prstGeom>
+          <a:ln>
+            <a:solidFill>
+              <a:schemeClr val="tx1">
+                <a:lumMod val="65000"/>
+                <a:lumOff val="35000"/>
+              </a:schemeClr>
+            </a:solidFill>
+          </a:ln>
+        </p:spPr>
+        <p:style>
+          <a:lnRef idx="1">
+            <a:schemeClr val="accent1"/>
+          </a:lnRef>
+          <a:fillRef idx="0">
+            <a:schemeClr val="accent1"/>
+          </a:fillRef>
+          <a:effectRef idx="0">
+            <a:schemeClr val="accent1"/>
+          </a:effectRef>
+          <a:fontRef idx="minor">
+            <a:schemeClr val="tx1"/>
+          </a:fontRef>
+        </p:style>
+      </p:cxnSp>
+      <p:cxnSp>
+        <p:nvCxnSpPr>
+          <p:cNvPr id="21" name="Straight Connector 20">
+            <a:extLst>
+              <a:ext uri="{FF2B5EF4-FFF2-40B4-BE49-F238E27FC236}">
+                <a16:creationId xmlns:a16="http://schemas.microsoft.com/office/drawing/2014/main" id="{5850FE7F-84F6-4C76-9F24-555FE62E6085}"/>
+              </a:ext>
+            </a:extLst>
+          </p:cNvPr>
+          <p:cNvCxnSpPr>
+            <a:cxnSpLocks/>
+            <a:stCxn id="8" idx="1"/>
+            <a:endCxn id="15" idx="3"/>
+          </p:cNvCxnSpPr>
+          <p:nvPr/>
+        </p:nvCxnSpPr>
+        <p:spPr>
+          <a:xfrm flipH="1" flipV="1">
+            <a:off x="4167674" y="4325131"/>
+            <a:ext cx="698313" cy="395407"/>
+          </a:xfrm>
+          <a:prstGeom prst="line">
+            <a:avLst/>
+          </a:prstGeom>
+          <a:ln>
+            <a:solidFill>
+              <a:schemeClr val="tx1">
+                <a:lumMod val="65000"/>
+                <a:lumOff val="35000"/>
+              </a:schemeClr>
+            </a:solidFill>
+          </a:ln>
+        </p:spPr>
+        <p:style>
+          <a:lnRef idx="1">
+            <a:schemeClr val="accent1"/>
+          </a:lnRef>
+          <a:fillRef idx="0">
+            <a:schemeClr val="accent1"/>
+          </a:fillRef>
+          <a:effectRef idx="0">
+            <a:schemeClr val="accent1"/>
+          </a:effectRef>
+          <a:fontRef idx="minor">
+            <a:schemeClr val="tx1"/>
+          </a:fontRef>
+        </p:style>
+      </p:cxnSp>
+      <p:cxnSp>
+        <p:nvCxnSpPr>
+          <p:cNvPr id="23" name="Straight Connector 22">
+            <a:extLst>
+              <a:ext uri="{FF2B5EF4-FFF2-40B4-BE49-F238E27FC236}">
+                <a16:creationId xmlns:a16="http://schemas.microsoft.com/office/drawing/2014/main" id="{88E4B9FE-00FA-4597-A8E4-F00C7E28FDF0}"/>
+              </a:ext>
+            </a:extLst>
+          </p:cNvPr>
+          <p:cNvCxnSpPr>
+            <a:cxnSpLocks/>
+            <a:stCxn id="7" idx="1"/>
+            <a:endCxn id="14" idx="3"/>
+          </p:cNvCxnSpPr>
+          <p:nvPr/>
+        </p:nvCxnSpPr>
+        <p:spPr>
+          <a:xfrm flipH="1" flipV="1">
+            <a:off x="3614736" y="1922356"/>
+            <a:ext cx="1251251" cy="1930298"/>
+          </a:xfrm>
+          <a:prstGeom prst="line">
+            <a:avLst/>
+          </a:prstGeom>
+          <a:ln>
+            <a:solidFill>
+              <a:schemeClr val="tx1">
+                <a:lumMod val="65000"/>
+                <a:lumOff val="35000"/>
+              </a:schemeClr>
+            </a:solidFill>
+          </a:ln>
+        </p:spPr>
+        <p:style>
+          <a:lnRef idx="1">
+            <a:schemeClr val="accent1"/>
+          </a:lnRef>
+          <a:fillRef idx="0">
+            <a:schemeClr val="accent1"/>
+          </a:fillRef>
+          <a:effectRef idx="0">
+            <a:schemeClr val="accent1"/>
+          </a:effectRef>
+          <a:fontRef idx="minor">
+            <a:schemeClr val="tx1"/>
+          </a:fontRef>
+        </p:style>
+      </p:cxnSp>
+      <p:cxnSp>
+        <p:nvCxnSpPr>
+          <p:cNvPr id="25" name="Straight Connector 24">
+            <a:extLst>
+              <a:ext uri="{FF2B5EF4-FFF2-40B4-BE49-F238E27FC236}">
+                <a16:creationId xmlns:a16="http://schemas.microsoft.com/office/drawing/2014/main" id="{51A196CE-98E3-499F-B3ED-BC9684FC3F2B}"/>
+              </a:ext>
+            </a:extLst>
+          </p:cNvPr>
+          <p:cNvCxnSpPr>
+            <a:cxnSpLocks/>
+            <a:stCxn id="8" idx="1"/>
+            <a:endCxn id="14" idx="3"/>
+          </p:cNvCxnSpPr>
+          <p:nvPr/>
+        </p:nvCxnSpPr>
+        <p:spPr>
+          <a:xfrm flipH="1" flipV="1">
+            <a:off x="3614736" y="1922356"/>
+            <a:ext cx="1251251" cy="2798182"/>
+          </a:xfrm>
+          <a:prstGeom prst="line">
+            <a:avLst/>
+          </a:prstGeom>
+          <a:ln>
+            <a:solidFill>
+              <a:schemeClr val="tx1">
+                <a:lumMod val="65000"/>
+                <a:lumOff val="35000"/>
+              </a:schemeClr>
+            </a:solidFill>
+          </a:ln>
+        </p:spPr>
+        <p:style>
+          <a:lnRef idx="1">
+            <a:schemeClr val="accent1"/>
+          </a:lnRef>
+          <a:fillRef idx="0">
+            <a:schemeClr val="accent1"/>
+          </a:fillRef>
+          <a:effectRef idx="0">
+            <a:schemeClr val="accent1"/>
+          </a:effectRef>
+          <a:fontRef idx="minor">
+            <a:schemeClr val="tx1"/>
+          </a:fontRef>
+        </p:style>
+      </p:cxnSp>
+      <p:cxnSp>
+        <p:nvCxnSpPr>
+          <p:cNvPr id="27" name="Straight Connector 26">
+            <a:extLst>
+              <a:ext uri="{FF2B5EF4-FFF2-40B4-BE49-F238E27FC236}">
+                <a16:creationId xmlns:a16="http://schemas.microsoft.com/office/drawing/2014/main" id="{6E559552-6705-4279-92A8-F5D7B2E14A71}"/>
+              </a:ext>
+            </a:extLst>
+          </p:cNvPr>
+          <p:cNvCxnSpPr>
+            <a:cxnSpLocks/>
+            <a:stCxn id="9" idx="1"/>
+            <a:endCxn id="8" idx="3"/>
+          </p:cNvCxnSpPr>
+          <p:nvPr/>
+        </p:nvCxnSpPr>
+        <p:spPr>
+          <a:xfrm flipH="1">
+            <a:off x="6055742" y="3853194"/>
+            <a:ext cx="680565" cy="867344"/>
+          </a:xfrm>
+          <a:prstGeom prst="line">
+            <a:avLst/>
+          </a:prstGeom>
+        </p:spPr>
+        <p:style>
+          <a:lnRef idx="1">
+            <a:schemeClr val="dk1"/>
+          </a:lnRef>
+          <a:fillRef idx="0">
+            <a:schemeClr val="dk1"/>
+          </a:fillRef>
+          <a:effectRef idx="0">
+            <a:schemeClr val="dk1"/>
+          </a:effectRef>
+          <a:fontRef idx="minor">
+            <a:schemeClr val="tx1"/>
+          </a:fontRef>
+        </p:style>
+      </p:cxnSp>
+      <p:cxnSp>
+        <p:nvCxnSpPr>
+          <p:cNvPr id="29" name="Straight Connector 28">
+            <a:extLst>
+              <a:ext uri="{FF2B5EF4-FFF2-40B4-BE49-F238E27FC236}">
+                <a16:creationId xmlns:a16="http://schemas.microsoft.com/office/drawing/2014/main" id="{9063C0B9-45C6-49E8-A3B0-D26CB1A59053}"/>
+              </a:ext>
+            </a:extLst>
+          </p:cNvPr>
+          <p:cNvCxnSpPr>
+            <a:cxnSpLocks/>
+            <a:stCxn id="107" idx="1"/>
+            <a:endCxn id="7" idx="3"/>
+          </p:cNvCxnSpPr>
+          <p:nvPr/>
+        </p:nvCxnSpPr>
+        <p:spPr>
+          <a:xfrm flipH="1" flipV="1">
+            <a:off x="6055742" y="3852654"/>
+            <a:ext cx="698313" cy="849128"/>
+          </a:xfrm>
+          <a:prstGeom prst="line">
+            <a:avLst/>
+          </a:prstGeom>
+        </p:spPr>
+        <p:style>
+          <a:lnRef idx="1">
+            <a:schemeClr val="dk1"/>
+          </a:lnRef>
+          <a:fillRef idx="0">
+            <a:schemeClr val="dk1"/>
+          </a:fillRef>
+          <a:effectRef idx="0">
+            <a:schemeClr val="dk1"/>
+          </a:effectRef>
+          <a:fontRef idx="minor">
+            <a:schemeClr val="tx1"/>
+          </a:fontRef>
+        </p:style>
+      </p:cxnSp>
+      <p:cxnSp>
+        <p:nvCxnSpPr>
+          <p:cNvPr id="33" name="Straight Connector 32">
+            <a:extLst>
+              <a:ext uri="{FF2B5EF4-FFF2-40B4-BE49-F238E27FC236}">
+                <a16:creationId xmlns:a16="http://schemas.microsoft.com/office/drawing/2014/main" id="{C34561E6-4A19-4923-A08F-B1E8F2608EFA}"/>
+              </a:ext>
+            </a:extLst>
+          </p:cNvPr>
+          <p:cNvCxnSpPr>
+            <a:cxnSpLocks/>
+            <a:stCxn id="9" idx="1"/>
+            <a:endCxn id="7" idx="3"/>
+          </p:cNvCxnSpPr>
+          <p:nvPr/>
+        </p:nvCxnSpPr>
+        <p:spPr>
+          <a:xfrm flipH="1" flipV="1">
+            <a:off x="6055742" y="3852654"/>
+            <a:ext cx="680565" cy="540"/>
+          </a:xfrm>
+          <a:prstGeom prst="line">
+            <a:avLst/>
+          </a:prstGeom>
+        </p:spPr>
+        <p:style>
+          <a:lnRef idx="1">
+            <a:schemeClr val="dk1"/>
+          </a:lnRef>
+          <a:fillRef idx="0">
+            <a:schemeClr val="dk1"/>
+          </a:fillRef>
+          <a:effectRef idx="0">
+            <a:schemeClr val="dk1"/>
+          </a:effectRef>
+          <a:fontRef idx="minor">
+            <a:schemeClr val="tx1"/>
+          </a:fontRef>
+        </p:style>
+      </p:cxnSp>
+      <p:cxnSp>
+        <p:nvCxnSpPr>
+          <p:cNvPr id="37" name="Straight Connector 36">
+            <a:extLst>
+              <a:ext uri="{FF2B5EF4-FFF2-40B4-BE49-F238E27FC236}">
+                <a16:creationId xmlns:a16="http://schemas.microsoft.com/office/drawing/2014/main" id="{27E32E24-C821-4FED-AB0E-02CA89156516}"/>
+              </a:ext>
+            </a:extLst>
+          </p:cNvPr>
+          <p:cNvCxnSpPr>
+            <a:cxnSpLocks/>
+            <a:stCxn id="107" idx="1"/>
+            <a:endCxn id="8" idx="3"/>
+          </p:cNvCxnSpPr>
+          <p:nvPr/>
+        </p:nvCxnSpPr>
+        <p:spPr>
+          <a:xfrm flipH="1">
+            <a:off x="6055742" y="4701782"/>
+            <a:ext cx="698313" cy="18756"/>
+          </a:xfrm>
+          <a:prstGeom prst="line">
+            <a:avLst/>
+          </a:prstGeom>
+        </p:spPr>
+        <p:style>
+          <a:lnRef idx="1">
+            <a:schemeClr val="dk1"/>
+          </a:lnRef>
+          <a:fillRef idx="0">
+            <a:schemeClr val="dk1"/>
+          </a:fillRef>
+          <a:effectRef idx="0">
+            <a:schemeClr val="dk1"/>
+          </a:effectRef>
+          <a:fontRef idx="minor">
+            <a:schemeClr val="tx1"/>
+          </a:fontRef>
+        </p:style>
+      </p:cxnSp>
+      <p:cxnSp>
+        <p:nvCxnSpPr>
+          <p:cNvPr id="39" name="Straight Connector 38">
+            <a:extLst>
+              <a:ext uri="{FF2B5EF4-FFF2-40B4-BE49-F238E27FC236}">
+                <a16:creationId xmlns:a16="http://schemas.microsoft.com/office/drawing/2014/main" id="{C9BDF3C7-3B1F-466E-9D85-4484BFB5AFD9}"/>
+              </a:ext>
+            </a:extLst>
+          </p:cNvPr>
+          <p:cNvCxnSpPr/>
+          <p:nvPr/>
+        </p:nvCxnSpPr>
+        <p:spPr>
+          <a:xfrm>
+            <a:off x="3832862" y="5051405"/>
+            <a:ext cx="0" cy="321733"/>
+          </a:xfrm>
+          <a:prstGeom prst="line">
+            <a:avLst/>
+          </a:prstGeom>
+          <a:ln>
+            <a:solidFill>
+              <a:schemeClr val="bg1"/>
+            </a:solidFill>
+            <a:prstDash val="dash"/>
+          </a:ln>
+        </p:spPr>
+        <p:style>
+          <a:lnRef idx="1">
+            <a:schemeClr val="accent1"/>
+          </a:lnRef>
+          <a:fillRef idx="0">
+            <a:schemeClr val="accent1"/>
+          </a:fillRef>
+          <a:effectRef idx="0">
+            <a:schemeClr val="accent1"/>
+          </a:effectRef>
+          <a:fontRef idx="minor">
+            <a:schemeClr val="tx1"/>
+          </a:fontRef>
+        </p:style>
+      </p:cxnSp>
+      <p:sp>
+        <p:nvSpPr>
+          <p:cNvPr id="31" name="Rectangle: Rounded Corners 30">
+            <a:extLst>
+              <a:ext uri="{FF2B5EF4-FFF2-40B4-BE49-F238E27FC236}">
+                <a16:creationId xmlns:a16="http://schemas.microsoft.com/office/drawing/2014/main" id="{D8C19573-BCE2-F1F4-4578-23562794C392}"/>
+              </a:ext>
+            </a:extLst>
+          </p:cNvPr>
+          <p:cNvSpPr/>
+          <p:nvPr/>
+        </p:nvSpPr>
+        <p:spPr>
+          <a:xfrm>
+            <a:off x="622863" y="3101831"/>
+            <a:ext cx="1361245" cy="1621306"/>
+          </a:xfrm>
+          <a:prstGeom prst="roundRect">
+            <a:avLst>
+              <a:gd name="adj" fmla="val 4626"/>
+            </a:avLst>
+          </a:prstGeom>
+          <a:solidFill>
+            <a:srgbClr val="FF5353"/>
+          </a:solidFill>
+          <a:ln>
+            <a:noFill/>
+          </a:ln>
+        </p:spPr>
+        <p:style>
+          <a:lnRef idx="0">
+            <a:scrgbClr r="0" g="0" b="0"/>
+          </a:lnRef>
+          <a:fillRef idx="0">
+            <a:scrgbClr r="0" g="0" b="0"/>
+          </a:fillRef>
+          <a:effectRef idx="0">
+            <a:scrgbClr r="0" g="0" b="0"/>
+          </a:effectRef>
+          <a:fontRef idx="minor">
+            <a:schemeClr val="lt1"/>
+          </a:fontRef>
+        </p:style>
+        <p:txBody>
+          <a:bodyPr wrap="square" rtlCol="0" anchor="ctr">
+            <a:noAutofit/>
+          </a:bodyPr>
+          <a:lstStyle/>
+          <a:p>
+            <a:pPr algn="ctr"/>
+            <a:r>
+              <a:rPr lang="en-US" sz="1400" dirty="0">
+                <a:solidFill>
+                  <a:schemeClr val="bg1"/>
+                </a:solidFill>
+                <a:latin typeface="Sitka Display" pitchFamily="2" charset="0"/>
+              </a:rPr>
+              <a:t>Repository Server </a:t>
+            </a:r>
+          </a:p>
+          <a:p>
+            <a:pPr algn="ctr"/>
+            <a:r>
+              <a:rPr lang="en-US" sz="1400" b="1" dirty="0">
+                <a:solidFill>
+                  <a:schemeClr val="bg1"/>
+                </a:solidFill>
+                <a:latin typeface="Sitka Display" pitchFamily="2" charset="0"/>
+              </a:rPr>
+              <a:t>10.19.10.161</a:t>
+            </a:r>
+          </a:p>
+          <a:p>
+            <a:pPr algn="ctr"/>
+            <a:r>
+              <a:rPr lang="en-US" sz="1400" dirty="0">
+                <a:solidFill>
+                  <a:schemeClr val="bg1"/>
+                </a:solidFill>
+                <a:latin typeface="Sitka Display" pitchFamily="2" charset="0"/>
+              </a:rPr>
+              <a:t>2 Instances of </a:t>
+            </a:r>
+          </a:p>
+          <a:p>
+            <a:pPr algn="ctr"/>
+            <a:r>
+              <a:rPr lang="en-US" sz="1400" dirty="0">
+                <a:solidFill>
+                  <a:schemeClr val="bg1"/>
+                </a:solidFill>
+                <a:latin typeface="Sitka Display" pitchFamily="2" charset="0"/>
+              </a:rPr>
+              <a:t>Oracle Database Running on Pod</a:t>
+            </a:r>
+          </a:p>
+        </p:txBody>
+      </p:sp>
+      <p:sp>
+        <p:nvSpPr>
+          <p:cNvPr id="32" name="Rectangle 31">
+            <a:extLst>
+              <a:ext uri="{FF2B5EF4-FFF2-40B4-BE49-F238E27FC236}">
+                <a16:creationId xmlns:a16="http://schemas.microsoft.com/office/drawing/2014/main" id="{94EB4188-1A9D-4ED3-E134-7D1D82D908AC}"/>
+              </a:ext>
+            </a:extLst>
+          </p:cNvPr>
+          <p:cNvSpPr/>
+          <p:nvPr/>
+        </p:nvSpPr>
+        <p:spPr>
+          <a:xfrm>
+            <a:off x="2351194" y="2488874"/>
+            <a:ext cx="1481668" cy="725314"/>
+          </a:xfrm>
+          <a:prstGeom prst="rect">
+            <a:avLst/>
+          </a:prstGeom>
+          <a:solidFill>
+            <a:schemeClr val="tx1">
+              <a:lumMod val="75000"/>
+              <a:lumOff val="25000"/>
+            </a:schemeClr>
+          </a:solidFill>
+          <a:ln>
+            <a:noFill/>
+          </a:ln>
+        </p:spPr>
+        <p:style>
+          <a:lnRef idx="0">
+            <a:scrgbClr r="0" g="0" b="0"/>
+          </a:lnRef>
+          <a:fillRef idx="0">
+            <a:scrgbClr r="0" g="0" b="0"/>
+          </a:fillRef>
+          <a:effectRef idx="0">
+            <a:scrgbClr r="0" g="0" b="0"/>
+          </a:effectRef>
+          <a:fontRef idx="minor">
+            <a:schemeClr val="lt1"/>
+          </a:fontRef>
+        </p:style>
+        <p:txBody>
+          <a:bodyPr wrap="square" rtlCol="0" anchor="ctr">
+            <a:noAutofit/>
+          </a:bodyPr>
+          <a:lstStyle/>
+          <a:p>
+            <a:pPr algn="ctr"/>
+            <a:r>
+              <a:rPr lang="en-US" sz="1400" dirty="0" err="1">
+                <a:solidFill>
+                  <a:schemeClr val="bg1"/>
+                </a:solidFill>
+                <a:latin typeface="Sitka Display" pitchFamily="2" charset="0"/>
+              </a:rPr>
+              <a:t>Weblogic</a:t>
+            </a:r>
+            <a:r>
+              <a:rPr lang="en-US" sz="1400" dirty="0">
+                <a:solidFill>
+                  <a:schemeClr val="bg1"/>
+                </a:solidFill>
+                <a:latin typeface="Sitka Display" pitchFamily="2" charset="0"/>
+              </a:rPr>
+              <a:t> </a:t>
+            </a:r>
+          </a:p>
+          <a:p>
+            <a:pPr algn="ctr"/>
+            <a:r>
+              <a:rPr lang="en-US" sz="1400" dirty="0">
+                <a:solidFill>
+                  <a:schemeClr val="bg1"/>
+                </a:solidFill>
+                <a:latin typeface="Sitka Display" pitchFamily="2" charset="0"/>
+              </a:rPr>
+              <a:t>Admin Server</a:t>
+            </a:r>
+          </a:p>
+          <a:p>
+            <a:pPr algn="ctr"/>
+            <a:r>
+              <a:rPr lang="en-US" sz="1400" b="1" dirty="0">
+                <a:solidFill>
+                  <a:schemeClr val="bg1"/>
+                </a:solidFill>
+                <a:latin typeface="Sitka Display" pitchFamily="2" charset="0"/>
+              </a:rPr>
+              <a:t>(10.19.10.161)</a:t>
+            </a:r>
+          </a:p>
+        </p:txBody>
+      </p:sp>
+      <p:sp>
+        <p:nvSpPr>
+          <p:cNvPr id="42" name="Rectangle 41">
+            <a:extLst>
+              <a:ext uri="{FF2B5EF4-FFF2-40B4-BE49-F238E27FC236}">
+                <a16:creationId xmlns:a16="http://schemas.microsoft.com/office/drawing/2014/main" id="{A0841E5A-B34C-6854-8C74-34C7D149A528}"/>
+              </a:ext>
+            </a:extLst>
+          </p:cNvPr>
+          <p:cNvSpPr/>
+          <p:nvPr/>
+        </p:nvSpPr>
+        <p:spPr>
+          <a:xfrm>
+            <a:off x="2351192" y="4042956"/>
+            <a:ext cx="1481659" cy="547041"/>
+          </a:xfrm>
+          <a:prstGeom prst="rect">
+            <a:avLst/>
+          </a:prstGeom>
+          <a:solidFill>
+            <a:schemeClr val="accent3">
+              <a:lumMod val="75000"/>
+            </a:schemeClr>
+          </a:solidFill>
+          <a:ln>
+            <a:noFill/>
+          </a:ln>
+        </p:spPr>
+        <p:style>
+          <a:lnRef idx="0">
+            <a:scrgbClr r="0" g="0" b="0"/>
+          </a:lnRef>
+          <a:fillRef idx="0">
+            <a:scrgbClr r="0" g="0" b="0"/>
+          </a:fillRef>
+          <a:effectRef idx="0">
+            <a:scrgbClr r="0" g="0" b="0"/>
+          </a:effectRef>
+          <a:fontRef idx="minor">
+            <a:schemeClr val="lt1"/>
+          </a:fontRef>
+        </p:style>
+        <p:txBody>
+          <a:bodyPr wrap="square" rtlCol="0" anchor="ctr">
+            <a:noAutofit/>
+          </a:bodyPr>
+          <a:lstStyle/>
+          <a:p>
+            <a:pPr algn="ctr"/>
+            <a:r>
+              <a:rPr lang="en-US" sz="1400" dirty="0">
+                <a:solidFill>
+                  <a:schemeClr val="bg1"/>
+                </a:solidFill>
+                <a:latin typeface="Sitka Display" pitchFamily="2" charset="0"/>
+              </a:rPr>
+              <a:t>SOA Worker N2</a:t>
+            </a:r>
+          </a:p>
+          <a:p>
+            <a:pPr algn="ctr"/>
+            <a:r>
+              <a:rPr lang="en-US" sz="1400" b="1" dirty="0">
+                <a:solidFill>
+                  <a:schemeClr val="bg1"/>
+                </a:solidFill>
+                <a:latin typeface="Sitka Display" pitchFamily="2" charset="0"/>
+              </a:rPr>
+              <a:t>10.19.10.163</a:t>
+            </a:r>
+          </a:p>
+        </p:txBody>
+      </p:sp>
+      <p:sp>
+        <p:nvSpPr>
+          <p:cNvPr id="47" name="Rectangle 46">
+            <a:extLst>
+              <a:ext uri="{FF2B5EF4-FFF2-40B4-BE49-F238E27FC236}">
+                <a16:creationId xmlns:a16="http://schemas.microsoft.com/office/drawing/2014/main" id="{AB8FD1EC-00B2-44EE-72AA-0823974F097B}"/>
+              </a:ext>
+            </a:extLst>
+          </p:cNvPr>
+          <p:cNvSpPr/>
+          <p:nvPr/>
+        </p:nvSpPr>
+        <p:spPr>
+          <a:xfrm>
+            <a:off x="2351192" y="4720537"/>
+            <a:ext cx="1481659" cy="547041"/>
+          </a:xfrm>
+          <a:prstGeom prst="rect">
+            <a:avLst/>
+          </a:prstGeom>
+          <a:solidFill>
+            <a:schemeClr val="accent3">
+              <a:lumMod val="75000"/>
+            </a:schemeClr>
+          </a:solidFill>
+          <a:ln>
+            <a:noFill/>
+          </a:ln>
+        </p:spPr>
+        <p:style>
+          <a:lnRef idx="0">
+            <a:scrgbClr r="0" g="0" b="0"/>
+          </a:lnRef>
+          <a:fillRef idx="0">
+            <a:scrgbClr r="0" g="0" b="0"/>
+          </a:fillRef>
+          <a:effectRef idx="0">
+            <a:scrgbClr r="0" g="0" b="0"/>
+          </a:effectRef>
+          <a:fontRef idx="minor">
+            <a:schemeClr val="lt1"/>
+          </a:fontRef>
+        </p:style>
+        <p:txBody>
+          <a:bodyPr wrap="square" rtlCol="0" anchor="ctr">
+            <a:noAutofit/>
+          </a:bodyPr>
+          <a:lstStyle/>
+          <a:p>
+            <a:pPr algn="ctr"/>
+            <a:r>
+              <a:rPr lang="en-US" sz="1400" dirty="0">
+                <a:solidFill>
+                  <a:schemeClr val="bg1"/>
+                </a:solidFill>
+                <a:latin typeface="Sitka Display" pitchFamily="2" charset="0"/>
+              </a:rPr>
+              <a:t>SOA Worker N3</a:t>
+            </a:r>
+          </a:p>
+          <a:p>
+            <a:pPr algn="ctr"/>
+            <a:r>
+              <a:rPr lang="en-US" sz="1400" b="1" dirty="0">
+                <a:solidFill>
+                  <a:schemeClr val="bg1"/>
+                </a:solidFill>
+                <a:latin typeface="Sitka Display" pitchFamily="2" charset="0"/>
+              </a:rPr>
+              <a:t>10.19.10.164</a:t>
+            </a:r>
+          </a:p>
+        </p:txBody>
+      </p:sp>
+      <p:sp>
+        <p:nvSpPr>
+          <p:cNvPr id="83" name="Oval 82">
+            <a:extLst>
+              <a:ext uri="{FF2B5EF4-FFF2-40B4-BE49-F238E27FC236}">
+                <a16:creationId xmlns:a16="http://schemas.microsoft.com/office/drawing/2014/main" id="{38B28792-41A4-5407-ABF1-22EA9B51E619}"/>
+              </a:ext>
+            </a:extLst>
+          </p:cNvPr>
+          <p:cNvSpPr/>
+          <p:nvPr/>
+        </p:nvSpPr>
+        <p:spPr>
+          <a:xfrm>
+            <a:off x="4613917" y="2516950"/>
+            <a:ext cx="1693894" cy="605909"/>
+          </a:xfrm>
+          <a:prstGeom prst="ellipse">
+            <a:avLst/>
+          </a:prstGeom>
+          <a:solidFill>
+            <a:schemeClr val="accent3">
+              <a:lumMod val="60000"/>
+              <a:lumOff val="40000"/>
+            </a:schemeClr>
+          </a:solidFill>
+          <a:effectLst>
+            <a:outerShdw blurRad="254000" dist="127000" dir="2700000" algn="ctr" rotWithShape="0">
+              <a:schemeClr val="bg1">
+                <a:lumMod val="50000"/>
+              </a:schemeClr>
+            </a:outerShdw>
+          </a:effectLst>
+        </p:spPr>
+        <p:txBody>
+          <a:bodyPr wrap="square" rtlCol="0" anchor="ctr">
+            <a:spAutoFit/>
+          </a:bodyPr>
+          <a:lstStyle/>
+          <a:p>
+            <a:pPr algn="ctr"/>
+            <a:r>
+              <a:rPr lang="en-US" sz="1100" dirty="0">
+                <a:latin typeface="Sitka Display" pitchFamily="2" charset="0"/>
+              </a:rPr>
+              <a:t>WSO2 </a:t>
+            </a:r>
+            <a:r>
+              <a:rPr lang="en-US" sz="1100" dirty="0" err="1">
+                <a:latin typeface="Sitka Display" pitchFamily="2" charset="0"/>
+              </a:rPr>
+              <a:t>MySql</a:t>
+            </a:r>
+            <a:r>
+              <a:rPr lang="en-US" sz="1100" dirty="0">
+                <a:latin typeface="Sitka Display" pitchFamily="2" charset="0"/>
+              </a:rPr>
+              <a:t> DB Pod(10.19.10.165)</a:t>
+            </a:r>
+          </a:p>
+        </p:txBody>
+      </p:sp>
+      <p:cxnSp>
+        <p:nvCxnSpPr>
+          <p:cNvPr id="85" name="Straight Arrow Connector 84">
+            <a:extLst>
+              <a:ext uri="{FF2B5EF4-FFF2-40B4-BE49-F238E27FC236}">
+                <a16:creationId xmlns:a16="http://schemas.microsoft.com/office/drawing/2014/main" id="{7E71E739-60EB-4E6C-2FC6-2778A16DA277}"/>
+              </a:ext>
+            </a:extLst>
+          </p:cNvPr>
+          <p:cNvCxnSpPr>
+            <a:cxnSpLocks/>
+            <a:stCxn id="83" idx="4"/>
+            <a:endCxn id="7" idx="0"/>
+          </p:cNvCxnSpPr>
+          <p:nvPr/>
+        </p:nvCxnSpPr>
+        <p:spPr>
+          <a:xfrm>
+            <a:off x="5460864" y="3122859"/>
+            <a:ext cx="1" cy="417144"/>
+          </a:xfrm>
+          <a:prstGeom prst="straightConnector1">
+            <a:avLst/>
+          </a:prstGeom>
+          <a:ln>
+            <a:tailEnd type="triangle"/>
+          </a:ln>
+        </p:spPr>
+        <p:style>
+          <a:lnRef idx="1">
+            <a:schemeClr val="accent4"/>
+          </a:lnRef>
+          <a:fillRef idx="0">
+            <a:schemeClr val="accent4"/>
+          </a:fillRef>
+          <a:effectRef idx="0">
+            <a:schemeClr val="accent4"/>
+          </a:effectRef>
+          <a:fontRef idx="minor">
+            <a:schemeClr val="tx1"/>
+          </a:fontRef>
+        </p:style>
+      </p:cxnSp>
+      <p:sp>
+        <p:nvSpPr>
+          <p:cNvPr id="107" name="Rectangle 106">
+            <a:extLst>
+              <a:ext uri="{FF2B5EF4-FFF2-40B4-BE49-F238E27FC236}">
+                <a16:creationId xmlns:a16="http://schemas.microsoft.com/office/drawing/2014/main" id="{C0C198E5-9FDE-1B8B-98A3-0E1EFD99B163}"/>
+              </a:ext>
+            </a:extLst>
+          </p:cNvPr>
+          <p:cNvSpPr/>
+          <p:nvPr/>
+        </p:nvSpPr>
+        <p:spPr>
+          <a:xfrm>
+            <a:off x="6754055" y="4389670"/>
+            <a:ext cx="1189755" cy="624223"/>
+          </a:xfrm>
+          <a:prstGeom prst="rect">
+            <a:avLst/>
+          </a:prstGeom>
+          <a:solidFill>
+            <a:srgbClr val="00B050"/>
+          </a:solidFill>
+          <a:ln>
+            <a:noFill/>
+          </a:ln>
+        </p:spPr>
+        <p:style>
+          <a:lnRef idx="0">
+            <a:scrgbClr r="0" g="0" b="0"/>
+          </a:lnRef>
+          <a:fillRef idx="0">
+            <a:scrgbClr r="0" g="0" b="0"/>
+          </a:fillRef>
+          <a:effectRef idx="0">
+            <a:scrgbClr r="0" g="0" b="0"/>
+          </a:effectRef>
+          <a:fontRef idx="minor">
+            <a:schemeClr val="lt1"/>
+          </a:fontRef>
+        </p:style>
+        <p:txBody>
+          <a:bodyPr wrap="square" rtlCol="0" anchor="ctr">
+            <a:noAutofit/>
+          </a:bodyPr>
+          <a:lstStyle/>
+          <a:p>
+            <a:pPr algn="ctr"/>
+            <a:r>
+              <a:rPr lang="en-US" sz="1400" dirty="0">
+                <a:solidFill>
+                  <a:schemeClr val="bg1"/>
+                </a:solidFill>
+                <a:latin typeface="Sitka Display" pitchFamily="2" charset="0"/>
+              </a:rPr>
+              <a:t>Nginx Edge2</a:t>
+            </a:r>
+          </a:p>
+          <a:p>
+            <a:pPr algn="ctr"/>
+            <a:r>
+              <a:rPr lang="en-US" sz="1400" dirty="0">
+                <a:solidFill>
+                  <a:schemeClr val="bg1"/>
+                </a:solidFill>
+                <a:latin typeface="Sitka Display" pitchFamily="2" charset="0"/>
+              </a:rPr>
+              <a:t>10.19.10.169</a:t>
+            </a:r>
+          </a:p>
+        </p:txBody>
+      </p:sp>
+      <p:sp>
+        <p:nvSpPr>
+          <p:cNvPr id="113" name="TextBox 112">
+            <a:extLst>
+              <a:ext uri="{FF2B5EF4-FFF2-40B4-BE49-F238E27FC236}">
+                <a16:creationId xmlns:a16="http://schemas.microsoft.com/office/drawing/2014/main" id="{2A00ACD5-E196-2F69-FA20-46B0790C3112}"/>
+              </a:ext>
+            </a:extLst>
+          </p:cNvPr>
+          <p:cNvSpPr txBox="1"/>
+          <p:nvPr/>
+        </p:nvSpPr>
+        <p:spPr>
+          <a:xfrm>
+            <a:off x="291645" y="916550"/>
+            <a:ext cx="3749616" cy="369332"/>
+          </a:xfrm>
+          <a:prstGeom prst="rect">
+            <a:avLst/>
+          </a:prstGeom>
+          <a:noFill/>
+        </p:spPr>
+        <p:txBody>
+          <a:bodyPr wrap="none" rtlCol="0">
+            <a:spAutoFit/>
+          </a:bodyPr>
+          <a:lstStyle/>
+          <a:p>
+            <a:r>
+              <a:rPr lang="en-US" dirty="0"/>
+              <a:t>All Servers’ Operating System: RHEL 7.</a:t>
+            </a:r>
+          </a:p>
+        </p:txBody>
+      </p:sp>
+      <p:sp>
+        <p:nvSpPr>
+          <p:cNvPr id="116" name="Arrow: Left-Right 115">
+            <a:extLst>
+              <a:ext uri="{FF2B5EF4-FFF2-40B4-BE49-F238E27FC236}">
+                <a16:creationId xmlns:a16="http://schemas.microsoft.com/office/drawing/2014/main" id="{A7002A7A-5229-439F-66D4-19538AAA5BED}"/>
+              </a:ext>
+            </a:extLst>
+          </p:cNvPr>
+          <p:cNvSpPr/>
+          <p:nvPr/>
+        </p:nvSpPr>
+        <p:spPr>
+          <a:xfrm>
+            <a:off x="2001844" y="3909550"/>
+            <a:ext cx="302393" cy="190302"/>
+          </a:xfrm>
+          <a:prstGeom prst="leftRightArrow">
+            <a:avLst/>
+          </a:prstGeom>
+          <a:solidFill>
+            <a:schemeClr val="tx2"/>
+          </a:solidFill>
+          <a:effectLst>
+            <a:outerShdw blurRad="254000" dist="127000" dir="2700000" algn="ctr" rotWithShape="0">
+              <a:schemeClr val="bg1">
+                <a:lumMod val="50000"/>
+              </a:schemeClr>
+            </a:outerShdw>
+          </a:effectLst>
+        </p:spPr>
+        <p:txBody>
+          <a:bodyPr wrap="square" rtlCol="0" anchor="ctr">
+            <a:spAutoFit/>
+          </a:bodyPr>
+          <a:lstStyle/>
+          <a:p>
+            <a:pPr algn="justLow"/>
+            <a:endParaRPr lang="en-US" dirty="0">
+              <a:solidFill>
+                <a:schemeClr val="bg1"/>
+              </a:solidFill>
+            </a:endParaRPr>
+          </a:p>
+        </p:txBody>
+      </p:sp>
+    </p:spTree>
+    <p:extLst>
+      <p:ext uri="{BB962C8B-B14F-4D97-AF65-F5344CB8AC3E}">
+        <p14:creationId xmlns:p14="http://schemas.microsoft.com/office/powerpoint/2010/main" val="3696181477"/>
+      </p:ext>
+    </p:extLst>
+  </p:cSld>
+  <p:clrMapOvr>
+    <a:masterClrMapping/>
+  </p:clrMapOvr>
+</p:sld>
+</file>
+
+<file path=ppt/slides/slide23.xml><?xml version="1.0" encoding="utf-8"?>
+<p:sld xmlns:a="http://schemas.openxmlformats.org/drawingml/2006/main" xmlns:r="http://schemas.openxmlformats.org/officeDocument/2006/relationships" xmlns:p="http://schemas.openxmlformats.org/presentationml/2006/main">
+  <p:cSld>
+    <p:spTree>
+      <p:nvGrpSpPr>
+        <p:cNvPr id="1" name=""/>
+        <p:cNvGrpSpPr/>
+        <p:nvPr/>
+      </p:nvGrpSpPr>
+      <p:grpSpPr>
+        <a:xfrm>
+          <a:off x="0" y="0"/>
+          <a:ext cx="0" cy="0"/>
+          <a:chOff x="0" y="0"/>
+          <a:chExt cx="0" cy="0"/>
+        </a:xfrm>
+      </p:grpSpPr>
+      <p:sp>
+        <p:nvSpPr>
           <p:cNvPr id="3" name="Title 2">
             <a:extLst>
               <a:ext uri="{FF2B5EF4-FFF2-40B4-BE49-F238E27FC236}">
@@ -10997,7 +11773,7 @@
 </p:sld>
 </file>
 
-<file path=ppt/slides/slide21.xml><?xml version="1.0" encoding="utf-8"?>
+<file path=ppt/slides/slide24.xml><?xml version="1.0" encoding="utf-8"?>
 <p:sld xmlns:a="http://schemas.openxmlformats.org/drawingml/2006/main" xmlns:r="http://schemas.openxmlformats.org/officeDocument/2006/relationships" xmlns:p="http://schemas.openxmlformats.org/presentationml/2006/main">
   <p:cSld>
     <p:spTree>
@@ -11181,7 +11957,7 @@
 </p:sld>
 </file>
 
-<file path=ppt/slides/slide22.xml><?xml version="1.0" encoding="utf-8"?>
+<file path=ppt/slides/slide25.xml><?xml version="1.0" encoding="utf-8"?>
 <p:sld xmlns:a="http://schemas.openxmlformats.org/drawingml/2006/main" xmlns:r="http://schemas.openxmlformats.org/officeDocument/2006/relationships" xmlns:p="http://schemas.openxmlformats.org/presentationml/2006/main">
   <p:cSld>
     <p:spTree>
@@ -11286,7 +12062,7 @@
 </p:sld>
 </file>
 
-<file path=ppt/slides/slide23.xml><?xml version="1.0" encoding="utf-8"?>
+<file path=ppt/slides/slide26.xml><?xml version="1.0" encoding="utf-8"?>
 <p:sld xmlns:a="http://schemas.openxmlformats.org/drawingml/2006/main" xmlns:r="http://schemas.openxmlformats.org/officeDocument/2006/relationships" xmlns:p="http://schemas.openxmlformats.org/presentationml/2006/main">
   <p:cSld>
     <p:spTree>

--- a/Presentation/soaTrainingPresentation.pptx
+++ b/Presentation/soaTrainingPresentation.pptx
@@ -18,9 +18,9 @@
     <p:sldId id="281" r:id="rId12"/>
     <p:sldId id="290" r:id="rId13"/>
     <p:sldId id="289" r:id="rId14"/>
-    <p:sldId id="291" r:id="rId15"/>
-    <p:sldId id="292" r:id="rId16"/>
-    <p:sldId id="293" r:id="rId17"/>
+    <p:sldId id="298" r:id="rId15"/>
+    <p:sldId id="291" r:id="rId16"/>
+    <p:sldId id="292" r:id="rId17"/>
     <p:sldId id="296" r:id="rId18"/>
     <p:sldId id="295" r:id="rId19"/>
     <p:sldId id="294" r:id="rId20"/>
@@ -147,9 +147,9 @@
             <p14:sldId id="281"/>
             <p14:sldId id="290"/>
             <p14:sldId id="289"/>
+            <p14:sldId id="298"/>
             <p14:sldId id="291"/>
             <p14:sldId id="292"/>
-            <p14:sldId id="293"/>
             <p14:sldId id="296"/>
             <p14:sldId id="295"/>
             <p14:sldId id="294"/>
@@ -3863,6 +3863,260 @@
           <p:cNvPr id="2" name="Content Placeholder 1">
             <a:extLst>
               <a:ext uri="{FF2B5EF4-FFF2-40B4-BE49-F238E27FC236}">
+                <a16:creationId xmlns:a16="http://schemas.microsoft.com/office/drawing/2014/main" id="{A58986E8-F317-1557-C244-D4146C172AEF}"/>
+              </a:ext>
+            </a:extLst>
+          </p:cNvPr>
+          <p:cNvSpPr>
+            <a:spLocks noGrp="1"/>
+          </p:cNvSpPr>
+          <p:nvPr>
+            <p:ph idx="1"/>
+          </p:nvPr>
+        </p:nvSpPr>
+        <p:spPr/>
+        <p:txBody>
+          <a:bodyPr/>
+          <a:lstStyle/>
+          <a:p>
+            <a:r>
+              <a:rPr lang="en-US" dirty="0"/>
+              <a:t>In this Section</a:t>
+            </a:r>
+          </a:p>
+          <a:p>
+            <a:pPr lvl="1"/>
+            <a:endParaRPr lang="en-US" dirty="0"/>
+          </a:p>
+          <a:p>
+            <a:pPr lvl="2">
+              <a:lnSpc>
+                <a:spcPct val="150000"/>
+              </a:lnSpc>
+            </a:pPr>
+            <a:r>
+              <a:rPr lang="en-US" dirty="0">
+                <a:solidFill>
+                  <a:schemeClr val="tx2">
+                    <a:lumMod val="75000"/>
+                  </a:schemeClr>
+                </a:solidFill>
+              </a:rPr>
+              <a:t>Review the infrastructure</a:t>
+            </a:r>
+          </a:p>
+          <a:p>
+            <a:pPr lvl="2">
+              <a:lnSpc>
+                <a:spcPct val="150000"/>
+              </a:lnSpc>
+            </a:pPr>
+            <a:r>
+              <a:rPr lang="en-US" dirty="0">
+                <a:solidFill>
+                  <a:schemeClr val="tx2">
+                    <a:lumMod val="75000"/>
+                  </a:schemeClr>
+                </a:solidFill>
+              </a:rPr>
+              <a:t>Installing DB</a:t>
+            </a:r>
+          </a:p>
+          <a:p>
+            <a:pPr lvl="2">
+              <a:lnSpc>
+                <a:spcPct val="150000"/>
+              </a:lnSpc>
+            </a:pPr>
+            <a:r>
+              <a:rPr lang="en-US" dirty="0">
+                <a:solidFill>
+                  <a:schemeClr val="tx2">
+                    <a:lumMod val="75000"/>
+                  </a:schemeClr>
+                </a:solidFill>
+              </a:rPr>
+              <a:t>Installing Oracle FMW</a:t>
+            </a:r>
+          </a:p>
+          <a:p>
+            <a:pPr lvl="2">
+              <a:lnSpc>
+                <a:spcPct val="150000"/>
+              </a:lnSpc>
+            </a:pPr>
+            <a:r>
+              <a:rPr lang="en-US" dirty="0">
+                <a:solidFill>
+                  <a:schemeClr val="tx2">
+                    <a:lumMod val="75000"/>
+                  </a:schemeClr>
+                </a:solidFill>
+              </a:rPr>
+              <a:t>Installing Oracle SOA Suite</a:t>
+            </a:r>
+          </a:p>
+          <a:p>
+            <a:pPr lvl="2">
+              <a:lnSpc>
+                <a:spcPct val="150000"/>
+              </a:lnSpc>
+            </a:pPr>
+            <a:r>
+              <a:rPr lang="en-US" dirty="0">
+                <a:solidFill>
+                  <a:schemeClr val="tx2">
+                    <a:lumMod val="75000"/>
+                  </a:schemeClr>
+                </a:solidFill>
+              </a:rPr>
+              <a:t>Creating Domain</a:t>
+            </a:r>
+          </a:p>
+          <a:p>
+            <a:pPr lvl="3">
+              <a:lnSpc>
+                <a:spcPct val="150000"/>
+              </a:lnSpc>
+            </a:pPr>
+            <a:r>
+              <a:rPr lang="en-US" dirty="0">
+                <a:solidFill>
+                  <a:schemeClr val="tx2">
+                    <a:lumMod val="75000"/>
+                  </a:schemeClr>
+                </a:solidFill>
+              </a:rPr>
+              <a:t>What is RCU (Repository Creation Utility)</a:t>
+            </a:r>
+          </a:p>
+          <a:p>
+            <a:pPr lvl="3">
+              <a:lnSpc>
+                <a:spcPct val="150000"/>
+              </a:lnSpc>
+            </a:pPr>
+            <a:r>
+              <a:rPr lang="en-US" dirty="0">
+                <a:solidFill>
+                  <a:schemeClr val="tx2">
+                    <a:lumMod val="75000"/>
+                  </a:schemeClr>
+                </a:solidFill>
+              </a:rPr>
+              <a:t>How to create new Domain using config.sh</a:t>
+            </a:r>
+          </a:p>
+          <a:p>
+            <a:pPr lvl="3">
+              <a:lnSpc>
+                <a:spcPct val="150000"/>
+              </a:lnSpc>
+            </a:pPr>
+            <a:r>
+              <a:rPr lang="en-US" dirty="0">
+                <a:solidFill>
+                  <a:schemeClr val="tx2">
+                    <a:lumMod val="75000"/>
+                  </a:schemeClr>
+                </a:solidFill>
+              </a:rPr>
+              <a:t>Various Domain configuration and architecture</a:t>
+            </a:r>
+          </a:p>
+        </p:txBody>
+      </p:sp>
+      <p:sp>
+        <p:nvSpPr>
+          <p:cNvPr id="3" name="Title 2">
+            <a:extLst>
+              <a:ext uri="{FF2B5EF4-FFF2-40B4-BE49-F238E27FC236}">
+                <a16:creationId xmlns:a16="http://schemas.microsoft.com/office/drawing/2014/main" id="{488E9B51-646F-D753-324A-4BFB9DD01195}"/>
+              </a:ext>
+            </a:extLst>
+          </p:cNvPr>
+          <p:cNvSpPr>
+            <a:spLocks noGrp="1"/>
+          </p:cNvSpPr>
+          <p:nvPr>
+            <p:ph type="title"/>
+          </p:nvPr>
+        </p:nvSpPr>
+        <p:spPr/>
+        <p:txBody>
+          <a:bodyPr/>
+          <a:lstStyle/>
+          <a:p>
+            <a:r>
+              <a:rPr lang="en-US" b="1" dirty="0">
+                <a:solidFill>
+                  <a:schemeClr val="accent6">
+                    <a:lumMod val="75000"/>
+                  </a:schemeClr>
+                </a:solidFill>
+                <a:latin typeface="Segoe UI Semilight" panose="020B0402040204020203" pitchFamily="34" charset="0"/>
+                <a:cs typeface="Segoe UI Semilight" panose="020B0402040204020203" pitchFamily="34" charset="0"/>
+              </a:rPr>
+              <a:t>S</a:t>
+            </a:r>
+            <a:r>
+              <a:rPr lang="en-US" dirty="0"/>
+              <a:t>OA</a:t>
+            </a:r>
+            <a:r>
+              <a:rPr lang="en-US" b="1" dirty="0">
+                <a:solidFill>
+                  <a:schemeClr val="tx2">
+                    <a:lumMod val="50000"/>
+                  </a:schemeClr>
+                </a:solidFill>
+                <a:latin typeface="Segoe UI Semilight" panose="020B0402040204020203" pitchFamily="34" charset="0"/>
+                <a:cs typeface="Segoe UI Semilight" panose="020B0402040204020203" pitchFamily="34" charset="0"/>
+              </a:rPr>
+              <a:t> </a:t>
+            </a:r>
+            <a:r>
+              <a:rPr lang="en-US" dirty="0"/>
+              <a:t>Installation</a:t>
+            </a:r>
+          </a:p>
+        </p:txBody>
+      </p:sp>
+    </p:spTree>
+    <p:extLst>
+      <p:ext uri="{BB962C8B-B14F-4D97-AF65-F5344CB8AC3E}">
+        <p14:creationId xmlns:p14="http://schemas.microsoft.com/office/powerpoint/2010/main" val="4101287210"/>
+      </p:ext>
+    </p:extLst>
+  </p:cSld>
+  <p:clrMapOvr>
+    <a:masterClrMapping/>
+  </p:clrMapOvr>
+</p:sld>
+</file>
+
+<file path=ppt/slides/slide15.xml><?xml version="1.0" encoding="utf-8"?>
+<p:sld xmlns:a="http://schemas.openxmlformats.org/drawingml/2006/main" xmlns:r="http://schemas.openxmlformats.org/officeDocument/2006/relationships" xmlns:p="http://schemas.openxmlformats.org/presentationml/2006/main">
+  <p:cSld>
+    <p:spTree>
+      <p:nvGrpSpPr>
+        <p:cNvPr id="1" name=""/>
+        <p:cNvGrpSpPr/>
+        <p:nvPr/>
+      </p:nvGrpSpPr>
+      <p:grpSpPr>
+        <a:xfrm>
+          <a:off x="0" y="0"/>
+          <a:ext cx="0" cy="0"/>
+          <a:chOff x="0" y="0"/>
+          <a:chExt cx="0" cy="0"/>
+        </a:xfrm>
+      </p:grpSpPr>
+      <p:sp>
+        <p:nvSpPr>
+          <p:cNvPr id="2" name="Content Placeholder 1">
+            <a:extLst>
+              <a:ext uri="{FF2B5EF4-FFF2-40B4-BE49-F238E27FC236}">
                 <a16:creationId xmlns:a16="http://schemas.microsoft.com/office/drawing/2014/main" id="{EFD47CFD-5690-17DD-E7DF-FF9AF66DAA97}"/>
               </a:ext>
             </a:extLst>
@@ -4070,7 +4324,7 @@
 </p:sld>
 </file>
 
-<file path=ppt/slides/slide15.xml><?xml version="1.0" encoding="utf-8"?>
+<file path=ppt/slides/slide16.xml><?xml version="1.0" encoding="utf-8"?>
 <p:sld xmlns:a="http://schemas.openxmlformats.org/drawingml/2006/main" xmlns:r="http://schemas.openxmlformats.org/officeDocument/2006/relationships" xmlns:p="http://schemas.openxmlformats.org/presentationml/2006/main">
   <p:cSld>
     <p:spTree>
@@ -4339,203 +4593,6 @@
     <p:extLst>
       <p:ext uri="{BB962C8B-B14F-4D97-AF65-F5344CB8AC3E}">
         <p14:creationId xmlns:p14="http://schemas.microsoft.com/office/powerpoint/2010/main" val="228830428"/>
-      </p:ext>
-    </p:extLst>
-  </p:cSld>
-  <p:clrMapOvr>
-    <a:masterClrMapping/>
-  </p:clrMapOvr>
-</p:sld>
-</file>
-
-<file path=ppt/slides/slide16.xml><?xml version="1.0" encoding="utf-8"?>
-<p:sld xmlns:a="http://schemas.openxmlformats.org/drawingml/2006/main" xmlns:r="http://schemas.openxmlformats.org/officeDocument/2006/relationships" xmlns:p="http://schemas.openxmlformats.org/presentationml/2006/main">
-  <p:cSld>
-    <p:spTree>
-      <p:nvGrpSpPr>
-        <p:cNvPr id="1" name=""/>
-        <p:cNvGrpSpPr/>
-        <p:nvPr/>
-      </p:nvGrpSpPr>
-      <p:grpSpPr>
-        <a:xfrm>
-          <a:off x="0" y="0"/>
-          <a:ext cx="0" cy="0"/>
-          <a:chOff x="0" y="0"/>
-          <a:chExt cx="0" cy="0"/>
-        </a:xfrm>
-      </p:grpSpPr>
-      <p:sp>
-        <p:nvSpPr>
-          <p:cNvPr id="2" name="Content Placeholder 1">
-            <a:extLst>
-              <a:ext uri="{FF2B5EF4-FFF2-40B4-BE49-F238E27FC236}">
-                <a16:creationId xmlns:a16="http://schemas.microsoft.com/office/drawing/2014/main" id="{C3954C5F-17A2-8506-66BD-B80DB9043A8B}"/>
-              </a:ext>
-            </a:extLst>
-          </p:cNvPr>
-          <p:cNvSpPr>
-            <a:spLocks noGrp="1"/>
-          </p:cNvSpPr>
-          <p:nvPr>
-            <p:ph idx="1"/>
-          </p:nvPr>
-        </p:nvSpPr>
-        <p:spPr/>
-        <p:txBody>
-          <a:bodyPr/>
-          <a:lstStyle/>
-          <a:p>
-            <a:r>
-              <a:rPr lang="en-US" dirty="0"/>
-              <a:t>So Let’s Install</a:t>
-            </a:r>
-          </a:p>
-          <a:p>
-            <a:pPr marL="0" indent="0">
-              <a:buNone/>
-            </a:pPr>
-            <a:endParaRPr lang="en-US" dirty="0"/>
-          </a:p>
-          <a:p>
-            <a:pPr lvl="1">
-              <a:lnSpc>
-                <a:spcPct val="200000"/>
-              </a:lnSpc>
-            </a:pPr>
-            <a:r>
-              <a:rPr lang="en-US" dirty="0"/>
-              <a:t>Installing DB (on server and using </a:t>
-            </a:r>
-            <a:r>
-              <a:rPr lang="en-US" dirty="0" err="1"/>
-              <a:t>podman</a:t>
-            </a:r>
-            <a:r>
-              <a:rPr lang="en-US" dirty="0"/>
-              <a:t> image)</a:t>
-            </a:r>
-          </a:p>
-          <a:p>
-            <a:pPr lvl="1">
-              <a:lnSpc>
-                <a:spcPct val="200000"/>
-              </a:lnSpc>
-            </a:pPr>
-            <a:r>
-              <a:rPr lang="en-US" dirty="0"/>
-              <a:t>Installing Oracle </a:t>
-            </a:r>
-            <a:r>
-              <a:rPr lang="en-US" dirty="0" err="1"/>
-              <a:t>Fussion</a:t>
-            </a:r>
-            <a:r>
-              <a:rPr lang="en-US" dirty="0"/>
-              <a:t> Middleware (FMW)</a:t>
-            </a:r>
-          </a:p>
-          <a:p>
-            <a:pPr lvl="1">
-              <a:lnSpc>
-                <a:spcPct val="200000"/>
-              </a:lnSpc>
-            </a:pPr>
-            <a:r>
-              <a:rPr lang="en-US" dirty="0"/>
-              <a:t>Installing Oracle SOA Suite</a:t>
-            </a:r>
-          </a:p>
-          <a:p>
-            <a:pPr lvl="1">
-              <a:lnSpc>
-                <a:spcPct val="200000"/>
-              </a:lnSpc>
-            </a:pPr>
-            <a:endParaRPr lang="en-US" dirty="0"/>
-          </a:p>
-          <a:p>
-            <a:pPr lvl="1">
-              <a:lnSpc>
-                <a:spcPct val="200000"/>
-              </a:lnSpc>
-            </a:pPr>
-            <a:endParaRPr lang="en-US" dirty="0"/>
-          </a:p>
-          <a:p>
-            <a:pPr lvl="1">
-              <a:lnSpc>
-                <a:spcPct val="200000"/>
-              </a:lnSpc>
-            </a:pPr>
-            <a:endParaRPr lang="en-US" dirty="0"/>
-          </a:p>
-          <a:p>
-            <a:pPr lvl="1"/>
-            <a:endParaRPr lang="en-US" dirty="0"/>
-          </a:p>
-        </p:txBody>
-      </p:sp>
-      <p:sp>
-        <p:nvSpPr>
-          <p:cNvPr id="3" name="Title 2">
-            <a:extLst>
-              <a:ext uri="{FF2B5EF4-FFF2-40B4-BE49-F238E27FC236}">
-                <a16:creationId xmlns:a16="http://schemas.microsoft.com/office/drawing/2014/main" id="{0D16D143-C65C-2A3F-9827-5CE6906DCECF}"/>
-              </a:ext>
-            </a:extLst>
-          </p:cNvPr>
-          <p:cNvSpPr>
-            <a:spLocks noGrp="1"/>
-          </p:cNvSpPr>
-          <p:nvPr>
-            <p:ph type="title"/>
-          </p:nvPr>
-        </p:nvSpPr>
-        <p:spPr/>
-        <p:txBody>
-          <a:bodyPr/>
-          <a:lstStyle/>
-          <a:p>
-            <a:r>
-              <a:rPr lang="en-US" b="1" dirty="0">
-                <a:solidFill>
-                  <a:schemeClr val="accent6">
-                    <a:lumMod val="75000"/>
-                  </a:schemeClr>
-                </a:solidFill>
-                <a:latin typeface="Segoe UI Semilight" panose="020B0402040204020203" pitchFamily="34" charset="0"/>
-                <a:cs typeface="Segoe UI Semilight" panose="020B0402040204020203" pitchFamily="34" charset="0"/>
-              </a:rPr>
-              <a:t>S</a:t>
-            </a:r>
-            <a:r>
-              <a:rPr lang="en-US" dirty="0"/>
-              <a:t>OA</a:t>
-            </a:r>
-            <a:r>
-              <a:rPr lang="en-US" b="1" dirty="0">
-                <a:solidFill>
-                  <a:schemeClr val="tx2">
-                    <a:lumMod val="50000"/>
-                  </a:schemeClr>
-                </a:solidFill>
-                <a:latin typeface="Segoe UI Semilight" panose="020B0402040204020203" pitchFamily="34" charset="0"/>
-                <a:cs typeface="Segoe UI Semilight" panose="020B0402040204020203" pitchFamily="34" charset="0"/>
-              </a:rPr>
-              <a:t> </a:t>
-            </a:r>
-            <a:r>
-              <a:rPr lang="en-US" dirty="0"/>
-              <a:t>Installation</a:t>
-            </a:r>
-          </a:p>
-        </p:txBody>
-      </p:sp>
-    </p:spTree>
-    <p:extLst>
-      <p:ext uri="{BB962C8B-B14F-4D97-AF65-F5344CB8AC3E}">
-        <p14:creationId xmlns:p14="http://schemas.microsoft.com/office/powerpoint/2010/main" val="1552758894"/>
       </p:ext>
     </p:extLst>
   </p:cSld>
@@ -4583,7 +4640,38 @@
           <a:bodyPr/>
           <a:lstStyle/>
           <a:p>
-            <a:endParaRPr lang="en-US" dirty="0"/>
+            <a:r>
+              <a:rPr lang="en-US" b="1" dirty="0">
+                <a:solidFill>
+                  <a:schemeClr val="accent6">
+                    <a:lumMod val="75000"/>
+                  </a:schemeClr>
+                </a:solidFill>
+                <a:latin typeface="Segoe UI Semilight" panose="020B0402040204020203" pitchFamily="34" charset="0"/>
+                <a:cs typeface="Segoe UI Semilight" panose="020B0402040204020203" pitchFamily="34" charset="0"/>
+              </a:rPr>
+              <a:t>S</a:t>
+            </a:r>
+            <a:r>
+              <a:rPr lang="en-US" dirty="0"/>
+              <a:t>OA</a:t>
+            </a:r>
+            <a:r>
+              <a:rPr lang="en-US" b="1" dirty="0">
+                <a:solidFill>
+                  <a:schemeClr val="tx2">
+                    <a:lumMod val="50000"/>
+                  </a:schemeClr>
+                </a:solidFill>
+                <a:latin typeface="Segoe UI Semilight" panose="020B0402040204020203" pitchFamily="34" charset="0"/>
+                <a:cs typeface="Segoe UI Semilight" panose="020B0402040204020203" pitchFamily="34" charset="0"/>
+              </a:rPr>
+              <a:t> </a:t>
+            </a:r>
+            <a:r>
+              <a:rPr lang="en-US" dirty="0"/>
+              <a:t>Installation</a:t>
+            </a:r>
           </a:p>
         </p:txBody>
       </p:sp>
@@ -4601,7 +4689,7 @@
         </p:nvSpPr>
         <p:spPr>
           <a:xfrm>
-            <a:off x="3070371" y="1012606"/>
+            <a:off x="3437924" y="1864253"/>
             <a:ext cx="1895912" cy="646331"/>
           </a:xfrm>
           <a:prstGeom prst="rect">
@@ -4624,7 +4712,7 @@
           </a:bodyPr>
           <a:lstStyle/>
           <a:p>
-            <a:pPr algn="justLow"/>
+            <a:pPr algn="ctr"/>
             <a:r>
               <a:rPr lang="en-US" dirty="0"/>
               <a:t>Create New SOA Environment</a:t>
@@ -4646,7 +4734,7 @@
         </p:nvSpPr>
         <p:spPr>
           <a:xfrm>
-            <a:off x="3070371" y="2206144"/>
+            <a:off x="3437924" y="3057791"/>
             <a:ext cx="1895912" cy="646331"/>
           </a:xfrm>
           <a:prstGeom prst="rect">
@@ -4706,7 +4794,7 @@
         </p:nvCxnSpPr>
         <p:spPr>
           <a:xfrm>
-            <a:off x="4018327" y="1658937"/>
+            <a:off x="4385880" y="2510584"/>
             <a:ext cx="0" cy="547207"/>
           </a:xfrm>
           <a:prstGeom prst="straightConnector1">
@@ -4745,7 +4833,7 @@
         </p:nvSpPr>
         <p:spPr>
           <a:xfrm>
-            <a:off x="3070371" y="3264555"/>
+            <a:off x="3437924" y="4116202"/>
             <a:ext cx="1895912" cy="646331"/>
           </a:xfrm>
           <a:prstGeom prst="rect">
@@ -4818,7 +4906,7 @@
         </p:nvCxnSpPr>
         <p:spPr>
           <a:xfrm>
-            <a:off x="4018327" y="2852475"/>
+            <a:off x="4385880" y="3704122"/>
             <a:ext cx="0" cy="412080"/>
           </a:xfrm>
           <a:prstGeom prst="straightConnector1">
@@ -4857,7 +4945,7 @@
         </p:nvSpPr>
         <p:spPr>
           <a:xfrm>
-            <a:off x="3070371" y="4461465"/>
+            <a:off x="3437924" y="5313112"/>
             <a:ext cx="1895912" cy="369332"/>
           </a:xfrm>
           <a:prstGeom prst="rect">
@@ -4917,7 +5005,7 @@
         </p:nvCxnSpPr>
         <p:spPr>
           <a:xfrm>
-            <a:off x="4018327" y="3910886"/>
+            <a:off x="4385880" y="4762533"/>
             <a:ext cx="0" cy="550579"/>
           </a:xfrm>
           <a:prstGeom prst="straightConnector1">
@@ -4942,6 +5030,45 @@
           </a:fontRef>
         </p:style>
       </p:cxnSp>
+      <p:sp>
+        <p:nvSpPr>
+          <p:cNvPr id="2" name="TextBox 1">
+            <a:extLst>
+              <a:ext uri="{FF2B5EF4-FFF2-40B4-BE49-F238E27FC236}">
+                <a16:creationId xmlns:a16="http://schemas.microsoft.com/office/drawing/2014/main" id="{9071D0CD-0D1D-9666-5F8F-E31546141BE2}"/>
+              </a:ext>
+            </a:extLst>
+          </p:cNvPr>
+          <p:cNvSpPr txBox="1"/>
+          <p:nvPr/>
+        </p:nvSpPr>
+        <p:spPr>
+          <a:xfrm>
+            <a:off x="753035" y="1210235"/>
+            <a:ext cx="4132730" cy="369332"/>
+          </a:xfrm>
+          <a:prstGeom prst="rect">
+            <a:avLst/>
+          </a:prstGeom>
+          <a:noFill/>
+        </p:spPr>
+        <p:txBody>
+          <a:bodyPr wrap="square" rtlCol="0">
+            <a:spAutoFit/>
+          </a:bodyPr>
+          <a:lstStyle/>
+          <a:p>
+            <a:pPr marL="285750" indent="-285750">
+              <a:buFont typeface="Wingdings" panose="05000000000000000000" pitchFamily="2" charset="2"/>
+              <a:buChar char="q"/>
+            </a:pPr>
+            <a:r>
+              <a:rPr lang="en-US" dirty="0"/>
+              <a:t>Steps of Creating New Domain</a:t>
+            </a:r>
+          </a:p>
+        </p:txBody>
+      </p:sp>
     </p:spTree>
     <p:extLst>
       <p:ext uri="{BB962C8B-B14F-4D97-AF65-F5344CB8AC3E}">
@@ -4988,7 +5115,12 @@
             <p:ph idx="1"/>
           </p:nvPr>
         </p:nvSpPr>
-        <p:spPr/>
+        <p:spPr>
+          <a:xfrm>
+            <a:off x="457200" y="975518"/>
+            <a:ext cx="8229600" cy="4906963"/>
+          </a:xfrm>
+        </p:spPr>
         <p:txBody>
           <a:bodyPr/>
           <a:lstStyle/>
@@ -5010,37 +5142,85 @@
           <a:p>
             <a:pPr lvl="2"/>
             <a:r>
-              <a:rPr lang="en-US" dirty="0"/>
+              <a:rPr lang="en-US" dirty="0">
+                <a:solidFill>
+                  <a:schemeClr val="tx2">
+                    <a:lumMod val="75000"/>
+                  </a:schemeClr>
+                </a:solidFill>
+              </a:rPr>
               <a:t>Use </a:t>
             </a:r>
             <a:r>
-              <a:rPr lang="en-US" dirty="0" err="1"/>
+              <a:rPr lang="en-US" dirty="0" err="1">
+                <a:solidFill>
+                  <a:schemeClr val="tx2">
+                    <a:lumMod val="75000"/>
+                  </a:schemeClr>
+                </a:solidFill>
+              </a:rPr>
               <a:t>rcu</a:t>
             </a:r>
             <a:r>
-              <a:rPr lang="en-US" dirty="0"/>
+              <a:rPr lang="en-US" dirty="0">
+                <a:solidFill>
+                  <a:schemeClr val="tx2">
+                    <a:lumMod val="75000"/>
+                  </a:schemeClr>
+                </a:solidFill>
+              </a:rPr>
               <a:t> utility available under : will create a repository on provided DB(mostly oracle DB used)</a:t>
             </a:r>
           </a:p>
           <a:p>
             <a:pPr lvl="3"/>
             <a:r>
-              <a:rPr lang="en-US" dirty="0"/>
+              <a:rPr lang="en-US" dirty="0">
+                <a:solidFill>
+                  <a:schemeClr val="tx2">
+                    <a:lumMod val="75000"/>
+                  </a:schemeClr>
+                </a:solidFill>
+              </a:rPr>
               <a:t>$WLS_HOME/</a:t>
             </a:r>
             <a:r>
-              <a:rPr lang="en-US" dirty="0" err="1"/>
+              <a:rPr lang="en-US" dirty="0" err="1">
+                <a:solidFill>
+                  <a:schemeClr val="tx2">
+                    <a:lumMod val="75000"/>
+                  </a:schemeClr>
+                </a:solidFill>
+              </a:rPr>
               <a:t>oracle_common</a:t>
             </a:r>
             <a:r>
-              <a:rPr lang="en-US" dirty="0"/>
+              <a:rPr lang="en-US" dirty="0">
+                <a:solidFill>
+                  <a:schemeClr val="tx2">
+                    <a:lumMod val="75000"/>
+                  </a:schemeClr>
+                </a:solidFill>
+              </a:rPr>
               <a:t>/bin/</a:t>
             </a:r>
             <a:r>
-              <a:rPr lang="en-US" dirty="0" err="1"/>
+              <a:rPr lang="en-US" dirty="0" err="1">
+                <a:solidFill>
+                  <a:schemeClr val="tx2">
+                    <a:lumMod val="75000"/>
+                  </a:schemeClr>
+                </a:solidFill>
+              </a:rPr>
               <a:t>rcu</a:t>
             </a:r>
-            <a:endParaRPr lang="en-US" dirty="0"/>
+            <a:endParaRPr lang="en-US" dirty="0">
+              <a:solidFill>
+                <a:schemeClr val="tx2">
+                  <a:lumMod val="75000"/>
+                </a:schemeClr>
+              </a:solidFill>
+            </a:endParaRPr>
           </a:p>
           <a:p>
             <a:pPr lvl="4"/>
@@ -5059,48 +5239,43 @@
             </a:r>
           </a:p>
           <a:p>
-            <a:pPr marL="693738" lvl="4" indent="-342900"/>
-            <a:r>
-              <a:rPr lang="en-US" dirty="0"/>
+            <a:pPr marL="968375" lvl="4" indent="-285750">
+              <a:buFont typeface="Wingdings" panose="05000000000000000000" pitchFamily="2" charset="2"/>
+              <a:buChar char="§"/>
+            </a:pPr>
+            <a:r>
+              <a:rPr lang="en-US" dirty="0">
+                <a:solidFill>
+                  <a:schemeClr val="tx2">
+                    <a:lumMod val="75000"/>
+                  </a:schemeClr>
+                </a:solidFill>
+              </a:rPr>
               <a:t>Using tool:</a:t>
             </a:r>
-          </a:p>
-          <a:p>
-            <a:pPr marL="693738" lvl="4" indent="-342900"/>
-            <a:r>
-              <a:rPr lang="en-US" dirty="0"/>
-              <a:t> $WLS_HOME/</a:t>
-            </a:r>
-            <a:r>
-              <a:rPr lang="en-US" dirty="0" err="1"/>
-              <a:t>oracle_common</a:t>
-            </a:r>
-            <a:r>
-              <a:rPr lang="en-US" dirty="0"/>
-              <a:t>/common/bin/</a:t>
-            </a:r>
-            <a:r>
-              <a:rPr lang="en-US" dirty="0" err="1"/>
-              <a:t>config.sh</a:t>
-            </a:r>
-            <a:endParaRPr lang="en-US" dirty="0"/>
-          </a:p>
-          <a:p>
-            <a:pPr marL="693738" lvl="4" indent="-342900"/>
-            <a:endParaRPr lang="en-US" dirty="0"/>
-          </a:p>
-          <a:p>
-            <a:pPr marL="693738" lvl="4" indent="-342900"/>
-            <a:endParaRPr lang="en-US" dirty="0"/>
           </a:p>
           <a:p>
             <a:pPr marL="350838" lvl="4" indent="0">
               <a:buNone/>
             </a:pPr>
             <a:r>
-              <a:rPr lang="en-US" dirty="0"/>
-              <a:t>3. Check for Created Database Repositories</a:t>
-            </a:r>
+              <a:rPr lang="en-US" dirty="0">
+                <a:solidFill>
+                  <a:schemeClr val="tx2">
+                    <a:lumMod val="75000"/>
+                  </a:schemeClr>
+                </a:solidFill>
+              </a:rPr>
+              <a:t>		 $WLS_HOME/oracle_common/common/bin/config.sh</a:t>
+            </a:r>
+          </a:p>
+          <a:p>
+            <a:pPr marL="693738" lvl="4" indent="-342900"/>
+            <a:endParaRPr lang="en-US" dirty="0"/>
+          </a:p>
+          <a:p>
+            <a:pPr marL="693738" lvl="4" indent="-342900"/>
+            <a:endParaRPr lang="en-US" dirty="0"/>
           </a:p>
           <a:p>
             <a:pPr marL="350838" lvl="4" indent="0">
@@ -5108,7 +5283,7 @@
             </a:pPr>
             <a:r>
               <a:rPr lang="en-US" dirty="0"/>
-              <a:t>	a. using oracle shell user:</a:t>
+              <a:t>3. Check for Created Database Repositories</a:t>
             </a:r>
           </a:p>
           <a:p>
@@ -5117,31 +5292,17 @@
             </a:pPr>
             <a:r>
               <a:rPr lang="en-US" dirty="0"/>
-              <a:t>		</a:t>
-            </a:r>
-            <a:r>
-              <a:rPr lang="en-US" dirty="0" err="1"/>
-              <a:t>oracle_user_home</a:t>
-            </a:r>
-            <a:r>
-              <a:rPr lang="en-US" dirty="0"/>
-              <a:t>$ </a:t>
-            </a:r>
-            <a:r>
-              <a:rPr lang="en-US" dirty="0" err="1"/>
-              <a:t>sqlplus</a:t>
-            </a:r>
-            <a:r>
-              <a:rPr lang="en-US" dirty="0"/>
-              <a:t> / as </a:t>
-            </a:r>
-            <a:r>
-              <a:rPr lang="en-US" dirty="0" err="1"/>
-              <a:t>sysdba</a:t>
-            </a:r>
-            <a:r>
-              <a:rPr lang="en-US" dirty="0"/>
-              <a:t> </a:t>
+              <a:t>	</a:t>
+            </a:r>
+            <a:r>
+              <a:rPr lang="en-US" dirty="0">
+                <a:solidFill>
+                  <a:schemeClr val="bg2">
+                    <a:lumMod val="25000"/>
+                  </a:schemeClr>
+                </a:solidFill>
+              </a:rPr>
+              <a:t>a. using oracle shell user:</a:t>
             </a:r>
           </a:p>
           <a:p>
@@ -5149,8 +5310,74 @@
               <a:buNone/>
             </a:pPr>
             <a:r>
-              <a:rPr lang="en-US" dirty="0"/>
-              <a:t>	b. using oracle toad :</a:t>
+              <a:rPr lang="en-US" dirty="0">
+                <a:solidFill>
+                  <a:schemeClr val="bg2">
+                    <a:lumMod val="25000"/>
+                  </a:schemeClr>
+                </a:solidFill>
+              </a:rPr>
+              <a:t>		</a:t>
+            </a:r>
+            <a:r>
+              <a:rPr lang="en-US" dirty="0" err="1">
+                <a:solidFill>
+                  <a:schemeClr val="bg2">
+                    <a:lumMod val="25000"/>
+                  </a:schemeClr>
+                </a:solidFill>
+              </a:rPr>
+              <a:t>oracle_user_home</a:t>
+            </a:r>
+            <a:r>
+              <a:rPr lang="en-US" dirty="0">
+                <a:solidFill>
+                  <a:schemeClr val="bg2">
+                    <a:lumMod val="25000"/>
+                  </a:schemeClr>
+                </a:solidFill>
+              </a:rPr>
+              <a:t>&gt;$ </a:t>
+            </a:r>
+            <a:r>
+              <a:rPr lang="en-US" dirty="0" err="1">
+                <a:solidFill>
+                  <a:schemeClr val="bg2">
+                    <a:lumMod val="25000"/>
+                  </a:schemeClr>
+                </a:solidFill>
+              </a:rPr>
+              <a:t>sqlplus</a:t>
+            </a:r>
+            <a:r>
+              <a:rPr lang="en-US" dirty="0">
+                <a:solidFill>
+                  <a:schemeClr val="bg2">
+                    <a:lumMod val="25000"/>
+                  </a:schemeClr>
+                </a:solidFill>
+              </a:rPr>
+              <a:t> / as </a:t>
+            </a:r>
+            <a:r>
+              <a:rPr lang="en-US" dirty="0" err="1">
+                <a:solidFill>
+                  <a:schemeClr val="bg2">
+                    <a:lumMod val="25000"/>
+                  </a:schemeClr>
+                </a:solidFill>
+              </a:rPr>
+              <a:t>sysdba</a:t>
+            </a:r>
+            <a:r>
+              <a:rPr lang="en-US" dirty="0">
+                <a:solidFill>
+                  <a:schemeClr val="bg2">
+                    <a:lumMod val="25000"/>
+                  </a:schemeClr>
+                </a:solidFill>
+              </a:rPr>
+              <a:t> </a:t>
             </a:r>
           </a:p>
           <a:p>
@@ -5158,8 +5385,14 @@
               <a:buNone/>
             </a:pPr>
             <a:r>
-              <a:rPr lang="en-US" dirty="0"/>
-              <a:t>		new session </a:t>
+              <a:rPr lang="en-US" dirty="0">
+                <a:solidFill>
+                  <a:schemeClr val="bg2">
+                    <a:lumMod val="25000"/>
+                  </a:schemeClr>
+                </a:solidFill>
+              </a:rPr>
+              <a:t>	b. using oracle toad :</a:t>
             </a:r>
           </a:p>
           <a:p>
@@ -5167,7 +5400,28 @@
               <a:buNone/>
             </a:pPr>
             <a:r>
-              <a:rPr lang="en-US" dirty="0"/>
+              <a:rPr lang="en-US" dirty="0">
+                <a:solidFill>
+                  <a:schemeClr val="bg2">
+                    <a:lumMod val="25000"/>
+                  </a:schemeClr>
+                </a:solidFill>
+              </a:rPr>
+              <a:t>		new session </a:t>
+            </a:r>
+          </a:p>
+          <a:p>
+            <a:pPr marL="350838" lvl="4" indent="0">
+              <a:buNone/>
+            </a:pPr>
+            <a:r>
+              <a:rPr lang="en-US" dirty="0">
+                <a:solidFill>
+                  <a:schemeClr val="bg2">
+                    <a:lumMod val="25000"/>
+                  </a:schemeClr>
+                </a:solidFill>
+              </a:rPr>
               <a:t>		make connection to database running on 10.19.10.161:1501</a:t>
             </a:r>
           </a:p>
@@ -5194,7 +5448,83 @@
           <a:bodyPr/>
           <a:lstStyle/>
           <a:p>
-            <a:endParaRPr lang="en-US" dirty="0"/>
+            <a:r>
+              <a:rPr lang="en-US" b="1" dirty="0">
+                <a:solidFill>
+                  <a:schemeClr val="accent6">
+                    <a:lumMod val="75000"/>
+                  </a:schemeClr>
+                </a:solidFill>
+                <a:latin typeface="Segoe UI Semilight" panose="020B0402040204020203" pitchFamily="34" charset="0"/>
+                <a:cs typeface="Segoe UI Semilight" panose="020B0402040204020203" pitchFamily="34" charset="0"/>
+              </a:rPr>
+              <a:t>S</a:t>
+            </a:r>
+            <a:r>
+              <a:rPr lang="en-US" dirty="0"/>
+              <a:t>OA</a:t>
+            </a:r>
+            <a:r>
+              <a:rPr lang="en-US" b="1" dirty="0">
+                <a:solidFill>
+                  <a:schemeClr val="tx2">
+                    <a:lumMod val="50000"/>
+                  </a:schemeClr>
+                </a:solidFill>
+                <a:latin typeface="Segoe UI Semilight" panose="020B0402040204020203" pitchFamily="34" charset="0"/>
+                <a:cs typeface="Segoe UI Semilight" panose="020B0402040204020203" pitchFamily="34" charset="0"/>
+              </a:rPr>
+              <a:t> </a:t>
+            </a:r>
+            <a:r>
+              <a:rPr lang="en-US" dirty="0"/>
+              <a:t>Installation</a:t>
+            </a:r>
+          </a:p>
+        </p:txBody>
+      </p:sp>
+      <p:sp>
+        <p:nvSpPr>
+          <p:cNvPr id="4" name="TextBox 3">
+            <a:extLst>
+              <a:ext uri="{FF2B5EF4-FFF2-40B4-BE49-F238E27FC236}">
+                <a16:creationId xmlns:a16="http://schemas.microsoft.com/office/drawing/2014/main" id="{3450116B-5916-478D-0406-5E1848F431A6}"/>
+              </a:ext>
+            </a:extLst>
+          </p:cNvPr>
+          <p:cNvSpPr txBox="1"/>
+          <p:nvPr/>
+        </p:nvSpPr>
+        <p:spPr>
+          <a:xfrm>
+            <a:off x="2698377" y="5882481"/>
+            <a:ext cx="4034117" cy="461665"/>
+          </a:xfrm>
+          <a:prstGeom prst="rect">
+            <a:avLst/>
+          </a:prstGeom>
+          <a:noFill/>
+        </p:spPr>
+        <p:txBody>
+          <a:bodyPr wrap="square" rtlCol="0">
+            <a:spAutoFit/>
+          </a:bodyPr>
+          <a:lstStyle/>
+          <a:p>
+            <a:r>
+              <a:rPr lang="en-US" sz="2400" dirty="0">
+                <a:solidFill>
+                  <a:schemeClr val="accent5">
+                    <a:lumMod val="50000"/>
+                  </a:schemeClr>
+                </a:solidFill>
+                <a:highlight>
+                  <a:srgbClr val="FFFF00"/>
+                </a:highlight>
+                <a:latin typeface="Trebuchet MS" pitchFamily="34" charset="0"/>
+              </a:rPr>
+              <a:t>Let’s Create a Domain!</a:t>
+            </a:r>
           </a:p>
         </p:txBody>
       </p:sp>
@@ -5249,7 +5579,35 @@
           <a:bodyPr/>
           <a:lstStyle/>
           <a:p>
-            <a:endParaRPr lang="en-US"/>
+            <a:r>
+              <a:rPr lang="en-US" dirty="0"/>
+              <a:t>For Cluster Architecture:</a:t>
+            </a:r>
+          </a:p>
+          <a:p>
+            <a:pPr lvl="1"/>
+            <a:r>
+              <a:rPr lang="en-US" dirty="0"/>
+              <a:t>We need to pack the created domain in Admin Server and unpack it on worker machines</a:t>
+            </a:r>
+          </a:p>
+          <a:p>
+            <a:pPr lvl="1"/>
+            <a:r>
+              <a:rPr lang="en-US" dirty="0"/>
+              <a:t>In worker machines:</a:t>
+            </a:r>
+          </a:p>
+          <a:p>
+            <a:pPr lvl="2"/>
+            <a:r>
+              <a:rPr lang="en-US" dirty="0"/>
+              <a:t>We need to use wlst.sh tool to enroll managed server machines</a:t>
+            </a:r>
+          </a:p>
+          <a:p>
+            <a:pPr lvl="2"/>
+            <a:endParaRPr lang="en-US" dirty="0"/>
           </a:p>
         </p:txBody>
       </p:sp>
@@ -5274,7 +5632,38 @@
           <a:bodyPr/>
           <a:lstStyle/>
           <a:p>
-            <a:endParaRPr lang="en-US"/>
+            <a:r>
+              <a:rPr lang="en-US" b="1" dirty="0">
+                <a:solidFill>
+                  <a:schemeClr val="accent6">
+                    <a:lumMod val="75000"/>
+                  </a:schemeClr>
+                </a:solidFill>
+                <a:latin typeface="Segoe UI Semilight" panose="020B0402040204020203" pitchFamily="34" charset="0"/>
+                <a:cs typeface="Segoe UI Semilight" panose="020B0402040204020203" pitchFamily="34" charset="0"/>
+              </a:rPr>
+              <a:t>S</a:t>
+            </a:r>
+            <a:r>
+              <a:rPr lang="en-US" dirty="0"/>
+              <a:t>OA</a:t>
+            </a:r>
+            <a:r>
+              <a:rPr lang="en-US" b="1" dirty="0">
+                <a:solidFill>
+                  <a:schemeClr val="tx2">
+                    <a:lumMod val="50000"/>
+                  </a:schemeClr>
+                </a:solidFill>
+                <a:latin typeface="Segoe UI Semilight" panose="020B0402040204020203" pitchFamily="34" charset="0"/>
+                <a:cs typeface="Segoe UI Semilight" panose="020B0402040204020203" pitchFamily="34" charset="0"/>
+              </a:rPr>
+              <a:t> </a:t>
+            </a:r>
+            <a:r>
+              <a:rPr lang="en-US" dirty="0"/>
+              <a:t>Installation</a:t>
+            </a:r>
           </a:p>
         </p:txBody>
       </p:sp>

--- a/Presentation/soaTrainingPresentation.pptx
+++ b/Presentation/soaTrainingPresentation.pptx
@@ -25,12 +25,14 @@
     <p:sldId id="295" r:id="rId19"/>
     <p:sldId id="294" r:id="rId20"/>
     <p:sldId id="297" r:id="rId21"/>
-    <p:sldId id="259" r:id="rId22"/>
-    <p:sldId id="276" r:id="rId23"/>
-    <p:sldId id="277" r:id="rId24"/>
-    <p:sldId id="261" r:id="rId25"/>
-    <p:sldId id="268" r:id="rId26"/>
-    <p:sldId id="272" r:id="rId27"/>
+    <p:sldId id="299" r:id="rId22"/>
+    <p:sldId id="300" r:id="rId23"/>
+    <p:sldId id="259" r:id="rId24"/>
+    <p:sldId id="276" r:id="rId25"/>
+    <p:sldId id="277" r:id="rId26"/>
+    <p:sldId id="261" r:id="rId27"/>
+    <p:sldId id="268" r:id="rId28"/>
+    <p:sldId id="272" r:id="rId29"/>
   </p:sldIdLst>
   <p:sldSz cx="9144000" cy="6858000" type="screen4x3"/>
   <p:notesSz cx="6858000" cy="9144000"/>
@@ -154,6 +156,8 @@
             <p14:sldId id="295"/>
             <p14:sldId id="294"/>
             <p14:sldId id="297"/>
+            <p14:sldId id="299"/>
+            <p14:sldId id="300"/>
           </p14:sldIdLst>
         </p14:section>
         <p14:section name="Architecture" id="{2E54B0A4-7D42-4DA8-B359-3DA8DE410F7E}">
@@ -5745,14 +5749,14 @@
           <p:nvPr>
             <p:extLst>
               <p:ext uri="{D42A27DB-BD31-4B8C-83A1-F6EECF244321}">
-                <p14:modId xmlns:p14="http://schemas.microsoft.com/office/powerpoint/2010/main" val="2663384754"/>
+                <p14:modId xmlns:p14="http://schemas.microsoft.com/office/powerpoint/2010/main" val="906081287"/>
               </p:ext>
             </p:extLst>
           </p:nvPr>
         </p:nvGraphicFramePr>
         <p:xfrm>
           <a:off x="719725" y="949773"/>
-          <a:ext cx="7518839" cy="5317860"/>
+          <a:ext cx="7518839" cy="5293954"/>
         </p:xfrm>
         <a:graphic>
           <a:graphicData uri="http://schemas.openxmlformats.org/drawingml/2006/table">
@@ -6127,7 +6131,7 @@
                   </a:ext>
                 </a:extLst>
               </a:tr>
-              <a:tr h="377336">
+              <a:tr h="353430">
                 <a:tc>
                   <a:txBody>
                     <a:bodyPr/>
@@ -6279,7 +6283,7 @@
                           <a:latin typeface="Segoe UI Semilight" panose="020B0402040204020203" pitchFamily="34" charset="0"/>
                           <a:cs typeface="Segoe UI Semilight" panose="020B0402040204020203" pitchFamily="34" charset="0"/>
                         </a:rPr>
-                        <a:t>anaging and Monitoring Composite Applications</a:t>
+                        <a:t>anaging and Monitoring Infrastructure and Applications</a:t>
                       </a:r>
                       <a:endParaRPr lang="en-US" b="1" dirty="0">
                         <a:solidFill>
@@ -7207,7 +7211,63 @@
           <a:bodyPr/>
           <a:lstStyle/>
           <a:p>
-            <a:endParaRPr lang="en-US"/>
+            <a:r>
+              <a:rPr lang="en-US" dirty="0"/>
+              <a:t>In this section:</a:t>
+            </a:r>
+          </a:p>
+          <a:p>
+            <a:pPr lvl="1"/>
+            <a:endParaRPr lang="en-US" dirty="0"/>
+          </a:p>
+          <a:p>
+            <a:pPr lvl="1">
+              <a:lnSpc>
+                <a:spcPct val="200000"/>
+              </a:lnSpc>
+            </a:pPr>
+            <a:r>
+              <a:rPr lang="en-US" dirty="0">
+                <a:solidFill>
+                  <a:srgbClr val="006600"/>
+                </a:solidFill>
+              </a:rPr>
+              <a:t>Starting / Stopping Environment (Domain)</a:t>
+            </a:r>
+          </a:p>
+          <a:p>
+            <a:pPr lvl="1">
+              <a:lnSpc>
+                <a:spcPct val="200000"/>
+              </a:lnSpc>
+            </a:pPr>
+            <a:r>
+              <a:rPr lang="en-US" dirty="0">
+                <a:solidFill>
+                  <a:srgbClr val="006600"/>
+                </a:solidFill>
+              </a:rPr>
+              <a:t>Review FMW Console</a:t>
+            </a:r>
+          </a:p>
+          <a:p>
+            <a:pPr lvl="1">
+              <a:lnSpc>
+                <a:spcPct val="200000"/>
+              </a:lnSpc>
+            </a:pPr>
+            <a:r>
+              <a:rPr lang="en-US" dirty="0">
+                <a:solidFill>
+                  <a:srgbClr val="006600"/>
+                </a:solidFill>
+              </a:rPr>
+              <a:t>Review FWM Enterprise Manager</a:t>
+            </a:r>
+          </a:p>
+          <a:p>
+            <a:pPr lvl="1"/>
+            <a:endParaRPr lang="en-US" dirty="0"/>
           </a:p>
         </p:txBody>
       </p:sp>
@@ -7232,7 +7292,36 @@
           <a:bodyPr/>
           <a:lstStyle/>
           <a:p>
-            <a:endParaRPr lang="en-US"/>
+            <a:r>
+              <a:rPr lang="en-US" b="1" dirty="0">
+                <a:solidFill>
+                  <a:srgbClr val="0070C0"/>
+                </a:solidFill>
+                <a:latin typeface="Segoe UI Semilight" panose="020B0402040204020203" pitchFamily="34" charset="0"/>
+                <a:cs typeface="Segoe UI Semilight" panose="020B0402040204020203" pitchFamily="34" charset="0"/>
+              </a:rPr>
+              <a:t>M</a:t>
+            </a:r>
+            <a:r>
+              <a:rPr lang="en-US" dirty="0"/>
+              <a:t>anaging</a:t>
+            </a:r>
+            <a:r>
+              <a:rPr lang="en-US" b="1" dirty="0">
+                <a:solidFill>
+                  <a:schemeClr val="tx2">
+                    <a:lumMod val="50000"/>
+                  </a:schemeClr>
+                </a:solidFill>
+                <a:latin typeface="Segoe UI Semilight" panose="020B0402040204020203" pitchFamily="34" charset="0"/>
+                <a:cs typeface="Segoe UI Semilight" panose="020B0402040204020203" pitchFamily="34" charset="0"/>
+              </a:rPr>
+              <a:t> </a:t>
+            </a:r>
+            <a:r>
+              <a:rPr lang="en-US" dirty="0"/>
+              <a:t>and Monitoring Infrastructure and Applications</a:t>
+            </a:r>
           </a:p>
         </p:txBody>
       </p:sp>
@@ -7250,6 +7339,646 @@
 </file>
 
 <file path=ppt/slides/slide21.xml><?xml version="1.0" encoding="utf-8"?>
+<p:sld xmlns:a="http://schemas.openxmlformats.org/drawingml/2006/main" xmlns:r="http://schemas.openxmlformats.org/officeDocument/2006/relationships" xmlns:p="http://schemas.openxmlformats.org/presentationml/2006/main">
+  <p:cSld>
+    <p:spTree>
+      <p:nvGrpSpPr>
+        <p:cNvPr id="1" name=""/>
+        <p:cNvGrpSpPr/>
+        <p:nvPr/>
+      </p:nvGrpSpPr>
+      <p:grpSpPr>
+        <a:xfrm>
+          <a:off x="0" y="0"/>
+          <a:ext cx="0" cy="0"/>
+          <a:chOff x="0" y="0"/>
+          <a:chExt cx="0" cy="0"/>
+        </a:xfrm>
+      </p:grpSpPr>
+      <p:sp>
+        <p:nvSpPr>
+          <p:cNvPr id="2" name="Content Placeholder 1">
+            <a:extLst>
+              <a:ext uri="{FF2B5EF4-FFF2-40B4-BE49-F238E27FC236}">
+                <a16:creationId xmlns:a16="http://schemas.microsoft.com/office/drawing/2014/main" id="{1509CEBE-6BC9-631F-4E4E-30B8DF58EA0A}"/>
+              </a:ext>
+            </a:extLst>
+          </p:cNvPr>
+          <p:cNvSpPr>
+            <a:spLocks noGrp="1"/>
+          </p:cNvSpPr>
+          <p:nvPr>
+            <p:ph idx="1"/>
+          </p:nvPr>
+        </p:nvSpPr>
+        <p:spPr/>
+        <p:txBody>
+          <a:bodyPr/>
+          <a:lstStyle/>
+          <a:p>
+            <a:pPr>
+              <a:buFont typeface="Wingdings" panose="05000000000000000000" pitchFamily="2" charset="2"/>
+              <a:buChar char="q"/>
+            </a:pPr>
+            <a:r>
+              <a:rPr lang="en-US" dirty="0">
+                <a:solidFill>
+                  <a:srgbClr val="006600"/>
+                </a:solidFill>
+              </a:rPr>
+              <a:t>Starting / Stopping Environment (Domain)</a:t>
+            </a:r>
+          </a:p>
+          <a:p>
+            <a:pPr lvl="1">
+              <a:buFont typeface="Arial" panose="020B0604020202020204" pitchFamily="34" charset="0"/>
+              <a:buChar char="•"/>
+            </a:pPr>
+            <a:r>
+              <a:rPr lang="en-US" dirty="0">
+                <a:solidFill>
+                  <a:schemeClr val="accent3">
+                    <a:lumMod val="75000"/>
+                  </a:schemeClr>
+                </a:solidFill>
+              </a:rPr>
+              <a:t>Starting for the first time:</a:t>
+            </a:r>
+          </a:p>
+          <a:p>
+            <a:pPr lvl="2"/>
+            <a:r>
+              <a:rPr lang="en-US" dirty="0">
+                <a:solidFill>
+                  <a:schemeClr val="accent3">
+                    <a:lumMod val="75000"/>
+                  </a:schemeClr>
+                </a:solidFill>
+              </a:rPr>
+              <a:t>Creating security properties file:</a:t>
+            </a:r>
+          </a:p>
+          <a:p>
+            <a:pPr marL="685782" lvl="2" indent="0">
+              <a:buNone/>
+            </a:pPr>
+            <a:endParaRPr lang="en-US" dirty="0"/>
+          </a:p>
+          <a:p>
+            <a:pPr marL="0" marR="0" lvl="0" indent="0" algn="l" defTabSz="914400" rtl="0" eaLnBrk="0" fontAlgn="base" latinLnBrk="0" hangingPunct="0">
+              <a:lnSpc>
+                <a:spcPct val="100000"/>
+              </a:lnSpc>
+              <a:spcBef>
+                <a:spcPct val="0"/>
+              </a:spcBef>
+              <a:spcAft>
+                <a:spcPct val="0"/>
+              </a:spcAft>
+              <a:buClrTx/>
+              <a:buSzTx/>
+              <a:buFontTx/>
+              <a:buNone/>
+              <a:tabLst/>
+            </a:pPr>
+            <a:r>
+              <a:rPr lang="en-US" altLang="en-US" sz="1500" dirty="0">
+                <a:solidFill>
+                  <a:schemeClr val="tx2">
+                    <a:lumMod val="60000"/>
+                    <a:lumOff val="40000"/>
+                  </a:schemeClr>
+                </a:solidFill>
+              </a:rPr>
+              <a:t>	$ </a:t>
+            </a:r>
+            <a:r>
+              <a:rPr lang="en-US" altLang="en-US" sz="1500" dirty="0" err="1">
+                <a:solidFill>
+                  <a:schemeClr val="tx2">
+                    <a:lumMod val="60000"/>
+                    <a:lumOff val="40000"/>
+                  </a:schemeClr>
+                </a:solidFill>
+              </a:rPr>
+              <a:t>mkdir</a:t>
+            </a:r>
+            <a:r>
+              <a:rPr lang="en-US" altLang="en-US" sz="1500" dirty="0">
+                <a:solidFill>
+                  <a:schemeClr val="tx2">
+                    <a:lumMod val="60000"/>
+                    <a:lumOff val="40000"/>
+                  </a:schemeClr>
+                </a:solidFill>
+              </a:rPr>
+              <a:t> -p $DOMAIN_HOME/servers/</a:t>
+            </a:r>
+            <a:r>
+              <a:rPr lang="en-US" altLang="en-US" sz="1500" dirty="0" err="1">
+                <a:solidFill>
+                  <a:schemeClr val="tx2">
+                    <a:lumMod val="60000"/>
+                    <a:lumOff val="40000"/>
+                  </a:schemeClr>
+                </a:solidFill>
+              </a:rPr>
+              <a:t>AdminServer</a:t>
+            </a:r>
+            <a:r>
+              <a:rPr lang="en-US" altLang="en-US" sz="1500" dirty="0">
+                <a:solidFill>
+                  <a:schemeClr val="tx2">
+                    <a:lumMod val="60000"/>
+                    <a:lumOff val="40000"/>
+                  </a:schemeClr>
+                </a:solidFill>
+              </a:rPr>
+              <a:t>/security </a:t>
+            </a:r>
+          </a:p>
+          <a:p>
+            <a:pPr marL="0" marR="0" lvl="0" indent="0" algn="l" defTabSz="914400" rtl="0" eaLnBrk="0" fontAlgn="base" latinLnBrk="0" hangingPunct="0">
+              <a:lnSpc>
+                <a:spcPct val="100000"/>
+              </a:lnSpc>
+              <a:spcBef>
+                <a:spcPct val="0"/>
+              </a:spcBef>
+              <a:spcAft>
+                <a:spcPct val="0"/>
+              </a:spcAft>
+              <a:buClrTx/>
+              <a:buSzTx/>
+              <a:buFontTx/>
+              <a:buNone/>
+              <a:tabLst/>
+            </a:pPr>
+            <a:r>
+              <a:rPr lang="en-US" altLang="en-US" sz="1500" dirty="0">
+                <a:solidFill>
+                  <a:schemeClr val="tx2">
+                    <a:lumMod val="60000"/>
+                    <a:lumOff val="40000"/>
+                  </a:schemeClr>
+                </a:solidFill>
+              </a:rPr>
+              <a:t>	$ echo "username=</a:t>
+            </a:r>
+            <a:r>
+              <a:rPr lang="en-US" altLang="en-US" sz="1500" dirty="0" err="1">
+                <a:solidFill>
+                  <a:schemeClr val="tx2">
+                    <a:lumMod val="60000"/>
+                    <a:lumOff val="40000"/>
+                  </a:schemeClr>
+                </a:solidFill>
+              </a:rPr>
+              <a:t>weblogic</a:t>
+            </a:r>
+            <a:r>
+              <a:rPr lang="en-US" altLang="en-US" sz="1500" dirty="0">
+                <a:solidFill>
+                  <a:schemeClr val="tx2">
+                    <a:lumMod val="60000"/>
+                    <a:lumOff val="40000"/>
+                  </a:schemeClr>
+                </a:solidFill>
+              </a:rPr>
+              <a:t>" &gt; 			$DOMAIN_HOME/servers/</a:t>
+            </a:r>
+            <a:r>
+              <a:rPr lang="en-US" altLang="en-US" sz="1500" dirty="0" err="1">
+                <a:solidFill>
+                  <a:schemeClr val="tx2">
+                    <a:lumMod val="60000"/>
+                    <a:lumOff val="40000"/>
+                  </a:schemeClr>
+                </a:solidFill>
+              </a:rPr>
+              <a:t>AdminServer</a:t>
+            </a:r>
+            <a:r>
+              <a:rPr lang="en-US" altLang="en-US" sz="1500" dirty="0">
+                <a:solidFill>
+                  <a:schemeClr val="tx2">
+                    <a:lumMod val="60000"/>
+                    <a:lumOff val="40000"/>
+                  </a:schemeClr>
+                </a:solidFill>
+              </a:rPr>
+              <a:t>/security/</a:t>
+            </a:r>
+            <a:r>
+              <a:rPr lang="en-US" altLang="en-US" sz="1500" dirty="0" err="1">
+                <a:solidFill>
+                  <a:schemeClr val="tx2">
+                    <a:lumMod val="60000"/>
+                    <a:lumOff val="40000"/>
+                  </a:schemeClr>
+                </a:solidFill>
+              </a:rPr>
+              <a:t>boot.properties</a:t>
+            </a:r>
+            <a:r>
+              <a:rPr lang="en-US" altLang="en-US" sz="1500" dirty="0">
+                <a:solidFill>
+                  <a:schemeClr val="tx2">
+                    <a:lumMod val="60000"/>
+                    <a:lumOff val="40000"/>
+                  </a:schemeClr>
+                </a:solidFill>
+              </a:rPr>
+              <a:t> </a:t>
+            </a:r>
+          </a:p>
+          <a:p>
+            <a:pPr marL="0" marR="0" lvl="0" indent="0" algn="l" defTabSz="914400" rtl="0" eaLnBrk="0" fontAlgn="base" latinLnBrk="0" hangingPunct="0">
+              <a:lnSpc>
+                <a:spcPct val="100000"/>
+              </a:lnSpc>
+              <a:spcBef>
+                <a:spcPct val="0"/>
+              </a:spcBef>
+              <a:spcAft>
+                <a:spcPct val="0"/>
+              </a:spcAft>
+              <a:buClrTx/>
+              <a:buSzTx/>
+              <a:buFontTx/>
+              <a:buNone/>
+              <a:tabLst/>
+            </a:pPr>
+            <a:r>
+              <a:rPr lang="en-US" altLang="en-US" sz="1500" dirty="0">
+                <a:solidFill>
+                  <a:schemeClr val="tx2">
+                    <a:lumMod val="60000"/>
+                    <a:lumOff val="40000"/>
+                  </a:schemeClr>
+                </a:solidFill>
+              </a:rPr>
+              <a:t>	$ echo "password=Password1" &gt;&gt; 	$DOMAIN_HOME/servers/</a:t>
+            </a:r>
+            <a:r>
+              <a:rPr lang="en-US" altLang="en-US" sz="1500" dirty="0" err="1">
+                <a:solidFill>
+                  <a:schemeClr val="tx2">
+                    <a:lumMod val="60000"/>
+                    <a:lumOff val="40000"/>
+                  </a:schemeClr>
+                </a:solidFill>
+              </a:rPr>
+              <a:t>AdminServer</a:t>
+            </a:r>
+            <a:r>
+              <a:rPr lang="en-US" altLang="en-US" sz="1500" dirty="0">
+                <a:solidFill>
+                  <a:schemeClr val="tx2">
+                    <a:lumMod val="60000"/>
+                    <a:lumOff val="40000"/>
+                  </a:schemeClr>
+                </a:solidFill>
+              </a:rPr>
+              <a:t>/security/</a:t>
+            </a:r>
+            <a:r>
+              <a:rPr lang="en-US" altLang="en-US" sz="1500" dirty="0" err="1">
+                <a:solidFill>
+                  <a:schemeClr val="tx2">
+                    <a:lumMod val="60000"/>
+                    <a:lumOff val="40000"/>
+                  </a:schemeClr>
+                </a:solidFill>
+              </a:rPr>
+              <a:t>boot.properties</a:t>
+            </a:r>
+            <a:r>
+              <a:rPr lang="en-US" altLang="en-US" sz="1500" dirty="0">
+                <a:solidFill>
+                  <a:schemeClr val="tx2">
+                    <a:lumMod val="60000"/>
+                    <a:lumOff val="40000"/>
+                  </a:schemeClr>
+                </a:solidFill>
+              </a:rPr>
+              <a:t> </a:t>
+            </a:r>
+          </a:p>
+          <a:p>
+            <a:pPr lvl="3"/>
+            <a:endParaRPr lang="en-US" dirty="0"/>
+          </a:p>
+          <a:p>
+            <a:pPr marL="625475" lvl="3" indent="-285750">
+              <a:lnSpc>
+                <a:spcPct val="150000"/>
+              </a:lnSpc>
+              <a:buFont typeface="Arial" panose="020B0604020202020204" pitchFamily="34" charset="0"/>
+              <a:buChar char="•"/>
+            </a:pPr>
+            <a:r>
+              <a:rPr lang="en-US" dirty="0">
+                <a:solidFill>
+                  <a:schemeClr val="accent3">
+                    <a:lumMod val="75000"/>
+                  </a:schemeClr>
+                </a:solidFill>
+              </a:rPr>
+              <a:t>Starting </a:t>
+            </a:r>
+            <a:r>
+              <a:rPr lang="en-US" dirty="0" err="1">
+                <a:solidFill>
+                  <a:schemeClr val="accent3">
+                    <a:lumMod val="75000"/>
+                  </a:schemeClr>
+                </a:solidFill>
+              </a:rPr>
+              <a:t>Weblogic</a:t>
+            </a:r>
+            <a:r>
+              <a:rPr lang="en-US" dirty="0">
+                <a:solidFill>
+                  <a:schemeClr val="accent3">
+                    <a:lumMod val="75000"/>
+                  </a:schemeClr>
+                </a:solidFill>
+              </a:rPr>
+              <a:t> Server</a:t>
+            </a:r>
+          </a:p>
+          <a:p>
+            <a:pPr marL="625475" lvl="3" indent="-285750">
+              <a:lnSpc>
+                <a:spcPct val="150000"/>
+              </a:lnSpc>
+              <a:buFont typeface="Arial" panose="020B0604020202020204" pitchFamily="34" charset="0"/>
+              <a:buChar char="•"/>
+            </a:pPr>
+            <a:r>
+              <a:rPr lang="en-US" dirty="0">
+                <a:solidFill>
+                  <a:schemeClr val="accent3">
+                    <a:lumMod val="75000"/>
+                  </a:schemeClr>
+                </a:solidFill>
+              </a:rPr>
+              <a:t>Starting Node Managers</a:t>
+            </a:r>
+          </a:p>
+          <a:p>
+            <a:pPr marL="625475" lvl="3" indent="-285750">
+              <a:lnSpc>
+                <a:spcPct val="150000"/>
+              </a:lnSpc>
+              <a:buFont typeface="Arial" panose="020B0604020202020204" pitchFamily="34" charset="0"/>
+              <a:buChar char="•"/>
+            </a:pPr>
+            <a:r>
+              <a:rPr lang="en-US" dirty="0">
+                <a:solidFill>
+                  <a:schemeClr val="accent3">
+                    <a:lumMod val="75000"/>
+                  </a:schemeClr>
+                </a:solidFill>
+              </a:rPr>
+              <a:t>Stopping </a:t>
+            </a:r>
+            <a:r>
+              <a:rPr lang="en-US" dirty="0" err="1">
+                <a:solidFill>
+                  <a:schemeClr val="accent3">
+                    <a:lumMod val="75000"/>
+                  </a:schemeClr>
+                </a:solidFill>
+              </a:rPr>
+              <a:t>Weblogic</a:t>
+            </a:r>
+            <a:r>
+              <a:rPr lang="en-US" dirty="0">
+                <a:solidFill>
+                  <a:schemeClr val="accent3">
+                    <a:lumMod val="75000"/>
+                  </a:schemeClr>
+                </a:solidFill>
+              </a:rPr>
+              <a:t> Server</a:t>
+            </a:r>
+          </a:p>
+          <a:p>
+            <a:pPr marL="625475" lvl="3" indent="-285750">
+              <a:lnSpc>
+                <a:spcPct val="150000"/>
+              </a:lnSpc>
+              <a:buFont typeface="Arial" panose="020B0604020202020204" pitchFamily="34" charset="0"/>
+              <a:buChar char="•"/>
+            </a:pPr>
+            <a:r>
+              <a:rPr lang="en-US" dirty="0">
+                <a:solidFill>
+                  <a:schemeClr val="accent3">
+                    <a:lumMod val="75000"/>
+                  </a:schemeClr>
+                </a:solidFill>
+              </a:rPr>
+              <a:t>Stopping Node Managers</a:t>
+            </a:r>
+          </a:p>
+          <a:p>
+            <a:pPr lvl="3"/>
+            <a:endParaRPr lang="en-US" dirty="0"/>
+          </a:p>
+        </p:txBody>
+      </p:sp>
+      <p:sp>
+        <p:nvSpPr>
+          <p:cNvPr id="3" name="Title 2">
+            <a:extLst>
+              <a:ext uri="{FF2B5EF4-FFF2-40B4-BE49-F238E27FC236}">
+                <a16:creationId xmlns:a16="http://schemas.microsoft.com/office/drawing/2014/main" id="{660F6646-3122-9BE4-ED15-F232A55216CD}"/>
+              </a:ext>
+            </a:extLst>
+          </p:cNvPr>
+          <p:cNvSpPr>
+            <a:spLocks noGrp="1"/>
+          </p:cNvSpPr>
+          <p:nvPr>
+            <p:ph type="title"/>
+          </p:nvPr>
+        </p:nvSpPr>
+        <p:spPr/>
+        <p:txBody>
+          <a:bodyPr/>
+          <a:lstStyle/>
+          <a:p>
+            <a:r>
+              <a:rPr lang="en-US" b="1" dirty="0">
+                <a:solidFill>
+                  <a:srgbClr val="0070C0"/>
+                </a:solidFill>
+                <a:latin typeface="Segoe UI Semilight" panose="020B0402040204020203" pitchFamily="34" charset="0"/>
+                <a:cs typeface="Segoe UI Semilight" panose="020B0402040204020203" pitchFamily="34" charset="0"/>
+              </a:rPr>
+              <a:t>M</a:t>
+            </a:r>
+            <a:r>
+              <a:rPr lang="en-US" dirty="0"/>
+              <a:t>anaging</a:t>
+            </a:r>
+            <a:r>
+              <a:rPr lang="en-US" b="1" dirty="0">
+                <a:solidFill>
+                  <a:schemeClr val="tx2">
+                    <a:lumMod val="50000"/>
+                  </a:schemeClr>
+                </a:solidFill>
+                <a:latin typeface="Segoe UI Semilight" panose="020B0402040204020203" pitchFamily="34" charset="0"/>
+                <a:cs typeface="Segoe UI Semilight" panose="020B0402040204020203" pitchFamily="34" charset="0"/>
+              </a:rPr>
+              <a:t> </a:t>
+            </a:r>
+            <a:r>
+              <a:rPr lang="en-US" dirty="0"/>
+              <a:t>and Monitoring Infrastructure and Applications</a:t>
+            </a:r>
+          </a:p>
+        </p:txBody>
+      </p:sp>
+    </p:spTree>
+    <p:extLst>
+      <p:ext uri="{BB962C8B-B14F-4D97-AF65-F5344CB8AC3E}">
+        <p14:creationId xmlns:p14="http://schemas.microsoft.com/office/powerpoint/2010/main" val="3137052082"/>
+      </p:ext>
+    </p:extLst>
+  </p:cSld>
+  <p:clrMapOvr>
+    <a:masterClrMapping/>
+  </p:clrMapOvr>
+</p:sld>
+</file>
+
+<file path=ppt/slides/slide22.xml><?xml version="1.0" encoding="utf-8"?>
+<p:sld xmlns:a="http://schemas.openxmlformats.org/drawingml/2006/main" xmlns:r="http://schemas.openxmlformats.org/officeDocument/2006/relationships" xmlns:p="http://schemas.openxmlformats.org/presentationml/2006/main">
+  <p:cSld>
+    <p:spTree>
+      <p:nvGrpSpPr>
+        <p:cNvPr id="1" name=""/>
+        <p:cNvGrpSpPr/>
+        <p:nvPr/>
+      </p:nvGrpSpPr>
+      <p:grpSpPr>
+        <a:xfrm>
+          <a:off x="0" y="0"/>
+          <a:ext cx="0" cy="0"/>
+          <a:chOff x="0" y="0"/>
+          <a:chExt cx="0" cy="0"/>
+        </a:xfrm>
+      </p:grpSpPr>
+      <p:sp>
+        <p:nvSpPr>
+          <p:cNvPr id="2" name="Content Placeholder 1">
+            <a:extLst>
+              <a:ext uri="{FF2B5EF4-FFF2-40B4-BE49-F238E27FC236}">
+                <a16:creationId xmlns:a16="http://schemas.microsoft.com/office/drawing/2014/main" id="{8CFAC5BA-0060-8E18-CF17-9A5E3DB8C4E6}"/>
+              </a:ext>
+            </a:extLst>
+          </p:cNvPr>
+          <p:cNvSpPr>
+            <a:spLocks noGrp="1"/>
+          </p:cNvSpPr>
+          <p:nvPr>
+            <p:ph idx="1"/>
+          </p:nvPr>
+        </p:nvSpPr>
+        <p:spPr/>
+        <p:txBody>
+          <a:bodyPr/>
+          <a:lstStyle/>
+          <a:p>
+            <a:r>
+              <a:rPr lang="en-US" dirty="0"/>
+              <a:t>Review </a:t>
+            </a:r>
+            <a:r>
+              <a:rPr lang="en-US" dirty="0" err="1"/>
+              <a:t>Weblogic</a:t>
+            </a:r>
+            <a:r>
+              <a:rPr lang="en-US" dirty="0"/>
+              <a:t> Console</a:t>
+            </a:r>
+          </a:p>
+        </p:txBody>
+      </p:sp>
+      <p:sp>
+        <p:nvSpPr>
+          <p:cNvPr id="3" name="Title 2">
+            <a:extLst>
+              <a:ext uri="{FF2B5EF4-FFF2-40B4-BE49-F238E27FC236}">
+                <a16:creationId xmlns:a16="http://schemas.microsoft.com/office/drawing/2014/main" id="{557249DB-DA4D-C2EA-1B8A-DE6EA55027F1}"/>
+              </a:ext>
+            </a:extLst>
+          </p:cNvPr>
+          <p:cNvSpPr>
+            <a:spLocks noGrp="1"/>
+          </p:cNvSpPr>
+          <p:nvPr>
+            <p:ph type="title"/>
+          </p:nvPr>
+        </p:nvSpPr>
+        <p:spPr/>
+        <p:txBody>
+          <a:bodyPr/>
+          <a:lstStyle/>
+          <a:p>
+            <a:r>
+              <a:rPr lang="en-US" b="1" dirty="0">
+                <a:solidFill>
+                  <a:srgbClr val="0070C0"/>
+                </a:solidFill>
+                <a:latin typeface="Segoe UI Semilight" panose="020B0402040204020203" pitchFamily="34" charset="0"/>
+                <a:cs typeface="Segoe UI Semilight" panose="020B0402040204020203" pitchFamily="34" charset="0"/>
+              </a:rPr>
+              <a:t>M</a:t>
+            </a:r>
+            <a:r>
+              <a:rPr lang="en-US" dirty="0"/>
+              <a:t>anaging</a:t>
+            </a:r>
+            <a:r>
+              <a:rPr lang="en-US" b="1" dirty="0">
+                <a:solidFill>
+                  <a:schemeClr val="tx2">
+                    <a:lumMod val="50000"/>
+                  </a:schemeClr>
+                </a:solidFill>
+                <a:latin typeface="Segoe UI Semilight" panose="020B0402040204020203" pitchFamily="34" charset="0"/>
+                <a:cs typeface="Segoe UI Semilight" panose="020B0402040204020203" pitchFamily="34" charset="0"/>
+              </a:rPr>
+              <a:t> </a:t>
+            </a:r>
+            <a:r>
+              <a:rPr lang="en-US" dirty="0"/>
+              <a:t>and Monitoring Infrastructure and Applications</a:t>
+            </a:r>
+          </a:p>
+        </p:txBody>
+      </p:sp>
+    </p:spTree>
+    <p:extLst>
+      <p:ext uri="{BB962C8B-B14F-4D97-AF65-F5344CB8AC3E}">
+        <p14:creationId xmlns:p14="http://schemas.microsoft.com/office/powerpoint/2010/main" val="1910619055"/>
+      </p:ext>
+    </p:extLst>
+  </p:cSld>
+  <p:clrMapOvr>
+    <a:masterClrMapping/>
+  </p:clrMapOvr>
+</p:sld>
+</file>
+
+<file path=ppt/slides/slide23.xml><?xml version="1.0" encoding="utf-8"?>
 <p:sld xmlns:a="http://schemas.openxmlformats.org/drawingml/2006/main" xmlns:r="http://schemas.openxmlformats.org/officeDocument/2006/relationships" xmlns:p="http://schemas.openxmlformats.org/presentationml/2006/main">
   <p:cSld>
     <p:spTree>
@@ -9402,7 +10131,7 @@
 </p:sld>
 </file>
 
-<file path=ppt/slides/slide22.xml><?xml version="1.0" encoding="utf-8"?>
+<file path=ppt/slides/slide24.xml><?xml version="1.0" encoding="utf-8"?>
 <p:sld xmlns:a="http://schemas.openxmlformats.org/drawingml/2006/main" xmlns:r="http://schemas.openxmlformats.org/officeDocument/2006/relationships" xmlns:p="http://schemas.openxmlformats.org/presentationml/2006/main">
   <p:cSld>
     <p:spTree>
@@ -11035,7 +11764,7 @@
 </p:sld>
 </file>
 
-<file path=ppt/slides/slide23.xml><?xml version="1.0" encoding="utf-8"?>
+<file path=ppt/slides/slide25.xml><?xml version="1.0" encoding="utf-8"?>
 <p:sld xmlns:a="http://schemas.openxmlformats.org/drawingml/2006/main" xmlns:r="http://schemas.openxmlformats.org/officeDocument/2006/relationships" xmlns:p="http://schemas.openxmlformats.org/presentationml/2006/main">
   <p:cSld>
     <p:spTree>
@@ -12162,7 +12891,7 @@
 </p:sld>
 </file>
 
-<file path=ppt/slides/slide24.xml><?xml version="1.0" encoding="utf-8"?>
+<file path=ppt/slides/slide26.xml><?xml version="1.0" encoding="utf-8"?>
 <p:sld xmlns:a="http://schemas.openxmlformats.org/drawingml/2006/main" xmlns:r="http://schemas.openxmlformats.org/officeDocument/2006/relationships" xmlns:p="http://schemas.openxmlformats.org/presentationml/2006/main">
   <p:cSld>
     <p:spTree>
@@ -12346,7 +13075,7 @@
 </p:sld>
 </file>
 
-<file path=ppt/slides/slide25.xml><?xml version="1.0" encoding="utf-8"?>
+<file path=ppt/slides/slide27.xml><?xml version="1.0" encoding="utf-8"?>
 <p:sld xmlns:a="http://schemas.openxmlformats.org/drawingml/2006/main" xmlns:r="http://schemas.openxmlformats.org/officeDocument/2006/relationships" xmlns:p="http://schemas.openxmlformats.org/presentationml/2006/main">
   <p:cSld>
     <p:spTree>
@@ -12451,7 +13180,7 @@
 </p:sld>
 </file>
 
-<file path=ppt/slides/slide26.xml><?xml version="1.0" encoding="utf-8"?>
+<file path=ppt/slides/slide28.xml><?xml version="1.0" encoding="utf-8"?>
 <p:sld xmlns:a="http://schemas.openxmlformats.org/drawingml/2006/main" xmlns:r="http://schemas.openxmlformats.org/officeDocument/2006/relationships" xmlns:p="http://schemas.openxmlformats.org/presentationml/2006/main">
   <p:cSld>
     <p:spTree>

--- a/Presentation/soaTrainingPresentation.pptx
+++ b/Presentation/soaTrainingPresentation.pptx
@@ -24,15 +24,16 @@
     <p:sldId id="296" r:id="rId18"/>
     <p:sldId id="295" r:id="rId19"/>
     <p:sldId id="294" r:id="rId20"/>
-    <p:sldId id="297" r:id="rId21"/>
-    <p:sldId id="299" r:id="rId22"/>
-    <p:sldId id="300" r:id="rId23"/>
-    <p:sldId id="259" r:id="rId24"/>
-    <p:sldId id="276" r:id="rId25"/>
-    <p:sldId id="277" r:id="rId26"/>
-    <p:sldId id="261" r:id="rId27"/>
-    <p:sldId id="268" r:id="rId28"/>
-    <p:sldId id="272" r:id="rId29"/>
+    <p:sldId id="301" r:id="rId21"/>
+    <p:sldId id="297" r:id="rId22"/>
+    <p:sldId id="299" r:id="rId23"/>
+    <p:sldId id="300" r:id="rId24"/>
+    <p:sldId id="259" r:id="rId25"/>
+    <p:sldId id="276" r:id="rId26"/>
+    <p:sldId id="277" r:id="rId27"/>
+    <p:sldId id="261" r:id="rId28"/>
+    <p:sldId id="268" r:id="rId29"/>
+    <p:sldId id="272" r:id="rId30"/>
   </p:sldIdLst>
   <p:sldSz cx="9144000" cy="6858000" type="screen4x3"/>
   <p:notesSz cx="6858000" cy="9144000"/>
@@ -155,6 +156,7 @@
             <p14:sldId id="296"/>
             <p14:sldId id="295"/>
             <p14:sldId id="294"/>
+            <p14:sldId id="301"/>
             <p14:sldId id="297"/>
             <p14:sldId id="299"/>
             <p14:sldId id="300"/>
@@ -4693,7 +4695,7 @@
         </p:nvSpPr>
         <p:spPr>
           <a:xfrm>
-            <a:off x="3437924" y="1864253"/>
+            <a:off x="5886029" y="1729779"/>
             <a:ext cx="1895912" cy="646331"/>
           </a:xfrm>
           <a:prstGeom prst="rect">
@@ -4738,7 +4740,7 @@
         </p:nvSpPr>
         <p:spPr>
           <a:xfrm>
-            <a:off x="3437924" y="3057791"/>
+            <a:off x="5886029" y="2923317"/>
             <a:ext cx="1895912" cy="646331"/>
           </a:xfrm>
           <a:prstGeom prst="rect">
@@ -4798,7 +4800,7 @@
         </p:nvCxnSpPr>
         <p:spPr>
           <a:xfrm>
-            <a:off x="4385880" y="2510584"/>
+            <a:off x="6833985" y="2376110"/>
             <a:ext cx="0" cy="547207"/>
           </a:xfrm>
           <a:prstGeom prst="straightConnector1">
@@ -4837,7 +4839,7 @@
         </p:nvSpPr>
         <p:spPr>
           <a:xfrm>
-            <a:off x="3437924" y="4116202"/>
+            <a:off x="5886029" y="3981728"/>
             <a:ext cx="1895912" cy="646331"/>
           </a:xfrm>
           <a:prstGeom prst="rect">
@@ -4910,7 +4912,7 @@
         </p:nvCxnSpPr>
         <p:spPr>
           <a:xfrm>
-            <a:off x="4385880" y="3704122"/>
+            <a:off x="6833985" y="3569648"/>
             <a:ext cx="0" cy="412080"/>
           </a:xfrm>
           <a:prstGeom prst="straightConnector1">
@@ -4949,7 +4951,7 @@
         </p:nvSpPr>
         <p:spPr>
           <a:xfrm>
-            <a:off x="3437924" y="5313112"/>
+            <a:off x="5886029" y="5178638"/>
             <a:ext cx="1895912" cy="369332"/>
           </a:xfrm>
           <a:prstGeom prst="rect">
@@ -5009,7 +5011,7 @@
         </p:nvCxnSpPr>
         <p:spPr>
           <a:xfrm>
-            <a:off x="4385880" y="4762533"/>
+            <a:off x="6833985" y="4628059"/>
             <a:ext cx="0" cy="550579"/>
           </a:xfrm>
           <a:prstGeom prst="straightConnector1">
@@ -5048,7 +5050,7 @@
         </p:nvSpPr>
         <p:spPr>
           <a:xfrm>
-            <a:off x="753035" y="1210235"/>
+            <a:off x="4867179" y="1082841"/>
             <a:ext cx="4132730" cy="369332"/>
           </a:xfrm>
           <a:prstGeom prst="rect">
@@ -5073,6 +5075,414 @@
           </a:p>
         </p:txBody>
       </p:sp>
+      <p:sp>
+        <p:nvSpPr>
+          <p:cNvPr id="4" name="TextBox 3">
+            <a:extLst>
+              <a:ext uri="{FF2B5EF4-FFF2-40B4-BE49-F238E27FC236}">
+                <a16:creationId xmlns:a16="http://schemas.microsoft.com/office/drawing/2014/main" id="{A0B4A4B1-CFAE-93DB-76F4-D6661AD4B253}"/>
+              </a:ext>
+            </a:extLst>
+          </p:cNvPr>
+          <p:cNvSpPr txBox="1"/>
+          <p:nvPr/>
+        </p:nvSpPr>
+        <p:spPr>
+          <a:xfrm>
+            <a:off x="449221" y="1089242"/>
+            <a:ext cx="3827602" cy="369332"/>
+          </a:xfrm>
+          <a:prstGeom prst="rect">
+            <a:avLst/>
+          </a:prstGeom>
+          <a:noFill/>
+        </p:spPr>
+        <p:txBody>
+          <a:bodyPr wrap="square" rtlCol="0">
+            <a:spAutoFit/>
+          </a:bodyPr>
+          <a:lstStyle/>
+          <a:p>
+            <a:pPr marL="285750" indent="-285750">
+              <a:buFont typeface="Wingdings" panose="05000000000000000000" pitchFamily="2" charset="2"/>
+              <a:buChar char="q"/>
+            </a:pPr>
+            <a:r>
+              <a:rPr lang="en-US" dirty="0"/>
+              <a:t>Steps of Creating SOA Infrastructure</a:t>
+            </a:r>
+          </a:p>
+        </p:txBody>
+      </p:sp>
+      <p:sp>
+        <p:nvSpPr>
+          <p:cNvPr id="5" name="Rectangle 4">
+            <a:extLst>
+              <a:ext uri="{FF2B5EF4-FFF2-40B4-BE49-F238E27FC236}">
+                <a16:creationId xmlns:a16="http://schemas.microsoft.com/office/drawing/2014/main" id="{69C166CA-C9F9-A525-FF73-311E800F8E1C}"/>
+              </a:ext>
+            </a:extLst>
+          </p:cNvPr>
+          <p:cNvSpPr/>
+          <p:nvPr/>
+        </p:nvSpPr>
+        <p:spPr>
+          <a:xfrm>
+            <a:off x="1415066" y="1735125"/>
+            <a:ext cx="1895904" cy="1077218"/>
+          </a:xfrm>
+          <a:prstGeom prst="rect">
+            <a:avLst/>
+          </a:prstGeom>
+          <a:solidFill>
+            <a:srgbClr val="1C7DAE"/>
+          </a:solidFill>
+          <a:effectLst>
+            <a:outerShdw blurRad="254000" dist="127000" dir="2700000" algn="ctr" rotWithShape="0">
+              <a:schemeClr val="bg1">
+                <a:lumMod val="50000"/>
+              </a:schemeClr>
+            </a:outerShdw>
+          </a:effectLst>
+        </p:spPr>
+        <p:txBody>
+          <a:bodyPr wrap="square" rtlCol="0" anchor="ctr">
+            <a:spAutoFit/>
+          </a:bodyPr>
+          <a:lstStyle/>
+          <a:p>
+            <a:pPr algn="ctr"/>
+            <a:r>
+              <a:rPr lang="en-US" sz="1600" dirty="0"/>
+              <a:t>Installing a supported Database</a:t>
+            </a:r>
+          </a:p>
+          <a:p>
+            <a:pPr algn="ctr"/>
+            <a:r>
+              <a:rPr lang="en-US" sz="1600" dirty="0"/>
+              <a:t>(on one server for Cluster Architecture)</a:t>
+            </a:r>
+          </a:p>
+        </p:txBody>
+      </p:sp>
+      <p:sp>
+        <p:nvSpPr>
+          <p:cNvPr id="6" name="Rectangle 5">
+            <a:extLst>
+              <a:ext uri="{FF2B5EF4-FFF2-40B4-BE49-F238E27FC236}">
+                <a16:creationId xmlns:a16="http://schemas.microsoft.com/office/drawing/2014/main" id="{DEE1EB80-8A33-061C-8152-A5FED1B3CAB9}"/>
+              </a:ext>
+            </a:extLst>
+          </p:cNvPr>
+          <p:cNvSpPr/>
+          <p:nvPr/>
+        </p:nvSpPr>
+        <p:spPr>
+          <a:xfrm>
+            <a:off x="1415058" y="2965447"/>
+            <a:ext cx="1895912" cy="1077218"/>
+          </a:xfrm>
+          <a:prstGeom prst="rect">
+            <a:avLst/>
+          </a:prstGeom>
+          <a:solidFill>
+            <a:srgbClr val="1C7DAE"/>
+          </a:solidFill>
+          <a:effectLst>
+            <a:outerShdw blurRad="254000" dist="127000" dir="2700000" algn="ctr" rotWithShape="0">
+              <a:schemeClr val="bg1">
+                <a:lumMod val="50000"/>
+              </a:schemeClr>
+            </a:outerShdw>
+          </a:effectLst>
+        </p:spPr>
+        <p:txBody>
+          <a:bodyPr wrap="square" rtlCol="0" anchor="ctr">
+            <a:spAutoFit/>
+          </a:bodyPr>
+          <a:lstStyle/>
+          <a:p>
+            <a:pPr algn="justLow"/>
+            <a:r>
+              <a:rPr lang="en-US" sz="1600" dirty="0"/>
+              <a:t>Installing </a:t>
+            </a:r>
+          </a:p>
+          <a:p>
+            <a:pPr algn="justLow"/>
+            <a:r>
+              <a:rPr lang="en-US" sz="1600" dirty="0"/>
+              <a:t>FMW (</a:t>
+            </a:r>
+            <a:r>
+              <a:rPr lang="en-US" sz="1600" dirty="0" err="1"/>
+              <a:t>weblogic</a:t>
+            </a:r>
+            <a:r>
+              <a:rPr lang="en-US" sz="1600" dirty="0"/>
+              <a:t>)</a:t>
+            </a:r>
+          </a:p>
+          <a:p>
+            <a:r>
+              <a:rPr lang="en-US" sz="1600" dirty="0">
+                <a:solidFill>
+                  <a:schemeClr val="bg1"/>
+                </a:solidFill>
+              </a:rPr>
+              <a:t>On every server (for Cluster Deployment)</a:t>
+            </a:r>
+          </a:p>
+        </p:txBody>
+      </p:sp>
+      <p:cxnSp>
+        <p:nvCxnSpPr>
+          <p:cNvPr id="9" name="Straight Arrow Connector 8">
+            <a:extLst>
+              <a:ext uri="{FF2B5EF4-FFF2-40B4-BE49-F238E27FC236}">
+                <a16:creationId xmlns:a16="http://schemas.microsoft.com/office/drawing/2014/main" id="{B2E9007B-0242-B9A8-41E9-C1173309F025}"/>
+              </a:ext>
+            </a:extLst>
+          </p:cNvPr>
+          <p:cNvCxnSpPr>
+            <a:cxnSpLocks/>
+            <a:stCxn id="5" idx="2"/>
+            <a:endCxn id="6" idx="0"/>
+          </p:cNvCxnSpPr>
+          <p:nvPr/>
+        </p:nvCxnSpPr>
+        <p:spPr>
+          <a:xfrm flipH="1">
+            <a:off x="2363014" y="2812343"/>
+            <a:ext cx="4" cy="153104"/>
+          </a:xfrm>
+          <a:prstGeom prst="straightConnector1">
+            <a:avLst/>
+          </a:prstGeom>
+          <a:ln>
+            <a:tailEnd type="triangle"/>
+          </a:ln>
+        </p:spPr>
+        <p:style>
+          <a:lnRef idx="1">
+            <a:schemeClr val="accent1"/>
+          </a:lnRef>
+          <a:fillRef idx="0">
+            <a:schemeClr val="accent1"/>
+          </a:fillRef>
+          <a:effectRef idx="0">
+            <a:schemeClr val="accent1"/>
+          </a:effectRef>
+          <a:fontRef idx="minor">
+            <a:schemeClr val="tx1"/>
+          </a:fontRef>
+        </p:style>
+      </p:cxnSp>
+      <p:sp>
+        <p:nvSpPr>
+          <p:cNvPr id="11" name="Rectangle 10">
+            <a:extLst>
+              <a:ext uri="{FF2B5EF4-FFF2-40B4-BE49-F238E27FC236}">
+                <a16:creationId xmlns:a16="http://schemas.microsoft.com/office/drawing/2014/main" id="{3A90C9E4-E772-5BC0-BBA6-0EF2F14310B1}"/>
+              </a:ext>
+            </a:extLst>
+          </p:cNvPr>
+          <p:cNvSpPr/>
+          <p:nvPr/>
+        </p:nvSpPr>
+        <p:spPr>
+          <a:xfrm>
+            <a:off x="1415058" y="4403074"/>
+            <a:ext cx="1895912" cy="1354217"/>
+          </a:xfrm>
+          <a:prstGeom prst="rect">
+            <a:avLst/>
+          </a:prstGeom>
+          <a:solidFill>
+            <a:srgbClr val="1C7DAE"/>
+          </a:solidFill>
+          <a:effectLst>
+            <a:outerShdw blurRad="254000" dist="127000" dir="2700000" algn="ctr" rotWithShape="0">
+              <a:schemeClr val="bg1">
+                <a:lumMod val="50000"/>
+              </a:schemeClr>
+            </a:outerShdw>
+          </a:effectLst>
+        </p:spPr>
+        <p:txBody>
+          <a:bodyPr wrap="square" rtlCol="0" anchor="ctr">
+            <a:spAutoFit/>
+          </a:bodyPr>
+          <a:lstStyle/>
+          <a:p>
+            <a:r>
+              <a:rPr lang="en-US" sz="1600" dirty="0"/>
+              <a:t>Installing </a:t>
+            </a:r>
+          </a:p>
+          <a:p>
+            <a:r>
+              <a:rPr lang="en-US" sz="1600" dirty="0"/>
+              <a:t>SOA Suite</a:t>
+            </a:r>
+            <a:br>
+              <a:rPr lang="en-US" sz="1600" dirty="0"/>
+            </a:br>
+            <a:r>
+              <a:rPr lang="en-US" sz="1600" dirty="0">
+                <a:solidFill>
+                  <a:schemeClr val="bg1"/>
+                </a:solidFill>
+              </a:rPr>
+              <a:t>On every server (for Cluster Deployment)</a:t>
+            </a:r>
+          </a:p>
+          <a:p>
+            <a:pPr algn="justLow"/>
+            <a:endParaRPr lang="en-US" dirty="0">
+              <a:solidFill>
+                <a:schemeClr val="bg1"/>
+              </a:solidFill>
+            </a:endParaRPr>
+          </a:p>
+        </p:txBody>
+      </p:sp>
+      <p:cxnSp>
+        <p:nvCxnSpPr>
+          <p:cNvPr id="13" name="Straight Arrow Connector 12">
+            <a:extLst>
+              <a:ext uri="{FF2B5EF4-FFF2-40B4-BE49-F238E27FC236}">
+                <a16:creationId xmlns:a16="http://schemas.microsoft.com/office/drawing/2014/main" id="{6D276495-2346-49F0-B077-6684F9A96FE1}"/>
+              </a:ext>
+            </a:extLst>
+          </p:cNvPr>
+          <p:cNvCxnSpPr>
+            <a:cxnSpLocks/>
+            <a:stCxn id="6" idx="2"/>
+            <a:endCxn id="11" idx="0"/>
+          </p:cNvCxnSpPr>
+          <p:nvPr/>
+        </p:nvCxnSpPr>
+        <p:spPr>
+          <a:xfrm>
+            <a:off x="2363014" y="4042665"/>
+            <a:ext cx="0" cy="360409"/>
+          </a:xfrm>
+          <a:prstGeom prst="straightConnector1">
+            <a:avLst/>
+          </a:prstGeom>
+          <a:ln>
+            <a:tailEnd type="triangle"/>
+          </a:ln>
+        </p:spPr>
+        <p:style>
+          <a:lnRef idx="1">
+            <a:schemeClr val="accent1"/>
+          </a:lnRef>
+          <a:fillRef idx="0">
+            <a:schemeClr val="accent1"/>
+          </a:fillRef>
+          <a:effectRef idx="0">
+            <a:schemeClr val="accent1"/>
+          </a:effectRef>
+          <a:fontRef idx="minor">
+            <a:schemeClr val="tx1"/>
+          </a:fontRef>
+        </p:style>
+      </p:cxnSp>
+      <p:sp>
+        <p:nvSpPr>
+          <p:cNvPr id="15" name="Rectangle 14">
+            <a:extLst>
+              <a:ext uri="{FF2B5EF4-FFF2-40B4-BE49-F238E27FC236}">
+                <a16:creationId xmlns:a16="http://schemas.microsoft.com/office/drawing/2014/main" id="{EBB0C3A3-B4FA-595A-7082-77A50798FADB}"/>
+              </a:ext>
+            </a:extLst>
+          </p:cNvPr>
+          <p:cNvSpPr/>
+          <p:nvPr/>
+        </p:nvSpPr>
+        <p:spPr>
+          <a:xfrm>
+            <a:off x="1415058" y="5962835"/>
+            <a:ext cx="1895912" cy="369332"/>
+          </a:xfrm>
+          <a:prstGeom prst="rect">
+            <a:avLst/>
+          </a:prstGeom>
+          <a:solidFill>
+            <a:srgbClr val="1C7DAE"/>
+          </a:solidFill>
+          <a:effectLst>
+            <a:outerShdw blurRad="254000" dist="127000" dir="2700000" algn="ctr" rotWithShape="0">
+              <a:schemeClr val="bg1">
+                <a:lumMod val="50000"/>
+              </a:schemeClr>
+            </a:outerShdw>
+          </a:effectLst>
+        </p:spPr>
+        <p:txBody>
+          <a:bodyPr wrap="square" rtlCol="0" anchor="ctr">
+            <a:spAutoFit/>
+          </a:bodyPr>
+          <a:lstStyle/>
+          <a:p>
+            <a:pPr algn="justLow"/>
+            <a:r>
+              <a:rPr lang="en-US" dirty="0">
+                <a:solidFill>
+                  <a:schemeClr val="bg1"/>
+                </a:solidFill>
+              </a:rPr>
+              <a:t>Creating Domain</a:t>
+            </a:r>
+          </a:p>
+        </p:txBody>
+      </p:sp>
+      <p:cxnSp>
+        <p:nvCxnSpPr>
+          <p:cNvPr id="17" name="Straight Arrow Connector 16">
+            <a:extLst>
+              <a:ext uri="{FF2B5EF4-FFF2-40B4-BE49-F238E27FC236}">
+                <a16:creationId xmlns:a16="http://schemas.microsoft.com/office/drawing/2014/main" id="{4128ABB0-1AD6-4264-0E97-F8DC2363737D}"/>
+              </a:ext>
+            </a:extLst>
+          </p:cNvPr>
+          <p:cNvCxnSpPr>
+            <a:cxnSpLocks/>
+            <a:stCxn id="11" idx="2"/>
+            <a:endCxn id="15" idx="0"/>
+          </p:cNvCxnSpPr>
+          <p:nvPr/>
+        </p:nvCxnSpPr>
+        <p:spPr>
+          <a:xfrm>
+            <a:off x="2363014" y="5757291"/>
+            <a:ext cx="0" cy="205544"/>
+          </a:xfrm>
+          <a:prstGeom prst="straightConnector1">
+            <a:avLst/>
+          </a:prstGeom>
+          <a:ln>
+            <a:tailEnd type="triangle"/>
+          </a:ln>
+        </p:spPr>
+        <p:style>
+          <a:lnRef idx="1">
+            <a:schemeClr val="accent1"/>
+          </a:lnRef>
+          <a:fillRef idx="0">
+            <a:schemeClr val="accent1"/>
+          </a:fillRef>
+          <a:effectRef idx="0">
+            <a:schemeClr val="accent1"/>
+          </a:effectRef>
+          <a:fontRef idx="minor">
+            <a:schemeClr val="tx1"/>
+          </a:fontRef>
+        </p:style>
+      </p:cxnSp>
     </p:spTree>
     <p:extLst>
       <p:ext uri="{BB962C8B-B14F-4D97-AF65-F5344CB8AC3E}">
@@ -5186,27 +5596,7 @@
                   </a:schemeClr>
                 </a:solidFill>
               </a:rPr>
-              <a:t>$WLS_HOME/</a:t>
-            </a:r>
-            <a:r>
-              <a:rPr lang="en-US" dirty="0" err="1">
-                <a:solidFill>
-                  <a:schemeClr val="tx2">
-                    <a:lumMod val="75000"/>
-                  </a:schemeClr>
-                </a:solidFill>
-              </a:rPr>
-              <a:t>oracle_common</a:t>
-            </a:r>
-            <a:r>
-              <a:rPr lang="en-US" dirty="0">
-                <a:solidFill>
-                  <a:schemeClr val="tx2">
-                    <a:lumMod val="75000"/>
-                  </a:schemeClr>
-                </a:solidFill>
-              </a:rPr>
-              <a:t>/bin/</a:t>
+              <a:t>$WLS_HOME/bin/</a:t>
             </a:r>
             <a:r>
               <a:rPr lang="en-US" dirty="0" err="1">
@@ -5606,11 +5996,117 @@
             <a:pPr lvl="2"/>
             <a:r>
               <a:rPr lang="en-US" dirty="0"/>
-              <a:t>We need to use wlst.sh tool to enroll managed server machines</a:t>
-            </a:r>
-          </a:p>
-          <a:p>
-            <a:pPr lvl="2"/>
+              <a:t>We need to use wlst.sh tool to enroll managed server machines </a:t>
+            </a:r>
+          </a:p>
+          <a:p>
+            <a:pPr lvl="3"/>
+            <a:r>
+              <a:rPr lang="en-US" dirty="0"/>
+              <a:t>$WLS_HOME/common/bin/</a:t>
+            </a:r>
+          </a:p>
+          <a:p>
+            <a:pPr lvl="3"/>
+            <a:r>
+              <a:rPr lang="en-US" dirty="0"/>
+              <a:t>./</a:t>
+            </a:r>
+            <a:r>
+              <a:rPr lang="en-US" dirty="0" err="1"/>
+              <a:t>pack.sh</a:t>
+            </a:r>
+            <a:r>
+              <a:rPr lang="en-US" dirty="0"/>
+              <a:t> –managed=true –domain=$DOMAIN_HOME –template=${DOMAIN_HOME}-</a:t>
+            </a:r>
+            <a:r>
+              <a:rPr lang="en-US" dirty="0" err="1"/>
+              <a:t>template.jar</a:t>
+            </a:r>
+            <a:r>
+              <a:rPr lang="en-US" dirty="0"/>
+              <a:t> –</a:t>
+            </a:r>
+            <a:r>
+              <a:rPr lang="en-US" dirty="0" err="1"/>
+              <a:t>template_name</a:t>
+            </a:r>
+            <a:r>
+              <a:rPr lang="en-US" dirty="0"/>
+              <a:t>=&lt;</a:t>
+            </a:r>
+            <a:r>
+              <a:rPr lang="en-US" dirty="0" err="1"/>
+              <a:t>domain_name</a:t>
+            </a:r>
+            <a:r>
+              <a:rPr lang="en-US" dirty="0"/>
+              <a:t>&gt;</a:t>
+            </a:r>
+          </a:p>
+          <a:p>
+            <a:pPr lvl="3"/>
+            <a:r>
+              <a:rPr lang="en-US" dirty="0"/>
+              <a:t>$ </a:t>
+            </a:r>
+            <a:r>
+              <a:rPr lang="en-US" dirty="0" err="1"/>
+              <a:t>scp</a:t>
+            </a:r>
+            <a:r>
+              <a:rPr lang="en-US" dirty="0"/>
+              <a:t> &lt;created-</a:t>
+            </a:r>
+            <a:r>
+              <a:rPr lang="en-US" dirty="0" err="1"/>
+              <a:t>template.jar</a:t>
+            </a:r>
+            <a:r>
+              <a:rPr lang="en-US" dirty="0"/>
+              <a:t>&gt; &lt;</a:t>
+            </a:r>
+            <a:r>
+              <a:rPr lang="en-US" dirty="0" err="1"/>
+              <a:t>sameuser</a:t>
+            </a:r>
+            <a:r>
+              <a:rPr lang="en-US" dirty="0"/>
+              <a:t>&gt;@&lt;</a:t>
+            </a:r>
+            <a:r>
+              <a:rPr lang="en-US" dirty="0" err="1"/>
+              <a:t>managed_server</a:t>
+            </a:r>
+            <a:r>
+              <a:rPr lang="en-US" dirty="0"/>
+              <a:t>&gt;:&lt;exact same path&gt;</a:t>
+            </a:r>
+          </a:p>
+          <a:p>
+            <a:pPr lvl="3"/>
+            <a:r>
+              <a:rPr lang="en-US" dirty="0"/>
+              <a:t>Unpack .jar in destination server using tool: </a:t>
+            </a:r>
+            <a:r>
+              <a:rPr lang="en-US" dirty="0" err="1"/>
+              <a:t>unpack.sh</a:t>
+            </a:r>
+            <a:endParaRPr lang="en-US" dirty="0"/>
+          </a:p>
+          <a:p>
+            <a:pPr lvl="4"/>
+            <a:r>
+              <a:rPr lang="en-US" dirty="0"/>
+              <a:t>Available under: $WLS_HOME/common/bin</a:t>
+            </a:r>
+          </a:p>
+          <a:p>
+            <a:pPr marL="1371566" lvl="4" indent="0">
+              <a:buNone/>
+            </a:pPr>
             <a:endParaRPr lang="en-US" dirty="0"/>
           </a:p>
         </p:txBody>
@@ -7192,91 +7688,10 @@
       </p:grpSpPr>
       <p:sp>
         <p:nvSpPr>
-          <p:cNvPr id="2" name="Content Placeholder 1">
-            <a:extLst>
-              <a:ext uri="{FF2B5EF4-FFF2-40B4-BE49-F238E27FC236}">
-                <a16:creationId xmlns:a16="http://schemas.microsoft.com/office/drawing/2014/main" id="{4D6D52A8-BD16-00E9-ADB5-F81489E7A796}"/>
-              </a:ext>
-            </a:extLst>
-          </p:cNvPr>
-          <p:cNvSpPr>
-            <a:spLocks noGrp="1"/>
-          </p:cNvSpPr>
-          <p:nvPr>
-            <p:ph idx="1"/>
-          </p:nvPr>
-        </p:nvSpPr>
-        <p:spPr/>
-        <p:txBody>
-          <a:bodyPr/>
-          <a:lstStyle/>
-          <a:p>
-            <a:r>
-              <a:rPr lang="en-US" dirty="0"/>
-              <a:t>In this section:</a:t>
-            </a:r>
-          </a:p>
-          <a:p>
-            <a:pPr lvl="1"/>
-            <a:endParaRPr lang="en-US" dirty="0"/>
-          </a:p>
-          <a:p>
-            <a:pPr lvl="1">
-              <a:lnSpc>
-                <a:spcPct val="200000"/>
-              </a:lnSpc>
-            </a:pPr>
-            <a:r>
-              <a:rPr lang="en-US" dirty="0">
-                <a:solidFill>
-                  <a:srgbClr val="006600"/>
-                </a:solidFill>
-              </a:rPr>
-              <a:t>Starting / Stopping Environment (Domain)</a:t>
-            </a:r>
-          </a:p>
-          <a:p>
-            <a:pPr lvl="1">
-              <a:lnSpc>
-                <a:spcPct val="200000"/>
-              </a:lnSpc>
-            </a:pPr>
-            <a:r>
-              <a:rPr lang="en-US" dirty="0">
-                <a:solidFill>
-                  <a:srgbClr val="006600"/>
-                </a:solidFill>
-              </a:rPr>
-              <a:t>Review FMW Console</a:t>
-            </a:r>
-          </a:p>
-          <a:p>
-            <a:pPr lvl="1">
-              <a:lnSpc>
-                <a:spcPct val="200000"/>
-              </a:lnSpc>
-            </a:pPr>
-            <a:r>
-              <a:rPr lang="en-US" dirty="0">
-                <a:solidFill>
-                  <a:srgbClr val="006600"/>
-                </a:solidFill>
-              </a:rPr>
-              <a:t>Review FWM Enterprise Manager</a:t>
-            </a:r>
-          </a:p>
-          <a:p>
-            <a:pPr lvl="1"/>
-            <a:endParaRPr lang="en-US" dirty="0"/>
-          </a:p>
-        </p:txBody>
-      </p:sp>
-      <p:sp>
-        <p:nvSpPr>
           <p:cNvPr id="3" name="Title 2">
             <a:extLst>
               <a:ext uri="{FF2B5EF4-FFF2-40B4-BE49-F238E27FC236}">
-                <a16:creationId xmlns:a16="http://schemas.microsoft.com/office/drawing/2014/main" id="{2C1CAD41-D95E-385F-6375-F5FF47E4731D}"/>
+                <a16:creationId xmlns:a16="http://schemas.microsoft.com/office/drawing/2014/main" id="{7EF505E5-1697-7765-0435-FDD88273760C}"/>
               </a:ext>
             </a:extLst>
           </p:cNvPr>
@@ -7292,43 +7707,171 @@
           <a:bodyPr/>
           <a:lstStyle/>
           <a:p>
-            <a:r>
-              <a:rPr lang="en-US" b="1" dirty="0">
-                <a:solidFill>
-                  <a:srgbClr val="0070C0"/>
-                </a:solidFill>
-                <a:latin typeface="Segoe UI Semilight" panose="020B0402040204020203" pitchFamily="34" charset="0"/>
-                <a:cs typeface="Segoe UI Semilight" panose="020B0402040204020203" pitchFamily="34" charset="0"/>
-              </a:rPr>
-              <a:t>M</a:t>
-            </a:r>
+            <a:endParaRPr lang="en-US"/>
+          </a:p>
+        </p:txBody>
+      </p:sp>
+      <p:sp>
+        <p:nvSpPr>
+          <p:cNvPr id="4" name="Oval 3">
+            <a:extLst>
+              <a:ext uri="{FF2B5EF4-FFF2-40B4-BE49-F238E27FC236}">
+                <a16:creationId xmlns:a16="http://schemas.microsoft.com/office/drawing/2014/main" id="{C33F89E5-C047-EE32-9585-2DD499B377A4}"/>
+              </a:ext>
+            </a:extLst>
+          </p:cNvPr>
+          <p:cNvSpPr/>
+          <p:nvPr/>
+        </p:nvSpPr>
+        <p:spPr>
+          <a:xfrm>
+            <a:off x="1770077" y="2025426"/>
+            <a:ext cx="2080470" cy="1298377"/>
+          </a:xfrm>
+          <a:prstGeom prst="ellipse">
+            <a:avLst/>
+          </a:prstGeom>
+          <a:solidFill>
+            <a:srgbClr val="1C7DAE"/>
+          </a:solidFill>
+          <a:effectLst>
+            <a:outerShdw blurRad="254000" dist="127000" dir="2700000" algn="ctr" rotWithShape="0">
+              <a:schemeClr val="bg1">
+                <a:lumMod val="50000"/>
+              </a:schemeClr>
+            </a:outerShdw>
+          </a:effectLst>
+        </p:spPr>
+        <p:txBody>
+          <a:bodyPr wrap="square" rtlCol="0" anchor="ctr">
+            <a:spAutoFit/>
+          </a:bodyPr>
+          <a:lstStyle/>
+          <a:p>
+            <a:pPr algn="justLow"/>
+            <a:r>
+              <a:rPr lang="en-US" dirty="0">
+                <a:solidFill>
+                  <a:schemeClr val="bg1"/>
+                </a:solidFill>
+              </a:rPr>
+              <a:t>Admin Server</a:t>
+            </a:r>
+          </a:p>
+          <a:p>
+            <a:pPr algn="justLow"/>
+            <a:r>
+              <a:rPr lang="en-US" dirty="0">
+                <a:solidFill>
+                  <a:schemeClr val="bg1"/>
+                </a:solidFill>
+              </a:rPr>
+              <a:t>Port 162:10001</a:t>
+            </a:r>
+          </a:p>
+        </p:txBody>
+      </p:sp>
+      <p:sp>
+        <p:nvSpPr>
+          <p:cNvPr id="5" name="Rounded Rectangle 4">
+            <a:extLst>
+              <a:ext uri="{FF2B5EF4-FFF2-40B4-BE49-F238E27FC236}">
+                <a16:creationId xmlns:a16="http://schemas.microsoft.com/office/drawing/2014/main" id="{778DB6CC-F7EE-77E6-910B-1380776E3D9E}"/>
+              </a:ext>
+            </a:extLst>
+          </p:cNvPr>
+          <p:cNvSpPr/>
+          <p:nvPr/>
+        </p:nvSpPr>
+        <p:spPr>
+          <a:xfrm>
+            <a:off x="4974672" y="2247238"/>
+            <a:ext cx="1971412" cy="715089"/>
+          </a:xfrm>
+          <a:prstGeom prst="roundRect">
+            <a:avLst/>
+          </a:prstGeom>
+          <a:solidFill>
+            <a:srgbClr val="1C7DAE"/>
+          </a:solidFill>
+          <a:effectLst>
+            <a:outerShdw blurRad="254000" dist="127000" dir="2700000" algn="ctr" rotWithShape="0">
+              <a:schemeClr val="bg1">
+                <a:lumMod val="50000"/>
+              </a:schemeClr>
+            </a:outerShdw>
+          </a:effectLst>
+        </p:spPr>
+        <p:txBody>
+          <a:bodyPr wrap="square" rtlCol="0" anchor="ctr">
+            <a:spAutoFit/>
+          </a:bodyPr>
+          <a:lstStyle/>
+          <a:p>
+            <a:pPr algn="justLow"/>
+            <a:r>
+              <a:rPr lang="en-US" dirty="0">
+                <a:solidFill>
+                  <a:schemeClr val="bg1"/>
+                </a:solidFill>
+              </a:rPr>
+              <a:t>Manager Server 161:10003</a:t>
+            </a:r>
+          </a:p>
+        </p:txBody>
+      </p:sp>
+      <p:sp>
+        <p:nvSpPr>
+          <p:cNvPr id="6" name="TextBox 5">
+            <a:extLst>
+              <a:ext uri="{FF2B5EF4-FFF2-40B4-BE49-F238E27FC236}">
+                <a16:creationId xmlns:a16="http://schemas.microsoft.com/office/drawing/2014/main" id="{4E94E36F-B7E6-7D40-6A05-58938C86E174}"/>
+              </a:ext>
+            </a:extLst>
+          </p:cNvPr>
+          <p:cNvSpPr txBox="1"/>
+          <p:nvPr/>
+        </p:nvSpPr>
+        <p:spPr>
+          <a:xfrm>
+            <a:off x="639044" y="3621027"/>
+            <a:ext cx="4788634" cy="369332"/>
+          </a:xfrm>
+          <a:prstGeom prst="rect">
+            <a:avLst/>
+          </a:prstGeom>
+          <a:noFill/>
+        </p:spPr>
+        <p:txBody>
+          <a:bodyPr wrap="square" rtlCol="0">
+            <a:spAutoFit/>
+          </a:bodyPr>
+          <a:lstStyle/>
+          <a:p>
             <a:r>
               <a:rPr lang="en-US" dirty="0"/>
-              <a:t>anaging</a:t>
-            </a:r>
-            <a:r>
-              <a:rPr lang="en-US" b="1" dirty="0">
-                <a:solidFill>
-                  <a:schemeClr val="tx2">
-                    <a:lumMod val="50000"/>
-                  </a:schemeClr>
-                </a:solidFill>
-                <a:latin typeface="Segoe UI Semilight" panose="020B0402040204020203" pitchFamily="34" charset="0"/>
-                <a:cs typeface="Segoe UI Semilight" panose="020B0402040204020203" pitchFamily="34" charset="0"/>
-              </a:rPr>
-              <a:t> </a:t>
+              <a:t>$ORACLE_BASE/</a:t>
+            </a:r>
+            <a:r>
+              <a:rPr lang="en-US" dirty="0" err="1"/>
+              <a:t>user_projects</a:t>
             </a:r>
             <a:r>
               <a:rPr lang="en-US" dirty="0"/>
-              <a:t>and Monitoring Infrastructure and Applications</a:t>
-            </a:r>
+              <a:t>/domains/</a:t>
+            </a:r>
+            <a:r>
+              <a:rPr lang="en-US" dirty="0" err="1"/>
+              <a:t>soatrain</a:t>
+            </a:r>
+            <a:endParaRPr lang="en-US" dirty="0"/>
           </a:p>
         </p:txBody>
       </p:sp>
     </p:spTree>
     <p:extLst>
       <p:ext uri="{BB962C8B-B14F-4D97-AF65-F5344CB8AC3E}">
-        <p14:creationId xmlns:p14="http://schemas.microsoft.com/office/powerpoint/2010/main" val="1829756069"/>
+        <p14:creationId xmlns:p14="http://schemas.microsoft.com/office/powerpoint/2010/main" val="709574089"/>
       </p:ext>
     </p:extLst>
   </p:cSld>
@@ -7360,7 +7903,7 @@
           <p:cNvPr id="2" name="Content Placeholder 1">
             <a:extLst>
               <a:ext uri="{FF2B5EF4-FFF2-40B4-BE49-F238E27FC236}">
-                <a16:creationId xmlns:a16="http://schemas.microsoft.com/office/drawing/2014/main" id="{1509CEBE-6BC9-631F-4E4E-30B8DF58EA0A}"/>
+                <a16:creationId xmlns:a16="http://schemas.microsoft.com/office/drawing/2014/main" id="{4D6D52A8-BD16-00E9-ADB5-F81489E7A796}"/>
               </a:ext>
             </a:extLst>
           </p:cNvPr>
@@ -7376,9 +7919,20 @@
           <a:bodyPr/>
           <a:lstStyle/>
           <a:p>
-            <a:pPr>
-              <a:buFont typeface="Wingdings" panose="05000000000000000000" pitchFamily="2" charset="2"/>
-              <a:buChar char="q"/>
+            <a:r>
+              <a:rPr lang="en-US" dirty="0"/>
+              <a:t>In this section:</a:t>
+            </a:r>
+          </a:p>
+          <a:p>
+            <a:pPr lvl="1"/>
+            <a:endParaRPr lang="en-US" dirty="0"/>
+          </a:p>
+          <a:p>
+            <a:pPr lvl="1">
+              <a:lnSpc>
+                <a:spcPct val="200000"/>
+              </a:lnSpc>
             </a:pPr>
             <a:r>
               <a:rPr lang="en-US" dirty="0">
@@ -7391,402 +7945,36 @@
           </a:p>
           <a:p>
             <a:pPr lvl="1">
-              <a:buFont typeface="Arial" panose="020B0604020202020204" pitchFamily="34" charset="0"/>
-              <a:buChar char="•"/>
+              <a:lnSpc>
+                <a:spcPct val="200000"/>
+              </a:lnSpc>
             </a:pPr>
             <a:r>
               <a:rPr lang="en-US" dirty="0">
                 <a:solidFill>
-                  <a:schemeClr val="accent3">
-                    <a:lumMod val="75000"/>
-                  </a:schemeClr>
-                </a:solidFill>
-              </a:rPr>
-              <a:t>Starting for the first time:</a:t>
-            </a:r>
-          </a:p>
-          <a:p>
-            <a:pPr lvl="2"/>
+                  <a:srgbClr val="006600"/>
+                </a:solidFill>
+              </a:rPr>
+              <a:t>Review FMW Console</a:t>
+            </a:r>
+          </a:p>
+          <a:p>
+            <a:pPr lvl="1">
+              <a:lnSpc>
+                <a:spcPct val="200000"/>
+              </a:lnSpc>
+            </a:pPr>
             <a:r>
               <a:rPr lang="en-US" dirty="0">
                 <a:solidFill>
-                  <a:schemeClr val="accent3">
-                    <a:lumMod val="75000"/>
-                  </a:schemeClr>
-                </a:solidFill>
-              </a:rPr>
-              <a:t>Creating security properties file:</a:t>
-            </a:r>
-          </a:p>
-          <a:p>
-            <a:pPr marL="685782" lvl="2" indent="0">
-              <a:buNone/>
-            </a:pPr>
-            <a:endParaRPr lang="en-US" dirty="0"/>
-          </a:p>
-          <a:p>
-            <a:pPr marL="0" marR="0" lvl="0" indent="0" algn="l" defTabSz="914400" rtl="0" eaLnBrk="0" fontAlgn="base" latinLnBrk="0" hangingPunct="0">
-              <a:lnSpc>
-                <a:spcPct val="100000"/>
-              </a:lnSpc>
-              <a:spcBef>
-                <a:spcPct val="0"/>
-              </a:spcBef>
-              <a:spcAft>
-                <a:spcPct val="0"/>
-              </a:spcAft>
-              <a:buClrTx/>
-              <a:buSzTx/>
-              <a:buFontTx/>
-              <a:buNone/>
-              <a:tabLst/>
-            </a:pPr>
-            <a:r>
-              <a:rPr lang="en-US" altLang="en-US" sz="1500" dirty="0">
-                <a:solidFill>
-                  <a:schemeClr val="tx2">
-                    <a:lumMod val="60000"/>
-                    <a:lumOff val="40000"/>
-                  </a:schemeClr>
-                </a:solidFill>
-              </a:rPr>
-              <a:t>	$ </a:t>
-            </a:r>
-            <a:r>
-              <a:rPr lang="en-US" altLang="en-US" sz="1500" dirty="0" err="1">
-                <a:solidFill>
-                  <a:schemeClr val="tx2">
-                    <a:lumMod val="60000"/>
-                    <a:lumOff val="40000"/>
-                  </a:schemeClr>
-                </a:solidFill>
-              </a:rPr>
-              <a:t>mkdir</a:t>
-            </a:r>
-            <a:r>
-              <a:rPr lang="en-US" altLang="en-US" sz="1500" dirty="0">
-                <a:solidFill>
-                  <a:schemeClr val="tx2">
-                    <a:lumMod val="60000"/>
-                    <a:lumOff val="40000"/>
-                  </a:schemeClr>
-                </a:solidFill>
-              </a:rPr>
-              <a:t> -p $DOMAIN_HOME/servers/</a:t>
-            </a:r>
-            <a:r>
-              <a:rPr lang="en-US" altLang="en-US" sz="1500" dirty="0" err="1">
-                <a:solidFill>
-                  <a:schemeClr val="tx2">
-                    <a:lumMod val="60000"/>
-                    <a:lumOff val="40000"/>
-                  </a:schemeClr>
-                </a:solidFill>
-              </a:rPr>
-              <a:t>AdminServer</a:t>
-            </a:r>
-            <a:r>
-              <a:rPr lang="en-US" altLang="en-US" sz="1500" dirty="0">
-                <a:solidFill>
-                  <a:schemeClr val="tx2">
-                    <a:lumMod val="60000"/>
-                    <a:lumOff val="40000"/>
-                  </a:schemeClr>
-                </a:solidFill>
-              </a:rPr>
-              <a:t>/security </a:t>
-            </a:r>
-          </a:p>
-          <a:p>
-            <a:pPr marL="0" marR="0" lvl="0" indent="0" algn="l" defTabSz="914400" rtl="0" eaLnBrk="0" fontAlgn="base" latinLnBrk="0" hangingPunct="0">
-              <a:lnSpc>
-                <a:spcPct val="100000"/>
-              </a:lnSpc>
-              <a:spcBef>
-                <a:spcPct val="0"/>
-              </a:spcBef>
-              <a:spcAft>
-                <a:spcPct val="0"/>
-              </a:spcAft>
-              <a:buClrTx/>
-              <a:buSzTx/>
-              <a:buFontTx/>
-              <a:buNone/>
-              <a:tabLst/>
-            </a:pPr>
-            <a:r>
-              <a:rPr lang="en-US" altLang="en-US" sz="1500" dirty="0">
-                <a:solidFill>
-                  <a:schemeClr val="tx2">
-                    <a:lumMod val="60000"/>
-                    <a:lumOff val="40000"/>
-                  </a:schemeClr>
-                </a:solidFill>
-              </a:rPr>
-              <a:t>	$ echo "username=</a:t>
-            </a:r>
-            <a:r>
-              <a:rPr lang="en-US" altLang="en-US" sz="1500" dirty="0" err="1">
-                <a:solidFill>
-                  <a:schemeClr val="tx2">
-                    <a:lumMod val="60000"/>
-                    <a:lumOff val="40000"/>
-                  </a:schemeClr>
-                </a:solidFill>
-              </a:rPr>
-              <a:t>weblogic</a:t>
-            </a:r>
-            <a:r>
-              <a:rPr lang="en-US" altLang="en-US" sz="1500" dirty="0">
-                <a:solidFill>
-                  <a:schemeClr val="tx2">
-                    <a:lumMod val="60000"/>
-                    <a:lumOff val="40000"/>
-                  </a:schemeClr>
-                </a:solidFill>
-              </a:rPr>
-              <a:t>" &gt; 			$DOMAIN_HOME/servers/</a:t>
-            </a:r>
-            <a:r>
-              <a:rPr lang="en-US" altLang="en-US" sz="1500" dirty="0" err="1">
-                <a:solidFill>
-                  <a:schemeClr val="tx2">
-                    <a:lumMod val="60000"/>
-                    <a:lumOff val="40000"/>
-                  </a:schemeClr>
-                </a:solidFill>
-              </a:rPr>
-              <a:t>AdminServer</a:t>
-            </a:r>
-            <a:r>
-              <a:rPr lang="en-US" altLang="en-US" sz="1500" dirty="0">
-                <a:solidFill>
-                  <a:schemeClr val="tx2">
-                    <a:lumMod val="60000"/>
-                    <a:lumOff val="40000"/>
-                  </a:schemeClr>
-                </a:solidFill>
-              </a:rPr>
-              <a:t>/security/</a:t>
-            </a:r>
-            <a:r>
-              <a:rPr lang="en-US" altLang="en-US" sz="1500" dirty="0" err="1">
-                <a:solidFill>
-                  <a:schemeClr val="tx2">
-                    <a:lumMod val="60000"/>
-                    <a:lumOff val="40000"/>
-                  </a:schemeClr>
-                </a:solidFill>
-              </a:rPr>
-              <a:t>boot.properties</a:t>
-            </a:r>
-            <a:r>
-              <a:rPr lang="en-US" altLang="en-US" sz="1500" dirty="0">
-                <a:solidFill>
-                  <a:schemeClr val="tx2">
-                    <a:lumMod val="60000"/>
-                    <a:lumOff val="40000"/>
-                  </a:schemeClr>
-                </a:solidFill>
-              </a:rPr>
-              <a:t> </a:t>
-            </a:r>
-          </a:p>
-          <a:p>
-            <a:pPr marL="0" marR="0" lvl="0" indent="0" algn="l" defTabSz="914400" rtl="0" eaLnBrk="0" fontAlgn="base" latinLnBrk="0" hangingPunct="0">
-              <a:lnSpc>
-                <a:spcPct val="100000"/>
-              </a:lnSpc>
-              <a:spcBef>
-                <a:spcPct val="0"/>
-              </a:spcBef>
-              <a:spcAft>
-                <a:spcPct val="0"/>
-              </a:spcAft>
-              <a:buClrTx/>
-              <a:buSzTx/>
-              <a:buFontTx/>
-              <a:buNone/>
-              <a:tabLst/>
-            </a:pPr>
-            <a:r>
-              <a:rPr lang="en-US" altLang="en-US" sz="1500" dirty="0">
-                <a:solidFill>
-                  <a:schemeClr val="tx2">
-                    <a:lumMod val="60000"/>
-                    <a:lumOff val="40000"/>
-                  </a:schemeClr>
-                </a:solidFill>
-              </a:rPr>
-              <a:t>	$ echo "password=Password1" &gt;&gt; 	$DOMAIN_HOME/servers/</a:t>
-            </a:r>
-            <a:r>
-              <a:rPr lang="en-US" altLang="en-US" sz="1500" dirty="0" err="1">
-                <a:solidFill>
-                  <a:schemeClr val="tx2">
-                    <a:lumMod val="60000"/>
-                    <a:lumOff val="40000"/>
-                  </a:schemeClr>
-                </a:solidFill>
-              </a:rPr>
-              <a:t>AdminServer</a:t>
-            </a:r>
-            <a:r>
-              <a:rPr lang="en-US" altLang="en-US" sz="1500" dirty="0">
-                <a:solidFill>
-                  <a:schemeClr val="tx2">
-                    <a:lumMod val="60000"/>
-                    <a:lumOff val="40000"/>
-                  </a:schemeClr>
-                </a:solidFill>
-              </a:rPr>
-              <a:t>/security/</a:t>
-            </a:r>
-            <a:r>
-              <a:rPr lang="en-US" altLang="en-US" sz="1500" dirty="0" err="1">
-                <a:solidFill>
-                  <a:schemeClr val="tx2">
-                    <a:lumMod val="60000"/>
-                    <a:lumOff val="40000"/>
-                  </a:schemeClr>
-                </a:solidFill>
-              </a:rPr>
-              <a:t>boot.properties</a:t>
-            </a:r>
-            <a:r>
-              <a:rPr lang="en-US" altLang="en-US" sz="1500" dirty="0">
-                <a:solidFill>
-                  <a:schemeClr val="tx2">
-                    <a:lumMod val="60000"/>
-                    <a:lumOff val="40000"/>
-                  </a:schemeClr>
-                </a:solidFill>
-              </a:rPr>
-              <a:t> </a:t>
-            </a:r>
-          </a:p>
-          <a:p>
-            <a:pPr lvl="3"/>
-            <a:endParaRPr lang="en-US" dirty="0"/>
-          </a:p>
-          <a:p>
-            <a:pPr marL="625475" lvl="3" indent="-285750">
-              <a:lnSpc>
-                <a:spcPct val="150000"/>
-              </a:lnSpc>
-              <a:buFont typeface="Arial" panose="020B0604020202020204" pitchFamily="34" charset="0"/>
-              <a:buChar char="•"/>
-            </a:pPr>
-            <a:r>
-              <a:rPr lang="en-US" dirty="0">
-                <a:solidFill>
-                  <a:schemeClr val="accent3">
-                    <a:lumMod val="75000"/>
-                  </a:schemeClr>
-                </a:solidFill>
-              </a:rPr>
-              <a:t>Starting </a:t>
-            </a:r>
-            <a:r>
-              <a:rPr lang="en-US" dirty="0" err="1">
-                <a:solidFill>
-                  <a:schemeClr val="accent3">
-                    <a:lumMod val="75000"/>
-                  </a:schemeClr>
-                </a:solidFill>
-              </a:rPr>
-              <a:t>Weblogic</a:t>
-            </a:r>
-            <a:r>
-              <a:rPr lang="en-US" dirty="0">
-                <a:solidFill>
-                  <a:schemeClr val="accent3">
-                    <a:lumMod val="75000"/>
-                  </a:schemeClr>
-                </a:solidFill>
-              </a:rPr>
-              <a:t> Server</a:t>
-            </a:r>
-          </a:p>
-          <a:p>
-            <a:pPr marL="625475" lvl="3" indent="-285750">
-              <a:lnSpc>
-                <a:spcPct val="150000"/>
-              </a:lnSpc>
-              <a:buFont typeface="Arial" panose="020B0604020202020204" pitchFamily="34" charset="0"/>
-              <a:buChar char="•"/>
-            </a:pPr>
-            <a:r>
-              <a:rPr lang="en-US" dirty="0">
-                <a:solidFill>
-                  <a:schemeClr val="accent3">
-                    <a:lumMod val="75000"/>
-                  </a:schemeClr>
-                </a:solidFill>
-              </a:rPr>
-              <a:t>Starting Node Managers</a:t>
-            </a:r>
-          </a:p>
-          <a:p>
-            <a:pPr marL="625475" lvl="3" indent="-285750">
-              <a:lnSpc>
-                <a:spcPct val="150000"/>
-              </a:lnSpc>
-              <a:buFont typeface="Arial" panose="020B0604020202020204" pitchFamily="34" charset="0"/>
-              <a:buChar char="•"/>
-            </a:pPr>
-            <a:r>
-              <a:rPr lang="en-US" dirty="0">
-                <a:solidFill>
-                  <a:schemeClr val="accent3">
-                    <a:lumMod val="75000"/>
-                  </a:schemeClr>
-                </a:solidFill>
-              </a:rPr>
-              <a:t>Stopping </a:t>
-            </a:r>
-            <a:r>
-              <a:rPr lang="en-US" dirty="0" err="1">
-                <a:solidFill>
-                  <a:schemeClr val="accent3">
-                    <a:lumMod val="75000"/>
-                  </a:schemeClr>
-                </a:solidFill>
-              </a:rPr>
-              <a:t>Weblogic</a:t>
-            </a:r>
-            <a:r>
-              <a:rPr lang="en-US" dirty="0">
-                <a:solidFill>
-                  <a:schemeClr val="accent3">
-                    <a:lumMod val="75000"/>
-                  </a:schemeClr>
-                </a:solidFill>
-              </a:rPr>
-              <a:t> Server</a:t>
-            </a:r>
-          </a:p>
-          <a:p>
-            <a:pPr marL="625475" lvl="3" indent="-285750">
-              <a:lnSpc>
-                <a:spcPct val="150000"/>
-              </a:lnSpc>
-              <a:buFont typeface="Arial" panose="020B0604020202020204" pitchFamily="34" charset="0"/>
-              <a:buChar char="•"/>
-            </a:pPr>
-            <a:r>
-              <a:rPr lang="en-US" dirty="0">
-                <a:solidFill>
-                  <a:schemeClr val="accent3">
-                    <a:lumMod val="75000"/>
-                  </a:schemeClr>
-                </a:solidFill>
-              </a:rPr>
-              <a:t>Stopping Node Managers</a:t>
-            </a:r>
-          </a:p>
-          <a:p>
-            <a:pPr lvl="3"/>
+                  <a:srgbClr val="006600"/>
+                </a:solidFill>
+              </a:rPr>
+              <a:t>Review FWM Enterprise Manager</a:t>
+            </a:r>
+          </a:p>
+          <a:p>
+            <a:pPr lvl="1"/>
             <a:endParaRPr lang="en-US" dirty="0"/>
           </a:p>
         </p:txBody>
@@ -7796,7 +7984,7 @@
           <p:cNvPr id="3" name="Title 2">
             <a:extLst>
               <a:ext uri="{FF2B5EF4-FFF2-40B4-BE49-F238E27FC236}">
-                <a16:creationId xmlns:a16="http://schemas.microsoft.com/office/drawing/2014/main" id="{660F6646-3122-9BE4-ED15-F232A55216CD}"/>
+                <a16:creationId xmlns:a16="http://schemas.microsoft.com/office/drawing/2014/main" id="{2C1CAD41-D95E-385F-6375-F5FF47E4731D}"/>
               </a:ext>
             </a:extLst>
           </p:cNvPr>
@@ -7848,7 +8036,7 @@
     </p:spTree>
     <p:extLst>
       <p:ext uri="{BB962C8B-B14F-4D97-AF65-F5344CB8AC3E}">
-        <p14:creationId xmlns:p14="http://schemas.microsoft.com/office/powerpoint/2010/main" val="3137052082"/>
+        <p14:creationId xmlns:p14="http://schemas.microsoft.com/office/powerpoint/2010/main" val="1829756069"/>
       </p:ext>
     </p:extLst>
   </p:cSld>
@@ -7880,6 +8068,562 @@
           <p:cNvPr id="2" name="Content Placeholder 1">
             <a:extLst>
               <a:ext uri="{FF2B5EF4-FFF2-40B4-BE49-F238E27FC236}">
+                <a16:creationId xmlns:a16="http://schemas.microsoft.com/office/drawing/2014/main" id="{1509CEBE-6BC9-631F-4E4E-30B8DF58EA0A}"/>
+              </a:ext>
+            </a:extLst>
+          </p:cNvPr>
+          <p:cNvSpPr>
+            <a:spLocks noGrp="1"/>
+          </p:cNvSpPr>
+          <p:nvPr>
+            <p:ph idx="1"/>
+          </p:nvPr>
+        </p:nvSpPr>
+        <p:spPr/>
+        <p:txBody>
+          <a:bodyPr/>
+          <a:lstStyle/>
+          <a:p>
+            <a:pPr>
+              <a:buFont typeface="Wingdings" panose="05000000000000000000" pitchFamily="2" charset="2"/>
+              <a:buChar char="q"/>
+            </a:pPr>
+            <a:r>
+              <a:rPr lang="en-US" dirty="0">
+                <a:solidFill>
+                  <a:srgbClr val="006600"/>
+                </a:solidFill>
+              </a:rPr>
+              <a:t>Starting / Stopping Environment (Domain)</a:t>
+            </a:r>
+          </a:p>
+          <a:p>
+            <a:pPr lvl="1">
+              <a:buFont typeface="Arial" panose="020B0604020202020204" pitchFamily="34" charset="0"/>
+              <a:buChar char="•"/>
+            </a:pPr>
+            <a:r>
+              <a:rPr lang="en-US" dirty="0">
+                <a:solidFill>
+                  <a:schemeClr val="accent3">
+                    <a:lumMod val="75000"/>
+                  </a:schemeClr>
+                </a:solidFill>
+              </a:rPr>
+              <a:t>Starting for the first time:</a:t>
+            </a:r>
+          </a:p>
+          <a:p>
+            <a:pPr lvl="2"/>
+            <a:r>
+              <a:rPr lang="en-US" dirty="0">
+                <a:solidFill>
+                  <a:schemeClr val="accent3">
+                    <a:lumMod val="75000"/>
+                  </a:schemeClr>
+                </a:solidFill>
+              </a:rPr>
+              <a:t>Creating security properties file:</a:t>
+            </a:r>
+          </a:p>
+          <a:p>
+            <a:pPr marL="685782" lvl="2" indent="0">
+              <a:buNone/>
+            </a:pPr>
+            <a:endParaRPr lang="en-US" dirty="0"/>
+          </a:p>
+          <a:p>
+            <a:pPr marL="0" marR="0" lvl="0" indent="0" algn="l" defTabSz="914400" rtl="0" eaLnBrk="0" fontAlgn="base" latinLnBrk="0" hangingPunct="0">
+              <a:lnSpc>
+                <a:spcPct val="100000"/>
+              </a:lnSpc>
+              <a:spcBef>
+                <a:spcPct val="0"/>
+              </a:spcBef>
+              <a:spcAft>
+                <a:spcPct val="0"/>
+              </a:spcAft>
+              <a:buClrTx/>
+              <a:buSzTx/>
+              <a:buFontTx/>
+              <a:buNone/>
+              <a:tabLst/>
+            </a:pPr>
+            <a:r>
+              <a:rPr lang="en-US" altLang="en-US" sz="1500" dirty="0">
+                <a:solidFill>
+                  <a:schemeClr val="tx2">
+                    <a:lumMod val="60000"/>
+                    <a:lumOff val="40000"/>
+                  </a:schemeClr>
+                </a:solidFill>
+              </a:rPr>
+              <a:t>	$ </a:t>
+            </a:r>
+            <a:r>
+              <a:rPr lang="en-US" altLang="en-US" sz="1500" dirty="0" err="1">
+                <a:solidFill>
+                  <a:schemeClr val="tx2">
+                    <a:lumMod val="60000"/>
+                    <a:lumOff val="40000"/>
+                  </a:schemeClr>
+                </a:solidFill>
+              </a:rPr>
+              <a:t>mkdir</a:t>
+            </a:r>
+            <a:r>
+              <a:rPr lang="en-US" altLang="en-US" sz="1500" dirty="0">
+                <a:solidFill>
+                  <a:schemeClr val="tx2">
+                    <a:lumMod val="60000"/>
+                    <a:lumOff val="40000"/>
+                  </a:schemeClr>
+                </a:solidFill>
+              </a:rPr>
+              <a:t> -p $DOMAIN_HOME/servers/</a:t>
+            </a:r>
+            <a:r>
+              <a:rPr lang="en-US" altLang="en-US" sz="1500" dirty="0" err="1">
+                <a:solidFill>
+                  <a:schemeClr val="tx2">
+                    <a:lumMod val="60000"/>
+                    <a:lumOff val="40000"/>
+                  </a:schemeClr>
+                </a:solidFill>
+              </a:rPr>
+              <a:t>AdminServer</a:t>
+            </a:r>
+            <a:r>
+              <a:rPr lang="en-US" altLang="en-US" sz="1500" dirty="0">
+                <a:solidFill>
+                  <a:schemeClr val="tx2">
+                    <a:lumMod val="60000"/>
+                    <a:lumOff val="40000"/>
+                  </a:schemeClr>
+                </a:solidFill>
+              </a:rPr>
+              <a:t>/security </a:t>
+            </a:r>
+          </a:p>
+          <a:p>
+            <a:pPr marL="0" marR="0" lvl="0" indent="0" algn="l" defTabSz="914400" rtl="0" eaLnBrk="0" fontAlgn="base" latinLnBrk="0" hangingPunct="0">
+              <a:lnSpc>
+                <a:spcPct val="100000"/>
+              </a:lnSpc>
+              <a:spcBef>
+                <a:spcPct val="0"/>
+              </a:spcBef>
+              <a:spcAft>
+                <a:spcPct val="0"/>
+              </a:spcAft>
+              <a:buClrTx/>
+              <a:buSzTx/>
+              <a:buFontTx/>
+              <a:buNone/>
+              <a:tabLst/>
+            </a:pPr>
+            <a:r>
+              <a:rPr lang="en-US" altLang="en-US" sz="1500" dirty="0">
+                <a:solidFill>
+                  <a:schemeClr val="tx2">
+                    <a:lumMod val="60000"/>
+                    <a:lumOff val="40000"/>
+                  </a:schemeClr>
+                </a:solidFill>
+              </a:rPr>
+              <a:t>	$ echo "username=</a:t>
+            </a:r>
+            <a:r>
+              <a:rPr lang="en-US" altLang="en-US" sz="1500" dirty="0" err="1">
+                <a:solidFill>
+                  <a:schemeClr val="tx2">
+                    <a:lumMod val="60000"/>
+                    <a:lumOff val="40000"/>
+                  </a:schemeClr>
+                </a:solidFill>
+              </a:rPr>
+              <a:t>weblogic</a:t>
+            </a:r>
+            <a:r>
+              <a:rPr lang="en-US" altLang="en-US" sz="1500" dirty="0">
+                <a:solidFill>
+                  <a:schemeClr val="tx2">
+                    <a:lumMod val="60000"/>
+                    <a:lumOff val="40000"/>
+                  </a:schemeClr>
+                </a:solidFill>
+              </a:rPr>
+              <a:t>" &gt; 		$DOMAIN_HOME/servers/</a:t>
+            </a:r>
+            <a:r>
+              <a:rPr lang="en-US" altLang="en-US" sz="1500" dirty="0" err="1">
+                <a:solidFill>
+                  <a:schemeClr val="tx2">
+                    <a:lumMod val="60000"/>
+                    <a:lumOff val="40000"/>
+                  </a:schemeClr>
+                </a:solidFill>
+              </a:rPr>
+              <a:t>AdminServer</a:t>
+            </a:r>
+            <a:r>
+              <a:rPr lang="en-US" altLang="en-US" sz="1500" dirty="0">
+                <a:solidFill>
+                  <a:schemeClr val="tx2">
+                    <a:lumMod val="60000"/>
+                    <a:lumOff val="40000"/>
+                  </a:schemeClr>
+                </a:solidFill>
+              </a:rPr>
+              <a:t>/security/</a:t>
+            </a:r>
+            <a:r>
+              <a:rPr lang="en-US" altLang="en-US" sz="1500" dirty="0" err="1">
+                <a:solidFill>
+                  <a:schemeClr val="tx2">
+                    <a:lumMod val="60000"/>
+                    <a:lumOff val="40000"/>
+                  </a:schemeClr>
+                </a:solidFill>
+              </a:rPr>
+              <a:t>boot.properties</a:t>
+            </a:r>
+            <a:r>
+              <a:rPr lang="en-US" altLang="en-US" sz="1500" dirty="0">
+                <a:solidFill>
+                  <a:schemeClr val="tx2">
+                    <a:lumMod val="60000"/>
+                    <a:lumOff val="40000"/>
+                  </a:schemeClr>
+                </a:solidFill>
+              </a:rPr>
+              <a:t> </a:t>
+            </a:r>
+          </a:p>
+          <a:p>
+            <a:pPr marL="0" marR="0" lvl="0" indent="0" algn="l" defTabSz="914400" rtl="0" eaLnBrk="0" fontAlgn="base" latinLnBrk="0" hangingPunct="0">
+              <a:lnSpc>
+                <a:spcPct val="100000"/>
+              </a:lnSpc>
+              <a:spcBef>
+                <a:spcPct val="0"/>
+              </a:spcBef>
+              <a:spcAft>
+                <a:spcPct val="0"/>
+              </a:spcAft>
+              <a:buClrTx/>
+              <a:buSzTx/>
+              <a:buFontTx/>
+              <a:buNone/>
+              <a:tabLst/>
+            </a:pPr>
+            <a:r>
+              <a:rPr lang="en-US" altLang="en-US" sz="1500" dirty="0">
+                <a:solidFill>
+                  <a:schemeClr val="tx2">
+                    <a:lumMod val="60000"/>
+                    <a:lumOff val="40000"/>
+                  </a:schemeClr>
+                </a:solidFill>
+              </a:rPr>
+              <a:t>	$ echo "password=Password1" &gt;&gt; 	$DOMAIN_HOME/servers/</a:t>
+            </a:r>
+            <a:r>
+              <a:rPr lang="en-US" altLang="en-US" sz="1500" dirty="0" err="1">
+                <a:solidFill>
+                  <a:schemeClr val="tx2">
+                    <a:lumMod val="60000"/>
+                    <a:lumOff val="40000"/>
+                  </a:schemeClr>
+                </a:solidFill>
+              </a:rPr>
+              <a:t>AdminServer</a:t>
+            </a:r>
+            <a:r>
+              <a:rPr lang="en-US" altLang="en-US" sz="1500" dirty="0">
+                <a:solidFill>
+                  <a:schemeClr val="tx2">
+                    <a:lumMod val="60000"/>
+                    <a:lumOff val="40000"/>
+                  </a:schemeClr>
+                </a:solidFill>
+              </a:rPr>
+              <a:t>/security/</a:t>
+            </a:r>
+            <a:r>
+              <a:rPr lang="en-US" altLang="en-US" sz="1500" dirty="0" err="1">
+                <a:solidFill>
+                  <a:schemeClr val="tx2">
+                    <a:lumMod val="60000"/>
+                    <a:lumOff val="40000"/>
+                  </a:schemeClr>
+                </a:solidFill>
+              </a:rPr>
+              <a:t>boot.properties</a:t>
+            </a:r>
+            <a:r>
+              <a:rPr lang="en-US" altLang="en-US" sz="1500" dirty="0">
+                <a:solidFill>
+                  <a:schemeClr val="tx2">
+                    <a:lumMod val="60000"/>
+                    <a:lumOff val="40000"/>
+                  </a:schemeClr>
+                </a:solidFill>
+              </a:rPr>
+              <a:t> </a:t>
+            </a:r>
+          </a:p>
+          <a:p>
+            <a:pPr lvl="3"/>
+            <a:endParaRPr lang="en-US" dirty="0"/>
+          </a:p>
+          <a:p>
+            <a:pPr marL="625475" lvl="3" indent="-285750">
+              <a:lnSpc>
+                <a:spcPct val="150000"/>
+              </a:lnSpc>
+              <a:buFont typeface="Arial" panose="020B0604020202020204" pitchFamily="34" charset="0"/>
+              <a:buChar char="•"/>
+            </a:pPr>
+            <a:r>
+              <a:rPr lang="en-US" dirty="0">
+                <a:solidFill>
+                  <a:schemeClr val="accent3">
+                    <a:lumMod val="75000"/>
+                  </a:schemeClr>
+                </a:solidFill>
+              </a:rPr>
+              <a:t>Starting </a:t>
+            </a:r>
+            <a:r>
+              <a:rPr lang="en-US" dirty="0" err="1">
+                <a:solidFill>
+                  <a:schemeClr val="accent3">
+                    <a:lumMod val="75000"/>
+                  </a:schemeClr>
+                </a:solidFill>
+              </a:rPr>
+              <a:t>Weblogic</a:t>
+            </a:r>
+            <a:r>
+              <a:rPr lang="en-US" dirty="0">
+                <a:solidFill>
+                  <a:schemeClr val="accent3">
+                    <a:lumMod val="75000"/>
+                  </a:schemeClr>
+                </a:solidFill>
+              </a:rPr>
+              <a:t> Server</a:t>
+            </a:r>
+          </a:p>
+          <a:p>
+            <a:pPr marL="968367" lvl="4" indent="-285750">
+              <a:lnSpc>
+                <a:spcPct val="150000"/>
+              </a:lnSpc>
+              <a:buFont typeface="Arial" panose="020B0604020202020204" pitchFamily="34" charset="0"/>
+              <a:buChar char="•"/>
+            </a:pPr>
+            <a:r>
+              <a:rPr lang="en-US" dirty="0">
+                <a:solidFill>
+                  <a:schemeClr val="accent3">
+                    <a:lumMod val="75000"/>
+                  </a:schemeClr>
+                </a:solidFill>
+              </a:rPr>
+              <a:t>$DOMAIN_HOME/</a:t>
+            </a:r>
+            <a:r>
+              <a:rPr lang="en-US" dirty="0" err="1">
+                <a:solidFill>
+                  <a:schemeClr val="accent3">
+                    <a:lumMod val="75000"/>
+                  </a:schemeClr>
+                </a:solidFill>
+              </a:rPr>
+              <a:t>startWebLogic.sh</a:t>
+            </a:r>
+            <a:endParaRPr lang="en-US" dirty="0">
+              <a:solidFill>
+                <a:schemeClr val="accent3">
+                  <a:lumMod val="75000"/>
+                </a:schemeClr>
+              </a:solidFill>
+            </a:endParaRPr>
+          </a:p>
+          <a:p>
+            <a:pPr marL="625475" lvl="3" indent="-285750">
+              <a:lnSpc>
+                <a:spcPct val="150000"/>
+              </a:lnSpc>
+              <a:buFont typeface="Arial" panose="020B0604020202020204" pitchFamily="34" charset="0"/>
+              <a:buChar char="•"/>
+            </a:pPr>
+            <a:r>
+              <a:rPr lang="en-US" dirty="0">
+                <a:solidFill>
+                  <a:schemeClr val="accent3">
+                    <a:lumMod val="75000"/>
+                  </a:schemeClr>
+                </a:solidFill>
+              </a:rPr>
+              <a:t>Starting Node Managers</a:t>
+            </a:r>
+          </a:p>
+          <a:p>
+            <a:pPr marL="625475" lvl="3" indent="-285750">
+              <a:lnSpc>
+                <a:spcPct val="150000"/>
+              </a:lnSpc>
+              <a:buFont typeface="Arial" panose="020B0604020202020204" pitchFamily="34" charset="0"/>
+              <a:buChar char="•"/>
+            </a:pPr>
+            <a:r>
+              <a:rPr lang="en-US" dirty="0">
+                <a:solidFill>
+                  <a:schemeClr val="accent3">
+                    <a:lumMod val="75000"/>
+                  </a:schemeClr>
+                </a:solidFill>
+              </a:rPr>
+              <a:t>Stopping </a:t>
+            </a:r>
+            <a:r>
+              <a:rPr lang="en-US" dirty="0" err="1">
+                <a:solidFill>
+                  <a:schemeClr val="accent3">
+                    <a:lumMod val="75000"/>
+                  </a:schemeClr>
+                </a:solidFill>
+              </a:rPr>
+              <a:t>Weblogic</a:t>
+            </a:r>
+            <a:r>
+              <a:rPr lang="en-US" dirty="0">
+                <a:solidFill>
+                  <a:schemeClr val="accent3">
+                    <a:lumMod val="75000"/>
+                  </a:schemeClr>
+                </a:solidFill>
+              </a:rPr>
+              <a:t> Server</a:t>
+            </a:r>
+          </a:p>
+          <a:p>
+            <a:pPr marL="625475" lvl="3" indent="-285750">
+              <a:lnSpc>
+                <a:spcPct val="150000"/>
+              </a:lnSpc>
+              <a:buFont typeface="Arial" panose="020B0604020202020204" pitchFamily="34" charset="0"/>
+              <a:buChar char="•"/>
+            </a:pPr>
+            <a:r>
+              <a:rPr lang="en-US" dirty="0">
+                <a:solidFill>
+                  <a:schemeClr val="accent3">
+                    <a:lumMod val="75000"/>
+                  </a:schemeClr>
+                </a:solidFill>
+              </a:rPr>
+              <a:t>Stopping Node Managers</a:t>
+            </a:r>
+          </a:p>
+          <a:p>
+            <a:pPr lvl="3"/>
+            <a:endParaRPr lang="en-US" dirty="0"/>
+          </a:p>
+        </p:txBody>
+      </p:sp>
+      <p:sp>
+        <p:nvSpPr>
+          <p:cNvPr id="3" name="Title 2">
+            <a:extLst>
+              <a:ext uri="{FF2B5EF4-FFF2-40B4-BE49-F238E27FC236}">
+                <a16:creationId xmlns:a16="http://schemas.microsoft.com/office/drawing/2014/main" id="{660F6646-3122-9BE4-ED15-F232A55216CD}"/>
+              </a:ext>
+            </a:extLst>
+          </p:cNvPr>
+          <p:cNvSpPr>
+            <a:spLocks noGrp="1"/>
+          </p:cNvSpPr>
+          <p:nvPr>
+            <p:ph type="title"/>
+          </p:nvPr>
+        </p:nvSpPr>
+        <p:spPr/>
+        <p:txBody>
+          <a:bodyPr/>
+          <a:lstStyle/>
+          <a:p>
+            <a:r>
+              <a:rPr lang="en-US" b="1" dirty="0">
+                <a:solidFill>
+                  <a:srgbClr val="0070C0"/>
+                </a:solidFill>
+                <a:latin typeface="Segoe UI Semilight" panose="020B0402040204020203" pitchFamily="34" charset="0"/>
+                <a:cs typeface="Segoe UI Semilight" panose="020B0402040204020203" pitchFamily="34" charset="0"/>
+              </a:rPr>
+              <a:t>M</a:t>
+            </a:r>
+            <a:r>
+              <a:rPr lang="en-US" dirty="0"/>
+              <a:t>anaging</a:t>
+            </a:r>
+            <a:r>
+              <a:rPr lang="en-US" b="1" dirty="0">
+                <a:solidFill>
+                  <a:schemeClr val="tx2">
+                    <a:lumMod val="50000"/>
+                  </a:schemeClr>
+                </a:solidFill>
+                <a:latin typeface="Segoe UI Semilight" panose="020B0402040204020203" pitchFamily="34" charset="0"/>
+                <a:cs typeface="Segoe UI Semilight" panose="020B0402040204020203" pitchFamily="34" charset="0"/>
+              </a:rPr>
+              <a:t> </a:t>
+            </a:r>
+            <a:r>
+              <a:rPr lang="en-US" dirty="0"/>
+              <a:t>and Monitoring Infrastructure and Applications</a:t>
+            </a:r>
+          </a:p>
+        </p:txBody>
+      </p:sp>
+    </p:spTree>
+    <p:extLst>
+      <p:ext uri="{BB962C8B-B14F-4D97-AF65-F5344CB8AC3E}">
+        <p14:creationId xmlns:p14="http://schemas.microsoft.com/office/powerpoint/2010/main" val="3137052082"/>
+      </p:ext>
+    </p:extLst>
+  </p:cSld>
+  <p:clrMapOvr>
+    <a:masterClrMapping/>
+  </p:clrMapOvr>
+</p:sld>
+</file>
+
+<file path=ppt/slides/slide23.xml><?xml version="1.0" encoding="utf-8"?>
+<p:sld xmlns:a="http://schemas.openxmlformats.org/drawingml/2006/main" xmlns:r="http://schemas.openxmlformats.org/officeDocument/2006/relationships" xmlns:p="http://schemas.openxmlformats.org/presentationml/2006/main">
+  <p:cSld>
+    <p:spTree>
+      <p:nvGrpSpPr>
+        <p:cNvPr id="1" name=""/>
+        <p:cNvGrpSpPr/>
+        <p:nvPr/>
+      </p:nvGrpSpPr>
+      <p:grpSpPr>
+        <a:xfrm>
+          <a:off x="0" y="0"/>
+          <a:ext cx="0" cy="0"/>
+          <a:chOff x="0" y="0"/>
+          <a:chExt cx="0" cy="0"/>
+        </a:xfrm>
+      </p:grpSpPr>
+      <p:sp>
+        <p:nvSpPr>
+          <p:cNvPr id="2" name="Content Placeholder 1">
+            <a:extLst>
+              <a:ext uri="{FF2B5EF4-FFF2-40B4-BE49-F238E27FC236}">
                 <a16:creationId xmlns:a16="http://schemas.microsoft.com/office/drawing/2014/main" id="{8CFAC5BA-0060-8E18-CF17-9A5E3DB8C4E6}"/>
               </a:ext>
             </a:extLst>
@@ -7978,7 +8722,7 @@
 </p:sld>
 </file>
 
-<file path=ppt/slides/slide23.xml><?xml version="1.0" encoding="utf-8"?>
+<file path=ppt/slides/slide24.xml><?xml version="1.0" encoding="utf-8"?>
 <p:sld xmlns:a="http://schemas.openxmlformats.org/drawingml/2006/main" xmlns:r="http://schemas.openxmlformats.org/officeDocument/2006/relationships" xmlns:p="http://schemas.openxmlformats.org/presentationml/2006/main">
   <p:cSld>
     <p:spTree>
@@ -10131,7 +10875,7 @@
 </p:sld>
 </file>
 
-<file path=ppt/slides/slide24.xml><?xml version="1.0" encoding="utf-8"?>
+<file path=ppt/slides/slide25.xml><?xml version="1.0" encoding="utf-8"?>
 <p:sld xmlns:a="http://schemas.openxmlformats.org/drawingml/2006/main" xmlns:r="http://schemas.openxmlformats.org/officeDocument/2006/relationships" xmlns:p="http://schemas.openxmlformats.org/presentationml/2006/main">
   <p:cSld>
     <p:spTree>
@@ -11764,7 +12508,7 @@
 </p:sld>
 </file>
 
-<file path=ppt/slides/slide25.xml><?xml version="1.0" encoding="utf-8"?>
+<file path=ppt/slides/slide26.xml><?xml version="1.0" encoding="utf-8"?>
 <p:sld xmlns:a="http://schemas.openxmlformats.org/drawingml/2006/main" xmlns:r="http://schemas.openxmlformats.org/officeDocument/2006/relationships" xmlns:p="http://schemas.openxmlformats.org/presentationml/2006/main">
   <p:cSld>
     <p:spTree>
@@ -12891,7 +13635,7 @@
 </p:sld>
 </file>
 
-<file path=ppt/slides/slide26.xml><?xml version="1.0" encoding="utf-8"?>
+<file path=ppt/slides/slide27.xml><?xml version="1.0" encoding="utf-8"?>
 <p:sld xmlns:a="http://schemas.openxmlformats.org/drawingml/2006/main" xmlns:r="http://schemas.openxmlformats.org/officeDocument/2006/relationships" xmlns:p="http://schemas.openxmlformats.org/presentationml/2006/main">
   <p:cSld>
     <p:spTree>
@@ -13075,7 +13819,7 @@
 </p:sld>
 </file>
 
-<file path=ppt/slides/slide27.xml><?xml version="1.0" encoding="utf-8"?>
+<file path=ppt/slides/slide28.xml><?xml version="1.0" encoding="utf-8"?>
 <p:sld xmlns:a="http://schemas.openxmlformats.org/drawingml/2006/main" xmlns:r="http://schemas.openxmlformats.org/officeDocument/2006/relationships" xmlns:p="http://schemas.openxmlformats.org/presentationml/2006/main">
   <p:cSld>
     <p:spTree>
@@ -13180,7 +13924,7 @@
 </p:sld>
 </file>
 
-<file path=ppt/slides/slide28.xml><?xml version="1.0" encoding="utf-8"?>
+<file path=ppt/slides/slide29.xml><?xml version="1.0" encoding="utf-8"?>
 <p:sld xmlns:a="http://schemas.openxmlformats.org/drawingml/2006/main" xmlns:r="http://schemas.openxmlformats.org/officeDocument/2006/relationships" xmlns:p="http://schemas.openxmlformats.org/presentationml/2006/main">
   <p:cSld>
     <p:spTree>

--- a/Presentation/soaTrainingPresentation.pptx
+++ b/Presentation/soaTrainingPresentation.pptx
@@ -28,12 +28,16 @@
     <p:sldId id="297" r:id="rId22"/>
     <p:sldId id="299" r:id="rId23"/>
     <p:sldId id="300" r:id="rId24"/>
-    <p:sldId id="259" r:id="rId25"/>
-    <p:sldId id="276" r:id="rId26"/>
-    <p:sldId id="277" r:id="rId27"/>
-    <p:sldId id="261" r:id="rId28"/>
-    <p:sldId id="268" r:id="rId29"/>
-    <p:sldId id="272" r:id="rId30"/>
+    <p:sldId id="305" r:id="rId25"/>
+    <p:sldId id="304" r:id="rId26"/>
+    <p:sldId id="302" r:id="rId27"/>
+    <p:sldId id="303" r:id="rId28"/>
+    <p:sldId id="259" r:id="rId29"/>
+    <p:sldId id="276" r:id="rId30"/>
+    <p:sldId id="277" r:id="rId31"/>
+    <p:sldId id="261" r:id="rId32"/>
+    <p:sldId id="268" r:id="rId33"/>
+    <p:sldId id="272" r:id="rId34"/>
   </p:sldIdLst>
   <p:sldSz cx="9144000" cy="6858000" type="screen4x3"/>
   <p:notesSz cx="6858000" cy="9144000"/>
@@ -160,6 +164,10 @@
             <p14:sldId id="297"/>
             <p14:sldId id="299"/>
             <p14:sldId id="300"/>
+            <p14:sldId id="305"/>
+            <p14:sldId id="304"/>
+            <p14:sldId id="302"/>
+            <p14:sldId id="303"/>
           </p14:sldIdLst>
         </p14:section>
         <p14:section name="Architecture" id="{2E54B0A4-7D42-4DA8-B359-3DA8DE410F7E}">
@@ -6245,14 +6253,14 @@
           <p:nvPr>
             <p:extLst>
               <p:ext uri="{D42A27DB-BD31-4B8C-83A1-F6EECF244321}">
-                <p14:modId xmlns:p14="http://schemas.microsoft.com/office/powerpoint/2010/main" val="906081287"/>
+                <p14:modId xmlns:p14="http://schemas.microsoft.com/office/powerpoint/2010/main" val="2859772043"/>
               </p:ext>
             </p:extLst>
           </p:nvPr>
         </p:nvGraphicFramePr>
         <p:xfrm>
-          <a:off x="719725" y="949773"/>
-          <a:ext cx="7518839" cy="5293954"/>
+          <a:off x="705394" y="949773"/>
+          <a:ext cx="7533170" cy="5236180"/>
         </p:xfrm>
         <a:graphic>
           <a:graphicData uri="http://schemas.openxmlformats.org/drawingml/2006/table">
@@ -6261,7 +6269,7 @@
                 <a:tableStyleId>{7E9639D4-E3E2-4D34-9284-5A2195B3D0D7}</a:tableStyleId>
               </a:tblPr>
               <a:tblGrid>
-                <a:gridCol w="6302557">
+                <a:gridCol w="6316888">
                   <a:extLst>
                     <a:ext uri="{9D8B030D-6E8A-4147-A177-3AD203B41FA5}">
                       <a16:colId xmlns:a16="http://schemas.microsoft.com/office/drawing/2014/main" val="542272093"/>
@@ -6865,109 +6873,6 @@
                       <a:r>
                         <a:rPr lang="en-US" b="1" dirty="0">
                           <a:solidFill>
-                            <a:srgbClr val="FF0000"/>
-                          </a:solidFill>
-                          <a:latin typeface="Segoe UI Semilight" panose="020B0402040204020203" pitchFamily="34" charset="0"/>
-                          <a:cs typeface="Segoe UI Semilight" panose="020B0402040204020203" pitchFamily="34" charset="0"/>
-                        </a:rPr>
-                        <a:t>C</a:t>
-                      </a:r>
-                      <a:r>
-                        <a:rPr lang="en-US" b="1" dirty="0">
-                          <a:solidFill>
-                            <a:schemeClr val="tx2">
-                              <a:lumMod val="50000"/>
-                            </a:schemeClr>
-                          </a:solidFill>
-                          <a:latin typeface="Segoe UI Semilight" panose="020B0402040204020203" pitchFamily="34" charset="0"/>
-                          <a:cs typeface="Segoe UI Semilight" panose="020B0402040204020203" pitchFamily="34" charset="0"/>
-                        </a:rPr>
-                        <a:t>reating Adapter Services</a:t>
-                      </a:r>
-                      <a:endParaRPr lang="en-US" b="1" dirty="0">
-                        <a:solidFill>
-                          <a:srgbClr val="FF0000"/>
-                        </a:solidFill>
-                        <a:latin typeface="Segoe UI Semilight" panose="020B0402040204020203" pitchFamily="34" charset="0"/>
-                        <a:cs typeface="Segoe UI Semilight" panose="020B0402040204020203" pitchFamily="34" charset="0"/>
-                      </a:endParaRPr>
-                    </a:p>
-                  </a:txBody>
-                  <a:tcPr>
-                    <a:lnR w="12700" cap="flat" cmpd="sng" algn="ctr">
-                      <a:solidFill>
-                        <a:schemeClr val="tx1"/>
-                      </a:solidFill>
-                      <a:prstDash val="dot"/>
-                      <a:round/>
-                      <a:headEnd type="none" w="med" len="med"/>
-                      <a:tailEnd type="none" w="med" len="med"/>
-                    </a:lnR>
-                  </a:tcPr>
-                </a:tc>
-                <a:tc>
-                  <a:txBody>
-                    <a:bodyPr/>
-                    <a:lstStyle/>
-                    <a:p>
-                      <a:pPr algn="ctr"/>
-                      <a:r>
-                        <a:rPr lang="en-US" b="1" dirty="0">
-                          <a:solidFill>
-                            <a:srgbClr val="FF0000"/>
-                          </a:solidFill>
-                          <a:latin typeface="Segoe UI Semilight" panose="020B0402040204020203" pitchFamily="34" charset="0"/>
-                          <a:cs typeface="Segoe UI Semilight" panose="020B0402040204020203" pitchFamily="34" charset="0"/>
-                        </a:rPr>
-                        <a:t>~2h</a:t>
-                      </a:r>
-                      <a:endParaRPr lang="en-US" dirty="0"/>
-                    </a:p>
-                  </a:txBody>
-                  <a:tcPr>
-                    <a:lnL w="12700" cap="flat" cmpd="sng" algn="ctr">
-                      <a:solidFill>
-                        <a:schemeClr val="tx1"/>
-                      </a:solidFill>
-                      <a:prstDash val="dot"/>
-                      <a:round/>
-                      <a:headEnd type="none" w="med" len="med"/>
-                      <a:tailEnd type="none" w="med" len="med"/>
-                    </a:lnL>
-                  </a:tcPr>
-                </a:tc>
-                <a:extLst>
-                  <a:ext uri="{0D108BD9-81ED-4DB2-BD59-A6C34878D82A}">
-                    <a16:rowId xmlns:a16="http://schemas.microsoft.com/office/drawing/2014/main" val="262510773"/>
-                  </a:ext>
-                </a:extLst>
-              </a:tr>
-              <a:tr h="377336">
-                <a:tc>
-                  <a:txBody>
-                    <a:bodyPr/>
-                    <a:lstStyle/>
-                    <a:p>
-                      <a:pPr marL="0" marR="0" lvl="0" indent="0" algn="l" defTabSz="685783" rtl="0" eaLnBrk="1" fontAlgn="auto" latinLnBrk="0" hangingPunct="1">
-                        <a:lnSpc>
-                          <a:spcPct val="100000"/>
-                        </a:lnSpc>
-                        <a:spcBef>
-                          <a:spcPts val="0"/>
-                        </a:spcBef>
-                        <a:spcAft>
-                          <a:spcPts val="0"/>
-                        </a:spcAft>
-                        <a:buClrTx/>
-                        <a:buSzTx/>
-                        <a:buFontTx/>
-                        <a:buNone/>
-                        <a:tabLst/>
-                        <a:defRPr/>
-                      </a:pPr>
-                      <a:r>
-                        <a:rPr lang="en-US" b="1" dirty="0">
-                          <a:solidFill>
                             <a:srgbClr val="FFC000"/>
                           </a:solidFill>
                           <a:latin typeface="Segoe UI Semilight" panose="020B0402040204020203" pitchFamily="34" charset="0"/>
@@ -7023,6 +6928,125 @@
                           <a:cs typeface="Segoe UI Semilight" panose="020B0402040204020203" pitchFamily="34" charset="0"/>
                         </a:rPr>
                         <a:t>~5h</a:t>
+                      </a:r>
+                      <a:endParaRPr lang="en-US" dirty="0"/>
+                    </a:p>
+                  </a:txBody>
+                  <a:tcPr>
+                    <a:lnL w="12700" cap="flat" cmpd="sng" algn="ctr">
+                      <a:solidFill>
+                        <a:schemeClr val="tx1"/>
+                      </a:solidFill>
+                      <a:prstDash val="dot"/>
+                      <a:round/>
+                      <a:headEnd type="none" w="med" len="med"/>
+                      <a:tailEnd type="none" w="med" len="med"/>
+                    </a:lnL>
+                  </a:tcPr>
+                </a:tc>
+                <a:extLst>
+                  <a:ext uri="{0D108BD9-81ED-4DB2-BD59-A6C34878D82A}">
+                    <a16:rowId xmlns:a16="http://schemas.microsoft.com/office/drawing/2014/main" val="262510773"/>
+                  </a:ext>
+                </a:extLst>
+              </a:tr>
+              <a:tr h="342608">
+                <a:tc>
+                  <a:txBody>
+                    <a:bodyPr/>
+                    <a:lstStyle/>
+                    <a:p>
+                      <a:pPr marL="0" marR="0" lvl="0" indent="0" algn="l" defTabSz="685783" rtl="0" eaLnBrk="1" fontAlgn="auto" latinLnBrk="0" hangingPunct="1">
+                        <a:lnSpc>
+                          <a:spcPct val="100000"/>
+                        </a:lnSpc>
+                        <a:spcBef>
+                          <a:spcPts val="0"/>
+                        </a:spcBef>
+                        <a:spcAft>
+                          <a:spcPts val="0"/>
+                        </a:spcAft>
+                        <a:buClrTx/>
+                        <a:buSzTx/>
+                        <a:buFontTx/>
+                        <a:buNone/>
+                        <a:tabLst/>
+                        <a:defRPr/>
+                      </a:pPr>
+                      <a:r>
+                        <a:rPr lang="en-US" b="1" dirty="0">
+                          <a:solidFill>
+                            <a:srgbClr val="FF0000"/>
+                          </a:solidFill>
+                          <a:latin typeface="Segoe UI Semilight" panose="020B0402040204020203" pitchFamily="34" charset="0"/>
+                          <a:cs typeface="Segoe UI Semilight" panose="020B0402040204020203" pitchFamily="34" charset="0"/>
+                        </a:rPr>
+                        <a:t>C</a:t>
+                      </a:r>
+                      <a:r>
+                        <a:rPr lang="en-US" b="1" dirty="0">
+                          <a:solidFill>
+                            <a:schemeClr val="tx2">
+                              <a:lumMod val="50000"/>
+                            </a:schemeClr>
+                          </a:solidFill>
+                          <a:latin typeface="Segoe UI Semilight" panose="020B0402040204020203" pitchFamily="34" charset="0"/>
+                          <a:cs typeface="Segoe UI Semilight" panose="020B0402040204020203" pitchFamily="34" charset="0"/>
+                        </a:rPr>
+                        <a:t>reating Adapter Services</a:t>
+                      </a:r>
+                      <a:endParaRPr lang="en-US" b="1" dirty="0">
+                        <a:solidFill>
+                          <a:srgbClr val="FF0000"/>
+                        </a:solidFill>
+                        <a:latin typeface="Segoe UI Semilight" panose="020B0402040204020203" pitchFamily="34" charset="0"/>
+                        <a:cs typeface="Segoe UI Semilight" panose="020B0402040204020203" pitchFamily="34" charset="0"/>
+                      </a:endParaRPr>
+                    </a:p>
+                  </a:txBody>
+                  <a:tcPr>
+                    <a:lnR w="12700" cap="flat" cmpd="sng" algn="ctr">
+                      <a:solidFill>
+                        <a:schemeClr val="tx1"/>
+                      </a:solidFill>
+                      <a:prstDash val="dot"/>
+                      <a:round/>
+                      <a:headEnd type="none" w="med" len="med"/>
+                      <a:tailEnd type="none" w="med" len="med"/>
+                    </a:lnR>
+                  </a:tcPr>
+                </a:tc>
+                <a:tc>
+                  <a:txBody>
+                    <a:bodyPr/>
+                    <a:lstStyle/>
+                    <a:p>
+                      <a:pPr marL="0" marR="0" lvl="0" indent="0" algn="ctr" defTabSz="685783" rtl="1" eaLnBrk="1" fontAlgn="auto" latinLnBrk="0" hangingPunct="1">
+                        <a:lnSpc>
+                          <a:spcPct val="100000"/>
+                        </a:lnSpc>
+                        <a:spcBef>
+                          <a:spcPts val="0"/>
+                        </a:spcBef>
+                        <a:spcAft>
+                          <a:spcPts val="0"/>
+                        </a:spcAft>
+                        <a:buClrTx/>
+                        <a:buSzTx/>
+                        <a:buFontTx/>
+                        <a:buNone/>
+                        <a:tabLst/>
+                        <a:defRPr/>
+                      </a:pPr>
+                      <a:r>
+                        <a:rPr lang="en-US" b="1" dirty="0">
+                          <a:solidFill>
+                            <a:srgbClr val="FF0000"/>
+                          </a:solidFill>
+                          <a:latin typeface="Segoe UI Semilight" panose="020B0402040204020203" pitchFamily="34" charset="0"/>
+                          <a:cs typeface="Segoe UI Semilight" panose="020B0402040204020203" pitchFamily="34" charset="0"/>
+                        </a:rPr>
+                        <a:t>~2h</a:t>
                       </a:r>
                       <a:endParaRPr lang="en-US" dirty="0"/>
                     </a:p>
@@ -7446,7 +7470,7 @@
                   </a:ext>
                 </a:extLst>
               </a:tr>
-              <a:tr h="377336">
+              <a:tr h="354290">
                 <a:tc>
                   <a:txBody>
                     <a:bodyPr/>
@@ -7707,7 +7731,36 @@
           <a:bodyPr/>
           <a:lstStyle/>
           <a:p>
-            <a:endParaRPr lang="en-US"/>
+            <a:r>
+              <a:rPr lang="en-US" b="1" dirty="0">
+                <a:solidFill>
+                  <a:srgbClr val="0070C0"/>
+                </a:solidFill>
+                <a:latin typeface="Segoe UI Semilight" panose="020B0402040204020203" pitchFamily="34" charset="0"/>
+                <a:cs typeface="Segoe UI Semilight" panose="020B0402040204020203" pitchFamily="34" charset="0"/>
+              </a:rPr>
+              <a:t>M</a:t>
+            </a:r>
+            <a:r>
+              <a:rPr lang="en-US" dirty="0"/>
+              <a:t>anaging</a:t>
+            </a:r>
+            <a:r>
+              <a:rPr lang="en-US" b="1" dirty="0">
+                <a:solidFill>
+                  <a:schemeClr val="tx2">
+                    <a:lumMod val="50000"/>
+                  </a:schemeClr>
+                </a:solidFill>
+                <a:latin typeface="Segoe UI Semilight" panose="020B0402040204020203" pitchFamily="34" charset="0"/>
+                <a:cs typeface="Segoe UI Semilight" panose="020B0402040204020203" pitchFamily="34" charset="0"/>
+              </a:rPr>
+              <a:t> </a:t>
+            </a:r>
+            <a:r>
+              <a:rPr lang="en-US" dirty="0"/>
+              <a:t>and Monitoring Infrastructure and Applications</a:t>
+            </a:r>
           </a:p>
         </p:txBody>
       </p:sp>
@@ -7725,7 +7778,7 @@
         </p:nvSpPr>
         <p:spPr>
           <a:xfrm>
-            <a:off x="1770077" y="2025426"/>
+            <a:off x="1770077" y="1663950"/>
             <a:ext cx="2080470" cy="1298377"/>
           </a:xfrm>
           <a:prstGeom prst="ellipse">
@@ -7785,7 +7838,7 @@
         </p:nvSpPr>
         <p:spPr>
           <a:xfrm>
-            <a:off x="4974672" y="2247238"/>
+            <a:off x="4983381" y="1955593"/>
             <a:ext cx="1971412" cy="715089"/>
           </a:xfrm>
           <a:prstGeom prst="roundRect">
@@ -7834,8 +7887,8 @@
         </p:nvSpPr>
         <p:spPr>
           <a:xfrm>
-            <a:off x="639044" y="3621027"/>
-            <a:ext cx="4788634" cy="369332"/>
+            <a:off x="1536027" y="3249343"/>
+            <a:ext cx="2530876" cy="646331"/>
           </a:xfrm>
           <a:prstGeom prst="rect">
             <a:avLst/>
@@ -8653,6 +8706,80 @@
               <a:t> Console</a:t>
             </a:r>
           </a:p>
+          <a:p>
+            <a:endParaRPr lang="en-US" dirty="0"/>
+          </a:p>
+          <a:p>
+            <a:endParaRPr lang="en-US" dirty="0"/>
+          </a:p>
+          <a:p>
+            <a:endParaRPr lang="en-US" dirty="0"/>
+          </a:p>
+          <a:p>
+            <a:endParaRPr lang="en-US" dirty="0"/>
+          </a:p>
+          <a:p>
+            <a:r>
+              <a:rPr lang="en-US" dirty="0"/>
+              <a:t>Review </a:t>
+            </a:r>
+            <a:r>
+              <a:rPr lang="en-US" dirty="0" err="1"/>
+              <a:t>Weblogic</a:t>
+            </a:r>
+            <a:r>
+              <a:rPr lang="en-US" dirty="0"/>
+              <a:t> Enterprise Manger </a:t>
+            </a:r>
+          </a:p>
+          <a:p>
+            <a:endParaRPr lang="en-US" dirty="0"/>
+          </a:p>
+          <a:p>
+            <a:endParaRPr lang="en-US" dirty="0"/>
+          </a:p>
+          <a:p>
+            <a:endParaRPr lang="en-US" dirty="0"/>
+          </a:p>
+          <a:p>
+            <a:endParaRPr lang="en-US" dirty="0"/>
+          </a:p>
+          <a:p>
+            <a:r>
+              <a:rPr lang="en-US" dirty="0"/>
+              <a:t>Adding Application Server on JDeveloper</a:t>
+            </a:r>
+          </a:p>
+          <a:p>
+            <a:endParaRPr lang="en-US" dirty="0"/>
+          </a:p>
+          <a:p>
+            <a:endParaRPr lang="en-US" dirty="0"/>
+          </a:p>
+          <a:p>
+            <a:endParaRPr lang="en-US" dirty="0"/>
+          </a:p>
+          <a:p>
+            <a:endParaRPr lang="en-US" dirty="0"/>
+          </a:p>
+          <a:p>
+            <a:endParaRPr lang="en-US" dirty="0"/>
+          </a:p>
+          <a:p>
+            <a:endParaRPr lang="en-US" dirty="0"/>
+          </a:p>
+          <a:p>
+            <a:endParaRPr lang="en-US" dirty="0"/>
+          </a:p>
+          <a:p>
+            <a:endParaRPr lang="en-US" dirty="0"/>
+          </a:p>
+          <a:p>
+            <a:endParaRPr lang="en-US" dirty="0"/>
+          </a:p>
+          <a:p>
+            <a:endParaRPr lang="en-US" dirty="0"/>
+          </a:p>
         </p:txBody>
       </p:sp>
       <p:sp>
@@ -8704,7 +8831,7 @@
             </a:r>
             <a:r>
               <a:rPr lang="en-US" dirty="0"/>
-              <a:t>and Monitoring Infrastructure and Applications</a:t>
+              <a:t>and Monitoring Infrastructure and Applications (Session 4)</a:t>
             </a:r>
           </a:p>
         </p:txBody>
@@ -8723,6 +8850,639 @@
 </file>
 
 <file path=ppt/slides/slide24.xml><?xml version="1.0" encoding="utf-8"?>
+<p:sld xmlns:a="http://schemas.openxmlformats.org/drawingml/2006/main" xmlns:r="http://schemas.openxmlformats.org/officeDocument/2006/relationships" xmlns:p="http://schemas.openxmlformats.org/presentationml/2006/main">
+  <p:cSld>
+    <p:spTree>
+      <p:nvGrpSpPr>
+        <p:cNvPr id="1" name=""/>
+        <p:cNvGrpSpPr/>
+        <p:nvPr/>
+      </p:nvGrpSpPr>
+      <p:grpSpPr>
+        <a:xfrm>
+          <a:off x="0" y="0"/>
+          <a:ext cx="0" cy="0"/>
+          <a:chOff x="0" y="0"/>
+          <a:chExt cx="0" cy="0"/>
+        </a:xfrm>
+      </p:grpSpPr>
+      <p:sp>
+        <p:nvSpPr>
+          <p:cNvPr id="2" name="Content Placeholder 1">
+            <a:extLst>
+              <a:ext uri="{FF2B5EF4-FFF2-40B4-BE49-F238E27FC236}">
+                <a16:creationId xmlns:a16="http://schemas.microsoft.com/office/drawing/2014/main" id="{4E2417E6-6798-3FCD-6229-8F243510B260}"/>
+              </a:ext>
+            </a:extLst>
+          </p:cNvPr>
+          <p:cNvSpPr>
+            <a:spLocks noGrp="1"/>
+          </p:cNvSpPr>
+          <p:nvPr>
+            <p:ph idx="1"/>
+          </p:nvPr>
+        </p:nvSpPr>
+        <p:spPr/>
+        <p:txBody>
+          <a:bodyPr/>
+          <a:lstStyle/>
+          <a:p>
+            <a:endParaRPr lang="en-US" dirty="0"/>
+          </a:p>
+          <a:p>
+            <a:r>
+              <a:rPr lang="en-US" dirty="0"/>
+              <a:t>When to use the Mediator </a:t>
+            </a:r>
+          </a:p>
+          <a:p>
+            <a:r>
+              <a:rPr lang="en-US" dirty="0"/>
+              <a:t>Because the Mediator runs within an SCA Assembly, it has the most efficient bindings to other SCA Assembly components, specifically the BPEL engine. This lets us focus on using the Mediator to provide service virtualization services within SCA assemblies. The Mediator enables the virtualization of inputs and outputs within an SCA Assembly. This leads us to four key uses of the Mediator within SCA. Routing between components in an SCA Assembly Validation of incoming messages into an SCA Assembly Transformation of data from one format to another within an SCA Assembly Filtering to allow</a:t>
+            </a:r>
+          </a:p>
+        </p:txBody>
+      </p:sp>
+      <p:sp>
+        <p:nvSpPr>
+          <p:cNvPr id="3" name="Title 2">
+            <a:extLst>
+              <a:ext uri="{FF2B5EF4-FFF2-40B4-BE49-F238E27FC236}">
+                <a16:creationId xmlns:a16="http://schemas.microsoft.com/office/drawing/2014/main" id="{F5EE7060-3F2A-6613-2D87-37E04EEAAF92}"/>
+              </a:ext>
+            </a:extLst>
+          </p:cNvPr>
+          <p:cNvSpPr>
+            <a:spLocks noGrp="1"/>
+          </p:cNvSpPr>
+          <p:nvPr>
+            <p:ph type="title"/>
+          </p:nvPr>
+        </p:nvSpPr>
+        <p:spPr/>
+        <p:txBody>
+          <a:bodyPr/>
+          <a:lstStyle/>
+          <a:p>
+            <a:endParaRPr lang="en-US"/>
+          </a:p>
+        </p:txBody>
+      </p:sp>
+    </p:spTree>
+    <p:extLst>
+      <p:ext uri="{BB962C8B-B14F-4D97-AF65-F5344CB8AC3E}">
+        <p14:creationId xmlns:p14="http://schemas.microsoft.com/office/powerpoint/2010/main" val="2304642428"/>
+      </p:ext>
+    </p:extLst>
+  </p:cSld>
+  <p:clrMapOvr>
+    <a:masterClrMapping/>
+  </p:clrMapOvr>
+</p:sld>
+</file>
+
+<file path=ppt/slides/slide25.xml><?xml version="1.0" encoding="utf-8"?>
+<p:sld xmlns:a="http://schemas.openxmlformats.org/drawingml/2006/main" xmlns:r="http://schemas.openxmlformats.org/officeDocument/2006/relationships" xmlns:p="http://schemas.openxmlformats.org/presentationml/2006/main">
+  <p:cSld>
+    <p:spTree>
+      <p:nvGrpSpPr>
+        <p:cNvPr id="1" name=""/>
+        <p:cNvGrpSpPr/>
+        <p:nvPr/>
+      </p:nvGrpSpPr>
+      <p:grpSpPr>
+        <a:xfrm>
+          <a:off x="0" y="0"/>
+          <a:ext cx="0" cy="0"/>
+          <a:chOff x="0" y="0"/>
+          <a:chExt cx="0" cy="0"/>
+        </a:xfrm>
+      </p:grpSpPr>
+      <p:sp>
+        <p:nvSpPr>
+          <p:cNvPr id="2" name="Content Placeholder 1">
+            <a:extLst>
+              <a:ext uri="{FF2B5EF4-FFF2-40B4-BE49-F238E27FC236}">
+                <a16:creationId xmlns:a16="http://schemas.microsoft.com/office/drawing/2014/main" id="{E3EDBB9F-F005-7E98-7503-199198AD298C}"/>
+              </a:ext>
+            </a:extLst>
+          </p:cNvPr>
+          <p:cNvSpPr>
+            <a:spLocks noGrp="1"/>
+          </p:cNvSpPr>
+          <p:nvPr>
+            <p:ph idx="1"/>
+          </p:nvPr>
+        </p:nvSpPr>
+        <p:spPr>
+          <a:xfrm>
+            <a:off x="457200" y="911552"/>
+            <a:ext cx="8229600" cy="563562"/>
+          </a:xfrm>
+        </p:spPr>
+        <p:txBody>
+          <a:bodyPr/>
+          <a:lstStyle/>
+          <a:p>
+            <a:r>
+              <a:rPr lang="en-US" dirty="0"/>
+              <a:t>Oracle Service Bus</a:t>
+            </a:r>
+          </a:p>
+          <a:p>
+            <a:endParaRPr lang="en-US" dirty="0"/>
+          </a:p>
+          <a:p>
+            <a:endParaRPr lang="en-US" dirty="0"/>
+          </a:p>
+        </p:txBody>
+      </p:sp>
+      <p:sp>
+        <p:nvSpPr>
+          <p:cNvPr id="3" name="Title 2">
+            <a:extLst>
+              <a:ext uri="{FF2B5EF4-FFF2-40B4-BE49-F238E27FC236}">
+                <a16:creationId xmlns:a16="http://schemas.microsoft.com/office/drawing/2014/main" id="{1BAA48B4-D5D1-49BF-E3AB-9E3DBC9E81A3}"/>
+              </a:ext>
+            </a:extLst>
+          </p:cNvPr>
+          <p:cNvSpPr>
+            <a:spLocks noGrp="1"/>
+          </p:cNvSpPr>
+          <p:nvPr>
+            <p:ph type="title"/>
+          </p:nvPr>
+        </p:nvSpPr>
+        <p:spPr/>
+        <p:txBody>
+          <a:bodyPr/>
+          <a:lstStyle/>
+          <a:p>
+            <a:endParaRPr lang="en-US"/>
+          </a:p>
+        </p:txBody>
+      </p:sp>
+      <p:pic>
+        <p:nvPicPr>
+          <p:cNvPr id="5" name="Picture 4">
+            <a:extLst>
+              <a:ext uri="{FF2B5EF4-FFF2-40B4-BE49-F238E27FC236}">
+                <a16:creationId xmlns:a16="http://schemas.microsoft.com/office/drawing/2014/main" id="{7410AC53-E4D2-5137-0D4A-DC042E0EA891}"/>
+              </a:ext>
+            </a:extLst>
+          </p:cNvPr>
+          <p:cNvPicPr>
+            <a:picLocks noChangeAspect="1"/>
+          </p:cNvPicPr>
+          <p:nvPr/>
+        </p:nvPicPr>
+        <p:blipFill>
+          <a:blip r:embed="rId2"/>
+          <a:stretch>
+            <a:fillRect/>
+          </a:stretch>
+        </p:blipFill>
+        <p:spPr>
+          <a:xfrm>
+            <a:off x="6449886" y="911552"/>
+            <a:ext cx="2203932" cy="3701749"/>
+          </a:xfrm>
+          <a:prstGeom prst="rect">
+            <a:avLst/>
+          </a:prstGeom>
+        </p:spPr>
+      </p:pic>
+      <p:sp>
+        <p:nvSpPr>
+          <p:cNvPr id="7" name="TextBox 6">
+            <a:extLst>
+              <a:ext uri="{FF2B5EF4-FFF2-40B4-BE49-F238E27FC236}">
+                <a16:creationId xmlns:a16="http://schemas.microsoft.com/office/drawing/2014/main" id="{27CA41C9-54AF-0AA6-1A74-B4ED139FCA18}"/>
+              </a:ext>
+            </a:extLst>
+          </p:cNvPr>
+          <p:cNvSpPr txBox="1"/>
+          <p:nvPr/>
+        </p:nvSpPr>
+        <p:spPr>
+          <a:xfrm>
+            <a:off x="477865" y="1393089"/>
+            <a:ext cx="5939039" cy="1015663"/>
+          </a:xfrm>
+          <a:prstGeom prst="rect">
+            <a:avLst/>
+          </a:prstGeom>
+          <a:noFill/>
+        </p:spPr>
+        <p:txBody>
+          <a:bodyPr wrap="square">
+            <a:spAutoFit/>
+          </a:bodyPr>
+          <a:lstStyle/>
+          <a:p>
+            <a:r>
+              <a:rPr lang="en-US" sz="1500" dirty="0">
+                <a:solidFill>
+                  <a:schemeClr val="tx2">
+                    <a:lumMod val="60000"/>
+                    <a:lumOff val="40000"/>
+                  </a:schemeClr>
+                </a:solidFill>
+                <a:latin typeface="Trebuchet MS" pitchFamily="34" charset="0"/>
+              </a:rPr>
+              <a:t>The concept of the enterprise service bus is analogous to the </a:t>
+            </a:r>
+            <a:r>
+              <a:rPr lang="en-US" sz="1500" dirty="0">
+                <a:solidFill>
+                  <a:schemeClr val="tx2">
+                    <a:lumMod val="60000"/>
+                    <a:lumOff val="40000"/>
+                  </a:schemeClr>
+                </a:solidFill>
+                <a:latin typeface="Trebuchet MS" pitchFamily="34" charset="0"/>
+                <a:hlinkClick r:id="rId3" tooltip="Bus (computing)">
+                  <a:extLst>
+                    <a:ext uri="{A12FA001-AC4F-418D-AE19-62706E023703}">
+                      <ahyp:hlinkClr xmlns:ahyp="http://schemas.microsoft.com/office/drawing/2018/hyperlinkcolor" val="tx"/>
+                    </a:ext>
+                  </a:extLst>
+                </a:hlinkClick>
+              </a:rPr>
+              <a:t>bus</a:t>
+            </a:r>
+            <a:r>
+              <a:rPr lang="en-US" sz="1500" dirty="0">
+                <a:solidFill>
+                  <a:schemeClr val="tx2">
+                    <a:lumMod val="60000"/>
+                    <a:lumOff val="40000"/>
+                  </a:schemeClr>
+                </a:solidFill>
+                <a:latin typeface="Trebuchet MS" pitchFamily="34" charset="0"/>
+              </a:rPr>
+              <a:t> concept found in </a:t>
+            </a:r>
+            <a:r>
+              <a:rPr lang="en-US" sz="1500" dirty="0">
+                <a:solidFill>
+                  <a:schemeClr val="tx2">
+                    <a:lumMod val="60000"/>
+                    <a:lumOff val="40000"/>
+                  </a:schemeClr>
+                </a:solidFill>
+                <a:latin typeface="Trebuchet MS" pitchFamily="34" charset="0"/>
+                <a:hlinkClick r:id="rId4" tooltip="Computer architecture">
+                  <a:extLst>
+                    <a:ext uri="{A12FA001-AC4F-418D-AE19-62706E023703}">
+                      <ahyp:hlinkClr xmlns:ahyp="http://schemas.microsoft.com/office/drawing/2018/hyperlinkcolor" val="tx"/>
+                    </a:ext>
+                  </a:extLst>
+                </a:hlinkClick>
+              </a:rPr>
+              <a:t>computer </a:t>
+            </a:r>
+            <a:r>
+              <a:rPr lang="en-US" sz="1500" dirty="0" err="1">
+                <a:solidFill>
+                  <a:schemeClr val="tx2">
+                    <a:lumMod val="60000"/>
+                    <a:lumOff val="40000"/>
+                  </a:schemeClr>
+                </a:solidFill>
+                <a:latin typeface="Trebuchet MS" pitchFamily="34" charset="0"/>
+                <a:hlinkClick r:id="rId4" tooltip="Computer architecture">
+                  <a:extLst>
+                    <a:ext uri="{A12FA001-AC4F-418D-AE19-62706E023703}">
+                      <ahyp:hlinkClr xmlns:ahyp="http://schemas.microsoft.com/office/drawing/2018/hyperlinkcolor" val="tx"/>
+                    </a:ext>
+                  </a:extLst>
+                </a:hlinkClick>
+              </a:rPr>
+              <a:t>hardwarearchitecture</a:t>
+            </a:r>
+            <a:r>
+              <a:rPr lang="en-US" sz="1500" dirty="0">
+                <a:solidFill>
+                  <a:schemeClr val="tx2">
+                    <a:lumMod val="60000"/>
+                    <a:lumOff val="40000"/>
+                  </a:schemeClr>
+                </a:solidFill>
+                <a:latin typeface="Trebuchet MS" pitchFamily="34" charset="0"/>
+              </a:rPr>
+              <a:t> combined with the modular and concurrent design of high-performance computer operating systems.</a:t>
+            </a:r>
+          </a:p>
+        </p:txBody>
+      </p:sp>
+      <p:pic>
+        <p:nvPicPr>
+          <p:cNvPr id="9" name="Picture 8">
+            <a:extLst>
+              <a:ext uri="{FF2B5EF4-FFF2-40B4-BE49-F238E27FC236}">
+                <a16:creationId xmlns:a16="http://schemas.microsoft.com/office/drawing/2014/main" id="{3D7E3B00-C494-BB39-EB05-639EEF0CA897}"/>
+              </a:ext>
+            </a:extLst>
+          </p:cNvPr>
+          <p:cNvPicPr>
+            <a:picLocks noChangeAspect="1"/>
+          </p:cNvPicPr>
+          <p:nvPr/>
+        </p:nvPicPr>
+        <p:blipFill>
+          <a:blip r:embed="rId5"/>
+          <a:stretch>
+            <a:fillRect/>
+          </a:stretch>
+        </p:blipFill>
+        <p:spPr>
+          <a:xfrm>
+            <a:off x="1242104" y="4542719"/>
+            <a:ext cx="4952137" cy="1830138"/>
+          </a:xfrm>
+          <a:prstGeom prst="rect">
+            <a:avLst/>
+          </a:prstGeom>
+        </p:spPr>
+      </p:pic>
+      <p:sp>
+        <p:nvSpPr>
+          <p:cNvPr id="11" name="TextBox 10">
+            <a:extLst>
+              <a:ext uri="{FF2B5EF4-FFF2-40B4-BE49-F238E27FC236}">
+                <a16:creationId xmlns:a16="http://schemas.microsoft.com/office/drawing/2014/main" id="{7078C479-5717-80F1-E768-563B7BDA9FC5}"/>
+              </a:ext>
+            </a:extLst>
+          </p:cNvPr>
+          <p:cNvSpPr txBox="1"/>
+          <p:nvPr/>
+        </p:nvSpPr>
+        <p:spPr>
+          <a:xfrm>
+            <a:off x="490182" y="2674309"/>
+            <a:ext cx="4572000" cy="1938992"/>
+          </a:xfrm>
+          <a:prstGeom prst="rect">
+            <a:avLst/>
+          </a:prstGeom>
+          <a:noFill/>
+        </p:spPr>
+        <p:txBody>
+          <a:bodyPr wrap="square">
+            <a:spAutoFit/>
+          </a:bodyPr>
+          <a:lstStyle/>
+          <a:p>
+            <a:r>
+              <a:rPr lang="en-US" sz="1500" dirty="0">
+                <a:solidFill>
+                  <a:schemeClr val="tx2">
+                    <a:lumMod val="60000"/>
+                    <a:lumOff val="40000"/>
+                  </a:schemeClr>
+                </a:solidFill>
+                <a:latin typeface="Trebuchet MS" pitchFamily="34" charset="0"/>
+              </a:rPr>
+              <a:t>Simply put, the Service Bus in SOA Suite is a stateless, synchronous request/response engine that is a very fast, uniform intermediary between service consumers and heterogeneous services and backend systems, see Figure 3-1. The Service Bus implements the VETRO pattern. This acronym stands for Validate, Enrich, Transform, Route, and Operate.</a:t>
+            </a:r>
+          </a:p>
+        </p:txBody>
+      </p:sp>
+    </p:spTree>
+    <p:extLst>
+      <p:ext uri="{BB962C8B-B14F-4D97-AF65-F5344CB8AC3E}">
+        <p14:creationId xmlns:p14="http://schemas.microsoft.com/office/powerpoint/2010/main" val="1435616116"/>
+      </p:ext>
+    </p:extLst>
+  </p:cSld>
+  <p:clrMapOvr>
+    <a:masterClrMapping/>
+  </p:clrMapOvr>
+</p:sld>
+</file>
+
+<file path=ppt/slides/slide26.xml><?xml version="1.0" encoding="utf-8"?>
+<p:sld xmlns:a="http://schemas.openxmlformats.org/drawingml/2006/main" xmlns:r="http://schemas.openxmlformats.org/officeDocument/2006/relationships" xmlns:p="http://schemas.openxmlformats.org/presentationml/2006/main">
+  <p:cSld>
+    <p:spTree>
+      <p:nvGrpSpPr>
+        <p:cNvPr id="1" name=""/>
+        <p:cNvGrpSpPr/>
+        <p:nvPr/>
+      </p:nvGrpSpPr>
+      <p:grpSpPr>
+        <a:xfrm>
+          <a:off x="0" y="0"/>
+          <a:ext cx="0" cy="0"/>
+          <a:chOff x="0" y="0"/>
+          <a:chExt cx="0" cy="0"/>
+        </a:xfrm>
+      </p:grpSpPr>
+      <p:sp>
+        <p:nvSpPr>
+          <p:cNvPr id="2" name="Content Placeholder 1">
+            <a:extLst>
+              <a:ext uri="{FF2B5EF4-FFF2-40B4-BE49-F238E27FC236}">
+                <a16:creationId xmlns:a16="http://schemas.microsoft.com/office/drawing/2014/main" id="{BECA5320-7893-11AA-8E1C-20B8E31FF691}"/>
+              </a:ext>
+            </a:extLst>
+          </p:cNvPr>
+          <p:cNvSpPr>
+            <a:spLocks noGrp="1"/>
+          </p:cNvSpPr>
+          <p:nvPr>
+            <p:ph idx="1"/>
+          </p:nvPr>
+        </p:nvSpPr>
+        <p:spPr/>
+        <p:txBody>
+          <a:bodyPr/>
+          <a:lstStyle/>
+          <a:p>
+            <a:r>
+              <a:rPr lang="en-US" dirty="0"/>
+              <a:t>BPEL (Business Process Execution Language)</a:t>
+            </a:r>
+          </a:p>
+          <a:p>
+            <a:endParaRPr lang="en-US" dirty="0"/>
+          </a:p>
+          <a:p>
+            <a:pPr lvl="1"/>
+            <a:r>
+              <a:rPr lang="en-US" dirty="0"/>
+              <a:t>BPEL is a programming language for implementing process flows and composite (or orchestrated) services.</a:t>
+            </a:r>
+          </a:p>
+          <a:p>
+            <a:pPr lvl="1"/>
+            <a:endParaRPr lang="en-US" dirty="0"/>
+          </a:p>
+          <a:p>
+            <a:pPr lvl="1"/>
+            <a:endParaRPr lang="en-US" dirty="0"/>
+          </a:p>
+        </p:txBody>
+      </p:sp>
+      <p:sp>
+        <p:nvSpPr>
+          <p:cNvPr id="3" name="Title 2">
+            <a:extLst>
+              <a:ext uri="{FF2B5EF4-FFF2-40B4-BE49-F238E27FC236}">
+                <a16:creationId xmlns:a16="http://schemas.microsoft.com/office/drawing/2014/main" id="{3EA0F25C-20FE-0A75-1F84-CEE98DCA9B20}"/>
+              </a:ext>
+            </a:extLst>
+          </p:cNvPr>
+          <p:cNvSpPr>
+            <a:spLocks noGrp="1"/>
+          </p:cNvSpPr>
+          <p:nvPr>
+            <p:ph type="title"/>
+          </p:nvPr>
+        </p:nvSpPr>
+        <p:spPr/>
+        <p:txBody>
+          <a:bodyPr/>
+          <a:lstStyle/>
+          <a:p>
+            <a:r>
+              <a:rPr lang="en-US" b="1" dirty="0">
+                <a:solidFill>
+                  <a:srgbClr val="FFC000"/>
+                </a:solidFill>
+                <a:latin typeface="Segoe UI Semilight" panose="020B0402040204020203" pitchFamily="34" charset="0"/>
+                <a:cs typeface="Segoe UI Semilight" panose="020B0402040204020203" pitchFamily="34" charset="0"/>
+              </a:rPr>
+              <a:t>B</a:t>
+            </a:r>
+            <a:r>
+              <a:rPr lang="en-US" dirty="0"/>
+              <a:t>usiness</a:t>
+            </a:r>
+            <a:r>
+              <a:rPr lang="en-US" b="1" dirty="0">
+                <a:solidFill>
+                  <a:schemeClr val="tx2">
+                    <a:lumMod val="50000"/>
+                  </a:schemeClr>
+                </a:solidFill>
+                <a:latin typeface="Segoe UI Semilight" panose="020B0402040204020203" pitchFamily="34" charset="0"/>
+                <a:cs typeface="Segoe UI Semilight" panose="020B0402040204020203" pitchFamily="34" charset="0"/>
+              </a:rPr>
+              <a:t> </a:t>
+            </a:r>
+            <a:r>
+              <a:rPr lang="en-US" dirty="0"/>
+              <a:t>Process Execution Language(BPEL)</a:t>
+            </a:r>
+          </a:p>
+        </p:txBody>
+      </p:sp>
+    </p:spTree>
+    <p:extLst>
+      <p:ext uri="{BB962C8B-B14F-4D97-AF65-F5344CB8AC3E}">
+        <p14:creationId xmlns:p14="http://schemas.microsoft.com/office/powerpoint/2010/main" val="4271784746"/>
+      </p:ext>
+    </p:extLst>
+  </p:cSld>
+  <p:clrMapOvr>
+    <a:masterClrMapping/>
+  </p:clrMapOvr>
+</p:sld>
+</file>
+
+<file path=ppt/slides/slide27.xml><?xml version="1.0" encoding="utf-8"?>
+<p:sld xmlns:a="http://schemas.openxmlformats.org/drawingml/2006/main" xmlns:r="http://schemas.openxmlformats.org/officeDocument/2006/relationships" xmlns:p="http://schemas.openxmlformats.org/presentationml/2006/main">
+  <p:cSld>
+    <p:spTree>
+      <p:nvGrpSpPr>
+        <p:cNvPr id="1" name=""/>
+        <p:cNvGrpSpPr/>
+        <p:nvPr/>
+      </p:nvGrpSpPr>
+      <p:grpSpPr>
+        <a:xfrm>
+          <a:off x="0" y="0"/>
+          <a:ext cx="0" cy="0"/>
+          <a:chOff x="0" y="0"/>
+          <a:chExt cx="0" cy="0"/>
+        </a:xfrm>
+      </p:grpSpPr>
+      <p:sp>
+        <p:nvSpPr>
+          <p:cNvPr id="2" name="Content Placeholder 1">
+            <a:extLst>
+              <a:ext uri="{FF2B5EF4-FFF2-40B4-BE49-F238E27FC236}">
+                <a16:creationId xmlns:a16="http://schemas.microsoft.com/office/drawing/2014/main" id="{FD39CB09-DF36-5A49-98E4-57DF3DD08004}"/>
+              </a:ext>
+            </a:extLst>
+          </p:cNvPr>
+          <p:cNvSpPr>
+            <a:spLocks noGrp="1"/>
+          </p:cNvSpPr>
+          <p:nvPr>
+            <p:ph idx="1"/>
+          </p:nvPr>
+        </p:nvSpPr>
+        <p:spPr/>
+        <p:txBody>
+          <a:bodyPr/>
+          <a:lstStyle/>
+          <a:p>
+            <a:r>
+              <a:rPr lang="en-US" dirty="0"/>
+              <a:t>Creating Composite</a:t>
+            </a:r>
+          </a:p>
+          <a:p>
+            <a:pPr lvl="1"/>
+            <a:r>
+              <a:rPr lang="en-US" dirty="0"/>
+              <a:t>Application : Within JDeveloper, an application is the main container for our work. It consists of a directory where all our application projects will be created.</a:t>
+            </a:r>
+          </a:p>
+        </p:txBody>
+      </p:sp>
+      <p:sp>
+        <p:nvSpPr>
+          <p:cNvPr id="3" name="Title 2">
+            <a:extLst>
+              <a:ext uri="{FF2B5EF4-FFF2-40B4-BE49-F238E27FC236}">
+                <a16:creationId xmlns:a16="http://schemas.microsoft.com/office/drawing/2014/main" id="{5859B80E-FADD-1929-0685-94DB1903B844}"/>
+              </a:ext>
+            </a:extLst>
+          </p:cNvPr>
+          <p:cNvSpPr>
+            <a:spLocks noGrp="1"/>
+          </p:cNvSpPr>
+          <p:nvPr>
+            <p:ph type="title"/>
+          </p:nvPr>
+        </p:nvSpPr>
+        <p:spPr/>
+        <p:txBody>
+          <a:bodyPr/>
+          <a:lstStyle/>
+          <a:p>
+            <a:endParaRPr lang="en-US"/>
+          </a:p>
+        </p:txBody>
+      </p:sp>
+    </p:spTree>
+    <p:extLst>
+      <p:ext uri="{BB962C8B-B14F-4D97-AF65-F5344CB8AC3E}">
+        <p14:creationId xmlns:p14="http://schemas.microsoft.com/office/powerpoint/2010/main" val="842123008"/>
+      </p:ext>
+    </p:extLst>
+  </p:cSld>
+  <p:clrMapOvr>
+    <a:masterClrMapping/>
+  </p:clrMapOvr>
+</p:sld>
+</file>
+
+<file path=ppt/slides/slide28.xml><?xml version="1.0" encoding="utf-8"?>
 <p:sld xmlns:a="http://schemas.openxmlformats.org/drawingml/2006/main" xmlns:r="http://schemas.openxmlformats.org/officeDocument/2006/relationships" xmlns:p="http://schemas.openxmlformats.org/presentationml/2006/main">
   <p:cSld>
     <p:spTree>
@@ -10875,7 +11635,7 @@
 </p:sld>
 </file>
 
-<file path=ppt/slides/slide25.xml><?xml version="1.0" encoding="utf-8"?>
+<file path=ppt/slides/slide29.xml><?xml version="1.0" encoding="utf-8"?>
 <p:sld xmlns:a="http://schemas.openxmlformats.org/drawingml/2006/main" xmlns:r="http://schemas.openxmlformats.org/officeDocument/2006/relationships" xmlns:p="http://schemas.openxmlformats.org/presentationml/2006/main">
   <p:cSld>
     <p:spTree>
@@ -12508,7 +13268,398 @@
 </p:sld>
 </file>
 
-<file path=ppt/slides/slide26.xml><?xml version="1.0" encoding="utf-8"?>
+<file path=ppt/slides/slide3.xml><?xml version="1.0" encoding="utf-8"?>
+<p:sld xmlns:a="http://schemas.openxmlformats.org/drawingml/2006/main" xmlns:r="http://schemas.openxmlformats.org/officeDocument/2006/relationships" xmlns:p="http://schemas.openxmlformats.org/presentationml/2006/main">
+  <p:cSld>
+    <p:spTree>
+      <p:nvGrpSpPr>
+        <p:cNvPr id="1" name=""/>
+        <p:cNvGrpSpPr/>
+        <p:nvPr/>
+      </p:nvGrpSpPr>
+      <p:grpSpPr>
+        <a:xfrm>
+          <a:off x="0" y="0"/>
+          <a:ext cx="0" cy="0"/>
+          <a:chOff x="0" y="0"/>
+          <a:chExt cx="0" cy="0"/>
+        </a:xfrm>
+      </p:grpSpPr>
+      <p:sp>
+        <p:nvSpPr>
+          <p:cNvPr id="2" name="Content Placeholder 1">
+            <a:extLst>
+              <a:ext uri="{FF2B5EF4-FFF2-40B4-BE49-F238E27FC236}">
+                <a16:creationId xmlns:a16="http://schemas.microsoft.com/office/drawing/2014/main" id="{24CD15BF-27B0-D6C0-6441-91C73B58C588}"/>
+              </a:ext>
+            </a:extLst>
+          </p:cNvPr>
+          <p:cNvSpPr>
+            <a:spLocks noGrp="1"/>
+          </p:cNvSpPr>
+          <p:nvPr>
+            <p:ph idx="1"/>
+          </p:nvPr>
+        </p:nvSpPr>
+        <p:spPr>
+          <a:xfrm>
+            <a:off x="322909" y="1013017"/>
+            <a:ext cx="8229600" cy="4906963"/>
+          </a:xfrm>
+        </p:spPr>
+        <p:txBody>
+          <a:bodyPr>
+            <a:normAutofit/>
+          </a:bodyPr>
+          <a:lstStyle/>
+          <a:p>
+            <a:r>
+              <a:rPr lang="en-US" sz="2000" b="1" dirty="0"/>
+              <a:t>What is Service-Oriented Architecture</a:t>
+            </a:r>
+          </a:p>
+          <a:p>
+            <a:pPr marL="0" indent="0">
+              <a:buNone/>
+            </a:pPr>
+            <a:endParaRPr lang="en-US" sz="2000" b="1" dirty="0"/>
+          </a:p>
+          <a:p>
+            <a:pPr lvl="1">
+              <a:buFont typeface="Wingdings" panose="05000000000000000000" pitchFamily="2" charset="2"/>
+              <a:buChar char="q"/>
+            </a:pPr>
+            <a:r>
+              <a:rPr lang="en-US" b="1" dirty="0">
+                <a:solidFill>
+                  <a:srgbClr val="333333"/>
+                </a:solidFill>
+                <a:latin typeface="AmazonEmber"/>
+              </a:rPr>
+              <a:t>What is SOA:</a:t>
+            </a:r>
+            <a:r>
+              <a:rPr lang="en-US" dirty="0">
+                <a:solidFill>
+                  <a:srgbClr val="333333"/>
+                </a:solidFill>
+                <a:latin typeface="AmazonEmber"/>
+              </a:rPr>
+              <a:t> </a:t>
+            </a:r>
+            <a:r>
+              <a:rPr lang="en-US" b="0" i="0" dirty="0">
+                <a:solidFill>
+                  <a:srgbClr val="333333"/>
+                </a:solidFill>
+                <a:effectLst/>
+                <a:latin typeface="AmazonEmber"/>
+              </a:rPr>
+              <a:t>Service-oriented architecture (SOA) is a method of software development that uses software components called services to create business applications. </a:t>
+            </a:r>
+          </a:p>
+          <a:p>
+            <a:pPr marL="342891" lvl="1" indent="0">
+              <a:buNone/>
+            </a:pPr>
+            <a:endParaRPr lang="en-US" b="0" i="0" dirty="0">
+              <a:solidFill>
+                <a:srgbClr val="333333"/>
+              </a:solidFill>
+              <a:effectLst/>
+              <a:latin typeface="AmazonEmber"/>
+            </a:endParaRPr>
+          </a:p>
+          <a:p>
+            <a:pPr lvl="1">
+              <a:buFont typeface="Wingdings" panose="05000000000000000000" pitchFamily="2" charset="2"/>
+              <a:buChar char="q"/>
+            </a:pPr>
+            <a:r>
+              <a:rPr lang="en-US" dirty="0">
+                <a:solidFill>
+                  <a:srgbClr val="333333"/>
+                </a:solidFill>
+                <a:latin typeface="AmazonEmber"/>
+              </a:rPr>
+              <a:t>Benefits</a:t>
+            </a:r>
+            <a:endParaRPr lang="en-US" b="0" i="0" dirty="0">
+              <a:solidFill>
+                <a:srgbClr val="333333"/>
+              </a:solidFill>
+              <a:effectLst/>
+              <a:latin typeface="AmazonEmber"/>
+            </a:endParaRPr>
+          </a:p>
+          <a:p>
+            <a:pPr lvl="2"/>
+            <a:r>
+              <a:rPr lang="en-US" b="1" i="0" dirty="0">
+                <a:solidFill>
+                  <a:srgbClr val="333333"/>
+                </a:solidFill>
+                <a:effectLst/>
+                <a:latin typeface="AmazonEmber"/>
+              </a:rPr>
+              <a:t>Faster time to market</a:t>
+            </a:r>
+          </a:p>
+          <a:p>
+            <a:pPr lvl="2"/>
+            <a:r>
+              <a:rPr lang="en-US" b="1" i="0" dirty="0">
+                <a:solidFill>
+                  <a:srgbClr val="333333"/>
+                </a:solidFill>
+                <a:effectLst/>
+                <a:latin typeface="AmazonEmber"/>
+              </a:rPr>
+              <a:t>Efficient maintenance</a:t>
+            </a:r>
+          </a:p>
+          <a:p>
+            <a:pPr lvl="2"/>
+            <a:r>
+              <a:rPr lang="en-US" b="1" i="0" dirty="0">
+                <a:solidFill>
+                  <a:srgbClr val="333333"/>
+                </a:solidFill>
+                <a:effectLst/>
+                <a:latin typeface="AmazonEmber"/>
+              </a:rPr>
+              <a:t>Greater adaptability</a:t>
+            </a:r>
+          </a:p>
+          <a:p>
+            <a:pPr marL="685782" lvl="2" indent="0">
+              <a:buNone/>
+            </a:pPr>
+            <a:endParaRPr lang="en-US" b="1" i="0" dirty="0">
+              <a:solidFill>
+                <a:srgbClr val="333333"/>
+              </a:solidFill>
+              <a:effectLst/>
+              <a:latin typeface="AmazonEmber"/>
+            </a:endParaRPr>
+          </a:p>
+          <a:p>
+            <a:pPr marL="573088" lvl="2" indent="-231775">
+              <a:buFont typeface="Wingdings" panose="05000000000000000000" pitchFamily="2" charset="2"/>
+              <a:buChar char="q"/>
+            </a:pPr>
+            <a:r>
+              <a:rPr lang="en-US" dirty="0">
+                <a:solidFill>
+                  <a:srgbClr val="333333"/>
+                </a:solidFill>
+                <a:latin typeface="AmazonEmber"/>
+              </a:rPr>
+              <a:t>Limitation</a:t>
+            </a:r>
+            <a:r>
+              <a:rPr lang="en-US" b="1" i="0" dirty="0">
+                <a:solidFill>
+                  <a:srgbClr val="333333"/>
+                </a:solidFill>
+                <a:effectLst/>
+                <a:latin typeface="AmazonEmber"/>
+              </a:rPr>
+              <a:t> </a:t>
+            </a:r>
+          </a:p>
+          <a:p>
+            <a:pPr marL="915980" lvl="3" indent="-285750">
+              <a:buFont typeface="Arial" panose="020B0604020202020204" pitchFamily="34" charset="0"/>
+              <a:buChar char="•"/>
+            </a:pPr>
+            <a:r>
+              <a:rPr lang="en-US" b="1" dirty="0">
+                <a:solidFill>
+                  <a:srgbClr val="333333"/>
+                </a:solidFill>
+                <a:latin typeface="AmazonEmber"/>
+              </a:rPr>
+              <a:t>Limited scalability</a:t>
+            </a:r>
+          </a:p>
+          <a:p>
+            <a:pPr marL="915980" lvl="3" indent="-285750">
+              <a:buFont typeface="Arial" panose="020B0604020202020204" pitchFamily="34" charset="0"/>
+              <a:buChar char="•"/>
+            </a:pPr>
+            <a:r>
+              <a:rPr lang="en-US" b="1" dirty="0">
+                <a:solidFill>
+                  <a:srgbClr val="333333"/>
+                </a:solidFill>
+                <a:latin typeface="AmazonEmber"/>
+              </a:rPr>
+              <a:t>Increasing interdependencies</a:t>
+            </a:r>
+          </a:p>
+          <a:p>
+            <a:pPr marL="915980" lvl="3" indent="-285750">
+              <a:buFont typeface="Arial" panose="020B0604020202020204" pitchFamily="34" charset="0"/>
+              <a:buChar char="•"/>
+            </a:pPr>
+            <a:r>
+              <a:rPr lang="en-US" b="1" dirty="0">
+                <a:solidFill>
+                  <a:srgbClr val="333333"/>
+                </a:solidFill>
+                <a:latin typeface="AmazonEmber"/>
+              </a:rPr>
+              <a:t>Single point of failure</a:t>
+            </a:r>
+          </a:p>
+          <a:p>
+            <a:pPr marL="428614" lvl="2" indent="0">
+              <a:spcBef>
+                <a:spcPts val="0"/>
+              </a:spcBef>
+              <a:buNone/>
+            </a:pPr>
+            <a:endParaRPr lang="en-US" b="1" dirty="0">
+              <a:solidFill>
+                <a:srgbClr val="333333"/>
+              </a:solidFill>
+              <a:latin typeface="AmazonEmber"/>
+            </a:endParaRPr>
+          </a:p>
+          <a:p>
+            <a:pPr marL="428614" lvl="2" indent="0">
+              <a:spcBef>
+                <a:spcPts val="0"/>
+              </a:spcBef>
+              <a:buNone/>
+            </a:pPr>
+            <a:endParaRPr lang="en-US" b="1" dirty="0">
+              <a:solidFill>
+                <a:srgbClr val="333333"/>
+              </a:solidFill>
+              <a:latin typeface="AmazonEmber"/>
+            </a:endParaRPr>
+          </a:p>
+          <a:p>
+            <a:pPr marL="428614" lvl="2" indent="0">
+              <a:spcBef>
+                <a:spcPts val="0"/>
+              </a:spcBef>
+              <a:buNone/>
+            </a:pPr>
+            <a:endParaRPr lang="en-US" b="1" dirty="0">
+              <a:solidFill>
+                <a:srgbClr val="333333"/>
+              </a:solidFill>
+              <a:latin typeface="AmazonEmber"/>
+            </a:endParaRPr>
+          </a:p>
+        </p:txBody>
+      </p:sp>
+      <p:sp>
+        <p:nvSpPr>
+          <p:cNvPr id="3" name="Title 2">
+            <a:extLst>
+              <a:ext uri="{FF2B5EF4-FFF2-40B4-BE49-F238E27FC236}">
+                <a16:creationId xmlns:a16="http://schemas.microsoft.com/office/drawing/2014/main" id="{5949415C-882D-4139-A02D-E250A1AEB9CA}"/>
+              </a:ext>
+            </a:extLst>
+          </p:cNvPr>
+          <p:cNvSpPr>
+            <a:spLocks noGrp="1"/>
+          </p:cNvSpPr>
+          <p:nvPr>
+            <p:ph type="title"/>
+          </p:nvPr>
+        </p:nvSpPr>
+        <p:spPr/>
+        <p:txBody>
+          <a:bodyPr/>
+          <a:lstStyle/>
+          <a:p>
+            <a:r>
+              <a:rPr lang="en-US" dirty="0" err="1"/>
+              <a:t>Intoduction</a:t>
+            </a:r>
+            <a:r>
+              <a:rPr lang="en-US" dirty="0"/>
+              <a:t> to SOA</a:t>
+            </a:r>
+          </a:p>
+        </p:txBody>
+      </p:sp>
+      <p:pic>
+        <p:nvPicPr>
+          <p:cNvPr id="1030" name="Picture 6" descr="Illustration showing Service-Oriented architecture. It shows various SOA building blocks being assembled into a composite application.">
+            <a:extLst>
+              <a:ext uri="{FF2B5EF4-FFF2-40B4-BE49-F238E27FC236}">
+                <a16:creationId xmlns:a16="http://schemas.microsoft.com/office/drawing/2014/main" id="{4CBF0C57-D4F4-D86B-6421-A82E7FDE5093}"/>
+              </a:ext>
+            </a:extLst>
+          </p:cNvPr>
+          <p:cNvPicPr>
+            <a:picLocks noChangeAspect="1" noChangeArrowheads="1"/>
+          </p:cNvPicPr>
+          <p:nvPr/>
+        </p:nvPicPr>
+        <p:blipFill>
+          <a:blip r:embed="rId2">
+            <a:clrChange>
+              <a:clrFrom>
+                <a:srgbClr val="FFFFFF"/>
+              </a:clrFrom>
+              <a:clrTo>
+                <a:srgbClr val="FFFFFF">
+                  <a:alpha val="0"/>
+                </a:srgbClr>
+              </a:clrTo>
+            </a:clrChange>
+            <a:extLst>
+              <a:ext uri="{28A0092B-C50C-407E-A947-70E740481C1C}">
+                <a14:useLocalDpi xmlns:a14="http://schemas.microsoft.com/office/drawing/2010/main" val="0"/>
+              </a:ext>
+            </a:extLst>
+          </a:blip>
+          <a:srcRect/>
+          <a:stretch>
+            <a:fillRect/>
+          </a:stretch>
+        </p:blipFill>
+        <p:spPr bwMode="auto">
+          <a:xfrm>
+            <a:off x="3349983" y="3313940"/>
+            <a:ext cx="5562548" cy="2606040"/>
+          </a:xfrm>
+          <a:prstGeom prst="rect">
+            <a:avLst/>
+          </a:prstGeom>
+          <a:noFill/>
+          <a:extLst>
+            <a:ext uri="{909E8E84-426E-40DD-AFC4-6F175D3DCCD1}">
+              <a14:hiddenFill xmlns:a14="http://schemas.microsoft.com/office/drawing/2010/main">
+                <a:solidFill>
+                  <a:srgbClr val="FFFFFF"/>
+                </a:solidFill>
+              </a14:hiddenFill>
+            </a:ext>
+          </a:extLst>
+        </p:spPr>
+      </p:pic>
+    </p:spTree>
+    <p:extLst>
+      <p:ext uri="{BB962C8B-B14F-4D97-AF65-F5344CB8AC3E}">
+        <p14:creationId xmlns:p14="http://schemas.microsoft.com/office/powerpoint/2010/main" val="1635904338"/>
+      </p:ext>
+    </p:extLst>
+  </p:cSld>
+  <p:clrMapOvr>
+    <a:masterClrMapping/>
+  </p:clrMapOvr>
+</p:sld>
+</file>
+
+<file path=ppt/slides/slide30.xml><?xml version="1.0" encoding="utf-8"?>
 <p:sld xmlns:a="http://schemas.openxmlformats.org/drawingml/2006/main" xmlns:r="http://schemas.openxmlformats.org/officeDocument/2006/relationships" xmlns:p="http://schemas.openxmlformats.org/presentationml/2006/main">
   <p:cSld>
     <p:spTree>
@@ -13635,7 +14786,7 @@
 </p:sld>
 </file>
 
-<file path=ppt/slides/slide27.xml><?xml version="1.0" encoding="utf-8"?>
+<file path=ppt/slides/slide31.xml><?xml version="1.0" encoding="utf-8"?>
 <p:sld xmlns:a="http://schemas.openxmlformats.org/drawingml/2006/main" xmlns:r="http://schemas.openxmlformats.org/officeDocument/2006/relationships" xmlns:p="http://schemas.openxmlformats.org/presentationml/2006/main">
   <p:cSld>
     <p:spTree>
@@ -13819,7 +14970,7 @@
 </p:sld>
 </file>
 
-<file path=ppt/slides/slide28.xml><?xml version="1.0" encoding="utf-8"?>
+<file path=ppt/slides/slide32.xml><?xml version="1.0" encoding="utf-8"?>
 <p:sld xmlns:a="http://schemas.openxmlformats.org/drawingml/2006/main" xmlns:r="http://schemas.openxmlformats.org/officeDocument/2006/relationships" xmlns:p="http://schemas.openxmlformats.org/presentationml/2006/main">
   <p:cSld>
     <p:spTree>
@@ -13924,7 +15075,7 @@
 </p:sld>
 </file>
 
-<file path=ppt/slides/slide29.xml><?xml version="1.0" encoding="utf-8"?>
+<file path=ppt/slides/slide33.xml><?xml version="1.0" encoding="utf-8"?>
 <p:sld xmlns:a="http://schemas.openxmlformats.org/drawingml/2006/main" xmlns:r="http://schemas.openxmlformats.org/officeDocument/2006/relationships" xmlns:p="http://schemas.openxmlformats.org/presentationml/2006/main">
   <p:cSld>
     <p:spTree>
@@ -14155,397 +15306,6 @@
     <p:extLst>
       <p:ext uri="{BB962C8B-B14F-4D97-AF65-F5344CB8AC3E}">
         <p14:creationId xmlns:p14="http://schemas.microsoft.com/office/powerpoint/2010/main" val="1557465196"/>
-      </p:ext>
-    </p:extLst>
-  </p:cSld>
-  <p:clrMapOvr>
-    <a:masterClrMapping/>
-  </p:clrMapOvr>
-</p:sld>
-</file>
-
-<file path=ppt/slides/slide3.xml><?xml version="1.0" encoding="utf-8"?>
-<p:sld xmlns:a="http://schemas.openxmlformats.org/drawingml/2006/main" xmlns:r="http://schemas.openxmlformats.org/officeDocument/2006/relationships" xmlns:p="http://schemas.openxmlformats.org/presentationml/2006/main">
-  <p:cSld>
-    <p:spTree>
-      <p:nvGrpSpPr>
-        <p:cNvPr id="1" name=""/>
-        <p:cNvGrpSpPr/>
-        <p:nvPr/>
-      </p:nvGrpSpPr>
-      <p:grpSpPr>
-        <a:xfrm>
-          <a:off x="0" y="0"/>
-          <a:ext cx="0" cy="0"/>
-          <a:chOff x="0" y="0"/>
-          <a:chExt cx="0" cy="0"/>
-        </a:xfrm>
-      </p:grpSpPr>
-      <p:sp>
-        <p:nvSpPr>
-          <p:cNvPr id="2" name="Content Placeholder 1">
-            <a:extLst>
-              <a:ext uri="{FF2B5EF4-FFF2-40B4-BE49-F238E27FC236}">
-                <a16:creationId xmlns:a16="http://schemas.microsoft.com/office/drawing/2014/main" id="{24CD15BF-27B0-D6C0-6441-91C73B58C588}"/>
-              </a:ext>
-            </a:extLst>
-          </p:cNvPr>
-          <p:cNvSpPr>
-            <a:spLocks noGrp="1"/>
-          </p:cNvSpPr>
-          <p:nvPr>
-            <p:ph idx="1"/>
-          </p:nvPr>
-        </p:nvSpPr>
-        <p:spPr>
-          <a:xfrm>
-            <a:off x="322909" y="1013017"/>
-            <a:ext cx="8229600" cy="4906963"/>
-          </a:xfrm>
-        </p:spPr>
-        <p:txBody>
-          <a:bodyPr>
-            <a:normAutofit/>
-          </a:bodyPr>
-          <a:lstStyle/>
-          <a:p>
-            <a:r>
-              <a:rPr lang="en-US" sz="2000" b="1" dirty="0"/>
-              <a:t>What is Service-Oriented Architecture</a:t>
-            </a:r>
-          </a:p>
-          <a:p>
-            <a:pPr marL="0" indent="0">
-              <a:buNone/>
-            </a:pPr>
-            <a:endParaRPr lang="en-US" sz="2000" b="1" dirty="0"/>
-          </a:p>
-          <a:p>
-            <a:pPr lvl="1">
-              <a:buFont typeface="Wingdings" panose="05000000000000000000" pitchFamily="2" charset="2"/>
-              <a:buChar char="q"/>
-            </a:pPr>
-            <a:r>
-              <a:rPr lang="en-US" b="1" dirty="0">
-                <a:solidFill>
-                  <a:srgbClr val="333333"/>
-                </a:solidFill>
-                <a:latin typeface="AmazonEmber"/>
-              </a:rPr>
-              <a:t>What is SOA:</a:t>
-            </a:r>
-            <a:r>
-              <a:rPr lang="en-US" dirty="0">
-                <a:solidFill>
-                  <a:srgbClr val="333333"/>
-                </a:solidFill>
-                <a:latin typeface="AmazonEmber"/>
-              </a:rPr>
-              <a:t> </a:t>
-            </a:r>
-            <a:r>
-              <a:rPr lang="en-US" b="0" i="0" dirty="0">
-                <a:solidFill>
-                  <a:srgbClr val="333333"/>
-                </a:solidFill>
-                <a:effectLst/>
-                <a:latin typeface="AmazonEmber"/>
-              </a:rPr>
-              <a:t>Service-oriented architecture (SOA) is a method of software development that uses software components called services to create business applications. </a:t>
-            </a:r>
-          </a:p>
-          <a:p>
-            <a:pPr marL="342891" lvl="1" indent="0">
-              <a:buNone/>
-            </a:pPr>
-            <a:endParaRPr lang="en-US" b="0" i="0" dirty="0">
-              <a:solidFill>
-                <a:srgbClr val="333333"/>
-              </a:solidFill>
-              <a:effectLst/>
-              <a:latin typeface="AmazonEmber"/>
-            </a:endParaRPr>
-          </a:p>
-          <a:p>
-            <a:pPr lvl="1">
-              <a:buFont typeface="Wingdings" panose="05000000000000000000" pitchFamily="2" charset="2"/>
-              <a:buChar char="q"/>
-            </a:pPr>
-            <a:r>
-              <a:rPr lang="en-US" dirty="0">
-                <a:solidFill>
-                  <a:srgbClr val="333333"/>
-                </a:solidFill>
-                <a:latin typeface="AmazonEmber"/>
-              </a:rPr>
-              <a:t>Benefits</a:t>
-            </a:r>
-            <a:endParaRPr lang="en-US" b="0" i="0" dirty="0">
-              <a:solidFill>
-                <a:srgbClr val="333333"/>
-              </a:solidFill>
-              <a:effectLst/>
-              <a:latin typeface="AmazonEmber"/>
-            </a:endParaRPr>
-          </a:p>
-          <a:p>
-            <a:pPr lvl="2"/>
-            <a:r>
-              <a:rPr lang="en-US" b="1" i="0" dirty="0">
-                <a:solidFill>
-                  <a:srgbClr val="333333"/>
-                </a:solidFill>
-                <a:effectLst/>
-                <a:latin typeface="AmazonEmber"/>
-              </a:rPr>
-              <a:t>Faster time to market</a:t>
-            </a:r>
-          </a:p>
-          <a:p>
-            <a:pPr lvl="2"/>
-            <a:r>
-              <a:rPr lang="en-US" b="1" i="0" dirty="0">
-                <a:solidFill>
-                  <a:srgbClr val="333333"/>
-                </a:solidFill>
-                <a:effectLst/>
-                <a:latin typeface="AmazonEmber"/>
-              </a:rPr>
-              <a:t>Efficient maintenance</a:t>
-            </a:r>
-          </a:p>
-          <a:p>
-            <a:pPr lvl="2"/>
-            <a:r>
-              <a:rPr lang="en-US" b="1" i="0" dirty="0">
-                <a:solidFill>
-                  <a:srgbClr val="333333"/>
-                </a:solidFill>
-                <a:effectLst/>
-                <a:latin typeface="AmazonEmber"/>
-              </a:rPr>
-              <a:t>Greater adaptability</a:t>
-            </a:r>
-          </a:p>
-          <a:p>
-            <a:pPr marL="685782" lvl="2" indent="0">
-              <a:buNone/>
-            </a:pPr>
-            <a:endParaRPr lang="en-US" b="1" i="0" dirty="0">
-              <a:solidFill>
-                <a:srgbClr val="333333"/>
-              </a:solidFill>
-              <a:effectLst/>
-              <a:latin typeface="AmazonEmber"/>
-            </a:endParaRPr>
-          </a:p>
-          <a:p>
-            <a:pPr marL="573088" lvl="2" indent="-231775">
-              <a:buFont typeface="Wingdings" panose="05000000000000000000" pitchFamily="2" charset="2"/>
-              <a:buChar char="q"/>
-            </a:pPr>
-            <a:r>
-              <a:rPr lang="en-US" dirty="0">
-                <a:solidFill>
-                  <a:srgbClr val="333333"/>
-                </a:solidFill>
-                <a:latin typeface="AmazonEmber"/>
-              </a:rPr>
-              <a:t>Limitation</a:t>
-            </a:r>
-            <a:r>
-              <a:rPr lang="en-US" b="1" i="0" dirty="0">
-                <a:solidFill>
-                  <a:srgbClr val="333333"/>
-                </a:solidFill>
-                <a:effectLst/>
-                <a:latin typeface="AmazonEmber"/>
-              </a:rPr>
-              <a:t> </a:t>
-            </a:r>
-          </a:p>
-          <a:p>
-            <a:pPr marL="915980" lvl="3" indent="-285750">
-              <a:buFont typeface="Arial" panose="020B0604020202020204" pitchFamily="34" charset="0"/>
-              <a:buChar char="•"/>
-            </a:pPr>
-            <a:r>
-              <a:rPr lang="en-US" b="1" dirty="0">
-                <a:solidFill>
-                  <a:srgbClr val="333333"/>
-                </a:solidFill>
-                <a:latin typeface="AmazonEmber"/>
-              </a:rPr>
-              <a:t>Limited scalability</a:t>
-            </a:r>
-          </a:p>
-          <a:p>
-            <a:pPr marL="915980" lvl="3" indent="-285750">
-              <a:buFont typeface="Arial" panose="020B0604020202020204" pitchFamily="34" charset="0"/>
-              <a:buChar char="•"/>
-            </a:pPr>
-            <a:r>
-              <a:rPr lang="en-US" b="1" dirty="0">
-                <a:solidFill>
-                  <a:srgbClr val="333333"/>
-                </a:solidFill>
-                <a:latin typeface="AmazonEmber"/>
-              </a:rPr>
-              <a:t>Increasing interdependencies</a:t>
-            </a:r>
-          </a:p>
-          <a:p>
-            <a:pPr marL="915980" lvl="3" indent="-285750">
-              <a:buFont typeface="Arial" panose="020B0604020202020204" pitchFamily="34" charset="0"/>
-              <a:buChar char="•"/>
-            </a:pPr>
-            <a:r>
-              <a:rPr lang="en-US" b="1" dirty="0">
-                <a:solidFill>
-                  <a:srgbClr val="333333"/>
-                </a:solidFill>
-                <a:latin typeface="AmazonEmber"/>
-              </a:rPr>
-              <a:t>Single point of failure</a:t>
-            </a:r>
-          </a:p>
-          <a:p>
-            <a:pPr marL="428614" lvl="2" indent="0">
-              <a:spcBef>
-                <a:spcPts val="0"/>
-              </a:spcBef>
-              <a:buNone/>
-            </a:pPr>
-            <a:endParaRPr lang="en-US" b="1" dirty="0">
-              <a:solidFill>
-                <a:srgbClr val="333333"/>
-              </a:solidFill>
-              <a:latin typeface="AmazonEmber"/>
-            </a:endParaRPr>
-          </a:p>
-          <a:p>
-            <a:pPr marL="428614" lvl="2" indent="0">
-              <a:spcBef>
-                <a:spcPts val="0"/>
-              </a:spcBef>
-              <a:buNone/>
-            </a:pPr>
-            <a:endParaRPr lang="en-US" b="1" dirty="0">
-              <a:solidFill>
-                <a:srgbClr val="333333"/>
-              </a:solidFill>
-              <a:latin typeface="AmazonEmber"/>
-            </a:endParaRPr>
-          </a:p>
-          <a:p>
-            <a:pPr marL="428614" lvl="2" indent="0">
-              <a:spcBef>
-                <a:spcPts val="0"/>
-              </a:spcBef>
-              <a:buNone/>
-            </a:pPr>
-            <a:endParaRPr lang="en-US" b="1" dirty="0">
-              <a:solidFill>
-                <a:srgbClr val="333333"/>
-              </a:solidFill>
-              <a:latin typeface="AmazonEmber"/>
-            </a:endParaRPr>
-          </a:p>
-        </p:txBody>
-      </p:sp>
-      <p:sp>
-        <p:nvSpPr>
-          <p:cNvPr id="3" name="Title 2">
-            <a:extLst>
-              <a:ext uri="{FF2B5EF4-FFF2-40B4-BE49-F238E27FC236}">
-                <a16:creationId xmlns:a16="http://schemas.microsoft.com/office/drawing/2014/main" id="{5949415C-882D-4139-A02D-E250A1AEB9CA}"/>
-              </a:ext>
-            </a:extLst>
-          </p:cNvPr>
-          <p:cNvSpPr>
-            <a:spLocks noGrp="1"/>
-          </p:cNvSpPr>
-          <p:nvPr>
-            <p:ph type="title"/>
-          </p:nvPr>
-        </p:nvSpPr>
-        <p:spPr/>
-        <p:txBody>
-          <a:bodyPr/>
-          <a:lstStyle/>
-          <a:p>
-            <a:r>
-              <a:rPr lang="en-US" dirty="0" err="1"/>
-              <a:t>Intoduction</a:t>
-            </a:r>
-            <a:r>
-              <a:rPr lang="en-US" dirty="0"/>
-              <a:t> to SOA</a:t>
-            </a:r>
-          </a:p>
-        </p:txBody>
-      </p:sp>
-      <p:pic>
-        <p:nvPicPr>
-          <p:cNvPr id="1030" name="Picture 6" descr="Illustration showing Service-Oriented architecture. It shows various SOA building blocks being assembled into a composite application.">
-            <a:extLst>
-              <a:ext uri="{FF2B5EF4-FFF2-40B4-BE49-F238E27FC236}">
-                <a16:creationId xmlns:a16="http://schemas.microsoft.com/office/drawing/2014/main" id="{4CBF0C57-D4F4-D86B-6421-A82E7FDE5093}"/>
-              </a:ext>
-            </a:extLst>
-          </p:cNvPr>
-          <p:cNvPicPr>
-            <a:picLocks noChangeAspect="1" noChangeArrowheads="1"/>
-          </p:cNvPicPr>
-          <p:nvPr/>
-        </p:nvPicPr>
-        <p:blipFill>
-          <a:blip r:embed="rId2">
-            <a:clrChange>
-              <a:clrFrom>
-                <a:srgbClr val="FFFFFF"/>
-              </a:clrFrom>
-              <a:clrTo>
-                <a:srgbClr val="FFFFFF">
-                  <a:alpha val="0"/>
-                </a:srgbClr>
-              </a:clrTo>
-            </a:clrChange>
-            <a:extLst>
-              <a:ext uri="{28A0092B-C50C-407E-A947-70E740481C1C}">
-                <a14:useLocalDpi xmlns:a14="http://schemas.microsoft.com/office/drawing/2010/main" val="0"/>
-              </a:ext>
-            </a:extLst>
-          </a:blip>
-          <a:srcRect/>
-          <a:stretch>
-            <a:fillRect/>
-          </a:stretch>
-        </p:blipFill>
-        <p:spPr bwMode="auto">
-          <a:xfrm>
-            <a:off x="3349983" y="3313940"/>
-            <a:ext cx="5562548" cy="2606040"/>
-          </a:xfrm>
-          <a:prstGeom prst="rect">
-            <a:avLst/>
-          </a:prstGeom>
-          <a:noFill/>
-          <a:extLst>
-            <a:ext uri="{909E8E84-426E-40DD-AFC4-6F175D3DCCD1}">
-              <a14:hiddenFill xmlns:a14="http://schemas.microsoft.com/office/drawing/2010/main">
-                <a:solidFill>
-                  <a:srgbClr val="FFFFFF"/>
-                </a:solidFill>
-              </a14:hiddenFill>
-            </a:ext>
-          </a:extLst>
-        </p:spPr>
-      </p:pic>
-    </p:spTree>
-    <p:extLst>
-      <p:ext uri="{BB962C8B-B14F-4D97-AF65-F5344CB8AC3E}">
-        <p14:creationId xmlns:p14="http://schemas.microsoft.com/office/powerpoint/2010/main" val="1635904338"/>
       </p:ext>
     </p:extLst>
   </p:cSld>

--- a/Presentation/soaTrainingPresentation.pptx
+++ b/Presentation/soaTrainingPresentation.pptx
@@ -32,12 +32,18 @@
     <p:sldId id="304" r:id="rId26"/>
     <p:sldId id="302" r:id="rId27"/>
     <p:sldId id="303" r:id="rId28"/>
-    <p:sldId id="259" r:id="rId29"/>
-    <p:sldId id="276" r:id="rId30"/>
-    <p:sldId id="277" r:id="rId31"/>
-    <p:sldId id="261" r:id="rId32"/>
-    <p:sldId id="268" r:id="rId33"/>
-    <p:sldId id="272" r:id="rId34"/>
+    <p:sldId id="306" r:id="rId29"/>
+    <p:sldId id="307" r:id="rId30"/>
+    <p:sldId id="308" r:id="rId31"/>
+    <p:sldId id="309" r:id="rId32"/>
+    <p:sldId id="310" r:id="rId33"/>
+    <p:sldId id="311" r:id="rId34"/>
+    <p:sldId id="259" r:id="rId35"/>
+    <p:sldId id="276" r:id="rId36"/>
+    <p:sldId id="277" r:id="rId37"/>
+    <p:sldId id="261" r:id="rId38"/>
+    <p:sldId id="268" r:id="rId39"/>
+    <p:sldId id="272" r:id="rId40"/>
   </p:sldIdLst>
   <p:sldSz cx="9144000" cy="6858000" type="screen4x3"/>
   <p:notesSz cx="6858000" cy="9144000"/>
@@ -168,6 +174,12 @@
             <p14:sldId id="304"/>
             <p14:sldId id="302"/>
             <p14:sldId id="303"/>
+            <p14:sldId id="306"/>
+            <p14:sldId id="307"/>
+            <p14:sldId id="308"/>
+            <p14:sldId id="309"/>
+            <p14:sldId id="310"/>
+            <p14:sldId id="311"/>
           </p14:sldIdLst>
         </p14:section>
         <p14:section name="Architecture" id="{2E54B0A4-7D42-4DA8-B359-3DA8DE410F7E}">
@@ -8134,7 +8146,9 @@
         </p:nvSpPr>
         <p:spPr/>
         <p:txBody>
-          <a:bodyPr/>
+          <a:bodyPr>
+            <a:normAutofit fontScale="92500" lnSpcReduction="20000"/>
+          </a:bodyPr>
           <a:lstStyle/>
           <a:p>
             <a:pPr>
@@ -8506,6 +8520,72 @@
             </a:endParaRPr>
           </a:p>
           <a:p>
+            <a:pPr marL="968367" lvl="4" indent="-285750">
+              <a:lnSpc>
+                <a:spcPct val="150000"/>
+              </a:lnSpc>
+              <a:buFont typeface="Arial" panose="020B0604020202020204" pitchFamily="34" charset="0"/>
+              <a:buChar char="•"/>
+            </a:pPr>
+            <a:r>
+              <a:rPr lang="en-US" dirty="0" err="1">
+                <a:solidFill>
+                  <a:schemeClr val="accent3">
+                    <a:lumMod val="75000"/>
+                  </a:schemeClr>
+                </a:solidFill>
+              </a:rPr>
+              <a:t>Nohup</a:t>
+            </a:r>
+            <a:r>
+              <a:rPr lang="en-US" dirty="0">
+                <a:solidFill>
+                  <a:schemeClr val="accent3">
+                    <a:lumMod val="75000"/>
+                  </a:schemeClr>
+                </a:solidFill>
+              </a:rPr>
+              <a:t> ./</a:t>
+            </a:r>
+            <a:r>
+              <a:rPr lang="en-US" dirty="0" err="1">
+                <a:solidFill>
+                  <a:schemeClr val="accent3">
+                    <a:lumMod val="75000"/>
+                  </a:schemeClr>
+                </a:solidFill>
+              </a:rPr>
+              <a:t>startWeblogic.sh</a:t>
+            </a:r>
+            <a:r>
+              <a:rPr lang="en-US" dirty="0">
+                <a:solidFill>
+                  <a:schemeClr val="accent3">
+                    <a:lumMod val="75000"/>
+                  </a:schemeClr>
+                </a:solidFill>
+              </a:rPr>
+              <a:t> &gt; ./</a:t>
+            </a:r>
+            <a:r>
+              <a:rPr lang="en-US" dirty="0" err="1">
+                <a:solidFill>
+                  <a:schemeClr val="accent3">
+                    <a:lumMod val="75000"/>
+                  </a:schemeClr>
+                </a:solidFill>
+              </a:rPr>
+              <a:t>startWeblogic.log</a:t>
+            </a:r>
+            <a:endParaRPr lang="en-US" dirty="0">
+              <a:solidFill>
+                <a:schemeClr val="accent3">
+                  <a:lumMod val="75000"/>
+                </a:schemeClr>
+              </a:solidFill>
+            </a:endParaRPr>
+          </a:p>
+          <a:p>
             <a:pPr marL="625475" lvl="3" indent="-285750">
               <a:lnSpc>
                 <a:spcPct val="150000"/>
@@ -8525,6 +8605,45 @@
             </a:r>
           </a:p>
           <a:p>
+            <a:pPr marL="968367" lvl="4" indent="-285750">
+              <a:lnSpc>
+                <a:spcPct val="150000"/>
+              </a:lnSpc>
+              <a:buFont typeface="Arial" panose="020B0604020202020204" pitchFamily="34" charset="0"/>
+              <a:buChar char="•"/>
+            </a:pPr>
+            <a:r>
+              <a:rPr lang="en-US" dirty="0">
+                <a:solidFill>
+                  <a:schemeClr val="accent3">
+                    <a:lumMod val="75000"/>
+                  </a:schemeClr>
+                </a:solidFill>
+              </a:rPr>
+              <a:t>$ $DOMAIN_HOME\bin\</a:t>
+            </a:r>
+            <a:r>
+              <a:rPr lang="en-US" dirty="0" err="1">
+                <a:solidFill>
+                  <a:schemeClr val="accent3">
+                    <a:lumMod val="75000"/>
+                  </a:schemeClr>
+                </a:solidFill>
+              </a:rPr>
+              <a:t>startNodeManager.sh</a:t>
+            </a:r>
+            <a:r>
+              <a:rPr lang="en-US" dirty="0">
+                <a:solidFill>
+                  <a:schemeClr val="accent3">
+                    <a:lumMod val="75000"/>
+                  </a:schemeClr>
+                </a:solidFill>
+              </a:rPr>
+              <a:t> </a:t>
+            </a:r>
+          </a:p>
+          <a:p>
             <a:pPr marL="625475" lvl="3" indent="-285750">
               <a:lnSpc>
                 <a:spcPct val="150000"/>
@@ -8579,8 +8698,96 @@
                   </a:schemeClr>
                 </a:solidFill>
               </a:rPr>
+              <a:t>$ $DOMAIN_HOME/bin/</a:t>
+            </a:r>
+            <a:r>
+              <a:rPr lang="en-US" dirty="0" err="1">
+                <a:solidFill>
+                  <a:schemeClr val="accent3">
+                    <a:lumMod val="75000"/>
+                  </a:schemeClr>
+                </a:solidFill>
+              </a:rPr>
+              <a:t>stopWebLogic.sh</a:t>
+            </a:r>
+            <a:endParaRPr lang="en-US" dirty="0">
+              <a:solidFill>
+                <a:schemeClr val="accent3">
+                  <a:lumMod val="75000"/>
+                </a:schemeClr>
+              </a:solidFill>
+            </a:endParaRPr>
+          </a:p>
+          <a:p>
+            <a:pPr marL="625475" lvl="3" indent="-285750">
+              <a:lnSpc>
+                <a:spcPct val="150000"/>
+              </a:lnSpc>
+              <a:buFont typeface="Arial" panose="020B0604020202020204" pitchFamily="34" charset="0"/>
+              <a:buChar char="•"/>
+            </a:pPr>
+            <a:r>
+              <a:rPr lang="en-US" dirty="0">
+                <a:solidFill>
+                  <a:schemeClr val="accent3">
+                    <a:lumMod val="75000"/>
+                  </a:schemeClr>
+                </a:solidFill>
+              </a:rPr>
               <a:t>Stopping Node Managers</a:t>
             </a:r>
+          </a:p>
+          <a:p>
+            <a:pPr marL="625475" lvl="3" indent="-285750">
+              <a:lnSpc>
+                <a:spcPct val="150000"/>
+              </a:lnSpc>
+              <a:buFont typeface="Arial" panose="020B0604020202020204" pitchFamily="34" charset="0"/>
+              <a:buChar char="•"/>
+            </a:pPr>
+            <a:r>
+              <a:rPr lang="en-US" dirty="0">
+                <a:solidFill>
+                  <a:schemeClr val="accent3">
+                    <a:lumMod val="75000"/>
+                  </a:schemeClr>
+                </a:solidFill>
+              </a:rPr>
+              <a:t>$ $DOMAIN_HOME/bin/</a:t>
+            </a:r>
+            <a:r>
+              <a:rPr lang="en-US" dirty="0" err="1">
+                <a:solidFill>
+                  <a:schemeClr val="accent3">
+                    <a:lumMod val="75000"/>
+                  </a:schemeClr>
+                </a:solidFill>
+              </a:rPr>
+              <a:t>stopNodemanager.sh</a:t>
+            </a:r>
+            <a:endParaRPr lang="en-US" dirty="0">
+              <a:solidFill>
+                <a:schemeClr val="accent3">
+                  <a:lumMod val="75000"/>
+                </a:schemeClr>
+              </a:solidFill>
+            </a:endParaRPr>
+          </a:p>
+          <a:p>
+            <a:pPr marL="625475" lvl="3" indent="-285750">
+              <a:lnSpc>
+                <a:spcPct val="150000"/>
+              </a:lnSpc>
+              <a:buFont typeface="Arial" panose="020B0604020202020204" pitchFamily="34" charset="0"/>
+              <a:buChar char="•"/>
+            </a:pPr>
+            <a:endParaRPr lang="en-US" dirty="0">
+              <a:solidFill>
+                <a:schemeClr val="accent3">
+                  <a:lumMod val="75000"/>
+                </a:schemeClr>
+              </a:solidFill>
+            </a:endParaRPr>
           </a:p>
           <a:p>
             <a:pPr lvl="3"/>
@@ -9442,6 +9649,75 @@
               <a:t>Application : Within JDeveloper, an application is the main container for our work. It consists of a directory where all our application projects will be created.</a:t>
             </a:r>
           </a:p>
+          <a:p>
+            <a:pPr lvl="1"/>
+            <a:endParaRPr lang="en-US" dirty="0"/>
+          </a:p>
+          <a:p>
+            <a:pPr lvl="1"/>
+            <a:r>
+              <a:rPr lang="en-US" dirty="0"/>
+              <a:t>In </a:t>
+            </a:r>
+            <a:r>
+              <a:rPr lang="en-US" dirty="0" err="1"/>
+              <a:t>Jdeveloper</a:t>
+            </a:r>
+            <a:r>
+              <a:rPr lang="en-US" dirty="0"/>
+              <a:t>:</a:t>
+            </a:r>
+          </a:p>
+          <a:p>
+            <a:pPr lvl="2"/>
+            <a:r>
+              <a:rPr lang="en-US" dirty="0"/>
+              <a:t>1 – Adding Application Server (optional)</a:t>
+            </a:r>
+          </a:p>
+          <a:p>
+            <a:pPr lvl="3"/>
+            <a:r>
+              <a:rPr lang="en-US" dirty="0"/>
+              <a:t>We can deploy application directly into added server </a:t>
+            </a:r>
+          </a:p>
+          <a:p>
+            <a:pPr lvl="3"/>
+            <a:r>
+              <a:rPr lang="en-US" dirty="0"/>
+              <a:t>We can make package and transfer it to application server</a:t>
+            </a:r>
+          </a:p>
+          <a:p>
+            <a:pPr lvl="3"/>
+            <a:endParaRPr lang="en-US" dirty="0"/>
+          </a:p>
+          <a:p>
+            <a:pPr lvl="3"/>
+            <a:r>
+              <a:rPr lang="en-US" dirty="0"/>
+              <a:t>Create an application </a:t>
+            </a:r>
+          </a:p>
+          <a:p>
+            <a:pPr lvl="3"/>
+            <a:r>
+              <a:rPr lang="en-US" dirty="0"/>
+              <a:t>Create a Project </a:t>
+            </a:r>
+          </a:p>
+          <a:p>
+            <a:pPr lvl="3"/>
+            <a:r>
+              <a:rPr lang="en-US" dirty="0"/>
+              <a:t>Use components to create a composite</a:t>
+            </a:r>
+          </a:p>
+          <a:p>
+            <a:pPr lvl="3"/>
+            <a:endParaRPr lang="en-US" dirty="0"/>
+          </a:p>
         </p:txBody>
       </p:sp>
       <p:sp>
@@ -9465,7 +9741,36 @@
           <a:bodyPr/>
           <a:lstStyle/>
           <a:p>
-            <a:endParaRPr lang="en-US"/>
+            <a:r>
+              <a:rPr lang="en-US" b="1" dirty="0">
+                <a:solidFill>
+                  <a:srgbClr val="FFC000"/>
+                </a:solidFill>
+                <a:latin typeface="Segoe UI Semilight" panose="020B0402040204020203" pitchFamily="34" charset="0"/>
+                <a:cs typeface="Segoe UI Semilight" panose="020B0402040204020203" pitchFamily="34" charset="0"/>
+              </a:rPr>
+              <a:t>B</a:t>
+            </a:r>
+            <a:r>
+              <a:rPr lang="en-US" dirty="0"/>
+              <a:t>usiness</a:t>
+            </a:r>
+            <a:r>
+              <a:rPr lang="en-US" b="1" dirty="0">
+                <a:solidFill>
+                  <a:schemeClr val="tx2">
+                    <a:lumMod val="50000"/>
+                  </a:schemeClr>
+                </a:solidFill>
+                <a:latin typeface="Segoe UI Semilight" panose="020B0402040204020203" pitchFamily="34" charset="0"/>
+                <a:cs typeface="Segoe UI Semilight" panose="020B0402040204020203" pitchFamily="34" charset="0"/>
+              </a:rPr>
+              <a:t> </a:t>
+            </a:r>
+            <a:r>
+              <a:rPr lang="en-US" dirty="0"/>
+              <a:t>Process Execution Language(BPEL)</a:t>
+            </a:r>
           </a:p>
         </p:txBody>
       </p:sp>
@@ -9483,6 +9788,2222 @@
 </file>
 
 <file path=ppt/slides/slide28.xml><?xml version="1.0" encoding="utf-8"?>
+<p:sld xmlns:a="http://schemas.openxmlformats.org/drawingml/2006/main" xmlns:r="http://schemas.openxmlformats.org/officeDocument/2006/relationships" xmlns:p="http://schemas.openxmlformats.org/presentationml/2006/main">
+  <p:cSld>
+    <p:spTree>
+      <p:nvGrpSpPr>
+        <p:cNvPr id="1" name=""/>
+        <p:cNvGrpSpPr/>
+        <p:nvPr/>
+      </p:nvGrpSpPr>
+      <p:grpSpPr>
+        <a:xfrm>
+          <a:off x="0" y="0"/>
+          <a:ext cx="0" cy="0"/>
+          <a:chOff x="0" y="0"/>
+          <a:chExt cx="0" cy="0"/>
+        </a:xfrm>
+      </p:grpSpPr>
+      <p:sp>
+        <p:nvSpPr>
+          <p:cNvPr id="2" name="Content Placeholder 1">
+            <a:extLst>
+              <a:ext uri="{FF2B5EF4-FFF2-40B4-BE49-F238E27FC236}">
+                <a16:creationId xmlns:a16="http://schemas.microsoft.com/office/drawing/2014/main" id="{2D4F82AC-B322-A54A-061D-821B0926BA05}"/>
+              </a:ext>
+            </a:extLst>
+          </p:cNvPr>
+          <p:cNvSpPr>
+            <a:spLocks noGrp="1"/>
+          </p:cNvSpPr>
+          <p:nvPr>
+            <p:ph idx="1"/>
+          </p:nvPr>
+        </p:nvSpPr>
+        <p:spPr/>
+        <p:txBody>
+          <a:bodyPr/>
+          <a:lstStyle/>
+          <a:p>
+            <a:r>
+              <a:rPr lang="en-US" dirty="0"/>
+              <a:t>Adapters:</a:t>
+            </a:r>
+          </a:p>
+          <a:p>
+            <a:pPr lvl="1">
+              <a:spcAft>
+                <a:spcPts val="1200"/>
+              </a:spcAft>
+            </a:pPr>
+            <a:r>
+              <a:rPr lang="en-US" dirty="0">
+                <a:solidFill>
+                  <a:schemeClr val="tx2">
+                    <a:lumMod val="75000"/>
+                  </a:schemeClr>
+                </a:solidFill>
+              </a:rPr>
+              <a:t>The Oracle Technology Adapters are stand-alone applications, deployed in the J2CA container of WebLogic as a type of application called Resource Application.</a:t>
+            </a:r>
+          </a:p>
+          <a:p>
+            <a:pPr lvl="1">
+              <a:spcAft>
+                <a:spcPts val="1200"/>
+              </a:spcAft>
+            </a:pPr>
+            <a:r>
+              <a:rPr lang="en-US" dirty="0">
+                <a:solidFill>
+                  <a:schemeClr val="tx2">
+                    <a:lumMod val="75000"/>
+                  </a:schemeClr>
+                </a:solidFill>
+              </a:rPr>
+              <a:t>This standard describes a number of aspects of connecting to enterprise systems</a:t>
+            </a:r>
+          </a:p>
+          <a:p>
+            <a:pPr lvl="1">
+              <a:spcAft>
+                <a:spcPts val="1200"/>
+              </a:spcAft>
+            </a:pPr>
+            <a:r>
+              <a:rPr lang="en-US" dirty="0">
+                <a:solidFill>
+                  <a:schemeClr val="tx2">
+                    <a:lumMod val="75000"/>
+                  </a:schemeClr>
+                </a:solidFill>
+              </a:rPr>
+              <a:t>Connection and transaction management, security, and lifecycle management and handling of events and incoming messages from the enterprise system.</a:t>
+            </a:r>
+          </a:p>
+          <a:p>
+            <a:pPr lvl="1"/>
+            <a:r>
+              <a:rPr lang="en-US" dirty="0">
+                <a:solidFill>
+                  <a:schemeClr val="tx2">
+                    <a:lumMod val="75000"/>
+                  </a:schemeClr>
+                </a:solidFill>
+              </a:rPr>
+              <a:t>Some of Adapters:</a:t>
+            </a:r>
+          </a:p>
+          <a:p>
+            <a:pPr lvl="2"/>
+            <a:r>
+              <a:rPr lang="en-US" dirty="0">
+                <a:solidFill>
+                  <a:schemeClr val="tx2">
+                    <a:lumMod val="75000"/>
+                  </a:schemeClr>
+                </a:solidFill>
+              </a:rPr>
+              <a:t>Database</a:t>
+            </a:r>
+          </a:p>
+          <a:p>
+            <a:pPr lvl="2"/>
+            <a:r>
+              <a:rPr lang="en-US" dirty="0">
+                <a:solidFill>
+                  <a:schemeClr val="tx2">
+                    <a:lumMod val="75000"/>
+                  </a:schemeClr>
+                </a:solidFill>
+              </a:rPr>
+              <a:t>JMS (Java Messaging System)</a:t>
+            </a:r>
+          </a:p>
+          <a:p>
+            <a:pPr lvl="2"/>
+            <a:r>
+              <a:rPr lang="en-US" dirty="0">
+                <a:solidFill>
+                  <a:schemeClr val="tx2">
+                    <a:lumMod val="75000"/>
+                  </a:schemeClr>
+                </a:solidFill>
+              </a:rPr>
+              <a:t>File and FTP (File Transfer Protocol)</a:t>
+            </a:r>
+          </a:p>
+          <a:p>
+            <a:pPr lvl="2"/>
+            <a:r>
+              <a:rPr lang="en-US" dirty="0">
+                <a:solidFill>
+                  <a:schemeClr val="tx2">
+                    <a:lumMod val="75000"/>
+                  </a:schemeClr>
+                </a:solidFill>
+              </a:rPr>
+              <a:t>Advanced Queuing (AQ)</a:t>
+            </a:r>
+          </a:p>
+          <a:p>
+            <a:pPr lvl="2"/>
+            <a:r>
+              <a:rPr lang="en-US" dirty="0">
+                <a:solidFill>
+                  <a:schemeClr val="tx2">
+                    <a:lumMod val="75000"/>
+                  </a:schemeClr>
+                </a:solidFill>
+              </a:rPr>
+              <a:t>Coherence</a:t>
+            </a:r>
+          </a:p>
+          <a:p>
+            <a:pPr lvl="2"/>
+            <a:r>
+              <a:rPr lang="en-US" dirty="0">
+                <a:solidFill>
+                  <a:schemeClr val="tx2">
+                    <a:lumMod val="75000"/>
+                  </a:schemeClr>
+                </a:solidFill>
+              </a:rPr>
+              <a:t>LDAP (Lightweight Directory Access Protocol)</a:t>
+            </a:r>
+          </a:p>
+          <a:p>
+            <a:pPr lvl="2"/>
+            <a:r>
+              <a:rPr lang="en-US" dirty="0">
+                <a:solidFill>
+                  <a:schemeClr val="tx2">
+                    <a:lumMod val="75000"/>
+                  </a:schemeClr>
+                </a:solidFill>
+              </a:rPr>
+              <a:t>User Messaging Service (UMS) for email, VoIP, FAX</a:t>
+            </a:r>
+          </a:p>
+          <a:p>
+            <a:pPr lvl="2"/>
+            <a:r>
+              <a:rPr lang="en-US" dirty="0">
+                <a:solidFill>
+                  <a:schemeClr val="tx2">
+                    <a:lumMod val="75000"/>
+                  </a:schemeClr>
+                </a:solidFill>
+              </a:rPr>
+              <a:t>…</a:t>
+            </a:r>
+          </a:p>
+        </p:txBody>
+      </p:sp>
+      <p:sp>
+        <p:nvSpPr>
+          <p:cNvPr id="3" name="Title 2">
+            <a:extLst>
+              <a:ext uri="{FF2B5EF4-FFF2-40B4-BE49-F238E27FC236}">
+                <a16:creationId xmlns:a16="http://schemas.microsoft.com/office/drawing/2014/main" id="{34264FF5-C82C-C760-E036-04A2ECB8CB6A}"/>
+              </a:ext>
+            </a:extLst>
+          </p:cNvPr>
+          <p:cNvSpPr>
+            <a:spLocks noGrp="1"/>
+          </p:cNvSpPr>
+          <p:nvPr>
+            <p:ph type="title"/>
+          </p:nvPr>
+        </p:nvSpPr>
+        <p:spPr/>
+        <p:txBody>
+          <a:bodyPr/>
+          <a:lstStyle/>
+          <a:p>
+            <a:r>
+              <a:rPr lang="en-US" b="1" dirty="0">
+                <a:solidFill>
+                  <a:srgbClr val="FF0000"/>
+                </a:solidFill>
+                <a:latin typeface="Segoe UI Semilight" panose="020B0402040204020203" pitchFamily="34" charset="0"/>
+                <a:cs typeface="Segoe UI Semilight" panose="020B0402040204020203" pitchFamily="34" charset="0"/>
+              </a:rPr>
+              <a:t>C</a:t>
+            </a:r>
+            <a:r>
+              <a:rPr lang="en-US" dirty="0"/>
+              <a:t>reating</a:t>
+            </a:r>
+            <a:r>
+              <a:rPr lang="en-US" b="1" dirty="0">
+                <a:solidFill>
+                  <a:schemeClr val="tx2">
+                    <a:lumMod val="50000"/>
+                  </a:schemeClr>
+                </a:solidFill>
+                <a:latin typeface="Segoe UI Semilight" panose="020B0402040204020203" pitchFamily="34" charset="0"/>
+                <a:cs typeface="Segoe UI Semilight" panose="020B0402040204020203" pitchFamily="34" charset="0"/>
+              </a:rPr>
+              <a:t> </a:t>
+            </a:r>
+            <a:r>
+              <a:rPr lang="en-US" dirty="0"/>
+              <a:t>Adapter Services</a:t>
+            </a:r>
+          </a:p>
+        </p:txBody>
+      </p:sp>
+    </p:spTree>
+    <p:extLst>
+      <p:ext uri="{BB962C8B-B14F-4D97-AF65-F5344CB8AC3E}">
+        <p14:creationId xmlns:p14="http://schemas.microsoft.com/office/powerpoint/2010/main" val="4280686110"/>
+      </p:ext>
+    </p:extLst>
+  </p:cSld>
+  <p:clrMapOvr>
+    <a:masterClrMapping/>
+  </p:clrMapOvr>
+</p:sld>
+</file>
+
+<file path=ppt/slides/slide29.xml><?xml version="1.0" encoding="utf-8"?>
+<p:sld xmlns:a="http://schemas.openxmlformats.org/drawingml/2006/main" xmlns:r="http://schemas.openxmlformats.org/officeDocument/2006/relationships" xmlns:p="http://schemas.openxmlformats.org/presentationml/2006/main">
+  <p:cSld>
+    <p:spTree>
+      <p:nvGrpSpPr>
+        <p:cNvPr id="1" name=""/>
+        <p:cNvGrpSpPr/>
+        <p:nvPr/>
+      </p:nvGrpSpPr>
+      <p:grpSpPr>
+        <a:xfrm>
+          <a:off x="0" y="0"/>
+          <a:ext cx="0" cy="0"/>
+          <a:chOff x="0" y="0"/>
+          <a:chExt cx="0" cy="0"/>
+        </a:xfrm>
+      </p:grpSpPr>
+      <p:sp>
+        <p:nvSpPr>
+          <p:cNvPr id="2" name="Content Placeholder 1">
+            <a:extLst>
+              <a:ext uri="{FF2B5EF4-FFF2-40B4-BE49-F238E27FC236}">
+                <a16:creationId xmlns:a16="http://schemas.microsoft.com/office/drawing/2014/main" id="{E04B53A9-4B5C-F259-CE68-B50593F42A93}"/>
+              </a:ext>
+            </a:extLst>
+          </p:cNvPr>
+          <p:cNvSpPr>
+            <a:spLocks noGrp="1"/>
+          </p:cNvSpPr>
+          <p:nvPr>
+            <p:ph idx="1"/>
+          </p:nvPr>
+        </p:nvSpPr>
+        <p:spPr/>
+        <p:txBody>
+          <a:bodyPr/>
+          <a:lstStyle/>
+          <a:p>
+            <a:r>
+              <a:rPr lang="en-US" dirty="0"/>
+              <a:t>Adapters:</a:t>
+            </a:r>
+          </a:p>
+          <a:p>
+            <a:pPr lvl="1">
+              <a:spcAft>
+                <a:spcPts val="1200"/>
+              </a:spcAft>
+            </a:pPr>
+            <a:r>
+              <a:rPr lang="en-US" sz="1600" dirty="0">
+                <a:solidFill>
+                  <a:schemeClr val="tx2">
+                    <a:lumMod val="75000"/>
+                  </a:schemeClr>
+                </a:solidFill>
+              </a:rPr>
+              <a:t>Adapters provide the bridge to other technologies and communication protocols than those native to the SOA Suite.</a:t>
+            </a:r>
+          </a:p>
+          <a:p>
+            <a:pPr lvl="1">
+              <a:spcAft>
+                <a:spcPts val="1200"/>
+              </a:spcAft>
+            </a:pPr>
+            <a:r>
+              <a:rPr lang="en-US" sz="1600" dirty="0">
+                <a:solidFill>
+                  <a:schemeClr val="tx2">
+                    <a:lumMod val="75000"/>
+                  </a:schemeClr>
+                </a:solidFill>
+              </a:rPr>
+              <a:t>A crucial aspect of the adapters is their ability to communicate in XML terms with the SOA Suite, regardless of the format used for interacting with enterprise systems.</a:t>
+            </a:r>
+          </a:p>
+          <a:p>
+            <a:pPr lvl="1"/>
+            <a:r>
+              <a:rPr lang="en-US" sz="1600" dirty="0">
+                <a:solidFill>
+                  <a:schemeClr val="tx2">
+                    <a:lumMod val="75000"/>
+                  </a:schemeClr>
+                </a:solidFill>
+              </a:rPr>
+              <a:t>The adapter configuration wizard generates a number of files. These largely fall into three categories:</a:t>
+            </a:r>
+          </a:p>
+          <a:p>
+            <a:pPr lvl="2">
+              <a:spcAft>
+                <a:spcPts val="1200"/>
+              </a:spcAft>
+            </a:pPr>
+            <a:r>
+              <a:rPr lang="en-US" sz="1600" dirty="0">
+                <a:solidFill>
+                  <a:schemeClr val="tx2">
+                    <a:lumMod val="75000"/>
+                  </a:schemeClr>
+                </a:solidFill>
+              </a:rPr>
+              <a:t>Adapter metadata files that instruct the Resource Adapter application at run time on what exactly to do (which SQL to execute, which JMS Queue to publish to, which file to read)</a:t>
+            </a:r>
+          </a:p>
+          <a:p>
+            <a:pPr lvl="2"/>
+            <a:r>
+              <a:rPr lang="en-US" sz="1600" dirty="0">
+                <a:solidFill>
+                  <a:schemeClr val="tx2">
+                    <a:lumMod val="75000"/>
+                  </a:schemeClr>
+                </a:solidFill>
+              </a:rPr>
+              <a:t>XSD that describes the XML data structure for the data that is passed into and/or is received from the adapter;</a:t>
+            </a:r>
+          </a:p>
+        </p:txBody>
+      </p:sp>
+      <p:sp>
+        <p:nvSpPr>
+          <p:cNvPr id="3" name="Title 2">
+            <a:extLst>
+              <a:ext uri="{FF2B5EF4-FFF2-40B4-BE49-F238E27FC236}">
+                <a16:creationId xmlns:a16="http://schemas.microsoft.com/office/drawing/2014/main" id="{5B04C51C-FE02-4F87-DF90-870B1E0535AD}"/>
+              </a:ext>
+            </a:extLst>
+          </p:cNvPr>
+          <p:cNvSpPr>
+            <a:spLocks noGrp="1"/>
+          </p:cNvSpPr>
+          <p:nvPr>
+            <p:ph type="title"/>
+          </p:nvPr>
+        </p:nvSpPr>
+        <p:spPr/>
+        <p:txBody>
+          <a:bodyPr/>
+          <a:lstStyle/>
+          <a:p>
+            <a:r>
+              <a:rPr lang="en-US" b="1" dirty="0">
+                <a:solidFill>
+                  <a:srgbClr val="FF0000"/>
+                </a:solidFill>
+                <a:latin typeface="Segoe UI Semilight" panose="020B0402040204020203" pitchFamily="34" charset="0"/>
+                <a:cs typeface="Segoe UI Semilight" panose="020B0402040204020203" pitchFamily="34" charset="0"/>
+              </a:rPr>
+              <a:t>C</a:t>
+            </a:r>
+            <a:r>
+              <a:rPr lang="en-US" dirty="0"/>
+              <a:t>reating</a:t>
+            </a:r>
+            <a:r>
+              <a:rPr lang="en-US" b="1" dirty="0">
+                <a:solidFill>
+                  <a:schemeClr val="tx2">
+                    <a:lumMod val="50000"/>
+                  </a:schemeClr>
+                </a:solidFill>
+                <a:latin typeface="Segoe UI Semilight" panose="020B0402040204020203" pitchFamily="34" charset="0"/>
+                <a:cs typeface="Segoe UI Semilight" panose="020B0402040204020203" pitchFamily="34" charset="0"/>
+              </a:rPr>
+              <a:t> </a:t>
+            </a:r>
+            <a:r>
+              <a:rPr lang="en-US" dirty="0"/>
+              <a:t>Adapter Services</a:t>
+            </a:r>
+          </a:p>
+        </p:txBody>
+      </p:sp>
+    </p:spTree>
+    <p:extLst>
+      <p:ext uri="{BB962C8B-B14F-4D97-AF65-F5344CB8AC3E}">
+        <p14:creationId xmlns:p14="http://schemas.microsoft.com/office/powerpoint/2010/main" val="2719858777"/>
+      </p:ext>
+    </p:extLst>
+  </p:cSld>
+  <p:clrMapOvr>
+    <a:masterClrMapping/>
+  </p:clrMapOvr>
+</p:sld>
+</file>
+
+<file path=ppt/slides/slide3.xml><?xml version="1.0" encoding="utf-8"?>
+<p:sld xmlns:a="http://schemas.openxmlformats.org/drawingml/2006/main" xmlns:r="http://schemas.openxmlformats.org/officeDocument/2006/relationships" xmlns:p="http://schemas.openxmlformats.org/presentationml/2006/main">
+  <p:cSld>
+    <p:spTree>
+      <p:nvGrpSpPr>
+        <p:cNvPr id="1" name=""/>
+        <p:cNvGrpSpPr/>
+        <p:nvPr/>
+      </p:nvGrpSpPr>
+      <p:grpSpPr>
+        <a:xfrm>
+          <a:off x="0" y="0"/>
+          <a:ext cx="0" cy="0"/>
+          <a:chOff x="0" y="0"/>
+          <a:chExt cx="0" cy="0"/>
+        </a:xfrm>
+      </p:grpSpPr>
+      <p:sp>
+        <p:nvSpPr>
+          <p:cNvPr id="2" name="Content Placeholder 1">
+            <a:extLst>
+              <a:ext uri="{FF2B5EF4-FFF2-40B4-BE49-F238E27FC236}">
+                <a16:creationId xmlns:a16="http://schemas.microsoft.com/office/drawing/2014/main" id="{24CD15BF-27B0-D6C0-6441-91C73B58C588}"/>
+              </a:ext>
+            </a:extLst>
+          </p:cNvPr>
+          <p:cNvSpPr>
+            <a:spLocks noGrp="1"/>
+          </p:cNvSpPr>
+          <p:nvPr>
+            <p:ph idx="1"/>
+          </p:nvPr>
+        </p:nvSpPr>
+        <p:spPr>
+          <a:xfrm>
+            <a:off x="322909" y="1013017"/>
+            <a:ext cx="8229600" cy="4906963"/>
+          </a:xfrm>
+        </p:spPr>
+        <p:txBody>
+          <a:bodyPr>
+            <a:normAutofit/>
+          </a:bodyPr>
+          <a:lstStyle/>
+          <a:p>
+            <a:r>
+              <a:rPr lang="en-US" sz="2000" b="1" dirty="0"/>
+              <a:t>What is Service-Oriented Architecture</a:t>
+            </a:r>
+          </a:p>
+          <a:p>
+            <a:pPr marL="0" indent="0">
+              <a:buNone/>
+            </a:pPr>
+            <a:endParaRPr lang="en-US" sz="2000" b="1" dirty="0"/>
+          </a:p>
+          <a:p>
+            <a:pPr lvl="1">
+              <a:buFont typeface="Wingdings" panose="05000000000000000000" pitchFamily="2" charset="2"/>
+              <a:buChar char="q"/>
+            </a:pPr>
+            <a:r>
+              <a:rPr lang="en-US" b="1" dirty="0">
+                <a:solidFill>
+                  <a:srgbClr val="333333"/>
+                </a:solidFill>
+                <a:latin typeface="AmazonEmber"/>
+              </a:rPr>
+              <a:t>What is SOA:</a:t>
+            </a:r>
+            <a:r>
+              <a:rPr lang="en-US" dirty="0">
+                <a:solidFill>
+                  <a:srgbClr val="333333"/>
+                </a:solidFill>
+                <a:latin typeface="AmazonEmber"/>
+              </a:rPr>
+              <a:t> </a:t>
+            </a:r>
+            <a:r>
+              <a:rPr lang="en-US" b="0" i="0" dirty="0">
+                <a:solidFill>
+                  <a:srgbClr val="333333"/>
+                </a:solidFill>
+                <a:effectLst/>
+                <a:latin typeface="AmazonEmber"/>
+              </a:rPr>
+              <a:t>Service-oriented architecture (SOA) is a method of software development that uses software components called services to create business applications. </a:t>
+            </a:r>
+          </a:p>
+          <a:p>
+            <a:pPr marL="342891" lvl="1" indent="0">
+              <a:buNone/>
+            </a:pPr>
+            <a:endParaRPr lang="en-US" b="0" i="0" dirty="0">
+              <a:solidFill>
+                <a:srgbClr val="333333"/>
+              </a:solidFill>
+              <a:effectLst/>
+              <a:latin typeface="AmazonEmber"/>
+            </a:endParaRPr>
+          </a:p>
+          <a:p>
+            <a:pPr lvl="1">
+              <a:buFont typeface="Wingdings" panose="05000000000000000000" pitchFamily="2" charset="2"/>
+              <a:buChar char="q"/>
+            </a:pPr>
+            <a:r>
+              <a:rPr lang="en-US" dirty="0">
+                <a:solidFill>
+                  <a:srgbClr val="333333"/>
+                </a:solidFill>
+                <a:latin typeface="AmazonEmber"/>
+              </a:rPr>
+              <a:t>Benefits</a:t>
+            </a:r>
+            <a:endParaRPr lang="en-US" b="0" i="0" dirty="0">
+              <a:solidFill>
+                <a:srgbClr val="333333"/>
+              </a:solidFill>
+              <a:effectLst/>
+              <a:latin typeface="AmazonEmber"/>
+            </a:endParaRPr>
+          </a:p>
+          <a:p>
+            <a:pPr lvl="2"/>
+            <a:r>
+              <a:rPr lang="en-US" b="1" i="0" dirty="0">
+                <a:solidFill>
+                  <a:srgbClr val="333333"/>
+                </a:solidFill>
+                <a:effectLst/>
+                <a:latin typeface="AmazonEmber"/>
+              </a:rPr>
+              <a:t>Faster time to market</a:t>
+            </a:r>
+          </a:p>
+          <a:p>
+            <a:pPr lvl="2"/>
+            <a:r>
+              <a:rPr lang="en-US" b="1" i="0" dirty="0">
+                <a:solidFill>
+                  <a:srgbClr val="333333"/>
+                </a:solidFill>
+                <a:effectLst/>
+                <a:latin typeface="AmazonEmber"/>
+              </a:rPr>
+              <a:t>Efficient maintenance</a:t>
+            </a:r>
+          </a:p>
+          <a:p>
+            <a:pPr lvl="2"/>
+            <a:r>
+              <a:rPr lang="en-US" b="1" i="0" dirty="0">
+                <a:solidFill>
+                  <a:srgbClr val="333333"/>
+                </a:solidFill>
+                <a:effectLst/>
+                <a:latin typeface="AmazonEmber"/>
+              </a:rPr>
+              <a:t>Greater adaptability</a:t>
+            </a:r>
+          </a:p>
+          <a:p>
+            <a:pPr marL="685782" lvl="2" indent="0">
+              <a:buNone/>
+            </a:pPr>
+            <a:endParaRPr lang="en-US" b="1" i="0" dirty="0">
+              <a:solidFill>
+                <a:srgbClr val="333333"/>
+              </a:solidFill>
+              <a:effectLst/>
+              <a:latin typeface="AmazonEmber"/>
+            </a:endParaRPr>
+          </a:p>
+          <a:p>
+            <a:pPr marL="573088" lvl="2" indent="-231775">
+              <a:buFont typeface="Wingdings" panose="05000000000000000000" pitchFamily="2" charset="2"/>
+              <a:buChar char="q"/>
+            </a:pPr>
+            <a:r>
+              <a:rPr lang="en-US" dirty="0">
+                <a:solidFill>
+                  <a:srgbClr val="333333"/>
+                </a:solidFill>
+                <a:latin typeface="AmazonEmber"/>
+              </a:rPr>
+              <a:t>Limitation</a:t>
+            </a:r>
+            <a:r>
+              <a:rPr lang="en-US" b="1" i="0" dirty="0">
+                <a:solidFill>
+                  <a:srgbClr val="333333"/>
+                </a:solidFill>
+                <a:effectLst/>
+                <a:latin typeface="AmazonEmber"/>
+              </a:rPr>
+              <a:t> </a:t>
+            </a:r>
+          </a:p>
+          <a:p>
+            <a:pPr marL="915980" lvl="3" indent="-285750">
+              <a:buFont typeface="Arial" panose="020B0604020202020204" pitchFamily="34" charset="0"/>
+              <a:buChar char="•"/>
+            </a:pPr>
+            <a:r>
+              <a:rPr lang="en-US" b="1" dirty="0">
+                <a:solidFill>
+                  <a:srgbClr val="333333"/>
+                </a:solidFill>
+                <a:latin typeface="AmazonEmber"/>
+              </a:rPr>
+              <a:t>Limited scalability</a:t>
+            </a:r>
+          </a:p>
+          <a:p>
+            <a:pPr marL="915980" lvl="3" indent="-285750">
+              <a:buFont typeface="Arial" panose="020B0604020202020204" pitchFamily="34" charset="0"/>
+              <a:buChar char="•"/>
+            </a:pPr>
+            <a:r>
+              <a:rPr lang="en-US" b="1" dirty="0">
+                <a:solidFill>
+                  <a:srgbClr val="333333"/>
+                </a:solidFill>
+                <a:latin typeface="AmazonEmber"/>
+              </a:rPr>
+              <a:t>Increasing interdependencies</a:t>
+            </a:r>
+          </a:p>
+          <a:p>
+            <a:pPr marL="915980" lvl="3" indent="-285750">
+              <a:buFont typeface="Arial" panose="020B0604020202020204" pitchFamily="34" charset="0"/>
+              <a:buChar char="•"/>
+            </a:pPr>
+            <a:r>
+              <a:rPr lang="en-US" b="1" dirty="0">
+                <a:solidFill>
+                  <a:srgbClr val="333333"/>
+                </a:solidFill>
+                <a:latin typeface="AmazonEmber"/>
+              </a:rPr>
+              <a:t>Single point of failure</a:t>
+            </a:r>
+          </a:p>
+          <a:p>
+            <a:pPr marL="428614" lvl="2" indent="0">
+              <a:spcBef>
+                <a:spcPts val="0"/>
+              </a:spcBef>
+              <a:buNone/>
+            </a:pPr>
+            <a:endParaRPr lang="en-US" b="1" dirty="0">
+              <a:solidFill>
+                <a:srgbClr val="333333"/>
+              </a:solidFill>
+              <a:latin typeface="AmazonEmber"/>
+            </a:endParaRPr>
+          </a:p>
+          <a:p>
+            <a:pPr marL="428614" lvl="2" indent="0">
+              <a:spcBef>
+                <a:spcPts val="0"/>
+              </a:spcBef>
+              <a:buNone/>
+            </a:pPr>
+            <a:endParaRPr lang="en-US" b="1" dirty="0">
+              <a:solidFill>
+                <a:srgbClr val="333333"/>
+              </a:solidFill>
+              <a:latin typeface="AmazonEmber"/>
+            </a:endParaRPr>
+          </a:p>
+          <a:p>
+            <a:pPr marL="428614" lvl="2" indent="0">
+              <a:spcBef>
+                <a:spcPts val="0"/>
+              </a:spcBef>
+              <a:buNone/>
+            </a:pPr>
+            <a:endParaRPr lang="en-US" b="1" dirty="0">
+              <a:solidFill>
+                <a:srgbClr val="333333"/>
+              </a:solidFill>
+              <a:latin typeface="AmazonEmber"/>
+            </a:endParaRPr>
+          </a:p>
+        </p:txBody>
+      </p:sp>
+      <p:sp>
+        <p:nvSpPr>
+          <p:cNvPr id="3" name="Title 2">
+            <a:extLst>
+              <a:ext uri="{FF2B5EF4-FFF2-40B4-BE49-F238E27FC236}">
+                <a16:creationId xmlns:a16="http://schemas.microsoft.com/office/drawing/2014/main" id="{5949415C-882D-4139-A02D-E250A1AEB9CA}"/>
+              </a:ext>
+            </a:extLst>
+          </p:cNvPr>
+          <p:cNvSpPr>
+            <a:spLocks noGrp="1"/>
+          </p:cNvSpPr>
+          <p:nvPr>
+            <p:ph type="title"/>
+          </p:nvPr>
+        </p:nvSpPr>
+        <p:spPr/>
+        <p:txBody>
+          <a:bodyPr/>
+          <a:lstStyle/>
+          <a:p>
+            <a:r>
+              <a:rPr lang="en-US" dirty="0" err="1"/>
+              <a:t>Intoduction</a:t>
+            </a:r>
+            <a:r>
+              <a:rPr lang="en-US" dirty="0"/>
+              <a:t> to SOA</a:t>
+            </a:r>
+          </a:p>
+        </p:txBody>
+      </p:sp>
+      <p:pic>
+        <p:nvPicPr>
+          <p:cNvPr id="1030" name="Picture 6" descr="Illustration showing Service-Oriented architecture. It shows various SOA building blocks being assembled into a composite application.">
+            <a:extLst>
+              <a:ext uri="{FF2B5EF4-FFF2-40B4-BE49-F238E27FC236}">
+                <a16:creationId xmlns:a16="http://schemas.microsoft.com/office/drawing/2014/main" id="{4CBF0C57-D4F4-D86B-6421-A82E7FDE5093}"/>
+              </a:ext>
+            </a:extLst>
+          </p:cNvPr>
+          <p:cNvPicPr>
+            <a:picLocks noChangeAspect="1" noChangeArrowheads="1"/>
+          </p:cNvPicPr>
+          <p:nvPr/>
+        </p:nvPicPr>
+        <p:blipFill>
+          <a:blip r:embed="rId2">
+            <a:clrChange>
+              <a:clrFrom>
+                <a:srgbClr val="FFFFFF"/>
+              </a:clrFrom>
+              <a:clrTo>
+                <a:srgbClr val="FFFFFF">
+                  <a:alpha val="0"/>
+                </a:srgbClr>
+              </a:clrTo>
+            </a:clrChange>
+            <a:extLst>
+              <a:ext uri="{28A0092B-C50C-407E-A947-70E740481C1C}">
+                <a14:useLocalDpi xmlns:a14="http://schemas.microsoft.com/office/drawing/2010/main" val="0"/>
+              </a:ext>
+            </a:extLst>
+          </a:blip>
+          <a:srcRect/>
+          <a:stretch>
+            <a:fillRect/>
+          </a:stretch>
+        </p:blipFill>
+        <p:spPr bwMode="auto">
+          <a:xfrm>
+            <a:off x="3349983" y="3313940"/>
+            <a:ext cx="5562548" cy="2606040"/>
+          </a:xfrm>
+          <a:prstGeom prst="rect">
+            <a:avLst/>
+          </a:prstGeom>
+          <a:noFill/>
+          <a:extLst>
+            <a:ext uri="{909E8E84-426E-40DD-AFC4-6F175D3DCCD1}">
+              <a14:hiddenFill xmlns:a14="http://schemas.microsoft.com/office/drawing/2010/main">
+                <a:solidFill>
+                  <a:srgbClr val="FFFFFF"/>
+                </a:solidFill>
+              </a14:hiddenFill>
+            </a:ext>
+          </a:extLst>
+        </p:spPr>
+      </p:pic>
+    </p:spTree>
+    <p:extLst>
+      <p:ext uri="{BB962C8B-B14F-4D97-AF65-F5344CB8AC3E}">
+        <p14:creationId xmlns:p14="http://schemas.microsoft.com/office/powerpoint/2010/main" val="1635904338"/>
+      </p:ext>
+    </p:extLst>
+  </p:cSld>
+  <p:clrMapOvr>
+    <a:masterClrMapping/>
+  </p:clrMapOvr>
+</p:sld>
+</file>
+
+<file path=ppt/slides/slide30.xml><?xml version="1.0" encoding="utf-8"?>
+<p:sld xmlns:a="http://schemas.openxmlformats.org/drawingml/2006/main" xmlns:r="http://schemas.openxmlformats.org/officeDocument/2006/relationships" xmlns:p="http://schemas.openxmlformats.org/presentationml/2006/main">
+  <p:cSld>
+    <p:spTree>
+      <p:nvGrpSpPr>
+        <p:cNvPr id="1" name=""/>
+        <p:cNvGrpSpPr/>
+        <p:nvPr/>
+      </p:nvGrpSpPr>
+      <p:grpSpPr>
+        <a:xfrm>
+          <a:off x="0" y="0"/>
+          <a:ext cx="0" cy="0"/>
+          <a:chOff x="0" y="0"/>
+          <a:chExt cx="0" cy="0"/>
+        </a:xfrm>
+      </p:grpSpPr>
+      <p:sp>
+        <p:nvSpPr>
+          <p:cNvPr id="2" name="Content Placeholder 1">
+            <a:extLst>
+              <a:ext uri="{FF2B5EF4-FFF2-40B4-BE49-F238E27FC236}">
+                <a16:creationId xmlns:a16="http://schemas.microsoft.com/office/drawing/2014/main" id="{48101C89-6780-A943-84AF-68E51EF3257E}"/>
+              </a:ext>
+            </a:extLst>
+          </p:cNvPr>
+          <p:cNvSpPr>
+            <a:spLocks noGrp="1"/>
+          </p:cNvSpPr>
+          <p:nvPr>
+            <p:ph idx="1"/>
+          </p:nvPr>
+        </p:nvSpPr>
+        <p:spPr/>
+        <p:txBody>
+          <a:bodyPr/>
+          <a:lstStyle/>
+          <a:p>
+            <a:r>
+              <a:rPr lang="en-US" dirty="0"/>
+              <a:t>Database Adapter</a:t>
+            </a:r>
+          </a:p>
+          <a:p>
+            <a:pPr lvl="1"/>
+            <a:r>
+              <a:rPr lang="en-US" sz="1600" dirty="0">
+                <a:solidFill>
+                  <a:schemeClr val="tx2">
+                    <a:lumMod val="75000"/>
+                  </a:schemeClr>
+                </a:solidFill>
+              </a:rPr>
+              <a:t>Retrieving Information from the Database.</a:t>
+            </a:r>
+          </a:p>
+          <a:p>
+            <a:pPr lvl="1"/>
+            <a:r>
+              <a:rPr lang="en-US" sz="1600" dirty="0">
+                <a:solidFill>
+                  <a:schemeClr val="tx2">
+                    <a:lumMod val="75000"/>
+                  </a:schemeClr>
+                </a:solidFill>
+              </a:rPr>
+              <a:t>An implementation of  a database connector. </a:t>
+            </a:r>
+          </a:p>
+          <a:p>
+            <a:pPr lvl="1"/>
+            <a:r>
+              <a:rPr lang="en-US" sz="1600" dirty="0">
+                <a:solidFill>
+                  <a:schemeClr val="tx2">
+                    <a:lumMod val="75000"/>
+                  </a:schemeClr>
+                </a:solidFill>
+              </a:rPr>
+              <a:t>It enables SOA composite applications to communicate with databases through JDBC.</a:t>
+            </a:r>
+          </a:p>
+          <a:p>
+            <a:pPr lvl="2"/>
+            <a:r>
+              <a:rPr lang="en-US" sz="1600" dirty="0">
+                <a:solidFill>
+                  <a:schemeClr val="tx2">
+                    <a:lumMod val="75000"/>
+                  </a:schemeClr>
+                </a:solidFill>
+              </a:rPr>
+              <a:t>JDBC: Java DataBase Connectivity</a:t>
+            </a:r>
+          </a:p>
+        </p:txBody>
+      </p:sp>
+      <p:sp>
+        <p:nvSpPr>
+          <p:cNvPr id="3" name="Title 2">
+            <a:extLst>
+              <a:ext uri="{FF2B5EF4-FFF2-40B4-BE49-F238E27FC236}">
+                <a16:creationId xmlns:a16="http://schemas.microsoft.com/office/drawing/2014/main" id="{832DA132-2CF4-9223-D196-20D59D50BE7C}"/>
+              </a:ext>
+            </a:extLst>
+          </p:cNvPr>
+          <p:cNvSpPr>
+            <a:spLocks noGrp="1"/>
+          </p:cNvSpPr>
+          <p:nvPr>
+            <p:ph type="title"/>
+          </p:nvPr>
+        </p:nvSpPr>
+        <p:spPr/>
+        <p:txBody>
+          <a:bodyPr/>
+          <a:lstStyle/>
+          <a:p>
+            <a:r>
+              <a:rPr lang="en-US" b="1" dirty="0">
+                <a:solidFill>
+                  <a:srgbClr val="FF0000"/>
+                </a:solidFill>
+                <a:latin typeface="Segoe UI Semilight" panose="020B0402040204020203" pitchFamily="34" charset="0"/>
+                <a:cs typeface="Segoe UI Semilight" panose="020B0402040204020203" pitchFamily="34" charset="0"/>
+              </a:rPr>
+              <a:t>C</a:t>
+            </a:r>
+            <a:r>
+              <a:rPr lang="en-US" dirty="0"/>
+              <a:t>reating</a:t>
+            </a:r>
+            <a:r>
+              <a:rPr lang="en-US" b="1" dirty="0">
+                <a:solidFill>
+                  <a:schemeClr val="tx2">
+                    <a:lumMod val="50000"/>
+                  </a:schemeClr>
+                </a:solidFill>
+                <a:latin typeface="Segoe UI Semilight" panose="020B0402040204020203" pitchFamily="34" charset="0"/>
+                <a:cs typeface="Segoe UI Semilight" panose="020B0402040204020203" pitchFamily="34" charset="0"/>
+              </a:rPr>
+              <a:t> </a:t>
+            </a:r>
+            <a:r>
+              <a:rPr lang="en-US" dirty="0"/>
+              <a:t>Adapter Services</a:t>
+            </a:r>
+          </a:p>
+        </p:txBody>
+      </p:sp>
+      <p:pic>
+        <p:nvPicPr>
+          <p:cNvPr id="5" name="Picture 4">
+            <a:extLst>
+              <a:ext uri="{FF2B5EF4-FFF2-40B4-BE49-F238E27FC236}">
+                <a16:creationId xmlns:a16="http://schemas.microsoft.com/office/drawing/2014/main" id="{374084EA-2BCC-421A-6F22-B045AB384B94}"/>
+              </a:ext>
+            </a:extLst>
+          </p:cNvPr>
+          <p:cNvPicPr>
+            <a:picLocks noChangeAspect="1"/>
+          </p:cNvPicPr>
+          <p:nvPr/>
+        </p:nvPicPr>
+        <p:blipFill>
+          <a:blip r:embed="rId2"/>
+          <a:stretch>
+            <a:fillRect/>
+          </a:stretch>
+        </p:blipFill>
+        <p:spPr>
+          <a:xfrm>
+            <a:off x="824752" y="3672686"/>
+            <a:ext cx="7368988" cy="2186073"/>
+          </a:xfrm>
+          <a:prstGeom prst="rect">
+            <a:avLst/>
+          </a:prstGeom>
+        </p:spPr>
+      </p:pic>
+    </p:spTree>
+    <p:extLst>
+      <p:ext uri="{BB962C8B-B14F-4D97-AF65-F5344CB8AC3E}">
+        <p14:creationId xmlns:p14="http://schemas.microsoft.com/office/powerpoint/2010/main" val="935832302"/>
+      </p:ext>
+    </p:extLst>
+  </p:cSld>
+  <p:clrMapOvr>
+    <a:masterClrMapping/>
+  </p:clrMapOvr>
+</p:sld>
+</file>
+
+<file path=ppt/slides/slide31.xml><?xml version="1.0" encoding="utf-8"?>
+<p:sld xmlns:a="http://schemas.openxmlformats.org/drawingml/2006/main" xmlns:r="http://schemas.openxmlformats.org/officeDocument/2006/relationships" xmlns:p="http://schemas.openxmlformats.org/presentationml/2006/main">
+  <p:cSld>
+    <p:spTree>
+      <p:nvGrpSpPr>
+        <p:cNvPr id="1" name=""/>
+        <p:cNvGrpSpPr/>
+        <p:nvPr/>
+      </p:nvGrpSpPr>
+      <p:grpSpPr>
+        <a:xfrm>
+          <a:off x="0" y="0"/>
+          <a:ext cx="0" cy="0"/>
+          <a:chOff x="0" y="0"/>
+          <a:chExt cx="0" cy="0"/>
+        </a:xfrm>
+      </p:grpSpPr>
+      <p:sp>
+        <p:nvSpPr>
+          <p:cNvPr id="2" name="Content Placeholder 1">
+            <a:extLst>
+              <a:ext uri="{FF2B5EF4-FFF2-40B4-BE49-F238E27FC236}">
+                <a16:creationId xmlns:a16="http://schemas.microsoft.com/office/drawing/2014/main" id="{BB1D3523-CE8A-8BEF-C8B7-0F556ED1DAAA}"/>
+              </a:ext>
+            </a:extLst>
+          </p:cNvPr>
+          <p:cNvSpPr>
+            <a:spLocks noGrp="1"/>
+          </p:cNvSpPr>
+          <p:nvPr>
+            <p:ph idx="1"/>
+          </p:nvPr>
+        </p:nvSpPr>
+        <p:spPr/>
+        <p:txBody>
+          <a:bodyPr/>
+          <a:lstStyle/>
+          <a:p>
+            <a:r>
+              <a:rPr lang="en-US" dirty="0"/>
+              <a:t>In order to use DB Adapter in SOA</a:t>
+            </a:r>
+          </a:p>
+          <a:p>
+            <a:pPr lvl="1"/>
+            <a:r>
+              <a:rPr lang="en-US" sz="1600" dirty="0">
+                <a:solidFill>
+                  <a:schemeClr val="tx2">
+                    <a:lumMod val="75000"/>
+                  </a:schemeClr>
+                </a:solidFill>
+              </a:rPr>
+              <a:t>First we need to  configure Data Source in WEBLOGIC Console</a:t>
+            </a:r>
+          </a:p>
+          <a:p>
+            <a:pPr lvl="2"/>
+            <a:endParaRPr lang="en-US" dirty="0"/>
+          </a:p>
+          <a:p>
+            <a:pPr lvl="2"/>
+            <a:r>
+              <a:rPr lang="en-US" dirty="0">
+                <a:solidFill>
+                  <a:srgbClr val="006600"/>
+                </a:solidFill>
+              </a:rPr>
+              <a:t>Console / Services </a:t>
+            </a:r>
+          </a:p>
+          <a:p>
+            <a:pPr lvl="2"/>
+            <a:r>
+              <a:rPr lang="en-US" dirty="0">
+                <a:solidFill>
+                  <a:srgbClr val="006600"/>
+                </a:solidFill>
+              </a:rPr>
+              <a:t>New Generic Data Source</a:t>
+            </a:r>
+          </a:p>
+          <a:p>
+            <a:pPr lvl="2"/>
+            <a:r>
+              <a:rPr lang="en-US" dirty="0">
+                <a:solidFill>
+                  <a:srgbClr val="006600"/>
+                </a:solidFill>
+              </a:rPr>
+              <a:t>Name of </a:t>
+            </a:r>
+            <a:r>
+              <a:rPr lang="en-US" dirty="0" err="1">
+                <a:solidFill>
+                  <a:srgbClr val="006600"/>
+                </a:solidFill>
+              </a:rPr>
+              <a:t>DataSource</a:t>
+            </a:r>
+            <a:endParaRPr lang="en-US" dirty="0">
+              <a:solidFill>
+                <a:srgbClr val="006600"/>
+              </a:solidFill>
+            </a:endParaRPr>
+          </a:p>
+          <a:p>
+            <a:pPr lvl="2"/>
+            <a:r>
+              <a:rPr lang="en-US" dirty="0">
+                <a:solidFill>
+                  <a:srgbClr val="006600"/>
+                </a:solidFill>
+              </a:rPr>
+              <a:t>JNDI Name:	 </a:t>
+            </a:r>
+          </a:p>
+          <a:p>
+            <a:pPr lvl="3"/>
+            <a:r>
+              <a:rPr lang="en-US" dirty="0">
+                <a:solidFill>
+                  <a:schemeClr val="tx2">
+                    <a:lumMod val="75000"/>
+                  </a:schemeClr>
+                </a:solidFill>
+              </a:rPr>
+              <a:t>JNDI : Java Naming and Directory Interfaces</a:t>
+            </a:r>
+          </a:p>
+          <a:p>
+            <a:pPr lvl="4">
+              <a:buFont typeface="Courier New" panose="02070309020205020404" pitchFamily="49" charset="0"/>
+              <a:buChar char="o"/>
+            </a:pPr>
+            <a:r>
+              <a:rPr lang="en-US" dirty="0">
+                <a:solidFill>
+                  <a:schemeClr val="tx2">
+                    <a:lumMod val="75000"/>
+                  </a:schemeClr>
+                </a:solidFill>
+              </a:rPr>
+              <a:t>Is an JAVA API provides naming and directory functionality to applications</a:t>
+            </a:r>
+          </a:p>
+          <a:p>
+            <a:pPr lvl="4">
+              <a:buFont typeface="Courier New" panose="02070309020205020404" pitchFamily="49" charset="0"/>
+              <a:buChar char="o"/>
+            </a:pPr>
+            <a:r>
+              <a:rPr lang="en-US" dirty="0">
+                <a:solidFill>
+                  <a:schemeClr val="tx2">
+                    <a:lumMod val="75000"/>
+                  </a:schemeClr>
+                </a:solidFill>
+              </a:rPr>
+              <a:t>It allows Java Software Clients to discover and look up data and resources via a name</a:t>
+            </a:r>
+          </a:p>
+          <a:p>
+            <a:pPr lvl="4">
+              <a:buFont typeface="Courier New" panose="02070309020205020404" pitchFamily="49" charset="0"/>
+              <a:buChar char="o"/>
+            </a:pPr>
+            <a:r>
+              <a:rPr lang="en-US" dirty="0">
+                <a:solidFill>
+                  <a:schemeClr val="tx2">
+                    <a:lumMod val="75000"/>
+                  </a:schemeClr>
+                </a:solidFill>
+              </a:rPr>
+              <a:t>JNDI allows distributed applications to look up services in an abstract, resource-independent way. </a:t>
+            </a:r>
+          </a:p>
+          <a:p>
+            <a:pPr lvl="3"/>
+            <a:r>
+              <a:rPr lang="en-US" sz="1800" dirty="0">
+                <a:solidFill>
+                  <a:schemeClr val="tx2">
+                    <a:lumMod val="75000"/>
+                  </a:schemeClr>
+                </a:solidFill>
+                <a:effectLst/>
+                <a:latin typeface="Cambria" panose="02040503050406030204" pitchFamily="18" charset="0"/>
+              </a:rPr>
+              <a:t>A</a:t>
+            </a:r>
+            <a:r>
+              <a:rPr lang="en-US" sz="1800" dirty="0">
+                <a:effectLst/>
+                <a:latin typeface="Cambria" panose="02040503050406030204" pitchFamily="18" charset="0"/>
+              </a:rPr>
+              <a:t> </a:t>
+            </a:r>
+            <a:r>
+              <a:rPr lang="en-US" sz="1800" dirty="0">
+                <a:solidFill>
+                  <a:srgbClr val="538135"/>
+                </a:solidFill>
+                <a:effectLst/>
+                <a:latin typeface="Cambria" panose="02040503050406030204" pitchFamily="18" charset="0"/>
+              </a:rPr>
+              <a:t>JNDI Data Source object</a:t>
+            </a:r>
+            <a:r>
+              <a:rPr lang="en-US" sz="1800" dirty="0">
+                <a:effectLst/>
+                <a:latin typeface="Cambria" panose="02040503050406030204" pitchFamily="18" charset="0"/>
+              </a:rPr>
+              <a:t> </a:t>
+            </a:r>
+            <a:r>
+              <a:rPr lang="en-US" sz="1800" dirty="0">
+                <a:solidFill>
+                  <a:schemeClr val="tx2">
+                    <a:lumMod val="75000"/>
+                  </a:schemeClr>
+                </a:solidFill>
+                <a:effectLst/>
+                <a:latin typeface="Cambria" panose="02040503050406030204" pitchFamily="18" charset="0"/>
+              </a:rPr>
+              <a:t>is a file that contains a configuration details necessary to connect to Database.</a:t>
+            </a:r>
+          </a:p>
+          <a:p>
+            <a:pPr lvl="3"/>
+            <a:r>
+              <a:rPr lang="en-US" sz="1800" dirty="0" err="1">
+                <a:solidFill>
+                  <a:schemeClr val="tx2">
+                    <a:lumMod val="75000"/>
+                  </a:schemeClr>
+                </a:solidFill>
+                <a:latin typeface="Cambria" panose="02040503050406030204" pitchFamily="18" charset="0"/>
+              </a:rPr>
+              <a:t>jdbc</a:t>
+            </a:r>
+            <a:r>
+              <a:rPr lang="en-US" sz="1800" dirty="0">
+                <a:solidFill>
+                  <a:schemeClr val="tx2">
+                    <a:lumMod val="75000"/>
+                  </a:schemeClr>
+                </a:solidFill>
+                <a:latin typeface="Cambria" panose="02040503050406030204" pitchFamily="18" charset="0"/>
+              </a:rPr>
+              <a:t>/&lt;given name for </a:t>
+            </a:r>
+            <a:r>
+              <a:rPr lang="en-US" sz="1800" dirty="0" err="1">
+                <a:solidFill>
+                  <a:schemeClr val="tx2">
+                    <a:lumMod val="75000"/>
+                  </a:schemeClr>
+                </a:solidFill>
+                <a:latin typeface="Cambria" panose="02040503050406030204" pitchFamily="18" charset="0"/>
+              </a:rPr>
+              <a:t>datasource</a:t>
+            </a:r>
+            <a:r>
+              <a:rPr lang="en-US" sz="1800" dirty="0">
+                <a:solidFill>
+                  <a:schemeClr val="tx2">
+                    <a:lumMod val="75000"/>
+                  </a:schemeClr>
+                </a:solidFill>
+                <a:latin typeface="Cambria" panose="02040503050406030204" pitchFamily="18" charset="0"/>
+              </a:rPr>
+              <a:t> name&gt;</a:t>
+            </a:r>
+          </a:p>
+          <a:p>
+            <a:pPr marL="1028674" lvl="3" indent="0">
+              <a:buNone/>
+            </a:pPr>
+            <a:endParaRPr lang="en-US" sz="1800" dirty="0">
+              <a:solidFill>
+                <a:schemeClr val="tx2">
+                  <a:lumMod val="75000"/>
+                </a:schemeClr>
+              </a:solidFill>
+              <a:effectLst/>
+              <a:latin typeface="Cambria" panose="02040503050406030204" pitchFamily="18" charset="0"/>
+            </a:endParaRPr>
+          </a:p>
+          <a:p>
+            <a:pPr lvl="3"/>
+            <a:endParaRPr lang="en-US" dirty="0">
+              <a:solidFill>
+                <a:srgbClr val="006600"/>
+              </a:solidFill>
+            </a:endParaRPr>
+          </a:p>
+          <a:p>
+            <a:pPr lvl="3"/>
+            <a:endParaRPr lang="en-US" dirty="0">
+              <a:solidFill>
+                <a:srgbClr val="006600"/>
+              </a:solidFill>
+            </a:endParaRPr>
+          </a:p>
+          <a:p>
+            <a:pPr lvl="2"/>
+            <a:endParaRPr lang="en-US" dirty="0"/>
+          </a:p>
+        </p:txBody>
+      </p:sp>
+      <p:sp>
+        <p:nvSpPr>
+          <p:cNvPr id="3" name="Title 2">
+            <a:extLst>
+              <a:ext uri="{FF2B5EF4-FFF2-40B4-BE49-F238E27FC236}">
+                <a16:creationId xmlns:a16="http://schemas.microsoft.com/office/drawing/2014/main" id="{43B55B3D-0371-B9FE-B783-26E80BD0E443}"/>
+              </a:ext>
+            </a:extLst>
+          </p:cNvPr>
+          <p:cNvSpPr>
+            <a:spLocks noGrp="1"/>
+          </p:cNvSpPr>
+          <p:nvPr>
+            <p:ph type="title"/>
+          </p:nvPr>
+        </p:nvSpPr>
+        <p:spPr/>
+        <p:txBody>
+          <a:bodyPr/>
+          <a:lstStyle/>
+          <a:p>
+            <a:r>
+              <a:rPr lang="en-US" b="1" dirty="0">
+                <a:solidFill>
+                  <a:srgbClr val="FF0000"/>
+                </a:solidFill>
+                <a:latin typeface="Segoe UI Semilight" panose="020B0402040204020203" pitchFamily="34" charset="0"/>
+                <a:cs typeface="Segoe UI Semilight" panose="020B0402040204020203" pitchFamily="34" charset="0"/>
+              </a:rPr>
+              <a:t>C</a:t>
+            </a:r>
+            <a:r>
+              <a:rPr lang="en-US" dirty="0"/>
+              <a:t>reating</a:t>
+            </a:r>
+            <a:r>
+              <a:rPr lang="en-US" b="1" dirty="0">
+                <a:solidFill>
+                  <a:schemeClr val="tx2">
+                    <a:lumMod val="50000"/>
+                  </a:schemeClr>
+                </a:solidFill>
+                <a:latin typeface="Segoe UI Semilight" panose="020B0402040204020203" pitchFamily="34" charset="0"/>
+                <a:cs typeface="Segoe UI Semilight" panose="020B0402040204020203" pitchFamily="34" charset="0"/>
+              </a:rPr>
+              <a:t> </a:t>
+            </a:r>
+            <a:r>
+              <a:rPr lang="en-US" dirty="0"/>
+              <a:t>Adapter Services</a:t>
+            </a:r>
+          </a:p>
+        </p:txBody>
+      </p:sp>
+    </p:spTree>
+    <p:extLst>
+      <p:ext uri="{BB962C8B-B14F-4D97-AF65-F5344CB8AC3E}">
+        <p14:creationId xmlns:p14="http://schemas.microsoft.com/office/powerpoint/2010/main" val="2445136415"/>
+      </p:ext>
+    </p:extLst>
+  </p:cSld>
+  <p:clrMapOvr>
+    <a:masterClrMapping/>
+  </p:clrMapOvr>
+</p:sld>
+</file>
+
+<file path=ppt/slides/slide32.xml><?xml version="1.0" encoding="utf-8"?>
+<p:sld xmlns:a="http://schemas.openxmlformats.org/drawingml/2006/main" xmlns:r="http://schemas.openxmlformats.org/officeDocument/2006/relationships" xmlns:p="http://schemas.openxmlformats.org/presentationml/2006/main">
+  <p:cSld>
+    <p:spTree>
+      <p:nvGrpSpPr>
+        <p:cNvPr id="1" name=""/>
+        <p:cNvGrpSpPr/>
+        <p:nvPr/>
+      </p:nvGrpSpPr>
+      <p:grpSpPr>
+        <a:xfrm>
+          <a:off x="0" y="0"/>
+          <a:ext cx="0" cy="0"/>
+          <a:chOff x="0" y="0"/>
+          <a:chExt cx="0" cy="0"/>
+        </a:xfrm>
+      </p:grpSpPr>
+      <p:sp>
+        <p:nvSpPr>
+          <p:cNvPr id="2" name="Content Placeholder 1">
+            <a:extLst>
+              <a:ext uri="{FF2B5EF4-FFF2-40B4-BE49-F238E27FC236}">
+                <a16:creationId xmlns:a16="http://schemas.microsoft.com/office/drawing/2014/main" id="{862E5C66-6477-25CF-B32A-E3EB0B81C574}"/>
+              </a:ext>
+            </a:extLst>
+          </p:cNvPr>
+          <p:cNvSpPr>
+            <a:spLocks noGrp="1"/>
+          </p:cNvSpPr>
+          <p:nvPr>
+            <p:ph idx="1"/>
+          </p:nvPr>
+        </p:nvSpPr>
+        <p:spPr/>
+        <p:txBody>
+          <a:bodyPr/>
+          <a:lstStyle/>
+          <a:p>
+            <a:r>
+              <a:rPr lang="en-US" dirty="0"/>
+              <a:t>Configuring Data Source in </a:t>
+            </a:r>
+            <a:r>
+              <a:rPr lang="en-US" dirty="0" err="1"/>
+              <a:t>Weblogic</a:t>
+            </a:r>
+            <a:r>
+              <a:rPr lang="en-US" dirty="0"/>
+              <a:t> Console (continue)</a:t>
+            </a:r>
+          </a:p>
+          <a:p>
+            <a:pPr lvl="1"/>
+            <a:r>
+              <a:rPr lang="en-US" dirty="0">
+                <a:solidFill>
+                  <a:schemeClr val="tx2">
+                    <a:lumMod val="75000"/>
+                  </a:schemeClr>
+                </a:solidFill>
+              </a:rPr>
+              <a:t>Database Driver:	</a:t>
+            </a:r>
+          </a:p>
+          <a:p>
+            <a:pPr lvl="2"/>
+            <a:r>
+              <a:rPr lang="en-US" dirty="0">
+                <a:solidFill>
+                  <a:schemeClr val="tx2">
+                    <a:lumMod val="75000"/>
+                  </a:schemeClr>
+                </a:solidFill>
+              </a:rPr>
+              <a:t>Oracle’s Driver (Thin XA for Interface connections; </a:t>
+            </a:r>
+            <a:r>
+              <a:rPr lang="en-US" dirty="0" err="1">
+                <a:solidFill>
+                  <a:schemeClr val="tx2">
+                    <a:lumMod val="75000"/>
+                  </a:schemeClr>
+                </a:solidFill>
+              </a:rPr>
+              <a:t>Versions:Any</a:t>
+            </a:r>
+            <a:r>
+              <a:rPr lang="en-US" dirty="0">
+                <a:solidFill>
+                  <a:schemeClr val="tx2">
+                    <a:lumMod val="75000"/>
+                  </a:schemeClr>
+                </a:solidFill>
+              </a:rPr>
+              <a:t>)</a:t>
+            </a:r>
+          </a:p>
+          <a:p>
+            <a:pPr lvl="1"/>
+            <a:endParaRPr lang="en-US" dirty="0"/>
+          </a:p>
+          <a:p>
+            <a:pPr lvl="1"/>
+            <a:r>
+              <a:rPr lang="en-US" dirty="0">
+                <a:solidFill>
+                  <a:schemeClr val="tx2">
+                    <a:lumMod val="75000"/>
+                  </a:schemeClr>
+                </a:solidFill>
+              </a:rPr>
+              <a:t>Connection Properties:</a:t>
+            </a:r>
+          </a:p>
+          <a:p>
+            <a:pPr lvl="2"/>
+            <a:r>
+              <a:rPr lang="en-US" dirty="0">
+                <a:solidFill>
+                  <a:schemeClr val="tx2">
+                    <a:lumMod val="75000"/>
+                  </a:schemeClr>
+                </a:solidFill>
+              </a:rPr>
+              <a:t>Information, credentials of Database</a:t>
+            </a:r>
+          </a:p>
+          <a:p>
+            <a:pPr lvl="2"/>
+            <a:endParaRPr lang="en-US" dirty="0">
+              <a:solidFill>
+                <a:schemeClr val="tx2">
+                  <a:lumMod val="75000"/>
+                </a:schemeClr>
+              </a:solidFill>
+            </a:endParaRPr>
+          </a:p>
+          <a:p>
+            <a:pPr marL="685782" lvl="2" indent="0">
+              <a:buNone/>
+            </a:pPr>
+            <a:r>
+              <a:rPr lang="en-US" dirty="0">
+                <a:solidFill>
+                  <a:schemeClr val="tx2">
+                    <a:lumMod val="75000"/>
+                  </a:schemeClr>
+                </a:solidFill>
+              </a:rPr>
+              <a:t>In JDBC </a:t>
+            </a:r>
+            <a:r>
+              <a:rPr lang="en-US" dirty="0" err="1">
+                <a:solidFill>
+                  <a:schemeClr val="tx2">
+                    <a:lumMod val="75000"/>
+                  </a:schemeClr>
+                </a:solidFill>
+              </a:rPr>
+              <a:t>Datasources</a:t>
+            </a:r>
+            <a:r>
+              <a:rPr lang="en-US" dirty="0">
+                <a:solidFill>
+                  <a:schemeClr val="tx2">
+                    <a:lumMod val="75000"/>
+                  </a:schemeClr>
+                </a:solidFill>
+              </a:rPr>
+              <a:t>:	Check the created one</a:t>
+            </a:r>
+          </a:p>
+          <a:p>
+            <a:pPr marL="685782" lvl="2" indent="0">
+              <a:buNone/>
+            </a:pPr>
+            <a:endParaRPr lang="en-US" dirty="0">
+              <a:solidFill>
+                <a:schemeClr val="tx2">
+                  <a:lumMod val="75000"/>
+                </a:schemeClr>
+              </a:solidFill>
+            </a:endParaRPr>
+          </a:p>
+          <a:p>
+            <a:pPr marL="573088" lvl="2" indent="-285750">
+              <a:buFont typeface="Wingdings" panose="05000000000000000000" pitchFamily="2" charset="2"/>
+              <a:buChar char="v"/>
+              <a:tabLst>
+                <a:tab pos="341313" algn="l"/>
+              </a:tabLst>
+            </a:pPr>
+            <a:r>
+              <a:rPr lang="en-US" dirty="0">
+                <a:solidFill>
+                  <a:schemeClr val="tx2">
+                    <a:lumMod val="75000"/>
+                  </a:schemeClr>
+                </a:solidFill>
+              </a:rPr>
+              <a:t>Console/Deployment/</a:t>
+            </a:r>
+            <a:r>
+              <a:rPr lang="en-US" dirty="0" err="1">
+                <a:solidFill>
+                  <a:schemeClr val="tx2">
+                    <a:lumMod val="75000"/>
+                  </a:schemeClr>
+                </a:solidFill>
+              </a:rPr>
+              <a:t>DBAdpater</a:t>
+            </a:r>
+            <a:r>
+              <a:rPr lang="en-US" dirty="0">
+                <a:solidFill>
+                  <a:schemeClr val="tx2">
+                    <a:lumMod val="75000"/>
+                  </a:schemeClr>
+                </a:solidFill>
+              </a:rPr>
+              <a:t>/Configuration/Outbound Connection Pool </a:t>
+            </a:r>
+          </a:p>
+          <a:p>
+            <a:pPr marL="573088" lvl="2" indent="-285750">
+              <a:buFont typeface="Wingdings" panose="05000000000000000000" pitchFamily="2" charset="2"/>
+              <a:buChar char="v"/>
+              <a:tabLst>
+                <a:tab pos="341313" algn="l"/>
+              </a:tabLst>
+            </a:pPr>
+            <a:r>
+              <a:rPr lang="en-US" dirty="0">
+                <a:solidFill>
+                  <a:schemeClr val="tx2">
+                    <a:lumMod val="75000"/>
+                  </a:schemeClr>
+                </a:solidFill>
+              </a:rPr>
+              <a:t>New Outbound Connection Pool</a:t>
+            </a:r>
+          </a:p>
+          <a:p>
+            <a:pPr marL="573088" lvl="2" indent="-285750">
+              <a:buFont typeface="Wingdings" panose="05000000000000000000" pitchFamily="2" charset="2"/>
+              <a:buChar char="v"/>
+              <a:tabLst>
+                <a:tab pos="341313" algn="l"/>
+              </a:tabLst>
+            </a:pPr>
+            <a:r>
+              <a:rPr lang="en-US" dirty="0">
+                <a:solidFill>
+                  <a:schemeClr val="tx2">
+                    <a:lumMod val="75000"/>
+                  </a:schemeClr>
+                </a:solidFill>
+              </a:rPr>
+              <a:t>Default Outbound Connection Group</a:t>
+            </a:r>
+          </a:p>
+          <a:p>
+            <a:pPr marL="573088" lvl="2" indent="-285750">
+              <a:buFont typeface="Wingdings" panose="05000000000000000000" pitchFamily="2" charset="2"/>
+              <a:buChar char="v"/>
+              <a:tabLst>
+                <a:tab pos="341313" algn="l"/>
+              </a:tabLst>
+            </a:pPr>
+            <a:r>
+              <a:rPr lang="en-US" dirty="0">
+                <a:solidFill>
+                  <a:schemeClr val="tx2">
+                    <a:lumMod val="75000"/>
+                  </a:schemeClr>
+                </a:solidFill>
+              </a:rPr>
+              <a:t>JNDI name for </a:t>
+            </a:r>
+            <a:r>
+              <a:rPr lang="en-US" dirty="0" err="1">
+                <a:solidFill>
+                  <a:schemeClr val="tx2">
+                    <a:lumMod val="75000"/>
+                  </a:schemeClr>
+                </a:solidFill>
+              </a:rPr>
+              <a:t>DBAdapter</a:t>
+            </a:r>
+            <a:r>
+              <a:rPr lang="en-US" dirty="0">
+                <a:solidFill>
+                  <a:schemeClr val="tx2">
+                    <a:lumMod val="75000"/>
+                  </a:schemeClr>
+                </a:solidFill>
+              </a:rPr>
+              <a:t> : </a:t>
+            </a:r>
+            <a:r>
+              <a:rPr lang="en-US" dirty="0" err="1">
+                <a:solidFill>
+                  <a:schemeClr val="tx2">
+                    <a:lumMod val="75000"/>
+                  </a:schemeClr>
+                </a:solidFill>
+              </a:rPr>
+              <a:t>eis</a:t>
+            </a:r>
+            <a:r>
+              <a:rPr lang="en-US" dirty="0">
+                <a:solidFill>
+                  <a:schemeClr val="tx2">
+                    <a:lumMod val="75000"/>
+                  </a:schemeClr>
+                </a:solidFill>
+              </a:rPr>
+              <a:t>/</a:t>
+            </a:r>
+            <a:r>
+              <a:rPr lang="en-US" dirty="0" err="1">
+                <a:solidFill>
+                  <a:schemeClr val="tx2">
+                    <a:lumMod val="75000"/>
+                  </a:schemeClr>
+                </a:solidFill>
+              </a:rPr>
+              <a:t>db</a:t>
+            </a:r>
+            <a:r>
+              <a:rPr lang="en-US" dirty="0">
+                <a:solidFill>
+                  <a:schemeClr val="tx2">
+                    <a:lumMod val="75000"/>
+                  </a:schemeClr>
+                </a:solidFill>
+              </a:rPr>
+              <a:t>/&lt;name </a:t>
+            </a:r>
+            <a:r>
+              <a:rPr lang="en-US" dirty="0" err="1">
+                <a:solidFill>
+                  <a:schemeClr val="tx2">
+                    <a:lumMod val="75000"/>
+                  </a:schemeClr>
+                </a:solidFill>
+              </a:rPr>
+              <a:t>sid</a:t>
+            </a:r>
+            <a:r>
+              <a:rPr lang="en-US" dirty="0">
+                <a:solidFill>
+                  <a:schemeClr val="tx2">
+                    <a:lumMod val="75000"/>
+                  </a:schemeClr>
+                </a:solidFill>
+              </a:rPr>
+              <a:t>&gt;</a:t>
+            </a:r>
+          </a:p>
+          <a:p>
+            <a:pPr marL="573088" lvl="2" indent="-285750">
+              <a:buFont typeface="Wingdings" panose="05000000000000000000" pitchFamily="2" charset="2"/>
+              <a:buChar char="v"/>
+              <a:tabLst>
+                <a:tab pos="341313" algn="l"/>
+              </a:tabLst>
+            </a:pPr>
+            <a:r>
+              <a:rPr lang="en-US" dirty="0">
+                <a:solidFill>
+                  <a:schemeClr val="tx2">
+                    <a:lumMod val="75000"/>
+                  </a:schemeClr>
+                </a:solidFill>
+              </a:rPr>
+              <a:t>Give </a:t>
+            </a:r>
+            <a:r>
+              <a:rPr lang="en-US" dirty="0" err="1">
+                <a:solidFill>
+                  <a:schemeClr val="tx2">
+                    <a:lumMod val="75000"/>
+                  </a:schemeClr>
+                </a:solidFill>
+              </a:rPr>
+              <a:t>jndi</a:t>
+            </a:r>
+            <a:r>
+              <a:rPr lang="en-US" dirty="0">
+                <a:solidFill>
+                  <a:schemeClr val="tx2">
+                    <a:lumMod val="75000"/>
+                  </a:schemeClr>
+                </a:solidFill>
+              </a:rPr>
+              <a:t> of </a:t>
+            </a:r>
+            <a:r>
+              <a:rPr lang="en-US" dirty="0" err="1">
+                <a:solidFill>
+                  <a:schemeClr val="tx2">
+                    <a:lumMod val="75000"/>
+                  </a:schemeClr>
+                </a:solidFill>
+              </a:rPr>
+              <a:t>Datasource</a:t>
+            </a:r>
+            <a:r>
+              <a:rPr lang="en-US" dirty="0">
+                <a:solidFill>
+                  <a:schemeClr val="tx2">
+                    <a:lumMod val="75000"/>
+                  </a:schemeClr>
+                </a:solidFill>
+              </a:rPr>
+              <a:t> to the adapters </a:t>
+            </a:r>
+            <a:r>
+              <a:rPr lang="en-US" dirty="0" err="1">
+                <a:solidFill>
+                  <a:schemeClr val="tx2">
+                    <a:lumMod val="75000"/>
+                  </a:schemeClr>
+                </a:solidFill>
+              </a:rPr>
+              <a:t>outboung</a:t>
+            </a:r>
+            <a:r>
+              <a:rPr lang="en-US" dirty="0">
+                <a:solidFill>
+                  <a:schemeClr val="tx2">
+                    <a:lumMod val="75000"/>
+                  </a:schemeClr>
+                </a:solidFill>
+              </a:rPr>
+              <a:t> connection name</a:t>
+            </a:r>
+          </a:p>
+          <a:p>
+            <a:pPr marL="573088" lvl="2" indent="-285750">
+              <a:buFont typeface="Wingdings" panose="05000000000000000000" pitchFamily="2" charset="2"/>
+              <a:buChar char="v"/>
+              <a:tabLst>
+                <a:tab pos="341313" algn="l"/>
+              </a:tabLst>
+            </a:pPr>
+            <a:r>
+              <a:rPr lang="en-US" dirty="0">
+                <a:solidFill>
+                  <a:schemeClr val="tx2">
+                    <a:lumMod val="75000"/>
+                  </a:schemeClr>
+                </a:solidFill>
+              </a:rPr>
+              <a:t>Update </a:t>
+            </a:r>
+            <a:r>
+              <a:rPr lang="en-US" dirty="0" err="1">
+                <a:solidFill>
+                  <a:schemeClr val="tx2">
+                    <a:lumMod val="75000"/>
+                  </a:schemeClr>
+                </a:solidFill>
+              </a:rPr>
+              <a:t>DBAdapter</a:t>
+            </a:r>
+            <a:endParaRPr lang="en-US" dirty="0">
+              <a:solidFill>
+                <a:schemeClr val="tx2">
+                  <a:lumMod val="75000"/>
+                </a:schemeClr>
+              </a:solidFill>
+            </a:endParaRPr>
+          </a:p>
+          <a:p>
+            <a:pPr marL="573088" lvl="2" indent="-285750">
+              <a:buFont typeface="Wingdings" panose="05000000000000000000" pitchFamily="2" charset="2"/>
+              <a:buChar char="v"/>
+              <a:tabLst>
+                <a:tab pos="341313" algn="l"/>
+              </a:tabLst>
+            </a:pPr>
+            <a:endParaRPr lang="en-US" dirty="0">
+              <a:solidFill>
+                <a:schemeClr val="tx2">
+                  <a:lumMod val="75000"/>
+                </a:schemeClr>
+              </a:solidFill>
+            </a:endParaRPr>
+          </a:p>
+          <a:p>
+            <a:pPr marL="573088" lvl="2" indent="-285750">
+              <a:buFont typeface="Wingdings" panose="05000000000000000000" pitchFamily="2" charset="2"/>
+              <a:buChar char="v"/>
+              <a:tabLst>
+                <a:tab pos="341313" algn="l"/>
+              </a:tabLst>
+            </a:pPr>
+            <a:endParaRPr lang="en-US" dirty="0">
+              <a:solidFill>
+                <a:schemeClr val="tx2">
+                  <a:lumMod val="75000"/>
+                </a:schemeClr>
+              </a:solidFill>
+            </a:endParaRPr>
+          </a:p>
+          <a:p>
+            <a:pPr marL="685782" lvl="2" indent="0">
+              <a:buNone/>
+            </a:pPr>
+            <a:endParaRPr lang="en-US" dirty="0">
+              <a:solidFill>
+                <a:schemeClr val="tx2">
+                  <a:lumMod val="75000"/>
+                </a:schemeClr>
+              </a:solidFill>
+            </a:endParaRPr>
+          </a:p>
+        </p:txBody>
+      </p:sp>
+      <p:sp>
+        <p:nvSpPr>
+          <p:cNvPr id="3" name="Title 2">
+            <a:extLst>
+              <a:ext uri="{FF2B5EF4-FFF2-40B4-BE49-F238E27FC236}">
+                <a16:creationId xmlns:a16="http://schemas.microsoft.com/office/drawing/2014/main" id="{E4517D62-B1B2-6BC3-097C-B015BF9E854C}"/>
+              </a:ext>
+            </a:extLst>
+          </p:cNvPr>
+          <p:cNvSpPr>
+            <a:spLocks noGrp="1"/>
+          </p:cNvSpPr>
+          <p:nvPr>
+            <p:ph type="title"/>
+          </p:nvPr>
+        </p:nvSpPr>
+        <p:spPr/>
+        <p:txBody>
+          <a:bodyPr/>
+          <a:lstStyle/>
+          <a:p>
+            <a:r>
+              <a:rPr lang="en-US" b="1" dirty="0">
+                <a:solidFill>
+                  <a:srgbClr val="FF0000"/>
+                </a:solidFill>
+                <a:latin typeface="Segoe UI Semilight" panose="020B0402040204020203" pitchFamily="34" charset="0"/>
+                <a:cs typeface="Segoe UI Semilight" panose="020B0402040204020203" pitchFamily="34" charset="0"/>
+              </a:rPr>
+              <a:t>C</a:t>
+            </a:r>
+            <a:r>
+              <a:rPr lang="en-US" dirty="0"/>
+              <a:t>reating</a:t>
+            </a:r>
+            <a:r>
+              <a:rPr lang="en-US" b="1" dirty="0">
+                <a:solidFill>
+                  <a:schemeClr val="tx2">
+                    <a:lumMod val="50000"/>
+                  </a:schemeClr>
+                </a:solidFill>
+                <a:latin typeface="Segoe UI Semilight" panose="020B0402040204020203" pitchFamily="34" charset="0"/>
+                <a:cs typeface="Segoe UI Semilight" panose="020B0402040204020203" pitchFamily="34" charset="0"/>
+              </a:rPr>
+              <a:t> </a:t>
+            </a:r>
+            <a:r>
+              <a:rPr lang="en-US" dirty="0"/>
+              <a:t>Adapter Services</a:t>
+            </a:r>
+          </a:p>
+        </p:txBody>
+      </p:sp>
+    </p:spTree>
+    <p:extLst>
+      <p:ext uri="{BB962C8B-B14F-4D97-AF65-F5344CB8AC3E}">
+        <p14:creationId xmlns:p14="http://schemas.microsoft.com/office/powerpoint/2010/main" val="3355377939"/>
+      </p:ext>
+    </p:extLst>
+  </p:cSld>
+  <p:clrMapOvr>
+    <a:masterClrMapping/>
+  </p:clrMapOvr>
+</p:sld>
+</file>
+
+<file path=ppt/slides/slide33.xml><?xml version="1.0" encoding="utf-8"?>
+<p:sld xmlns:a="http://schemas.openxmlformats.org/drawingml/2006/main" xmlns:r="http://schemas.openxmlformats.org/officeDocument/2006/relationships" xmlns:p="http://schemas.openxmlformats.org/presentationml/2006/main">
+  <p:cSld>
+    <p:spTree>
+      <p:nvGrpSpPr>
+        <p:cNvPr id="1" name=""/>
+        <p:cNvGrpSpPr/>
+        <p:nvPr/>
+      </p:nvGrpSpPr>
+      <p:grpSpPr>
+        <a:xfrm>
+          <a:off x="0" y="0"/>
+          <a:ext cx="0" cy="0"/>
+          <a:chOff x="0" y="0"/>
+          <a:chExt cx="0" cy="0"/>
+        </a:xfrm>
+      </p:grpSpPr>
+      <p:sp>
+        <p:nvSpPr>
+          <p:cNvPr id="2" name="Content Placeholder 1">
+            <a:extLst>
+              <a:ext uri="{FF2B5EF4-FFF2-40B4-BE49-F238E27FC236}">
+                <a16:creationId xmlns:a16="http://schemas.microsoft.com/office/drawing/2014/main" id="{DD695CF2-C781-AC1C-C6DD-63E0964C22ED}"/>
+              </a:ext>
+            </a:extLst>
+          </p:cNvPr>
+          <p:cNvSpPr>
+            <a:spLocks noGrp="1"/>
+          </p:cNvSpPr>
+          <p:nvPr>
+            <p:ph idx="1"/>
+          </p:nvPr>
+        </p:nvSpPr>
+        <p:spPr/>
+        <p:txBody>
+          <a:bodyPr/>
+          <a:lstStyle/>
+          <a:p>
+            <a:r>
+              <a:rPr lang="en-US" dirty="0"/>
+              <a:t>Using DB Adapter in BPEL:</a:t>
+            </a:r>
+          </a:p>
+          <a:p>
+            <a:pPr lvl="1"/>
+            <a:endParaRPr lang="fa-IR" dirty="0"/>
+          </a:p>
+          <a:p>
+            <a:pPr lvl="1"/>
+            <a:r>
+              <a:rPr lang="en-US" dirty="0"/>
+              <a:t>Creating XML Schema</a:t>
+            </a:r>
+          </a:p>
+          <a:p>
+            <a:pPr lvl="1"/>
+            <a:r>
+              <a:rPr lang="en-US" dirty="0"/>
+              <a:t>Adding BEPL </a:t>
+            </a:r>
+          </a:p>
+          <a:p>
+            <a:pPr lvl="1"/>
+            <a:r>
+              <a:rPr lang="en-US" dirty="0"/>
+              <a:t>Adding DB  Adapter</a:t>
+            </a:r>
+          </a:p>
+          <a:p>
+            <a:pPr lvl="2"/>
+            <a:r>
+              <a:rPr lang="en-US" dirty="0"/>
+              <a:t>New Connection </a:t>
+            </a:r>
+          </a:p>
+          <a:p>
+            <a:pPr lvl="2"/>
+            <a:r>
+              <a:rPr lang="en-US" dirty="0"/>
+              <a:t>Add JNDI Name for </a:t>
+            </a:r>
+            <a:r>
+              <a:rPr lang="en-US" dirty="0" err="1"/>
+              <a:t>DbAdapter</a:t>
+            </a:r>
+            <a:endParaRPr lang="en-US" dirty="0"/>
+          </a:p>
+          <a:p>
+            <a:pPr lvl="2"/>
+            <a:r>
+              <a:rPr lang="en-US" dirty="0"/>
+              <a:t>Operation</a:t>
+            </a:r>
+          </a:p>
+          <a:p>
+            <a:pPr lvl="2"/>
+            <a:r>
+              <a:rPr lang="en-US" dirty="0"/>
+              <a:t>Importing Table</a:t>
+            </a:r>
+          </a:p>
+          <a:p>
+            <a:pPr lvl="2"/>
+            <a:r>
+              <a:rPr lang="en-US" dirty="0"/>
+              <a:t>Primary Key</a:t>
+            </a:r>
+          </a:p>
+          <a:p>
+            <a:pPr lvl="2"/>
+            <a:r>
+              <a:rPr lang="en-US" dirty="0"/>
+              <a:t>Add Parameter </a:t>
+            </a:r>
+          </a:p>
+          <a:p>
+            <a:pPr lvl="2"/>
+            <a:r>
+              <a:rPr lang="en-US"/>
+              <a:t>SQL Construction</a:t>
+            </a:r>
+          </a:p>
+          <a:p>
+            <a:pPr lvl="2"/>
+            <a:endParaRPr lang="fa-IR"/>
+          </a:p>
+        </p:txBody>
+      </p:sp>
+      <p:sp>
+        <p:nvSpPr>
+          <p:cNvPr id="3" name="Title 2">
+            <a:extLst>
+              <a:ext uri="{FF2B5EF4-FFF2-40B4-BE49-F238E27FC236}">
+                <a16:creationId xmlns:a16="http://schemas.microsoft.com/office/drawing/2014/main" id="{0E8B0F37-9250-58D1-DB72-14A64D503936}"/>
+              </a:ext>
+            </a:extLst>
+          </p:cNvPr>
+          <p:cNvSpPr>
+            <a:spLocks noGrp="1"/>
+          </p:cNvSpPr>
+          <p:nvPr>
+            <p:ph type="title"/>
+          </p:nvPr>
+        </p:nvSpPr>
+        <p:spPr/>
+        <p:txBody>
+          <a:bodyPr/>
+          <a:lstStyle/>
+          <a:p>
+            <a:r>
+              <a:rPr lang="en-US" b="1" dirty="0">
+                <a:solidFill>
+                  <a:srgbClr val="FF0000"/>
+                </a:solidFill>
+                <a:latin typeface="Segoe UI Semilight" panose="020B0402040204020203" pitchFamily="34" charset="0"/>
+                <a:cs typeface="Segoe UI Semilight" panose="020B0402040204020203" pitchFamily="34" charset="0"/>
+              </a:rPr>
+              <a:t>C</a:t>
+            </a:r>
+            <a:r>
+              <a:rPr lang="en-US" dirty="0"/>
+              <a:t>reating</a:t>
+            </a:r>
+            <a:r>
+              <a:rPr lang="en-US" b="1" dirty="0">
+                <a:solidFill>
+                  <a:schemeClr val="tx2">
+                    <a:lumMod val="50000"/>
+                  </a:schemeClr>
+                </a:solidFill>
+                <a:latin typeface="Segoe UI Semilight" panose="020B0402040204020203" pitchFamily="34" charset="0"/>
+                <a:cs typeface="Segoe UI Semilight" panose="020B0402040204020203" pitchFamily="34" charset="0"/>
+              </a:rPr>
+              <a:t> </a:t>
+            </a:r>
+            <a:r>
+              <a:rPr lang="en-US" dirty="0"/>
+              <a:t>Adapter Services</a:t>
+            </a:r>
+          </a:p>
+        </p:txBody>
+      </p:sp>
+    </p:spTree>
+    <p:extLst>
+      <p:ext uri="{BB962C8B-B14F-4D97-AF65-F5344CB8AC3E}">
+        <p14:creationId xmlns:p14="http://schemas.microsoft.com/office/powerpoint/2010/main" val="4029931400"/>
+      </p:ext>
+    </p:extLst>
+  </p:cSld>
+  <p:clrMapOvr>
+    <a:masterClrMapping/>
+  </p:clrMapOvr>
+</p:sld>
+</file>
+
+<file path=ppt/slides/slide34.xml><?xml version="1.0" encoding="utf-8"?>
 <p:sld xmlns:a="http://schemas.openxmlformats.org/drawingml/2006/main" xmlns:r="http://schemas.openxmlformats.org/officeDocument/2006/relationships" xmlns:p="http://schemas.openxmlformats.org/presentationml/2006/main">
   <p:cSld>
     <p:spTree>
@@ -11635,7 +14156,7 @@
 </p:sld>
 </file>
 
-<file path=ppt/slides/slide29.xml><?xml version="1.0" encoding="utf-8"?>
+<file path=ppt/slides/slide35.xml><?xml version="1.0" encoding="utf-8"?>
 <p:sld xmlns:a="http://schemas.openxmlformats.org/drawingml/2006/main" xmlns:r="http://schemas.openxmlformats.org/officeDocument/2006/relationships" xmlns:p="http://schemas.openxmlformats.org/presentationml/2006/main">
   <p:cSld>
     <p:spTree>
@@ -13268,398 +15789,7 @@
 </p:sld>
 </file>
 
-<file path=ppt/slides/slide3.xml><?xml version="1.0" encoding="utf-8"?>
-<p:sld xmlns:a="http://schemas.openxmlformats.org/drawingml/2006/main" xmlns:r="http://schemas.openxmlformats.org/officeDocument/2006/relationships" xmlns:p="http://schemas.openxmlformats.org/presentationml/2006/main">
-  <p:cSld>
-    <p:spTree>
-      <p:nvGrpSpPr>
-        <p:cNvPr id="1" name=""/>
-        <p:cNvGrpSpPr/>
-        <p:nvPr/>
-      </p:nvGrpSpPr>
-      <p:grpSpPr>
-        <a:xfrm>
-          <a:off x="0" y="0"/>
-          <a:ext cx="0" cy="0"/>
-          <a:chOff x="0" y="0"/>
-          <a:chExt cx="0" cy="0"/>
-        </a:xfrm>
-      </p:grpSpPr>
-      <p:sp>
-        <p:nvSpPr>
-          <p:cNvPr id="2" name="Content Placeholder 1">
-            <a:extLst>
-              <a:ext uri="{FF2B5EF4-FFF2-40B4-BE49-F238E27FC236}">
-                <a16:creationId xmlns:a16="http://schemas.microsoft.com/office/drawing/2014/main" id="{24CD15BF-27B0-D6C0-6441-91C73B58C588}"/>
-              </a:ext>
-            </a:extLst>
-          </p:cNvPr>
-          <p:cNvSpPr>
-            <a:spLocks noGrp="1"/>
-          </p:cNvSpPr>
-          <p:nvPr>
-            <p:ph idx="1"/>
-          </p:nvPr>
-        </p:nvSpPr>
-        <p:spPr>
-          <a:xfrm>
-            <a:off x="322909" y="1013017"/>
-            <a:ext cx="8229600" cy="4906963"/>
-          </a:xfrm>
-        </p:spPr>
-        <p:txBody>
-          <a:bodyPr>
-            <a:normAutofit/>
-          </a:bodyPr>
-          <a:lstStyle/>
-          <a:p>
-            <a:r>
-              <a:rPr lang="en-US" sz="2000" b="1" dirty="0"/>
-              <a:t>What is Service-Oriented Architecture</a:t>
-            </a:r>
-          </a:p>
-          <a:p>
-            <a:pPr marL="0" indent="0">
-              <a:buNone/>
-            </a:pPr>
-            <a:endParaRPr lang="en-US" sz="2000" b="1" dirty="0"/>
-          </a:p>
-          <a:p>
-            <a:pPr lvl="1">
-              <a:buFont typeface="Wingdings" panose="05000000000000000000" pitchFamily="2" charset="2"/>
-              <a:buChar char="q"/>
-            </a:pPr>
-            <a:r>
-              <a:rPr lang="en-US" b="1" dirty="0">
-                <a:solidFill>
-                  <a:srgbClr val="333333"/>
-                </a:solidFill>
-                <a:latin typeface="AmazonEmber"/>
-              </a:rPr>
-              <a:t>What is SOA:</a:t>
-            </a:r>
-            <a:r>
-              <a:rPr lang="en-US" dirty="0">
-                <a:solidFill>
-                  <a:srgbClr val="333333"/>
-                </a:solidFill>
-                <a:latin typeface="AmazonEmber"/>
-              </a:rPr>
-              <a:t> </a:t>
-            </a:r>
-            <a:r>
-              <a:rPr lang="en-US" b="0" i="0" dirty="0">
-                <a:solidFill>
-                  <a:srgbClr val="333333"/>
-                </a:solidFill>
-                <a:effectLst/>
-                <a:latin typeface="AmazonEmber"/>
-              </a:rPr>
-              <a:t>Service-oriented architecture (SOA) is a method of software development that uses software components called services to create business applications. </a:t>
-            </a:r>
-          </a:p>
-          <a:p>
-            <a:pPr marL="342891" lvl="1" indent="0">
-              <a:buNone/>
-            </a:pPr>
-            <a:endParaRPr lang="en-US" b="0" i="0" dirty="0">
-              <a:solidFill>
-                <a:srgbClr val="333333"/>
-              </a:solidFill>
-              <a:effectLst/>
-              <a:latin typeface="AmazonEmber"/>
-            </a:endParaRPr>
-          </a:p>
-          <a:p>
-            <a:pPr lvl="1">
-              <a:buFont typeface="Wingdings" panose="05000000000000000000" pitchFamily="2" charset="2"/>
-              <a:buChar char="q"/>
-            </a:pPr>
-            <a:r>
-              <a:rPr lang="en-US" dirty="0">
-                <a:solidFill>
-                  <a:srgbClr val="333333"/>
-                </a:solidFill>
-                <a:latin typeface="AmazonEmber"/>
-              </a:rPr>
-              <a:t>Benefits</a:t>
-            </a:r>
-            <a:endParaRPr lang="en-US" b="0" i="0" dirty="0">
-              <a:solidFill>
-                <a:srgbClr val="333333"/>
-              </a:solidFill>
-              <a:effectLst/>
-              <a:latin typeface="AmazonEmber"/>
-            </a:endParaRPr>
-          </a:p>
-          <a:p>
-            <a:pPr lvl="2"/>
-            <a:r>
-              <a:rPr lang="en-US" b="1" i="0" dirty="0">
-                <a:solidFill>
-                  <a:srgbClr val="333333"/>
-                </a:solidFill>
-                <a:effectLst/>
-                <a:latin typeface="AmazonEmber"/>
-              </a:rPr>
-              <a:t>Faster time to market</a:t>
-            </a:r>
-          </a:p>
-          <a:p>
-            <a:pPr lvl="2"/>
-            <a:r>
-              <a:rPr lang="en-US" b="1" i="0" dirty="0">
-                <a:solidFill>
-                  <a:srgbClr val="333333"/>
-                </a:solidFill>
-                <a:effectLst/>
-                <a:latin typeface="AmazonEmber"/>
-              </a:rPr>
-              <a:t>Efficient maintenance</a:t>
-            </a:r>
-          </a:p>
-          <a:p>
-            <a:pPr lvl="2"/>
-            <a:r>
-              <a:rPr lang="en-US" b="1" i="0" dirty="0">
-                <a:solidFill>
-                  <a:srgbClr val="333333"/>
-                </a:solidFill>
-                <a:effectLst/>
-                <a:latin typeface="AmazonEmber"/>
-              </a:rPr>
-              <a:t>Greater adaptability</a:t>
-            </a:r>
-          </a:p>
-          <a:p>
-            <a:pPr marL="685782" lvl="2" indent="0">
-              <a:buNone/>
-            </a:pPr>
-            <a:endParaRPr lang="en-US" b="1" i="0" dirty="0">
-              <a:solidFill>
-                <a:srgbClr val="333333"/>
-              </a:solidFill>
-              <a:effectLst/>
-              <a:latin typeface="AmazonEmber"/>
-            </a:endParaRPr>
-          </a:p>
-          <a:p>
-            <a:pPr marL="573088" lvl="2" indent="-231775">
-              <a:buFont typeface="Wingdings" panose="05000000000000000000" pitchFamily="2" charset="2"/>
-              <a:buChar char="q"/>
-            </a:pPr>
-            <a:r>
-              <a:rPr lang="en-US" dirty="0">
-                <a:solidFill>
-                  <a:srgbClr val="333333"/>
-                </a:solidFill>
-                <a:latin typeface="AmazonEmber"/>
-              </a:rPr>
-              <a:t>Limitation</a:t>
-            </a:r>
-            <a:r>
-              <a:rPr lang="en-US" b="1" i="0" dirty="0">
-                <a:solidFill>
-                  <a:srgbClr val="333333"/>
-                </a:solidFill>
-                <a:effectLst/>
-                <a:latin typeface="AmazonEmber"/>
-              </a:rPr>
-              <a:t> </a:t>
-            </a:r>
-          </a:p>
-          <a:p>
-            <a:pPr marL="915980" lvl="3" indent="-285750">
-              <a:buFont typeface="Arial" panose="020B0604020202020204" pitchFamily="34" charset="0"/>
-              <a:buChar char="•"/>
-            </a:pPr>
-            <a:r>
-              <a:rPr lang="en-US" b="1" dirty="0">
-                <a:solidFill>
-                  <a:srgbClr val="333333"/>
-                </a:solidFill>
-                <a:latin typeface="AmazonEmber"/>
-              </a:rPr>
-              <a:t>Limited scalability</a:t>
-            </a:r>
-          </a:p>
-          <a:p>
-            <a:pPr marL="915980" lvl="3" indent="-285750">
-              <a:buFont typeface="Arial" panose="020B0604020202020204" pitchFamily="34" charset="0"/>
-              <a:buChar char="•"/>
-            </a:pPr>
-            <a:r>
-              <a:rPr lang="en-US" b="1" dirty="0">
-                <a:solidFill>
-                  <a:srgbClr val="333333"/>
-                </a:solidFill>
-                <a:latin typeface="AmazonEmber"/>
-              </a:rPr>
-              <a:t>Increasing interdependencies</a:t>
-            </a:r>
-          </a:p>
-          <a:p>
-            <a:pPr marL="915980" lvl="3" indent="-285750">
-              <a:buFont typeface="Arial" panose="020B0604020202020204" pitchFamily="34" charset="0"/>
-              <a:buChar char="•"/>
-            </a:pPr>
-            <a:r>
-              <a:rPr lang="en-US" b="1" dirty="0">
-                <a:solidFill>
-                  <a:srgbClr val="333333"/>
-                </a:solidFill>
-                <a:latin typeface="AmazonEmber"/>
-              </a:rPr>
-              <a:t>Single point of failure</a:t>
-            </a:r>
-          </a:p>
-          <a:p>
-            <a:pPr marL="428614" lvl="2" indent="0">
-              <a:spcBef>
-                <a:spcPts val="0"/>
-              </a:spcBef>
-              <a:buNone/>
-            </a:pPr>
-            <a:endParaRPr lang="en-US" b="1" dirty="0">
-              <a:solidFill>
-                <a:srgbClr val="333333"/>
-              </a:solidFill>
-              <a:latin typeface="AmazonEmber"/>
-            </a:endParaRPr>
-          </a:p>
-          <a:p>
-            <a:pPr marL="428614" lvl="2" indent="0">
-              <a:spcBef>
-                <a:spcPts val="0"/>
-              </a:spcBef>
-              <a:buNone/>
-            </a:pPr>
-            <a:endParaRPr lang="en-US" b="1" dirty="0">
-              <a:solidFill>
-                <a:srgbClr val="333333"/>
-              </a:solidFill>
-              <a:latin typeface="AmazonEmber"/>
-            </a:endParaRPr>
-          </a:p>
-          <a:p>
-            <a:pPr marL="428614" lvl="2" indent="0">
-              <a:spcBef>
-                <a:spcPts val="0"/>
-              </a:spcBef>
-              <a:buNone/>
-            </a:pPr>
-            <a:endParaRPr lang="en-US" b="1" dirty="0">
-              <a:solidFill>
-                <a:srgbClr val="333333"/>
-              </a:solidFill>
-              <a:latin typeface="AmazonEmber"/>
-            </a:endParaRPr>
-          </a:p>
-        </p:txBody>
-      </p:sp>
-      <p:sp>
-        <p:nvSpPr>
-          <p:cNvPr id="3" name="Title 2">
-            <a:extLst>
-              <a:ext uri="{FF2B5EF4-FFF2-40B4-BE49-F238E27FC236}">
-                <a16:creationId xmlns:a16="http://schemas.microsoft.com/office/drawing/2014/main" id="{5949415C-882D-4139-A02D-E250A1AEB9CA}"/>
-              </a:ext>
-            </a:extLst>
-          </p:cNvPr>
-          <p:cNvSpPr>
-            <a:spLocks noGrp="1"/>
-          </p:cNvSpPr>
-          <p:nvPr>
-            <p:ph type="title"/>
-          </p:nvPr>
-        </p:nvSpPr>
-        <p:spPr/>
-        <p:txBody>
-          <a:bodyPr/>
-          <a:lstStyle/>
-          <a:p>
-            <a:r>
-              <a:rPr lang="en-US" dirty="0" err="1"/>
-              <a:t>Intoduction</a:t>
-            </a:r>
-            <a:r>
-              <a:rPr lang="en-US" dirty="0"/>
-              <a:t> to SOA</a:t>
-            </a:r>
-          </a:p>
-        </p:txBody>
-      </p:sp>
-      <p:pic>
-        <p:nvPicPr>
-          <p:cNvPr id="1030" name="Picture 6" descr="Illustration showing Service-Oriented architecture. It shows various SOA building blocks being assembled into a composite application.">
-            <a:extLst>
-              <a:ext uri="{FF2B5EF4-FFF2-40B4-BE49-F238E27FC236}">
-                <a16:creationId xmlns:a16="http://schemas.microsoft.com/office/drawing/2014/main" id="{4CBF0C57-D4F4-D86B-6421-A82E7FDE5093}"/>
-              </a:ext>
-            </a:extLst>
-          </p:cNvPr>
-          <p:cNvPicPr>
-            <a:picLocks noChangeAspect="1" noChangeArrowheads="1"/>
-          </p:cNvPicPr>
-          <p:nvPr/>
-        </p:nvPicPr>
-        <p:blipFill>
-          <a:blip r:embed="rId2">
-            <a:clrChange>
-              <a:clrFrom>
-                <a:srgbClr val="FFFFFF"/>
-              </a:clrFrom>
-              <a:clrTo>
-                <a:srgbClr val="FFFFFF">
-                  <a:alpha val="0"/>
-                </a:srgbClr>
-              </a:clrTo>
-            </a:clrChange>
-            <a:extLst>
-              <a:ext uri="{28A0092B-C50C-407E-A947-70E740481C1C}">
-                <a14:useLocalDpi xmlns:a14="http://schemas.microsoft.com/office/drawing/2010/main" val="0"/>
-              </a:ext>
-            </a:extLst>
-          </a:blip>
-          <a:srcRect/>
-          <a:stretch>
-            <a:fillRect/>
-          </a:stretch>
-        </p:blipFill>
-        <p:spPr bwMode="auto">
-          <a:xfrm>
-            <a:off x="3349983" y="3313940"/>
-            <a:ext cx="5562548" cy="2606040"/>
-          </a:xfrm>
-          <a:prstGeom prst="rect">
-            <a:avLst/>
-          </a:prstGeom>
-          <a:noFill/>
-          <a:extLst>
-            <a:ext uri="{909E8E84-426E-40DD-AFC4-6F175D3DCCD1}">
-              <a14:hiddenFill xmlns:a14="http://schemas.microsoft.com/office/drawing/2010/main">
-                <a:solidFill>
-                  <a:srgbClr val="FFFFFF"/>
-                </a:solidFill>
-              </a14:hiddenFill>
-            </a:ext>
-          </a:extLst>
-        </p:spPr>
-      </p:pic>
-    </p:spTree>
-    <p:extLst>
-      <p:ext uri="{BB962C8B-B14F-4D97-AF65-F5344CB8AC3E}">
-        <p14:creationId xmlns:p14="http://schemas.microsoft.com/office/powerpoint/2010/main" val="1635904338"/>
-      </p:ext>
-    </p:extLst>
-  </p:cSld>
-  <p:clrMapOvr>
-    <a:masterClrMapping/>
-  </p:clrMapOvr>
-</p:sld>
-</file>
-
-<file path=ppt/slides/slide30.xml><?xml version="1.0" encoding="utf-8"?>
+<file path=ppt/slides/slide36.xml><?xml version="1.0" encoding="utf-8"?>
 <p:sld xmlns:a="http://schemas.openxmlformats.org/drawingml/2006/main" xmlns:r="http://schemas.openxmlformats.org/officeDocument/2006/relationships" xmlns:p="http://schemas.openxmlformats.org/presentationml/2006/main">
   <p:cSld>
     <p:spTree>
@@ -14786,7 +16916,7 @@
 </p:sld>
 </file>
 
-<file path=ppt/slides/slide31.xml><?xml version="1.0" encoding="utf-8"?>
+<file path=ppt/slides/slide37.xml><?xml version="1.0" encoding="utf-8"?>
 <p:sld xmlns:a="http://schemas.openxmlformats.org/drawingml/2006/main" xmlns:r="http://schemas.openxmlformats.org/officeDocument/2006/relationships" xmlns:p="http://schemas.openxmlformats.org/presentationml/2006/main">
   <p:cSld>
     <p:spTree>
@@ -14970,7 +17100,7 @@
 </p:sld>
 </file>
 
-<file path=ppt/slides/slide32.xml><?xml version="1.0" encoding="utf-8"?>
+<file path=ppt/slides/slide38.xml><?xml version="1.0" encoding="utf-8"?>
 <p:sld xmlns:a="http://schemas.openxmlformats.org/drawingml/2006/main" xmlns:r="http://schemas.openxmlformats.org/officeDocument/2006/relationships" xmlns:p="http://schemas.openxmlformats.org/presentationml/2006/main">
   <p:cSld>
     <p:spTree>
@@ -15075,7 +17205,7 @@
 </p:sld>
 </file>
 
-<file path=ppt/slides/slide33.xml><?xml version="1.0" encoding="utf-8"?>
+<file path=ppt/slides/slide39.xml><?xml version="1.0" encoding="utf-8"?>
 <p:sld xmlns:a="http://schemas.openxmlformats.org/drawingml/2006/main" xmlns:r="http://schemas.openxmlformats.org/officeDocument/2006/relationships" xmlns:p="http://schemas.openxmlformats.org/presentationml/2006/main">
   <p:cSld>
     <p:spTree>

--- a/Presentation/soaTrainingPresentation.pptx
+++ b/Presentation/soaTrainingPresentation.pptx
@@ -38,12 +38,14 @@
     <p:sldId id="309" r:id="rId32"/>
     <p:sldId id="310" r:id="rId33"/>
     <p:sldId id="311" r:id="rId34"/>
-    <p:sldId id="259" r:id="rId35"/>
-    <p:sldId id="276" r:id="rId36"/>
-    <p:sldId id="277" r:id="rId37"/>
-    <p:sldId id="261" r:id="rId38"/>
-    <p:sldId id="268" r:id="rId39"/>
-    <p:sldId id="272" r:id="rId40"/>
+    <p:sldId id="312" r:id="rId35"/>
+    <p:sldId id="313" r:id="rId36"/>
+    <p:sldId id="259" r:id="rId37"/>
+    <p:sldId id="276" r:id="rId38"/>
+    <p:sldId id="277" r:id="rId39"/>
+    <p:sldId id="261" r:id="rId40"/>
+    <p:sldId id="268" r:id="rId41"/>
+    <p:sldId id="272" r:id="rId42"/>
   </p:sldIdLst>
   <p:sldSz cx="9144000" cy="6858000" type="screen4x3"/>
   <p:notesSz cx="6858000" cy="9144000"/>
@@ -180,6 +182,8 @@
             <p14:sldId id="309"/>
             <p14:sldId id="310"/>
             <p14:sldId id="311"/>
+            <p14:sldId id="312"/>
+            <p14:sldId id="313"/>
           </p14:sldIdLst>
         </p14:section>
         <p14:section name="Architecture" id="{2E54B0A4-7D42-4DA8-B359-3DA8DE410F7E}">
@@ -6265,7 +6269,7 @@
           <p:nvPr>
             <p:extLst>
               <p:ext uri="{D42A27DB-BD31-4B8C-83A1-F6EECF244321}">
-                <p14:modId xmlns:p14="http://schemas.microsoft.com/office/powerpoint/2010/main" val="2859772043"/>
+                <p14:modId xmlns:p14="http://schemas.microsoft.com/office/powerpoint/2010/main" val="1917506272"/>
               </p:ext>
             </p:extLst>
           </p:nvPr>
@@ -6902,7 +6906,7 @@
                           <a:latin typeface="Segoe UI Semilight" panose="020B0402040204020203" pitchFamily="34" charset="0"/>
                           <a:cs typeface="Segoe UI Semilight" panose="020B0402040204020203" pitchFamily="34" charset="0"/>
                         </a:rPr>
-                        <a:t>usiness Process Execution Language(BPEL)</a:t>
+                        <a:t>usiness Process Execution Language (BPEL)</a:t>
                       </a:r>
                       <a:endParaRPr lang="en-US" b="1" dirty="0">
                         <a:solidFill>
@@ -7233,7 +7237,7 @@
                           <a:latin typeface="Segoe UI Semilight" panose="020B0402040204020203" pitchFamily="34" charset="0"/>
                           <a:cs typeface="Segoe UI Semilight" panose="020B0402040204020203" pitchFamily="34" charset="0"/>
                         </a:rPr>
-                        <a:t>rchestrating Services with Oracle BPEL</a:t>
+                        <a:t>rchestrating Services with Oracle BPEL (External References)</a:t>
                       </a:r>
                     </a:p>
                   </a:txBody>
@@ -7255,7 +7259,17 @@
                     <a:lstStyle/>
                     <a:p>
                       <a:pPr algn="ctr"/>
-                      <a:endParaRPr lang="en-US" dirty="0"/>
+                      <a:r>
+                        <a:rPr lang="en-US" sz="1350" b="1" kern="1200" dirty="0">
+                          <a:solidFill>
+                            <a:srgbClr val="FF5353"/>
+                          </a:solidFill>
+                          <a:latin typeface="Segoe UI Semilight" panose="020B0402040204020203" pitchFamily="34" charset="0"/>
+                          <a:ea typeface="+mn-ea"/>
+                          <a:cs typeface="Segoe UI Semilight" panose="020B0402040204020203" pitchFamily="34" charset="0"/>
+                        </a:rPr>
+                        <a:t>~3h</a:t>
+                      </a:r>
                     </a:p>
                   </a:txBody>
                   <a:tcPr>
@@ -7356,7 +7370,7 @@
                           <a:latin typeface="Segoe UI Semilight" panose="020B0402040204020203" pitchFamily="34" charset="0"/>
                           <a:cs typeface="Segoe UI Semilight" panose="020B0402040204020203" pitchFamily="34" charset="0"/>
                         </a:rPr>
-                        <a:t>~3h</a:t>
+                        <a:t>~1h</a:t>
                       </a:r>
                       <a:endParaRPr lang="en-US" dirty="0"/>
                     </a:p>
@@ -7459,7 +7473,7 @@
                           <a:latin typeface="Segoe UI Semilight" panose="020B0402040204020203" pitchFamily="34" charset="0"/>
                           <a:cs typeface="Segoe UI Semilight" panose="020B0402040204020203" pitchFamily="34" charset="0"/>
                         </a:rPr>
-                        <a:t>~2h</a:t>
+                        <a:t>~1h</a:t>
                       </a:r>
                       <a:endParaRPr lang="en-US" dirty="0"/>
                     </a:p>
@@ -7562,7 +7576,7 @@
                           <a:latin typeface="Segoe UI Semilight" panose="020B0402040204020203" pitchFamily="34" charset="0"/>
                           <a:cs typeface="Segoe UI Semilight" panose="020B0402040204020203" pitchFamily="34" charset="0"/>
                         </a:rPr>
-                        <a:t>~2h</a:t>
+                        <a:t>~1h</a:t>
                       </a:r>
                       <a:endParaRPr lang="en-US" dirty="0"/>
                     </a:p>
@@ -10820,7 +10834,7 @@
         </p:blipFill>
         <p:spPr>
           <a:xfrm>
-            <a:off x="824752" y="3672686"/>
+            <a:off x="715695" y="3681075"/>
             <a:ext cx="7368988" cy="2186073"/>
           </a:xfrm>
           <a:prstGeom prst="rect">
@@ -11926,13 +11940,13 @@
           <a:p>
             <a:pPr lvl="2"/>
             <a:r>
-              <a:rPr lang="en-US"/>
+              <a:rPr lang="en-US" dirty="0"/>
               <a:t>SQL Construction</a:t>
             </a:r>
           </a:p>
           <a:p>
             <a:pPr lvl="2"/>
-            <a:endParaRPr lang="fa-IR"/>
+            <a:endParaRPr lang="fa-IR" dirty="0"/>
           </a:p>
         </p:txBody>
       </p:sp>
@@ -12004,6 +12018,331 @@
 </file>
 
 <file path=ppt/slides/slide34.xml><?xml version="1.0" encoding="utf-8"?>
+<p:sld xmlns:a="http://schemas.openxmlformats.org/drawingml/2006/main" xmlns:r="http://schemas.openxmlformats.org/officeDocument/2006/relationships" xmlns:p="http://schemas.openxmlformats.org/presentationml/2006/main">
+  <p:cSld>
+    <p:spTree>
+      <p:nvGrpSpPr>
+        <p:cNvPr id="1" name=""/>
+        <p:cNvGrpSpPr/>
+        <p:nvPr/>
+      </p:nvGrpSpPr>
+      <p:grpSpPr>
+        <a:xfrm>
+          <a:off x="0" y="0"/>
+          <a:ext cx="0" cy="0"/>
+          <a:chOff x="0" y="0"/>
+          <a:chExt cx="0" cy="0"/>
+        </a:xfrm>
+      </p:grpSpPr>
+      <p:sp>
+        <p:nvSpPr>
+          <p:cNvPr id="2" name="Content Placeholder 1">
+            <a:extLst>
+              <a:ext uri="{FF2B5EF4-FFF2-40B4-BE49-F238E27FC236}">
+                <a16:creationId xmlns:a16="http://schemas.microsoft.com/office/drawing/2014/main" id="{F27F738A-96E8-2329-57E5-72EFBF182749}"/>
+              </a:ext>
+            </a:extLst>
+          </p:cNvPr>
+          <p:cNvSpPr>
+            <a:spLocks noGrp="1"/>
+          </p:cNvSpPr>
+          <p:nvPr>
+            <p:ph idx="1"/>
+          </p:nvPr>
+        </p:nvSpPr>
+        <p:spPr/>
+        <p:txBody>
+          <a:bodyPr/>
+          <a:lstStyle/>
+          <a:p>
+            <a:pPr>
+              <a:buFont typeface="Wingdings" panose="05000000000000000000" pitchFamily="2" charset="2"/>
+              <a:buChar char="q"/>
+            </a:pPr>
+            <a:r>
+              <a:rPr lang="en-US" dirty="0"/>
+              <a:t>Create A BEPL with </a:t>
+            </a:r>
+            <a:r>
+              <a:rPr lang="en-US" dirty="0" err="1"/>
+              <a:t>DBAdapter</a:t>
+            </a:r>
+            <a:r>
+              <a:rPr lang="en-US" dirty="0"/>
+              <a:t>: in </a:t>
+            </a:r>
+            <a:r>
+              <a:rPr lang="en-US" dirty="0" err="1"/>
+              <a:t>Jdev</a:t>
+            </a:r>
+            <a:endParaRPr lang="en-US" dirty="0"/>
+          </a:p>
+          <a:p>
+            <a:pPr marL="342891" lvl="1" indent="0">
+              <a:buNone/>
+            </a:pPr>
+            <a:endParaRPr lang="en-US" dirty="0"/>
+          </a:p>
+          <a:p>
+            <a:pPr lvl="1">
+              <a:buFont typeface="Wingdings" panose="05000000000000000000" pitchFamily="2" charset="2"/>
+              <a:buChar char="q"/>
+            </a:pPr>
+            <a:r>
+              <a:rPr lang="en-US" dirty="0"/>
+              <a:t>Add </a:t>
+            </a:r>
+            <a:r>
+              <a:rPr lang="en-US" dirty="0" err="1"/>
+              <a:t>NewDbAdapter</a:t>
+            </a:r>
+            <a:endParaRPr lang="en-US" dirty="0"/>
+          </a:p>
+          <a:p>
+            <a:pPr lvl="1">
+              <a:buFont typeface="Wingdings" panose="05000000000000000000" pitchFamily="2" charset="2"/>
+              <a:buChar char="q"/>
+            </a:pPr>
+            <a:r>
+              <a:rPr lang="en-US" dirty="0"/>
+              <a:t>Define the Connection Specification </a:t>
+            </a:r>
+          </a:p>
+          <a:p>
+            <a:pPr lvl="2">
+              <a:buFont typeface="Wingdings" panose="05000000000000000000" pitchFamily="2" charset="2"/>
+              <a:buChar char="q"/>
+            </a:pPr>
+            <a:r>
+              <a:rPr lang="en-US" dirty="0"/>
+              <a:t>JNDI Name</a:t>
+            </a:r>
+          </a:p>
+          <a:p>
+            <a:pPr lvl="2">
+              <a:buFont typeface="Wingdings" panose="05000000000000000000" pitchFamily="2" charset="2"/>
+              <a:buChar char="q"/>
+            </a:pPr>
+            <a:r>
+              <a:rPr lang="en-US" dirty="0"/>
+              <a:t>App Server Connection </a:t>
+            </a:r>
+          </a:p>
+          <a:p>
+            <a:pPr lvl="2">
+              <a:buFont typeface="Wingdings" panose="05000000000000000000" pitchFamily="2" charset="2"/>
+              <a:buChar char="q"/>
+            </a:pPr>
+            <a:r>
+              <a:rPr lang="en-US" dirty="0"/>
+              <a:t>Select the operation type</a:t>
+            </a:r>
+          </a:p>
+          <a:p>
+            <a:pPr lvl="2">
+              <a:buFont typeface="Wingdings" panose="05000000000000000000" pitchFamily="2" charset="2"/>
+              <a:buChar char="q"/>
+            </a:pPr>
+            <a:r>
+              <a:rPr lang="en-US" dirty="0"/>
+              <a:t>Import Tables</a:t>
+            </a:r>
+          </a:p>
+          <a:p>
+            <a:pPr lvl="2">
+              <a:buFont typeface="Wingdings" panose="05000000000000000000" pitchFamily="2" charset="2"/>
+              <a:buChar char="q"/>
+            </a:pPr>
+            <a:endParaRPr lang="en-US" dirty="0"/>
+          </a:p>
+          <a:p>
+            <a:pPr lvl="1"/>
+            <a:endParaRPr lang="en-US" dirty="0"/>
+          </a:p>
+        </p:txBody>
+      </p:sp>
+      <p:sp>
+        <p:nvSpPr>
+          <p:cNvPr id="3" name="Title 2">
+            <a:extLst>
+              <a:ext uri="{FF2B5EF4-FFF2-40B4-BE49-F238E27FC236}">
+                <a16:creationId xmlns:a16="http://schemas.microsoft.com/office/drawing/2014/main" id="{1E4C4C83-3398-2B45-119D-CB840C25EF8D}"/>
+              </a:ext>
+            </a:extLst>
+          </p:cNvPr>
+          <p:cNvSpPr>
+            <a:spLocks noGrp="1"/>
+          </p:cNvSpPr>
+          <p:nvPr>
+            <p:ph type="title"/>
+          </p:nvPr>
+        </p:nvSpPr>
+        <p:spPr/>
+        <p:txBody>
+          <a:bodyPr/>
+          <a:lstStyle/>
+          <a:p>
+            <a:r>
+              <a:rPr lang="en-US" b="1" dirty="0">
+                <a:solidFill>
+                  <a:schemeClr val="accent6">
+                    <a:lumMod val="50000"/>
+                  </a:schemeClr>
+                </a:solidFill>
+                <a:latin typeface="Segoe UI Semilight" panose="020B0402040204020203" pitchFamily="34" charset="0"/>
+                <a:cs typeface="Segoe UI Semilight" panose="020B0402040204020203" pitchFamily="34" charset="0"/>
+              </a:rPr>
+              <a:t>A</a:t>
+            </a:r>
+            <a:r>
+              <a:rPr lang="en-US" dirty="0"/>
+              <a:t>ctivities</a:t>
+            </a:r>
+            <a:r>
+              <a:rPr lang="en-US" b="1" dirty="0">
+                <a:solidFill>
+                  <a:schemeClr val="tx2">
+                    <a:lumMod val="50000"/>
+                  </a:schemeClr>
+                </a:solidFill>
+                <a:latin typeface="Segoe UI Semilight" panose="020B0402040204020203" pitchFamily="34" charset="0"/>
+                <a:cs typeface="Segoe UI Semilight" panose="020B0402040204020203" pitchFamily="34" charset="0"/>
+              </a:rPr>
+              <a:t> </a:t>
+            </a:r>
+            <a:r>
+              <a:rPr lang="en-US" dirty="0"/>
+              <a:t>in Oracle BPEL Component Designer</a:t>
+            </a:r>
+          </a:p>
+        </p:txBody>
+      </p:sp>
+    </p:spTree>
+    <p:extLst>
+      <p:ext uri="{BB962C8B-B14F-4D97-AF65-F5344CB8AC3E}">
+        <p14:creationId xmlns:p14="http://schemas.microsoft.com/office/powerpoint/2010/main" val="3366643793"/>
+      </p:ext>
+    </p:extLst>
+  </p:cSld>
+  <p:clrMapOvr>
+    <a:masterClrMapping/>
+  </p:clrMapOvr>
+</p:sld>
+</file>
+
+<file path=ppt/slides/slide35.xml><?xml version="1.0" encoding="utf-8"?>
+<p:sld xmlns:a="http://schemas.openxmlformats.org/drawingml/2006/main" xmlns:r="http://schemas.openxmlformats.org/officeDocument/2006/relationships" xmlns:p="http://schemas.openxmlformats.org/presentationml/2006/main">
+  <p:cSld>
+    <p:spTree>
+      <p:nvGrpSpPr>
+        <p:cNvPr id="1" name=""/>
+        <p:cNvGrpSpPr/>
+        <p:nvPr/>
+      </p:nvGrpSpPr>
+      <p:grpSpPr>
+        <a:xfrm>
+          <a:off x="0" y="0"/>
+          <a:ext cx="0" cy="0"/>
+          <a:chOff x="0" y="0"/>
+          <a:chExt cx="0" cy="0"/>
+        </a:xfrm>
+      </p:grpSpPr>
+      <p:sp>
+        <p:nvSpPr>
+          <p:cNvPr id="2" name="Content Placeholder 1">
+            <a:extLst>
+              <a:ext uri="{FF2B5EF4-FFF2-40B4-BE49-F238E27FC236}">
+                <a16:creationId xmlns:a16="http://schemas.microsoft.com/office/drawing/2014/main" id="{5F8A3CAA-F4EA-3DA4-034E-D0B541D2EA73}"/>
+              </a:ext>
+            </a:extLst>
+          </p:cNvPr>
+          <p:cNvSpPr>
+            <a:spLocks noGrp="1"/>
+          </p:cNvSpPr>
+          <p:nvPr>
+            <p:ph idx="1"/>
+          </p:nvPr>
+        </p:nvSpPr>
+        <p:spPr/>
+        <p:txBody>
+          <a:bodyPr/>
+          <a:lstStyle/>
+          <a:p>
+            <a:r>
+              <a:rPr lang="en-US" dirty="0"/>
+              <a:t>Calling External Web Services using BPEL</a:t>
+            </a:r>
+          </a:p>
+        </p:txBody>
+      </p:sp>
+      <p:sp>
+        <p:nvSpPr>
+          <p:cNvPr id="3" name="Title 2">
+            <a:extLst>
+              <a:ext uri="{FF2B5EF4-FFF2-40B4-BE49-F238E27FC236}">
+                <a16:creationId xmlns:a16="http://schemas.microsoft.com/office/drawing/2014/main" id="{B07A7C84-3CB6-08ED-4B90-80757E67CB85}"/>
+              </a:ext>
+            </a:extLst>
+          </p:cNvPr>
+          <p:cNvSpPr>
+            <a:spLocks noGrp="1"/>
+          </p:cNvSpPr>
+          <p:nvPr>
+            <p:ph type="title"/>
+          </p:nvPr>
+        </p:nvSpPr>
+        <p:spPr/>
+        <p:txBody>
+          <a:bodyPr/>
+          <a:lstStyle/>
+          <a:p>
+            <a:r>
+              <a:rPr lang="en-US" b="1" dirty="0">
+                <a:solidFill>
+                  <a:srgbClr val="FF5353"/>
+                </a:solidFill>
+                <a:latin typeface="Segoe UI Semilight" panose="020B0402040204020203" pitchFamily="34" charset="0"/>
+                <a:cs typeface="Segoe UI Semilight" panose="020B0402040204020203" pitchFamily="34" charset="0"/>
+              </a:rPr>
+              <a:t>O</a:t>
+            </a:r>
+            <a:r>
+              <a:rPr lang="en-US" dirty="0"/>
+              <a:t>rchestrating</a:t>
+            </a:r>
+            <a:r>
+              <a:rPr lang="en-US" b="1" dirty="0">
+                <a:solidFill>
+                  <a:schemeClr val="tx2">
+                    <a:lumMod val="50000"/>
+                  </a:schemeClr>
+                </a:solidFill>
+                <a:latin typeface="Segoe UI Semilight" panose="020B0402040204020203" pitchFamily="34" charset="0"/>
+                <a:cs typeface="Segoe UI Semilight" panose="020B0402040204020203" pitchFamily="34" charset="0"/>
+              </a:rPr>
+              <a:t> </a:t>
+            </a:r>
+            <a:r>
+              <a:rPr lang="en-US" dirty="0"/>
+              <a:t>Services with Oracle BPEL (External References)</a:t>
+            </a:r>
+          </a:p>
+        </p:txBody>
+      </p:sp>
+    </p:spTree>
+    <p:extLst>
+      <p:ext uri="{BB962C8B-B14F-4D97-AF65-F5344CB8AC3E}">
+        <p14:creationId xmlns:p14="http://schemas.microsoft.com/office/powerpoint/2010/main" val="3439362223"/>
+      </p:ext>
+    </p:extLst>
+  </p:cSld>
+  <p:clrMapOvr>
+    <a:masterClrMapping/>
+  </p:clrMapOvr>
+</p:sld>
+</file>
+
+<file path=ppt/slides/slide36.xml><?xml version="1.0" encoding="utf-8"?>
 <p:sld xmlns:a="http://schemas.openxmlformats.org/drawingml/2006/main" xmlns:r="http://schemas.openxmlformats.org/officeDocument/2006/relationships" xmlns:p="http://schemas.openxmlformats.org/presentationml/2006/main">
   <p:cSld>
     <p:spTree>
@@ -14156,7 +14495,7 @@
 </p:sld>
 </file>
 
-<file path=ppt/slides/slide35.xml><?xml version="1.0" encoding="utf-8"?>
+<file path=ppt/slides/slide37.xml><?xml version="1.0" encoding="utf-8"?>
 <p:sld xmlns:a="http://schemas.openxmlformats.org/drawingml/2006/main" xmlns:r="http://schemas.openxmlformats.org/officeDocument/2006/relationships" xmlns:p="http://schemas.openxmlformats.org/presentationml/2006/main">
   <p:cSld>
     <p:spTree>
@@ -15789,7 +16128,7 @@
 </p:sld>
 </file>
 
-<file path=ppt/slides/slide36.xml><?xml version="1.0" encoding="utf-8"?>
+<file path=ppt/slides/slide38.xml><?xml version="1.0" encoding="utf-8"?>
 <p:sld xmlns:a="http://schemas.openxmlformats.org/drawingml/2006/main" xmlns:r="http://schemas.openxmlformats.org/officeDocument/2006/relationships" xmlns:p="http://schemas.openxmlformats.org/presentationml/2006/main">
   <p:cSld>
     <p:spTree>
@@ -16916,7 +17255,7 @@
 </p:sld>
 </file>
 
-<file path=ppt/slides/slide37.xml><?xml version="1.0" encoding="utf-8"?>
+<file path=ppt/slides/slide39.xml><?xml version="1.0" encoding="utf-8"?>
 <p:sld xmlns:a="http://schemas.openxmlformats.org/drawingml/2006/main" xmlns:r="http://schemas.openxmlformats.org/officeDocument/2006/relationships" xmlns:p="http://schemas.openxmlformats.org/presentationml/2006/main">
   <p:cSld>
     <p:spTree>
@@ -17100,351 +17439,6 @@
 </p:sld>
 </file>
 
-<file path=ppt/slides/slide38.xml><?xml version="1.0" encoding="utf-8"?>
-<p:sld xmlns:a="http://schemas.openxmlformats.org/drawingml/2006/main" xmlns:r="http://schemas.openxmlformats.org/officeDocument/2006/relationships" xmlns:p="http://schemas.openxmlformats.org/presentationml/2006/main">
-  <p:cSld>
-    <p:spTree>
-      <p:nvGrpSpPr>
-        <p:cNvPr id="1" name=""/>
-        <p:cNvGrpSpPr/>
-        <p:nvPr/>
-      </p:nvGrpSpPr>
-      <p:grpSpPr>
-        <a:xfrm>
-          <a:off x="0" y="0"/>
-          <a:ext cx="0" cy="0"/>
-          <a:chOff x="0" y="0"/>
-          <a:chExt cx="0" cy="0"/>
-        </a:xfrm>
-      </p:grpSpPr>
-      <p:sp>
-        <p:nvSpPr>
-          <p:cNvPr id="3" name="Title 2">
-            <a:extLst>
-              <a:ext uri="{FF2B5EF4-FFF2-40B4-BE49-F238E27FC236}">
-                <a16:creationId xmlns:a16="http://schemas.microsoft.com/office/drawing/2014/main" id="{08583B25-F3F3-4DFE-B8FE-BE825F9FB7A3}"/>
-              </a:ext>
-            </a:extLst>
-          </p:cNvPr>
-          <p:cNvSpPr>
-            <a:spLocks noGrp="1"/>
-          </p:cNvSpPr>
-          <p:nvPr>
-            <p:ph type="title"/>
-          </p:nvPr>
-        </p:nvSpPr>
-        <p:spPr/>
-        <p:txBody>
-          <a:bodyPr/>
-          <a:lstStyle/>
-          <a:p>
-            <a:r>
-              <a:rPr lang="en-US" dirty="0"/>
-              <a:t>WSO2 Architecture</a:t>
-            </a:r>
-          </a:p>
-        </p:txBody>
-      </p:sp>
-      <p:pic>
-        <p:nvPicPr>
-          <p:cNvPr id="8194" name="Picture 2" descr="Deployment Patterns - API Manager 2.1.0 - WSO2 Documentation">
-            <a:extLst>
-              <a:ext uri="{FF2B5EF4-FFF2-40B4-BE49-F238E27FC236}">
-                <a16:creationId xmlns:a16="http://schemas.microsoft.com/office/drawing/2014/main" id="{5B7BACB0-57ED-48F3-8C25-4D42AB85512A}"/>
-              </a:ext>
-            </a:extLst>
-          </p:cNvPr>
-          <p:cNvPicPr>
-            <a:picLocks noChangeAspect="1" noChangeArrowheads="1"/>
-          </p:cNvPicPr>
-          <p:nvPr/>
-        </p:nvPicPr>
-        <p:blipFill>
-          <a:blip r:embed="rId2">
-            <a:extLst>
-              <a:ext uri="{28A0092B-C50C-407E-A947-70E740481C1C}">
-                <a14:useLocalDpi xmlns:a14="http://schemas.microsoft.com/office/drawing/2010/main" val="0"/>
-              </a:ext>
-            </a:extLst>
-          </a:blip>
-          <a:srcRect/>
-          <a:stretch>
-            <a:fillRect/>
-          </a:stretch>
-        </p:blipFill>
-        <p:spPr bwMode="auto">
-          <a:xfrm>
-            <a:off x="1046692" y="849318"/>
-            <a:ext cx="6153150" cy="5276850"/>
-          </a:xfrm>
-          <a:prstGeom prst="rect">
-            <a:avLst/>
-          </a:prstGeom>
-          <a:noFill/>
-          <a:extLst>
-            <a:ext uri="{909E8E84-426E-40DD-AFC4-6F175D3DCCD1}">
-              <a14:hiddenFill xmlns:a14="http://schemas.microsoft.com/office/drawing/2010/main">
-                <a:solidFill>
-                  <a:srgbClr val="FFFFFF"/>
-                </a:solidFill>
-              </a14:hiddenFill>
-            </a:ext>
-          </a:extLst>
-        </p:spPr>
-      </p:pic>
-    </p:spTree>
-    <p:extLst>
-      <p:ext uri="{BB962C8B-B14F-4D97-AF65-F5344CB8AC3E}">
-        <p14:creationId xmlns:p14="http://schemas.microsoft.com/office/powerpoint/2010/main" val="3319649091"/>
-      </p:ext>
-    </p:extLst>
-  </p:cSld>
-  <p:clrMapOvr>
-    <a:masterClrMapping/>
-  </p:clrMapOvr>
-</p:sld>
-</file>
-
-<file path=ppt/slides/slide39.xml><?xml version="1.0" encoding="utf-8"?>
-<p:sld xmlns:a="http://schemas.openxmlformats.org/drawingml/2006/main" xmlns:r="http://schemas.openxmlformats.org/officeDocument/2006/relationships" xmlns:p="http://schemas.openxmlformats.org/presentationml/2006/main">
-  <p:cSld>
-    <p:spTree>
-      <p:nvGrpSpPr>
-        <p:cNvPr id="1" name=""/>
-        <p:cNvGrpSpPr/>
-        <p:nvPr/>
-      </p:nvGrpSpPr>
-      <p:grpSpPr>
-        <a:xfrm>
-          <a:off x="0" y="0"/>
-          <a:ext cx="0" cy="0"/>
-          <a:chOff x="0" y="0"/>
-          <a:chExt cx="0" cy="0"/>
-        </a:xfrm>
-      </p:grpSpPr>
-      <p:sp>
-        <p:nvSpPr>
-          <p:cNvPr id="3" name="Title 2">
-            <a:extLst>
-              <a:ext uri="{FF2B5EF4-FFF2-40B4-BE49-F238E27FC236}">
-                <a16:creationId xmlns:a16="http://schemas.microsoft.com/office/drawing/2014/main" id="{070E7F4B-57AD-4205-8AD9-2C870BC3DB8C}"/>
-              </a:ext>
-            </a:extLst>
-          </p:cNvPr>
-          <p:cNvSpPr>
-            <a:spLocks noGrp="1"/>
-          </p:cNvSpPr>
-          <p:nvPr>
-            <p:ph type="title"/>
-          </p:nvPr>
-        </p:nvSpPr>
-        <p:spPr/>
-        <p:txBody>
-          <a:bodyPr/>
-          <a:lstStyle/>
-          <a:p>
-            <a:r>
-              <a:rPr lang="en-US" dirty="0"/>
-              <a:t>ELK Components</a:t>
-            </a:r>
-          </a:p>
-        </p:txBody>
-      </p:sp>
-      <p:pic>
-        <p:nvPicPr>
-          <p:cNvPr id="4098" name="Picture 2">
-            <a:extLst>
-              <a:ext uri="{FF2B5EF4-FFF2-40B4-BE49-F238E27FC236}">
-                <a16:creationId xmlns:a16="http://schemas.microsoft.com/office/drawing/2014/main" id="{680C7B69-5FD2-4DCE-8373-58505EDCFE46}"/>
-              </a:ext>
-            </a:extLst>
-          </p:cNvPr>
-          <p:cNvPicPr>
-            <a:picLocks noChangeAspect="1" noChangeArrowheads="1"/>
-          </p:cNvPicPr>
-          <p:nvPr/>
-        </p:nvPicPr>
-        <p:blipFill>
-          <a:blip r:embed="rId2">
-            <a:extLst>
-              <a:ext uri="{28A0092B-C50C-407E-A947-70E740481C1C}">
-                <a14:useLocalDpi xmlns:a14="http://schemas.microsoft.com/office/drawing/2010/main" val="0"/>
-              </a:ext>
-            </a:extLst>
-          </a:blip>
-          <a:srcRect/>
-          <a:stretch>
-            <a:fillRect/>
-          </a:stretch>
-        </p:blipFill>
-        <p:spPr bwMode="auto">
-          <a:xfrm>
-            <a:off x="819150" y="1762125"/>
-            <a:ext cx="7505700" cy="3333750"/>
-          </a:xfrm>
-          <a:prstGeom prst="rect">
-            <a:avLst/>
-          </a:prstGeom>
-          <a:noFill/>
-          <a:extLst>
-            <a:ext uri="{909E8E84-426E-40DD-AFC4-6F175D3DCCD1}">
-              <a14:hiddenFill xmlns:a14="http://schemas.microsoft.com/office/drawing/2010/main">
-                <a:solidFill>
-                  <a:srgbClr val="FFFFFF"/>
-                </a:solidFill>
-              </a14:hiddenFill>
-            </a:ext>
-          </a:extLst>
-        </p:spPr>
-      </p:pic>
-      <p:sp>
-        <p:nvSpPr>
-          <p:cNvPr id="4" name="AutoShape 4" descr="Healthcare Dashboard Examples - Klipfolio">
-            <a:extLst>
-              <a:ext uri="{FF2B5EF4-FFF2-40B4-BE49-F238E27FC236}">
-                <a16:creationId xmlns:a16="http://schemas.microsoft.com/office/drawing/2014/main" id="{1E20DBBF-D5A0-4238-8475-7CAD446C6359}"/>
-              </a:ext>
-            </a:extLst>
-          </p:cNvPr>
-          <p:cNvSpPr>
-            <a:spLocks noChangeAspect="1" noChangeArrowheads="1"/>
-          </p:cNvSpPr>
-          <p:nvPr/>
-        </p:nvSpPr>
-        <p:spPr bwMode="auto">
-          <a:xfrm>
-            <a:off x="4419600" y="3276600"/>
-            <a:ext cx="304800" cy="304800"/>
-          </a:xfrm>
-          <a:prstGeom prst="rect">
-            <a:avLst/>
-          </a:prstGeom>
-          <a:noFill/>
-          <a:extLst>
-            <a:ext uri="{909E8E84-426E-40DD-AFC4-6F175D3DCCD1}">
-              <a14:hiddenFill xmlns:a14="http://schemas.microsoft.com/office/drawing/2010/main">
-                <a:solidFill>
-                  <a:srgbClr val="FFFFFF"/>
-                </a:solidFill>
-              </a14:hiddenFill>
-            </a:ext>
-          </a:extLst>
-        </p:spPr>
-        <p:txBody>
-          <a:bodyPr vert="horz" wrap="square" lIns="91440" tIns="45720" rIns="91440" bIns="45720" numCol="1" anchor="t" anchorCtr="0" compatLnSpc="1">
-            <a:prstTxWarp prst="textNoShape">
-              <a:avLst/>
-            </a:prstTxWarp>
-          </a:bodyPr>
-          <a:lstStyle/>
-          <a:p>
-            <a:endParaRPr lang="en-US"/>
-          </a:p>
-        </p:txBody>
-      </p:sp>
-      <p:sp>
-        <p:nvSpPr>
-          <p:cNvPr id="5" name="AutoShape 6">
-            <a:extLst>
-              <a:ext uri="{FF2B5EF4-FFF2-40B4-BE49-F238E27FC236}">
-                <a16:creationId xmlns:a16="http://schemas.microsoft.com/office/drawing/2014/main" id="{30113333-388C-40E1-B6CB-22D2B7C4AF59}"/>
-              </a:ext>
-            </a:extLst>
-          </p:cNvPr>
-          <p:cNvSpPr>
-            <a:spLocks noChangeAspect="1" noChangeArrowheads="1"/>
-          </p:cNvSpPr>
-          <p:nvPr/>
-        </p:nvSpPr>
-        <p:spPr bwMode="auto">
-          <a:xfrm>
-            <a:off x="4572000" y="3429000"/>
-            <a:ext cx="304800" cy="304800"/>
-          </a:xfrm>
-          <a:prstGeom prst="rect">
-            <a:avLst/>
-          </a:prstGeom>
-          <a:noFill/>
-          <a:extLst>
-            <a:ext uri="{909E8E84-426E-40DD-AFC4-6F175D3DCCD1}">
-              <a14:hiddenFill xmlns:a14="http://schemas.microsoft.com/office/drawing/2010/main">
-                <a:solidFill>
-                  <a:srgbClr val="FFFFFF"/>
-                </a:solidFill>
-              </a14:hiddenFill>
-            </a:ext>
-          </a:extLst>
-        </p:spPr>
-        <p:txBody>
-          <a:bodyPr vert="horz" wrap="square" lIns="91440" tIns="45720" rIns="91440" bIns="45720" numCol="1" anchor="t" anchorCtr="0" compatLnSpc="1">
-            <a:prstTxWarp prst="textNoShape">
-              <a:avLst/>
-            </a:prstTxWarp>
-          </a:bodyPr>
-          <a:lstStyle/>
-          <a:p>
-            <a:endParaRPr lang="en-US"/>
-          </a:p>
-        </p:txBody>
-      </p:sp>
-      <p:sp>
-        <p:nvSpPr>
-          <p:cNvPr id="6" name="AutoShape 8" descr="Reporting and data visualization in Kibana | by Veronika Rovnik | Towards  Data Science">
-            <a:extLst>
-              <a:ext uri="{FF2B5EF4-FFF2-40B4-BE49-F238E27FC236}">
-                <a16:creationId xmlns:a16="http://schemas.microsoft.com/office/drawing/2014/main" id="{29D2EBEB-C5F8-4897-82D6-D79B6758830F}"/>
-              </a:ext>
-            </a:extLst>
-          </p:cNvPr>
-          <p:cNvSpPr>
-            <a:spLocks noChangeAspect="1" noChangeArrowheads="1"/>
-          </p:cNvSpPr>
-          <p:nvPr/>
-        </p:nvSpPr>
-        <p:spPr bwMode="auto">
-          <a:xfrm>
-            <a:off x="4724400" y="3581400"/>
-            <a:ext cx="304800" cy="304800"/>
-          </a:xfrm>
-          <a:prstGeom prst="rect">
-            <a:avLst/>
-          </a:prstGeom>
-          <a:noFill/>
-          <a:extLst>
-            <a:ext uri="{909E8E84-426E-40DD-AFC4-6F175D3DCCD1}">
-              <a14:hiddenFill xmlns:a14="http://schemas.microsoft.com/office/drawing/2010/main">
-                <a:solidFill>
-                  <a:srgbClr val="FFFFFF"/>
-                </a:solidFill>
-              </a14:hiddenFill>
-            </a:ext>
-          </a:extLst>
-        </p:spPr>
-        <p:txBody>
-          <a:bodyPr vert="horz" wrap="square" lIns="91440" tIns="45720" rIns="91440" bIns="45720" numCol="1" anchor="t" anchorCtr="0" compatLnSpc="1">
-            <a:prstTxWarp prst="textNoShape">
-              <a:avLst/>
-            </a:prstTxWarp>
-          </a:bodyPr>
-          <a:lstStyle/>
-          <a:p>
-            <a:endParaRPr lang="en-US"/>
-          </a:p>
-        </p:txBody>
-      </p:sp>
-    </p:spTree>
-    <p:extLst>
-      <p:ext uri="{BB962C8B-B14F-4D97-AF65-F5344CB8AC3E}">
-        <p14:creationId xmlns:p14="http://schemas.microsoft.com/office/powerpoint/2010/main" val="1557465196"/>
-      </p:ext>
-    </p:extLst>
-  </p:cSld>
-  <p:clrMapOvr>
-    <a:masterClrMapping/>
-  </p:clrMapOvr>
-</p:sld>
-</file>
-
 <file path=ppt/slides/slide4.xml><?xml version="1.0" encoding="utf-8"?>
 <p:sld xmlns:a="http://schemas.openxmlformats.org/drawingml/2006/main" xmlns:r="http://schemas.openxmlformats.org/officeDocument/2006/relationships" xmlns:p="http://schemas.openxmlformats.org/presentationml/2006/main">
   <p:cSld>
@@ -17720,6 +17714,351 @@
     <p:extLst>
       <p:ext uri="{BB962C8B-B14F-4D97-AF65-F5344CB8AC3E}">
         <p14:creationId xmlns:p14="http://schemas.microsoft.com/office/powerpoint/2010/main" val="3838409942"/>
+      </p:ext>
+    </p:extLst>
+  </p:cSld>
+  <p:clrMapOvr>
+    <a:masterClrMapping/>
+  </p:clrMapOvr>
+</p:sld>
+</file>
+
+<file path=ppt/slides/slide40.xml><?xml version="1.0" encoding="utf-8"?>
+<p:sld xmlns:a="http://schemas.openxmlformats.org/drawingml/2006/main" xmlns:r="http://schemas.openxmlformats.org/officeDocument/2006/relationships" xmlns:p="http://schemas.openxmlformats.org/presentationml/2006/main">
+  <p:cSld>
+    <p:spTree>
+      <p:nvGrpSpPr>
+        <p:cNvPr id="1" name=""/>
+        <p:cNvGrpSpPr/>
+        <p:nvPr/>
+      </p:nvGrpSpPr>
+      <p:grpSpPr>
+        <a:xfrm>
+          <a:off x="0" y="0"/>
+          <a:ext cx="0" cy="0"/>
+          <a:chOff x="0" y="0"/>
+          <a:chExt cx="0" cy="0"/>
+        </a:xfrm>
+      </p:grpSpPr>
+      <p:sp>
+        <p:nvSpPr>
+          <p:cNvPr id="3" name="Title 2">
+            <a:extLst>
+              <a:ext uri="{FF2B5EF4-FFF2-40B4-BE49-F238E27FC236}">
+                <a16:creationId xmlns:a16="http://schemas.microsoft.com/office/drawing/2014/main" id="{08583B25-F3F3-4DFE-B8FE-BE825F9FB7A3}"/>
+              </a:ext>
+            </a:extLst>
+          </p:cNvPr>
+          <p:cNvSpPr>
+            <a:spLocks noGrp="1"/>
+          </p:cNvSpPr>
+          <p:nvPr>
+            <p:ph type="title"/>
+          </p:nvPr>
+        </p:nvSpPr>
+        <p:spPr/>
+        <p:txBody>
+          <a:bodyPr/>
+          <a:lstStyle/>
+          <a:p>
+            <a:r>
+              <a:rPr lang="en-US" dirty="0"/>
+              <a:t>WSO2 Architecture</a:t>
+            </a:r>
+          </a:p>
+        </p:txBody>
+      </p:sp>
+      <p:pic>
+        <p:nvPicPr>
+          <p:cNvPr id="8194" name="Picture 2" descr="Deployment Patterns - API Manager 2.1.0 - WSO2 Documentation">
+            <a:extLst>
+              <a:ext uri="{FF2B5EF4-FFF2-40B4-BE49-F238E27FC236}">
+                <a16:creationId xmlns:a16="http://schemas.microsoft.com/office/drawing/2014/main" id="{5B7BACB0-57ED-48F3-8C25-4D42AB85512A}"/>
+              </a:ext>
+            </a:extLst>
+          </p:cNvPr>
+          <p:cNvPicPr>
+            <a:picLocks noChangeAspect="1" noChangeArrowheads="1"/>
+          </p:cNvPicPr>
+          <p:nvPr/>
+        </p:nvPicPr>
+        <p:blipFill>
+          <a:blip r:embed="rId2">
+            <a:extLst>
+              <a:ext uri="{28A0092B-C50C-407E-A947-70E740481C1C}">
+                <a14:useLocalDpi xmlns:a14="http://schemas.microsoft.com/office/drawing/2010/main" val="0"/>
+              </a:ext>
+            </a:extLst>
+          </a:blip>
+          <a:srcRect/>
+          <a:stretch>
+            <a:fillRect/>
+          </a:stretch>
+        </p:blipFill>
+        <p:spPr bwMode="auto">
+          <a:xfrm>
+            <a:off x="1046692" y="849318"/>
+            <a:ext cx="6153150" cy="5276850"/>
+          </a:xfrm>
+          <a:prstGeom prst="rect">
+            <a:avLst/>
+          </a:prstGeom>
+          <a:noFill/>
+          <a:extLst>
+            <a:ext uri="{909E8E84-426E-40DD-AFC4-6F175D3DCCD1}">
+              <a14:hiddenFill xmlns:a14="http://schemas.microsoft.com/office/drawing/2010/main">
+                <a:solidFill>
+                  <a:srgbClr val="FFFFFF"/>
+                </a:solidFill>
+              </a14:hiddenFill>
+            </a:ext>
+          </a:extLst>
+        </p:spPr>
+      </p:pic>
+    </p:spTree>
+    <p:extLst>
+      <p:ext uri="{BB962C8B-B14F-4D97-AF65-F5344CB8AC3E}">
+        <p14:creationId xmlns:p14="http://schemas.microsoft.com/office/powerpoint/2010/main" val="3319649091"/>
+      </p:ext>
+    </p:extLst>
+  </p:cSld>
+  <p:clrMapOvr>
+    <a:masterClrMapping/>
+  </p:clrMapOvr>
+</p:sld>
+</file>
+
+<file path=ppt/slides/slide41.xml><?xml version="1.0" encoding="utf-8"?>
+<p:sld xmlns:a="http://schemas.openxmlformats.org/drawingml/2006/main" xmlns:r="http://schemas.openxmlformats.org/officeDocument/2006/relationships" xmlns:p="http://schemas.openxmlformats.org/presentationml/2006/main">
+  <p:cSld>
+    <p:spTree>
+      <p:nvGrpSpPr>
+        <p:cNvPr id="1" name=""/>
+        <p:cNvGrpSpPr/>
+        <p:nvPr/>
+      </p:nvGrpSpPr>
+      <p:grpSpPr>
+        <a:xfrm>
+          <a:off x="0" y="0"/>
+          <a:ext cx="0" cy="0"/>
+          <a:chOff x="0" y="0"/>
+          <a:chExt cx="0" cy="0"/>
+        </a:xfrm>
+      </p:grpSpPr>
+      <p:sp>
+        <p:nvSpPr>
+          <p:cNvPr id="3" name="Title 2">
+            <a:extLst>
+              <a:ext uri="{FF2B5EF4-FFF2-40B4-BE49-F238E27FC236}">
+                <a16:creationId xmlns:a16="http://schemas.microsoft.com/office/drawing/2014/main" id="{070E7F4B-57AD-4205-8AD9-2C870BC3DB8C}"/>
+              </a:ext>
+            </a:extLst>
+          </p:cNvPr>
+          <p:cNvSpPr>
+            <a:spLocks noGrp="1"/>
+          </p:cNvSpPr>
+          <p:nvPr>
+            <p:ph type="title"/>
+          </p:nvPr>
+        </p:nvSpPr>
+        <p:spPr/>
+        <p:txBody>
+          <a:bodyPr/>
+          <a:lstStyle/>
+          <a:p>
+            <a:r>
+              <a:rPr lang="en-US" dirty="0"/>
+              <a:t>ELK Components</a:t>
+            </a:r>
+          </a:p>
+        </p:txBody>
+      </p:sp>
+      <p:pic>
+        <p:nvPicPr>
+          <p:cNvPr id="4098" name="Picture 2">
+            <a:extLst>
+              <a:ext uri="{FF2B5EF4-FFF2-40B4-BE49-F238E27FC236}">
+                <a16:creationId xmlns:a16="http://schemas.microsoft.com/office/drawing/2014/main" id="{680C7B69-5FD2-4DCE-8373-58505EDCFE46}"/>
+              </a:ext>
+            </a:extLst>
+          </p:cNvPr>
+          <p:cNvPicPr>
+            <a:picLocks noChangeAspect="1" noChangeArrowheads="1"/>
+          </p:cNvPicPr>
+          <p:nvPr/>
+        </p:nvPicPr>
+        <p:blipFill>
+          <a:blip r:embed="rId2">
+            <a:extLst>
+              <a:ext uri="{28A0092B-C50C-407E-A947-70E740481C1C}">
+                <a14:useLocalDpi xmlns:a14="http://schemas.microsoft.com/office/drawing/2010/main" val="0"/>
+              </a:ext>
+            </a:extLst>
+          </a:blip>
+          <a:srcRect/>
+          <a:stretch>
+            <a:fillRect/>
+          </a:stretch>
+        </p:blipFill>
+        <p:spPr bwMode="auto">
+          <a:xfrm>
+            <a:off x="819150" y="1762125"/>
+            <a:ext cx="7505700" cy="3333750"/>
+          </a:xfrm>
+          <a:prstGeom prst="rect">
+            <a:avLst/>
+          </a:prstGeom>
+          <a:noFill/>
+          <a:extLst>
+            <a:ext uri="{909E8E84-426E-40DD-AFC4-6F175D3DCCD1}">
+              <a14:hiddenFill xmlns:a14="http://schemas.microsoft.com/office/drawing/2010/main">
+                <a:solidFill>
+                  <a:srgbClr val="FFFFFF"/>
+                </a:solidFill>
+              </a14:hiddenFill>
+            </a:ext>
+          </a:extLst>
+        </p:spPr>
+      </p:pic>
+      <p:sp>
+        <p:nvSpPr>
+          <p:cNvPr id="4" name="AutoShape 4" descr="Healthcare Dashboard Examples - Klipfolio">
+            <a:extLst>
+              <a:ext uri="{FF2B5EF4-FFF2-40B4-BE49-F238E27FC236}">
+                <a16:creationId xmlns:a16="http://schemas.microsoft.com/office/drawing/2014/main" id="{1E20DBBF-D5A0-4238-8475-7CAD446C6359}"/>
+              </a:ext>
+            </a:extLst>
+          </p:cNvPr>
+          <p:cNvSpPr>
+            <a:spLocks noChangeAspect="1" noChangeArrowheads="1"/>
+          </p:cNvSpPr>
+          <p:nvPr/>
+        </p:nvSpPr>
+        <p:spPr bwMode="auto">
+          <a:xfrm>
+            <a:off x="4419600" y="3276600"/>
+            <a:ext cx="304800" cy="304800"/>
+          </a:xfrm>
+          <a:prstGeom prst="rect">
+            <a:avLst/>
+          </a:prstGeom>
+          <a:noFill/>
+          <a:extLst>
+            <a:ext uri="{909E8E84-426E-40DD-AFC4-6F175D3DCCD1}">
+              <a14:hiddenFill xmlns:a14="http://schemas.microsoft.com/office/drawing/2010/main">
+                <a:solidFill>
+                  <a:srgbClr val="FFFFFF"/>
+                </a:solidFill>
+              </a14:hiddenFill>
+            </a:ext>
+          </a:extLst>
+        </p:spPr>
+        <p:txBody>
+          <a:bodyPr vert="horz" wrap="square" lIns="91440" tIns="45720" rIns="91440" bIns="45720" numCol="1" anchor="t" anchorCtr="0" compatLnSpc="1">
+            <a:prstTxWarp prst="textNoShape">
+              <a:avLst/>
+            </a:prstTxWarp>
+          </a:bodyPr>
+          <a:lstStyle/>
+          <a:p>
+            <a:endParaRPr lang="en-US"/>
+          </a:p>
+        </p:txBody>
+      </p:sp>
+      <p:sp>
+        <p:nvSpPr>
+          <p:cNvPr id="5" name="AutoShape 6">
+            <a:extLst>
+              <a:ext uri="{FF2B5EF4-FFF2-40B4-BE49-F238E27FC236}">
+                <a16:creationId xmlns:a16="http://schemas.microsoft.com/office/drawing/2014/main" id="{30113333-388C-40E1-B6CB-22D2B7C4AF59}"/>
+              </a:ext>
+            </a:extLst>
+          </p:cNvPr>
+          <p:cNvSpPr>
+            <a:spLocks noChangeAspect="1" noChangeArrowheads="1"/>
+          </p:cNvSpPr>
+          <p:nvPr/>
+        </p:nvSpPr>
+        <p:spPr bwMode="auto">
+          <a:xfrm>
+            <a:off x="4572000" y="3429000"/>
+            <a:ext cx="304800" cy="304800"/>
+          </a:xfrm>
+          <a:prstGeom prst="rect">
+            <a:avLst/>
+          </a:prstGeom>
+          <a:noFill/>
+          <a:extLst>
+            <a:ext uri="{909E8E84-426E-40DD-AFC4-6F175D3DCCD1}">
+              <a14:hiddenFill xmlns:a14="http://schemas.microsoft.com/office/drawing/2010/main">
+                <a:solidFill>
+                  <a:srgbClr val="FFFFFF"/>
+                </a:solidFill>
+              </a14:hiddenFill>
+            </a:ext>
+          </a:extLst>
+        </p:spPr>
+        <p:txBody>
+          <a:bodyPr vert="horz" wrap="square" lIns="91440" tIns="45720" rIns="91440" bIns="45720" numCol="1" anchor="t" anchorCtr="0" compatLnSpc="1">
+            <a:prstTxWarp prst="textNoShape">
+              <a:avLst/>
+            </a:prstTxWarp>
+          </a:bodyPr>
+          <a:lstStyle/>
+          <a:p>
+            <a:endParaRPr lang="en-US"/>
+          </a:p>
+        </p:txBody>
+      </p:sp>
+      <p:sp>
+        <p:nvSpPr>
+          <p:cNvPr id="6" name="AutoShape 8" descr="Reporting and data visualization in Kibana | by Veronika Rovnik | Towards  Data Science">
+            <a:extLst>
+              <a:ext uri="{FF2B5EF4-FFF2-40B4-BE49-F238E27FC236}">
+                <a16:creationId xmlns:a16="http://schemas.microsoft.com/office/drawing/2014/main" id="{29D2EBEB-C5F8-4897-82D6-D79B6758830F}"/>
+              </a:ext>
+            </a:extLst>
+          </p:cNvPr>
+          <p:cNvSpPr>
+            <a:spLocks noChangeAspect="1" noChangeArrowheads="1"/>
+          </p:cNvSpPr>
+          <p:nvPr/>
+        </p:nvSpPr>
+        <p:spPr bwMode="auto">
+          <a:xfrm>
+            <a:off x="4724400" y="3581400"/>
+            <a:ext cx="304800" cy="304800"/>
+          </a:xfrm>
+          <a:prstGeom prst="rect">
+            <a:avLst/>
+          </a:prstGeom>
+          <a:noFill/>
+          <a:extLst>
+            <a:ext uri="{909E8E84-426E-40DD-AFC4-6F175D3DCCD1}">
+              <a14:hiddenFill xmlns:a14="http://schemas.microsoft.com/office/drawing/2010/main">
+                <a:solidFill>
+                  <a:srgbClr val="FFFFFF"/>
+                </a:solidFill>
+              </a14:hiddenFill>
+            </a:ext>
+          </a:extLst>
+        </p:spPr>
+        <p:txBody>
+          <a:bodyPr vert="horz" wrap="square" lIns="91440" tIns="45720" rIns="91440" bIns="45720" numCol="1" anchor="t" anchorCtr="0" compatLnSpc="1">
+            <a:prstTxWarp prst="textNoShape">
+              <a:avLst/>
+            </a:prstTxWarp>
+          </a:bodyPr>
+          <a:lstStyle/>
+          <a:p>
+            <a:endParaRPr lang="en-US"/>
+          </a:p>
+        </p:txBody>
+      </p:sp>
+    </p:spTree>
+    <p:extLst>
+      <p:ext uri="{BB962C8B-B14F-4D97-AF65-F5344CB8AC3E}">
+        <p14:creationId xmlns:p14="http://schemas.microsoft.com/office/powerpoint/2010/main" val="1557465196"/>
       </p:ext>
     </p:extLst>
   </p:cSld>

--- a/Presentation/soaTrainingPresentation.pptx
+++ b/Presentation/soaTrainingPresentation.pptx
@@ -3744,7 +3744,7 @@
         </p:nvSpPr>
         <p:spPr>
           <a:xfrm>
-            <a:off x="457200" y="1262743"/>
+            <a:off x="251012" y="1343426"/>
             <a:ext cx="8229600" cy="2989280"/>
           </a:xfrm>
           <a:prstGeom prst="rect">
@@ -9361,26 +9361,7 @@
                   </a:extLst>
                 </a:hlinkClick>
               </a:rPr>
-              <a:t>computer </a:t>
-            </a:r>
-            <a:r>
-              <a:rPr lang="en-US" sz="1500" dirty="0" err="1">
-                <a:solidFill>
-                  <a:schemeClr val="tx2">
-                    <a:lumMod val="60000"/>
-                    <a:lumOff val="40000"/>
-                  </a:schemeClr>
-                </a:solidFill>
-                <a:latin typeface="Trebuchet MS" pitchFamily="34" charset="0"/>
-                <a:hlinkClick r:id="rId4" tooltip="Computer architecture">
-                  <a:extLst>
-                    <a:ext uri="{A12FA001-AC4F-418D-AE19-62706E023703}">
-                      <ahyp:hlinkClr xmlns:ahyp="http://schemas.microsoft.com/office/drawing/2018/hyperlinkcolor" val="tx"/>
-                    </a:ext>
-                  </a:extLst>
-                </a:hlinkClick>
-              </a:rPr>
-              <a:t>hardwarearchitecture</a:t>
+              <a:t>computer hardware architecture</a:t>
             </a:r>
             <a:r>
               <a:rPr lang="en-US" sz="1500" dirty="0">
